--- a/Artefatos/16. DFD ESSENCIAL CAPACIDADES.pptx
+++ b/Artefatos/16. DFD ESSENCIAL CAPACIDADES.pptx
@@ -2,17 +2,13 @@
 <file path=ppt/presentation.xml><?xml version="1.0" encoding="utf-8"?>
 <p:presentation xmlns:a="http://schemas.openxmlformats.org/drawingml/2006/main" xmlns:r="http://schemas.openxmlformats.org/officeDocument/2006/relationships" xmlns:mc="http://schemas.openxmlformats.org/markup-compatibility/2006" xmlns:mv="urn:schemas-microsoft-com:mac:vml" xmlns:p="http://schemas.openxmlformats.org/presentationml/2006/main" xmlns:c="http://schemas.openxmlformats.org/drawingml/2006/chart" xmlns:dgm="http://schemas.openxmlformats.org/drawingml/2006/diagram" xmlns:o="urn:schemas-microsoft-com:office:office" xmlns:v="urn:schemas-microsoft-com:vml" xmlns:pvml="urn:schemas-microsoft-com:office:powerpoint" xmlns:com="http://schemas.openxmlformats.org/drawingml/2006/compatibility" xmlns:p14="http://schemas.microsoft.com/office/powerpoint/2010/main" xmlns:p15="http://schemas.microsoft.com/office/powerpoint/2012/main" xmlns:ahyp="http://schemas.microsoft.com/office/drawing/2018/hyperlinkcolor" autoCompressPictures="0" strictFirstAndLastChars="0" saveSubsetFonts="1">
   <p:sldMasterIdLst>
-    <p:sldMasterId id="2147483648" r:id="rId4"/>
+    <p:sldMasterId id="2147483659" r:id="rId4"/>
   </p:sldMasterIdLst>
   <p:notesMasterIdLst>
     <p:notesMasterId r:id="rId5"/>
   </p:notesMasterIdLst>
   <p:sldIdLst>
     <p:sldId id="256" r:id="rId6"/>
-    <p:sldId id="257" r:id="rId7"/>
-    <p:sldId id="258" r:id="rId8"/>
-    <p:sldId id="259" r:id="rId9"/>
-    <p:sldId id="260" r:id="rId10"/>
   </p:sldIdLst>
   <p:sldSz cy="5143500" cx="9144000"/>
   <p:notesSz cx="6858000" cy="9144000"/>
@@ -259,9 +255,6 @@
           </p15:clr>
         </p15:guide>
       </p15:sldGuideLst>
-    </p:ext>
-    <p:ext uri="http://customooxmlschemas.google.com/">
-      <go:slidesCustomData xmlns:go="http://customooxmlschemas.google.com/" r:id="rId11" roundtripDataSignature="AMtx7mg6AFntJ9h5uoAGxH+GGsqu2q2GoA=="/>
     </p:ext>
   </p:extLst>
 </p:presentation>
@@ -931,920 +924,7 @@
               <a:buNone/>
             </a:pPr>
             <a:r>
-              <a:rPr lang="pt-BR"/>
-              <a:t>1 - TIRAR A ENTREGA E DEIXAR DOCUMENTOS E CURSOS DESEJADOS;</a:t>
-            </a:r>
-            <a:endParaRPr/>
-          </a:p>
-          <a:p>
-            <a:pPr indent="0" lvl="0" marL="0" rtl="0" algn="l">
-              <a:lnSpc>
-                <a:spcPct val="100000"/>
-              </a:lnSpc>
-              <a:spcBef>
-                <a:spcPts val="0"/>
-              </a:spcBef>
-              <a:spcAft>
-                <a:spcPts val="0"/>
-              </a:spcAft>
-              <a:buSzPts val="1100"/>
-              <a:buNone/>
-            </a:pPr>
-            <a:r>
-              <a:rPr lang="pt-BR"/>
-              <a:t># Observação = 2 - TIRAR ANALISAR DOCUMENTOS E DEIXAR REALIZAR MATRICULA;</a:t>
-            </a:r>
-            <a:endParaRPr/>
-          </a:p>
-          <a:p>
-            <a:pPr indent="0" lvl="0" marL="0" rtl="0" algn="l">
-              <a:lnSpc>
-                <a:spcPct val="100000"/>
-              </a:lnSpc>
-              <a:spcBef>
-                <a:spcPts val="0"/>
-              </a:spcBef>
-              <a:spcAft>
-                <a:spcPts val="0"/>
-              </a:spcAft>
-              <a:buSzPts val="1100"/>
-              <a:buNone/>
-            </a:pPr>
-            <a:r>
-              <a:rPr lang="pt-BR"/>
-              <a:t>3 - CRIAR UM DEPÓSITO DE DADOS MATRÍCULA.</a:t>
-            </a:r>
-            <a:endParaRPr/>
-          </a:p>
-        </p:txBody>
-      </p:sp>
-    </p:spTree>
-  </p:cSld>
-  <p:clrMapOvr>
-    <a:masterClrMapping/>
-  </p:clrMapOvr>
-</p:notes>
-</file>
-
-<file path=ppt/notesSlides/notesSlide2.xml><?xml version="1.0" encoding="utf-8"?>
-<p:notes xmlns:a="http://schemas.openxmlformats.org/drawingml/2006/main" xmlns:r="http://schemas.openxmlformats.org/officeDocument/2006/relationships" xmlns:mc="http://schemas.openxmlformats.org/markup-compatibility/2006" xmlns:mv="urn:schemas-microsoft-com:mac:vml" xmlns:p="http://schemas.openxmlformats.org/presentationml/2006/main" xmlns:c="http://schemas.openxmlformats.org/drawingml/2006/chart" xmlns:dgm="http://schemas.openxmlformats.org/drawingml/2006/diagram" xmlns:o="urn:schemas-microsoft-com:office:office" xmlns:v="urn:schemas-microsoft-com:vml" xmlns:pvml="urn:schemas-microsoft-com:office:powerpoint" xmlns:com="http://schemas.openxmlformats.org/drawingml/2006/compatibility" xmlns:p14="http://schemas.microsoft.com/office/powerpoint/2010/main" xmlns:p15="http://schemas.microsoft.com/office/powerpoint/2012/main" xmlns:ahyp="http://schemas.microsoft.com/office/drawing/2018/hyperlinkcolor" showMasterPhAnim="0" showMasterSp="0">
-  <p:cSld>
-    <p:spTree>
-      <p:nvGrpSpPr>
-        <p:cNvPr id="56" name="Shape 56"/>
-        <p:cNvGrpSpPr/>
-        <p:nvPr/>
-      </p:nvGrpSpPr>
-      <p:grpSpPr>
-        <a:xfrm>
-          <a:off x="0" y="0"/>
-          <a:ext cx="0" cy="0"/>
-          <a:chOff x="0" y="0"/>
-          <a:chExt cx="0" cy="0"/>
-        </a:xfrm>
-      </p:grpSpPr>
-      <p:sp>
-        <p:nvSpPr>
-          <p:cNvPr id="57" name="Google Shape;57;p4:notes"/>
-          <p:cNvSpPr/>
-          <p:nvPr>
-            <p:ph idx="2" type="sldImg"/>
-          </p:nvPr>
-        </p:nvSpPr>
-        <p:spPr>
-          <a:xfrm>
-            <a:off x="381300" y="685800"/>
-            <a:ext cx="6096000" cy="3429000"/>
-          </a:xfrm>
-          <a:custGeom>
-            <a:rect b="b" l="l" r="r" t="t"/>
-            <a:pathLst>
-              <a:path extrusionOk="0" h="120000" w="120000">
-                <a:moveTo>
-                  <a:pt x="0" y="0"/>
-                </a:moveTo>
-                <a:lnTo>
-                  <a:pt x="120000" y="0"/>
-                </a:lnTo>
-                <a:lnTo>
-                  <a:pt x="120000" y="120000"/>
-                </a:lnTo>
-                <a:lnTo>
-                  <a:pt x="0" y="120000"/>
-                </a:lnTo>
-                <a:close/>
-              </a:path>
-            </a:pathLst>
-          </a:custGeom>
-          <a:noFill/>
-          <a:ln cap="flat" cmpd="sng" w="9525">
-            <a:solidFill>
-              <a:srgbClr val="000000"/>
-            </a:solidFill>
-            <a:prstDash val="solid"/>
-            <a:round/>
-            <a:headEnd len="sm" w="sm" type="none"/>
-            <a:tailEnd len="sm" w="sm" type="none"/>
-          </a:ln>
-        </p:spPr>
-      </p:sp>
-      <p:sp>
-        <p:nvSpPr>
-          <p:cNvPr id="58" name="Google Shape;58;p4:notes"/>
-          <p:cNvSpPr txBox="1"/>
-          <p:nvPr>
-            <p:ph idx="1" type="body"/>
-          </p:nvPr>
-        </p:nvSpPr>
-        <p:spPr>
-          <a:xfrm>
-            <a:off x="685800" y="4343400"/>
-            <a:ext cx="5486400" cy="4114800"/>
-          </a:xfrm>
-          <a:prstGeom prst="rect">
-            <a:avLst/>
-          </a:prstGeom>
-          <a:noFill/>
-          <a:ln>
-            <a:noFill/>
-          </a:ln>
-        </p:spPr>
-        <p:txBody>
-          <a:bodyPr anchorCtr="0" anchor="t" bIns="91425" lIns="91425" spcFirstLastPara="1" rIns="91425" wrap="square" tIns="91425">
-            <a:noAutofit/>
-          </a:bodyPr>
-          <a:lstStyle/>
-          <a:p>
-            <a:pPr indent="0" lvl="0" marL="0" rtl="0" algn="l">
-              <a:lnSpc>
-                <a:spcPct val="100000"/>
-              </a:lnSpc>
-              <a:spcBef>
-                <a:spcPts val="0"/>
-              </a:spcBef>
-              <a:spcAft>
-                <a:spcPts val="0"/>
-              </a:spcAft>
-              <a:buSzPts val="1100"/>
-              <a:buNone/>
-            </a:pPr>
-            <a:r>
-              <a:rPr lang="pt-BR"/>
-              <a:t>1 - RETIRAR SOLICITA POR SOLICITAÇÃO;</a:t>
-            </a:r>
-            <a:endParaRPr/>
-          </a:p>
-          <a:p>
-            <a:pPr indent="0" lvl="0" marL="0" rtl="0" algn="l">
-              <a:lnSpc>
-                <a:spcPct val="100000"/>
-              </a:lnSpc>
-              <a:spcBef>
-                <a:spcPts val="0"/>
-              </a:spcBef>
-              <a:spcAft>
-                <a:spcPts val="0"/>
-              </a:spcAft>
-              <a:buSzPts val="1100"/>
-              <a:buNone/>
-            </a:pPr>
-            <a:r>
-              <a:rPr lang="pt-BR"/>
-              <a:t>2 - RETIRAR INFORMA PROTOCOLO POR PROTOCOLO DE ATENDIMENTO;</a:t>
-            </a:r>
-            <a:endParaRPr/>
-          </a:p>
-          <a:p>
-            <a:pPr indent="0" lvl="0" marL="0" rtl="0" algn="l">
-              <a:lnSpc>
-                <a:spcPct val="100000"/>
-              </a:lnSpc>
-              <a:spcBef>
-                <a:spcPts val="0"/>
-              </a:spcBef>
-              <a:spcAft>
-                <a:spcPts val="0"/>
-              </a:spcAft>
-              <a:buSzPts val="1100"/>
-              <a:buNone/>
-            </a:pPr>
-            <a:r>
-              <a:rPr lang="pt-BR"/>
-              <a:t>3 - CRIAR UM DEPÓSITO DE DADOS SOLICITAÇÃO DE REABERTURA DE MATRÍCULA;</a:t>
-            </a:r>
-            <a:endParaRPr/>
-          </a:p>
-          <a:p>
-            <a:pPr indent="0" lvl="0" marL="0" rtl="0" algn="l">
-              <a:lnSpc>
-                <a:spcPct val="100000"/>
-              </a:lnSpc>
-              <a:spcBef>
-                <a:spcPts val="0"/>
-              </a:spcBef>
-              <a:spcAft>
-                <a:spcPts val="0"/>
-              </a:spcAft>
-              <a:buSzPts val="1100"/>
-              <a:buNone/>
-            </a:pPr>
-            <a:r>
-              <a:rPr lang="pt-BR"/>
-              <a:t>4 - TIRAR INFORMA E DEIXAR COBRANÇA E MENSALIDADE + DATA + TURMA;</a:t>
-            </a:r>
-            <a:endParaRPr/>
-          </a:p>
-          <a:p>
-            <a:pPr indent="0" lvl="0" marL="0" rtl="0" algn="l">
-              <a:lnSpc>
-                <a:spcPct val="100000"/>
-              </a:lnSpc>
-              <a:spcBef>
-                <a:spcPts val="0"/>
-              </a:spcBef>
-              <a:spcAft>
-                <a:spcPts val="0"/>
-              </a:spcAft>
-              <a:buSzPts val="1100"/>
-              <a:buNone/>
-            </a:pPr>
-            <a:r>
-              <a:rPr lang="pt-BR"/>
-              <a:t>5 -  TROCAR FINANCEIRO POR CONTAS A RECEBER;</a:t>
-            </a:r>
-            <a:endParaRPr/>
-          </a:p>
-          <a:p>
-            <a:pPr indent="0" lvl="0" marL="0" rtl="0" algn="l">
-              <a:lnSpc>
-                <a:spcPct val="100000"/>
-              </a:lnSpc>
-              <a:spcBef>
-                <a:spcPts val="0"/>
-              </a:spcBef>
-              <a:spcAft>
-                <a:spcPts val="0"/>
-              </a:spcAft>
-              <a:buSzPts val="1100"/>
-              <a:buNone/>
-            </a:pPr>
-            <a:r>
-              <a:rPr lang="pt-BR"/>
-              <a:t>7 - CRIAR UM DEPÓSITO DE DADOS MATRÍCULA;</a:t>
-            </a:r>
-            <a:endParaRPr/>
-          </a:p>
-          <a:p>
-            <a:pPr indent="0" lvl="0" marL="0" rtl="0" algn="l">
-              <a:lnSpc>
-                <a:spcPct val="100000"/>
-              </a:lnSpc>
-              <a:spcBef>
-                <a:spcPts val="0"/>
-              </a:spcBef>
-              <a:spcAft>
-                <a:spcPts val="0"/>
-              </a:spcAft>
-              <a:buSzPts val="1100"/>
-              <a:buNone/>
-            </a:pPr>
-            <a:r>
               <a:t/>
-            </a:r>
-            <a:endParaRPr/>
-          </a:p>
-        </p:txBody>
-      </p:sp>
-    </p:spTree>
-  </p:cSld>
-  <p:clrMapOvr>
-    <a:masterClrMapping/>
-  </p:clrMapOvr>
-</p:notes>
-</file>
-
-<file path=ppt/notesSlides/notesSlide3.xml><?xml version="1.0" encoding="utf-8"?>
-<p:notes xmlns:a="http://schemas.openxmlformats.org/drawingml/2006/main" xmlns:r="http://schemas.openxmlformats.org/officeDocument/2006/relationships" xmlns:mc="http://schemas.openxmlformats.org/markup-compatibility/2006" xmlns:mv="urn:schemas-microsoft-com:mac:vml" xmlns:p="http://schemas.openxmlformats.org/presentationml/2006/main" xmlns:c="http://schemas.openxmlformats.org/drawingml/2006/chart" xmlns:dgm="http://schemas.openxmlformats.org/drawingml/2006/diagram" xmlns:o="urn:schemas-microsoft-com:office:office" xmlns:v="urn:schemas-microsoft-com:vml" xmlns:pvml="urn:schemas-microsoft-com:office:powerpoint" xmlns:com="http://schemas.openxmlformats.org/drawingml/2006/compatibility" xmlns:p14="http://schemas.microsoft.com/office/powerpoint/2010/main" xmlns:p15="http://schemas.microsoft.com/office/powerpoint/2012/main" xmlns:ahyp="http://schemas.microsoft.com/office/drawing/2018/hyperlinkcolor" showMasterPhAnim="0" showMasterSp="0">
-  <p:cSld>
-    <p:spTree>
-      <p:nvGrpSpPr>
-        <p:cNvPr id="62" name="Shape 62"/>
-        <p:cNvGrpSpPr/>
-        <p:nvPr/>
-      </p:nvGrpSpPr>
-      <p:grpSpPr>
-        <a:xfrm>
-          <a:off x="0" y="0"/>
-          <a:ext cx="0" cy="0"/>
-          <a:chOff x="0" y="0"/>
-          <a:chExt cx="0" cy="0"/>
-        </a:xfrm>
-      </p:grpSpPr>
-      <p:sp>
-        <p:nvSpPr>
-          <p:cNvPr id="63" name="Google Shape;63;p2:notes"/>
-          <p:cNvSpPr/>
-          <p:nvPr>
-            <p:ph idx="2" type="sldImg"/>
-          </p:nvPr>
-        </p:nvSpPr>
-        <p:spPr>
-          <a:xfrm>
-            <a:off x="381300" y="685800"/>
-            <a:ext cx="6096000" cy="3429000"/>
-          </a:xfrm>
-          <a:custGeom>
-            <a:rect b="b" l="l" r="r" t="t"/>
-            <a:pathLst>
-              <a:path extrusionOk="0" h="120000" w="120000">
-                <a:moveTo>
-                  <a:pt x="0" y="0"/>
-                </a:moveTo>
-                <a:lnTo>
-                  <a:pt x="120000" y="0"/>
-                </a:lnTo>
-                <a:lnTo>
-                  <a:pt x="120000" y="120000"/>
-                </a:lnTo>
-                <a:lnTo>
-                  <a:pt x="0" y="120000"/>
-                </a:lnTo>
-                <a:close/>
-              </a:path>
-            </a:pathLst>
-          </a:custGeom>
-          <a:noFill/>
-          <a:ln cap="flat" cmpd="sng" w="9525">
-            <a:solidFill>
-              <a:srgbClr val="000000"/>
-            </a:solidFill>
-            <a:prstDash val="solid"/>
-            <a:round/>
-            <a:headEnd len="sm" w="sm" type="none"/>
-            <a:tailEnd len="sm" w="sm" type="none"/>
-          </a:ln>
-        </p:spPr>
-      </p:sp>
-      <p:sp>
-        <p:nvSpPr>
-          <p:cNvPr id="64" name="Google Shape;64;p2:notes"/>
-          <p:cNvSpPr txBox="1"/>
-          <p:nvPr>
-            <p:ph idx="1" type="body"/>
-          </p:nvPr>
-        </p:nvSpPr>
-        <p:spPr>
-          <a:xfrm>
-            <a:off x="685800" y="4343400"/>
-            <a:ext cx="5486400" cy="4114800"/>
-          </a:xfrm>
-          <a:prstGeom prst="rect">
-            <a:avLst/>
-          </a:prstGeom>
-          <a:noFill/>
-          <a:ln>
-            <a:noFill/>
-          </a:ln>
-        </p:spPr>
-        <p:txBody>
-          <a:bodyPr anchorCtr="0" anchor="t" bIns="91425" lIns="91425" spcFirstLastPara="1" rIns="91425" wrap="square" tIns="91425">
-            <a:noAutofit/>
-          </a:bodyPr>
-          <a:lstStyle/>
-          <a:p>
-            <a:pPr indent="0" lvl="0" marL="0" rtl="0" algn="l">
-              <a:lnSpc>
-                <a:spcPct val="100000"/>
-              </a:lnSpc>
-              <a:spcBef>
-                <a:spcPts val="0"/>
-              </a:spcBef>
-              <a:spcAft>
-                <a:spcPts val="0"/>
-              </a:spcAft>
-              <a:buSzPts val="1100"/>
-              <a:buNone/>
-            </a:pPr>
-            <a:r>
-              <a:rPr lang="pt-BR"/>
-              <a:t>1 - ALUNO ASSISTE AULA POR AVISO DE PRESENÇA;</a:t>
-            </a:r>
-            <a:endParaRPr/>
-          </a:p>
-          <a:p>
-            <a:pPr indent="0" lvl="0" marL="0" rtl="0" algn="l">
-              <a:lnSpc>
-                <a:spcPct val="100000"/>
-              </a:lnSpc>
-              <a:spcBef>
-                <a:spcPts val="0"/>
-              </a:spcBef>
-              <a:spcAft>
-                <a:spcPts val="0"/>
-              </a:spcAft>
-              <a:buSzPts val="1100"/>
-              <a:buNone/>
-            </a:pPr>
-            <a:r>
-              <a:rPr lang="pt-BR"/>
-              <a:t>2 - CRIAR UM NOVO DEPÓSITO DE DADOS DE PRESENÇA;</a:t>
-            </a:r>
-            <a:endParaRPr/>
-          </a:p>
-          <a:p>
-            <a:pPr indent="0" lvl="0" marL="0" rtl="0" algn="l">
-              <a:lnSpc>
-                <a:spcPct val="100000"/>
-              </a:lnSpc>
-              <a:spcBef>
-                <a:spcPts val="0"/>
-              </a:spcBef>
-              <a:spcAft>
-                <a:spcPts val="0"/>
-              </a:spcAft>
-              <a:buSzPts val="1100"/>
-              <a:buNone/>
-            </a:pPr>
-            <a:r>
-              <a:rPr lang="pt-BR"/>
-              <a:t>3 - CRIAR UM NOVO DEPÓSITO DE DADOS PARA O PROFESSOR;</a:t>
-            </a:r>
-            <a:endParaRPr/>
-          </a:p>
-          <a:p>
-            <a:pPr indent="0" lvl="0" marL="0" rtl="0" algn="l">
-              <a:lnSpc>
-                <a:spcPct val="100000"/>
-              </a:lnSpc>
-              <a:spcBef>
-                <a:spcPts val="0"/>
-              </a:spcBef>
-              <a:spcAft>
-                <a:spcPts val="0"/>
-              </a:spcAft>
-              <a:buSzPts val="1100"/>
-              <a:buNone/>
-            </a:pPr>
-            <a:r>
-              <a:rPr lang="pt-BR"/>
-              <a:t>4 - CRIAR UM FLUXO DE DADOS PARA O ALUNO RECUSA PODERÁ HAVER RECUSA;</a:t>
-            </a:r>
-            <a:endParaRPr/>
-          </a:p>
-          <a:p>
-            <a:pPr indent="0" lvl="0" marL="0" rtl="0" algn="l">
-              <a:lnSpc>
-                <a:spcPct val="100000"/>
-              </a:lnSpc>
-              <a:spcBef>
-                <a:spcPts val="0"/>
-              </a:spcBef>
-              <a:spcAft>
-                <a:spcPts val="0"/>
-              </a:spcAft>
-              <a:buSzPts val="1100"/>
-              <a:buNone/>
-            </a:pPr>
-            <a:r>
-              <a:rPr lang="pt-BR"/>
-              <a:t>5 - CRIAR UM FLUXO DE DADOS PARA A PROVA EM BRANCO;</a:t>
-            </a:r>
-            <a:endParaRPr/>
-          </a:p>
-          <a:p>
-            <a:pPr indent="0" lvl="0" marL="0" rtl="0" algn="l">
-              <a:lnSpc>
-                <a:spcPct val="100000"/>
-              </a:lnSpc>
-              <a:spcBef>
-                <a:spcPts val="0"/>
-              </a:spcBef>
-              <a:spcAft>
-                <a:spcPts val="0"/>
-              </a:spcAft>
-              <a:buSzPts val="1100"/>
-              <a:buNone/>
-            </a:pPr>
-            <a:r>
-              <a:rPr lang="pt-BR"/>
-              <a:t>6 - PROVA;</a:t>
-            </a:r>
-            <a:endParaRPr/>
-          </a:p>
-          <a:p>
-            <a:pPr indent="0" lvl="0" marL="0" rtl="0" algn="l">
-              <a:lnSpc>
-                <a:spcPct val="100000"/>
-              </a:lnSpc>
-              <a:spcBef>
-                <a:spcPts val="0"/>
-              </a:spcBef>
-              <a:spcAft>
-                <a:spcPts val="0"/>
-              </a:spcAft>
-              <a:buSzPts val="1100"/>
-              <a:buNone/>
-            </a:pPr>
-            <a:r>
-              <a:rPr lang="pt-BR"/>
-              <a:t>7 - CRIAR UM DEPÓSITO DE DADOS PROVA;</a:t>
-            </a:r>
-            <a:endParaRPr/>
-          </a:p>
-          <a:p>
-            <a:pPr indent="0" lvl="0" marL="0" rtl="0" algn="l">
-              <a:lnSpc>
-                <a:spcPct val="100000"/>
-              </a:lnSpc>
-              <a:spcBef>
-                <a:spcPts val="0"/>
-              </a:spcBef>
-              <a:spcAft>
-                <a:spcPts val="0"/>
-              </a:spcAft>
-              <a:buSzPts val="1100"/>
-              <a:buNone/>
-            </a:pPr>
-            <a:r>
-              <a:rPr lang="pt-BR"/>
-              <a:t>8 - CRIAR UM DEPÓSITO DE DADOS MATRÍCULA.</a:t>
-            </a:r>
-            <a:endParaRPr/>
-          </a:p>
-        </p:txBody>
-      </p:sp>
-    </p:spTree>
-  </p:cSld>
-  <p:clrMapOvr>
-    <a:masterClrMapping/>
-  </p:clrMapOvr>
-</p:notes>
-</file>
-
-<file path=ppt/notesSlides/notesSlide4.xml><?xml version="1.0" encoding="utf-8"?>
-<p:notes xmlns:a="http://schemas.openxmlformats.org/drawingml/2006/main" xmlns:r="http://schemas.openxmlformats.org/officeDocument/2006/relationships" xmlns:mc="http://schemas.openxmlformats.org/markup-compatibility/2006" xmlns:mv="urn:schemas-microsoft-com:mac:vml" xmlns:p="http://schemas.openxmlformats.org/presentationml/2006/main" xmlns:c="http://schemas.openxmlformats.org/drawingml/2006/chart" xmlns:dgm="http://schemas.openxmlformats.org/drawingml/2006/diagram" xmlns:o="urn:schemas-microsoft-com:office:office" xmlns:v="urn:schemas-microsoft-com:vml" xmlns:pvml="urn:schemas-microsoft-com:office:powerpoint" xmlns:com="http://schemas.openxmlformats.org/drawingml/2006/compatibility" xmlns:p14="http://schemas.microsoft.com/office/powerpoint/2010/main" xmlns:p15="http://schemas.microsoft.com/office/powerpoint/2012/main" xmlns:ahyp="http://schemas.microsoft.com/office/drawing/2018/hyperlinkcolor" showMasterPhAnim="0" showMasterSp="0">
-  <p:cSld>
-    <p:spTree>
-      <p:nvGrpSpPr>
-        <p:cNvPr id="68" name="Shape 68"/>
-        <p:cNvGrpSpPr/>
-        <p:nvPr/>
-      </p:nvGrpSpPr>
-      <p:grpSpPr>
-        <a:xfrm>
-          <a:off x="0" y="0"/>
-          <a:ext cx="0" cy="0"/>
-          <a:chOff x="0" y="0"/>
-          <a:chExt cx="0" cy="0"/>
-        </a:xfrm>
-      </p:grpSpPr>
-      <p:sp>
-        <p:nvSpPr>
-          <p:cNvPr id="69" name="Google Shape;69;p3:notes"/>
-          <p:cNvSpPr/>
-          <p:nvPr>
-            <p:ph idx="2" type="sldImg"/>
-          </p:nvPr>
-        </p:nvSpPr>
-        <p:spPr>
-          <a:xfrm>
-            <a:off x="381300" y="685800"/>
-            <a:ext cx="6096000" cy="3429000"/>
-          </a:xfrm>
-          <a:custGeom>
-            <a:rect b="b" l="l" r="r" t="t"/>
-            <a:pathLst>
-              <a:path extrusionOk="0" h="120000" w="120000">
-                <a:moveTo>
-                  <a:pt x="0" y="0"/>
-                </a:moveTo>
-                <a:lnTo>
-                  <a:pt x="120000" y="0"/>
-                </a:lnTo>
-                <a:lnTo>
-                  <a:pt x="120000" y="120000"/>
-                </a:lnTo>
-                <a:lnTo>
-                  <a:pt x="0" y="120000"/>
-                </a:lnTo>
-                <a:close/>
-              </a:path>
-            </a:pathLst>
-          </a:custGeom>
-          <a:noFill/>
-          <a:ln cap="flat" cmpd="sng" w="9525">
-            <a:solidFill>
-              <a:srgbClr val="000000"/>
-            </a:solidFill>
-            <a:prstDash val="solid"/>
-            <a:round/>
-            <a:headEnd len="sm" w="sm" type="none"/>
-            <a:tailEnd len="sm" w="sm" type="none"/>
-          </a:ln>
-        </p:spPr>
-      </p:sp>
-      <p:sp>
-        <p:nvSpPr>
-          <p:cNvPr id="70" name="Google Shape;70;p3:notes"/>
-          <p:cNvSpPr txBox="1"/>
-          <p:nvPr>
-            <p:ph idx="1" type="body"/>
-          </p:nvPr>
-        </p:nvSpPr>
-        <p:spPr>
-          <a:xfrm>
-            <a:off x="685800" y="4343400"/>
-            <a:ext cx="5486400" cy="4114800"/>
-          </a:xfrm>
-          <a:prstGeom prst="rect">
-            <a:avLst/>
-          </a:prstGeom>
-          <a:noFill/>
-          <a:ln>
-            <a:noFill/>
-          </a:ln>
-        </p:spPr>
-        <p:txBody>
-          <a:bodyPr anchorCtr="0" anchor="t" bIns="91425" lIns="91425" spcFirstLastPara="1" rIns="91425" wrap="square" tIns="91425">
-            <a:noAutofit/>
-          </a:bodyPr>
-          <a:lstStyle/>
-          <a:p>
-            <a:pPr indent="0" lvl="0" marL="0" rtl="0" algn="l">
-              <a:lnSpc>
-                <a:spcPct val="100000"/>
-              </a:lnSpc>
-              <a:spcBef>
-                <a:spcPts val="0"/>
-              </a:spcBef>
-              <a:spcAft>
-                <a:spcPts val="0"/>
-              </a:spcAft>
-              <a:buSzPts val="1100"/>
-              <a:buNone/>
-            </a:pPr>
-            <a:r>
-              <a:rPr lang="pt-BR"/>
-              <a:t>1 - TROCAR SOLICITA TRANCAMENTO DA MATRÍCULA POR SOLICITAÇÃO;</a:t>
-            </a:r>
-            <a:endParaRPr/>
-          </a:p>
-          <a:p>
-            <a:pPr indent="0" lvl="0" marL="0" rtl="0" algn="l">
-              <a:lnSpc>
-                <a:spcPct val="100000"/>
-              </a:lnSpc>
-              <a:spcBef>
-                <a:spcPts val="0"/>
-              </a:spcBef>
-              <a:spcAft>
-                <a:spcPts val="0"/>
-              </a:spcAft>
-              <a:buSzPts val="1100"/>
-              <a:buNone/>
-            </a:pPr>
-            <a:r>
-              <a:rPr lang="pt-BR"/>
-              <a:t>2 - DEVOLVE CONFIRMAÇÃO POR CONFIRMAÇÃO;</a:t>
-            </a:r>
-            <a:endParaRPr/>
-          </a:p>
-          <a:p>
-            <a:pPr indent="0" lvl="0" marL="0" rtl="0" algn="l">
-              <a:lnSpc>
-                <a:spcPct val="100000"/>
-              </a:lnSpc>
-              <a:spcBef>
-                <a:spcPts val="0"/>
-              </a:spcBef>
-              <a:spcAft>
-                <a:spcPts val="0"/>
-              </a:spcAft>
-              <a:buSzPts val="1100"/>
-              <a:buNone/>
-            </a:pPr>
-            <a:r>
-              <a:rPr lang="pt-BR"/>
-              <a:t>3 - TROCAR O FINANCEIRO POR CONTAS A RECEBER;</a:t>
-            </a:r>
-            <a:endParaRPr/>
-          </a:p>
-          <a:p>
-            <a:pPr indent="0" lvl="0" marL="0" rtl="0" algn="l">
-              <a:lnSpc>
-                <a:spcPct val="100000"/>
-              </a:lnSpc>
-              <a:spcBef>
-                <a:spcPts val="0"/>
-              </a:spcBef>
-              <a:spcAft>
-                <a:spcPts val="0"/>
-              </a:spcAft>
-              <a:buSzPts val="1100"/>
-              <a:buNone/>
-            </a:pPr>
-            <a:r>
-              <a:rPr lang="pt-BR"/>
-              <a:t>4 - CRIAR UM FLUXO BIDIRECIONAL ALUNO E TURMA NO DEPÓSITO DE DADOS;</a:t>
-            </a:r>
-            <a:endParaRPr/>
-          </a:p>
-          <a:p>
-            <a:pPr indent="0" lvl="0" marL="0" rtl="0" algn="l">
-              <a:spcBef>
-                <a:spcPts val="0"/>
-              </a:spcBef>
-              <a:spcAft>
-                <a:spcPts val="0"/>
-              </a:spcAft>
-              <a:buClr>
-                <a:schemeClr val="dk1"/>
-              </a:buClr>
-              <a:buSzPts val="1100"/>
-              <a:buFont typeface="Arial"/>
-              <a:buNone/>
-            </a:pPr>
-            <a:r>
-              <a:rPr lang="pt-BR">
-                <a:solidFill>
-                  <a:schemeClr val="dk1"/>
-                </a:solidFill>
-              </a:rPr>
-              <a:t>5 - </a:t>
-            </a:r>
-            <a:r>
-              <a:rPr lang="pt-BR">
-                <a:solidFill>
-                  <a:schemeClr val="dk1"/>
-                </a:solidFill>
-              </a:rPr>
-              <a:t>CRIAR UM DEPÓSITO DE DADOS MATRÍCULA.</a:t>
-            </a:r>
-            <a:endParaRPr/>
-          </a:p>
-        </p:txBody>
-      </p:sp>
-    </p:spTree>
-  </p:cSld>
-  <p:clrMapOvr>
-    <a:masterClrMapping/>
-  </p:clrMapOvr>
-</p:notes>
-</file>
-
-<file path=ppt/notesSlides/notesSlide5.xml><?xml version="1.0" encoding="utf-8"?>
-<p:notes xmlns:a="http://schemas.openxmlformats.org/drawingml/2006/main" xmlns:r="http://schemas.openxmlformats.org/officeDocument/2006/relationships" xmlns:mc="http://schemas.openxmlformats.org/markup-compatibility/2006" xmlns:mv="urn:schemas-microsoft-com:mac:vml" xmlns:p="http://schemas.openxmlformats.org/presentationml/2006/main" xmlns:c="http://schemas.openxmlformats.org/drawingml/2006/chart" xmlns:dgm="http://schemas.openxmlformats.org/drawingml/2006/diagram" xmlns:o="urn:schemas-microsoft-com:office:office" xmlns:v="urn:schemas-microsoft-com:vml" xmlns:pvml="urn:schemas-microsoft-com:office:powerpoint" xmlns:com="http://schemas.openxmlformats.org/drawingml/2006/compatibility" xmlns:p14="http://schemas.microsoft.com/office/powerpoint/2010/main" xmlns:p15="http://schemas.microsoft.com/office/powerpoint/2012/main" xmlns:ahyp="http://schemas.microsoft.com/office/drawing/2018/hyperlinkcolor" showMasterPhAnim="0" showMasterSp="0">
-  <p:cSld>
-    <p:spTree>
-      <p:nvGrpSpPr>
-        <p:cNvPr id="74" name="Shape 74"/>
-        <p:cNvGrpSpPr/>
-        <p:nvPr/>
-      </p:nvGrpSpPr>
-      <p:grpSpPr>
-        <a:xfrm>
-          <a:off x="0" y="0"/>
-          <a:ext cx="0" cy="0"/>
-          <a:chOff x="0" y="0"/>
-          <a:chExt cx="0" cy="0"/>
-        </a:xfrm>
-      </p:grpSpPr>
-      <p:sp>
-        <p:nvSpPr>
-          <p:cNvPr id="75" name="Google Shape;75;p5:notes"/>
-          <p:cNvSpPr/>
-          <p:nvPr>
-            <p:ph idx="2" type="sldImg"/>
-          </p:nvPr>
-        </p:nvSpPr>
-        <p:spPr>
-          <a:xfrm>
-            <a:off x="381300" y="685800"/>
-            <a:ext cx="6096000" cy="3429000"/>
-          </a:xfrm>
-          <a:custGeom>
-            <a:rect b="b" l="l" r="r" t="t"/>
-            <a:pathLst>
-              <a:path extrusionOk="0" h="120000" w="120000">
-                <a:moveTo>
-                  <a:pt x="0" y="0"/>
-                </a:moveTo>
-                <a:lnTo>
-                  <a:pt x="120000" y="0"/>
-                </a:lnTo>
-                <a:lnTo>
-                  <a:pt x="120000" y="120000"/>
-                </a:lnTo>
-                <a:lnTo>
-                  <a:pt x="0" y="120000"/>
-                </a:lnTo>
-                <a:close/>
-              </a:path>
-            </a:pathLst>
-          </a:custGeom>
-          <a:noFill/>
-          <a:ln cap="flat" cmpd="sng" w="9525">
-            <a:solidFill>
-              <a:srgbClr val="000000"/>
-            </a:solidFill>
-            <a:prstDash val="solid"/>
-            <a:round/>
-            <a:headEnd len="sm" w="sm" type="none"/>
-            <a:tailEnd len="sm" w="sm" type="none"/>
-          </a:ln>
-        </p:spPr>
-      </p:sp>
-      <p:sp>
-        <p:nvSpPr>
-          <p:cNvPr id="76" name="Google Shape;76;p5:notes"/>
-          <p:cNvSpPr txBox="1"/>
-          <p:nvPr>
-            <p:ph idx="1" type="body"/>
-          </p:nvPr>
-        </p:nvSpPr>
-        <p:spPr>
-          <a:xfrm>
-            <a:off x="685800" y="4343400"/>
-            <a:ext cx="5486400" cy="4114800"/>
-          </a:xfrm>
-          <a:prstGeom prst="rect">
-            <a:avLst/>
-          </a:prstGeom>
-          <a:noFill/>
-          <a:ln>
-            <a:noFill/>
-          </a:ln>
-        </p:spPr>
-        <p:txBody>
-          <a:bodyPr anchorCtr="0" anchor="t" bIns="91425" lIns="91425" spcFirstLastPara="1" rIns="91425" wrap="square" tIns="91425">
-            <a:noAutofit/>
-          </a:bodyPr>
-          <a:lstStyle/>
-          <a:p>
-            <a:pPr indent="0" lvl="0" marL="0" rtl="0" algn="l">
-              <a:lnSpc>
-                <a:spcPct val="100000"/>
-              </a:lnSpc>
-              <a:spcBef>
-                <a:spcPts val="0"/>
-              </a:spcBef>
-              <a:spcAft>
-                <a:spcPts val="0"/>
-              </a:spcAft>
-              <a:buSzPts val="1100"/>
-              <a:buNone/>
-            </a:pPr>
-            <a:r>
-              <a:rPr lang="pt-BR"/>
-              <a:t>1 - SOLICITA TRANSFERENCIA POR SOLICITAÇÃO</a:t>
-            </a:r>
-            <a:endParaRPr/>
-          </a:p>
-          <a:p>
-            <a:pPr indent="0" lvl="0" marL="0" rtl="0" algn="l">
-              <a:lnSpc>
-                <a:spcPct val="100000"/>
-              </a:lnSpc>
-              <a:spcBef>
-                <a:spcPts val="0"/>
-              </a:spcBef>
-              <a:spcAft>
-                <a:spcPts val="0"/>
-              </a:spcAft>
-              <a:buSzPts val="1100"/>
-              <a:buNone/>
-            </a:pPr>
-            <a:r>
-              <a:rPr lang="pt-BR"/>
-              <a:t>2 - RECUSA  | DATA + TURMA</a:t>
-            </a:r>
-            <a:endParaRPr/>
-          </a:p>
-          <a:p>
-            <a:pPr indent="0" lvl="0" marL="0" rtl="0" algn="l">
-              <a:lnSpc>
-                <a:spcPct val="100000"/>
-              </a:lnSpc>
-              <a:spcBef>
-                <a:spcPts val="0"/>
-              </a:spcBef>
-              <a:spcAft>
-                <a:spcPts val="0"/>
-              </a:spcAft>
-              <a:buSzPts val="1100"/>
-              <a:buNone/>
-            </a:pPr>
-            <a:r>
-              <a:rPr lang="pt-BR"/>
-              <a:t>3 - </a:t>
-            </a:r>
-            <a:r>
-              <a:rPr lang="pt-BR">
-                <a:solidFill>
-                  <a:schemeClr val="dk1"/>
-                </a:solidFill>
-              </a:rPr>
-              <a:t>CRIAR UM DEPÓSITO DE DADOS MATRÍCULA.</a:t>
             </a:r>
             <a:endParaRPr/>
           </a:p>
@@ -1877,7 +957,7 @@
       </p:grpSpPr>
       <p:sp>
         <p:nvSpPr>
-          <p:cNvPr id="10" name="Google Shape;10;p7"/>
+          <p:cNvPr id="10" name="Google Shape;10;p2"/>
           <p:cNvSpPr txBox="1"/>
           <p:nvPr>
             <p:ph type="ctrTitle"/>
@@ -2033,7 +1113,7 @@
       </p:sp>
       <p:sp>
         <p:nvSpPr>
-          <p:cNvPr id="11" name="Google Shape;11;p7"/>
+          <p:cNvPr id="11" name="Google Shape;11;p2"/>
           <p:cNvSpPr txBox="1"/>
           <p:nvPr>
             <p:ph idx="1" type="subTitle"/>
@@ -2189,7 +1269,7 @@
       </p:sp>
       <p:sp>
         <p:nvSpPr>
-          <p:cNvPr id="12" name="Google Shape;12;p7"/>
+          <p:cNvPr id="12" name="Google Shape;12;p2"/>
           <p:cNvSpPr txBox="1"/>
           <p:nvPr>
             <p:ph idx="12" type="sldNum"/>
@@ -2493,7 +1573,7 @@
       </p:grpSpPr>
       <p:sp>
         <p:nvSpPr>
-          <p:cNvPr id="45" name="Google Shape;45;p16"/>
+          <p:cNvPr id="45" name="Google Shape;45;p11"/>
           <p:cNvSpPr txBox="1"/>
           <p:nvPr>
             <p:ph hasCustomPrompt="1" type="title"/>
@@ -2653,7 +1733,7 @@
       </p:sp>
       <p:sp>
         <p:nvSpPr>
-          <p:cNvPr id="46" name="Google Shape;46;p16"/>
+          <p:cNvPr id="46" name="Google Shape;46;p11"/>
           <p:cNvSpPr txBox="1"/>
           <p:nvPr>
             <p:ph idx="1" type="body"/>
@@ -2809,7 +1889,7 @@
       </p:sp>
       <p:sp>
         <p:nvSpPr>
-          <p:cNvPr id="47" name="Google Shape;47;p16"/>
+          <p:cNvPr id="47" name="Google Shape;47;p11"/>
           <p:cNvSpPr txBox="1"/>
           <p:nvPr>
             <p:ph idx="12" type="sldNum"/>
@@ -3113,7 +2193,7 @@
       </p:grpSpPr>
       <p:sp>
         <p:nvSpPr>
-          <p:cNvPr id="49" name="Google Shape;49;p17"/>
+          <p:cNvPr id="49" name="Google Shape;49;p12"/>
           <p:cNvSpPr txBox="1"/>
           <p:nvPr>
             <p:ph idx="12" type="sldNum"/>
@@ -3417,7 +2497,7 @@
       </p:grpSpPr>
       <p:sp>
         <p:nvSpPr>
-          <p:cNvPr id="14" name="Google Shape;14;p8"/>
+          <p:cNvPr id="14" name="Google Shape;14;p3"/>
           <p:cNvSpPr txBox="1"/>
           <p:nvPr>
             <p:ph type="title"/>
@@ -3573,7 +2653,7 @@
       </p:sp>
       <p:sp>
         <p:nvSpPr>
-          <p:cNvPr id="15" name="Google Shape;15;p8"/>
+          <p:cNvPr id="15" name="Google Shape;15;p3"/>
           <p:cNvSpPr txBox="1"/>
           <p:nvPr>
             <p:ph idx="12" type="sldNum"/>
@@ -3877,7 +2957,7 @@
       </p:grpSpPr>
       <p:sp>
         <p:nvSpPr>
-          <p:cNvPr id="17" name="Google Shape;17;p9"/>
+          <p:cNvPr id="17" name="Google Shape;17;p4"/>
           <p:cNvSpPr txBox="1"/>
           <p:nvPr>
             <p:ph type="title"/>
@@ -4033,7 +3113,7 @@
       </p:sp>
       <p:sp>
         <p:nvSpPr>
-          <p:cNvPr id="18" name="Google Shape;18;p9"/>
+          <p:cNvPr id="18" name="Google Shape;18;p4"/>
           <p:cNvSpPr txBox="1"/>
           <p:nvPr>
             <p:ph idx="1" type="body"/>
@@ -4189,7 +3269,7 @@
       </p:sp>
       <p:sp>
         <p:nvSpPr>
-          <p:cNvPr id="19" name="Google Shape;19;p9"/>
+          <p:cNvPr id="19" name="Google Shape;19;p4"/>
           <p:cNvSpPr txBox="1"/>
           <p:nvPr>
             <p:ph idx="12" type="sldNum"/>
@@ -4493,7 +3573,7 @@
       </p:grpSpPr>
       <p:sp>
         <p:nvSpPr>
-          <p:cNvPr id="21" name="Google Shape;21;p10"/>
+          <p:cNvPr id="21" name="Google Shape;21;p5"/>
           <p:cNvSpPr txBox="1"/>
           <p:nvPr>
             <p:ph type="title"/>
@@ -4649,7 +3729,7 @@
       </p:sp>
       <p:sp>
         <p:nvSpPr>
-          <p:cNvPr id="22" name="Google Shape;22;p10"/>
+          <p:cNvPr id="22" name="Google Shape;22;p5"/>
           <p:cNvSpPr txBox="1"/>
           <p:nvPr>
             <p:ph idx="1" type="body"/>
@@ -4805,7 +3885,7 @@
       </p:sp>
       <p:sp>
         <p:nvSpPr>
-          <p:cNvPr id="23" name="Google Shape;23;p10"/>
+          <p:cNvPr id="23" name="Google Shape;23;p5"/>
           <p:cNvSpPr txBox="1"/>
           <p:nvPr>
             <p:ph idx="2" type="body"/>
@@ -4961,7 +4041,7 @@
       </p:sp>
       <p:sp>
         <p:nvSpPr>
-          <p:cNvPr id="24" name="Google Shape;24;p10"/>
+          <p:cNvPr id="24" name="Google Shape;24;p5"/>
           <p:cNvSpPr txBox="1"/>
           <p:nvPr>
             <p:ph idx="12" type="sldNum"/>
@@ -5265,7 +4345,7 @@
       </p:grpSpPr>
       <p:sp>
         <p:nvSpPr>
-          <p:cNvPr id="26" name="Google Shape;26;p11"/>
+          <p:cNvPr id="26" name="Google Shape;26;p6"/>
           <p:cNvSpPr txBox="1"/>
           <p:nvPr>
             <p:ph type="title"/>
@@ -5421,7 +4501,7 @@
       </p:sp>
       <p:sp>
         <p:nvSpPr>
-          <p:cNvPr id="27" name="Google Shape;27;p11"/>
+          <p:cNvPr id="27" name="Google Shape;27;p6"/>
           <p:cNvSpPr txBox="1"/>
           <p:nvPr>
             <p:ph idx="12" type="sldNum"/>
@@ -5725,7 +4805,7 @@
       </p:grpSpPr>
       <p:sp>
         <p:nvSpPr>
-          <p:cNvPr id="29" name="Google Shape;29;p12"/>
+          <p:cNvPr id="29" name="Google Shape;29;p7"/>
           <p:cNvSpPr txBox="1"/>
           <p:nvPr>
             <p:ph type="title"/>
@@ -5881,7 +4961,7 @@
       </p:sp>
       <p:sp>
         <p:nvSpPr>
-          <p:cNvPr id="30" name="Google Shape;30;p12"/>
+          <p:cNvPr id="30" name="Google Shape;30;p7"/>
           <p:cNvSpPr txBox="1"/>
           <p:nvPr>
             <p:ph idx="1" type="body"/>
@@ -6037,7 +5117,7 @@
       </p:sp>
       <p:sp>
         <p:nvSpPr>
-          <p:cNvPr id="31" name="Google Shape;31;p12"/>
+          <p:cNvPr id="31" name="Google Shape;31;p7"/>
           <p:cNvSpPr txBox="1"/>
           <p:nvPr>
             <p:ph idx="12" type="sldNum"/>
@@ -6341,7 +5421,7 @@
       </p:grpSpPr>
       <p:sp>
         <p:nvSpPr>
-          <p:cNvPr id="33" name="Google Shape;33;p13"/>
+          <p:cNvPr id="33" name="Google Shape;33;p8"/>
           <p:cNvSpPr txBox="1"/>
           <p:nvPr>
             <p:ph type="title"/>
@@ -6497,7 +5577,7 @@
       </p:sp>
       <p:sp>
         <p:nvSpPr>
-          <p:cNvPr id="34" name="Google Shape;34;p13"/>
+          <p:cNvPr id="34" name="Google Shape;34;p8"/>
           <p:cNvSpPr txBox="1"/>
           <p:nvPr>
             <p:ph idx="12" type="sldNum"/>
@@ -6801,7 +5881,7 @@
       </p:grpSpPr>
       <p:sp>
         <p:nvSpPr>
-          <p:cNvPr id="36" name="Google Shape;36;p14"/>
+          <p:cNvPr id="36" name="Google Shape;36;p9"/>
           <p:cNvSpPr/>
           <p:nvPr/>
         </p:nvSpPr>
@@ -6860,7 +5940,7 @@
       </p:sp>
       <p:sp>
         <p:nvSpPr>
-          <p:cNvPr id="37" name="Google Shape;37;p14"/>
+          <p:cNvPr id="37" name="Google Shape;37;p9"/>
           <p:cNvSpPr txBox="1"/>
           <p:nvPr>
             <p:ph type="title"/>
@@ -7016,7 +6096,7 @@
       </p:sp>
       <p:sp>
         <p:nvSpPr>
-          <p:cNvPr id="38" name="Google Shape;38;p14"/>
+          <p:cNvPr id="38" name="Google Shape;38;p9"/>
           <p:cNvSpPr txBox="1"/>
           <p:nvPr>
             <p:ph idx="1" type="subTitle"/>
@@ -7172,7 +6252,7 @@
       </p:sp>
       <p:sp>
         <p:nvSpPr>
-          <p:cNvPr id="39" name="Google Shape;39;p14"/>
+          <p:cNvPr id="39" name="Google Shape;39;p9"/>
           <p:cNvSpPr txBox="1"/>
           <p:nvPr>
             <p:ph idx="2" type="body"/>
@@ -7328,7 +6408,7 @@
       </p:sp>
       <p:sp>
         <p:nvSpPr>
-          <p:cNvPr id="40" name="Google Shape;40;p14"/>
+          <p:cNvPr id="40" name="Google Shape;40;p9"/>
           <p:cNvSpPr txBox="1"/>
           <p:nvPr>
             <p:ph idx="12" type="sldNum"/>
@@ -7632,7 +6712,7 @@
       </p:grpSpPr>
       <p:sp>
         <p:nvSpPr>
-          <p:cNvPr id="42" name="Google Shape;42;p15"/>
+          <p:cNvPr id="42" name="Google Shape;42;p10"/>
           <p:cNvSpPr txBox="1"/>
           <p:nvPr>
             <p:ph idx="1" type="body"/>
@@ -7676,7 +6756,7 @@
       </p:sp>
       <p:sp>
         <p:nvSpPr>
-          <p:cNvPr id="43" name="Google Shape;43;p15"/>
+          <p:cNvPr id="43" name="Google Shape;43;p10"/>
           <p:cNvSpPr txBox="1"/>
           <p:nvPr>
             <p:ph idx="12" type="sldNum"/>
@@ -7987,7 +7067,7 @@
       </p:grpSpPr>
       <p:sp>
         <p:nvSpPr>
-          <p:cNvPr id="6" name="Google Shape;6;p6"/>
+          <p:cNvPr id="6" name="Google Shape;6;p1"/>
           <p:cNvSpPr txBox="1"/>
           <p:nvPr>
             <p:ph type="title"/>
@@ -8251,7 +7331,7 @@
       </p:sp>
       <p:sp>
         <p:nvSpPr>
-          <p:cNvPr id="7" name="Google Shape;7;p6"/>
+          <p:cNvPr id="7" name="Google Shape;7;p1"/>
           <p:cNvSpPr txBox="1"/>
           <p:nvPr>
             <p:ph idx="1" type="body"/>
@@ -8515,7 +7595,7 @@
       </p:sp>
       <p:sp>
         <p:nvSpPr>
-          <p:cNvPr id="8" name="Google Shape;8;p6"/>
+          <p:cNvPr id="8" name="Google Shape;8;p1"/>
           <p:cNvSpPr txBox="1"/>
           <p:nvPr>
             <p:ph idx="12" type="sldNum"/>
@@ -8796,17 +7876,17 @@
   </p:cSld>
   <p:clrMap accent1="accent1" accent2="accent2" accent3="accent3" accent4="accent4" accent5="accent5" accent6="accent6" bg1="lt1" bg2="dk2" tx1="dk1" tx2="lt2" folHlink="folHlink" hlink="hlink"/>
   <p:sldLayoutIdLst>
-    <p:sldLayoutId id="2147483649" r:id="rId1"/>
-    <p:sldLayoutId id="2147483650" r:id="rId2"/>
-    <p:sldLayoutId id="2147483651" r:id="rId3"/>
-    <p:sldLayoutId id="2147483652" r:id="rId4"/>
-    <p:sldLayoutId id="2147483653" r:id="rId5"/>
-    <p:sldLayoutId id="2147483654" r:id="rId6"/>
-    <p:sldLayoutId id="2147483655" r:id="rId7"/>
-    <p:sldLayoutId id="2147483656" r:id="rId8"/>
-    <p:sldLayoutId id="2147483657" r:id="rId9"/>
-    <p:sldLayoutId id="2147483658" r:id="rId10"/>
-    <p:sldLayoutId id="2147483659" r:id="rId11"/>
+    <p:sldLayoutId id="2147483648" r:id="rId1"/>
+    <p:sldLayoutId id="2147483649" r:id="rId2"/>
+    <p:sldLayoutId id="2147483650" r:id="rId3"/>
+    <p:sldLayoutId id="2147483651" r:id="rId4"/>
+    <p:sldLayoutId id="2147483652" r:id="rId5"/>
+    <p:sldLayoutId id="2147483653" r:id="rId6"/>
+    <p:sldLayoutId id="2147483654" r:id="rId7"/>
+    <p:sldLayoutId id="2147483655" r:id="rId8"/>
+    <p:sldLayoutId id="2147483656" r:id="rId9"/>
+    <p:sldLayoutId id="2147483657" r:id="rId10"/>
+    <p:sldLayoutId id="2147483658" r:id="rId11"/>
   </p:sldLayoutIdLst>
   <p:hf dt="0" ftr="0" hdr="0" sldNum="0"/>
   <p:txStyles>
@@ -9520,14 +8600,14 @@
       </p:grpSpPr>
       <p:sp>
         <p:nvSpPr>
-          <p:cNvPr id="54" name="Google Shape;54;p1"/>
+          <p:cNvPr id="54" name="Google Shape;54;p13"/>
           <p:cNvSpPr txBox="1"/>
           <p:nvPr/>
         </p:nvSpPr>
         <p:spPr>
           <a:xfrm>
-            <a:off x="1861050" y="0"/>
-            <a:ext cx="5421900" cy="644100"/>
+            <a:off x="1861050" y="76200"/>
+            <a:ext cx="5421900" cy="765000"/>
           </a:xfrm>
           <a:prstGeom prst="rect">
             <a:avLst/>
@@ -9561,25 +8641,25 @@
               <a:buNone/>
             </a:pPr>
             <a:r>
-              <a:rPr b="0" i="0" lang="pt-BR" sz="1400" u="none" cap="none" strike="noStrike">
+              <a:rPr i="0" lang="pt-BR" sz="2000" u="none" cap="none" strike="noStrike">
                 <a:solidFill>
                   <a:srgbClr val="000000"/>
                 </a:solidFill>
-                <a:latin typeface="Arial"/>
-                <a:ea typeface="Arial"/>
-                <a:cs typeface="Arial"/>
-                <a:sym typeface="Arial"/>
+                <a:latin typeface="Georgia"/>
+                <a:ea typeface="Georgia"/>
+                <a:cs typeface="Georgia"/>
+                <a:sym typeface="Georgia"/>
               </a:rPr>
               <a:t>DFD ESSENCIAL</a:t>
             </a:r>
-            <a:endParaRPr b="0" i="0" sz="1400" u="none" cap="none" strike="noStrike">
+            <a:endParaRPr i="0" sz="2000" u="none" cap="none" strike="noStrike">
               <a:solidFill>
                 <a:srgbClr val="000000"/>
               </a:solidFill>
-              <a:latin typeface="Arial"/>
-              <a:ea typeface="Arial"/>
-              <a:cs typeface="Arial"/>
-              <a:sym typeface="Arial"/>
+              <a:latin typeface="Georgia"/>
+              <a:ea typeface="Georgia"/>
+              <a:cs typeface="Georgia"/>
+              <a:sym typeface="Georgia"/>
             </a:endParaRPr>
           </a:p>
           <a:p>
@@ -9601,32 +8681,41 @@
               <a:buNone/>
             </a:pPr>
             <a:r>
-              <a:rPr b="0" i="0" lang="pt-BR" sz="1400" u="none" cap="none" strike="noStrike">
+              <a:rPr lang="pt-BR" sz="2000">
+                <a:latin typeface="Georgia"/>
+                <a:ea typeface="Georgia"/>
+                <a:cs typeface="Georgia"/>
+                <a:sym typeface="Georgia"/>
+              </a:rPr>
+              <a:t>de </a:t>
+            </a:r>
+            <a:r>
+              <a:rPr i="0" lang="pt-BR" sz="2000" u="none" cap="none" strike="noStrike">
                 <a:solidFill>
                   <a:srgbClr val="000000"/>
                 </a:solidFill>
-                <a:latin typeface="Arial"/>
-                <a:ea typeface="Arial"/>
-                <a:cs typeface="Arial"/>
-                <a:sym typeface="Arial"/>
+                <a:latin typeface="Georgia"/>
+                <a:ea typeface="Georgia"/>
+                <a:cs typeface="Georgia"/>
+                <a:sym typeface="Georgia"/>
               </a:rPr>
               <a:t>REALIZAÇÃO DA MATRÍCULA</a:t>
             </a:r>
-            <a:endParaRPr b="0" i="0" sz="1400" u="none" cap="none" strike="noStrike">
+            <a:endParaRPr i="0" sz="2000" u="none" cap="none" strike="noStrike">
               <a:solidFill>
                 <a:srgbClr val="000000"/>
               </a:solidFill>
-              <a:latin typeface="Arial"/>
-              <a:ea typeface="Arial"/>
-              <a:cs typeface="Arial"/>
-              <a:sym typeface="Arial"/>
+              <a:latin typeface="Georgia"/>
+              <a:ea typeface="Georgia"/>
+              <a:cs typeface="Georgia"/>
+              <a:sym typeface="Georgia"/>
             </a:endParaRPr>
           </a:p>
         </p:txBody>
       </p:sp>
       <p:pic>
         <p:nvPicPr>
-          <p:cNvPr id="55" name="Google Shape;55;p1"/>
+          <p:cNvPr id="55" name="Google Shape;55;p13"/>
           <p:cNvPicPr preferRelativeResize="0"/>
           <p:nvPr/>
         </p:nvPicPr>
@@ -9640,644 +8729,8 @@
         </p:blipFill>
         <p:spPr>
           <a:xfrm>
-            <a:off x="1990900" y="550400"/>
-            <a:ext cx="5162199" cy="4495100"/>
-          </a:xfrm>
-          <a:prstGeom prst="rect">
-            <a:avLst/>
-          </a:prstGeom>
-          <a:noFill/>
-          <a:ln>
-            <a:noFill/>
-          </a:ln>
-        </p:spPr>
-      </p:pic>
-    </p:spTree>
-  </p:cSld>
-  <p:clrMapOvr>
-    <a:masterClrMapping/>
-  </p:clrMapOvr>
-</p:sld>
-</file>
-
-<file path=ppt/slides/slide2.xml><?xml version="1.0" encoding="utf-8"?>
-<p:sld xmlns:a="http://schemas.openxmlformats.org/drawingml/2006/main" xmlns:r="http://schemas.openxmlformats.org/officeDocument/2006/relationships" xmlns:mc="http://schemas.openxmlformats.org/markup-compatibility/2006" xmlns:mv="urn:schemas-microsoft-com:mac:vml" xmlns:p="http://schemas.openxmlformats.org/presentationml/2006/main" xmlns:c="http://schemas.openxmlformats.org/drawingml/2006/chart" xmlns:dgm="http://schemas.openxmlformats.org/drawingml/2006/diagram" xmlns:o="urn:schemas-microsoft-com:office:office" xmlns:v="urn:schemas-microsoft-com:vml" xmlns:pvml="urn:schemas-microsoft-com:office:powerpoint" xmlns:com="http://schemas.openxmlformats.org/drawingml/2006/compatibility" xmlns:p14="http://schemas.microsoft.com/office/powerpoint/2010/main" xmlns:p15="http://schemas.microsoft.com/office/powerpoint/2012/main" xmlns:ahyp="http://schemas.microsoft.com/office/drawing/2018/hyperlinkcolor">
-  <p:cSld>
-    <p:spTree>
-      <p:nvGrpSpPr>
-        <p:cNvPr id="59" name="Shape 59"/>
-        <p:cNvGrpSpPr/>
-        <p:nvPr/>
-      </p:nvGrpSpPr>
-      <p:grpSpPr>
-        <a:xfrm>
-          <a:off x="0" y="0"/>
-          <a:ext cx="0" cy="0"/>
-          <a:chOff x="0" y="0"/>
-          <a:chExt cx="0" cy="0"/>
-        </a:xfrm>
-      </p:grpSpPr>
-      <p:sp>
-        <p:nvSpPr>
-          <p:cNvPr id="60" name="Google Shape;60;p4"/>
-          <p:cNvSpPr txBox="1"/>
-          <p:nvPr/>
-        </p:nvSpPr>
-        <p:spPr>
-          <a:xfrm>
-            <a:off x="1861050" y="103025"/>
-            <a:ext cx="5421900" cy="644100"/>
-          </a:xfrm>
-          <a:prstGeom prst="rect">
-            <a:avLst/>
-          </a:prstGeom>
-          <a:noFill/>
-          <a:ln>
-            <a:noFill/>
-          </a:ln>
-        </p:spPr>
-        <p:txBody>
-          <a:bodyPr anchorCtr="0" anchor="t" bIns="91425" lIns="91425" spcFirstLastPara="1" rIns="91425" wrap="square" tIns="91425">
-            <a:noAutofit/>
-          </a:bodyPr>
-          <a:lstStyle/>
-          <a:p>
-            <a:pPr indent="0" lvl="0" marL="0" marR="0" rtl="0" algn="ctr">
-              <a:lnSpc>
-                <a:spcPct val="100000"/>
-              </a:lnSpc>
-              <a:spcBef>
-                <a:spcPts val="0"/>
-              </a:spcBef>
-              <a:spcAft>
-                <a:spcPts val="0"/>
-              </a:spcAft>
-              <a:buClr>
-                <a:srgbClr val="000000"/>
-              </a:buClr>
-              <a:buSzPts val="1400"/>
-              <a:buFont typeface="Arial"/>
-              <a:buNone/>
-            </a:pPr>
-            <a:r>
-              <a:rPr b="0" i="0" lang="pt-BR" sz="1400" u="none" cap="none" strike="noStrike">
-                <a:solidFill>
-                  <a:srgbClr val="000000"/>
-                </a:solidFill>
-                <a:latin typeface="Arial"/>
-                <a:ea typeface="Arial"/>
-                <a:cs typeface="Arial"/>
-                <a:sym typeface="Arial"/>
-              </a:rPr>
-              <a:t>DFD ESSENCIAL</a:t>
-            </a:r>
-            <a:endParaRPr b="0" i="0" sz="1400" u="none" cap="none" strike="noStrike">
-              <a:solidFill>
-                <a:srgbClr val="000000"/>
-              </a:solidFill>
-              <a:latin typeface="Arial"/>
-              <a:ea typeface="Arial"/>
-              <a:cs typeface="Arial"/>
-              <a:sym typeface="Arial"/>
-            </a:endParaRPr>
-          </a:p>
-          <a:p>
-            <a:pPr indent="0" lvl="0" marL="0" marR="0" rtl="0" algn="ctr">
-              <a:lnSpc>
-                <a:spcPct val="100000"/>
-              </a:lnSpc>
-              <a:spcBef>
-                <a:spcPts val="0"/>
-              </a:spcBef>
-              <a:spcAft>
-                <a:spcPts val="0"/>
-              </a:spcAft>
-              <a:buClr>
-                <a:srgbClr val="000000"/>
-              </a:buClr>
-              <a:buSzPts val="1400"/>
-              <a:buFont typeface="Arial"/>
-              <a:buNone/>
-            </a:pPr>
-            <a:r>
-              <a:rPr b="0" i="0" lang="pt-BR" sz="1400" u="none" cap="none" strike="noStrike">
-                <a:solidFill>
-                  <a:srgbClr val="000000"/>
-                </a:solidFill>
-                <a:latin typeface="Arial"/>
-                <a:ea typeface="Arial"/>
-                <a:cs typeface="Arial"/>
-                <a:sym typeface="Arial"/>
-              </a:rPr>
-              <a:t>REABRIR MATRÍCULA</a:t>
-            </a:r>
-            <a:endParaRPr b="0" i="0" sz="1400" u="none" cap="none" strike="noStrike">
-              <a:solidFill>
-                <a:srgbClr val="000000"/>
-              </a:solidFill>
-              <a:latin typeface="Arial"/>
-              <a:ea typeface="Arial"/>
-              <a:cs typeface="Arial"/>
-              <a:sym typeface="Arial"/>
-            </a:endParaRPr>
-          </a:p>
-        </p:txBody>
-      </p:sp>
-      <p:pic>
-        <p:nvPicPr>
-          <p:cNvPr id="61" name="Google Shape;61;p4"/>
-          <p:cNvPicPr preferRelativeResize="0"/>
-          <p:nvPr/>
-        </p:nvPicPr>
-        <p:blipFill>
-          <a:blip r:embed="rId3">
-            <a:alphaModFix/>
-          </a:blip>
-          <a:stretch>
-            <a:fillRect/>
-          </a:stretch>
-        </p:blipFill>
-        <p:spPr>
-          <a:xfrm>
-            <a:off x="152400" y="1059062"/>
-            <a:ext cx="8839200" cy="3025376"/>
-          </a:xfrm>
-          <a:prstGeom prst="rect">
-            <a:avLst/>
-          </a:prstGeom>
-          <a:noFill/>
-          <a:ln>
-            <a:noFill/>
-          </a:ln>
-        </p:spPr>
-      </p:pic>
-    </p:spTree>
-  </p:cSld>
-  <p:clrMapOvr>
-    <a:masterClrMapping/>
-  </p:clrMapOvr>
-</p:sld>
-</file>
-
-<file path=ppt/slides/slide3.xml><?xml version="1.0" encoding="utf-8"?>
-<p:sld xmlns:a="http://schemas.openxmlformats.org/drawingml/2006/main" xmlns:r="http://schemas.openxmlformats.org/officeDocument/2006/relationships" xmlns:mc="http://schemas.openxmlformats.org/markup-compatibility/2006" xmlns:mv="urn:schemas-microsoft-com:mac:vml" xmlns:p="http://schemas.openxmlformats.org/presentationml/2006/main" xmlns:c="http://schemas.openxmlformats.org/drawingml/2006/chart" xmlns:dgm="http://schemas.openxmlformats.org/drawingml/2006/diagram" xmlns:o="urn:schemas-microsoft-com:office:office" xmlns:v="urn:schemas-microsoft-com:vml" xmlns:pvml="urn:schemas-microsoft-com:office:powerpoint" xmlns:com="http://schemas.openxmlformats.org/drawingml/2006/compatibility" xmlns:p14="http://schemas.microsoft.com/office/powerpoint/2010/main" xmlns:p15="http://schemas.microsoft.com/office/powerpoint/2012/main" xmlns:ahyp="http://schemas.microsoft.com/office/drawing/2018/hyperlinkcolor">
-  <p:cSld>
-    <p:spTree>
-      <p:nvGrpSpPr>
-        <p:cNvPr id="65" name="Shape 65"/>
-        <p:cNvGrpSpPr/>
-        <p:nvPr/>
-      </p:nvGrpSpPr>
-      <p:grpSpPr>
-        <a:xfrm>
-          <a:off x="0" y="0"/>
-          <a:ext cx="0" cy="0"/>
-          <a:chOff x="0" y="0"/>
-          <a:chExt cx="0" cy="0"/>
-        </a:xfrm>
-      </p:grpSpPr>
-      <p:sp>
-        <p:nvSpPr>
-          <p:cNvPr id="66" name="Google Shape;66;p2"/>
-          <p:cNvSpPr txBox="1"/>
-          <p:nvPr/>
-        </p:nvSpPr>
-        <p:spPr>
-          <a:xfrm>
-            <a:off x="1861050" y="103025"/>
-            <a:ext cx="5421900" cy="644100"/>
-          </a:xfrm>
-          <a:prstGeom prst="rect">
-            <a:avLst/>
-          </a:prstGeom>
-          <a:noFill/>
-          <a:ln>
-            <a:noFill/>
-          </a:ln>
-        </p:spPr>
-        <p:txBody>
-          <a:bodyPr anchorCtr="0" anchor="t" bIns="91425" lIns="91425" spcFirstLastPara="1" rIns="91425" wrap="square" tIns="91425">
-            <a:noAutofit/>
-          </a:bodyPr>
-          <a:lstStyle/>
-          <a:p>
-            <a:pPr indent="0" lvl="0" marL="0" marR="0" rtl="0" algn="ctr">
-              <a:lnSpc>
-                <a:spcPct val="100000"/>
-              </a:lnSpc>
-              <a:spcBef>
-                <a:spcPts val="0"/>
-              </a:spcBef>
-              <a:spcAft>
-                <a:spcPts val="0"/>
-              </a:spcAft>
-              <a:buClr>
-                <a:srgbClr val="000000"/>
-              </a:buClr>
-              <a:buSzPts val="1400"/>
-              <a:buFont typeface="Arial"/>
-              <a:buNone/>
-            </a:pPr>
-            <a:r>
-              <a:rPr b="0" i="0" lang="pt-BR" sz="1400" u="none" cap="none" strike="noStrike">
-                <a:solidFill>
-                  <a:srgbClr val="000000"/>
-                </a:solidFill>
-                <a:latin typeface="Arial"/>
-                <a:ea typeface="Arial"/>
-                <a:cs typeface="Arial"/>
-                <a:sym typeface="Arial"/>
-              </a:rPr>
-              <a:t>DFD ESSENCIAL</a:t>
-            </a:r>
-            <a:endParaRPr b="0" i="0" sz="1400" u="none" cap="none" strike="noStrike">
-              <a:solidFill>
-                <a:srgbClr val="000000"/>
-              </a:solidFill>
-              <a:latin typeface="Arial"/>
-              <a:ea typeface="Arial"/>
-              <a:cs typeface="Arial"/>
-              <a:sym typeface="Arial"/>
-            </a:endParaRPr>
-          </a:p>
-          <a:p>
-            <a:pPr indent="0" lvl="0" marL="0" marR="0" rtl="0" algn="ctr">
-              <a:lnSpc>
-                <a:spcPct val="100000"/>
-              </a:lnSpc>
-              <a:spcBef>
-                <a:spcPts val="0"/>
-              </a:spcBef>
-              <a:spcAft>
-                <a:spcPts val="0"/>
-              </a:spcAft>
-              <a:buClr>
-                <a:srgbClr val="000000"/>
-              </a:buClr>
-              <a:buSzPts val="1400"/>
-              <a:buFont typeface="Arial"/>
-              <a:buNone/>
-            </a:pPr>
-            <a:r>
-              <a:rPr b="0" i="0" lang="pt-BR" sz="1400" u="none" cap="none" strike="noStrike">
-                <a:solidFill>
-                  <a:srgbClr val="000000"/>
-                </a:solidFill>
-                <a:latin typeface="Arial"/>
-                <a:ea typeface="Arial"/>
-                <a:cs typeface="Arial"/>
-                <a:sym typeface="Arial"/>
-              </a:rPr>
-              <a:t>MINISTRAR AULAS</a:t>
-            </a:r>
-            <a:endParaRPr b="0" i="0" sz="1400" u="none" cap="none" strike="noStrike">
-              <a:solidFill>
-                <a:srgbClr val="000000"/>
-              </a:solidFill>
-              <a:latin typeface="Arial"/>
-              <a:ea typeface="Arial"/>
-              <a:cs typeface="Arial"/>
-              <a:sym typeface="Arial"/>
-            </a:endParaRPr>
-          </a:p>
-        </p:txBody>
-      </p:sp>
-      <p:pic>
-        <p:nvPicPr>
-          <p:cNvPr id="67" name="Google Shape;67;p2"/>
-          <p:cNvPicPr preferRelativeResize="0"/>
-          <p:nvPr/>
-        </p:nvPicPr>
-        <p:blipFill>
-          <a:blip r:embed="rId3">
-            <a:alphaModFix/>
-          </a:blip>
-          <a:stretch>
-            <a:fillRect/>
-          </a:stretch>
-        </p:blipFill>
-        <p:spPr>
-          <a:xfrm>
-            <a:off x="1738313" y="838200"/>
-            <a:ext cx="5667375" cy="3467100"/>
-          </a:xfrm>
-          <a:prstGeom prst="rect">
-            <a:avLst/>
-          </a:prstGeom>
-          <a:noFill/>
-          <a:ln>
-            <a:noFill/>
-          </a:ln>
-        </p:spPr>
-      </p:pic>
-    </p:spTree>
-  </p:cSld>
-  <p:clrMapOvr>
-    <a:masterClrMapping/>
-  </p:clrMapOvr>
-</p:sld>
-</file>
-
-<file path=ppt/slides/slide4.xml><?xml version="1.0" encoding="utf-8"?>
-<p:sld xmlns:a="http://schemas.openxmlformats.org/drawingml/2006/main" xmlns:r="http://schemas.openxmlformats.org/officeDocument/2006/relationships" xmlns:mc="http://schemas.openxmlformats.org/markup-compatibility/2006" xmlns:mv="urn:schemas-microsoft-com:mac:vml" xmlns:p="http://schemas.openxmlformats.org/presentationml/2006/main" xmlns:c="http://schemas.openxmlformats.org/drawingml/2006/chart" xmlns:dgm="http://schemas.openxmlformats.org/drawingml/2006/diagram" xmlns:o="urn:schemas-microsoft-com:office:office" xmlns:v="urn:schemas-microsoft-com:vml" xmlns:pvml="urn:schemas-microsoft-com:office:powerpoint" xmlns:com="http://schemas.openxmlformats.org/drawingml/2006/compatibility" xmlns:p14="http://schemas.microsoft.com/office/powerpoint/2010/main" xmlns:p15="http://schemas.microsoft.com/office/powerpoint/2012/main" xmlns:ahyp="http://schemas.microsoft.com/office/drawing/2018/hyperlinkcolor">
-  <p:cSld>
-    <p:spTree>
-      <p:nvGrpSpPr>
-        <p:cNvPr id="71" name="Shape 71"/>
-        <p:cNvGrpSpPr/>
-        <p:nvPr/>
-      </p:nvGrpSpPr>
-      <p:grpSpPr>
-        <a:xfrm>
-          <a:off x="0" y="0"/>
-          <a:ext cx="0" cy="0"/>
-          <a:chOff x="0" y="0"/>
-          <a:chExt cx="0" cy="0"/>
-        </a:xfrm>
-      </p:grpSpPr>
-      <p:sp>
-        <p:nvSpPr>
-          <p:cNvPr id="72" name="Google Shape;72;p3"/>
-          <p:cNvSpPr txBox="1"/>
-          <p:nvPr/>
-        </p:nvSpPr>
-        <p:spPr>
-          <a:xfrm>
-            <a:off x="1861050" y="103025"/>
-            <a:ext cx="5421900" cy="644100"/>
-          </a:xfrm>
-          <a:prstGeom prst="rect">
-            <a:avLst/>
-          </a:prstGeom>
-          <a:noFill/>
-          <a:ln>
-            <a:noFill/>
-          </a:ln>
-        </p:spPr>
-        <p:txBody>
-          <a:bodyPr anchorCtr="0" anchor="t" bIns="91425" lIns="91425" spcFirstLastPara="1" rIns="91425" wrap="square" tIns="91425">
-            <a:noAutofit/>
-          </a:bodyPr>
-          <a:lstStyle/>
-          <a:p>
-            <a:pPr indent="0" lvl="0" marL="0" marR="0" rtl="0" algn="ctr">
-              <a:lnSpc>
-                <a:spcPct val="100000"/>
-              </a:lnSpc>
-              <a:spcBef>
-                <a:spcPts val="0"/>
-              </a:spcBef>
-              <a:spcAft>
-                <a:spcPts val="0"/>
-              </a:spcAft>
-              <a:buClr>
-                <a:srgbClr val="000000"/>
-              </a:buClr>
-              <a:buSzPts val="1400"/>
-              <a:buFont typeface="Arial"/>
-              <a:buNone/>
-            </a:pPr>
-            <a:r>
-              <a:rPr b="0" i="0" lang="pt-BR" sz="1400" u="none" cap="none" strike="noStrike">
-                <a:solidFill>
-                  <a:srgbClr val="000000"/>
-                </a:solidFill>
-                <a:latin typeface="Arial"/>
-                <a:ea typeface="Arial"/>
-                <a:cs typeface="Arial"/>
-                <a:sym typeface="Arial"/>
-              </a:rPr>
-              <a:t>DFD ESSENCIAL</a:t>
-            </a:r>
-            <a:endParaRPr b="0" i="0" sz="1400" u="none" cap="none" strike="noStrike">
-              <a:solidFill>
-                <a:srgbClr val="000000"/>
-              </a:solidFill>
-              <a:latin typeface="Arial"/>
-              <a:ea typeface="Arial"/>
-              <a:cs typeface="Arial"/>
-              <a:sym typeface="Arial"/>
-            </a:endParaRPr>
-          </a:p>
-          <a:p>
-            <a:pPr indent="0" lvl="0" marL="0" marR="0" rtl="0" algn="ctr">
-              <a:lnSpc>
-                <a:spcPct val="100000"/>
-              </a:lnSpc>
-              <a:spcBef>
-                <a:spcPts val="0"/>
-              </a:spcBef>
-              <a:spcAft>
-                <a:spcPts val="0"/>
-              </a:spcAft>
-              <a:buClr>
-                <a:srgbClr val="000000"/>
-              </a:buClr>
-              <a:buSzPts val="1400"/>
-              <a:buFont typeface="Arial"/>
-              <a:buNone/>
-            </a:pPr>
-            <a:r>
-              <a:rPr b="0" i="0" lang="pt-BR" sz="1400" u="none" cap="none" strike="noStrike">
-                <a:solidFill>
-                  <a:srgbClr val="000000"/>
-                </a:solidFill>
-                <a:latin typeface="Arial"/>
-                <a:ea typeface="Arial"/>
-                <a:cs typeface="Arial"/>
-                <a:sym typeface="Arial"/>
-              </a:rPr>
-              <a:t>TRANCAR MATRÍCULA</a:t>
-            </a:r>
-            <a:endParaRPr b="0" i="0" sz="1400" u="none" cap="none" strike="noStrike">
-              <a:solidFill>
-                <a:srgbClr val="000000"/>
-              </a:solidFill>
-              <a:latin typeface="Arial"/>
-              <a:ea typeface="Arial"/>
-              <a:cs typeface="Arial"/>
-              <a:sym typeface="Arial"/>
-            </a:endParaRPr>
-          </a:p>
-        </p:txBody>
-      </p:sp>
-      <p:pic>
-        <p:nvPicPr>
-          <p:cNvPr id="73" name="Google Shape;73;p3"/>
-          <p:cNvPicPr preferRelativeResize="0"/>
-          <p:nvPr/>
-        </p:nvPicPr>
-        <p:blipFill>
-          <a:blip r:embed="rId3">
-            <a:alphaModFix/>
-          </a:blip>
-          <a:stretch>
-            <a:fillRect/>
-          </a:stretch>
-        </p:blipFill>
-        <p:spPr>
-          <a:xfrm>
-            <a:off x="2038350" y="995363"/>
-            <a:ext cx="5067300" cy="3152775"/>
-          </a:xfrm>
-          <a:prstGeom prst="rect">
-            <a:avLst/>
-          </a:prstGeom>
-          <a:noFill/>
-          <a:ln>
-            <a:noFill/>
-          </a:ln>
-        </p:spPr>
-      </p:pic>
-    </p:spTree>
-  </p:cSld>
-  <p:clrMapOvr>
-    <a:masterClrMapping/>
-  </p:clrMapOvr>
-</p:sld>
-</file>
-
-<file path=ppt/slides/slide5.xml><?xml version="1.0" encoding="utf-8"?>
-<p:sld xmlns:a="http://schemas.openxmlformats.org/drawingml/2006/main" xmlns:r="http://schemas.openxmlformats.org/officeDocument/2006/relationships" xmlns:mc="http://schemas.openxmlformats.org/markup-compatibility/2006" xmlns:mv="urn:schemas-microsoft-com:mac:vml" xmlns:p="http://schemas.openxmlformats.org/presentationml/2006/main" xmlns:c="http://schemas.openxmlformats.org/drawingml/2006/chart" xmlns:dgm="http://schemas.openxmlformats.org/drawingml/2006/diagram" xmlns:o="urn:schemas-microsoft-com:office:office" xmlns:v="urn:schemas-microsoft-com:vml" xmlns:pvml="urn:schemas-microsoft-com:office:powerpoint" xmlns:com="http://schemas.openxmlformats.org/drawingml/2006/compatibility" xmlns:p14="http://schemas.microsoft.com/office/powerpoint/2010/main" xmlns:p15="http://schemas.microsoft.com/office/powerpoint/2012/main" xmlns:ahyp="http://schemas.microsoft.com/office/drawing/2018/hyperlinkcolor">
-  <p:cSld>
-    <p:spTree>
-      <p:nvGrpSpPr>
-        <p:cNvPr id="77" name="Shape 77"/>
-        <p:cNvGrpSpPr/>
-        <p:nvPr/>
-      </p:nvGrpSpPr>
-      <p:grpSpPr>
-        <a:xfrm>
-          <a:off x="0" y="0"/>
-          <a:ext cx="0" cy="0"/>
-          <a:chOff x="0" y="0"/>
-          <a:chExt cx="0" cy="0"/>
-        </a:xfrm>
-      </p:grpSpPr>
-      <p:sp>
-        <p:nvSpPr>
-          <p:cNvPr id="78" name="Google Shape;78;p5"/>
-          <p:cNvSpPr txBox="1"/>
-          <p:nvPr/>
-        </p:nvSpPr>
-        <p:spPr>
-          <a:xfrm>
-            <a:off x="1861050" y="103025"/>
-            <a:ext cx="5421900" cy="644100"/>
-          </a:xfrm>
-          <a:prstGeom prst="rect">
-            <a:avLst/>
-          </a:prstGeom>
-          <a:noFill/>
-          <a:ln>
-            <a:noFill/>
-          </a:ln>
-        </p:spPr>
-        <p:txBody>
-          <a:bodyPr anchorCtr="0" anchor="t" bIns="91425" lIns="91425" spcFirstLastPara="1" rIns="91425" wrap="square" tIns="91425">
-            <a:noAutofit/>
-          </a:bodyPr>
-          <a:lstStyle/>
-          <a:p>
-            <a:pPr indent="0" lvl="0" marL="0" marR="0" rtl="0" algn="ctr">
-              <a:lnSpc>
-                <a:spcPct val="100000"/>
-              </a:lnSpc>
-              <a:spcBef>
-                <a:spcPts val="0"/>
-              </a:spcBef>
-              <a:spcAft>
-                <a:spcPts val="0"/>
-              </a:spcAft>
-              <a:buClr>
-                <a:srgbClr val="000000"/>
-              </a:buClr>
-              <a:buSzPts val="1400"/>
-              <a:buFont typeface="Arial"/>
-              <a:buNone/>
-            </a:pPr>
-            <a:r>
-              <a:rPr b="0" i="0" lang="pt-BR" sz="1400" u="none" cap="none" strike="noStrike">
-                <a:solidFill>
-                  <a:srgbClr val="000000"/>
-                </a:solidFill>
-                <a:latin typeface="Arial"/>
-                <a:ea typeface="Arial"/>
-                <a:cs typeface="Arial"/>
-                <a:sym typeface="Arial"/>
-              </a:rPr>
-              <a:t>DFD ESSENCIAL</a:t>
-            </a:r>
-            <a:endParaRPr b="0" i="0" sz="1400" u="none" cap="none" strike="noStrike">
-              <a:solidFill>
-                <a:srgbClr val="000000"/>
-              </a:solidFill>
-              <a:latin typeface="Arial"/>
-              <a:ea typeface="Arial"/>
-              <a:cs typeface="Arial"/>
-              <a:sym typeface="Arial"/>
-            </a:endParaRPr>
-          </a:p>
-          <a:p>
-            <a:pPr indent="0" lvl="0" marL="0" marR="0" rtl="0" algn="ctr">
-              <a:lnSpc>
-                <a:spcPct val="100000"/>
-              </a:lnSpc>
-              <a:spcBef>
-                <a:spcPts val="0"/>
-              </a:spcBef>
-              <a:spcAft>
-                <a:spcPts val="0"/>
-              </a:spcAft>
-              <a:buClr>
-                <a:srgbClr val="000000"/>
-              </a:buClr>
-              <a:buSzPts val="1400"/>
-              <a:buFont typeface="Arial"/>
-              <a:buNone/>
-            </a:pPr>
-            <a:r>
-              <a:rPr b="0" i="0" lang="pt-BR" sz="1400" u="none" cap="none" strike="noStrike">
-                <a:solidFill>
-                  <a:srgbClr val="000000"/>
-                </a:solidFill>
-                <a:latin typeface="Arial"/>
-                <a:ea typeface="Arial"/>
-                <a:cs typeface="Arial"/>
-                <a:sym typeface="Arial"/>
-              </a:rPr>
-              <a:t>TRANSFERIR MATRÍCULA</a:t>
-            </a:r>
-            <a:endParaRPr b="0" i="0" sz="1400" u="none" cap="none" strike="noStrike">
-              <a:solidFill>
-                <a:srgbClr val="000000"/>
-              </a:solidFill>
-              <a:latin typeface="Arial"/>
-              <a:ea typeface="Arial"/>
-              <a:cs typeface="Arial"/>
-              <a:sym typeface="Arial"/>
-            </a:endParaRPr>
-          </a:p>
-        </p:txBody>
-      </p:sp>
-      <p:pic>
-        <p:nvPicPr>
-          <p:cNvPr id="79" name="Google Shape;79;p5"/>
-          <p:cNvPicPr preferRelativeResize="0"/>
-          <p:nvPr/>
-        </p:nvPicPr>
-        <p:blipFill>
-          <a:blip r:embed="rId3">
-            <a:alphaModFix/>
-          </a:blip>
-          <a:stretch>
-            <a:fillRect/>
-          </a:stretch>
-        </p:blipFill>
-        <p:spPr>
-          <a:xfrm>
-            <a:off x="2443163" y="985838"/>
-            <a:ext cx="4257675" cy="3171825"/>
+            <a:off x="152400" y="1184289"/>
+            <a:ext cx="8839200" cy="3689323"/>
           </a:xfrm>
           <a:prstGeom prst="rect">
             <a:avLst/>

--- a/Artefatos/16. DFD ESSENCIAL CAPACIDADES.pptx
+++ b/Artefatos/16. DFD ESSENCIAL CAPACIDADES.pptx
@@ -8729,8 +8729,8 @@
         </p:blipFill>
         <p:spPr>
           <a:xfrm>
-            <a:off x="152400" y="1184289"/>
-            <a:ext cx="8839200" cy="3689323"/>
+            <a:off x="152400" y="993600"/>
+            <a:ext cx="8839200" cy="3698807"/>
           </a:xfrm>
           <a:prstGeom prst="rect">
             <a:avLst/>

--- a/Artefatos/16. DFD ESSENCIAL CAPACIDADES.pptx
+++ b/Artefatos/16. DFD ESSENCIAL CAPACIDADES.pptx
@@ -1,19 +1,19 @@
 
 <file path=ppt/presentation.xml><?xml version="1.0" encoding="utf-8"?>
-<p:presentation xmlns:a="http://schemas.openxmlformats.org/drawingml/2006/main" xmlns:r="http://schemas.openxmlformats.org/officeDocument/2006/relationships" xmlns:mc="http://schemas.openxmlformats.org/markup-compatibility/2006" xmlns:mv="urn:schemas-microsoft-com:mac:vml" xmlns:p="http://schemas.openxmlformats.org/presentationml/2006/main" xmlns:c="http://schemas.openxmlformats.org/drawingml/2006/chart" xmlns:dgm="http://schemas.openxmlformats.org/drawingml/2006/diagram" xmlns:o="urn:schemas-microsoft-com:office:office" xmlns:v="urn:schemas-microsoft-com:vml" xmlns:pvml="urn:schemas-microsoft-com:office:powerpoint" xmlns:com="http://schemas.openxmlformats.org/drawingml/2006/compatibility" xmlns:p14="http://schemas.microsoft.com/office/powerpoint/2010/main" xmlns:p15="http://schemas.microsoft.com/office/powerpoint/2012/main" xmlns:ahyp="http://schemas.microsoft.com/office/drawing/2018/hyperlinkcolor" autoCompressPictures="0" strictFirstAndLastChars="0" saveSubsetFonts="1">
+<p:presentation xmlns:a="http://schemas.openxmlformats.org/drawingml/2006/main" xmlns:r="http://schemas.openxmlformats.org/officeDocument/2006/relationships" xmlns:p="http://schemas.openxmlformats.org/presentationml/2006/main" strictFirstAndLastChars="0" saveSubsetFonts="1" autoCompressPictures="0">
   <p:sldMasterIdLst>
-    <p:sldMasterId id="2147483659" r:id="rId4"/>
+    <p:sldMasterId id="2147483659" r:id="rId1"/>
   </p:sldMasterIdLst>
   <p:notesMasterIdLst>
-    <p:notesMasterId r:id="rId5"/>
+    <p:notesMasterId r:id="rId3"/>
   </p:notesMasterIdLst>
   <p:sldIdLst>
-    <p:sldId id="256" r:id="rId6"/>
+    <p:sldId id="256" r:id="rId2"/>
   </p:sldIdLst>
-  <p:sldSz cy="5143500" cx="9144000"/>
+  <p:sldSz cx="9144000" cy="5143500" type="screen16x9"/>
   <p:notesSz cx="6858000" cy="9144000"/>
   <p:defaultTextStyle>
-    <a:defPPr lvl="0" marR="0" rtl="0" algn="l">
+    <a:defPPr marR="0" lvl="0" algn="l" rtl="0">
       <a:lnSpc>
         <a:spcPct val="100000"/>
       </a:lnSpc>
@@ -24,7 +24,7 @@
         <a:spcPts val="0"/>
       </a:spcAft>
     </a:defPPr>
-    <a:lvl1pPr lvl="0" marR="0" rtl="0" algn="l">
+    <a:lvl1pPr marR="0" lvl="0" algn="l" rtl="0">
       <a:lnSpc>
         <a:spcPct val="100000"/>
       </a:lnSpc>
@@ -38,7 +38,7 @@
         <a:srgbClr val="000000"/>
       </a:buClr>
       <a:buFont typeface="Arial"/>
-      <a:defRPr b="0" i="0" sz="1400" u="none" cap="none" strike="noStrike">
+      <a:defRPr sz="1400" b="0" i="0" u="none" strike="noStrike" cap="none">
         <a:solidFill>
           <a:srgbClr val="000000"/>
         </a:solidFill>
@@ -48,7 +48,7 @@
         <a:sym typeface="Arial"/>
       </a:defRPr>
     </a:lvl1pPr>
-    <a:lvl2pPr lvl="1" marR="0" rtl="0" algn="l">
+    <a:lvl2pPr marR="0" lvl="1" algn="l" rtl="0">
       <a:lnSpc>
         <a:spcPct val="100000"/>
       </a:lnSpc>
@@ -62,7 +62,7 @@
         <a:srgbClr val="000000"/>
       </a:buClr>
       <a:buFont typeface="Arial"/>
-      <a:defRPr b="0" i="0" sz="1400" u="none" cap="none" strike="noStrike">
+      <a:defRPr sz="1400" b="0" i="0" u="none" strike="noStrike" cap="none">
         <a:solidFill>
           <a:srgbClr val="000000"/>
         </a:solidFill>
@@ -72,7 +72,7 @@
         <a:sym typeface="Arial"/>
       </a:defRPr>
     </a:lvl2pPr>
-    <a:lvl3pPr lvl="2" marR="0" rtl="0" algn="l">
+    <a:lvl3pPr marR="0" lvl="2" algn="l" rtl="0">
       <a:lnSpc>
         <a:spcPct val="100000"/>
       </a:lnSpc>
@@ -86,7 +86,7 @@
         <a:srgbClr val="000000"/>
       </a:buClr>
       <a:buFont typeface="Arial"/>
-      <a:defRPr b="0" i="0" sz="1400" u="none" cap="none" strike="noStrike">
+      <a:defRPr sz="1400" b="0" i="0" u="none" strike="noStrike" cap="none">
         <a:solidFill>
           <a:srgbClr val="000000"/>
         </a:solidFill>
@@ -96,7 +96,7 @@
         <a:sym typeface="Arial"/>
       </a:defRPr>
     </a:lvl3pPr>
-    <a:lvl4pPr lvl="3" marR="0" rtl="0" algn="l">
+    <a:lvl4pPr marR="0" lvl="3" algn="l" rtl="0">
       <a:lnSpc>
         <a:spcPct val="100000"/>
       </a:lnSpc>
@@ -110,7 +110,7 @@
         <a:srgbClr val="000000"/>
       </a:buClr>
       <a:buFont typeface="Arial"/>
-      <a:defRPr b="0" i="0" sz="1400" u="none" cap="none" strike="noStrike">
+      <a:defRPr sz="1400" b="0" i="0" u="none" strike="noStrike" cap="none">
         <a:solidFill>
           <a:srgbClr val="000000"/>
         </a:solidFill>
@@ -120,7 +120,7 @@
         <a:sym typeface="Arial"/>
       </a:defRPr>
     </a:lvl4pPr>
-    <a:lvl5pPr lvl="4" marR="0" rtl="0" algn="l">
+    <a:lvl5pPr marR="0" lvl="4" algn="l" rtl="0">
       <a:lnSpc>
         <a:spcPct val="100000"/>
       </a:lnSpc>
@@ -134,7 +134,7 @@
         <a:srgbClr val="000000"/>
       </a:buClr>
       <a:buFont typeface="Arial"/>
-      <a:defRPr b="0" i="0" sz="1400" u="none" cap="none" strike="noStrike">
+      <a:defRPr sz="1400" b="0" i="0" u="none" strike="noStrike" cap="none">
         <a:solidFill>
           <a:srgbClr val="000000"/>
         </a:solidFill>
@@ -144,7 +144,7 @@
         <a:sym typeface="Arial"/>
       </a:defRPr>
     </a:lvl5pPr>
-    <a:lvl6pPr lvl="5" marR="0" rtl="0" algn="l">
+    <a:lvl6pPr marR="0" lvl="5" algn="l" rtl="0">
       <a:lnSpc>
         <a:spcPct val="100000"/>
       </a:lnSpc>
@@ -158,7 +158,7 @@
         <a:srgbClr val="000000"/>
       </a:buClr>
       <a:buFont typeface="Arial"/>
-      <a:defRPr b="0" i="0" sz="1400" u="none" cap="none" strike="noStrike">
+      <a:defRPr sz="1400" b="0" i="0" u="none" strike="noStrike" cap="none">
         <a:solidFill>
           <a:srgbClr val="000000"/>
         </a:solidFill>
@@ -168,7 +168,7 @@
         <a:sym typeface="Arial"/>
       </a:defRPr>
     </a:lvl6pPr>
-    <a:lvl7pPr lvl="6" marR="0" rtl="0" algn="l">
+    <a:lvl7pPr marR="0" lvl="6" algn="l" rtl="0">
       <a:lnSpc>
         <a:spcPct val="100000"/>
       </a:lnSpc>
@@ -182,7 +182,7 @@
         <a:srgbClr val="000000"/>
       </a:buClr>
       <a:buFont typeface="Arial"/>
-      <a:defRPr b="0" i="0" sz="1400" u="none" cap="none" strike="noStrike">
+      <a:defRPr sz="1400" b="0" i="0" u="none" strike="noStrike" cap="none">
         <a:solidFill>
           <a:srgbClr val="000000"/>
         </a:solidFill>
@@ -192,7 +192,7 @@
         <a:sym typeface="Arial"/>
       </a:defRPr>
     </a:lvl7pPr>
-    <a:lvl8pPr lvl="7" marR="0" rtl="0" algn="l">
+    <a:lvl8pPr marR="0" lvl="7" algn="l" rtl="0">
       <a:lnSpc>
         <a:spcPct val="100000"/>
       </a:lnSpc>
@@ -206,7 +206,7 @@
         <a:srgbClr val="000000"/>
       </a:buClr>
       <a:buFont typeface="Arial"/>
-      <a:defRPr b="0" i="0" sz="1400" u="none" cap="none" strike="noStrike">
+      <a:defRPr sz="1400" b="0" i="0" u="none" strike="noStrike" cap="none">
         <a:solidFill>
           <a:srgbClr val="000000"/>
         </a:solidFill>
@@ -216,7 +216,7 @@
         <a:sym typeface="Arial"/>
       </a:defRPr>
     </a:lvl8pPr>
-    <a:lvl9pPr lvl="8" marR="0" rtl="0" algn="l">
+    <a:lvl9pPr marR="0" lvl="8" algn="l" rtl="0">
       <a:lnSpc>
         <a:spcPct val="100000"/>
       </a:lnSpc>
@@ -230,7 +230,7 @@
         <a:srgbClr val="000000"/>
       </a:buClr>
       <a:buFont typeface="Arial"/>
-      <a:defRPr b="0" i="0" sz="1400" u="none" cap="none" strike="noStrike">
+      <a:defRPr sz="1400" b="0" i="0" u="none" strike="noStrike" cap="none">
         <a:solidFill>
           <a:srgbClr val="000000"/>
         </a:solidFill>
@@ -243,7 +243,7 @@
   </p:defaultTextStyle>
   <p:extLst>
     <p:ext uri="{EFAFB233-063F-42B5-8137-9DF3F51BA10A}">
-      <p15:sldGuideLst>
+      <p15:sldGuideLst xmlns:p15="http://schemas.microsoft.com/office/powerpoint/2012/main">
         <p15:guide id="1" orient="horz" pos="1620">
           <p15:clr>
             <a:srgbClr val="A4A3A4"/>
@@ -261,11 +261,16 @@
 </file>
 
 <file path=ppt/notesMasters/notesMaster1.xml><?xml version="1.0" encoding="utf-8"?>
-<p:notesMaster xmlns:a="http://schemas.openxmlformats.org/drawingml/2006/main" xmlns:r="http://schemas.openxmlformats.org/officeDocument/2006/relationships" xmlns:mc="http://schemas.openxmlformats.org/markup-compatibility/2006" xmlns:mv="urn:schemas-microsoft-com:mac:vml" xmlns:p="http://schemas.openxmlformats.org/presentationml/2006/main" xmlns:c="http://schemas.openxmlformats.org/drawingml/2006/chart" xmlns:dgm="http://schemas.openxmlformats.org/drawingml/2006/diagram" xmlns:o="urn:schemas-microsoft-com:office:office" xmlns:v="urn:schemas-microsoft-com:vml" xmlns:pvml="urn:schemas-microsoft-com:office:powerpoint" xmlns:com="http://schemas.openxmlformats.org/drawingml/2006/compatibility" xmlns:p14="http://schemas.microsoft.com/office/powerpoint/2010/main" xmlns:p15="http://schemas.microsoft.com/office/powerpoint/2012/main" xmlns:ahyp="http://schemas.microsoft.com/office/drawing/2018/hyperlinkcolor">
+<p:notesMaster xmlns:a="http://schemas.openxmlformats.org/drawingml/2006/main" xmlns:r="http://schemas.openxmlformats.org/officeDocument/2006/relationships" xmlns:p="http://schemas.openxmlformats.org/presentationml/2006/main">
   <p:cSld>
+    <p:bg>
+      <p:bgRef idx="1001">
+        <a:schemeClr val="bg1"/>
+      </p:bgRef>
+    </p:bg>
     <p:spTree>
       <p:nvGrpSpPr>
-        <p:cNvPr id="2" name="Shape 2"/>
+        <p:cNvPr id="1" name="Shape 2"/>
         <p:cNvGrpSpPr/>
         <p:nvPr/>
       </p:nvGrpSpPr>
@@ -280,9 +285,11 @@
       <p:sp>
         <p:nvSpPr>
           <p:cNvPr id="3" name="Google Shape;3;n"/>
-          <p:cNvSpPr/>
+          <p:cNvSpPr>
+            <a:spLocks noGrp="1" noRot="1" noChangeAspect="1"/>
+          </p:cNvSpPr>
           <p:nvPr>
-            <p:ph idx="2" type="sldImg"/>
+            <p:ph type="sldImg" idx="2"/>
           </p:nvPr>
         </p:nvSpPr>
         <p:spPr>
@@ -291,9 +298,13 @@
             <a:ext cx="6096075" cy="3429000"/>
           </a:xfrm>
           <a:custGeom>
-            <a:rect b="b" l="l" r="r" t="t"/>
+            <a:avLst/>
+            <a:gdLst/>
+            <a:ahLst/>
+            <a:cxnLst/>
+            <a:rect l="l" t="t" r="r" b="b"/>
             <a:pathLst>
-              <a:path extrusionOk="0" h="120000" w="120000">
+              <a:path w="120000" h="120000" extrusionOk="0">
                 <a:moveTo>
                   <a:pt x="0" y="0"/>
                 </a:moveTo>
@@ -311,23 +322,25 @@
             </a:pathLst>
           </a:custGeom>
           <a:noFill/>
-          <a:ln cap="flat" cmpd="sng" w="9525">
+          <a:ln w="9525" cap="flat" cmpd="sng">
             <a:solidFill>
               <a:srgbClr val="000000"/>
             </a:solidFill>
             <a:prstDash val="solid"/>
             <a:round/>
-            <a:headEnd len="sm" w="sm" type="none"/>
-            <a:tailEnd len="sm" w="sm" type="none"/>
+            <a:headEnd type="none" w="sm" len="sm"/>
+            <a:tailEnd type="none" w="sm" len="sm"/>
           </a:ln>
         </p:spPr>
       </p:sp>
       <p:sp>
         <p:nvSpPr>
           <p:cNvPr id="4" name="Google Shape;4;n"/>
-          <p:cNvSpPr txBox="1"/>
+          <p:cNvSpPr txBox="1">
+            <a:spLocks noGrp="1"/>
+          </p:cNvSpPr>
           <p:nvPr>
-            <p:ph idx="1" type="body"/>
+            <p:ph type="body" idx="1"/>
           </p:nvPr>
         </p:nvSpPr>
         <p:spPr>
@@ -344,11 +357,11 @@
           </a:ln>
         </p:spPr>
         <p:txBody>
-          <a:bodyPr anchorCtr="0" anchor="t" bIns="91425" lIns="91425" spcFirstLastPara="1" rIns="91425" wrap="square" tIns="91425">
+          <a:bodyPr spcFirstLastPara="1" wrap="square" lIns="91425" tIns="91425" rIns="91425" bIns="91425" anchor="t" anchorCtr="0">
             <a:noAutofit/>
           </a:bodyPr>
           <a:lstStyle>
-            <a:lvl1pPr indent="-298450" lvl="0" marL="457200" marR="0" rtl="0" algn="l">
+            <a:lvl1pPr marL="457200" marR="0" lvl="0" indent="-298450" algn="l" rtl="0">
               <a:lnSpc>
                 <a:spcPct val="100000"/>
               </a:lnSpc>
@@ -364,7 +377,7 @@
               <a:buSzPts val="1100"/>
               <a:buFont typeface="Arial"/>
               <a:buChar char="●"/>
-              <a:defRPr b="0" i="0" sz="1100" u="none" cap="none" strike="noStrike">
+              <a:defRPr sz="1100" b="0" i="0" u="none" strike="noStrike" cap="none">
                 <a:solidFill>
                   <a:srgbClr val="000000"/>
                 </a:solidFill>
@@ -374,7 +387,7 @@
                 <a:sym typeface="Arial"/>
               </a:defRPr>
             </a:lvl1pPr>
-            <a:lvl2pPr indent="-298450" lvl="1" marL="914400" marR="0" rtl="0" algn="l">
+            <a:lvl2pPr marL="914400" marR="0" lvl="1" indent="-298450" algn="l" rtl="0">
               <a:lnSpc>
                 <a:spcPct val="100000"/>
               </a:lnSpc>
@@ -390,7 +403,7 @@
               <a:buSzPts val="1100"/>
               <a:buFont typeface="Arial"/>
               <a:buChar char="○"/>
-              <a:defRPr b="0" i="0" sz="1100" u="none" cap="none" strike="noStrike">
+              <a:defRPr sz="1100" b="0" i="0" u="none" strike="noStrike" cap="none">
                 <a:solidFill>
                   <a:srgbClr val="000000"/>
                 </a:solidFill>
@@ -400,7 +413,7 @@
                 <a:sym typeface="Arial"/>
               </a:defRPr>
             </a:lvl2pPr>
-            <a:lvl3pPr indent="-298450" lvl="2" marL="1371600" marR="0" rtl="0" algn="l">
+            <a:lvl3pPr marL="1371600" marR="0" lvl="2" indent="-298450" algn="l" rtl="0">
               <a:lnSpc>
                 <a:spcPct val="100000"/>
               </a:lnSpc>
@@ -416,7 +429,7 @@
               <a:buSzPts val="1100"/>
               <a:buFont typeface="Arial"/>
               <a:buChar char="■"/>
-              <a:defRPr b="0" i="0" sz="1100" u="none" cap="none" strike="noStrike">
+              <a:defRPr sz="1100" b="0" i="0" u="none" strike="noStrike" cap="none">
                 <a:solidFill>
                   <a:srgbClr val="000000"/>
                 </a:solidFill>
@@ -426,7 +439,7 @@
                 <a:sym typeface="Arial"/>
               </a:defRPr>
             </a:lvl3pPr>
-            <a:lvl4pPr indent="-298450" lvl="3" marL="1828800" marR="0" rtl="0" algn="l">
+            <a:lvl4pPr marL="1828800" marR="0" lvl="3" indent="-298450" algn="l" rtl="0">
               <a:lnSpc>
                 <a:spcPct val="100000"/>
               </a:lnSpc>
@@ -442,7 +455,7 @@
               <a:buSzPts val="1100"/>
               <a:buFont typeface="Arial"/>
               <a:buChar char="●"/>
-              <a:defRPr b="0" i="0" sz="1100" u="none" cap="none" strike="noStrike">
+              <a:defRPr sz="1100" b="0" i="0" u="none" strike="noStrike" cap="none">
                 <a:solidFill>
                   <a:srgbClr val="000000"/>
                 </a:solidFill>
@@ -452,7 +465,7 @@
                 <a:sym typeface="Arial"/>
               </a:defRPr>
             </a:lvl4pPr>
-            <a:lvl5pPr indent="-298450" lvl="4" marL="2286000" marR="0" rtl="0" algn="l">
+            <a:lvl5pPr marL="2286000" marR="0" lvl="4" indent="-298450" algn="l" rtl="0">
               <a:lnSpc>
                 <a:spcPct val="100000"/>
               </a:lnSpc>
@@ -468,7 +481,7 @@
               <a:buSzPts val="1100"/>
               <a:buFont typeface="Arial"/>
               <a:buChar char="○"/>
-              <a:defRPr b="0" i="0" sz="1100" u="none" cap="none" strike="noStrike">
+              <a:defRPr sz="1100" b="0" i="0" u="none" strike="noStrike" cap="none">
                 <a:solidFill>
                   <a:srgbClr val="000000"/>
                 </a:solidFill>
@@ -478,7 +491,7 @@
                 <a:sym typeface="Arial"/>
               </a:defRPr>
             </a:lvl5pPr>
-            <a:lvl6pPr indent="-298450" lvl="5" marL="2743200" marR="0" rtl="0" algn="l">
+            <a:lvl6pPr marL="2743200" marR="0" lvl="5" indent="-298450" algn="l" rtl="0">
               <a:lnSpc>
                 <a:spcPct val="100000"/>
               </a:lnSpc>
@@ -494,7 +507,7 @@
               <a:buSzPts val="1100"/>
               <a:buFont typeface="Arial"/>
               <a:buChar char="■"/>
-              <a:defRPr b="0" i="0" sz="1100" u="none" cap="none" strike="noStrike">
+              <a:defRPr sz="1100" b="0" i="0" u="none" strike="noStrike" cap="none">
                 <a:solidFill>
                   <a:srgbClr val="000000"/>
                 </a:solidFill>
@@ -504,7 +517,7 @@
                 <a:sym typeface="Arial"/>
               </a:defRPr>
             </a:lvl6pPr>
-            <a:lvl7pPr indent="-298450" lvl="6" marL="3200400" marR="0" rtl="0" algn="l">
+            <a:lvl7pPr marL="3200400" marR="0" lvl="6" indent="-298450" algn="l" rtl="0">
               <a:lnSpc>
                 <a:spcPct val="100000"/>
               </a:lnSpc>
@@ -520,7 +533,7 @@
               <a:buSzPts val="1100"/>
               <a:buFont typeface="Arial"/>
               <a:buChar char="●"/>
-              <a:defRPr b="0" i="0" sz="1100" u="none" cap="none" strike="noStrike">
+              <a:defRPr sz="1100" b="0" i="0" u="none" strike="noStrike" cap="none">
                 <a:solidFill>
                   <a:srgbClr val="000000"/>
                 </a:solidFill>
@@ -530,7 +543,7 @@
                 <a:sym typeface="Arial"/>
               </a:defRPr>
             </a:lvl7pPr>
-            <a:lvl8pPr indent="-298450" lvl="7" marL="3657600" marR="0" rtl="0" algn="l">
+            <a:lvl8pPr marL="3657600" marR="0" lvl="7" indent="-298450" algn="l" rtl="0">
               <a:lnSpc>
                 <a:spcPct val="100000"/>
               </a:lnSpc>
@@ -546,7 +559,7 @@
               <a:buSzPts val="1100"/>
               <a:buFont typeface="Arial"/>
               <a:buChar char="○"/>
-              <a:defRPr b="0" i="0" sz="1100" u="none" cap="none" strike="noStrike">
+              <a:defRPr sz="1100" b="0" i="0" u="none" strike="noStrike" cap="none">
                 <a:solidFill>
                   <a:srgbClr val="000000"/>
                 </a:solidFill>
@@ -556,7 +569,7 @@
                 <a:sym typeface="Arial"/>
               </a:defRPr>
             </a:lvl8pPr>
-            <a:lvl9pPr indent="-298450" lvl="8" marL="4114800" marR="0" rtl="0" algn="l">
+            <a:lvl9pPr marL="4114800" marR="0" lvl="8" indent="-298450" algn="l" rtl="0">
               <a:lnSpc>
                 <a:spcPct val="100000"/>
               </a:lnSpc>
@@ -572,7 +585,7 @@
               <a:buSzPts val="1100"/>
               <a:buFont typeface="Arial"/>
               <a:buChar char="■"/>
-              <a:defRPr b="0" i="0" sz="1100" u="none" cap="none" strike="noStrike">
+              <a:defRPr sz="1100" b="0" i="0" u="none" strike="noStrike" cap="none">
                 <a:solidFill>
                   <a:srgbClr val="000000"/>
                 </a:solidFill>
@@ -583,14 +596,16 @@
               </a:defRPr>
             </a:lvl9pPr>
           </a:lstStyle>
-          <a:p/>
+          <a:p>
+            <a:endParaRPr/>
+          </a:p>
         </p:txBody>
       </p:sp>
     </p:spTree>
   </p:cSld>
-  <p:clrMap accent1="accent1" accent2="accent2" accent3="accent3" accent4="accent4" accent5="accent5" accent6="accent6" bg1="lt1" bg2="dk2" tx1="dk1" tx2="lt2" folHlink="folHlink" hlink="hlink"/>
+  <p:clrMap bg1="lt1" tx1="dk1" bg2="dk2" tx2="lt2" accent1="accent1" accent2="accent2" accent3="accent3" accent4="accent4" accent5="accent5" accent6="accent6" hlink="hlink" folHlink="folHlink"/>
   <p:notesStyle>
-    <a:defPPr lvl="0" marR="0" rtl="0" algn="l">
+    <a:defPPr marR="0" lvl="0" algn="l" rtl="0">
       <a:lnSpc>
         <a:spcPct val="100000"/>
       </a:lnSpc>
@@ -601,7 +616,7 @@
         <a:spcPts val="0"/>
       </a:spcAft>
     </a:defPPr>
-    <a:lvl1pPr lvl="0" marR="0" rtl="0" algn="l">
+    <a:lvl1pPr marR="0" lvl="0" algn="l" rtl="0">
       <a:lnSpc>
         <a:spcPct val="100000"/>
       </a:lnSpc>
@@ -615,7 +630,7 @@
         <a:srgbClr val="000000"/>
       </a:buClr>
       <a:buFont typeface="Arial"/>
-      <a:defRPr b="0" i="0" sz="1400" u="none" cap="none" strike="noStrike">
+      <a:defRPr sz="1400" b="0" i="0" u="none" strike="noStrike" cap="none">
         <a:solidFill>
           <a:srgbClr val="000000"/>
         </a:solidFill>
@@ -625,7 +640,7 @@
         <a:sym typeface="Arial"/>
       </a:defRPr>
     </a:lvl1pPr>
-    <a:lvl2pPr lvl="1" marR="0" rtl="0" algn="l">
+    <a:lvl2pPr marR="0" lvl="1" algn="l" rtl="0">
       <a:lnSpc>
         <a:spcPct val="100000"/>
       </a:lnSpc>
@@ -639,7 +654,7 @@
         <a:srgbClr val="000000"/>
       </a:buClr>
       <a:buFont typeface="Arial"/>
-      <a:defRPr b="0" i="0" sz="1400" u="none" cap="none" strike="noStrike">
+      <a:defRPr sz="1400" b="0" i="0" u="none" strike="noStrike" cap="none">
         <a:solidFill>
           <a:srgbClr val="000000"/>
         </a:solidFill>
@@ -649,7 +664,7 @@
         <a:sym typeface="Arial"/>
       </a:defRPr>
     </a:lvl2pPr>
-    <a:lvl3pPr lvl="2" marR="0" rtl="0" algn="l">
+    <a:lvl3pPr marR="0" lvl="2" algn="l" rtl="0">
       <a:lnSpc>
         <a:spcPct val="100000"/>
       </a:lnSpc>
@@ -663,7 +678,7 @@
         <a:srgbClr val="000000"/>
       </a:buClr>
       <a:buFont typeface="Arial"/>
-      <a:defRPr b="0" i="0" sz="1400" u="none" cap="none" strike="noStrike">
+      <a:defRPr sz="1400" b="0" i="0" u="none" strike="noStrike" cap="none">
         <a:solidFill>
           <a:srgbClr val="000000"/>
         </a:solidFill>
@@ -673,7 +688,7 @@
         <a:sym typeface="Arial"/>
       </a:defRPr>
     </a:lvl3pPr>
-    <a:lvl4pPr lvl="3" marR="0" rtl="0" algn="l">
+    <a:lvl4pPr marR="0" lvl="3" algn="l" rtl="0">
       <a:lnSpc>
         <a:spcPct val="100000"/>
       </a:lnSpc>
@@ -687,7 +702,7 @@
         <a:srgbClr val="000000"/>
       </a:buClr>
       <a:buFont typeface="Arial"/>
-      <a:defRPr b="0" i="0" sz="1400" u="none" cap="none" strike="noStrike">
+      <a:defRPr sz="1400" b="0" i="0" u="none" strike="noStrike" cap="none">
         <a:solidFill>
           <a:srgbClr val="000000"/>
         </a:solidFill>
@@ -697,7 +712,7 @@
         <a:sym typeface="Arial"/>
       </a:defRPr>
     </a:lvl4pPr>
-    <a:lvl5pPr lvl="4" marR="0" rtl="0" algn="l">
+    <a:lvl5pPr marR="0" lvl="4" algn="l" rtl="0">
       <a:lnSpc>
         <a:spcPct val="100000"/>
       </a:lnSpc>
@@ -711,7 +726,7 @@
         <a:srgbClr val="000000"/>
       </a:buClr>
       <a:buFont typeface="Arial"/>
-      <a:defRPr b="0" i="0" sz="1400" u="none" cap="none" strike="noStrike">
+      <a:defRPr sz="1400" b="0" i="0" u="none" strike="noStrike" cap="none">
         <a:solidFill>
           <a:srgbClr val="000000"/>
         </a:solidFill>
@@ -721,7 +736,7 @@
         <a:sym typeface="Arial"/>
       </a:defRPr>
     </a:lvl5pPr>
-    <a:lvl6pPr lvl="5" marR="0" rtl="0" algn="l">
+    <a:lvl6pPr marR="0" lvl="5" algn="l" rtl="0">
       <a:lnSpc>
         <a:spcPct val="100000"/>
       </a:lnSpc>
@@ -735,7 +750,7 @@
         <a:srgbClr val="000000"/>
       </a:buClr>
       <a:buFont typeface="Arial"/>
-      <a:defRPr b="0" i="0" sz="1400" u="none" cap="none" strike="noStrike">
+      <a:defRPr sz="1400" b="0" i="0" u="none" strike="noStrike" cap="none">
         <a:solidFill>
           <a:srgbClr val="000000"/>
         </a:solidFill>
@@ -745,7 +760,7 @@
         <a:sym typeface="Arial"/>
       </a:defRPr>
     </a:lvl6pPr>
-    <a:lvl7pPr lvl="6" marR="0" rtl="0" algn="l">
+    <a:lvl7pPr marR="0" lvl="6" algn="l" rtl="0">
       <a:lnSpc>
         <a:spcPct val="100000"/>
       </a:lnSpc>
@@ -759,7 +774,7 @@
         <a:srgbClr val="000000"/>
       </a:buClr>
       <a:buFont typeface="Arial"/>
-      <a:defRPr b="0" i="0" sz="1400" u="none" cap="none" strike="noStrike">
+      <a:defRPr sz="1400" b="0" i="0" u="none" strike="noStrike" cap="none">
         <a:solidFill>
           <a:srgbClr val="000000"/>
         </a:solidFill>
@@ -769,7 +784,7 @@
         <a:sym typeface="Arial"/>
       </a:defRPr>
     </a:lvl7pPr>
-    <a:lvl8pPr lvl="7" marR="0" rtl="0" algn="l">
+    <a:lvl8pPr marR="0" lvl="7" algn="l" rtl="0">
       <a:lnSpc>
         <a:spcPct val="100000"/>
       </a:lnSpc>
@@ -783,7 +798,7 @@
         <a:srgbClr val="000000"/>
       </a:buClr>
       <a:buFont typeface="Arial"/>
-      <a:defRPr b="0" i="0" sz="1400" u="none" cap="none" strike="noStrike">
+      <a:defRPr sz="1400" b="0" i="0" u="none" strike="noStrike" cap="none">
         <a:solidFill>
           <a:srgbClr val="000000"/>
         </a:solidFill>
@@ -793,7 +808,7 @@
         <a:sym typeface="Arial"/>
       </a:defRPr>
     </a:lvl8pPr>
-    <a:lvl9pPr lvl="8" marR="0" rtl="0" algn="l">
+    <a:lvl9pPr marR="0" lvl="8" algn="l" rtl="0">
       <a:lnSpc>
         <a:spcPct val="100000"/>
       </a:lnSpc>
@@ -807,7 +822,7 @@
         <a:srgbClr val="000000"/>
       </a:buClr>
       <a:buFont typeface="Arial"/>
-      <a:defRPr b="0" i="0" sz="1400" u="none" cap="none" strike="noStrike">
+      <a:defRPr sz="1400" b="0" i="0" u="none" strike="noStrike" cap="none">
         <a:solidFill>
           <a:srgbClr val="000000"/>
         </a:solidFill>
@@ -822,11 +837,11 @@
 </file>
 
 <file path=ppt/notesSlides/notesSlide1.xml><?xml version="1.0" encoding="utf-8"?>
-<p:notes xmlns:a="http://schemas.openxmlformats.org/drawingml/2006/main" xmlns:r="http://schemas.openxmlformats.org/officeDocument/2006/relationships" xmlns:mc="http://schemas.openxmlformats.org/markup-compatibility/2006" xmlns:mv="urn:schemas-microsoft-com:mac:vml" xmlns:p="http://schemas.openxmlformats.org/presentationml/2006/main" xmlns:c="http://schemas.openxmlformats.org/drawingml/2006/chart" xmlns:dgm="http://schemas.openxmlformats.org/drawingml/2006/diagram" xmlns:o="urn:schemas-microsoft-com:office:office" xmlns:v="urn:schemas-microsoft-com:vml" xmlns:pvml="urn:schemas-microsoft-com:office:powerpoint" xmlns:com="http://schemas.openxmlformats.org/drawingml/2006/compatibility" xmlns:p14="http://schemas.microsoft.com/office/powerpoint/2010/main" xmlns:p15="http://schemas.microsoft.com/office/powerpoint/2012/main" xmlns:ahyp="http://schemas.microsoft.com/office/drawing/2018/hyperlinkcolor" showMasterPhAnim="0" showMasterSp="0">
+<p:notes xmlns:a="http://schemas.openxmlformats.org/drawingml/2006/main" xmlns:r="http://schemas.openxmlformats.org/officeDocument/2006/relationships" xmlns:p="http://schemas.openxmlformats.org/presentationml/2006/main" showMasterSp="0" showMasterPhAnim="0">
   <p:cSld>
     <p:spTree>
       <p:nvGrpSpPr>
-        <p:cNvPr id="50" name="Shape 50"/>
+        <p:cNvPr id="1" name="Shape 50"/>
         <p:cNvGrpSpPr/>
         <p:nvPr/>
       </p:nvGrpSpPr>
@@ -841,20 +856,26 @@
       <p:sp>
         <p:nvSpPr>
           <p:cNvPr id="51" name="Google Shape;51;p1:notes"/>
-          <p:cNvSpPr/>
+          <p:cNvSpPr>
+            <a:spLocks noGrp="1" noRot="1" noChangeAspect="1"/>
+          </p:cNvSpPr>
           <p:nvPr>
-            <p:ph idx="2" type="sldImg"/>
+            <p:ph type="sldImg" idx="2"/>
           </p:nvPr>
         </p:nvSpPr>
         <p:spPr>
           <a:xfrm>
-            <a:off x="381300" y="685800"/>
+            <a:off x="381000" y="685800"/>
             <a:ext cx="6096000" cy="3429000"/>
           </a:xfrm>
           <a:custGeom>
-            <a:rect b="b" l="l" r="r" t="t"/>
+            <a:avLst/>
+            <a:gdLst/>
+            <a:ahLst/>
+            <a:cxnLst/>
+            <a:rect l="l" t="t" r="r" b="b"/>
             <a:pathLst>
-              <a:path extrusionOk="0" h="120000" w="120000">
+              <a:path w="120000" h="120000" extrusionOk="0">
                 <a:moveTo>
                   <a:pt x="0" y="0"/>
                 </a:moveTo>
@@ -872,23 +893,25 @@
             </a:pathLst>
           </a:custGeom>
           <a:noFill/>
-          <a:ln cap="flat" cmpd="sng" w="9525">
+          <a:ln w="9525" cap="flat" cmpd="sng">
             <a:solidFill>
               <a:srgbClr val="000000"/>
             </a:solidFill>
             <a:prstDash val="solid"/>
             <a:round/>
-            <a:headEnd len="sm" w="sm" type="none"/>
-            <a:tailEnd len="sm" w="sm" type="none"/>
+            <a:headEnd type="none" w="sm" len="sm"/>
+            <a:tailEnd type="none" w="sm" len="sm"/>
           </a:ln>
         </p:spPr>
       </p:sp>
       <p:sp>
         <p:nvSpPr>
           <p:cNvPr id="52" name="Google Shape;52;p1:notes"/>
-          <p:cNvSpPr txBox="1"/>
+          <p:cNvSpPr txBox="1">
+            <a:spLocks noGrp="1"/>
+          </p:cNvSpPr>
           <p:nvPr>
-            <p:ph idx="1" type="body"/>
+            <p:ph type="body" idx="1"/>
           </p:nvPr>
         </p:nvSpPr>
         <p:spPr>
@@ -905,12 +928,12 @@
           </a:ln>
         </p:spPr>
         <p:txBody>
-          <a:bodyPr anchorCtr="0" anchor="t" bIns="91425" lIns="91425" spcFirstLastPara="1" rIns="91425" wrap="square" tIns="91425">
+          <a:bodyPr spcFirstLastPara="1" wrap="square" lIns="91425" tIns="91425" rIns="91425" bIns="91425" anchor="t" anchorCtr="0">
             <a:noAutofit/>
           </a:bodyPr>
           <a:lstStyle/>
           <a:p>
-            <a:pPr indent="0" lvl="0" marL="0" rtl="0" algn="l">
+            <a:pPr marL="0" lvl="0" indent="0" algn="l" rtl="0">
               <a:lnSpc>
                 <a:spcPct val="100000"/>
               </a:lnSpc>
@@ -923,9 +946,6 @@
               <a:buSzPts val="1100"/>
               <a:buNone/>
             </a:pPr>
-            <a:r>
-              <a:t/>
-            </a:r>
             <a:endParaRPr/>
           </a:p>
         </p:txBody>
@@ -939,11 +959,11 @@
 </file>
 
 <file path=ppt/slideLayouts/slideLayout1.xml><?xml version="1.0" encoding="utf-8"?>
-<p:sldLayout xmlns:a="http://schemas.openxmlformats.org/drawingml/2006/main" xmlns:r="http://schemas.openxmlformats.org/officeDocument/2006/relationships" xmlns:mc="http://schemas.openxmlformats.org/markup-compatibility/2006" xmlns:mv="urn:schemas-microsoft-com:mac:vml" xmlns:p="http://schemas.openxmlformats.org/presentationml/2006/main" xmlns:c="http://schemas.openxmlformats.org/drawingml/2006/chart" xmlns:dgm="http://schemas.openxmlformats.org/drawingml/2006/diagram" xmlns:o="urn:schemas-microsoft-com:office:office" xmlns:v="urn:schemas-microsoft-com:vml" xmlns:pvml="urn:schemas-microsoft-com:office:powerpoint" xmlns:com="http://schemas.openxmlformats.org/drawingml/2006/compatibility" xmlns:p14="http://schemas.microsoft.com/office/powerpoint/2010/main" xmlns:p15="http://schemas.microsoft.com/office/powerpoint/2012/main" xmlns:ahyp="http://schemas.microsoft.com/office/drawing/2018/hyperlinkcolor" matchingName="Title slide" type="title">
+<p:sldLayout xmlns:a="http://schemas.openxmlformats.org/drawingml/2006/main" xmlns:r="http://schemas.openxmlformats.org/officeDocument/2006/relationships" xmlns:p="http://schemas.openxmlformats.org/presentationml/2006/main" matchingName="Title slide" type="title">
   <p:cSld name="TITLE">
     <p:spTree>
       <p:nvGrpSpPr>
-        <p:cNvPr id="9" name="Shape 9"/>
+        <p:cNvPr id="1" name="Shape 9"/>
         <p:cNvGrpSpPr/>
         <p:nvPr/>
       </p:nvGrpSpPr>
@@ -958,7 +978,9 @@
       <p:sp>
         <p:nvSpPr>
           <p:cNvPr id="10" name="Google Shape;10;p2"/>
-          <p:cNvSpPr txBox="1"/>
+          <p:cNvSpPr txBox="1">
+            <a:spLocks noGrp="1"/>
+          </p:cNvSpPr>
           <p:nvPr>
             <p:ph type="ctrTitle"/>
           </p:nvPr>
@@ -977,7 +999,7 @@
           </a:ln>
         </p:spPr>
         <p:txBody>
-          <a:bodyPr anchorCtr="0" anchor="b" bIns="91425" lIns="91425" spcFirstLastPara="1" rIns="91425" wrap="square" tIns="91425">
+          <a:bodyPr spcFirstLastPara="1" wrap="square" lIns="91425" tIns="91425" rIns="91425" bIns="91425" anchor="b" anchorCtr="0">
             <a:noAutofit/>
           </a:bodyPr>
           <a:lstStyle>
@@ -1108,15 +1130,19 @@
               <a:defRPr sz="5200"/>
             </a:lvl9pPr>
           </a:lstStyle>
-          <a:p/>
+          <a:p>
+            <a:endParaRPr/>
+          </a:p>
         </p:txBody>
       </p:sp>
       <p:sp>
         <p:nvSpPr>
           <p:cNvPr id="11" name="Google Shape;11;p2"/>
-          <p:cNvSpPr txBox="1"/>
+          <p:cNvSpPr txBox="1">
+            <a:spLocks noGrp="1"/>
+          </p:cNvSpPr>
           <p:nvPr>
-            <p:ph idx="1" type="subTitle"/>
+            <p:ph type="subTitle" idx="1"/>
           </p:nvPr>
         </p:nvSpPr>
         <p:spPr>
@@ -1133,7 +1159,7 @@
           </a:ln>
         </p:spPr>
         <p:txBody>
-          <a:bodyPr anchorCtr="0" anchor="t" bIns="91425" lIns="91425" spcFirstLastPara="1" rIns="91425" wrap="square" tIns="91425">
+          <a:bodyPr spcFirstLastPara="1" wrap="square" lIns="91425" tIns="91425" rIns="91425" bIns="91425" anchor="t" anchorCtr="0">
             <a:noAutofit/>
           </a:bodyPr>
           <a:lstStyle>
@@ -1264,15 +1290,19 @@
               <a:defRPr sz="2800"/>
             </a:lvl9pPr>
           </a:lstStyle>
-          <a:p/>
+          <a:p>
+            <a:endParaRPr/>
+          </a:p>
         </p:txBody>
       </p:sp>
       <p:sp>
         <p:nvSpPr>
           <p:cNvPr id="12" name="Google Shape;12;p2"/>
-          <p:cNvSpPr txBox="1"/>
+          <p:cNvSpPr txBox="1">
+            <a:spLocks noGrp="1"/>
+          </p:cNvSpPr>
           <p:nvPr>
-            <p:ph idx="12" type="sldNum"/>
+            <p:ph type="sldNum" idx="12"/>
           </p:nvPr>
         </p:nvSpPr>
         <p:spPr>
@@ -1289,27 +1319,27 @@
           </a:ln>
         </p:spPr>
         <p:txBody>
-          <a:bodyPr anchorCtr="0" anchor="ctr" bIns="91425" lIns="91425" spcFirstLastPara="1" rIns="91425" wrap="square" tIns="91425">
+          <a:bodyPr spcFirstLastPara="1" wrap="square" lIns="91425" tIns="91425" rIns="91425" bIns="91425" anchor="ctr" anchorCtr="0">
             <a:noAutofit/>
           </a:bodyPr>
           <a:lstStyle>
-            <a:lvl1pPr indent="0" lvl="0" marL="0" marR="0" algn="r">
-              <a:lnSpc>
-                <a:spcPct val="100000"/>
-              </a:lnSpc>
-              <a:spcBef>
-                <a:spcPts val="0"/>
-              </a:spcBef>
-              <a:spcAft>
-                <a:spcPts val="0"/>
-              </a:spcAft>
-              <a:buClr>
-                <a:srgbClr val="000000"/>
-              </a:buClr>
-              <a:buSzPts val="1000"/>
-              <a:buFont typeface="Arial"/>
-              <a:buNone/>
-              <a:defRPr b="0" i="0" sz="1000" u="none" cap="none" strike="noStrike">
+            <a:lvl1pPr marL="0" marR="0" lvl="0" indent="0" algn="r">
+              <a:lnSpc>
+                <a:spcPct val="100000"/>
+              </a:lnSpc>
+              <a:spcBef>
+                <a:spcPts val="0"/>
+              </a:spcBef>
+              <a:spcAft>
+                <a:spcPts val="0"/>
+              </a:spcAft>
+              <a:buClr>
+                <a:srgbClr val="000000"/>
+              </a:buClr>
+              <a:buSzPts val="1000"/>
+              <a:buFont typeface="Arial"/>
+              <a:buNone/>
+              <a:defRPr sz="1000" b="0" i="0" u="none" strike="noStrike" cap="none">
                 <a:solidFill>
                   <a:schemeClr val="dk2"/>
                 </a:solidFill>
@@ -1319,23 +1349,23 @@
                 <a:sym typeface="Arial"/>
               </a:defRPr>
             </a:lvl1pPr>
-            <a:lvl2pPr indent="0" lvl="1" marL="0" marR="0" algn="r">
-              <a:lnSpc>
-                <a:spcPct val="100000"/>
-              </a:lnSpc>
-              <a:spcBef>
-                <a:spcPts val="0"/>
-              </a:spcBef>
-              <a:spcAft>
-                <a:spcPts val="0"/>
-              </a:spcAft>
-              <a:buClr>
-                <a:srgbClr val="000000"/>
-              </a:buClr>
-              <a:buSzPts val="1000"/>
-              <a:buFont typeface="Arial"/>
-              <a:buNone/>
-              <a:defRPr b="0" i="0" sz="1000" u="none" cap="none" strike="noStrike">
+            <a:lvl2pPr marL="0" marR="0" lvl="1" indent="0" algn="r">
+              <a:lnSpc>
+                <a:spcPct val="100000"/>
+              </a:lnSpc>
+              <a:spcBef>
+                <a:spcPts val="0"/>
+              </a:spcBef>
+              <a:spcAft>
+                <a:spcPts val="0"/>
+              </a:spcAft>
+              <a:buClr>
+                <a:srgbClr val="000000"/>
+              </a:buClr>
+              <a:buSzPts val="1000"/>
+              <a:buFont typeface="Arial"/>
+              <a:buNone/>
+              <a:defRPr sz="1000" b="0" i="0" u="none" strike="noStrike" cap="none">
                 <a:solidFill>
                   <a:schemeClr val="dk2"/>
                 </a:solidFill>
@@ -1345,23 +1375,23 @@
                 <a:sym typeface="Arial"/>
               </a:defRPr>
             </a:lvl2pPr>
-            <a:lvl3pPr indent="0" lvl="2" marL="0" marR="0" algn="r">
-              <a:lnSpc>
-                <a:spcPct val="100000"/>
-              </a:lnSpc>
-              <a:spcBef>
-                <a:spcPts val="0"/>
-              </a:spcBef>
-              <a:spcAft>
-                <a:spcPts val="0"/>
-              </a:spcAft>
-              <a:buClr>
-                <a:srgbClr val="000000"/>
-              </a:buClr>
-              <a:buSzPts val="1000"/>
-              <a:buFont typeface="Arial"/>
-              <a:buNone/>
-              <a:defRPr b="0" i="0" sz="1000" u="none" cap="none" strike="noStrike">
+            <a:lvl3pPr marL="0" marR="0" lvl="2" indent="0" algn="r">
+              <a:lnSpc>
+                <a:spcPct val="100000"/>
+              </a:lnSpc>
+              <a:spcBef>
+                <a:spcPts val="0"/>
+              </a:spcBef>
+              <a:spcAft>
+                <a:spcPts val="0"/>
+              </a:spcAft>
+              <a:buClr>
+                <a:srgbClr val="000000"/>
+              </a:buClr>
+              <a:buSzPts val="1000"/>
+              <a:buFont typeface="Arial"/>
+              <a:buNone/>
+              <a:defRPr sz="1000" b="0" i="0" u="none" strike="noStrike" cap="none">
                 <a:solidFill>
                   <a:schemeClr val="dk2"/>
                 </a:solidFill>
@@ -1371,23 +1401,23 @@
                 <a:sym typeface="Arial"/>
               </a:defRPr>
             </a:lvl3pPr>
-            <a:lvl4pPr indent="0" lvl="3" marL="0" marR="0" algn="r">
-              <a:lnSpc>
-                <a:spcPct val="100000"/>
-              </a:lnSpc>
-              <a:spcBef>
-                <a:spcPts val="0"/>
-              </a:spcBef>
-              <a:spcAft>
-                <a:spcPts val="0"/>
-              </a:spcAft>
-              <a:buClr>
-                <a:srgbClr val="000000"/>
-              </a:buClr>
-              <a:buSzPts val="1000"/>
-              <a:buFont typeface="Arial"/>
-              <a:buNone/>
-              <a:defRPr b="0" i="0" sz="1000" u="none" cap="none" strike="noStrike">
+            <a:lvl4pPr marL="0" marR="0" lvl="3" indent="0" algn="r">
+              <a:lnSpc>
+                <a:spcPct val="100000"/>
+              </a:lnSpc>
+              <a:spcBef>
+                <a:spcPts val="0"/>
+              </a:spcBef>
+              <a:spcAft>
+                <a:spcPts val="0"/>
+              </a:spcAft>
+              <a:buClr>
+                <a:srgbClr val="000000"/>
+              </a:buClr>
+              <a:buSzPts val="1000"/>
+              <a:buFont typeface="Arial"/>
+              <a:buNone/>
+              <a:defRPr sz="1000" b="0" i="0" u="none" strike="noStrike" cap="none">
                 <a:solidFill>
                   <a:schemeClr val="dk2"/>
                 </a:solidFill>
@@ -1397,23 +1427,23 @@
                 <a:sym typeface="Arial"/>
               </a:defRPr>
             </a:lvl4pPr>
-            <a:lvl5pPr indent="0" lvl="4" marL="0" marR="0" algn="r">
-              <a:lnSpc>
-                <a:spcPct val="100000"/>
-              </a:lnSpc>
-              <a:spcBef>
-                <a:spcPts val="0"/>
-              </a:spcBef>
-              <a:spcAft>
-                <a:spcPts val="0"/>
-              </a:spcAft>
-              <a:buClr>
-                <a:srgbClr val="000000"/>
-              </a:buClr>
-              <a:buSzPts val="1000"/>
-              <a:buFont typeface="Arial"/>
-              <a:buNone/>
-              <a:defRPr b="0" i="0" sz="1000" u="none" cap="none" strike="noStrike">
+            <a:lvl5pPr marL="0" marR="0" lvl="4" indent="0" algn="r">
+              <a:lnSpc>
+                <a:spcPct val="100000"/>
+              </a:lnSpc>
+              <a:spcBef>
+                <a:spcPts val="0"/>
+              </a:spcBef>
+              <a:spcAft>
+                <a:spcPts val="0"/>
+              </a:spcAft>
+              <a:buClr>
+                <a:srgbClr val="000000"/>
+              </a:buClr>
+              <a:buSzPts val="1000"/>
+              <a:buFont typeface="Arial"/>
+              <a:buNone/>
+              <a:defRPr sz="1000" b="0" i="0" u="none" strike="noStrike" cap="none">
                 <a:solidFill>
                   <a:schemeClr val="dk2"/>
                 </a:solidFill>
@@ -1423,23 +1453,23 @@
                 <a:sym typeface="Arial"/>
               </a:defRPr>
             </a:lvl5pPr>
-            <a:lvl6pPr indent="0" lvl="5" marL="0" marR="0" algn="r">
-              <a:lnSpc>
-                <a:spcPct val="100000"/>
-              </a:lnSpc>
-              <a:spcBef>
-                <a:spcPts val="0"/>
-              </a:spcBef>
-              <a:spcAft>
-                <a:spcPts val="0"/>
-              </a:spcAft>
-              <a:buClr>
-                <a:srgbClr val="000000"/>
-              </a:buClr>
-              <a:buSzPts val="1000"/>
-              <a:buFont typeface="Arial"/>
-              <a:buNone/>
-              <a:defRPr b="0" i="0" sz="1000" u="none" cap="none" strike="noStrike">
+            <a:lvl6pPr marL="0" marR="0" lvl="5" indent="0" algn="r">
+              <a:lnSpc>
+                <a:spcPct val="100000"/>
+              </a:lnSpc>
+              <a:spcBef>
+                <a:spcPts val="0"/>
+              </a:spcBef>
+              <a:spcAft>
+                <a:spcPts val="0"/>
+              </a:spcAft>
+              <a:buClr>
+                <a:srgbClr val="000000"/>
+              </a:buClr>
+              <a:buSzPts val="1000"/>
+              <a:buFont typeface="Arial"/>
+              <a:buNone/>
+              <a:defRPr sz="1000" b="0" i="0" u="none" strike="noStrike" cap="none">
                 <a:solidFill>
                   <a:schemeClr val="dk2"/>
                 </a:solidFill>
@@ -1449,23 +1479,23 @@
                 <a:sym typeface="Arial"/>
               </a:defRPr>
             </a:lvl6pPr>
-            <a:lvl7pPr indent="0" lvl="6" marL="0" marR="0" algn="r">
-              <a:lnSpc>
-                <a:spcPct val="100000"/>
-              </a:lnSpc>
-              <a:spcBef>
-                <a:spcPts val="0"/>
-              </a:spcBef>
-              <a:spcAft>
-                <a:spcPts val="0"/>
-              </a:spcAft>
-              <a:buClr>
-                <a:srgbClr val="000000"/>
-              </a:buClr>
-              <a:buSzPts val="1000"/>
-              <a:buFont typeface="Arial"/>
-              <a:buNone/>
-              <a:defRPr b="0" i="0" sz="1000" u="none" cap="none" strike="noStrike">
+            <a:lvl7pPr marL="0" marR="0" lvl="6" indent="0" algn="r">
+              <a:lnSpc>
+                <a:spcPct val="100000"/>
+              </a:lnSpc>
+              <a:spcBef>
+                <a:spcPts val="0"/>
+              </a:spcBef>
+              <a:spcAft>
+                <a:spcPts val="0"/>
+              </a:spcAft>
+              <a:buClr>
+                <a:srgbClr val="000000"/>
+              </a:buClr>
+              <a:buSzPts val="1000"/>
+              <a:buFont typeface="Arial"/>
+              <a:buNone/>
+              <a:defRPr sz="1000" b="0" i="0" u="none" strike="noStrike" cap="none">
                 <a:solidFill>
                   <a:schemeClr val="dk2"/>
                 </a:solidFill>
@@ -1475,23 +1505,23 @@
                 <a:sym typeface="Arial"/>
               </a:defRPr>
             </a:lvl7pPr>
-            <a:lvl8pPr indent="0" lvl="7" marL="0" marR="0" algn="r">
-              <a:lnSpc>
-                <a:spcPct val="100000"/>
-              </a:lnSpc>
-              <a:spcBef>
-                <a:spcPts val="0"/>
-              </a:spcBef>
-              <a:spcAft>
-                <a:spcPts val="0"/>
-              </a:spcAft>
-              <a:buClr>
-                <a:srgbClr val="000000"/>
-              </a:buClr>
-              <a:buSzPts val="1000"/>
-              <a:buFont typeface="Arial"/>
-              <a:buNone/>
-              <a:defRPr b="0" i="0" sz="1000" u="none" cap="none" strike="noStrike">
+            <a:lvl8pPr marL="0" marR="0" lvl="7" indent="0" algn="r">
+              <a:lnSpc>
+                <a:spcPct val="100000"/>
+              </a:lnSpc>
+              <a:spcBef>
+                <a:spcPts val="0"/>
+              </a:spcBef>
+              <a:spcAft>
+                <a:spcPts val="0"/>
+              </a:spcAft>
+              <a:buClr>
+                <a:srgbClr val="000000"/>
+              </a:buClr>
+              <a:buSzPts val="1000"/>
+              <a:buFont typeface="Arial"/>
+              <a:buNone/>
+              <a:defRPr sz="1000" b="0" i="0" u="none" strike="noStrike" cap="none">
                 <a:solidFill>
                   <a:schemeClr val="dk2"/>
                 </a:solidFill>
@@ -1501,23 +1531,23 @@
                 <a:sym typeface="Arial"/>
               </a:defRPr>
             </a:lvl8pPr>
-            <a:lvl9pPr indent="0" lvl="8" marL="0" marR="0" algn="r">
-              <a:lnSpc>
-                <a:spcPct val="100000"/>
-              </a:lnSpc>
-              <a:spcBef>
-                <a:spcPts val="0"/>
-              </a:spcBef>
-              <a:spcAft>
-                <a:spcPts val="0"/>
-              </a:spcAft>
-              <a:buClr>
-                <a:srgbClr val="000000"/>
-              </a:buClr>
-              <a:buSzPts val="1000"/>
-              <a:buFont typeface="Arial"/>
-              <a:buNone/>
-              <a:defRPr b="0" i="0" sz="1000" u="none" cap="none" strike="noStrike">
+            <a:lvl9pPr marL="0" marR="0" lvl="8" indent="0" algn="r">
+              <a:lnSpc>
+                <a:spcPct val="100000"/>
+              </a:lnSpc>
+              <a:spcBef>
+                <a:spcPts val="0"/>
+              </a:spcBef>
+              <a:spcAft>
+                <a:spcPts val="0"/>
+              </a:spcAft>
+              <a:buClr>
+                <a:srgbClr val="000000"/>
+              </a:buClr>
+              <a:buSzPts val="1000"/>
+              <a:buFont typeface="Arial"/>
+              <a:buNone/>
+              <a:defRPr sz="1000" b="0" i="0" u="none" strike="noStrike" cap="none">
                 <a:solidFill>
                   <a:schemeClr val="dk2"/>
                 </a:solidFill>
@@ -1529,7 +1559,7 @@
             </a:lvl9pPr>
           </a:lstStyle>
           <a:p>
-            <a:pPr indent="0" lvl="0" marL="0" rtl="0" algn="r">
+            <a:pPr marL="0" lvl="0" indent="0" algn="r" rtl="0">
               <a:spcBef>
                 <a:spcPts val="0"/>
               </a:spcBef>
@@ -1540,7 +1570,7 @@
             </a:pPr>
             <a:fld id="{00000000-1234-1234-1234-123412341234}" type="slidenum">
               <a:rPr lang="pt-BR"/>
-              <a:t>‹#›</a:t>
+              <a:t>‹nº›</a:t>
             </a:fld>
             <a:endParaRPr/>
           </a:p>
@@ -1555,11 +1585,11 @@
 </file>
 
 <file path=ppt/slideLayouts/slideLayout10.xml><?xml version="1.0" encoding="utf-8"?>
-<p:sldLayout xmlns:a="http://schemas.openxmlformats.org/drawingml/2006/main" xmlns:r="http://schemas.openxmlformats.org/officeDocument/2006/relationships" xmlns:mc="http://schemas.openxmlformats.org/markup-compatibility/2006" xmlns:mv="urn:schemas-microsoft-com:mac:vml" xmlns:p="http://schemas.openxmlformats.org/presentationml/2006/main" xmlns:c="http://schemas.openxmlformats.org/drawingml/2006/chart" xmlns:dgm="http://schemas.openxmlformats.org/drawingml/2006/diagram" xmlns:o="urn:schemas-microsoft-com:office:office" xmlns:v="urn:schemas-microsoft-com:vml" xmlns:pvml="urn:schemas-microsoft-com:office:powerpoint" xmlns:com="http://schemas.openxmlformats.org/drawingml/2006/compatibility" xmlns:p14="http://schemas.microsoft.com/office/powerpoint/2010/main" xmlns:p15="http://schemas.microsoft.com/office/powerpoint/2012/main" xmlns:ahyp="http://schemas.microsoft.com/office/drawing/2018/hyperlinkcolor" matchingName="Big number">
+<p:sldLayout xmlns:a="http://schemas.openxmlformats.org/drawingml/2006/main" xmlns:r="http://schemas.openxmlformats.org/officeDocument/2006/relationships" xmlns:p="http://schemas.openxmlformats.org/presentationml/2006/main" matchingName="Big number">
   <p:cSld name="BIG_NUMBER">
     <p:spTree>
       <p:nvGrpSpPr>
-        <p:cNvPr id="44" name="Shape 44"/>
+        <p:cNvPr id="1" name="Shape 44"/>
         <p:cNvGrpSpPr/>
         <p:nvPr/>
       </p:nvGrpSpPr>
@@ -1574,9 +1604,11 @@
       <p:sp>
         <p:nvSpPr>
           <p:cNvPr id="45" name="Google Shape;45;p11"/>
-          <p:cNvSpPr txBox="1"/>
+          <p:cNvSpPr txBox="1">
+            <a:spLocks noGrp="1"/>
+          </p:cNvSpPr>
           <p:nvPr>
-            <p:ph hasCustomPrompt="1" type="title"/>
+            <p:ph type="title" hasCustomPrompt="1"/>
           </p:nvPr>
         </p:nvSpPr>
         <p:spPr>
@@ -1593,7 +1625,7 @@
           </a:ln>
         </p:spPr>
         <p:txBody>
-          <a:bodyPr anchorCtr="0" anchor="b" bIns="91425" lIns="91425" spcFirstLastPara="1" rIns="91425" wrap="square" tIns="91425">
+          <a:bodyPr spcFirstLastPara="1" wrap="square" lIns="91425" tIns="91425" rIns="91425" bIns="91425" anchor="b" anchorCtr="0">
             <a:noAutofit/>
           </a:bodyPr>
           <a:lstStyle>
@@ -1734,9 +1766,11 @@
       <p:sp>
         <p:nvSpPr>
           <p:cNvPr id="46" name="Google Shape;46;p11"/>
-          <p:cNvSpPr txBox="1"/>
+          <p:cNvSpPr txBox="1">
+            <a:spLocks noGrp="1"/>
+          </p:cNvSpPr>
           <p:nvPr>
-            <p:ph idx="1" type="body"/>
+            <p:ph type="body" idx="1"/>
           </p:nvPr>
         </p:nvSpPr>
         <p:spPr>
@@ -1753,11 +1787,11 @@
           </a:ln>
         </p:spPr>
         <p:txBody>
-          <a:bodyPr anchorCtr="0" anchor="t" bIns="91425" lIns="91425" spcFirstLastPara="1" rIns="91425" wrap="square" tIns="91425">
+          <a:bodyPr spcFirstLastPara="1" wrap="square" lIns="91425" tIns="91425" rIns="91425" bIns="91425" anchor="t" anchorCtr="0">
             <a:noAutofit/>
           </a:bodyPr>
           <a:lstStyle>
-            <a:lvl1pPr indent="-342900" lvl="0" marL="457200" algn="ctr">
+            <a:lvl1pPr marL="457200" lvl="0" indent="-342900" algn="ctr">
               <a:lnSpc>
                 <a:spcPct val="115000"/>
               </a:lnSpc>
@@ -1771,7 +1805,7 @@
               <a:buChar char="●"/>
               <a:defRPr/>
             </a:lvl1pPr>
-            <a:lvl2pPr indent="-317500" lvl="1" marL="914400" algn="ctr">
+            <a:lvl2pPr marL="914400" lvl="1" indent="-317500" algn="ctr">
               <a:lnSpc>
                 <a:spcPct val="115000"/>
               </a:lnSpc>
@@ -1785,7 +1819,7 @@
               <a:buChar char="○"/>
               <a:defRPr/>
             </a:lvl2pPr>
-            <a:lvl3pPr indent="-317500" lvl="2" marL="1371600" algn="ctr">
+            <a:lvl3pPr marL="1371600" lvl="2" indent="-317500" algn="ctr">
               <a:lnSpc>
                 <a:spcPct val="115000"/>
               </a:lnSpc>
@@ -1799,7 +1833,7 @@
               <a:buChar char="■"/>
               <a:defRPr/>
             </a:lvl3pPr>
-            <a:lvl4pPr indent="-317500" lvl="3" marL="1828800" algn="ctr">
+            <a:lvl4pPr marL="1828800" lvl="3" indent="-317500" algn="ctr">
               <a:lnSpc>
                 <a:spcPct val="115000"/>
               </a:lnSpc>
@@ -1813,7 +1847,7 @@
               <a:buChar char="●"/>
               <a:defRPr/>
             </a:lvl4pPr>
-            <a:lvl5pPr indent="-317500" lvl="4" marL="2286000" algn="ctr">
+            <a:lvl5pPr marL="2286000" lvl="4" indent="-317500" algn="ctr">
               <a:lnSpc>
                 <a:spcPct val="115000"/>
               </a:lnSpc>
@@ -1827,7 +1861,7 @@
               <a:buChar char="○"/>
               <a:defRPr/>
             </a:lvl5pPr>
-            <a:lvl6pPr indent="-317500" lvl="5" marL="2743200" algn="ctr">
+            <a:lvl6pPr marL="2743200" lvl="5" indent="-317500" algn="ctr">
               <a:lnSpc>
                 <a:spcPct val="115000"/>
               </a:lnSpc>
@@ -1841,7 +1875,7 @@
               <a:buChar char="■"/>
               <a:defRPr/>
             </a:lvl6pPr>
-            <a:lvl7pPr indent="-317500" lvl="6" marL="3200400" algn="ctr">
+            <a:lvl7pPr marL="3200400" lvl="6" indent="-317500" algn="ctr">
               <a:lnSpc>
                 <a:spcPct val="115000"/>
               </a:lnSpc>
@@ -1855,7 +1889,7 @@
               <a:buChar char="●"/>
               <a:defRPr/>
             </a:lvl7pPr>
-            <a:lvl8pPr indent="-317500" lvl="7" marL="3657600" algn="ctr">
+            <a:lvl8pPr marL="3657600" lvl="7" indent="-317500" algn="ctr">
               <a:lnSpc>
                 <a:spcPct val="115000"/>
               </a:lnSpc>
@@ -1869,7 +1903,7 @@
               <a:buChar char="○"/>
               <a:defRPr/>
             </a:lvl8pPr>
-            <a:lvl9pPr indent="-317500" lvl="8" marL="4114800" algn="ctr">
+            <a:lvl9pPr marL="4114800" lvl="8" indent="-317500" algn="ctr">
               <a:lnSpc>
                 <a:spcPct val="115000"/>
               </a:lnSpc>
@@ -1884,15 +1918,19 @@
               <a:defRPr/>
             </a:lvl9pPr>
           </a:lstStyle>
-          <a:p/>
+          <a:p>
+            <a:endParaRPr/>
+          </a:p>
         </p:txBody>
       </p:sp>
       <p:sp>
         <p:nvSpPr>
           <p:cNvPr id="47" name="Google Shape;47;p11"/>
-          <p:cNvSpPr txBox="1"/>
+          <p:cNvSpPr txBox="1">
+            <a:spLocks noGrp="1"/>
+          </p:cNvSpPr>
           <p:nvPr>
-            <p:ph idx="12" type="sldNum"/>
+            <p:ph type="sldNum" idx="12"/>
           </p:nvPr>
         </p:nvSpPr>
         <p:spPr>
@@ -1909,27 +1947,27 @@
           </a:ln>
         </p:spPr>
         <p:txBody>
-          <a:bodyPr anchorCtr="0" anchor="ctr" bIns="91425" lIns="91425" spcFirstLastPara="1" rIns="91425" wrap="square" tIns="91425">
+          <a:bodyPr spcFirstLastPara="1" wrap="square" lIns="91425" tIns="91425" rIns="91425" bIns="91425" anchor="ctr" anchorCtr="0">
             <a:noAutofit/>
           </a:bodyPr>
           <a:lstStyle>
-            <a:lvl1pPr indent="0" lvl="0" marL="0" marR="0" algn="r">
-              <a:lnSpc>
-                <a:spcPct val="100000"/>
-              </a:lnSpc>
-              <a:spcBef>
-                <a:spcPts val="0"/>
-              </a:spcBef>
-              <a:spcAft>
-                <a:spcPts val="0"/>
-              </a:spcAft>
-              <a:buClr>
-                <a:srgbClr val="000000"/>
-              </a:buClr>
-              <a:buSzPts val="1000"/>
-              <a:buFont typeface="Arial"/>
-              <a:buNone/>
-              <a:defRPr b="0" i="0" sz="1000" u="none" cap="none" strike="noStrike">
+            <a:lvl1pPr marL="0" marR="0" lvl="0" indent="0" algn="r">
+              <a:lnSpc>
+                <a:spcPct val="100000"/>
+              </a:lnSpc>
+              <a:spcBef>
+                <a:spcPts val="0"/>
+              </a:spcBef>
+              <a:spcAft>
+                <a:spcPts val="0"/>
+              </a:spcAft>
+              <a:buClr>
+                <a:srgbClr val="000000"/>
+              </a:buClr>
+              <a:buSzPts val="1000"/>
+              <a:buFont typeface="Arial"/>
+              <a:buNone/>
+              <a:defRPr sz="1000" b="0" i="0" u="none" strike="noStrike" cap="none">
                 <a:solidFill>
                   <a:schemeClr val="dk2"/>
                 </a:solidFill>
@@ -1939,23 +1977,23 @@
                 <a:sym typeface="Arial"/>
               </a:defRPr>
             </a:lvl1pPr>
-            <a:lvl2pPr indent="0" lvl="1" marL="0" marR="0" algn="r">
-              <a:lnSpc>
-                <a:spcPct val="100000"/>
-              </a:lnSpc>
-              <a:spcBef>
-                <a:spcPts val="0"/>
-              </a:spcBef>
-              <a:spcAft>
-                <a:spcPts val="0"/>
-              </a:spcAft>
-              <a:buClr>
-                <a:srgbClr val="000000"/>
-              </a:buClr>
-              <a:buSzPts val="1000"/>
-              <a:buFont typeface="Arial"/>
-              <a:buNone/>
-              <a:defRPr b="0" i="0" sz="1000" u="none" cap="none" strike="noStrike">
+            <a:lvl2pPr marL="0" marR="0" lvl="1" indent="0" algn="r">
+              <a:lnSpc>
+                <a:spcPct val="100000"/>
+              </a:lnSpc>
+              <a:spcBef>
+                <a:spcPts val="0"/>
+              </a:spcBef>
+              <a:spcAft>
+                <a:spcPts val="0"/>
+              </a:spcAft>
+              <a:buClr>
+                <a:srgbClr val="000000"/>
+              </a:buClr>
+              <a:buSzPts val="1000"/>
+              <a:buFont typeface="Arial"/>
+              <a:buNone/>
+              <a:defRPr sz="1000" b="0" i="0" u="none" strike="noStrike" cap="none">
                 <a:solidFill>
                   <a:schemeClr val="dk2"/>
                 </a:solidFill>
@@ -1965,23 +2003,23 @@
                 <a:sym typeface="Arial"/>
               </a:defRPr>
             </a:lvl2pPr>
-            <a:lvl3pPr indent="0" lvl="2" marL="0" marR="0" algn="r">
-              <a:lnSpc>
-                <a:spcPct val="100000"/>
-              </a:lnSpc>
-              <a:spcBef>
-                <a:spcPts val="0"/>
-              </a:spcBef>
-              <a:spcAft>
-                <a:spcPts val="0"/>
-              </a:spcAft>
-              <a:buClr>
-                <a:srgbClr val="000000"/>
-              </a:buClr>
-              <a:buSzPts val="1000"/>
-              <a:buFont typeface="Arial"/>
-              <a:buNone/>
-              <a:defRPr b="0" i="0" sz="1000" u="none" cap="none" strike="noStrike">
+            <a:lvl3pPr marL="0" marR="0" lvl="2" indent="0" algn="r">
+              <a:lnSpc>
+                <a:spcPct val="100000"/>
+              </a:lnSpc>
+              <a:spcBef>
+                <a:spcPts val="0"/>
+              </a:spcBef>
+              <a:spcAft>
+                <a:spcPts val="0"/>
+              </a:spcAft>
+              <a:buClr>
+                <a:srgbClr val="000000"/>
+              </a:buClr>
+              <a:buSzPts val="1000"/>
+              <a:buFont typeface="Arial"/>
+              <a:buNone/>
+              <a:defRPr sz="1000" b="0" i="0" u="none" strike="noStrike" cap="none">
                 <a:solidFill>
                   <a:schemeClr val="dk2"/>
                 </a:solidFill>
@@ -1991,23 +2029,23 @@
                 <a:sym typeface="Arial"/>
               </a:defRPr>
             </a:lvl3pPr>
-            <a:lvl4pPr indent="0" lvl="3" marL="0" marR="0" algn="r">
-              <a:lnSpc>
-                <a:spcPct val="100000"/>
-              </a:lnSpc>
-              <a:spcBef>
-                <a:spcPts val="0"/>
-              </a:spcBef>
-              <a:spcAft>
-                <a:spcPts val="0"/>
-              </a:spcAft>
-              <a:buClr>
-                <a:srgbClr val="000000"/>
-              </a:buClr>
-              <a:buSzPts val="1000"/>
-              <a:buFont typeface="Arial"/>
-              <a:buNone/>
-              <a:defRPr b="0" i="0" sz="1000" u="none" cap="none" strike="noStrike">
+            <a:lvl4pPr marL="0" marR="0" lvl="3" indent="0" algn="r">
+              <a:lnSpc>
+                <a:spcPct val="100000"/>
+              </a:lnSpc>
+              <a:spcBef>
+                <a:spcPts val="0"/>
+              </a:spcBef>
+              <a:spcAft>
+                <a:spcPts val="0"/>
+              </a:spcAft>
+              <a:buClr>
+                <a:srgbClr val="000000"/>
+              </a:buClr>
+              <a:buSzPts val="1000"/>
+              <a:buFont typeface="Arial"/>
+              <a:buNone/>
+              <a:defRPr sz="1000" b="0" i="0" u="none" strike="noStrike" cap="none">
                 <a:solidFill>
                   <a:schemeClr val="dk2"/>
                 </a:solidFill>
@@ -2017,23 +2055,23 @@
                 <a:sym typeface="Arial"/>
               </a:defRPr>
             </a:lvl4pPr>
-            <a:lvl5pPr indent="0" lvl="4" marL="0" marR="0" algn="r">
-              <a:lnSpc>
-                <a:spcPct val="100000"/>
-              </a:lnSpc>
-              <a:spcBef>
-                <a:spcPts val="0"/>
-              </a:spcBef>
-              <a:spcAft>
-                <a:spcPts val="0"/>
-              </a:spcAft>
-              <a:buClr>
-                <a:srgbClr val="000000"/>
-              </a:buClr>
-              <a:buSzPts val="1000"/>
-              <a:buFont typeface="Arial"/>
-              <a:buNone/>
-              <a:defRPr b="0" i="0" sz="1000" u="none" cap="none" strike="noStrike">
+            <a:lvl5pPr marL="0" marR="0" lvl="4" indent="0" algn="r">
+              <a:lnSpc>
+                <a:spcPct val="100000"/>
+              </a:lnSpc>
+              <a:spcBef>
+                <a:spcPts val="0"/>
+              </a:spcBef>
+              <a:spcAft>
+                <a:spcPts val="0"/>
+              </a:spcAft>
+              <a:buClr>
+                <a:srgbClr val="000000"/>
+              </a:buClr>
+              <a:buSzPts val="1000"/>
+              <a:buFont typeface="Arial"/>
+              <a:buNone/>
+              <a:defRPr sz="1000" b="0" i="0" u="none" strike="noStrike" cap="none">
                 <a:solidFill>
                   <a:schemeClr val="dk2"/>
                 </a:solidFill>
@@ -2043,23 +2081,23 @@
                 <a:sym typeface="Arial"/>
               </a:defRPr>
             </a:lvl5pPr>
-            <a:lvl6pPr indent="0" lvl="5" marL="0" marR="0" algn="r">
-              <a:lnSpc>
-                <a:spcPct val="100000"/>
-              </a:lnSpc>
-              <a:spcBef>
-                <a:spcPts val="0"/>
-              </a:spcBef>
-              <a:spcAft>
-                <a:spcPts val="0"/>
-              </a:spcAft>
-              <a:buClr>
-                <a:srgbClr val="000000"/>
-              </a:buClr>
-              <a:buSzPts val="1000"/>
-              <a:buFont typeface="Arial"/>
-              <a:buNone/>
-              <a:defRPr b="0" i="0" sz="1000" u="none" cap="none" strike="noStrike">
+            <a:lvl6pPr marL="0" marR="0" lvl="5" indent="0" algn="r">
+              <a:lnSpc>
+                <a:spcPct val="100000"/>
+              </a:lnSpc>
+              <a:spcBef>
+                <a:spcPts val="0"/>
+              </a:spcBef>
+              <a:spcAft>
+                <a:spcPts val="0"/>
+              </a:spcAft>
+              <a:buClr>
+                <a:srgbClr val="000000"/>
+              </a:buClr>
+              <a:buSzPts val="1000"/>
+              <a:buFont typeface="Arial"/>
+              <a:buNone/>
+              <a:defRPr sz="1000" b="0" i="0" u="none" strike="noStrike" cap="none">
                 <a:solidFill>
                   <a:schemeClr val="dk2"/>
                 </a:solidFill>
@@ -2069,23 +2107,23 @@
                 <a:sym typeface="Arial"/>
               </a:defRPr>
             </a:lvl6pPr>
-            <a:lvl7pPr indent="0" lvl="6" marL="0" marR="0" algn="r">
-              <a:lnSpc>
-                <a:spcPct val="100000"/>
-              </a:lnSpc>
-              <a:spcBef>
-                <a:spcPts val="0"/>
-              </a:spcBef>
-              <a:spcAft>
-                <a:spcPts val="0"/>
-              </a:spcAft>
-              <a:buClr>
-                <a:srgbClr val="000000"/>
-              </a:buClr>
-              <a:buSzPts val="1000"/>
-              <a:buFont typeface="Arial"/>
-              <a:buNone/>
-              <a:defRPr b="0" i="0" sz="1000" u="none" cap="none" strike="noStrike">
+            <a:lvl7pPr marL="0" marR="0" lvl="6" indent="0" algn="r">
+              <a:lnSpc>
+                <a:spcPct val="100000"/>
+              </a:lnSpc>
+              <a:spcBef>
+                <a:spcPts val="0"/>
+              </a:spcBef>
+              <a:spcAft>
+                <a:spcPts val="0"/>
+              </a:spcAft>
+              <a:buClr>
+                <a:srgbClr val="000000"/>
+              </a:buClr>
+              <a:buSzPts val="1000"/>
+              <a:buFont typeface="Arial"/>
+              <a:buNone/>
+              <a:defRPr sz="1000" b="0" i="0" u="none" strike="noStrike" cap="none">
                 <a:solidFill>
                   <a:schemeClr val="dk2"/>
                 </a:solidFill>
@@ -2095,23 +2133,23 @@
                 <a:sym typeface="Arial"/>
               </a:defRPr>
             </a:lvl7pPr>
-            <a:lvl8pPr indent="0" lvl="7" marL="0" marR="0" algn="r">
-              <a:lnSpc>
-                <a:spcPct val="100000"/>
-              </a:lnSpc>
-              <a:spcBef>
-                <a:spcPts val="0"/>
-              </a:spcBef>
-              <a:spcAft>
-                <a:spcPts val="0"/>
-              </a:spcAft>
-              <a:buClr>
-                <a:srgbClr val="000000"/>
-              </a:buClr>
-              <a:buSzPts val="1000"/>
-              <a:buFont typeface="Arial"/>
-              <a:buNone/>
-              <a:defRPr b="0" i="0" sz="1000" u="none" cap="none" strike="noStrike">
+            <a:lvl8pPr marL="0" marR="0" lvl="7" indent="0" algn="r">
+              <a:lnSpc>
+                <a:spcPct val="100000"/>
+              </a:lnSpc>
+              <a:spcBef>
+                <a:spcPts val="0"/>
+              </a:spcBef>
+              <a:spcAft>
+                <a:spcPts val="0"/>
+              </a:spcAft>
+              <a:buClr>
+                <a:srgbClr val="000000"/>
+              </a:buClr>
+              <a:buSzPts val="1000"/>
+              <a:buFont typeface="Arial"/>
+              <a:buNone/>
+              <a:defRPr sz="1000" b="0" i="0" u="none" strike="noStrike" cap="none">
                 <a:solidFill>
                   <a:schemeClr val="dk2"/>
                 </a:solidFill>
@@ -2121,23 +2159,23 @@
                 <a:sym typeface="Arial"/>
               </a:defRPr>
             </a:lvl8pPr>
-            <a:lvl9pPr indent="0" lvl="8" marL="0" marR="0" algn="r">
-              <a:lnSpc>
-                <a:spcPct val="100000"/>
-              </a:lnSpc>
-              <a:spcBef>
-                <a:spcPts val="0"/>
-              </a:spcBef>
-              <a:spcAft>
-                <a:spcPts val="0"/>
-              </a:spcAft>
-              <a:buClr>
-                <a:srgbClr val="000000"/>
-              </a:buClr>
-              <a:buSzPts val="1000"/>
-              <a:buFont typeface="Arial"/>
-              <a:buNone/>
-              <a:defRPr b="0" i="0" sz="1000" u="none" cap="none" strike="noStrike">
+            <a:lvl9pPr marL="0" marR="0" lvl="8" indent="0" algn="r">
+              <a:lnSpc>
+                <a:spcPct val="100000"/>
+              </a:lnSpc>
+              <a:spcBef>
+                <a:spcPts val="0"/>
+              </a:spcBef>
+              <a:spcAft>
+                <a:spcPts val="0"/>
+              </a:spcAft>
+              <a:buClr>
+                <a:srgbClr val="000000"/>
+              </a:buClr>
+              <a:buSzPts val="1000"/>
+              <a:buFont typeface="Arial"/>
+              <a:buNone/>
+              <a:defRPr sz="1000" b="0" i="0" u="none" strike="noStrike" cap="none">
                 <a:solidFill>
                   <a:schemeClr val="dk2"/>
                 </a:solidFill>
@@ -2149,7 +2187,7 @@
             </a:lvl9pPr>
           </a:lstStyle>
           <a:p>
-            <a:pPr indent="0" lvl="0" marL="0" rtl="0" algn="r">
+            <a:pPr marL="0" lvl="0" indent="0" algn="r" rtl="0">
               <a:spcBef>
                 <a:spcPts val="0"/>
               </a:spcBef>
@@ -2160,7 +2198,7 @@
             </a:pPr>
             <a:fld id="{00000000-1234-1234-1234-123412341234}" type="slidenum">
               <a:rPr lang="pt-BR"/>
-              <a:t>‹#›</a:t>
+              <a:t>‹nº›</a:t>
             </a:fld>
             <a:endParaRPr/>
           </a:p>
@@ -2175,11 +2213,11 @@
 </file>
 
 <file path=ppt/slideLayouts/slideLayout11.xml><?xml version="1.0" encoding="utf-8"?>
-<p:sldLayout xmlns:a="http://schemas.openxmlformats.org/drawingml/2006/main" xmlns:r="http://schemas.openxmlformats.org/officeDocument/2006/relationships" xmlns:mc="http://schemas.openxmlformats.org/markup-compatibility/2006" xmlns:mv="urn:schemas-microsoft-com:mac:vml" xmlns:p="http://schemas.openxmlformats.org/presentationml/2006/main" xmlns:c="http://schemas.openxmlformats.org/drawingml/2006/chart" xmlns:dgm="http://schemas.openxmlformats.org/drawingml/2006/diagram" xmlns:o="urn:schemas-microsoft-com:office:office" xmlns:v="urn:schemas-microsoft-com:vml" xmlns:pvml="urn:schemas-microsoft-com:office:powerpoint" xmlns:com="http://schemas.openxmlformats.org/drawingml/2006/compatibility" xmlns:p14="http://schemas.microsoft.com/office/powerpoint/2010/main" xmlns:p15="http://schemas.microsoft.com/office/powerpoint/2012/main" xmlns:ahyp="http://schemas.microsoft.com/office/drawing/2018/hyperlinkcolor" matchingName="Blank" type="blank">
+<p:sldLayout xmlns:a="http://schemas.openxmlformats.org/drawingml/2006/main" xmlns:r="http://schemas.openxmlformats.org/officeDocument/2006/relationships" xmlns:p="http://schemas.openxmlformats.org/presentationml/2006/main" matchingName="Blank" type="blank">
   <p:cSld name="BLANK">
     <p:spTree>
       <p:nvGrpSpPr>
-        <p:cNvPr id="48" name="Shape 48"/>
+        <p:cNvPr id="1" name="Shape 48"/>
         <p:cNvGrpSpPr/>
         <p:nvPr/>
       </p:nvGrpSpPr>
@@ -2194,9 +2232,11 @@
       <p:sp>
         <p:nvSpPr>
           <p:cNvPr id="49" name="Google Shape;49;p12"/>
-          <p:cNvSpPr txBox="1"/>
+          <p:cNvSpPr txBox="1">
+            <a:spLocks noGrp="1"/>
+          </p:cNvSpPr>
           <p:nvPr>
-            <p:ph idx="12" type="sldNum"/>
+            <p:ph type="sldNum" idx="12"/>
           </p:nvPr>
         </p:nvSpPr>
         <p:spPr>
@@ -2213,27 +2253,27 @@
           </a:ln>
         </p:spPr>
         <p:txBody>
-          <a:bodyPr anchorCtr="0" anchor="ctr" bIns="91425" lIns="91425" spcFirstLastPara="1" rIns="91425" wrap="square" tIns="91425">
+          <a:bodyPr spcFirstLastPara="1" wrap="square" lIns="91425" tIns="91425" rIns="91425" bIns="91425" anchor="ctr" anchorCtr="0">
             <a:noAutofit/>
           </a:bodyPr>
           <a:lstStyle>
-            <a:lvl1pPr indent="0" lvl="0" marL="0" marR="0" algn="r">
-              <a:lnSpc>
-                <a:spcPct val="100000"/>
-              </a:lnSpc>
-              <a:spcBef>
-                <a:spcPts val="0"/>
-              </a:spcBef>
-              <a:spcAft>
-                <a:spcPts val="0"/>
-              </a:spcAft>
-              <a:buClr>
-                <a:srgbClr val="000000"/>
-              </a:buClr>
-              <a:buSzPts val="1000"/>
-              <a:buFont typeface="Arial"/>
-              <a:buNone/>
-              <a:defRPr b="0" i="0" sz="1000" u="none" cap="none" strike="noStrike">
+            <a:lvl1pPr marL="0" marR="0" lvl="0" indent="0" algn="r">
+              <a:lnSpc>
+                <a:spcPct val="100000"/>
+              </a:lnSpc>
+              <a:spcBef>
+                <a:spcPts val="0"/>
+              </a:spcBef>
+              <a:spcAft>
+                <a:spcPts val="0"/>
+              </a:spcAft>
+              <a:buClr>
+                <a:srgbClr val="000000"/>
+              </a:buClr>
+              <a:buSzPts val="1000"/>
+              <a:buFont typeface="Arial"/>
+              <a:buNone/>
+              <a:defRPr sz="1000" b="0" i="0" u="none" strike="noStrike" cap="none">
                 <a:solidFill>
                   <a:schemeClr val="dk2"/>
                 </a:solidFill>
@@ -2243,23 +2283,23 @@
                 <a:sym typeface="Arial"/>
               </a:defRPr>
             </a:lvl1pPr>
-            <a:lvl2pPr indent="0" lvl="1" marL="0" marR="0" algn="r">
-              <a:lnSpc>
-                <a:spcPct val="100000"/>
-              </a:lnSpc>
-              <a:spcBef>
-                <a:spcPts val="0"/>
-              </a:spcBef>
-              <a:spcAft>
-                <a:spcPts val="0"/>
-              </a:spcAft>
-              <a:buClr>
-                <a:srgbClr val="000000"/>
-              </a:buClr>
-              <a:buSzPts val="1000"/>
-              <a:buFont typeface="Arial"/>
-              <a:buNone/>
-              <a:defRPr b="0" i="0" sz="1000" u="none" cap="none" strike="noStrike">
+            <a:lvl2pPr marL="0" marR="0" lvl="1" indent="0" algn="r">
+              <a:lnSpc>
+                <a:spcPct val="100000"/>
+              </a:lnSpc>
+              <a:spcBef>
+                <a:spcPts val="0"/>
+              </a:spcBef>
+              <a:spcAft>
+                <a:spcPts val="0"/>
+              </a:spcAft>
+              <a:buClr>
+                <a:srgbClr val="000000"/>
+              </a:buClr>
+              <a:buSzPts val="1000"/>
+              <a:buFont typeface="Arial"/>
+              <a:buNone/>
+              <a:defRPr sz="1000" b="0" i="0" u="none" strike="noStrike" cap="none">
                 <a:solidFill>
                   <a:schemeClr val="dk2"/>
                 </a:solidFill>
@@ -2269,23 +2309,23 @@
                 <a:sym typeface="Arial"/>
               </a:defRPr>
             </a:lvl2pPr>
-            <a:lvl3pPr indent="0" lvl="2" marL="0" marR="0" algn="r">
-              <a:lnSpc>
-                <a:spcPct val="100000"/>
-              </a:lnSpc>
-              <a:spcBef>
-                <a:spcPts val="0"/>
-              </a:spcBef>
-              <a:spcAft>
-                <a:spcPts val="0"/>
-              </a:spcAft>
-              <a:buClr>
-                <a:srgbClr val="000000"/>
-              </a:buClr>
-              <a:buSzPts val="1000"/>
-              <a:buFont typeface="Arial"/>
-              <a:buNone/>
-              <a:defRPr b="0" i="0" sz="1000" u="none" cap="none" strike="noStrike">
+            <a:lvl3pPr marL="0" marR="0" lvl="2" indent="0" algn="r">
+              <a:lnSpc>
+                <a:spcPct val="100000"/>
+              </a:lnSpc>
+              <a:spcBef>
+                <a:spcPts val="0"/>
+              </a:spcBef>
+              <a:spcAft>
+                <a:spcPts val="0"/>
+              </a:spcAft>
+              <a:buClr>
+                <a:srgbClr val="000000"/>
+              </a:buClr>
+              <a:buSzPts val="1000"/>
+              <a:buFont typeface="Arial"/>
+              <a:buNone/>
+              <a:defRPr sz="1000" b="0" i="0" u="none" strike="noStrike" cap="none">
                 <a:solidFill>
                   <a:schemeClr val="dk2"/>
                 </a:solidFill>
@@ -2295,23 +2335,23 @@
                 <a:sym typeface="Arial"/>
               </a:defRPr>
             </a:lvl3pPr>
-            <a:lvl4pPr indent="0" lvl="3" marL="0" marR="0" algn="r">
-              <a:lnSpc>
-                <a:spcPct val="100000"/>
-              </a:lnSpc>
-              <a:spcBef>
-                <a:spcPts val="0"/>
-              </a:spcBef>
-              <a:spcAft>
-                <a:spcPts val="0"/>
-              </a:spcAft>
-              <a:buClr>
-                <a:srgbClr val="000000"/>
-              </a:buClr>
-              <a:buSzPts val="1000"/>
-              <a:buFont typeface="Arial"/>
-              <a:buNone/>
-              <a:defRPr b="0" i="0" sz="1000" u="none" cap="none" strike="noStrike">
+            <a:lvl4pPr marL="0" marR="0" lvl="3" indent="0" algn="r">
+              <a:lnSpc>
+                <a:spcPct val="100000"/>
+              </a:lnSpc>
+              <a:spcBef>
+                <a:spcPts val="0"/>
+              </a:spcBef>
+              <a:spcAft>
+                <a:spcPts val="0"/>
+              </a:spcAft>
+              <a:buClr>
+                <a:srgbClr val="000000"/>
+              </a:buClr>
+              <a:buSzPts val="1000"/>
+              <a:buFont typeface="Arial"/>
+              <a:buNone/>
+              <a:defRPr sz="1000" b="0" i="0" u="none" strike="noStrike" cap="none">
                 <a:solidFill>
                   <a:schemeClr val="dk2"/>
                 </a:solidFill>
@@ -2321,23 +2361,23 @@
                 <a:sym typeface="Arial"/>
               </a:defRPr>
             </a:lvl4pPr>
-            <a:lvl5pPr indent="0" lvl="4" marL="0" marR="0" algn="r">
-              <a:lnSpc>
-                <a:spcPct val="100000"/>
-              </a:lnSpc>
-              <a:spcBef>
-                <a:spcPts val="0"/>
-              </a:spcBef>
-              <a:spcAft>
-                <a:spcPts val="0"/>
-              </a:spcAft>
-              <a:buClr>
-                <a:srgbClr val="000000"/>
-              </a:buClr>
-              <a:buSzPts val="1000"/>
-              <a:buFont typeface="Arial"/>
-              <a:buNone/>
-              <a:defRPr b="0" i="0" sz="1000" u="none" cap="none" strike="noStrike">
+            <a:lvl5pPr marL="0" marR="0" lvl="4" indent="0" algn="r">
+              <a:lnSpc>
+                <a:spcPct val="100000"/>
+              </a:lnSpc>
+              <a:spcBef>
+                <a:spcPts val="0"/>
+              </a:spcBef>
+              <a:spcAft>
+                <a:spcPts val="0"/>
+              </a:spcAft>
+              <a:buClr>
+                <a:srgbClr val="000000"/>
+              </a:buClr>
+              <a:buSzPts val="1000"/>
+              <a:buFont typeface="Arial"/>
+              <a:buNone/>
+              <a:defRPr sz="1000" b="0" i="0" u="none" strike="noStrike" cap="none">
                 <a:solidFill>
                   <a:schemeClr val="dk2"/>
                 </a:solidFill>
@@ -2347,23 +2387,23 @@
                 <a:sym typeface="Arial"/>
               </a:defRPr>
             </a:lvl5pPr>
-            <a:lvl6pPr indent="0" lvl="5" marL="0" marR="0" algn="r">
-              <a:lnSpc>
-                <a:spcPct val="100000"/>
-              </a:lnSpc>
-              <a:spcBef>
-                <a:spcPts val="0"/>
-              </a:spcBef>
-              <a:spcAft>
-                <a:spcPts val="0"/>
-              </a:spcAft>
-              <a:buClr>
-                <a:srgbClr val="000000"/>
-              </a:buClr>
-              <a:buSzPts val="1000"/>
-              <a:buFont typeface="Arial"/>
-              <a:buNone/>
-              <a:defRPr b="0" i="0" sz="1000" u="none" cap="none" strike="noStrike">
+            <a:lvl6pPr marL="0" marR="0" lvl="5" indent="0" algn="r">
+              <a:lnSpc>
+                <a:spcPct val="100000"/>
+              </a:lnSpc>
+              <a:spcBef>
+                <a:spcPts val="0"/>
+              </a:spcBef>
+              <a:spcAft>
+                <a:spcPts val="0"/>
+              </a:spcAft>
+              <a:buClr>
+                <a:srgbClr val="000000"/>
+              </a:buClr>
+              <a:buSzPts val="1000"/>
+              <a:buFont typeface="Arial"/>
+              <a:buNone/>
+              <a:defRPr sz="1000" b="0" i="0" u="none" strike="noStrike" cap="none">
                 <a:solidFill>
                   <a:schemeClr val="dk2"/>
                 </a:solidFill>
@@ -2373,23 +2413,23 @@
                 <a:sym typeface="Arial"/>
               </a:defRPr>
             </a:lvl6pPr>
-            <a:lvl7pPr indent="0" lvl="6" marL="0" marR="0" algn="r">
-              <a:lnSpc>
-                <a:spcPct val="100000"/>
-              </a:lnSpc>
-              <a:spcBef>
-                <a:spcPts val="0"/>
-              </a:spcBef>
-              <a:spcAft>
-                <a:spcPts val="0"/>
-              </a:spcAft>
-              <a:buClr>
-                <a:srgbClr val="000000"/>
-              </a:buClr>
-              <a:buSzPts val="1000"/>
-              <a:buFont typeface="Arial"/>
-              <a:buNone/>
-              <a:defRPr b="0" i="0" sz="1000" u="none" cap="none" strike="noStrike">
+            <a:lvl7pPr marL="0" marR="0" lvl="6" indent="0" algn="r">
+              <a:lnSpc>
+                <a:spcPct val="100000"/>
+              </a:lnSpc>
+              <a:spcBef>
+                <a:spcPts val="0"/>
+              </a:spcBef>
+              <a:spcAft>
+                <a:spcPts val="0"/>
+              </a:spcAft>
+              <a:buClr>
+                <a:srgbClr val="000000"/>
+              </a:buClr>
+              <a:buSzPts val="1000"/>
+              <a:buFont typeface="Arial"/>
+              <a:buNone/>
+              <a:defRPr sz="1000" b="0" i="0" u="none" strike="noStrike" cap="none">
                 <a:solidFill>
                   <a:schemeClr val="dk2"/>
                 </a:solidFill>
@@ -2399,23 +2439,23 @@
                 <a:sym typeface="Arial"/>
               </a:defRPr>
             </a:lvl7pPr>
-            <a:lvl8pPr indent="0" lvl="7" marL="0" marR="0" algn="r">
-              <a:lnSpc>
-                <a:spcPct val="100000"/>
-              </a:lnSpc>
-              <a:spcBef>
-                <a:spcPts val="0"/>
-              </a:spcBef>
-              <a:spcAft>
-                <a:spcPts val="0"/>
-              </a:spcAft>
-              <a:buClr>
-                <a:srgbClr val="000000"/>
-              </a:buClr>
-              <a:buSzPts val="1000"/>
-              <a:buFont typeface="Arial"/>
-              <a:buNone/>
-              <a:defRPr b="0" i="0" sz="1000" u="none" cap="none" strike="noStrike">
+            <a:lvl8pPr marL="0" marR="0" lvl="7" indent="0" algn="r">
+              <a:lnSpc>
+                <a:spcPct val="100000"/>
+              </a:lnSpc>
+              <a:spcBef>
+                <a:spcPts val="0"/>
+              </a:spcBef>
+              <a:spcAft>
+                <a:spcPts val="0"/>
+              </a:spcAft>
+              <a:buClr>
+                <a:srgbClr val="000000"/>
+              </a:buClr>
+              <a:buSzPts val="1000"/>
+              <a:buFont typeface="Arial"/>
+              <a:buNone/>
+              <a:defRPr sz="1000" b="0" i="0" u="none" strike="noStrike" cap="none">
                 <a:solidFill>
                   <a:schemeClr val="dk2"/>
                 </a:solidFill>
@@ -2425,23 +2465,23 @@
                 <a:sym typeface="Arial"/>
               </a:defRPr>
             </a:lvl8pPr>
-            <a:lvl9pPr indent="0" lvl="8" marL="0" marR="0" algn="r">
-              <a:lnSpc>
-                <a:spcPct val="100000"/>
-              </a:lnSpc>
-              <a:spcBef>
-                <a:spcPts val="0"/>
-              </a:spcBef>
-              <a:spcAft>
-                <a:spcPts val="0"/>
-              </a:spcAft>
-              <a:buClr>
-                <a:srgbClr val="000000"/>
-              </a:buClr>
-              <a:buSzPts val="1000"/>
-              <a:buFont typeface="Arial"/>
-              <a:buNone/>
-              <a:defRPr b="0" i="0" sz="1000" u="none" cap="none" strike="noStrike">
+            <a:lvl9pPr marL="0" marR="0" lvl="8" indent="0" algn="r">
+              <a:lnSpc>
+                <a:spcPct val="100000"/>
+              </a:lnSpc>
+              <a:spcBef>
+                <a:spcPts val="0"/>
+              </a:spcBef>
+              <a:spcAft>
+                <a:spcPts val="0"/>
+              </a:spcAft>
+              <a:buClr>
+                <a:srgbClr val="000000"/>
+              </a:buClr>
+              <a:buSzPts val="1000"/>
+              <a:buFont typeface="Arial"/>
+              <a:buNone/>
+              <a:defRPr sz="1000" b="0" i="0" u="none" strike="noStrike" cap="none">
                 <a:solidFill>
                   <a:schemeClr val="dk2"/>
                 </a:solidFill>
@@ -2453,7 +2493,7 @@
             </a:lvl9pPr>
           </a:lstStyle>
           <a:p>
-            <a:pPr indent="0" lvl="0" marL="0" rtl="0" algn="r">
+            <a:pPr marL="0" lvl="0" indent="0" algn="r" rtl="0">
               <a:spcBef>
                 <a:spcPts val="0"/>
               </a:spcBef>
@@ -2464,7 +2504,7 @@
             </a:pPr>
             <a:fld id="{00000000-1234-1234-1234-123412341234}" type="slidenum">
               <a:rPr lang="pt-BR"/>
-              <a:t>‹#›</a:t>
+              <a:t>‹nº›</a:t>
             </a:fld>
             <a:endParaRPr/>
           </a:p>
@@ -2479,11 +2519,11 @@
 </file>
 
 <file path=ppt/slideLayouts/slideLayout2.xml><?xml version="1.0" encoding="utf-8"?>
-<p:sldLayout xmlns:a="http://schemas.openxmlformats.org/drawingml/2006/main" xmlns:r="http://schemas.openxmlformats.org/officeDocument/2006/relationships" xmlns:mc="http://schemas.openxmlformats.org/markup-compatibility/2006" xmlns:mv="urn:schemas-microsoft-com:mac:vml" xmlns:p="http://schemas.openxmlformats.org/presentationml/2006/main" xmlns:c="http://schemas.openxmlformats.org/drawingml/2006/chart" xmlns:dgm="http://schemas.openxmlformats.org/drawingml/2006/diagram" xmlns:o="urn:schemas-microsoft-com:office:office" xmlns:v="urn:schemas-microsoft-com:vml" xmlns:pvml="urn:schemas-microsoft-com:office:powerpoint" xmlns:com="http://schemas.openxmlformats.org/drawingml/2006/compatibility" xmlns:p14="http://schemas.microsoft.com/office/powerpoint/2010/main" xmlns:p15="http://schemas.microsoft.com/office/powerpoint/2012/main" xmlns:ahyp="http://schemas.microsoft.com/office/drawing/2018/hyperlinkcolor" matchingName="Section header" type="secHead">
+<p:sldLayout xmlns:a="http://schemas.openxmlformats.org/drawingml/2006/main" xmlns:r="http://schemas.openxmlformats.org/officeDocument/2006/relationships" xmlns:p="http://schemas.openxmlformats.org/presentationml/2006/main" matchingName="Section header" type="secHead">
   <p:cSld name="SECTION_HEADER">
     <p:spTree>
       <p:nvGrpSpPr>
-        <p:cNvPr id="13" name="Shape 13"/>
+        <p:cNvPr id="1" name="Shape 13"/>
         <p:cNvGrpSpPr/>
         <p:nvPr/>
       </p:nvGrpSpPr>
@@ -2498,7 +2538,9 @@
       <p:sp>
         <p:nvSpPr>
           <p:cNvPr id="14" name="Google Shape;14;p3"/>
-          <p:cNvSpPr txBox="1"/>
+          <p:cNvSpPr txBox="1">
+            <a:spLocks noGrp="1"/>
+          </p:cNvSpPr>
           <p:nvPr>
             <p:ph type="title"/>
           </p:nvPr>
@@ -2517,7 +2559,7 @@
           </a:ln>
         </p:spPr>
         <p:txBody>
-          <a:bodyPr anchorCtr="0" anchor="ctr" bIns="91425" lIns="91425" spcFirstLastPara="1" rIns="91425" wrap="square" tIns="91425">
+          <a:bodyPr spcFirstLastPara="1" wrap="square" lIns="91425" tIns="91425" rIns="91425" bIns="91425" anchor="ctr" anchorCtr="0">
             <a:noAutofit/>
           </a:bodyPr>
           <a:lstStyle>
@@ -2648,15 +2690,19 @@
               <a:defRPr sz="3600"/>
             </a:lvl9pPr>
           </a:lstStyle>
-          <a:p/>
+          <a:p>
+            <a:endParaRPr/>
+          </a:p>
         </p:txBody>
       </p:sp>
       <p:sp>
         <p:nvSpPr>
           <p:cNvPr id="15" name="Google Shape;15;p3"/>
-          <p:cNvSpPr txBox="1"/>
+          <p:cNvSpPr txBox="1">
+            <a:spLocks noGrp="1"/>
+          </p:cNvSpPr>
           <p:nvPr>
-            <p:ph idx="12" type="sldNum"/>
+            <p:ph type="sldNum" idx="12"/>
           </p:nvPr>
         </p:nvSpPr>
         <p:spPr>
@@ -2673,27 +2719,27 @@
           </a:ln>
         </p:spPr>
         <p:txBody>
-          <a:bodyPr anchorCtr="0" anchor="ctr" bIns="91425" lIns="91425" spcFirstLastPara="1" rIns="91425" wrap="square" tIns="91425">
+          <a:bodyPr spcFirstLastPara="1" wrap="square" lIns="91425" tIns="91425" rIns="91425" bIns="91425" anchor="ctr" anchorCtr="0">
             <a:noAutofit/>
           </a:bodyPr>
           <a:lstStyle>
-            <a:lvl1pPr indent="0" lvl="0" marL="0" marR="0" algn="r">
-              <a:lnSpc>
-                <a:spcPct val="100000"/>
-              </a:lnSpc>
-              <a:spcBef>
-                <a:spcPts val="0"/>
-              </a:spcBef>
-              <a:spcAft>
-                <a:spcPts val="0"/>
-              </a:spcAft>
-              <a:buClr>
-                <a:srgbClr val="000000"/>
-              </a:buClr>
-              <a:buSzPts val="1000"/>
-              <a:buFont typeface="Arial"/>
-              <a:buNone/>
-              <a:defRPr b="0" i="0" sz="1000" u="none" cap="none" strike="noStrike">
+            <a:lvl1pPr marL="0" marR="0" lvl="0" indent="0" algn="r">
+              <a:lnSpc>
+                <a:spcPct val="100000"/>
+              </a:lnSpc>
+              <a:spcBef>
+                <a:spcPts val="0"/>
+              </a:spcBef>
+              <a:spcAft>
+                <a:spcPts val="0"/>
+              </a:spcAft>
+              <a:buClr>
+                <a:srgbClr val="000000"/>
+              </a:buClr>
+              <a:buSzPts val="1000"/>
+              <a:buFont typeface="Arial"/>
+              <a:buNone/>
+              <a:defRPr sz="1000" b="0" i="0" u="none" strike="noStrike" cap="none">
                 <a:solidFill>
                   <a:schemeClr val="dk2"/>
                 </a:solidFill>
@@ -2703,23 +2749,23 @@
                 <a:sym typeface="Arial"/>
               </a:defRPr>
             </a:lvl1pPr>
-            <a:lvl2pPr indent="0" lvl="1" marL="0" marR="0" algn="r">
-              <a:lnSpc>
-                <a:spcPct val="100000"/>
-              </a:lnSpc>
-              <a:spcBef>
-                <a:spcPts val="0"/>
-              </a:spcBef>
-              <a:spcAft>
-                <a:spcPts val="0"/>
-              </a:spcAft>
-              <a:buClr>
-                <a:srgbClr val="000000"/>
-              </a:buClr>
-              <a:buSzPts val="1000"/>
-              <a:buFont typeface="Arial"/>
-              <a:buNone/>
-              <a:defRPr b="0" i="0" sz="1000" u="none" cap="none" strike="noStrike">
+            <a:lvl2pPr marL="0" marR="0" lvl="1" indent="0" algn="r">
+              <a:lnSpc>
+                <a:spcPct val="100000"/>
+              </a:lnSpc>
+              <a:spcBef>
+                <a:spcPts val="0"/>
+              </a:spcBef>
+              <a:spcAft>
+                <a:spcPts val="0"/>
+              </a:spcAft>
+              <a:buClr>
+                <a:srgbClr val="000000"/>
+              </a:buClr>
+              <a:buSzPts val="1000"/>
+              <a:buFont typeface="Arial"/>
+              <a:buNone/>
+              <a:defRPr sz="1000" b="0" i="0" u="none" strike="noStrike" cap="none">
                 <a:solidFill>
                   <a:schemeClr val="dk2"/>
                 </a:solidFill>
@@ -2729,23 +2775,23 @@
                 <a:sym typeface="Arial"/>
               </a:defRPr>
             </a:lvl2pPr>
-            <a:lvl3pPr indent="0" lvl="2" marL="0" marR="0" algn="r">
-              <a:lnSpc>
-                <a:spcPct val="100000"/>
-              </a:lnSpc>
-              <a:spcBef>
-                <a:spcPts val="0"/>
-              </a:spcBef>
-              <a:spcAft>
-                <a:spcPts val="0"/>
-              </a:spcAft>
-              <a:buClr>
-                <a:srgbClr val="000000"/>
-              </a:buClr>
-              <a:buSzPts val="1000"/>
-              <a:buFont typeface="Arial"/>
-              <a:buNone/>
-              <a:defRPr b="0" i="0" sz="1000" u="none" cap="none" strike="noStrike">
+            <a:lvl3pPr marL="0" marR="0" lvl="2" indent="0" algn="r">
+              <a:lnSpc>
+                <a:spcPct val="100000"/>
+              </a:lnSpc>
+              <a:spcBef>
+                <a:spcPts val="0"/>
+              </a:spcBef>
+              <a:spcAft>
+                <a:spcPts val="0"/>
+              </a:spcAft>
+              <a:buClr>
+                <a:srgbClr val="000000"/>
+              </a:buClr>
+              <a:buSzPts val="1000"/>
+              <a:buFont typeface="Arial"/>
+              <a:buNone/>
+              <a:defRPr sz="1000" b="0" i="0" u="none" strike="noStrike" cap="none">
                 <a:solidFill>
                   <a:schemeClr val="dk2"/>
                 </a:solidFill>
@@ -2755,23 +2801,23 @@
                 <a:sym typeface="Arial"/>
               </a:defRPr>
             </a:lvl3pPr>
-            <a:lvl4pPr indent="0" lvl="3" marL="0" marR="0" algn="r">
-              <a:lnSpc>
-                <a:spcPct val="100000"/>
-              </a:lnSpc>
-              <a:spcBef>
-                <a:spcPts val="0"/>
-              </a:spcBef>
-              <a:spcAft>
-                <a:spcPts val="0"/>
-              </a:spcAft>
-              <a:buClr>
-                <a:srgbClr val="000000"/>
-              </a:buClr>
-              <a:buSzPts val="1000"/>
-              <a:buFont typeface="Arial"/>
-              <a:buNone/>
-              <a:defRPr b="0" i="0" sz="1000" u="none" cap="none" strike="noStrike">
+            <a:lvl4pPr marL="0" marR="0" lvl="3" indent="0" algn="r">
+              <a:lnSpc>
+                <a:spcPct val="100000"/>
+              </a:lnSpc>
+              <a:spcBef>
+                <a:spcPts val="0"/>
+              </a:spcBef>
+              <a:spcAft>
+                <a:spcPts val="0"/>
+              </a:spcAft>
+              <a:buClr>
+                <a:srgbClr val="000000"/>
+              </a:buClr>
+              <a:buSzPts val="1000"/>
+              <a:buFont typeface="Arial"/>
+              <a:buNone/>
+              <a:defRPr sz="1000" b="0" i="0" u="none" strike="noStrike" cap="none">
                 <a:solidFill>
                   <a:schemeClr val="dk2"/>
                 </a:solidFill>
@@ -2781,23 +2827,23 @@
                 <a:sym typeface="Arial"/>
               </a:defRPr>
             </a:lvl4pPr>
-            <a:lvl5pPr indent="0" lvl="4" marL="0" marR="0" algn="r">
-              <a:lnSpc>
-                <a:spcPct val="100000"/>
-              </a:lnSpc>
-              <a:spcBef>
-                <a:spcPts val="0"/>
-              </a:spcBef>
-              <a:spcAft>
-                <a:spcPts val="0"/>
-              </a:spcAft>
-              <a:buClr>
-                <a:srgbClr val="000000"/>
-              </a:buClr>
-              <a:buSzPts val="1000"/>
-              <a:buFont typeface="Arial"/>
-              <a:buNone/>
-              <a:defRPr b="0" i="0" sz="1000" u="none" cap="none" strike="noStrike">
+            <a:lvl5pPr marL="0" marR="0" lvl="4" indent="0" algn="r">
+              <a:lnSpc>
+                <a:spcPct val="100000"/>
+              </a:lnSpc>
+              <a:spcBef>
+                <a:spcPts val="0"/>
+              </a:spcBef>
+              <a:spcAft>
+                <a:spcPts val="0"/>
+              </a:spcAft>
+              <a:buClr>
+                <a:srgbClr val="000000"/>
+              </a:buClr>
+              <a:buSzPts val="1000"/>
+              <a:buFont typeface="Arial"/>
+              <a:buNone/>
+              <a:defRPr sz="1000" b="0" i="0" u="none" strike="noStrike" cap="none">
                 <a:solidFill>
                   <a:schemeClr val="dk2"/>
                 </a:solidFill>
@@ -2807,23 +2853,23 @@
                 <a:sym typeface="Arial"/>
               </a:defRPr>
             </a:lvl5pPr>
-            <a:lvl6pPr indent="0" lvl="5" marL="0" marR="0" algn="r">
-              <a:lnSpc>
-                <a:spcPct val="100000"/>
-              </a:lnSpc>
-              <a:spcBef>
-                <a:spcPts val="0"/>
-              </a:spcBef>
-              <a:spcAft>
-                <a:spcPts val="0"/>
-              </a:spcAft>
-              <a:buClr>
-                <a:srgbClr val="000000"/>
-              </a:buClr>
-              <a:buSzPts val="1000"/>
-              <a:buFont typeface="Arial"/>
-              <a:buNone/>
-              <a:defRPr b="0" i="0" sz="1000" u="none" cap="none" strike="noStrike">
+            <a:lvl6pPr marL="0" marR="0" lvl="5" indent="0" algn="r">
+              <a:lnSpc>
+                <a:spcPct val="100000"/>
+              </a:lnSpc>
+              <a:spcBef>
+                <a:spcPts val="0"/>
+              </a:spcBef>
+              <a:spcAft>
+                <a:spcPts val="0"/>
+              </a:spcAft>
+              <a:buClr>
+                <a:srgbClr val="000000"/>
+              </a:buClr>
+              <a:buSzPts val="1000"/>
+              <a:buFont typeface="Arial"/>
+              <a:buNone/>
+              <a:defRPr sz="1000" b="0" i="0" u="none" strike="noStrike" cap="none">
                 <a:solidFill>
                   <a:schemeClr val="dk2"/>
                 </a:solidFill>
@@ -2833,23 +2879,23 @@
                 <a:sym typeface="Arial"/>
               </a:defRPr>
             </a:lvl6pPr>
-            <a:lvl7pPr indent="0" lvl="6" marL="0" marR="0" algn="r">
-              <a:lnSpc>
-                <a:spcPct val="100000"/>
-              </a:lnSpc>
-              <a:spcBef>
-                <a:spcPts val="0"/>
-              </a:spcBef>
-              <a:spcAft>
-                <a:spcPts val="0"/>
-              </a:spcAft>
-              <a:buClr>
-                <a:srgbClr val="000000"/>
-              </a:buClr>
-              <a:buSzPts val="1000"/>
-              <a:buFont typeface="Arial"/>
-              <a:buNone/>
-              <a:defRPr b="0" i="0" sz="1000" u="none" cap="none" strike="noStrike">
+            <a:lvl7pPr marL="0" marR="0" lvl="6" indent="0" algn="r">
+              <a:lnSpc>
+                <a:spcPct val="100000"/>
+              </a:lnSpc>
+              <a:spcBef>
+                <a:spcPts val="0"/>
+              </a:spcBef>
+              <a:spcAft>
+                <a:spcPts val="0"/>
+              </a:spcAft>
+              <a:buClr>
+                <a:srgbClr val="000000"/>
+              </a:buClr>
+              <a:buSzPts val="1000"/>
+              <a:buFont typeface="Arial"/>
+              <a:buNone/>
+              <a:defRPr sz="1000" b="0" i="0" u="none" strike="noStrike" cap="none">
                 <a:solidFill>
                   <a:schemeClr val="dk2"/>
                 </a:solidFill>
@@ -2859,23 +2905,23 @@
                 <a:sym typeface="Arial"/>
               </a:defRPr>
             </a:lvl7pPr>
-            <a:lvl8pPr indent="0" lvl="7" marL="0" marR="0" algn="r">
-              <a:lnSpc>
-                <a:spcPct val="100000"/>
-              </a:lnSpc>
-              <a:spcBef>
-                <a:spcPts val="0"/>
-              </a:spcBef>
-              <a:spcAft>
-                <a:spcPts val="0"/>
-              </a:spcAft>
-              <a:buClr>
-                <a:srgbClr val="000000"/>
-              </a:buClr>
-              <a:buSzPts val="1000"/>
-              <a:buFont typeface="Arial"/>
-              <a:buNone/>
-              <a:defRPr b="0" i="0" sz="1000" u="none" cap="none" strike="noStrike">
+            <a:lvl8pPr marL="0" marR="0" lvl="7" indent="0" algn="r">
+              <a:lnSpc>
+                <a:spcPct val="100000"/>
+              </a:lnSpc>
+              <a:spcBef>
+                <a:spcPts val="0"/>
+              </a:spcBef>
+              <a:spcAft>
+                <a:spcPts val="0"/>
+              </a:spcAft>
+              <a:buClr>
+                <a:srgbClr val="000000"/>
+              </a:buClr>
+              <a:buSzPts val="1000"/>
+              <a:buFont typeface="Arial"/>
+              <a:buNone/>
+              <a:defRPr sz="1000" b="0" i="0" u="none" strike="noStrike" cap="none">
                 <a:solidFill>
                   <a:schemeClr val="dk2"/>
                 </a:solidFill>
@@ -2885,23 +2931,23 @@
                 <a:sym typeface="Arial"/>
               </a:defRPr>
             </a:lvl8pPr>
-            <a:lvl9pPr indent="0" lvl="8" marL="0" marR="0" algn="r">
-              <a:lnSpc>
-                <a:spcPct val="100000"/>
-              </a:lnSpc>
-              <a:spcBef>
-                <a:spcPts val="0"/>
-              </a:spcBef>
-              <a:spcAft>
-                <a:spcPts val="0"/>
-              </a:spcAft>
-              <a:buClr>
-                <a:srgbClr val="000000"/>
-              </a:buClr>
-              <a:buSzPts val="1000"/>
-              <a:buFont typeface="Arial"/>
-              <a:buNone/>
-              <a:defRPr b="0" i="0" sz="1000" u="none" cap="none" strike="noStrike">
+            <a:lvl9pPr marL="0" marR="0" lvl="8" indent="0" algn="r">
+              <a:lnSpc>
+                <a:spcPct val="100000"/>
+              </a:lnSpc>
+              <a:spcBef>
+                <a:spcPts val="0"/>
+              </a:spcBef>
+              <a:spcAft>
+                <a:spcPts val="0"/>
+              </a:spcAft>
+              <a:buClr>
+                <a:srgbClr val="000000"/>
+              </a:buClr>
+              <a:buSzPts val="1000"/>
+              <a:buFont typeface="Arial"/>
+              <a:buNone/>
+              <a:defRPr sz="1000" b="0" i="0" u="none" strike="noStrike" cap="none">
                 <a:solidFill>
                   <a:schemeClr val="dk2"/>
                 </a:solidFill>
@@ -2913,7 +2959,7 @@
             </a:lvl9pPr>
           </a:lstStyle>
           <a:p>
-            <a:pPr indent="0" lvl="0" marL="0" rtl="0" algn="r">
+            <a:pPr marL="0" lvl="0" indent="0" algn="r" rtl="0">
               <a:spcBef>
                 <a:spcPts val="0"/>
               </a:spcBef>
@@ -2924,7 +2970,7 @@
             </a:pPr>
             <a:fld id="{00000000-1234-1234-1234-123412341234}" type="slidenum">
               <a:rPr lang="pt-BR"/>
-              <a:t>‹#›</a:t>
+              <a:t>‹nº›</a:t>
             </a:fld>
             <a:endParaRPr/>
           </a:p>
@@ -2939,11 +2985,11 @@
 </file>
 
 <file path=ppt/slideLayouts/slideLayout3.xml><?xml version="1.0" encoding="utf-8"?>
-<p:sldLayout xmlns:a="http://schemas.openxmlformats.org/drawingml/2006/main" xmlns:r="http://schemas.openxmlformats.org/officeDocument/2006/relationships" xmlns:mc="http://schemas.openxmlformats.org/markup-compatibility/2006" xmlns:mv="urn:schemas-microsoft-com:mac:vml" xmlns:p="http://schemas.openxmlformats.org/presentationml/2006/main" xmlns:c="http://schemas.openxmlformats.org/drawingml/2006/chart" xmlns:dgm="http://schemas.openxmlformats.org/drawingml/2006/diagram" xmlns:o="urn:schemas-microsoft-com:office:office" xmlns:v="urn:schemas-microsoft-com:vml" xmlns:pvml="urn:schemas-microsoft-com:office:powerpoint" xmlns:com="http://schemas.openxmlformats.org/drawingml/2006/compatibility" xmlns:p14="http://schemas.microsoft.com/office/powerpoint/2010/main" xmlns:p15="http://schemas.microsoft.com/office/powerpoint/2012/main" xmlns:ahyp="http://schemas.microsoft.com/office/drawing/2018/hyperlinkcolor" matchingName="Title and body" type="tx">
+<p:sldLayout xmlns:a="http://schemas.openxmlformats.org/drawingml/2006/main" xmlns:r="http://schemas.openxmlformats.org/officeDocument/2006/relationships" xmlns:p="http://schemas.openxmlformats.org/presentationml/2006/main" matchingName="Title and body" type="tx">
   <p:cSld name="TITLE_AND_BODY">
     <p:spTree>
       <p:nvGrpSpPr>
-        <p:cNvPr id="16" name="Shape 16"/>
+        <p:cNvPr id="1" name="Shape 16"/>
         <p:cNvGrpSpPr/>
         <p:nvPr/>
       </p:nvGrpSpPr>
@@ -2958,7 +3004,9 @@
       <p:sp>
         <p:nvSpPr>
           <p:cNvPr id="17" name="Google Shape;17;p4"/>
-          <p:cNvSpPr txBox="1"/>
+          <p:cNvSpPr txBox="1">
+            <a:spLocks noGrp="1"/>
+          </p:cNvSpPr>
           <p:nvPr>
             <p:ph type="title"/>
           </p:nvPr>
@@ -2977,7 +3025,7 @@
           </a:ln>
         </p:spPr>
         <p:txBody>
-          <a:bodyPr anchorCtr="0" anchor="t" bIns="91425" lIns="91425" spcFirstLastPara="1" rIns="91425" wrap="square" tIns="91425">
+          <a:bodyPr spcFirstLastPara="1" wrap="square" lIns="91425" tIns="91425" rIns="91425" bIns="91425" anchor="t" anchorCtr="0">
             <a:noAutofit/>
           </a:bodyPr>
           <a:lstStyle>
@@ -3108,15 +3156,19 @@
               <a:defRPr/>
             </a:lvl9pPr>
           </a:lstStyle>
-          <a:p/>
+          <a:p>
+            <a:endParaRPr/>
+          </a:p>
         </p:txBody>
       </p:sp>
       <p:sp>
         <p:nvSpPr>
           <p:cNvPr id="18" name="Google Shape;18;p4"/>
-          <p:cNvSpPr txBox="1"/>
+          <p:cNvSpPr txBox="1">
+            <a:spLocks noGrp="1"/>
+          </p:cNvSpPr>
           <p:nvPr>
-            <p:ph idx="1" type="body"/>
+            <p:ph type="body" idx="1"/>
           </p:nvPr>
         </p:nvSpPr>
         <p:spPr>
@@ -3133,11 +3185,11 @@
           </a:ln>
         </p:spPr>
         <p:txBody>
-          <a:bodyPr anchorCtr="0" anchor="t" bIns="91425" lIns="91425" spcFirstLastPara="1" rIns="91425" wrap="square" tIns="91425">
+          <a:bodyPr spcFirstLastPara="1" wrap="square" lIns="91425" tIns="91425" rIns="91425" bIns="91425" anchor="t" anchorCtr="0">
             <a:noAutofit/>
           </a:bodyPr>
           <a:lstStyle>
-            <a:lvl1pPr indent="-342900" lvl="0" marL="457200" algn="l">
+            <a:lvl1pPr marL="457200" lvl="0" indent="-342900" algn="l">
               <a:lnSpc>
                 <a:spcPct val="115000"/>
               </a:lnSpc>
@@ -3151,7 +3203,7 @@
               <a:buChar char="●"/>
               <a:defRPr/>
             </a:lvl1pPr>
-            <a:lvl2pPr indent="-317500" lvl="1" marL="914400" algn="l">
+            <a:lvl2pPr marL="914400" lvl="1" indent="-317500" algn="l">
               <a:lnSpc>
                 <a:spcPct val="115000"/>
               </a:lnSpc>
@@ -3165,7 +3217,7 @@
               <a:buChar char="○"/>
               <a:defRPr/>
             </a:lvl2pPr>
-            <a:lvl3pPr indent="-317500" lvl="2" marL="1371600" algn="l">
+            <a:lvl3pPr marL="1371600" lvl="2" indent="-317500" algn="l">
               <a:lnSpc>
                 <a:spcPct val="115000"/>
               </a:lnSpc>
@@ -3179,7 +3231,7 @@
               <a:buChar char="■"/>
               <a:defRPr/>
             </a:lvl3pPr>
-            <a:lvl4pPr indent="-317500" lvl="3" marL="1828800" algn="l">
+            <a:lvl4pPr marL="1828800" lvl="3" indent="-317500" algn="l">
               <a:lnSpc>
                 <a:spcPct val="115000"/>
               </a:lnSpc>
@@ -3193,7 +3245,7 @@
               <a:buChar char="●"/>
               <a:defRPr/>
             </a:lvl4pPr>
-            <a:lvl5pPr indent="-317500" lvl="4" marL="2286000" algn="l">
+            <a:lvl5pPr marL="2286000" lvl="4" indent="-317500" algn="l">
               <a:lnSpc>
                 <a:spcPct val="115000"/>
               </a:lnSpc>
@@ -3207,7 +3259,7 @@
               <a:buChar char="○"/>
               <a:defRPr/>
             </a:lvl5pPr>
-            <a:lvl6pPr indent="-317500" lvl="5" marL="2743200" algn="l">
+            <a:lvl6pPr marL="2743200" lvl="5" indent="-317500" algn="l">
               <a:lnSpc>
                 <a:spcPct val="115000"/>
               </a:lnSpc>
@@ -3221,7 +3273,7 @@
               <a:buChar char="■"/>
               <a:defRPr/>
             </a:lvl6pPr>
-            <a:lvl7pPr indent="-317500" lvl="6" marL="3200400" algn="l">
+            <a:lvl7pPr marL="3200400" lvl="6" indent="-317500" algn="l">
               <a:lnSpc>
                 <a:spcPct val="115000"/>
               </a:lnSpc>
@@ -3235,7 +3287,7 @@
               <a:buChar char="●"/>
               <a:defRPr/>
             </a:lvl7pPr>
-            <a:lvl8pPr indent="-317500" lvl="7" marL="3657600" algn="l">
+            <a:lvl8pPr marL="3657600" lvl="7" indent="-317500" algn="l">
               <a:lnSpc>
                 <a:spcPct val="115000"/>
               </a:lnSpc>
@@ -3249,7 +3301,7 @@
               <a:buChar char="○"/>
               <a:defRPr/>
             </a:lvl8pPr>
-            <a:lvl9pPr indent="-317500" lvl="8" marL="4114800" algn="l">
+            <a:lvl9pPr marL="4114800" lvl="8" indent="-317500" algn="l">
               <a:lnSpc>
                 <a:spcPct val="115000"/>
               </a:lnSpc>
@@ -3264,15 +3316,19 @@
               <a:defRPr/>
             </a:lvl9pPr>
           </a:lstStyle>
-          <a:p/>
+          <a:p>
+            <a:endParaRPr/>
+          </a:p>
         </p:txBody>
       </p:sp>
       <p:sp>
         <p:nvSpPr>
           <p:cNvPr id="19" name="Google Shape;19;p4"/>
-          <p:cNvSpPr txBox="1"/>
+          <p:cNvSpPr txBox="1">
+            <a:spLocks noGrp="1"/>
+          </p:cNvSpPr>
           <p:nvPr>
-            <p:ph idx="12" type="sldNum"/>
+            <p:ph type="sldNum" idx="12"/>
           </p:nvPr>
         </p:nvSpPr>
         <p:spPr>
@@ -3289,27 +3345,27 @@
           </a:ln>
         </p:spPr>
         <p:txBody>
-          <a:bodyPr anchorCtr="0" anchor="ctr" bIns="91425" lIns="91425" spcFirstLastPara="1" rIns="91425" wrap="square" tIns="91425">
+          <a:bodyPr spcFirstLastPara="1" wrap="square" lIns="91425" tIns="91425" rIns="91425" bIns="91425" anchor="ctr" anchorCtr="0">
             <a:noAutofit/>
           </a:bodyPr>
           <a:lstStyle>
-            <a:lvl1pPr indent="0" lvl="0" marL="0" marR="0" algn="r">
-              <a:lnSpc>
-                <a:spcPct val="100000"/>
-              </a:lnSpc>
-              <a:spcBef>
-                <a:spcPts val="0"/>
-              </a:spcBef>
-              <a:spcAft>
-                <a:spcPts val="0"/>
-              </a:spcAft>
-              <a:buClr>
-                <a:srgbClr val="000000"/>
-              </a:buClr>
-              <a:buSzPts val="1000"/>
-              <a:buFont typeface="Arial"/>
-              <a:buNone/>
-              <a:defRPr b="0" i="0" sz="1000" u="none" cap="none" strike="noStrike">
+            <a:lvl1pPr marL="0" marR="0" lvl="0" indent="0" algn="r">
+              <a:lnSpc>
+                <a:spcPct val="100000"/>
+              </a:lnSpc>
+              <a:spcBef>
+                <a:spcPts val="0"/>
+              </a:spcBef>
+              <a:spcAft>
+                <a:spcPts val="0"/>
+              </a:spcAft>
+              <a:buClr>
+                <a:srgbClr val="000000"/>
+              </a:buClr>
+              <a:buSzPts val="1000"/>
+              <a:buFont typeface="Arial"/>
+              <a:buNone/>
+              <a:defRPr sz="1000" b="0" i="0" u="none" strike="noStrike" cap="none">
                 <a:solidFill>
                   <a:schemeClr val="dk2"/>
                 </a:solidFill>
@@ -3319,23 +3375,23 @@
                 <a:sym typeface="Arial"/>
               </a:defRPr>
             </a:lvl1pPr>
-            <a:lvl2pPr indent="0" lvl="1" marL="0" marR="0" algn="r">
-              <a:lnSpc>
-                <a:spcPct val="100000"/>
-              </a:lnSpc>
-              <a:spcBef>
-                <a:spcPts val="0"/>
-              </a:spcBef>
-              <a:spcAft>
-                <a:spcPts val="0"/>
-              </a:spcAft>
-              <a:buClr>
-                <a:srgbClr val="000000"/>
-              </a:buClr>
-              <a:buSzPts val="1000"/>
-              <a:buFont typeface="Arial"/>
-              <a:buNone/>
-              <a:defRPr b="0" i="0" sz="1000" u="none" cap="none" strike="noStrike">
+            <a:lvl2pPr marL="0" marR="0" lvl="1" indent="0" algn="r">
+              <a:lnSpc>
+                <a:spcPct val="100000"/>
+              </a:lnSpc>
+              <a:spcBef>
+                <a:spcPts val="0"/>
+              </a:spcBef>
+              <a:spcAft>
+                <a:spcPts val="0"/>
+              </a:spcAft>
+              <a:buClr>
+                <a:srgbClr val="000000"/>
+              </a:buClr>
+              <a:buSzPts val="1000"/>
+              <a:buFont typeface="Arial"/>
+              <a:buNone/>
+              <a:defRPr sz="1000" b="0" i="0" u="none" strike="noStrike" cap="none">
                 <a:solidFill>
                   <a:schemeClr val="dk2"/>
                 </a:solidFill>
@@ -3345,23 +3401,23 @@
                 <a:sym typeface="Arial"/>
               </a:defRPr>
             </a:lvl2pPr>
-            <a:lvl3pPr indent="0" lvl="2" marL="0" marR="0" algn="r">
-              <a:lnSpc>
-                <a:spcPct val="100000"/>
-              </a:lnSpc>
-              <a:spcBef>
-                <a:spcPts val="0"/>
-              </a:spcBef>
-              <a:spcAft>
-                <a:spcPts val="0"/>
-              </a:spcAft>
-              <a:buClr>
-                <a:srgbClr val="000000"/>
-              </a:buClr>
-              <a:buSzPts val="1000"/>
-              <a:buFont typeface="Arial"/>
-              <a:buNone/>
-              <a:defRPr b="0" i="0" sz="1000" u="none" cap="none" strike="noStrike">
+            <a:lvl3pPr marL="0" marR="0" lvl="2" indent="0" algn="r">
+              <a:lnSpc>
+                <a:spcPct val="100000"/>
+              </a:lnSpc>
+              <a:spcBef>
+                <a:spcPts val="0"/>
+              </a:spcBef>
+              <a:spcAft>
+                <a:spcPts val="0"/>
+              </a:spcAft>
+              <a:buClr>
+                <a:srgbClr val="000000"/>
+              </a:buClr>
+              <a:buSzPts val="1000"/>
+              <a:buFont typeface="Arial"/>
+              <a:buNone/>
+              <a:defRPr sz="1000" b="0" i="0" u="none" strike="noStrike" cap="none">
                 <a:solidFill>
                   <a:schemeClr val="dk2"/>
                 </a:solidFill>
@@ -3371,23 +3427,23 @@
                 <a:sym typeface="Arial"/>
               </a:defRPr>
             </a:lvl3pPr>
-            <a:lvl4pPr indent="0" lvl="3" marL="0" marR="0" algn="r">
-              <a:lnSpc>
-                <a:spcPct val="100000"/>
-              </a:lnSpc>
-              <a:spcBef>
-                <a:spcPts val="0"/>
-              </a:spcBef>
-              <a:spcAft>
-                <a:spcPts val="0"/>
-              </a:spcAft>
-              <a:buClr>
-                <a:srgbClr val="000000"/>
-              </a:buClr>
-              <a:buSzPts val="1000"/>
-              <a:buFont typeface="Arial"/>
-              <a:buNone/>
-              <a:defRPr b="0" i="0" sz="1000" u="none" cap="none" strike="noStrike">
+            <a:lvl4pPr marL="0" marR="0" lvl="3" indent="0" algn="r">
+              <a:lnSpc>
+                <a:spcPct val="100000"/>
+              </a:lnSpc>
+              <a:spcBef>
+                <a:spcPts val="0"/>
+              </a:spcBef>
+              <a:spcAft>
+                <a:spcPts val="0"/>
+              </a:spcAft>
+              <a:buClr>
+                <a:srgbClr val="000000"/>
+              </a:buClr>
+              <a:buSzPts val="1000"/>
+              <a:buFont typeface="Arial"/>
+              <a:buNone/>
+              <a:defRPr sz="1000" b="0" i="0" u="none" strike="noStrike" cap="none">
                 <a:solidFill>
                   <a:schemeClr val="dk2"/>
                 </a:solidFill>
@@ -3397,23 +3453,23 @@
                 <a:sym typeface="Arial"/>
               </a:defRPr>
             </a:lvl4pPr>
-            <a:lvl5pPr indent="0" lvl="4" marL="0" marR="0" algn="r">
-              <a:lnSpc>
-                <a:spcPct val="100000"/>
-              </a:lnSpc>
-              <a:spcBef>
-                <a:spcPts val="0"/>
-              </a:spcBef>
-              <a:spcAft>
-                <a:spcPts val="0"/>
-              </a:spcAft>
-              <a:buClr>
-                <a:srgbClr val="000000"/>
-              </a:buClr>
-              <a:buSzPts val="1000"/>
-              <a:buFont typeface="Arial"/>
-              <a:buNone/>
-              <a:defRPr b="0" i="0" sz="1000" u="none" cap="none" strike="noStrike">
+            <a:lvl5pPr marL="0" marR="0" lvl="4" indent="0" algn="r">
+              <a:lnSpc>
+                <a:spcPct val="100000"/>
+              </a:lnSpc>
+              <a:spcBef>
+                <a:spcPts val="0"/>
+              </a:spcBef>
+              <a:spcAft>
+                <a:spcPts val="0"/>
+              </a:spcAft>
+              <a:buClr>
+                <a:srgbClr val="000000"/>
+              </a:buClr>
+              <a:buSzPts val="1000"/>
+              <a:buFont typeface="Arial"/>
+              <a:buNone/>
+              <a:defRPr sz="1000" b="0" i="0" u="none" strike="noStrike" cap="none">
                 <a:solidFill>
                   <a:schemeClr val="dk2"/>
                 </a:solidFill>
@@ -3423,23 +3479,23 @@
                 <a:sym typeface="Arial"/>
               </a:defRPr>
             </a:lvl5pPr>
-            <a:lvl6pPr indent="0" lvl="5" marL="0" marR="0" algn="r">
-              <a:lnSpc>
-                <a:spcPct val="100000"/>
-              </a:lnSpc>
-              <a:spcBef>
-                <a:spcPts val="0"/>
-              </a:spcBef>
-              <a:spcAft>
-                <a:spcPts val="0"/>
-              </a:spcAft>
-              <a:buClr>
-                <a:srgbClr val="000000"/>
-              </a:buClr>
-              <a:buSzPts val="1000"/>
-              <a:buFont typeface="Arial"/>
-              <a:buNone/>
-              <a:defRPr b="0" i="0" sz="1000" u="none" cap="none" strike="noStrike">
+            <a:lvl6pPr marL="0" marR="0" lvl="5" indent="0" algn="r">
+              <a:lnSpc>
+                <a:spcPct val="100000"/>
+              </a:lnSpc>
+              <a:spcBef>
+                <a:spcPts val="0"/>
+              </a:spcBef>
+              <a:spcAft>
+                <a:spcPts val="0"/>
+              </a:spcAft>
+              <a:buClr>
+                <a:srgbClr val="000000"/>
+              </a:buClr>
+              <a:buSzPts val="1000"/>
+              <a:buFont typeface="Arial"/>
+              <a:buNone/>
+              <a:defRPr sz="1000" b="0" i="0" u="none" strike="noStrike" cap="none">
                 <a:solidFill>
                   <a:schemeClr val="dk2"/>
                 </a:solidFill>
@@ -3449,23 +3505,23 @@
                 <a:sym typeface="Arial"/>
               </a:defRPr>
             </a:lvl6pPr>
-            <a:lvl7pPr indent="0" lvl="6" marL="0" marR="0" algn="r">
-              <a:lnSpc>
-                <a:spcPct val="100000"/>
-              </a:lnSpc>
-              <a:spcBef>
-                <a:spcPts val="0"/>
-              </a:spcBef>
-              <a:spcAft>
-                <a:spcPts val="0"/>
-              </a:spcAft>
-              <a:buClr>
-                <a:srgbClr val="000000"/>
-              </a:buClr>
-              <a:buSzPts val="1000"/>
-              <a:buFont typeface="Arial"/>
-              <a:buNone/>
-              <a:defRPr b="0" i="0" sz="1000" u="none" cap="none" strike="noStrike">
+            <a:lvl7pPr marL="0" marR="0" lvl="6" indent="0" algn="r">
+              <a:lnSpc>
+                <a:spcPct val="100000"/>
+              </a:lnSpc>
+              <a:spcBef>
+                <a:spcPts val="0"/>
+              </a:spcBef>
+              <a:spcAft>
+                <a:spcPts val="0"/>
+              </a:spcAft>
+              <a:buClr>
+                <a:srgbClr val="000000"/>
+              </a:buClr>
+              <a:buSzPts val="1000"/>
+              <a:buFont typeface="Arial"/>
+              <a:buNone/>
+              <a:defRPr sz="1000" b="0" i="0" u="none" strike="noStrike" cap="none">
                 <a:solidFill>
                   <a:schemeClr val="dk2"/>
                 </a:solidFill>
@@ -3475,23 +3531,23 @@
                 <a:sym typeface="Arial"/>
               </a:defRPr>
             </a:lvl7pPr>
-            <a:lvl8pPr indent="0" lvl="7" marL="0" marR="0" algn="r">
-              <a:lnSpc>
-                <a:spcPct val="100000"/>
-              </a:lnSpc>
-              <a:spcBef>
-                <a:spcPts val="0"/>
-              </a:spcBef>
-              <a:spcAft>
-                <a:spcPts val="0"/>
-              </a:spcAft>
-              <a:buClr>
-                <a:srgbClr val="000000"/>
-              </a:buClr>
-              <a:buSzPts val="1000"/>
-              <a:buFont typeface="Arial"/>
-              <a:buNone/>
-              <a:defRPr b="0" i="0" sz="1000" u="none" cap="none" strike="noStrike">
+            <a:lvl8pPr marL="0" marR="0" lvl="7" indent="0" algn="r">
+              <a:lnSpc>
+                <a:spcPct val="100000"/>
+              </a:lnSpc>
+              <a:spcBef>
+                <a:spcPts val="0"/>
+              </a:spcBef>
+              <a:spcAft>
+                <a:spcPts val="0"/>
+              </a:spcAft>
+              <a:buClr>
+                <a:srgbClr val="000000"/>
+              </a:buClr>
+              <a:buSzPts val="1000"/>
+              <a:buFont typeface="Arial"/>
+              <a:buNone/>
+              <a:defRPr sz="1000" b="0" i="0" u="none" strike="noStrike" cap="none">
                 <a:solidFill>
                   <a:schemeClr val="dk2"/>
                 </a:solidFill>
@@ -3501,23 +3557,23 @@
                 <a:sym typeface="Arial"/>
               </a:defRPr>
             </a:lvl8pPr>
-            <a:lvl9pPr indent="0" lvl="8" marL="0" marR="0" algn="r">
-              <a:lnSpc>
-                <a:spcPct val="100000"/>
-              </a:lnSpc>
-              <a:spcBef>
-                <a:spcPts val="0"/>
-              </a:spcBef>
-              <a:spcAft>
-                <a:spcPts val="0"/>
-              </a:spcAft>
-              <a:buClr>
-                <a:srgbClr val="000000"/>
-              </a:buClr>
-              <a:buSzPts val="1000"/>
-              <a:buFont typeface="Arial"/>
-              <a:buNone/>
-              <a:defRPr b="0" i="0" sz="1000" u="none" cap="none" strike="noStrike">
+            <a:lvl9pPr marL="0" marR="0" lvl="8" indent="0" algn="r">
+              <a:lnSpc>
+                <a:spcPct val="100000"/>
+              </a:lnSpc>
+              <a:spcBef>
+                <a:spcPts val="0"/>
+              </a:spcBef>
+              <a:spcAft>
+                <a:spcPts val="0"/>
+              </a:spcAft>
+              <a:buClr>
+                <a:srgbClr val="000000"/>
+              </a:buClr>
+              <a:buSzPts val="1000"/>
+              <a:buFont typeface="Arial"/>
+              <a:buNone/>
+              <a:defRPr sz="1000" b="0" i="0" u="none" strike="noStrike" cap="none">
                 <a:solidFill>
                   <a:schemeClr val="dk2"/>
                 </a:solidFill>
@@ -3529,7 +3585,7 @@
             </a:lvl9pPr>
           </a:lstStyle>
           <a:p>
-            <a:pPr indent="0" lvl="0" marL="0" rtl="0" algn="r">
+            <a:pPr marL="0" lvl="0" indent="0" algn="r" rtl="0">
               <a:spcBef>
                 <a:spcPts val="0"/>
               </a:spcBef>
@@ -3540,7 +3596,7 @@
             </a:pPr>
             <a:fld id="{00000000-1234-1234-1234-123412341234}" type="slidenum">
               <a:rPr lang="pt-BR"/>
-              <a:t>‹#›</a:t>
+              <a:t>‹nº›</a:t>
             </a:fld>
             <a:endParaRPr/>
           </a:p>
@@ -3555,11 +3611,11 @@
 </file>
 
 <file path=ppt/slideLayouts/slideLayout4.xml><?xml version="1.0" encoding="utf-8"?>
-<p:sldLayout xmlns:a="http://schemas.openxmlformats.org/drawingml/2006/main" xmlns:r="http://schemas.openxmlformats.org/officeDocument/2006/relationships" xmlns:mc="http://schemas.openxmlformats.org/markup-compatibility/2006" xmlns:mv="urn:schemas-microsoft-com:mac:vml" xmlns:p="http://schemas.openxmlformats.org/presentationml/2006/main" xmlns:c="http://schemas.openxmlformats.org/drawingml/2006/chart" xmlns:dgm="http://schemas.openxmlformats.org/drawingml/2006/diagram" xmlns:o="urn:schemas-microsoft-com:office:office" xmlns:v="urn:schemas-microsoft-com:vml" xmlns:pvml="urn:schemas-microsoft-com:office:powerpoint" xmlns:com="http://schemas.openxmlformats.org/drawingml/2006/compatibility" xmlns:p14="http://schemas.microsoft.com/office/powerpoint/2010/main" xmlns:p15="http://schemas.microsoft.com/office/powerpoint/2012/main" xmlns:ahyp="http://schemas.microsoft.com/office/drawing/2018/hyperlinkcolor" matchingName="Title and two columns" type="twoColTx">
+<p:sldLayout xmlns:a="http://schemas.openxmlformats.org/drawingml/2006/main" xmlns:r="http://schemas.openxmlformats.org/officeDocument/2006/relationships" xmlns:p="http://schemas.openxmlformats.org/presentationml/2006/main" matchingName="Title and two columns" type="twoColTx">
   <p:cSld name="TITLE_AND_TWO_COLUMNS">
     <p:spTree>
       <p:nvGrpSpPr>
-        <p:cNvPr id="20" name="Shape 20"/>
+        <p:cNvPr id="1" name="Shape 20"/>
         <p:cNvGrpSpPr/>
         <p:nvPr/>
       </p:nvGrpSpPr>
@@ -3574,7 +3630,9 @@
       <p:sp>
         <p:nvSpPr>
           <p:cNvPr id="21" name="Google Shape;21;p5"/>
-          <p:cNvSpPr txBox="1"/>
+          <p:cNvSpPr txBox="1">
+            <a:spLocks noGrp="1"/>
+          </p:cNvSpPr>
           <p:nvPr>
             <p:ph type="title"/>
           </p:nvPr>
@@ -3593,7 +3651,7 @@
           </a:ln>
         </p:spPr>
         <p:txBody>
-          <a:bodyPr anchorCtr="0" anchor="t" bIns="91425" lIns="91425" spcFirstLastPara="1" rIns="91425" wrap="square" tIns="91425">
+          <a:bodyPr spcFirstLastPara="1" wrap="square" lIns="91425" tIns="91425" rIns="91425" bIns="91425" anchor="t" anchorCtr="0">
             <a:noAutofit/>
           </a:bodyPr>
           <a:lstStyle>
@@ -3724,15 +3782,19 @@
               <a:defRPr/>
             </a:lvl9pPr>
           </a:lstStyle>
-          <a:p/>
+          <a:p>
+            <a:endParaRPr/>
+          </a:p>
         </p:txBody>
       </p:sp>
       <p:sp>
         <p:nvSpPr>
           <p:cNvPr id="22" name="Google Shape;22;p5"/>
-          <p:cNvSpPr txBox="1"/>
+          <p:cNvSpPr txBox="1">
+            <a:spLocks noGrp="1"/>
+          </p:cNvSpPr>
           <p:nvPr>
-            <p:ph idx="1" type="body"/>
+            <p:ph type="body" idx="1"/>
           </p:nvPr>
         </p:nvSpPr>
         <p:spPr>
@@ -3749,11 +3811,11 @@
           </a:ln>
         </p:spPr>
         <p:txBody>
-          <a:bodyPr anchorCtr="0" anchor="t" bIns="91425" lIns="91425" spcFirstLastPara="1" rIns="91425" wrap="square" tIns="91425">
+          <a:bodyPr spcFirstLastPara="1" wrap="square" lIns="91425" tIns="91425" rIns="91425" bIns="91425" anchor="t" anchorCtr="0">
             <a:noAutofit/>
           </a:bodyPr>
           <a:lstStyle>
-            <a:lvl1pPr indent="-317500" lvl="0" marL="457200" algn="l">
+            <a:lvl1pPr marL="457200" lvl="0" indent="-317500" algn="l">
               <a:lnSpc>
                 <a:spcPct val="115000"/>
               </a:lnSpc>
@@ -3767,7 +3829,7 @@
               <a:buChar char="●"/>
               <a:defRPr sz="1400"/>
             </a:lvl1pPr>
-            <a:lvl2pPr indent="-304800" lvl="1" marL="914400" algn="l">
+            <a:lvl2pPr marL="914400" lvl="1" indent="-304800" algn="l">
               <a:lnSpc>
                 <a:spcPct val="115000"/>
               </a:lnSpc>
@@ -3781,7 +3843,7 @@
               <a:buChar char="○"/>
               <a:defRPr sz="1200"/>
             </a:lvl2pPr>
-            <a:lvl3pPr indent="-304800" lvl="2" marL="1371600" algn="l">
+            <a:lvl3pPr marL="1371600" lvl="2" indent="-304800" algn="l">
               <a:lnSpc>
                 <a:spcPct val="115000"/>
               </a:lnSpc>
@@ -3795,7 +3857,7 @@
               <a:buChar char="■"/>
               <a:defRPr sz="1200"/>
             </a:lvl3pPr>
-            <a:lvl4pPr indent="-304800" lvl="3" marL="1828800" algn="l">
+            <a:lvl4pPr marL="1828800" lvl="3" indent="-304800" algn="l">
               <a:lnSpc>
                 <a:spcPct val="115000"/>
               </a:lnSpc>
@@ -3809,7 +3871,7 @@
               <a:buChar char="●"/>
               <a:defRPr sz="1200"/>
             </a:lvl4pPr>
-            <a:lvl5pPr indent="-304800" lvl="4" marL="2286000" algn="l">
+            <a:lvl5pPr marL="2286000" lvl="4" indent="-304800" algn="l">
               <a:lnSpc>
                 <a:spcPct val="115000"/>
               </a:lnSpc>
@@ -3823,7 +3885,7 @@
               <a:buChar char="○"/>
               <a:defRPr sz="1200"/>
             </a:lvl5pPr>
-            <a:lvl6pPr indent="-304800" lvl="5" marL="2743200" algn="l">
+            <a:lvl6pPr marL="2743200" lvl="5" indent="-304800" algn="l">
               <a:lnSpc>
                 <a:spcPct val="115000"/>
               </a:lnSpc>
@@ -3837,7 +3899,7 @@
               <a:buChar char="■"/>
               <a:defRPr sz="1200"/>
             </a:lvl6pPr>
-            <a:lvl7pPr indent="-304800" lvl="6" marL="3200400" algn="l">
+            <a:lvl7pPr marL="3200400" lvl="6" indent="-304800" algn="l">
               <a:lnSpc>
                 <a:spcPct val="115000"/>
               </a:lnSpc>
@@ -3851,7 +3913,7 @@
               <a:buChar char="●"/>
               <a:defRPr sz="1200"/>
             </a:lvl7pPr>
-            <a:lvl8pPr indent="-304800" lvl="7" marL="3657600" algn="l">
+            <a:lvl8pPr marL="3657600" lvl="7" indent="-304800" algn="l">
               <a:lnSpc>
                 <a:spcPct val="115000"/>
               </a:lnSpc>
@@ -3865,7 +3927,7 @@
               <a:buChar char="○"/>
               <a:defRPr sz="1200"/>
             </a:lvl8pPr>
-            <a:lvl9pPr indent="-304800" lvl="8" marL="4114800" algn="l">
+            <a:lvl9pPr marL="4114800" lvl="8" indent="-304800" algn="l">
               <a:lnSpc>
                 <a:spcPct val="115000"/>
               </a:lnSpc>
@@ -3880,15 +3942,19 @@
               <a:defRPr sz="1200"/>
             </a:lvl9pPr>
           </a:lstStyle>
-          <a:p/>
+          <a:p>
+            <a:endParaRPr/>
+          </a:p>
         </p:txBody>
       </p:sp>
       <p:sp>
         <p:nvSpPr>
           <p:cNvPr id="23" name="Google Shape;23;p5"/>
-          <p:cNvSpPr txBox="1"/>
+          <p:cNvSpPr txBox="1">
+            <a:spLocks noGrp="1"/>
+          </p:cNvSpPr>
           <p:nvPr>
-            <p:ph idx="2" type="body"/>
+            <p:ph type="body" idx="2"/>
           </p:nvPr>
         </p:nvSpPr>
         <p:spPr>
@@ -3905,11 +3971,11 @@
           </a:ln>
         </p:spPr>
         <p:txBody>
-          <a:bodyPr anchorCtr="0" anchor="t" bIns="91425" lIns="91425" spcFirstLastPara="1" rIns="91425" wrap="square" tIns="91425">
+          <a:bodyPr spcFirstLastPara="1" wrap="square" lIns="91425" tIns="91425" rIns="91425" bIns="91425" anchor="t" anchorCtr="0">
             <a:noAutofit/>
           </a:bodyPr>
           <a:lstStyle>
-            <a:lvl1pPr indent="-317500" lvl="0" marL="457200" algn="l">
+            <a:lvl1pPr marL="457200" lvl="0" indent="-317500" algn="l">
               <a:lnSpc>
                 <a:spcPct val="115000"/>
               </a:lnSpc>
@@ -3923,7 +3989,7 @@
               <a:buChar char="●"/>
               <a:defRPr sz="1400"/>
             </a:lvl1pPr>
-            <a:lvl2pPr indent="-304800" lvl="1" marL="914400" algn="l">
+            <a:lvl2pPr marL="914400" lvl="1" indent="-304800" algn="l">
               <a:lnSpc>
                 <a:spcPct val="115000"/>
               </a:lnSpc>
@@ -3937,7 +4003,7 @@
               <a:buChar char="○"/>
               <a:defRPr sz="1200"/>
             </a:lvl2pPr>
-            <a:lvl3pPr indent="-304800" lvl="2" marL="1371600" algn="l">
+            <a:lvl3pPr marL="1371600" lvl="2" indent="-304800" algn="l">
               <a:lnSpc>
                 <a:spcPct val="115000"/>
               </a:lnSpc>
@@ -3951,7 +4017,7 @@
               <a:buChar char="■"/>
               <a:defRPr sz="1200"/>
             </a:lvl3pPr>
-            <a:lvl4pPr indent="-304800" lvl="3" marL="1828800" algn="l">
+            <a:lvl4pPr marL="1828800" lvl="3" indent="-304800" algn="l">
               <a:lnSpc>
                 <a:spcPct val="115000"/>
               </a:lnSpc>
@@ -3965,7 +4031,7 @@
               <a:buChar char="●"/>
               <a:defRPr sz="1200"/>
             </a:lvl4pPr>
-            <a:lvl5pPr indent="-304800" lvl="4" marL="2286000" algn="l">
+            <a:lvl5pPr marL="2286000" lvl="4" indent="-304800" algn="l">
               <a:lnSpc>
                 <a:spcPct val="115000"/>
               </a:lnSpc>
@@ -3979,7 +4045,7 @@
               <a:buChar char="○"/>
               <a:defRPr sz="1200"/>
             </a:lvl5pPr>
-            <a:lvl6pPr indent="-304800" lvl="5" marL="2743200" algn="l">
+            <a:lvl6pPr marL="2743200" lvl="5" indent="-304800" algn="l">
               <a:lnSpc>
                 <a:spcPct val="115000"/>
               </a:lnSpc>
@@ -3993,7 +4059,7 @@
               <a:buChar char="■"/>
               <a:defRPr sz="1200"/>
             </a:lvl6pPr>
-            <a:lvl7pPr indent="-304800" lvl="6" marL="3200400" algn="l">
+            <a:lvl7pPr marL="3200400" lvl="6" indent="-304800" algn="l">
               <a:lnSpc>
                 <a:spcPct val="115000"/>
               </a:lnSpc>
@@ -4007,7 +4073,7 @@
               <a:buChar char="●"/>
               <a:defRPr sz="1200"/>
             </a:lvl7pPr>
-            <a:lvl8pPr indent="-304800" lvl="7" marL="3657600" algn="l">
+            <a:lvl8pPr marL="3657600" lvl="7" indent="-304800" algn="l">
               <a:lnSpc>
                 <a:spcPct val="115000"/>
               </a:lnSpc>
@@ -4021,7 +4087,7 @@
               <a:buChar char="○"/>
               <a:defRPr sz="1200"/>
             </a:lvl8pPr>
-            <a:lvl9pPr indent="-304800" lvl="8" marL="4114800" algn="l">
+            <a:lvl9pPr marL="4114800" lvl="8" indent="-304800" algn="l">
               <a:lnSpc>
                 <a:spcPct val="115000"/>
               </a:lnSpc>
@@ -4036,15 +4102,19 @@
               <a:defRPr sz="1200"/>
             </a:lvl9pPr>
           </a:lstStyle>
-          <a:p/>
+          <a:p>
+            <a:endParaRPr/>
+          </a:p>
         </p:txBody>
       </p:sp>
       <p:sp>
         <p:nvSpPr>
           <p:cNvPr id="24" name="Google Shape;24;p5"/>
-          <p:cNvSpPr txBox="1"/>
+          <p:cNvSpPr txBox="1">
+            <a:spLocks noGrp="1"/>
+          </p:cNvSpPr>
           <p:nvPr>
-            <p:ph idx="12" type="sldNum"/>
+            <p:ph type="sldNum" idx="12"/>
           </p:nvPr>
         </p:nvSpPr>
         <p:spPr>
@@ -4061,27 +4131,27 @@
           </a:ln>
         </p:spPr>
         <p:txBody>
-          <a:bodyPr anchorCtr="0" anchor="ctr" bIns="91425" lIns="91425" spcFirstLastPara="1" rIns="91425" wrap="square" tIns="91425">
+          <a:bodyPr spcFirstLastPara="1" wrap="square" lIns="91425" tIns="91425" rIns="91425" bIns="91425" anchor="ctr" anchorCtr="0">
             <a:noAutofit/>
           </a:bodyPr>
           <a:lstStyle>
-            <a:lvl1pPr indent="0" lvl="0" marL="0" marR="0" algn="r">
-              <a:lnSpc>
-                <a:spcPct val="100000"/>
-              </a:lnSpc>
-              <a:spcBef>
-                <a:spcPts val="0"/>
-              </a:spcBef>
-              <a:spcAft>
-                <a:spcPts val="0"/>
-              </a:spcAft>
-              <a:buClr>
-                <a:srgbClr val="000000"/>
-              </a:buClr>
-              <a:buSzPts val="1000"/>
-              <a:buFont typeface="Arial"/>
-              <a:buNone/>
-              <a:defRPr b="0" i="0" sz="1000" u="none" cap="none" strike="noStrike">
+            <a:lvl1pPr marL="0" marR="0" lvl="0" indent="0" algn="r">
+              <a:lnSpc>
+                <a:spcPct val="100000"/>
+              </a:lnSpc>
+              <a:spcBef>
+                <a:spcPts val="0"/>
+              </a:spcBef>
+              <a:spcAft>
+                <a:spcPts val="0"/>
+              </a:spcAft>
+              <a:buClr>
+                <a:srgbClr val="000000"/>
+              </a:buClr>
+              <a:buSzPts val="1000"/>
+              <a:buFont typeface="Arial"/>
+              <a:buNone/>
+              <a:defRPr sz="1000" b="0" i="0" u="none" strike="noStrike" cap="none">
                 <a:solidFill>
                   <a:schemeClr val="dk2"/>
                 </a:solidFill>
@@ -4091,23 +4161,23 @@
                 <a:sym typeface="Arial"/>
               </a:defRPr>
             </a:lvl1pPr>
-            <a:lvl2pPr indent="0" lvl="1" marL="0" marR="0" algn="r">
-              <a:lnSpc>
-                <a:spcPct val="100000"/>
-              </a:lnSpc>
-              <a:spcBef>
-                <a:spcPts val="0"/>
-              </a:spcBef>
-              <a:spcAft>
-                <a:spcPts val="0"/>
-              </a:spcAft>
-              <a:buClr>
-                <a:srgbClr val="000000"/>
-              </a:buClr>
-              <a:buSzPts val="1000"/>
-              <a:buFont typeface="Arial"/>
-              <a:buNone/>
-              <a:defRPr b="0" i="0" sz="1000" u="none" cap="none" strike="noStrike">
+            <a:lvl2pPr marL="0" marR="0" lvl="1" indent="0" algn="r">
+              <a:lnSpc>
+                <a:spcPct val="100000"/>
+              </a:lnSpc>
+              <a:spcBef>
+                <a:spcPts val="0"/>
+              </a:spcBef>
+              <a:spcAft>
+                <a:spcPts val="0"/>
+              </a:spcAft>
+              <a:buClr>
+                <a:srgbClr val="000000"/>
+              </a:buClr>
+              <a:buSzPts val="1000"/>
+              <a:buFont typeface="Arial"/>
+              <a:buNone/>
+              <a:defRPr sz="1000" b="0" i="0" u="none" strike="noStrike" cap="none">
                 <a:solidFill>
                   <a:schemeClr val="dk2"/>
                 </a:solidFill>
@@ -4117,23 +4187,23 @@
                 <a:sym typeface="Arial"/>
               </a:defRPr>
             </a:lvl2pPr>
-            <a:lvl3pPr indent="0" lvl="2" marL="0" marR="0" algn="r">
-              <a:lnSpc>
-                <a:spcPct val="100000"/>
-              </a:lnSpc>
-              <a:spcBef>
-                <a:spcPts val="0"/>
-              </a:spcBef>
-              <a:spcAft>
-                <a:spcPts val="0"/>
-              </a:spcAft>
-              <a:buClr>
-                <a:srgbClr val="000000"/>
-              </a:buClr>
-              <a:buSzPts val="1000"/>
-              <a:buFont typeface="Arial"/>
-              <a:buNone/>
-              <a:defRPr b="0" i="0" sz="1000" u="none" cap="none" strike="noStrike">
+            <a:lvl3pPr marL="0" marR="0" lvl="2" indent="0" algn="r">
+              <a:lnSpc>
+                <a:spcPct val="100000"/>
+              </a:lnSpc>
+              <a:spcBef>
+                <a:spcPts val="0"/>
+              </a:spcBef>
+              <a:spcAft>
+                <a:spcPts val="0"/>
+              </a:spcAft>
+              <a:buClr>
+                <a:srgbClr val="000000"/>
+              </a:buClr>
+              <a:buSzPts val="1000"/>
+              <a:buFont typeface="Arial"/>
+              <a:buNone/>
+              <a:defRPr sz="1000" b="0" i="0" u="none" strike="noStrike" cap="none">
                 <a:solidFill>
                   <a:schemeClr val="dk2"/>
                 </a:solidFill>
@@ -4143,23 +4213,23 @@
                 <a:sym typeface="Arial"/>
               </a:defRPr>
             </a:lvl3pPr>
-            <a:lvl4pPr indent="0" lvl="3" marL="0" marR="0" algn="r">
-              <a:lnSpc>
-                <a:spcPct val="100000"/>
-              </a:lnSpc>
-              <a:spcBef>
-                <a:spcPts val="0"/>
-              </a:spcBef>
-              <a:spcAft>
-                <a:spcPts val="0"/>
-              </a:spcAft>
-              <a:buClr>
-                <a:srgbClr val="000000"/>
-              </a:buClr>
-              <a:buSzPts val="1000"/>
-              <a:buFont typeface="Arial"/>
-              <a:buNone/>
-              <a:defRPr b="0" i="0" sz="1000" u="none" cap="none" strike="noStrike">
+            <a:lvl4pPr marL="0" marR="0" lvl="3" indent="0" algn="r">
+              <a:lnSpc>
+                <a:spcPct val="100000"/>
+              </a:lnSpc>
+              <a:spcBef>
+                <a:spcPts val="0"/>
+              </a:spcBef>
+              <a:spcAft>
+                <a:spcPts val="0"/>
+              </a:spcAft>
+              <a:buClr>
+                <a:srgbClr val="000000"/>
+              </a:buClr>
+              <a:buSzPts val="1000"/>
+              <a:buFont typeface="Arial"/>
+              <a:buNone/>
+              <a:defRPr sz="1000" b="0" i="0" u="none" strike="noStrike" cap="none">
                 <a:solidFill>
                   <a:schemeClr val="dk2"/>
                 </a:solidFill>
@@ -4169,23 +4239,23 @@
                 <a:sym typeface="Arial"/>
               </a:defRPr>
             </a:lvl4pPr>
-            <a:lvl5pPr indent="0" lvl="4" marL="0" marR="0" algn="r">
-              <a:lnSpc>
-                <a:spcPct val="100000"/>
-              </a:lnSpc>
-              <a:spcBef>
-                <a:spcPts val="0"/>
-              </a:spcBef>
-              <a:spcAft>
-                <a:spcPts val="0"/>
-              </a:spcAft>
-              <a:buClr>
-                <a:srgbClr val="000000"/>
-              </a:buClr>
-              <a:buSzPts val="1000"/>
-              <a:buFont typeface="Arial"/>
-              <a:buNone/>
-              <a:defRPr b="0" i="0" sz="1000" u="none" cap="none" strike="noStrike">
+            <a:lvl5pPr marL="0" marR="0" lvl="4" indent="0" algn="r">
+              <a:lnSpc>
+                <a:spcPct val="100000"/>
+              </a:lnSpc>
+              <a:spcBef>
+                <a:spcPts val="0"/>
+              </a:spcBef>
+              <a:spcAft>
+                <a:spcPts val="0"/>
+              </a:spcAft>
+              <a:buClr>
+                <a:srgbClr val="000000"/>
+              </a:buClr>
+              <a:buSzPts val="1000"/>
+              <a:buFont typeface="Arial"/>
+              <a:buNone/>
+              <a:defRPr sz="1000" b="0" i="0" u="none" strike="noStrike" cap="none">
                 <a:solidFill>
                   <a:schemeClr val="dk2"/>
                 </a:solidFill>
@@ -4195,23 +4265,23 @@
                 <a:sym typeface="Arial"/>
               </a:defRPr>
             </a:lvl5pPr>
-            <a:lvl6pPr indent="0" lvl="5" marL="0" marR="0" algn="r">
-              <a:lnSpc>
-                <a:spcPct val="100000"/>
-              </a:lnSpc>
-              <a:spcBef>
-                <a:spcPts val="0"/>
-              </a:spcBef>
-              <a:spcAft>
-                <a:spcPts val="0"/>
-              </a:spcAft>
-              <a:buClr>
-                <a:srgbClr val="000000"/>
-              </a:buClr>
-              <a:buSzPts val="1000"/>
-              <a:buFont typeface="Arial"/>
-              <a:buNone/>
-              <a:defRPr b="0" i="0" sz="1000" u="none" cap="none" strike="noStrike">
+            <a:lvl6pPr marL="0" marR="0" lvl="5" indent="0" algn="r">
+              <a:lnSpc>
+                <a:spcPct val="100000"/>
+              </a:lnSpc>
+              <a:spcBef>
+                <a:spcPts val="0"/>
+              </a:spcBef>
+              <a:spcAft>
+                <a:spcPts val="0"/>
+              </a:spcAft>
+              <a:buClr>
+                <a:srgbClr val="000000"/>
+              </a:buClr>
+              <a:buSzPts val="1000"/>
+              <a:buFont typeface="Arial"/>
+              <a:buNone/>
+              <a:defRPr sz="1000" b="0" i="0" u="none" strike="noStrike" cap="none">
                 <a:solidFill>
                   <a:schemeClr val="dk2"/>
                 </a:solidFill>
@@ -4221,23 +4291,23 @@
                 <a:sym typeface="Arial"/>
               </a:defRPr>
             </a:lvl6pPr>
-            <a:lvl7pPr indent="0" lvl="6" marL="0" marR="0" algn="r">
-              <a:lnSpc>
-                <a:spcPct val="100000"/>
-              </a:lnSpc>
-              <a:spcBef>
-                <a:spcPts val="0"/>
-              </a:spcBef>
-              <a:spcAft>
-                <a:spcPts val="0"/>
-              </a:spcAft>
-              <a:buClr>
-                <a:srgbClr val="000000"/>
-              </a:buClr>
-              <a:buSzPts val="1000"/>
-              <a:buFont typeface="Arial"/>
-              <a:buNone/>
-              <a:defRPr b="0" i="0" sz="1000" u="none" cap="none" strike="noStrike">
+            <a:lvl7pPr marL="0" marR="0" lvl="6" indent="0" algn="r">
+              <a:lnSpc>
+                <a:spcPct val="100000"/>
+              </a:lnSpc>
+              <a:spcBef>
+                <a:spcPts val="0"/>
+              </a:spcBef>
+              <a:spcAft>
+                <a:spcPts val="0"/>
+              </a:spcAft>
+              <a:buClr>
+                <a:srgbClr val="000000"/>
+              </a:buClr>
+              <a:buSzPts val="1000"/>
+              <a:buFont typeface="Arial"/>
+              <a:buNone/>
+              <a:defRPr sz="1000" b="0" i="0" u="none" strike="noStrike" cap="none">
                 <a:solidFill>
                   <a:schemeClr val="dk2"/>
                 </a:solidFill>
@@ -4247,23 +4317,23 @@
                 <a:sym typeface="Arial"/>
               </a:defRPr>
             </a:lvl7pPr>
-            <a:lvl8pPr indent="0" lvl="7" marL="0" marR="0" algn="r">
-              <a:lnSpc>
-                <a:spcPct val="100000"/>
-              </a:lnSpc>
-              <a:spcBef>
-                <a:spcPts val="0"/>
-              </a:spcBef>
-              <a:spcAft>
-                <a:spcPts val="0"/>
-              </a:spcAft>
-              <a:buClr>
-                <a:srgbClr val="000000"/>
-              </a:buClr>
-              <a:buSzPts val="1000"/>
-              <a:buFont typeface="Arial"/>
-              <a:buNone/>
-              <a:defRPr b="0" i="0" sz="1000" u="none" cap="none" strike="noStrike">
+            <a:lvl8pPr marL="0" marR="0" lvl="7" indent="0" algn="r">
+              <a:lnSpc>
+                <a:spcPct val="100000"/>
+              </a:lnSpc>
+              <a:spcBef>
+                <a:spcPts val="0"/>
+              </a:spcBef>
+              <a:spcAft>
+                <a:spcPts val="0"/>
+              </a:spcAft>
+              <a:buClr>
+                <a:srgbClr val="000000"/>
+              </a:buClr>
+              <a:buSzPts val="1000"/>
+              <a:buFont typeface="Arial"/>
+              <a:buNone/>
+              <a:defRPr sz="1000" b="0" i="0" u="none" strike="noStrike" cap="none">
                 <a:solidFill>
                   <a:schemeClr val="dk2"/>
                 </a:solidFill>
@@ -4273,23 +4343,23 @@
                 <a:sym typeface="Arial"/>
               </a:defRPr>
             </a:lvl8pPr>
-            <a:lvl9pPr indent="0" lvl="8" marL="0" marR="0" algn="r">
-              <a:lnSpc>
-                <a:spcPct val="100000"/>
-              </a:lnSpc>
-              <a:spcBef>
-                <a:spcPts val="0"/>
-              </a:spcBef>
-              <a:spcAft>
-                <a:spcPts val="0"/>
-              </a:spcAft>
-              <a:buClr>
-                <a:srgbClr val="000000"/>
-              </a:buClr>
-              <a:buSzPts val="1000"/>
-              <a:buFont typeface="Arial"/>
-              <a:buNone/>
-              <a:defRPr b="0" i="0" sz="1000" u="none" cap="none" strike="noStrike">
+            <a:lvl9pPr marL="0" marR="0" lvl="8" indent="0" algn="r">
+              <a:lnSpc>
+                <a:spcPct val="100000"/>
+              </a:lnSpc>
+              <a:spcBef>
+                <a:spcPts val="0"/>
+              </a:spcBef>
+              <a:spcAft>
+                <a:spcPts val="0"/>
+              </a:spcAft>
+              <a:buClr>
+                <a:srgbClr val="000000"/>
+              </a:buClr>
+              <a:buSzPts val="1000"/>
+              <a:buFont typeface="Arial"/>
+              <a:buNone/>
+              <a:defRPr sz="1000" b="0" i="0" u="none" strike="noStrike" cap="none">
                 <a:solidFill>
                   <a:schemeClr val="dk2"/>
                 </a:solidFill>
@@ -4301,7 +4371,7 @@
             </a:lvl9pPr>
           </a:lstStyle>
           <a:p>
-            <a:pPr indent="0" lvl="0" marL="0" rtl="0" algn="r">
+            <a:pPr marL="0" lvl="0" indent="0" algn="r" rtl="0">
               <a:spcBef>
                 <a:spcPts val="0"/>
               </a:spcBef>
@@ -4312,7 +4382,7 @@
             </a:pPr>
             <a:fld id="{00000000-1234-1234-1234-123412341234}" type="slidenum">
               <a:rPr lang="pt-BR"/>
-              <a:t>‹#›</a:t>
+              <a:t>‹nº›</a:t>
             </a:fld>
             <a:endParaRPr/>
           </a:p>
@@ -4327,11 +4397,11 @@
 </file>
 
 <file path=ppt/slideLayouts/slideLayout5.xml><?xml version="1.0" encoding="utf-8"?>
-<p:sldLayout xmlns:a="http://schemas.openxmlformats.org/drawingml/2006/main" xmlns:r="http://schemas.openxmlformats.org/officeDocument/2006/relationships" xmlns:mc="http://schemas.openxmlformats.org/markup-compatibility/2006" xmlns:mv="urn:schemas-microsoft-com:mac:vml" xmlns:p="http://schemas.openxmlformats.org/presentationml/2006/main" xmlns:c="http://schemas.openxmlformats.org/drawingml/2006/chart" xmlns:dgm="http://schemas.openxmlformats.org/drawingml/2006/diagram" xmlns:o="urn:schemas-microsoft-com:office:office" xmlns:v="urn:schemas-microsoft-com:vml" xmlns:pvml="urn:schemas-microsoft-com:office:powerpoint" xmlns:com="http://schemas.openxmlformats.org/drawingml/2006/compatibility" xmlns:p14="http://schemas.microsoft.com/office/powerpoint/2010/main" xmlns:p15="http://schemas.microsoft.com/office/powerpoint/2012/main" xmlns:ahyp="http://schemas.microsoft.com/office/drawing/2018/hyperlinkcolor" matchingName="Title only" type="titleOnly">
+<p:sldLayout xmlns:a="http://schemas.openxmlformats.org/drawingml/2006/main" xmlns:r="http://schemas.openxmlformats.org/officeDocument/2006/relationships" xmlns:p="http://schemas.openxmlformats.org/presentationml/2006/main" matchingName="Title only" type="titleOnly">
   <p:cSld name="TITLE_ONLY">
     <p:spTree>
       <p:nvGrpSpPr>
-        <p:cNvPr id="25" name="Shape 25"/>
+        <p:cNvPr id="1" name="Shape 25"/>
         <p:cNvGrpSpPr/>
         <p:nvPr/>
       </p:nvGrpSpPr>
@@ -4346,7 +4416,9 @@
       <p:sp>
         <p:nvSpPr>
           <p:cNvPr id="26" name="Google Shape;26;p6"/>
-          <p:cNvSpPr txBox="1"/>
+          <p:cNvSpPr txBox="1">
+            <a:spLocks noGrp="1"/>
+          </p:cNvSpPr>
           <p:nvPr>
             <p:ph type="title"/>
           </p:nvPr>
@@ -4365,7 +4437,7 @@
           </a:ln>
         </p:spPr>
         <p:txBody>
-          <a:bodyPr anchorCtr="0" anchor="t" bIns="91425" lIns="91425" spcFirstLastPara="1" rIns="91425" wrap="square" tIns="91425">
+          <a:bodyPr spcFirstLastPara="1" wrap="square" lIns="91425" tIns="91425" rIns="91425" bIns="91425" anchor="t" anchorCtr="0">
             <a:noAutofit/>
           </a:bodyPr>
           <a:lstStyle>
@@ -4496,15 +4568,19 @@
               <a:defRPr/>
             </a:lvl9pPr>
           </a:lstStyle>
-          <a:p/>
+          <a:p>
+            <a:endParaRPr/>
+          </a:p>
         </p:txBody>
       </p:sp>
       <p:sp>
         <p:nvSpPr>
           <p:cNvPr id="27" name="Google Shape;27;p6"/>
-          <p:cNvSpPr txBox="1"/>
+          <p:cNvSpPr txBox="1">
+            <a:spLocks noGrp="1"/>
+          </p:cNvSpPr>
           <p:nvPr>
-            <p:ph idx="12" type="sldNum"/>
+            <p:ph type="sldNum" idx="12"/>
           </p:nvPr>
         </p:nvSpPr>
         <p:spPr>
@@ -4521,27 +4597,27 @@
           </a:ln>
         </p:spPr>
         <p:txBody>
-          <a:bodyPr anchorCtr="0" anchor="ctr" bIns="91425" lIns="91425" spcFirstLastPara="1" rIns="91425" wrap="square" tIns="91425">
+          <a:bodyPr spcFirstLastPara="1" wrap="square" lIns="91425" tIns="91425" rIns="91425" bIns="91425" anchor="ctr" anchorCtr="0">
             <a:noAutofit/>
           </a:bodyPr>
           <a:lstStyle>
-            <a:lvl1pPr indent="0" lvl="0" marL="0" marR="0" algn="r">
-              <a:lnSpc>
-                <a:spcPct val="100000"/>
-              </a:lnSpc>
-              <a:spcBef>
-                <a:spcPts val="0"/>
-              </a:spcBef>
-              <a:spcAft>
-                <a:spcPts val="0"/>
-              </a:spcAft>
-              <a:buClr>
-                <a:srgbClr val="000000"/>
-              </a:buClr>
-              <a:buSzPts val="1000"/>
-              <a:buFont typeface="Arial"/>
-              <a:buNone/>
-              <a:defRPr b="0" i="0" sz="1000" u="none" cap="none" strike="noStrike">
+            <a:lvl1pPr marL="0" marR="0" lvl="0" indent="0" algn="r">
+              <a:lnSpc>
+                <a:spcPct val="100000"/>
+              </a:lnSpc>
+              <a:spcBef>
+                <a:spcPts val="0"/>
+              </a:spcBef>
+              <a:spcAft>
+                <a:spcPts val="0"/>
+              </a:spcAft>
+              <a:buClr>
+                <a:srgbClr val="000000"/>
+              </a:buClr>
+              <a:buSzPts val="1000"/>
+              <a:buFont typeface="Arial"/>
+              <a:buNone/>
+              <a:defRPr sz="1000" b="0" i="0" u="none" strike="noStrike" cap="none">
                 <a:solidFill>
                   <a:schemeClr val="dk2"/>
                 </a:solidFill>
@@ -4551,23 +4627,23 @@
                 <a:sym typeface="Arial"/>
               </a:defRPr>
             </a:lvl1pPr>
-            <a:lvl2pPr indent="0" lvl="1" marL="0" marR="0" algn="r">
-              <a:lnSpc>
-                <a:spcPct val="100000"/>
-              </a:lnSpc>
-              <a:spcBef>
-                <a:spcPts val="0"/>
-              </a:spcBef>
-              <a:spcAft>
-                <a:spcPts val="0"/>
-              </a:spcAft>
-              <a:buClr>
-                <a:srgbClr val="000000"/>
-              </a:buClr>
-              <a:buSzPts val="1000"/>
-              <a:buFont typeface="Arial"/>
-              <a:buNone/>
-              <a:defRPr b="0" i="0" sz="1000" u="none" cap="none" strike="noStrike">
+            <a:lvl2pPr marL="0" marR="0" lvl="1" indent="0" algn="r">
+              <a:lnSpc>
+                <a:spcPct val="100000"/>
+              </a:lnSpc>
+              <a:spcBef>
+                <a:spcPts val="0"/>
+              </a:spcBef>
+              <a:spcAft>
+                <a:spcPts val="0"/>
+              </a:spcAft>
+              <a:buClr>
+                <a:srgbClr val="000000"/>
+              </a:buClr>
+              <a:buSzPts val="1000"/>
+              <a:buFont typeface="Arial"/>
+              <a:buNone/>
+              <a:defRPr sz="1000" b="0" i="0" u="none" strike="noStrike" cap="none">
                 <a:solidFill>
                   <a:schemeClr val="dk2"/>
                 </a:solidFill>
@@ -4577,23 +4653,23 @@
                 <a:sym typeface="Arial"/>
               </a:defRPr>
             </a:lvl2pPr>
-            <a:lvl3pPr indent="0" lvl="2" marL="0" marR="0" algn="r">
-              <a:lnSpc>
-                <a:spcPct val="100000"/>
-              </a:lnSpc>
-              <a:spcBef>
-                <a:spcPts val="0"/>
-              </a:spcBef>
-              <a:spcAft>
-                <a:spcPts val="0"/>
-              </a:spcAft>
-              <a:buClr>
-                <a:srgbClr val="000000"/>
-              </a:buClr>
-              <a:buSzPts val="1000"/>
-              <a:buFont typeface="Arial"/>
-              <a:buNone/>
-              <a:defRPr b="0" i="0" sz="1000" u="none" cap="none" strike="noStrike">
+            <a:lvl3pPr marL="0" marR="0" lvl="2" indent="0" algn="r">
+              <a:lnSpc>
+                <a:spcPct val="100000"/>
+              </a:lnSpc>
+              <a:spcBef>
+                <a:spcPts val="0"/>
+              </a:spcBef>
+              <a:spcAft>
+                <a:spcPts val="0"/>
+              </a:spcAft>
+              <a:buClr>
+                <a:srgbClr val="000000"/>
+              </a:buClr>
+              <a:buSzPts val="1000"/>
+              <a:buFont typeface="Arial"/>
+              <a:buNone/>
+              <a:defRPr sz="1000" b="0" i="0" u="none" strike="noStrike" cap="none">
                 <a:solidFill>
                   <a:schemeClr val="dk2"/>
                 </a:solidFill>
@@ -4603,23 +4679,23 @@
                 <a:sym typeface="Arial"/>
               </a:defRPr>
             </a:lvl3pPr>
-            <a:lvl4pPr indent="0" lvl="3" marL="0" marR="0" algn="r">
-              <a:lnSpc>
-                <a:spcPct val="100000"/>
-              </a:lnSpc>
-              <a:spcBef>
-                <a:spcPts val="0"/>
-              </a:spcBef>
-              <a:spcAft>
-                <a:spcPts val="0"/>
-              </a:spcAft>
-              <a:buClr>
-                <a:srgbClr val="000000"/>
-              </a:buClr>
-              <a:buSzPts val="1000"/>
-              <a:buFont typeface="Arial"/>
-              <a:buNone/>
-              <a:defRPr b="0" i="0" sz="1000" u="none" cap="none" strike="noStrike">
+            <a:lvl4pPr marL="0" marR="0" lvl="3" indent="0" algn="r">
+              <a:lnSpc>
+                <a:spcPct val="100000"/>
+              </a:lnSpc>
+              <a:spcBef>
+                <a:spcPts val="0"/>
+              </a:spcBef>
+              <a:spcAft>
+                <a:spcPts val="0"/>
+              </a:spcAft>
+              <a:buClr>
+                <a:srgbClr val="000000"/>
+              </a:buClr>
+              <a:buSzPts val="1000"/>
+              <a:buFont typeface="Arial"/>
+              <a:buNone/>
+              <a:defRPr sz="1000" b="0" i="0" u="none" strike="noStrike" cap="none">
                 <a:solidFill>
                   <a:schemeClr val="dk2"/>
                 </a:solidFill>
@@ -4629,23 +4705,23 @@
                 <a:sym typeface="Arial"/>
               </a:defRPr>
             </a:lvl4pPr>
-            <a:lvl5pPr indent="0" lvl="4" marL="0" marR="0" algn="r">
-              <a:lnSpc>
-                <a:spcPct val="100000"/>
-              </a:lnSpc>
-              <a:spcBef>
-                <a:spcPts val="0"/>
-              </a:spcBef>
-              <a:spcAft>
-                <a:spcPts val="0"/>
-              </a:spcAft>
-              <a:buClr>
-                <a:srgbClr val="000000"/>
-              </a:buClr>
-              <a:buSzPts val="1000"/>
-              <a:buFont typeface="Arial"/>
-              <a:buNone/>
-              <a:defRPr b="0" i="0" sz="1000" u="none" cap="none" strike="noStrike">
+            <a:lvl5pPr marL="0" marR="0" lvl="4" indent="0" algn="r">
+              <a:lnSpc>
+                <a:spcPct val="100000"/>
+              </a:lnSpc>
+              <a:spcBef>
+                <a:spcPts val="0"/>
+              </a:spcBef>
+              <a:spcAft>
+                <a:spcPts val="0"/>
+              </a:spcAft>
+              <a:buClr>
+                <a:srgbClr val="000000"/>
+              </a:buClr>
+              <a:buSzPts val="1000"/>
+              <a:buFont typeface="Arial"/>
+              <a:buNone/>
+              <a:defRPr sz="1000" b="0" i="0" u="none" strike="noStrike" cap="none">
                 <a:solidFill>
                   <a:schemeClr val="dk2"/>
                 </a:solidFill>
@@ -4655,23 +4731,23 @@
                 <a:sym typeface="Arial"/>
               </a:defRPr>
             </a:lvl5pPr>
-            <a:lvl6pPr indent="0" lvl="5" marL="0" marR="0" algn="r">
-              <a:lnSpc>
-                <a:spcPct val="100000"/>
-              </a:lnSpc>
-              <a:spcBef>
-                <a:spcPts val="0"/>
-              </a:spcBef>
-              <a:spcAft>
-                <a:spcPts val="0"/>
-              </a:spcAft>
-              <a:buClr>
-                <a:srgbClr val="000000"/>
-              </a:buClr>
-              <a:buSzPts val="1000"/>
-              <a:buFont typeface="Arial"/>
-              <a:buNone/>
-              <a:defRPr b="0" i="0" sz="1000" u="none" cap="none" strike="noStrike">
+            <a:lvl6pPr marL="0" marR="0" lvl="5" indent="0" algn="r">
+              <a:lnSpc>
+                <a:spcPct val="100000"/>
+              </a:lnSpc>
+              <a:spcBef>
+                <a:spcPts val="0"/>
+              </a:spcBef>
+              <a:spcAft>
+                <a:spcPts val="0"/>
+              </a:spcAft>
+              <a:buClr>
+                <a:srgbClr val="000000"/>
+              </a:buClr>
+              <a:buSzPts val="1000"/>
+              <a:buFont typeface="Arial"/>
+              <a:buNone/>
+              <a:defRPr sz="1000" b="0" i="0" u="none" strike="noStrike" cap="none">
                 <a:solidFill>
                   <a:schemeClr val="dk2"/>
                 </a:solidFill>
@@ -4681,23 +4757,23 @@
                 <a:sym typeface="Arial"/>
               </a:defRPr>
             </a:lvl6pPr>
-            <a:lvl7pPr indent="0" lvl="6" marL="0" marR="0" algn="r">
-              <a:lnSpc>
-                <a:spcPct val="100000"/>
-              </a:lnSpc>
-              <a:spcBef>
-                <a:spcPts val="0"/>
-              </a:spcBef>
-              <a:spcAft>
-                <a:spcPts val="0"/>
-              </a:spcAft>
-              <a:buClr>
-                <a:srgbClr val="000000"/>
-              </a:buClr>
-              <a:buSzPts val="1000"/>
-              <a:buFont typeface="Arial"/>
-              <a:buNone/>
-              <a:defRPr b="0" i="0" sz="1000" u="none" cap="none" strike="noStrike">
+            <a:lvl7pPr marL="0" marR="0" lvl="6" indent="0" algn="r">
+              <a:lnSpc>
+                <a:spcPct val="100000"/>
+              </a:lnSpc>
+              <a:spcBef>
+                <a:spcPts val="0"/>
+              </a:spcBef>
+              <a:spcAft>
+                <a:spcPts val="0"/>
+              </a:spcAft>
+              <a:buClr>
+                <a:srgbClr val="000000"/>
+              </a:buClr>
+              <a:buSzPts val="1000"/>
+              <a:buFont typeface="Arial"/>
+              <a:buNone/>
+              <a:defRPr sz="1000" b="0" i="0" u="none" strike="noStrike" cap="none">
                 <a:solidFill>
                   <a:schemeClr val="dk2"/>
                 </a:solidFill>
@@ -4707,23 +4783,23 @@
                 <a:sym typeface="Arial"/>
               </a:defRPr>
             </a:lvl7pPr>
-            <a:lvl8pPr indent="0" lvl="7" marL="0" marR="0" algn="r">
-              <a:lnSpc>
-                <a:spcPct val="100000"/>
-              </a:lnSpc>
-              <a:spcBef>
-                <a:spcPts val="0"/>
-              </a:spcBef>
-              <a:spcAft>
-                <a:spcPts val="0"/>
-              </a:spcAft>
-              <a:buClr>
-                <a:srgbClr val="000000"/>
-              </a:buClr>
-              <a:buSzPts val="1000"/>
-              <a:buFont typeface="Arial"/>
-              <a:buNone/>
-              <a:defRPr b="0" i="0" sz="1000" u="none" cap="none" strike="noStrike">
+            <a:lvl8pPr marL="0" marR="0" lvl="7" indent="0" algn="r">
+              <a:lnSpc>
+                <a:spcPct val="100000"/>
+              </a:lnSpc>
+              <a:spcBef>
+                <a:spcPts val="0"/>
+              </a:spcBef>
+              <a:spcAft>
+                <a:spcPts val="0"/>
+              </a:spcAft>
+              <a:buClr>
+                <a:srgbClr val="000000"/>
+              </a:buClr>
+              <a:buSzPts val="1000"/>
+              <a:buFont typeface="Arial"/>
+              <a:buNone/>
+              <a:defRPr sz="1000" b="0" i="0" u="none" strike="noStrike" cap="none">
                 <a:solidFill>
                   <a:schemeClr val="dk2"/>
                 </a:solidFill>
@@ -4733,23 +4809,23 @@
                 <a:sym typeface="Arial"/>
               </a:defRPr>
             </a:lvl8pPr>
-            <a:lvl9pPr indent="0" lvl="8" marL="0" marR="0" algn="r">
-              <a:lnSpc>
-                <a:spcPct val="100000"/>
-              </a:lnSpc>
-              <a:spcBef>
-                <a:spcPts val="0"/>
-              </a:spcBef>
-              <a:spcAft>
-                <a:spcPts val="0"/>
-              </a:spcAft>
-              <a:buClr>
-                <a:srgbClr val="000000"/>
-              </a:buClr>
-              <a:buSzPts val="1000"/>
-              <a:buFont typeface="Arial"/>
-              <a:buNone/>
-              <a:defRPr b="0" i="0" sz="1000" u="none" cap="none" strike="noStrike">
+            <a:lvl9pPr marL="0" marR="0" lvl="8" indent="0" algn="r">
+              <a:lnSpc>
+                <a:spcPct val="100000"/>
+              </a:lnSpc>
+              <a:spcBef>
+                <a:spcPts val="0"/>
+              </a:spcBef>
+              <a:spcAft>
+                <a:spcPts val="0"/>
+              </a:spcAft>
+              <a:buClr>
+                <a:srgbClr val="000000"/>
+              </a:buClr>
+              <a:buSzPts val="1000"/>
+              <a:buFont typeface="Arial"/>
+              <a:buNone/>
+              <a:defRPr sz="1000" b="0" i="0" u="none" strike="noStrike" cap="none">
                 <a:solidFill>
                   <a:schemeClr val="dk2"/>
                 </a:solidFill>
@@ -4761,7 +4837,7 @@
             </a:lvl9pPr>
           </a:lstStyle>
           <a:p>
-            <a:pPr indent="0" lvl="0" marL="0" rtl="0" algn="r">
+            <a:pPr marL="0" lvl="0" indent="0" algn="r" rtl="0">
               <a:spcBef>
                 <a:spcPts val="0"/>
               </a:spcBef>
@@ -4772,7 +4848,7 @@
             </a:pPr>
             <a:fld id="{00000000-1234-1234-1234-123412341234}" type="slidenum">
               <a:rPr lang="pt-BR"/>
-              <a:t>‹#›</a:t>
+              <a:t>‹nº›</a:t>
             </a:fld>
             <a:endParaRPr/>
           </a:p>
@@ -4787,11 +4863,11 @@
 </file>
 
 <file path=ppt/slideLayouts/slideLayout6.xml><?xml version="1.0" encoding="utf-8"?>
-<p:sldLayout xmlns:a="http://schemas.openxmlformats.org/drawingml/2006/main" xmlns:r="http://schemas.openxmlformats.org/officeDocument/2006/relationships" xmlns:mc="http://schemas.openxmlformats.org/markup-compatibility/2006" xmlns:mv="urn:schemas-microsoft-com:mac:vml" xmlns:p="http://schemas.openxmlformats.org/presentationml/2006/main" xmlns:c="http://schemas.openxmlformats.org/drawingml/2006/chart" xmlns:dgm="http://schemas.openxmlformats.org/drawingml/2006/diagram" xmlns:o="urn:schemas-microsoft-com:office:office" xmlns:v="urn:schemas-microsoft-com:vml" xmlns:pvml="urn:schemas-microsoft-com:office:powerpoint" xmlns:com="http://schemas.openxmlformats.org/drawingml/2006/compatibility" xmlns:p14="http://schemas.microsoft.com/office/powerpoint/2010/main" xmlns:p15="http://schemas.microsoft.com/office/powerpoint/2012/main" xmlns:ahyp="http://schemas.microsoft.com/office/drawing/2018/hyperlinkcolor" matchingName="One column text">
+<p:sldLayout xmlns:a="http://schemas.openxmlformats.org/drawingml/2006/main" xmlns:r="http://schemas.openxmlformats.org/officeDocument/2006/relationships" xmlns:p="http://schemas.openxmlformats.org/presentationml/2006/main" matchingName="One column text">
   <p:cSld name="ONE_COLUMN_TEXT">
     <p:spTree>
       <p:nvGrpSpPr>
-        <p:cNvPr id="28" name="Shape 28"/>
+        <p:cNvPr id="1" name="Shape 28"/>
         <p:cNvGrpSpPr/>
         <p:nvPr/>
       </p:nvGrpSpPr>
@@ -4806,7 +4882,9 @@
       <p:sp>
         <p:nvSpPr>
           <p:cNvPr id="29" name="Google Shape;29;p7"/>
-          <p:cNvSpPr txBox="1"/>
+          <p:cNvSpPr txBox="1">
+            <a:spLocks noGrp="1"/>
+          </p:cNvSpPr>
           <p:nvPr>
             <p:ph type="title"/>
           </p:nvPr>
@@ -4825,7 +4903,7 @@
           </a:ln>
         </p:spPr>
         <p:txBody>
-          <a:bodyPr anchorCtr="0" anchor="b" bIns="91425" lIns="91425" spcFirstLastPara="1" rIns="91425" wrap="square" tIns="91425">
+          <a:bodyPr spcFirstLastPara="1" wrap="square" lIns="91425" tIns="91425" rIns="91425" bIns="91425" anchor="b" anchorCtr="0">
             <a:noAutofit/>
           </a:bodyPr>
           <a:lstStyle>
@@ -4956,15 +5034,19 @@
               <a:defRPr sz="2400"/>
             </a:lvl9pPr>
           </a:lstStyle>
-          <a:p/>
+          <a:p>
+            <a:endParaRPr/>
+          </a:p>
         </p:txBody>
       </p:sp>
       <p:sp>
         <p:nvSpPr>
           <p:cNvPr id="30" name="Google Shape;30;p7"/>
-          <p:cNvSpPr txBox="1"/>
+          <p:cNvSpPr txBox="1">
+            <a:spLocks noGrp="1"/>
+          </p:cNvSpPr>
           <p:nvPr>
-            <p:ph idx="1" type="body"/>
+            <p:ph type="body" idx="1"/>
           </p:nvPr>
         </p:nvSpPr>
         <p:spPr>
@@ -4981,11 +5063,11 @@
           </a:ln>
         </p:spPr>
         <p:txBody>
-          <a:bodyPr anchorCtr="0" anchor="t" bIns="91425" lIns="91425" spcFirstLastPara="1" rIns="91425" wrap="square" tIns="91425">
+          <a:bodyPr spcFirstLastPara="1" wrap="square" lIns="91425" tIns="91425" rIns="91425" bIns="91425" anchor="t" anchorCtr="0">
             <a:noAutofit/>
           </a:bodyPr>
           <a:lstStyle>
-            <a:lvl1pPr indent="-304800" lvl="0" marL="457200" algn="l">
+            <a:lvl1pPr marL="457200" lvl="0" indent="-304800" algn="l">
               <a:lnSpc>
                 <a:spcPct val="115000"/>
               </a:lnSpc>
@@ -4999,7 +5081,7 @@
               <a:buChar char="●"/>
               <a:defRPr sz="1200"/>
             </a:lvl1pPr>
-            <a:lvl2pPr indent="-304800" lvl="1" marL="914400" algn="l">
+            <a:lvl2pPr marL="914400" lvl="1" indent="-304800" algn="l">
               <a:lnSpc>
                 <a:spcPct val="115000"/>
               </a:lnSpc>
@@ -5013,7 +5095,7 @@
               <a:buChar char="○"/>
               <a:defRPr sz="1200"/>
             </a:lvl2pPr>
-            <a:lvl3pPr indent="-304800" lvl="2" marL="1371600" algn="l">
+            <a:lvl3pPr marL="1371600" lvl="2" indent="-304800" algn="l">
               <a:lnSpc>
                 <a:spcPct val="115000"/>
               </a:lnSpc>
@@ -5027,7 +5109,7 @@
               <a:buChar char="■"/>
               <a:defRPr sz="1200"/>
             </a:lvl3pPr>
-            <a:lvl4pPr indent="-304800" lvl="3" marL="1828800" algn="l">
+            <a:lvl4pPr marL="1828800" lvl="3" indent="-304800" algn="l">
               <a:lnSpc>
                 <a:spcPct val="115000"/>
               </a:lnSpc>
@@ -5041,7 +5123,7 @@
               <a:buChar char="●"/>
               <a:defRPr sz="1200"/>
             </a:lvl4pPr>
-            <a:lvl5pPr indent="-304800" lvl="4" marL="2286000" algn="l">
+            <a:lvl5pPr marL="2286000" lvl="4" indent="-304800" algn="l">
               <a:lnSpc>
                 <a:spcPct val="115000"/>
               </a:lnSpc>
@@ -5055,7 +5137,7 @@
               <a:buChar char="○"/>
               <a:defRPr sz="1200"/>
             </a:lvl5pPr>
-            <a:lvl6pPr indent="-304800" lvl="5" marL="2743200" algn="l">
+            <a:lvl6pPr marL="2743200" lvl="5" indent="-304800" algn="l">
               <a:lnSpc>
                 <a:spcPct val="115000"/>
               </a:lnSpc>
@@ -5069,7 +5151,7 @@
               <a:buChar char="■"/>
               <a:defRPr sz="1200"/>
             </a:lvl6pPr>
-            <a:lvl7pPr indent="-304800" lvl="6" marL="3200400" algn="l">
+            <a:lvl7pPr marL="3200400" lvl="6" indent="-304800" algn="l">
               <a:lnSpc>
                 <a:spcPct val="115000"/>
               </a:lnSpc>
@@ -5083,7 +5165,7 @@
               <a:buChar char="●"/>
               <a:defRPr sz="1200"/>
             </a:lvl7pPr>
-            <a:lvl8pPr indent="-304800" lvl="7" marL="3657600" algn="l">
+            <a:lvl8pPr marL="3657600" lvl="7" indent="-304800" algn="l">
               <a:lnSpc>
                 <a:spcPct val="115000"/>
               </a:lnSpc>
@@ -5097,7 +5179,7 @@
               <a:buChar char="○"/>
               <a:defRPr sz="1200"/>
             </a:lvl8pPr>
-            <a:lvl9pPr indent="-304800" lvl="8" marL="4114800" algn="l">
+            <a:lvl9pPr marL="4114800" lvl="8" indent="-304800" algn="l">
               <a:lnSpc>
                 <a:spcPct val="115000"/>
               </a:lnSpc>
@@ -5112,15 +5194,19 @@
               <a:defRPr sz="1200"/>
             </a:lvl9pPr>
           </a:lstStyle>
-          <a:p/>
+          <a:p>
+            <a:endParaRPr/>
+          </a:p>
         </p:txBody>
       </p:sp>
       <p:sp>
         <p:nvSpPr>
           <p:cNvPr id="31" name="Google Shape;31;p7"/>
-          <p:cNvSpPr txBox="1"/>
+          <p:cNvSpPr txBox="1">
+            <a:spLocks noGrp="1"/>
+          </p:cNvSpPr>
           <p:nvPr>
-            <p:ph idx="12" type="sldNum"/>
+            <p:ph type="sldNum" idx="12"/>
           </p:nvPr>
         </p:nvSpPr>
         <p:spPr>
@@ -5137,27 +5223,27 @@
           </a:ln>
         </p:spPr>
         <p:txBody>
-          <a:bodyPr anchorCtr="0" anchor="ctr" bIns="91425" lIns="91425" spcFirstLastPara="1" rIns="91425" wrap="square" tIns="91425">
+          <a:bodyPr spcFirstLastPara="1" wrap="square" lIns="91425" tIns="91425" rIns="91425" bIns="91425" anchor="ctr" anchorCtr="0">
             <a:noAutofit/>
           </a:bodyPr>
           <a:lstStyle>
-            <a:lvl1pPr indent="0" lvl="0" marL="0" marR="0" algn="r">
-              <a:lnSpc>
-                <a:spcPct val="100000"/>
-              </a:lnSpc>
-              <a:spcBef>
-                <a:spcPts val="0"/>
-              </a:spcBef>
-              <a:spcAft>
-                <a:spcPts val="0"/>
-              </a:spcAft>
-              <a:buClr>
-                <a:srgbClr val="000000"/>
-              </a:buClr>
-              <a:buSzPts val="1000"/>
-              <a:buFont typeface="Arial"/>
-              <a:buNone/>
-              <a:defRPr b="0" i="0" sz="1000" u="none" cap="none" strike="noStrike">
+            <a:lvl1pPr marL="0" marR="0" lvl="0" indent="0" algn="r">
+              <a:lnSpc>
+                <a:spcPct val="100000"/>
+              </a:lnSpc>
+              <a:spcBef>
+                <a:spcPts val="0"/>
+              </a:spcBef>
+              <a:spcAft>
+                <a:spcPts val="0"/>
+              </a:spcAft>
+              <a:buClr>
+                <a:srgbClr val="000000"/>
+              </a:buClr>
+              <a:buSzPts val="1000"/>
+              <a:buFont typeface="Arial"/>
+              <a:buNone/>
+              <a:defRPr sz="1000" b="0" i="0" u="none" strike="noStrike" cap="none">
                 <a:solidFill>
                   <a:schemeClr val="dk2"/>
                 </a:solidFill>
@@ -5167,23 +5253,23 @@
                 <a:sym typeface="Arial"/>
               </a:defRPr>
             </a:lvl1pPr>
-            <a:lvl2pPr indent="0" lvl="1" marL="0" marR="0" algn="r">
-              <a:lnSpc>
-                <a:spcPct val="100000"/>
-              </a:lnSpc>
-              <a:spcBef>
-                <a:spcPts val="0"/>
-              </a:spcBef>
-              <a:spcAft>
-                <a:spcPts val="0"/>
-              </a:spcAft>
-              <a:buClr>
-                <a:srgbClr val="000000"/>
-              </a:buClr>
-              <a:buSzPts val="1000"/>
-              <a:buFont typeface="Arial"/>
-              <a:buNone/>
-              <a:defRPr b="0" i="0" sz="1000" u="none" cap="none" strike="noStrike">
+            <a:lvl2pPr marL="0" marR="0" lvl="1" indent="0" algn="r">
+              <a:lnSpc>
+                <a:spcPct val="100000"/>
+              </a:lnSpc>
+              <a:spcBef>
+                <a:spcPts val="0"/>
+              </a:spcBef>
+              <a:spcAft>
+                <a:spcPts val="0"/>
+              </a:spcAft>
+              <a:buClr>
+                <a:srgbClr val="000000"/>
+              </a:buClr>
+              <a:buSzPts val="1000"/>
+              <a:buFont typeface="Arial"/>
+              <a:buNone/>
+              <a:defRPr sz="1000" b="0" i="0" u="none" strike="noStrike" cap="none">
                 <a:solidFill>
                   <a:schemeClr val="dk2"/>
                 </a:solidFill>
@@ -5193,23 +5279,23 @@
                 <a:sym typeface="Arial"/>
               </a:defRPr>
             </a:lvl2pPr>
-            <a:lvl3pPr indent="0" lvl="2" marL="0" marR="0" algn="r">
-              <a:lnSpc>
-                <a:spcPct val="100000"/>
-              </a:lnSpc>
-              <a:spcBef>
-                <a:spcPts val="0"/>
-              </a:spcBef>
-              <a:spcAft>
-                <a:spcPts val="0"/>
-              </a:spcAft>
-              <a:buClr>
-                <a:srgbClr val="000000"/>
-              </a:buClr>
-              <a:buSzPts val="1000"/>
-              <a:buFont typeface="Arial"/>
-              <a:buNone/>
-              <a:defRPr b="0" i="0" sz="1000" u="none" cap="none" strike="noStrike">
+            <a:lvl3pPr marL="0" marR="0" lvl="2" indent="0" algn="r">
+              <a:lnSpc>
+                <a:spcPct val="100000"/>
+              </a:lnSpc>
+              <a:spcBef>
+                <a:spcPts val="0"/>
+              </a:spcBef>
+              <a:spcAft>
+                <a:spcPts val="0"/>
+              </a:spcAft>
+              <a:buClr>
+                <a:srgbClr val="000000"/>
+              </a:buClr>
+              <a:buSzPts val="1000"/>
+              <a:buFont typeface="Arial"/>
+              <a:buNone/>
+              <a:defRPr sz="1000" b="0" i="0" u="none" strike="noStrike" cap="none">
                 <a:solidFill>
                   <a:schemeClr val="dk2"/>
                 </a:solidFill>
@@ -5219,23 +5305,23 @@
                 <a:sym typeface="Arial"/>
               </a:defRPr>
             </a:lvl3pPr>
-            <a:lvl4pPr indent="0" lvl="3" marL="0" marR="0" algn="r">
-              <a:lnSpc>
-                <a:spcPct val="100000"/>
-              </a:lnSpc>
-              <a:spcBef>
-                <a:spcPts val="0"/>
-              </a:spcBef>
-              <a:spcAft>
-                <a:spcPts val="0"/>
-              </a:spcAft>
-              <a:buClr>
-                <a:srgbClr val="000000"/>
-              </a:buClr>
-              <a:buSzPts val="1000"/>
-              <a:buFont typeface="Arial"/>
-              <a:buNone/>
-              <a:defRPr b="0" i="0" sz="1000" u="none" cap="none" strike="noStrike">
+            <a:lvl4pPr marL="0" marR="0" lvl="3" indent="0" algn="r">
+              <a:lnSpc>
+                <a:spcPct val="100000"/>
+              </a:lnSpc>
+              <a:spcBef>
+                <a:spcPts val="0"/>
+              </a:spcBef>
+              <a:spcAft>
+                <a:spcPts val="0"/>
+              </a:spcAft>
+              <a:buClr>
+                <a:srgbClr val="000000"/>
+              </a:buClr>
+              <a:buSzPts val="1000"/>
+              <a:buFont typeface="Arial"/>
+              <a:buNone/>
+              <a:defRPr sz="1000" b="0" i="0" u="none" strike="noStrike" cap="none">
                 <a:solidFill>
                   <a:schemeClr val="dk2"/>
                 </a:solidFill>
@@ -5245,23 +5331,23 @@
                 <a:sym typeface="Arial"/>
               </a:defRPr>
             </a:lvl4pPr>
-            <a:lvl5pPr indent="0" lvl="4" marL="0" marR="0" algn="r">
-              <a:lnSpc>
-                <a:spcPct val="100000"/>
-              </a:lnSpc>
-              <a:spcBef>
-                <a:spcPts val="0"/>
-              </a:spcBef>
-              <a:spcAft>
-                <a:spcPts val="0"/>
-              </a:spcAft>
-              <a:buClr>
-                <a:srgbClr val="000000"/>
-              </a:buClr>
-              <a:buSzPts val="1000"/>
-              <a:buFont typeface="Arial"/>
-              <a:buNone/>
-              <a:defRPr b="0" i="0" sz="1000" u="none" cap="none" strike="noStrike">
+            <a:lvl5pPr marL="0" marR="0" lvl="4" indent="0" algn="r">
+              <a:lnSpc>
+                <a:spcPct val="100000"/>
+              </a:lnSpc>
+              <a:spcBef>
+                <a:spcPts val="0"/>
+              </a:spcBef>
+              <a:spcAft>
+                <a:spcPts val="0"/>
+              </a:spcAft>
+              <a:buClr>
+                <a:srgbClr val="000000"/>
+              </a:buClr>
+              <a:buSzPts val="1000"/>
+              <a:buFont typeface="Arial"/>
+              <a:buNone/>
+              <a:defRPr sz="1000" b="0" i="0" u="none" strike="noStrike" cap="none">
                 <a:solidFill>
                   <a:schemeClr val="dk2"/>
                 </a:solidFill>
@@ -5271,23 +5357,23 @@
                 <a:sym typeface="Arial"/>
               </a:defRPr>
             </a:lvl5pPr>
-            <a:lvl6pPr indent="0" lvl="5" marL="0" marR="0" algn="r">
-              <a:lnSpc>
-                <a:spcPct val="100000"/>
-              </a:lnSpc>
-              <a:spcBef>
-                <a:spcPts val="0"/>
-              </a:spcBef>
-              <a:spcAft>
-                <a:spcPts val="0"/>
-              </a:spcAft>
-              <a:buClr>
-                <a:srgbClr val="000000"/>
-              </a:buClr>
-              <a:buSzPts val="1000"/>
-              <a:buFont typeface="Arial"/>
-              <a:buNone/>
-              <a:defRPr b="0" i="0" sz="1000" u="none" cap="none" strike="noStrike">
+            <a:lvl6pPr marL="0" marR="0" lvl="5" indent="0" algn="r">
+              <a:lnSpc>
+                <a:spcPct val="100000"/>
+              </a:lnSpc>
+              <a:spcBef>
+                <a:spcPts val="0"/>
+              </a:spcBef>
+              <a:spcAft>
+                <a:spcPts val="0"/>
+              </a:spcAft>
+              <a:buClr>
+                <a:srgbClr val="000000"/>
+              </a:buClr>
+              <a:buSzPts val="1000"/>
+              <a:buFont typeface="Arial"/>
+              <a:buNone/>
+              <a:defRPr sz="1000" b="0" i="0" u="none" strike="noStrike" cap="none">
                 <a:solidFill>
                   <a:schemeClr val="dk2"/>
                 </a:solidFill>
@@ -5297,23 +5383,23 @@
                 <a:sym typeface="Arial"/>
               </a:defRPr>
             </a:lvl6pPr>
-            <a:lvl7pPr indent="0" lvl="6" marL="0" marR="0" algn="r">
-              <a:lnSpc>
-                <a:spcPct val="100000"/>
-              </a:lnSpc>
-              <a:spcBef>
-                <a:spcPts val="0"/>
-              </a:spcBef>
-              <a:spcAft>
-                <a:spcPts val="0"/>
-              </a:spcAft>
-              <a:buClr>
-                <a:srgbClr val="000000"/>
-              </a:buClr>
-              <a:buSzPts val="1000"/>
-              <a:buFont typeface="Arial"/>
-              <a:buNone/>
-              <a:defRPr b="0" i="0" sz="1000" u="none" cap="none" strike="noStrike">
+            <a:lvl7pPr marL="0" marR="0" lvl="6" indent="0" algn="r">
+              <a:lnSpc>
+                <a:spcPct val="100000"/>
+              </a:lnSpc>
+              <a:spcBef>
+                <a:spcPts val="0"/>
+              </a:spcBef>
+              <a:spcAft>
+                <a:spcPts val="0"/>
+              </a:spcAft>
+              <a:buClr>
+                <a:srgbClr val="000000"/>
+              </a:buClr>
+              <a:buSzPts val="1000"/>
+              <a:buFont typeface="Arial"/>
+              <a:buNone/>
+              <a:defRPr sz="1000" b="0" i="0" u="none" strike="noStrike" cap="none">
                 <a:solidFill>
                   <a:schemeClr val="dk2"/>
                 </a:solidFill>
@@ -5323,23 +5409,23 @@
                 <a:sym typeface="Arial"/>
               </a:defRPr>
             </a:lvl7pPr>
-            <a:lvl8pPr indent="0" lvl="7" marL="0" marR="0" algn="r">
-              <a:lnSpc>
-                <a:spcPct val="100000"/>
-              </a:lnSpc>
-              <a:spcBef>
-                <a:spcPts val="0"/>
-              </a:spcBef>
-              <a:spcAft>
-                <a:spcPts val="0"/>
-              </a:spcAft>
-              <a:buClr>
-                <a:srgbClr val="000000"/>
-              </a:buClr>
-              <a:buSzPts val="1000"/>
-              <a:buFont typeface="Arial"/>
-              <a:buNone/>
-              <a:defRPr b="0" i="0" sz="1000" u="none" cap="none" strike="noStrike">
+            <a:lvl8pPr marL="0" marR="0" lvl="7" indent="0" algn="r">
+              <a:lnSpc>
+                <a:spcPct val="100000"/>
+              </a:lnSpc>
+              <a:spcBef>
+                <a:spcPts val="0"/>
+              </a:spcBef>
+              <a:spcAft>
+                <a:spcPts val="0"/>
+              </a:spcAft>
+              <a:buClr>
+                <a:srgbClr val="000000"/>
+              </a:buClr>
+              <a:buSzPts val="1000"/>
+              <a:buFont typeface="Arial"/>
+              <a:buNone/>
+              <a:defRPr sz="1000" b="0" i="0" u="none" strike="noStrike" cap="none">
                 <a:solidFill>
                   <a:schemeClr val="dk2"/>
                 </a:solidFill>
@@ -5349,23 +5435,23 @@
                 <a:sym typeface="Arial"/>
               </a:defRPr>
             </a:lvl8pPr>
-            <a:lvl9pPr indent="0" lvl="8" marL="0" marR="0" algn="r">
-              <a:lnSpc>
-                <a:spcPct val="100000"/>
-              </a:lnSpc>
-              <a:spcBef>
-                <a:spcPts val="0"/>
-              </a:spcBef>
-              <a:spcAft>
-                <a:spcPts val="0"/>
-              </a:spcAft>
-              <a:buClr>
-                <a:srgbClr val="000000"/>
-              </a:buClr>
-              <a:buSzPts val="1000"/>
-              <a:buFont typeface="Arial"/>
-              <a:buNone/>
-              <a:defRPr b="0" i="0" sz="1000" u="none" cap="none" strike="noStrike">
+            <a:lvl9pPr marL="0" marR="0" lvl="8" indent="0" algn="r">
+              <a:lnSpc>
+                <a:spcPct val="100000"/>
+              </a:lnSpc>
+              <a:spcBef>
+                <a:spcPts val="0"/>
+              </a:spcBef>
+              <a:spcAft>
+                <a:spcPts val="0"/>
+              </a:spcAft>
+              <a:buClr>
+                <a:srgbClr val="000000"/>
+              </a:buClr>
+              <a:buSzPts val="1000"/>
+              <a:buFont typeface="Arial"/>
+              <a:buNone/>
+              <a:defRPr sz="1000" b="0" i="0" u="none" strike="noStrike" cap="none">
                 <a:solidFill>
                   <a:schemeClr val="dk2"/>
                 </a:solidFill>
@@ -5377,7 +5463,7 @@
             </a:lvl9pPr>
           </a:lstStyle>
           <a:p>
-            <a:pPr indent="0" lvl="0" marL="0" rtl="0" algn="r">
+            <a:pPr marL="0" lvl="0" indent="0" algn="r" rtl="0">
               <a:spcBef>
                 <a:spcPts val="0"/>
               </a:spcBef>
@@ -5388,7 +5474,7 @@
             </a:pPr>
             <a:fld id="{00000000-1234-1234-1234-123412341234}" type="slidenum">
               <a:rPr lang="pt-BR"/>
-              <a:t>‹#›</a:t>
+              <a:t>‹nº›</a:t>
             </a:fld>
             <a:endParaRPr/>
           </a:p>
@@ -5403,11 +5489,11 @@
 </file>
 
 <file path=ppt/slideLayouts/slideLayout7.xml><?xml version="1.0" encoding="utf-8"?>
-<p:sldLayout xmlns:a="http://schemas.openxmlformats.org/drawingml/2006/main" xmlns:r="http://schemas.openxmlformats.org/officeDocument/2006/relationships" xmlns:mc="http://schemas.openxmlformats.org/markup-compatibility/2006" xmlns:mv="urn:schemas-microsoft-com:mac:vml" xmlns:p="http://schemas.openxmlformats.org/presentationml/2006/main" xmlns:c="http://schemas.openxmlformats.org/drawingml/2006/chart" xmlns:dgm="http://schemas.openxmlformats.org/drawingml/2006/diagram" xmlns:o="urn:schemas-microsoft-com:office:office" xmlns:v="urn:schemas-microsoft-com:vml" xmlns:pvml="urn:schemas-microsoft-com:office:powerpoint" xmlns:com="http://schemas.openxmlformats.org/drawingml/2006/compatibility" xmlns:p14="http://schemas.microsoft.com/office/powerpoint/2010/main" xmlns:p15="http://schemas.microsoft.com/office/powerpoint/2012/main" xmlns:ahyp="http://schemas.microsoft.com/office/drawing/2018/hyperlinkcolor" matchingName="Main point">
+<p:sldLayout xmlns:a="http://schemas.openxmlformats.org/drawingml/2006/main" xmlns:r="http://schemas.openxmlformats.org/officeDocument/2006/relationships" xmlns:p="http://schemas.openxmlformats.org/presentationml/2006/main" matchingName="Main point">
   <p:cSld name="MAIN_POINT">
     <p:spTree>
       <p:nvGrpSpPr>
-        <p:cNvPr id="32" name="Shape 32"/>
+        <p:cNvPr id="1" name="Shape 32"/>
         <p:cNvGrpSpPr/>
         <p:nvPr/>
       </p:nvGrpSpPr>
@@ -5422,7 +5508,9 @@
       <p:sp>
         <p:nvSpPr>
           <p:cNvPr id="33" name="Google Shape;33;p8"/>
-          <p:cNvSpPr txBox="1"/>
+          <p:cNvSpPr txBox="1">
+            <a:spLocks noGrp="1"/>
+          </p:cNvSpPr>
           <p:nvPr>
             <p:ph type="title"/>
           </p:nvPr>
@@ -5441,7 +5529,7 @@
           </a:ln>
         </p:spPr>
         <p:txBody>
-          <a:bodyPr anchorCtr="0" anchor="ctr" bIns="91425" lIns="91425" spcFirstLastPara="1" rIns="91425" wrap="square" tIns="91425">
+          <a:bodyPr spcFirstLastPara="1" wrap="square" lIns="91425" tIns="91425" rIns="91425" bIns="91425" anchor="ctr" anchorCtr="0">
             <a:noAutofit/>
           </a:bodyPr>
           <a:lstStyle>
@@ -5572,15 +5660,19 @@
               <a:defRPr sz="4800"/>
             </a:lvl9pPr>
           </a:lstStyle>
-          <a:p/>
+          <a:p>
+            <a:endParaRPr/>
+          </a:p>
         </p:txBody>
       </p:sp>
       <p:sp>
         <p:nvSpPr>
           <p:cNvPr id="34" name="Google Shape;34;p8"/>
-          <p:cNvSpPr txBox="1"/>
+          <p:cNvSpPr txBox="1">
+            <a:spLocks noGrp="1"/>
+          </p:cNvSpPr>
           <p:nvPr>
-            <p:ph idx="12" type="sldNum"/>
+            <p:ph type="sldNum" idx="12"/>
           </p:nvPr>
         </p:nvSpPr>
         <p:spPr>
@@ -5597,27 +5689,27 @@
           </a:ln>
         </p:spPr>
         <p:txBody>
-          <a:bodyPr anchorCtr="0" anchor="ctr" bIns="91425" lIns="91425" spcFirstLastPara="1" rIns="91425" wrap="square" tIns="91425">
+          <a:bodyPr spcFirstLastPara="1" wrap="square" lIns="91425" tIns="91425" rIns="91425" bIns="91425" anchor="ctr" anchorCtr="0">
             <a:noAutofit/>
           </a:bodyPr>
           <a:lstStyle>
-            <a:lvl1pPr indent="0" lvl="0" marL="0" marR="0" algn="r">
-              <a:lnSpc>
-                <a:spcPct val="100000"/>
-              </a:lnSpc>
-              <a:spcBef>
-                <a:spcPts val="0"/>
-              </a:spcBef>
-              <a:spcAft>
-                <a:spcPts val="0"/>
-              </a:spcAft>
-              <a:buClr>
-                <a:srgbClr val="000000"/>
-              </a:buClr>
-              <a:buSzPts val="1000"/>
-              <a:buFont typeface="Arial"/>
-              <a:buNone/>
-              <a:defRPr b="0" i="0" sz="1000" u="none" cap="none" strike="noStrike">
+            <a:lvl1pPr marL="0" marR="0" lvl="0" indent="0" algn="r">
+              <a:lnSpc>
+                <a:spcPct val="100000"/>
+              </a:lnSpc>
+              <a:spcBef>
+                <a:spcPts val="0"/>
+              </a:spcBef>
+              <a:spcAft>
+                <a:spcPts val="0"/>
+              </a:spcAft>
+              <a:buClr>
+                <a:srgbClr val="000000"/>
+              </a:buClr>
+              <a:buSzPts val="1000"/>
+              <a:buFont typeface="Arial"/>
+              <a:buNone/>
+              <a:defRPr sz="1000" b="0" i="0" u="none" strike="noStrike" cap="none">
                 <a:solidFill>
                   <a:schemeClr val="dk2"/>
                 </a:solidFill>
@@ -5627,23 +5719,23 @@
                 <a:sym typeface="Arial"/>
               </a:defRPr>
             </a:lvl1pPr>
-            <a:lvl2pPr indent="0" lvl="1" marL="0" marR="0" algn="r">
-              <a:lnSpc>
-                <a:spcPct val="100000"/>
-              </a:lnSpc>
-              <a:spcBef>
-                <a:spcPts val="0"/>
-              </a:spcBef>
-              <a:spcAft>
-                <a:spcPts val="0"/>
-              </a:spcAft>
-              <a:buClr>
-                <a:srgbClr val="000000"/>
-              </a:buClr>
-              <a:buSzPts val="1000"/>
-              <a:buFont typeface="Arial"/>
-              <a:buNone/>
-              <a:defRPr b="0" i="0" sz="1000" u="none" cap="none" strike="noStrike">
+            <a:lvl2pPr marL="0" marR="0" lvl="1" indent="0" algn="r">
+              <a:lnSpc>
+                <a:spcPct val="100000"/>
+              </a:lnSpc>
+              <a:spcBef>
+                <a:spcPts val="0"/>
+              </a:spcBef>
+              <a:spcAft>
+                <a:spcPts val="0"/>
+              </a:spcAft>
+              <a:buClr>
+                <a:srgbClr val="000000"/>
+              </a:buClr>
+              <a:buSzPts val="1000"/>
+              <a:buFont typeface="Arial"/>
+              <a:buNone/>
+              <a:defRPr sz="1000" b="0" i="0" u="none" strike="noStrike" cap="none">
                 <a:solidFill>
                   <a:schemeClr val="dk2"/>
                 </a:solidFill>
@@ -5653,23 +5745,23 @@
                 <a:sym typeface="Arial"/>
               </a:defRPr>
             </a:lvl2pPr>
-            <a:lvl3pPr indent="0" lvl="2" marL="0" marR="0" algn="r">
-              <a:lnSpc>
-                <a:spcPct val="100000"/>
-              </a:lnSpc>
-              <a:spcBef>
-                <a:spcPts val="0"/>
-              </a:spcBef>
-              <a:spcAft>
-                <a:spcPts val="0"/>
-              </a:spcAft>
-              <a:buClr>
-                <a:srgbClr val="000000"/>
-              </a:buClr>
-              <a:buSzPts val="1000"/>
-              <a:buFont typeface="Arial"/>
-              <a:buNone/>
-              <a:defRPr b="0" i="0" sz="1000" u="none" cap="none" strike="noStrike">
+            <a:lvl3pPr marL="0" marR="0" lvl="2" indent="0" algn="r">
+              <a:lnSpc>
+                <a:spcPct val="100000"/>
+              </a:lnSpc>
+              <a:spcBef>
+                <a:spcPts val="0"/>
+              </a:spcBef>
+              <a:spcAft>
+                <a:spcPts val="0"/>
+              </a:spcAft>
+              <a:buClr>
+                <a:srgbClr val="000000"/>
+              </a:buClr>
+              <a:buSzPts val="1000"/>
+              <a:buFont typeface="Arial"/>
+              <a:buNone/>
+              <a:defRPr sz="1000" b="0" i="0" u="none" strike="noStrike" cap="none">
                 <a:solidFill>
                   <a:schemeClr val="dk2"/>
                 </a:solidFill>
@@ -5679,23 +5771,23 @@
                 <a:sym typeface="Arial"/>
               </a:defRPr>
             </a:lvl3pPr>
-            <a:lvl4pPr indent="0" lvl="3" marL="0" marR="0" algn="r">
-              <a:lnSpc>
-                <a:spcPct val="100000"/>
-              </a:lnSpc>
-              <a:spcBef>
-                <a:spcPts val="0"/>
-              </a:spcBef>
-              <a:spcAft>
-                <a:spcPts val="0"/>
-              </a:spcAft>
-              <a:buClr>
-                <a:srgbClr val="000000"/>
-              </a:buClr>
-              <a:buSzPts val="1000"/>
-              <a:buFont typeface="Arial"/>
-              <a:buNone/>
-              <a:defRPr b="0" i="0" sz="1000" u="none" cap="none" strike="noStrike">
+            <a:lvl4pPr marL="0" marR="0" lvl="3" indent="0" algn="r">
+              <a:lnSpc>
+                <a:spcPct val="100000"/>
+              </a:lnSpc>
+              <a:spcBef>
+                <a:spcPts val="0"/>
+              </a:spcBef>
+              <a:spcAft>
+                <a:spcPts val="0"/>
+              </a:spcAft>
+              <a:buClr>
+                <a:srgbClr val="000000"/>
+              </a:buClr>
+              <a:buSzPts val="1000"/>
+              <a:buFont typeface="Arial"/>
+              <a:buNone/>
+              <a:defRPr sz="1000" b="0" i="0" u="none" strike="noStrike" cap="none">
                 <a:solidFill>
                   <a:schemeClr val="dk2"/>
                 </a:solidFill>
@@ -5705,23 +5797,23 @@
                 <a:sym typeface="Arial"/>
               </a:defRPr>
             </a:lvl4pPr>
-            <a:lvl5pPr indent="0" lvl="4" marL="0" marR="0" algn="r">
-              <a:lnSpc>
-                <a:spcPct val="100000"/>
-              </a:lnSpc>
-              <a:spcBef>
-                <a:spcPts val="0"/>
-              </a:spcBef>
-              <a:spcAft>
-                <a:spcPts val="0"/>
-              </a:spcAft>
-              <a:buClr>
-                <a:srgbClr val="000000"/>
-              </a:buClr>
-              <a:buSzPts val="1000"/>
-              <a:buFont typeface="Arial"/>
-              <a:buNone/>
-              <a:defRPr b="0" i="0" sz="1000" u="none" cap="none" strike="noStrike">
+            <a:lvl5pPr marL="0" marR="0" lvl="4" indent="0" algn="r">
+              <a:lnSpc>
+                <a:spcPct val="100000"/>
+              </a:lnSpc>
+              <a:spcBef>
+                <a:spcPts val="0"/>
+              </a:spcBef>
+              <a:spcAft>
+                <a:spcPts val="0"/>
+              </a:spcAft>
+              <a:buClr>
+                <a:srgbClr val="000000"/>
+              </a:buClr>
+              <a:buSzPts val="1000"/>
+              <a:buFont typeface="Arial"/>
+              <a:buNone/>
+              <a:defRPr sz="1000" b="0" i="0" u="none" strike="noStrike" cap="none">
                 <a:solidFill>
                   <a:schemeClr val="dk2"/>
                 </a:solidFill>
@@ -5731,23 +5823,23 @@
                 <a:sym typeface="Arial"/>
               </a:defRPr>
             </a:lvl5pPr>
-            <a:lvl6pPr indent="0" lvl="5" marL="0" marR="0" algn="r">
-              <a:lnSpc>
-                <a:spcPct val="100000"/>
-              </a:lnSpc>
-              <a:spcBef>
-                <a:spcPts val="0"/>
-              </a:spcBef>
-              <a:spcAft>
-                <a:spcPts val="0"/>
-              </a:spcAft>
-              <a:buClr>
-                <a:srgbClr val="000000"/>
-              </a:buClr>
-              <a:buSzPts val="1000"/>
-              <a:buFont typeface="Arial"/>
-              <a:buNone/>
-              <a:defRPr b="0" i="0" sz="1000" u="none" cap="none" strike="noStrike">
+            <a:lvl6pPr marL="0" marR="0" lvl="5" indent="0" algn="r">
+              <a:lnSpc>
+                <a:spcPct val="100000"/>
+              </a:lnSpc>
+              <a:spcBef>
+                <a:spcPts val="0"/>
+              </a:spcBef>
+              <a:spcAft>
+                <a:spcPts val="0"/>
+              </a:spcAft>
+              <a:buClr>
+                <a:srgbClr val="000000"/>
+              </a:buClr>
+              <a:buSzPts val="1000"/>
+              <a:buFont typeface="Arial"/>
+              <a:buNone/>
+              <a:defRPr sz="1000" b="0" i="0" u="none" strike="noStrike" cap="none">
                 <a:solidFill>
                   <a:schemeClr val="dk2"/>
                 </a:solidFill>
@@ -5757,23 +5849,23 @@
                 <a:sym typeface="Arial"/>
               </a:defRPr>
             </a:lvl6pPr>
-            <a:lvl7pPr indent="0" lvl="6" marL="0" marR="0" algn="r">
-              <a:lnSpc>
-                <a:spcPct val="100000"/>
-              </a:lnSpc>
-              <a:spcBef>
-                <a:spcPts val="0"/>
-              </a:spcBef>
-              <a:spcAft>
-                <a:spcPts val="0"/>
-              </a:spcAft>
-              <a:buClr>
-                <a:srgbClr val="000000"/>
-              </a:buClr>
-              <a:buSzPts val="1000"/>
-              <a:buFont typeface="Arial"/>
-              <a:buNone/>
-              <a:defRPr b="0" i="0" sz="1000" u="none" cap="none" strike="noStrike">
+            <a:lvl7pPr marL="0" marR="0" lvl="6" indent="0" algn="r">
+              <a:lnSpc>
+                <a:spcPct val="100000"/>
+              </a:lnSpc>
+              <a:spcBef>
+                <a:spcPts val="0"/>
+              </a:spcBef>
+              <a:spcAft>
+                <a:spcPts val="0"/>
+              </a:spcAft>
+              <a:buClr>
+                <a:srgbClr val="000000"/>
+              </a:buClr>
+              <a:buSzPts val="1000"/>
+              <a:buFont typeface="Arial"/>
+              <a:buNone/>
+              <a:defRPr sz="1000" b="0" i="0" u="none" strike="noStrike" cap="none">
                 <a:solidFill>
                   <a:schemeClr val="dk2"/>
                 </a:solidFill>
@@ -5783,23 +5875,23 @@
                 <a:sym typeface="Arial"/>
               </a:defRPr>
             </a:lvl7pPr>
-            <a:lvl8pPr indent="0" lvl="7" marL="0" marR="0" algn="r">
-              <a:lnSpc>
-                <a:spcPct val="100000"/>
-              </a:lnSpc>
-              <a:spcBef>
-                <a:spcPts val="0"/>
-              </a:spcBef>
-              <a:spcAft>
-                <a:spcPts val="0"/>
-              </a:spcAft>
-              <a:buClr>
-                <a:srgbClr val="000000"/>
-              </a:buClr>
-              <a:buSzPts val="1000"/>
-              <a:buFont typeface="Arial"/>
-              <a:buNone/>
-              <a:defRPr b="0" i="0" sz="1000" u="none" cap="none" strike="noStrike">
+            <a:lvl8pPr marL="0" marR="0" lvl="7" indent="0" algn="r">
+              <a:lnSpc>
+                <a:spcPct val="100000"/>
+              </a:lnSpc>
+              <a:spcBef>
+                <a:spcPts val="0"/>
+              </a:spcBef>
+              <a:spcAft>
+                <a:spcPts val="0"/>
+              </a:spcAft>
+              <a:buClr>
+                <a:srgbClr val="000000"/>
+              </a:buClr>
+              <a:buSzPts val="1000"/>
+              <a:buFont typeface="Arial"/>
+              <a:buNone/>
+              <a:defRPr sz="1000" b="0" i="0" u="none" strike="noStrike" cap="none">
                 <a:solidFill>
                   <a:schemeClr val="dk2"/>
                 </a:solidFill>
@@ -5809,23 +5901,23 @@
                 <a:sym typeface="Arial"/>
               </a:defRPr>
             </a:lvl8pPr>
-            <a:lvl9pPr indent="0" lvl="8" marL="0" marR="0" algn="r">
-              <a:lnSpc>
-                <a:spcPct val="100000"/>
-              </a:lnSpc>
-              <a:spcBef>
-                <a:spcPts val="0"/>
-              </a:spcBef>
-              <a:spcAft>
-                <a:spcPts val="0"/>
-              </a:spcAft>
-              <a:buClr>
-                <a:srgbClr val="000000"/>
-              </a:buClr>
-              <a:buSzPts val="1000"/>
-              <a:buFont typeface="Arial"/>
-              <a:buNone/>
-              <a:defRPr b="0" i="0" sz="1000" u="none" cap="none" strike="noStrike">
+            <a:lvl9pPr marL="0" marR="0" lvl="8" indent="0" algn="r">
+              <a:lnSpc>
+                <a:spcPct val="100000"/>
+              </a:lnSpc>
+              <a:spcBef>
+                <a:spcPts val="0"/>
+              </a:spcBef>
+              <a:spcAft>
+                <a:spcPts val="0"/>
+              </a:spcAft>
+              <a:buClr>
+                <a:srgbClr val="000000"/>
+              </a:buClr>
+              <a:buSzPts val="1000"/>
+              <a:buFont typeface="Arial"/>
+              <a:buNone/>
+              <a:defRPr sz="1000" b="0" i="0" u="none" strike="noStrike" cap="none">
                 <a:solidFill>
                   <a:schemeClr val="dk2"/>
                 </a:solidFill>
@@ -5837,7 +5929,7 @@
             </a:lvl9pPr>
           </a:lstStyle>
           <a:p>
-            <a:pPr indent="0" lvl="0" marL="0" rtl="0" algn="r">
+            <a:pPr marL="0" lvl="0" indent="0" algn="r" rtl="0">
               <a:spcBef>
                 <a:spcPts val="0"/>
               </a:spcBef>
@@ -5848,7 +5940,7 @@
             </a:pPr>
             <a:fld id="{00000000-1234-1234-1234-123412341234}" type="slidenum">
               <a:rPr lang="pt-BR"/>
-              <a:t>‹#›</a:t>
+              <a:t>‹nº›</a:t>
             </a:fld>
             <a:endParaRPr/>
           </a:p>
@@ -5863,11 +5955,11 @@
 </file>
 
 <file path=ppt/slideLayouts/slideLayout8.xml><?xml version="1.0" encoding="utf-8"?>
-<p:sldLayout xmlns:a="http://schemas.openxmlformats.org/drawingml/2006/main" xmlns:r="http://schemas.openxmlformats.org/officeDocument/2006/relationships" xmlns:mc="http://schemas.openxmlformats.org/markup-compatibility/2006" xmlns:mv="urn:schemas-microsoft-com:mac:vml" xmlns:p="http://schemas.openxmlformats.org/presentationml/2006/main" xmlns:c="http://schemas.openxmlformats.org/drawingml/2006/chart" xmlns:dgm="http://schemas.openxmlformats.org/drawingml/2006/diagram" xmlns:o="urn:schemas-microsoft-com:office:office" xmlns:v="urn:schemas-microsoft-com:vml" xmlns:pvml="urn:schemas-microsoft-com:office:powerpoint" xmlns:com="http://schemas.openxmlformats.org/drawingml/2006/compatibility" xmlns:p14="http://schemas.microsoft.com/office/powerpoint/2010/main" xmlns:p15="http://schemas.microsoft.com/office/powerpoint/2012/main" xmlns:ahyp="http://schemas.microsoft.com/office/drawing/2018/hyperlinkcolor" matchingName="Section title and description">
+<p:sldLayout xmlns:a="http://schemas.openxmlformats.org/drawingml/2006/main" xmlns:r="http://schemas.openxmlformats.org/officeDocument/2006/relationships" xmlns:p="http://schemas.openxmlformats.org/presentationml/2006/main" matchingName="Section title and description">
   <p:cSld name="SECTION_TITLE_AND_DESCRIPTION">
     <p:spTree>
       <p:nvGrpSpPr>
-        <p:cNvPr id="35" name="Shape 35"/>
+        <p:cNvPr id="1" name="Shape 35"/>
         <p:cNvGrpSpPr/>
         <p:nvPr/>
       </p:nvGrpSpPr>
@@ -5901,12 +5993,12 @@
           </a:ln>
         </p:spPr>
         <p:txBody>
-          <a:bodyPr anchorCtr="0" anchor="ctr" bIns="91425" lIns="91425" spcFirstLastPara="1" rIns="91425" wrap="square" tIns="91425">
+          <a:bodyPr spcFirstLastPara="1" wrap="square" lIns="91425" tIns="91425" rIns="91425" bIns="91425" anchor="ctr" anchorCtr="0">
             <a:noAutofit/>
           </a:bodyPr>
           <a:lstStyle/>
           <a:p>
-            <a:pPr indent="0" lvl="0" marL="0" marR="0" rtl="0" algn="l">
+            <a:pPr marL="0" marR="0" lvl="0" indent="0" algn="l" rtl="0">
               <a:lnSpc>
                 <a:spcPct val="100000"/>
               </a:lnSpc>
@@ -5923,10 +6015,7 @@
               <a:buFont typeface="Arial"/>
               <a:buNone/>
             </a:pPr>
-            <a:r>
-              <a:t/>
-            </a:r>
-            <a:endParaRPr b="0" i="0" sz="1400" u="none" cap="none" strike="noStrike">
+            <a:endParaRPr sz="1400" b="0" i="0" u="none" strike="noStrike" cap="none">
               <a:solidFill>
                 <a:srgbClr val="000000"/>
               </a:solidFill>
@@ -5941,7 +6030,9 @@
       <p:sp>
         <p:nvSpPr>
           <p:cNvPr id="37" name="Google Shape;37;p9"/>
-          <p:cNvSpPr txBox="1"/>
+          <p:cNvSpPr txBox="1">
+            <a:spLocks noGrp="1"/>
+          </p:cNvSpPr>
           <p:nvPr>
             <p:ph type="title"/>
           </p:nvPr>
@@ -5960,7 +6051,7 @@
           </a:ln>
         </p:spPr>
         <p:txBody>
-          <a:bodyPr anchorCtr="0" anchor="b" bIns="91425" lIns="91425" spcFirstLastPara="1" rIns="91425" wrap="square" tIns="91425">
+          <a:bodyPr spcFirstLastPara="1" wrap="square" lIns="91425" tIns="91425" rIns="91425" bIns="91425" anchor="b" anchorCtr="0">
             <a:noAutofit/>
           </a:bodyPr>
           <a:lstStyle>
@@ -6091,15 +6182,19 @@
               <a:defRPr sz="4200"/>
             </a:lvl9pPr>
           </a:lstStyle>
-          <a:p/>
+          <a:p>
+            <a:endParaRPr/>
+          </a:p>
         </p:txBody>
       </p:sp>
       <p:sp>
         <p:nvSpPr>
           <p:cNvPr id="38" name="Google Shape;38;p9"/>
-          <p:cNvSpPr txBox="1"/>
+          <p:cNvSpPr txBox="1">
+            <a:spLocks noGrp="1"/>
+          </p:cNvSpPr>
           <p:nvPr>
-            <p:ph idx="1" type="subTitle"/>
+            <p:ph type="subTitle" idx="1"/>
           </p:nvPr>
         </p:nvSpPr>
         <p:spPr>
@@ -6116,7 +6211,7 @@
           </a:ln>
         </p:spPr>
         <p:txBody>
-          <a:bodyPr anchorCtr="0" anchor="t" bIns="91425" lIns="91425" spcFirstLastPara="1" rIns="91425" wrap="square" tIns="91425">
+          <a:bodyPr spcFirstLastPara="1" wrap="square" lIns="91425" tIns="91425" rIns="91425" bIns="91425" anchor="t" anchorCtr="0">
             <a:noAutofit/>
           </a:bodyPr>
           <a:lstStyle>
@@ -6247,15 +6342,19 @@
               <a:defRPr sz="2100"/>
             </a:lvl9pPr>
           </a:lstStyle>
-          <a:p/>
+          <a:p>
+            <a:endParaRPr/>
+          </a:p>
         </p:txBody>
       </p:sp>
       <p:sp>
         <p:nvSpPr>
           <p:cNvPr id="39" name="Google Shape;39;p9"/>
-          <p:cNvSpPr txBox="1"/>
+          <p:cNvSpPr txBox="1">
+            <a:spLocks noGrp="1"/>
+          </p:cNvSpPr>
           <p:nvPr>
-            <p:ph idx="2" type="body"/>
+            <p:ph type="body" idx="2"/>
           </p:nvPr>
         </p:nvSpPr>
         <p:spPr>
@@ -6272,11 +6371,11 @@
           </a:ln>
         </p:spPr>
         <p:txBody>
-          <a:bodyPr anchorCtr="0" anchor="ctr" bIns="91425" lIns="91425" spcFirstLastPara="1" rIns="91425" wrap="square" tIns="91425">
+          <a:bodyPr spcFirstLastPara="1" wrap="square" lIns="91425" tIns="91425" rIns="91425" bIns="91425" anchor="ctr" anchorCtr="0">
             <a:noAutofit/>
           </a:bodyPr>
           <a:lstStyle>
-            <a:lvl1pPr indent="-342900" lvl="0" marL="457200" algn="l">
+            <a:lvl1pPr marL="457200" lvl="0" indent="-342900" algn="l">
               <a:lnSpc>
                 <a:spcPct val="115000"/>
               </a:lnSpc>
@@ -6290,7 +6389,7 @@
               <a:buChar char="●"/>
               <a:defRPr/>
             </a:lvl1pPr>
-            <a:lvl2pPr indent="-317500" lvl="1" marL="914400" algn="l">
+            <a:lvl2pPr marL="914400" lvl="1" indent="-317500" algn="l">
               <a:lnSpc>
                 <a:spcPct val="115000"/>
               </a:lnSpc>
@@ -6304,7 +6403,7 @@
               <a:buChar char="○"/>
               <a:defRPr/>
             </a:lvl2pPr>
-            <a:lvl3pPr indent="-317500" lvl="2" marL="1371600" algn="l">
+            <a:lvl3pPr marL="1371600" lvl="2" indent="-317500" algn="l">
               <a:lnSpc>
                 <a:spcPct val="115000"/>
               </a:lnSpc>
@@ -6318,7 +6417,7 @@
               <a:buChar char="■"/>
               <a:defRPr/>
             </a:lvl3pPr>
-            <a:lvl4pPr indent="-317500" lvl="3" marL="1828800" algn="l">
+            <a:lvl4pPr marL="1828800" lvl="3" indent="-317500" algn="l">
               <a:lnSpc>
                 <a:spcPct val="115000"/>
               </a:lnSpc>
@@ -6332,7 +6431,7 @@
               <a:buChar char="●"/>
               <a:defRPr/>
             </a:lvl4pPr>
-            <a:lvl5pPr indent="-317500" lvl="4" marL="2286000" algn="l">
+            <a:lvl5pPr marL="2286000" lvl="4" indent="-317500" algn="l">
               <a:lnSpc>
                 <a:spcPct val="115000"/>
               </a:lnSpc>
@@ -6346,7 +6445,7 @@
               <a:buChar char="○"/>
               <a:defRPr/>
             </a:lvl5pPr>
-            <a:lvl6pPr indent="-317500" lvl="5" marL="2743200" algn="l">
+            <a:lvl6pPr marL="2743200" lvl="5" indent="-317500" algn="l">
               <a:lnSpc>
                 <a:spcPct val="115000"/>
               </a:lnSpc>
@@ -6360,7 +6459,7 @@
               <a:buChar char="■"/>
               <a:defRPr/>
             </a:lvl6pPr>
-            <a:lvl7pPr indent="-317500" lvl="6" marL="3200400" algn="l">
+            <a:lvl7pPr marL="3200400" lvl="6" indent="-317500" algn="l">
               <a:lnSpc>
                 <a:spcPct val="115000"/>
               </a:lnSpc>
@@ -6374,7 +6473,7 @@
               <a:buChar char="●"/>
               <a:defRPr/>
             </a:lvl7pPr>
-            <a:lvl8pPr indent="-317500" lvl="7" marL="3657600" algn="l">
+            <a:lvl8pPr marL="3657600" lvl="7" indent="-317500" algn="l">
               <a:lnSpc>
                 <a:spcPct val="115000"/>
               </a:lnSpc>
@@ -6388,7 +6487,7 @@
               <a:buChar char="○"/>
               <a:defRPr/>
             </a:lvl8pPr>
-            <a:lvl9pPr indent="-317500" lvl="8" marL="4114800" algn="l">
+            <a:lvl9pPr marL="4114800" lvl="8" indent="-317500" algn="l">
               <a:lnSpc>
                 <a:spcPct val="115000"/>
               </a:lnSpc>
@@ -6403,15 +6502,19 @@
               <a:defRPr/>
             </a:lvl9pPr>
           </a:lstStyle>
-          <a:p/>
+          <a:p>
+            <a:endParaRPr/>
+          </a:p>
         </p:txBody>
       </p:sp>
       <p:sp>
         <p:nvSpPr>
           <p:cNvPr id="40" name="Google Shape;40;p9"/>
-          <p:cNvSpPr txBox="1"/>
+          <p:cNvSpPr txBox="1">
+            <a:spLocks noGrp="1"/>
+          </p:cNvSpPr>
           <p:nvPr>
-            <p:ph idx="12" type="sldNum"/>
+            <p:ph type="sldNum" idx="12"/>
           </p:nvPr>
         </p:nvSpPr>
         <p:spPr>
@@ -6428,27 +6531,27 @@
           </a:ln>
         </p:spPr>
         <p:txBody>
-          <a:bodyPr anchorCtr="0" anchor="ctr" bIns="91425" lIns="91425" spcFirstLastPara="1" rIns="91425" wrap="square" tIns="91425">
+          <a:bodyPr spcFirstLastPara="1" wrap="square" lIns="91425" tIns="91425" rIns="91425" bIns="91425" anchor="ctr" anchorCtr="0">
             <a:noAutofit/>
           </a:bodyPr>
           <a:lstStyle>
-            <a:lvl1pPr indent="0" lvl="0" marL="0" marR="0" algn="r">
-              <a:lnSpc>
-                <a:spcPct val="100000"/>
-              </a:lnSpc>
-              <a:spcBef>
-                <a:spcPts val="0"/>
-              </a:spcBef>
-              <a:spcAft>
-                <a:spcPts val="0"/>
-              </a:spcAft>
-              <a:buClr>
-                <a:srgbClr val="000000"/>
-              </a:buClr>
-              <a:buSzPts val="1000"/>
-              <a:buFont typeface="Arial"/>
-              <a:buNone/>
-              <a:defRPr b="0" i="0" sz="1000" u="none" cap="none" strike="noStrike">
+            <a:lvl1pPr marL="0" marR="0" lvl="0" indent="0" algn="r">
+              <a:lnSpc>
+                <a:spcPct val="100000"/>
+              </a:lnSpc>
+              <a:spcBef>
+                <a:spcPts val="0"/>
+              </a:spcBef>
+              <a:spcAft>
+                <a:spcPts val="0"/>
+              </a:spcAft>
+              <a:buClr>
+                <a:srgbClr val="000000"/>
+              </a:buClr>
+              <a:buSzPts val="1000"/>
+              <a:buFont typeface="Arial"/>
+              <a:buNone/>
+              <a:defRPr sz="1000" b="0" i="0" u="none" strike="noStrike" cap="none">
                 <a:solidFill>
                   <a:schemeClr val="dk2"/>
                 </a:solidFill>
@@ -6458,23 +6561,23 @@
                 <a:sym typeface="Arial"/>
               </a:defRPr>
             </a:lvl1pPr>
-            <a:lvl2pPr indent="0" lvl="1" marL="0" marR="0" algn="r">
-              <a:lnSpc>
-                <a:spcPct val="100000"/>
-              </a:lnSpc>
-              <a:spcBef>
-                <a:spcPts val="0"/>
-              </a:spcBef>
-              <a:spcAft>
-                <a:spcPts val="0"/>
-              </a:spcAft>
-              <a:buClr>
-                <a:srgbClr val="000000"/>
-              </a:buClr>
-              <a:buSzPts val="1000"/>
-              <a:buFont typeface="Arial"/>
-              <a:buNone/>
-              <a:defRPr b="0" i="0" sz="1000" u="none" cap="none" strike="noStrike">
+            <a:lvl2pPr marL="0" marR="0" lvl="1" indent="0" algn="r">
+              <a:lnSpc>
+                <a:spcPct val="100000"/>
+              </a:lnSpc>
+              <a:spcBef>
+                <a:spcPts val="0"/>
+              </a:spcBef>
+              <a:spcAft>
+                <a:spcPts val="0"/>
+              </a:spcAft>
+              <a:buClr>
+                <a:srgbClr val="000000"/>
+              </a:buClr>
+              <a:buSzPts val="1000"/>
+              <a:buFont typeface="Arial"/>
+              <a:buNone/>
+              <a:defRPr sz="1000" b="0" i="0" u="none" strike="noStrike" cap="none">
                 <a:solidFill>
                   <a:schemeClr val="dk2"/>
                 </a:solidFill>
@@ -6484,23 +6587,23 @@
                 <a:sym typeface="Arial"/>
               </a:defRPr>
             </a:lvl2pPr>
-            <a:lvl3pPr indent="0" lvl="2" marL="0" marR="0" algn="r">
-              <a:lnSpc>
-                <a:spcPct val="100000"/>
-              </a:lnSpc>
-              <a:spcBef>
-                <a:spcPts val="0"/>
-              </a:spcBef>
-              <a:spcAft>
-                <a:spcPts val="0"/>
-              </a:spcAft>
-              <a:buClr>
-                <a:srgbClr val="000000"/>
-              </a:buClr>
-              <a:buSzPts val="1000"/>
-              <a:buFont typeface="Arial"/>
-              <a:buNone/>
-              <a:defRPr b="0" i="0" sz="1000" u="none" cap="none" strike="noStrike">
+            <a:lvl3pPr marL="0" marR="0" lvl="2" indent="0" algn="r">
+              <a:lnSpc>
+                <a:spcPct val="100000"/>
+              </a:lnSpc>
+              <a:spcBef>
+                <a:spcPts val="0"/>
+              </a:spcBef>
+              <a:spcAft>
+                <a:spcPts val="0"/>
+              </a:spcAft>
+              <a:buClr>
+                <a:srgbClr val="000000"/>
+              </a:buClr>
+              <a:buSzPts val="1000"/>
+              <a:buFont typeface="Arial"/>
+              <a:buNone/>
+              <a:defRPr sz="1000" b="0" i="0" u="none" strike="noStrike" cap="none">
                 <a:solidFill>
                   <a:schemeClr val="dk2"/>
                 </a:solidFill>
@@ -6510,23 +6613,23 @@
                 <a:sym typeface="Arial"/>
               </a:defRPr>
             </a:lvl3pPr>
-            <a:lvl4pPr indent="0" lvl="3" marL="0" marR="0" algn="r">
-              <a:lnSpc>
-                <a:spcPct val="100000"/>
-              </a:lnSpc>
-              <a:spcBef>
-                <a:spcPts val="0"/>
-              </a:spcBef>
-              <a:spcAft>
-                <a:spcPts val="0"/>
-              </a:spcAft>
-              <a:buClr>
-                <a:srgbClr val="000000"/>
-              </a:buClr>
-              <a:buSzPts val="1000"/>
-              <a:buFont typeface="Arial"/>
-              <a:buNone/>
-              <a:defRPr b="0" i="0" sz="1000" u="none" cap="none" strike="noStrike">
+            <a:lvl4pPr marL="0" marR="0" lvl="3" indent="0" algn="r">
+              <a:lnSpc>
+                <a:spcPct val="100000"/>
+              </a:lnSpc>
+              <a:spcBef>
+                <a:spcPts val="0"/>
+              </a:spcBef>
+              <a:spcAft>
+                <a:spcPts val="0"/>
+              </a:spcAft>
+              <a:buClr>
+                <a:srgbClr val="000000"/>
+              </a:buClr>
+              <a:buSzPts val="1000"/>
+              <a:buFont typeface="Arial"/>
+              <a:buNone/>
+              <a:defRPr sz="1000" b="0" i="0" u="none" strike="noStrike" cap="none">
                 <a:solidFill>
                   <a:schemeClr val="dk2"/>
                 </a:solidFill>
@@ -6536,23 +6639,23 @@
                 <a:sym typeface="Arial"/>
               </a:defRPr>
             </a:lvl4pPr>
-            <a:lvl5pPr indent="0" lvl="4" marL="0" marR="0" algn="r">
-              <a:lnSpc>
-                <a:spcPct val="100000"/>
-              </a:lnSpc>
-              <a:spcBef>
-                <a:spcPts val="0"/>
-              </a:spcBef>
-              <a:spcAft>
-                <a:spcPts val="0"/>
-              </a:spcAft>
-              <a:buClr>
-                <a:srgbClr val="000000"/>
-              </a:buClr>
-              <a:buSzPts val="1000"/>
-              <a:buFont typeface="Arial"/>
-              <a:buNone/>
-              <a:defRPr b="0" i="0" sz="1000" u="none" cap="none" strike="noStrike">
+            <a:lvl5pPr marL="0" marR="0" lvl="4" indent="0" algn="r">
+              <a:lnSpc>
+                <a:spcPct val="100000"/>
+              </a:lnSpc>
+              <a:spcBef>
+                <a:spcPts val="0"/>
+              </a:spcBef>
+              <a:spcAft>
+                <a:spcPts val="0"/>
+              </a:spcAft>
+              <a:buClr>
+                <a:srgbClr val="000000"/>
+              </a:buClr>
+              <a:buSzPts val="1000"/>
+              <a:buFont typeface="Arial"/>
+              <a:buNone/>
+              <a:defRPr sz="1000" b="0" i="0" u="none" strike="noStrike" cap="none">
                 <a:solidFill>
                   <a:schemeClr val="dk2"/>
                 </a:solidFill>
@@ -6562,23 +6665,23 @@
                 <a:sym typeface="Arial"/>
               </a:defRPr>
             </a:lvl5pPr>
-            <a:lvl6pPr indent="0" lvl="5" marL="0" marR="0" algn="r">
-              <a:lnSpc>
-                <a:spcPct val="100000"/>
-              </a:lnSpc>
-              <a:spcBef>
-                <a:spcPts val="0"/>
-              </a:spcBef>
-              <a:spcAft>
-                <a:spcPts val="0"/>
-              </a:spcAft>
-              <a:buClr>
-                <a:srgbClr val="000000"/>
-              </a:buClr>
-              <a:buSzPts val="1000"/>
-              <a:buFont typeface="Arial"/>
-              <a:buNone/>
-              <a:defRPr b="0" i="0" sz="1000" u="none" cap="none" strike="noStrike">
+            <a:lvl6pPr marL="0" marR="0" lvl="5" indent="0" algn="r">
+              <a:lnSpc>
+                <a:spcPct val="100000"/>
+              </a:lnSpc>
+              <a:spcBef>
+                <a:spcPts val="0"/>
+              </a:spcBef>
+              <a:spcAft>
+                <a:spcPts val="0"/>
+              </a:spcAft>
+              <a:buClr>
+                <a:srgbClr val="000000"/>
+              </a:buClr>
+              <a:buSzPts val="1000"/>
+              <a:buFont typeface="Arial"/>
+              <a:buNone/>
+              <a:defRPr sz="1000" b="0" i="0" u="none" strike="noStrike" cap="none">
                 <a:solidFill>
                   <a:schemeClr val="dk2"/>
                 </a:solidFill>
@@ -6588,23 +6691,23 @@
                 <a:sym typeface="Arial"/>
               </a:defRPr>
             </a:lvl6pPr>
-            <a:lvl7pPr indent="0" lvl="6" marL="0" marR="0" algn="r">
-              <a:lnSpc>
-                <a:spcPct val="100000"/>
-              </a:lnSpc>
-              <a:spcBef>
-                <a:spcPts val="0"/>
-              </a:spcBef>
-              <a:spcAft>
-                <a:spcPts val="0"/>
-              </a:spcAft>
-              <a:buClr>
-                <a:srgbClr val="000000"/>
-              </a:buClr>
-              <a:buSzPts val="1000"/>
-              <a:buFont typeface="Arial"/>
-              <a:buNone/>
-              <a:defRPr b="0" i="0" sz="1000" u="none" cap="none" strike="noStrike">
+            <a:lvl7pPr marL="0" marR="0" lvl="6" indent="0" algn="r">
+              <a:lnSpc>
+                <a:spcPct val="100000"/>
+              </a:lnSpc>
+              <a:spcBef>
+                <a:spcPts val="0"/>
+              </a:spcBef>
+              <a:spcAft>
+                <a:spcPts val="0"/>
+              </a:spcAft>
+              <a:buClr>
+                <a:srgbClr val="000000"/>
+              </a:buClr>
+              <a:buSzPts val="1000"/>
+              <a:buFont typeface="Arial"/>
+              <a:buNone/>
+              <a:defRPr sz="1000" b="0" i="0" u="none" strike="noStrike" cap="none">
                 <a:solidFill>
                   <a:schemeClr val="dk2"/>
                 </a:solidFill>
@@ -6614,23 +6717,23 @@
                 <a:sym typeface="Arial"/>
               </a:defRPr>
             </a:lvl7pPr>
-            <a:lvl8pPr indent="0" lvl="7" marL="0" marR="0" algn="r">
-              <a:lnSpc>
-                <a:spcPct val="100000"/>
-              </a:lnSpc>
-              <a:spcBef>
-                <a:spcPts val="0"/>
-              </a:spcBef>
-              <a:spcAft>
-                <a:spcPts val="0"/>
-              </a:spcAft>
-              <a:buClr>
-                <a:srgbClr val="000000"/>
-              </a:buClr>
-              <a:buSzPts val="1000"/>
-              <a:buFont typeface="Arial"/>
-              <a:buNone/>
-              <a:defRPr b="0" i="0" sz="1000" u="none" cap="none" strike="noStrike">
+            <a:lvl8pPr marL="0" marR="0" lvl="7" indent="0" algn="r">
+              <a:lnSpc>
+                <a:spcPct val="100000"/>
+              </a:lnSpc>
+              <a:spcBef>
+                <a:spcPts val="0"/>
+              </a:spcBef>
+              <a:spcAft>
+                <a:spcPts val="0"/>
+              </a:spcAft>
+              <a:buClr>
+                <a:srgbClr val="000000"/>
+              </a:buClr>
+              <a:buSzPts val="1000"/>
+              <a:buFont typeface="Arial"/>
+              <a:buNone/>
+              <a:defRPr sz="1000" b="0" i="0" u="none" strike="noStrike" cap="none">
                 <a:solidFill>
                   <a:schemeClr val="dk2"/>
                 </a:solidFill>
@@ -6640,23 +6743,23 @@
                 <a:sym typeface="Arial"/>
               </a:defRPr>
             </a:lvl8pPr>
-            <a:lvl9pPr indent="0" lvl="8" marL="0" marR="0" algn="r">
-              <a:lnSpc>
-                <a:spcPct val="100000"/>
-              </a:lnSpc>
-              <a:spcBef>
-                <a:spcPts val="0"/>
-              </a:spcBef>
-              <a:spcAft>
-                <a:spcPts val="0"/>
-              </a:spcAft>
-              <a:buClr>
-                <a:srgbClr val="000000"/>
-              </a:buClr>
-              <a:buSzPts val="1000"/>
-              <a:buFont typeface="Arial"/>
-              <a:buNone/>
-              <a:defRPr b="0" i="0" sz="1000" u="none" cap="none" strike="noStrike">
+            <a:lvl9pPr marL="0" marR="0" lvl="8" indent="0" algn="r">
+              <a:lnSpc>
+                <a:spcPct val="100000"/>
+              </a:lnSpc>
+              <a:spcBef>
+                <a:spcPts val="0"/>
+              </a:spcBef>
+              <a:spcAft>
+                <a:spcPts val="0"/>
+              </a:spcAft>
+              <a:buClr>
+                <a:srgbClr val="000000"/>
+              </a:buClr>
+              <a:buSzPts val="1000"/>
+              <a:buFont typeface="Arial"/>
+              <a:buNone/>
+              <a:defRPr sz="1000" b="0" i="0" u="none" strike="noStrike" cap="none">
                 <a:solidFill>
                   <a:schemeClr val="dk2"/>
                 </a:solidFill>
@@ -6668,7 +6771,7 @@
             </a:lvl9pPr>
           </a:lstStyle>
           <a:p>
-            <a:pPr indent="0" lvl="0" marL="0" rtl="0" algn="r">
+            <a:pPr marL="0" lvl="0" indent="0" algn="r" rtl="0">
               <a:spcBef>
                 <a:spcPts val="0"/>
               </a:spcBef>
@@ -6679,7 +6782,7 @@
             </a:pPr>
             <a:fld id="{00000000-1234-1234-1234-123412341234}" type="slidenum">
               <a:rPr lang="pt-BR"/>
-              <a:t>‹#›</a:t>
+              <a:t>‹nº›</a:t>
             </a:fld>
             <a:endParaRPr/>
           </a:p>
@@ -6694,11 +6797,11 @@
 </file>
 
 <file path=ppt/slideLayouts/slideLayout9.xml><?xml version="1.0" encoding="utf-8"?>
-<p:sldLayout xmlns:a="http://schemas.openxmlformats.org/drawingml/2006/main" xmlns:r="http://schemas.openxmlformats.org/officeDocument/2006/relationships" xmlns:mc="http://schemas.openxmlformats.org/markup-compatibility/2006" xmlns:mv="urn:schemas-microsoft-com:mac:vml" xmlns:p="http://schemas.openxmlformats.org/presentationml/2006/main" xmlns:c="http://schemas.openxmlformats.org/drawingml/2006/chart" xmlns:dgm="http://schemas.openxmlformats.org/drawingml/2006/diagram" xmlns:o="urn:schemas-microsoft-com:office:office" xmlns:v="urn:schemas-microsoft-com:vml" xmlns:pvml="urn:schemas-microsoft-com:office:powerpoint" xmlns:com="http://schemas.openxmlformats.org/drawingml/2006/compatibility" xmlns:p14="http://schemas.microsoft.com/office/powerpoint/2010/main" xmlns:p15="http://schemas.microsoft.com/office/powerpoint/2012/main" xmlns:ahyp="http://schemas.microsoft.com/office/drawing/2018/hyperlinkcolor" matchingName="Caption">
+<p:sldLayout xmlns:a="http://schemas.openxmlformats.org/drawingml/2006/main" xmlns:r="http://schemas.openxmlformats.org/officeDocument/2006/relationships" xmlns:p="http://schemas.openxmlformats.org/presentationml/2006/main" matchingName="Caption">
   <p:cSld name="CAPTION_ONLY">
     <p:spTree>
       <p:nvGrpSpPr>
-        <p:cNvPr id="41" name="Shape 41"/>
+        <p:cNvPr id="1" name="Shape 41"/>
         <p:cNvGrpSpPr/>
         <p:nvPr/>
       </p:nvGrpSpPr>
@@ -6713,9 +6816,11 @@
       <p:sp>
         <p:nvSpPr>
           <p:cNvPr id="42" name="Google Shape;42;p10"/>
-          <p:cNvSpPr txBox="1"/>
+          <p:cNvSpPr txBox="1">
+            <a:spLocks noGrp="1"/>
+          </p:cNvSpPr>
           <p:nvPr>
-            <p:ph idx="1" type="body"/>
+            <p:ph type="body" idx="1"/>
           </p:nvPr>
         </p:nvSpPr>
         <p:spPr>
@@ -6732,11 +6837,11 @@
           </a:ln>
         </p:spPr>
         <p:txBody>
-          <a:bodyPr anchorCtr="0" anchor="ctr" bIns="91425" lIns="91425" spcFirstLastPara="1" rIns="91425" wrap="square" tIns="91425">
+          <a:bodyPr spcFirstLastPara="1" wrap="square" lIns="91425" tIns="91425" rIns="91425" bIns="91425" anchor="ctr" anchorCtr="0">
             <a:noAutofit/>
           </a:bodyPr>
           <a:lstStyle>
-            <a:lvl1pPr indent="-228600" lvl="0" marL="457200" algn="l">
+            <a:lvl1pPr marL="457200" lvl="0" indent="-228600" algn="l">
               <a:lnSpc>
                 <a:spcPct val="100000"/>
               </a:lnSpc>
@@ -6751,15 +6856,19 @@
               <a:defRPr/>
             </a:lvl1pPr>
           </a:lstStyle>
-          <a:p/>
+          <a:p>
+            <a:endParaRPr/>
+          </a:p>
         </p:txBody>
       </p:sp>
       <p:sp>
         <p:nvSpPr>
           <p:cNvPr id="43" name="Google Shape;43;p10"/>
-          <p:cNvSpPr txBox="1"/>
+          <p:cNvSpPr txBox="1">
+            <a:spLocks noGrp="1"/>
+          </p:cNvSpPr>
           <p:nvPr>
-            <p:ph idx="12" type="sldNum"/>
+            <p:ph type="sldNum" idx="12"/>
           </p:nvPr>
         </p:nvSpPr>
         <p:spPr>
@@ -6776,27 +6885,27 @@
           </a:ln>
         </p:spPr>
         <p:txBody>
-          <a:bodyPr anchorCtr="0" anchor="ctr" bIns="91425" lIns="91425" spcFirstLastPara="1" rIns="91425" wrap="square" tIns="91425">
+          <a:bodyPr spcFirstLastPara="1" wrap="square" lIns="91425" tIns="91425" rIns="91425" bIns="91425" anchor="ctr" anchorCtr="0">
             <a:noAutofit/>
           </a:bodyPr>
           <a:lstStyle>
-            <a:lvl1pPr indent="0" lvl="0" marL="0" marR="0" algn="r">
-              <a:lnSpc>
-                <a:spcPct val="100000"/>
-              </a:lnSpc>
-              <a:spcBef>
-                <a:spcPts val="0"/>
-              </a:spcBef>
-              <a:spcAft>
-                <a:spcPts val="0"/>
-              </a:spcAft>
-              <a:buClr>
-                <a:srgbClr val="000000"/>
-              </a:buClr>
-              <a:buSzPts val="1000"/>
-              <a:buFont typeface="Arial"/>
-              <a:buNone/>
-              <a:defRPr b="0" i="0" sz="1000" u="none" cap="none" strike="noStrike">
+            <a:lvl1pPr marL="0" marR="0" lvl="0" indent="0" algn="r">
+              <a:lnSpc>
+                <a:spcPct val="100000"/>
+              </a:lnSpc>
+              <a:spcBef>
+                <a:spcPts val="0"/>
+              </a:spcBef>
+              <a:spcAft>
+                <a:spcPts val="0"/>
+              </a:spcAft>
+              <a:buClr>
+                <a:srgbClr val="000000"/>
+              </a:buClr>
+              <a:buSzPts val="1000"/>
+              <a:buFont typeface="Arial"/>
+              <a:buNone/>
+              <a:defRPr sz="1000" b="0" i="0" u="none" strike="noStrike" cap="none">
                 <a:solidFill>
                   <a:schemeClr val="dk2"/>
                 </a:solidFill>
@@ -6806,23 +6915,23 @@
                 <a:sym typeface="Arial"/>
               </a:defRPr>
             </a:lvl1pPr>
-            <a:lvl2pPr indent="0" lvl="1" marL="0" marR="0" algn="r">
-              <a:lnSpc>
-                <a:spcPct val="100000"/>
-              </a:lnSpc>
-              <a:spcBef>
-                <a:spcPts val="0"/>
-              </a:spcBef>
-              <a:spcAft>
-                <a:spcPts val="0"/>
-              </a:spcAft>
-              <a:buClr>
-                <a:srgbClr val="000000"/>
-              </a:buClr>
-              <a:buSzPts val="1000"/>
-              <a:buFont typeface="Arial"/>
-              <a:buNone/>
-              <a:defRPr b="0" i="0" sz="1000" u="none" cap="none" strike="noStrike">
+            <a:lvl2pPr marL="0" marR="0" lvl="1" indent="0" algn="r">
+              <a:lnSpc>
+                <a:spcPct val="100000"/>
+              </a:lnSpc>
+              <a:spcBef>
+                <a:spcPts val="0"/>
+              </a:spcBef>
+              <a:spcAft>
+                <a:spcPts val="0"/>
+              </a:spcAft>
+              <a:buClr>
+                <a:srgbClr val="000000"/>
+              </a:buClr>
+              <a:buSzPts val="1000"/>
+              <a:buFont typeface="Arial"/>
+              <a:buNone/>
+              <a:defRPr sz="1000" b="0" i="0" u="none" strike="noStrike" cap="none">
                 <a:solidFill>
                   <a:schemeClr val="dk2"/>
                 </a:solidFill>
@@ -6832,23 +6941,23 @@
                 <a:sym typeface="Arial"/>
               </a:defRPr>
             </a:lvl2pPr>
-            <a:lvl3pPr indent="0" lvl="2" marL="0" marR="0" algn="r">
-              <a:lnSpc>
-                <a:spcPct val="100000"/>
-              </a:lnSpc>
-              <a:spcBef>
-                <a:spcPts val="0"/>
-              </a:spcBef>
-              <a:spcAft>
-                <a:spcPts val="0"/>
-              </a:spcAft>
-              <a:buClr>
-                <a:srgbClr val="000000"/>
-              </a:buClr>
-              <a:buSzPts val="1000"/>
-              <a:buFont typeface="Arial"/>
-              <a:buNone/>
-              <a:defRPr b="0" i="0" sz="1000" u="none" cap="none" strike="noStrike">
+            <a:lvl3pPr marL="0" marR="0" lvl="2" indent="0" algn="r">
+              <a:lnSpc>
+                <a:spcPct val="100000"/>
+              </a:lnSpc>
+              <a:spcBef>
+                <a:spcPts val="0"/>
+              </a:spcBef>
+              <a:spcAft>
+                <a:spcPts val="0"/>
+              </a:spcAft>
+              <a:buClr>
+                <a:srgbClr val="000000"/>
+              </a:buClr>
+              <a:buSzPts val="1000"/>
+              <a:buFont typeface="Arial"/>
+              <a:buNone/>
+              <a:defRPr sz="1000" b="0" i="0" u="none" strike="noStrike" cap="none">
                 <a:solidFill>
                   <a:schemeClr val="dk2"/>
                 </a:solidFill>
@@ -6858,23 +6967,23 @@
                 <a:sym typeface="Arial"/>
               </a:defRPr>
             </a:lvl3pPr>
-            <a:lvl4pPr indent="0" lvl="3" marL="0" marR="0" algn="r">
-              <a:lnSpc>
-                <a:spcPct val="100000"/>
-              </a:lnSpc>
-              <a:spcBef>
-                <a:spcPts val="0"/>
-              </a:spcBef>
-              <a:spcAft>
-                <a:spcPts val="0"/>
-              </a:spcAft>
-              <a:buClr>
-                <a:srgbClr val="000000"/>
-              </a:buClr>
-              <a:buSzPts val="1000"/>
-              <a:buFont typeface="Arial"/>
-              <a:buNone/>
-              <a:defRPr b="0" i="0" sz="1000" u="none" cap="none" strike="noStrike">
+            <a:lvl4pPr marL="0" marR="0" lvl="3" indent="0" algn="r">
+              <a:lnSpc>
+                <a:spcPct val="100000"/>
+              </a:lnSpc>
+              <a:spcBef>
+                <a:spcPts val="0"/>
+              </a:spcBef>
+              <a:spcAft>
+                <a:spcPts val="0"/>
+              </a:spcAft>
+              <a:buClr>
+                <a:srgbClr val="000000"/>
+              </a:buClr>
+              <a:buSzPts val="1000"/>
+              <a:buFont typeface="Arial"/>
+              <a:buNone/>
+              <a:defRPr sz="1000" b="0" i="0" u="none" strike="noStrike" cap="none">
                 <a:solidFill>
                   <a:schemeClr val="dk2"/>
                 </a:solidFill>
@@ -6884,23 +6993,23 @@
                 <a:sym typeface="Arial"/>
               </a:defRPr>
             </a:lvl4pPr>
-            <a:lvl5pPr indent="0" lvl="4" marL="0" marR="0" algn="r">
-              <a:lnSpc>
-                <a:spcPct val="100000"/>
-              </a:lnSpc>
-              <a:spcBef>
-                <a:spcPts val="0"/>
-              </a:spcBef>
-              <a:spcAft>
-                <a:spcPts val="0"/>
-              </a:spcAft>
-              <a:buClr>
-                <a:srgbClr val="000000"/>
-              </a:buClr>
-              <a:buSzPts val="1000"/>
-              <a:buFont typeface="Arial"/>
-              <a:buNone/>
-              <a:defRPr b="0" i="0" sz="1000" u="none" cap="none" strike="noStrike">
+            <a:lvl5pPr marL="0" marR="0" lvl="4" indent="0" algn="r">
+              <a:lnSpc>
+                <a:spcPct val="100000"/>
+              </a:lnSpc>
+              <a:spcBef>
+                <a:spcPts val="0"/>
+              </a:spcBef>
+              <a:spcAft>
+                <a:spcPts val="0"/>
+              </a:spcAft>
+              <a:buClr>
+                <a:srgbClr val="000000"/>
+              </a:buClr>
+              <a:buSzPts val="1000"/>
+              <a:buFont typeface="Arial"/>
+              <a:buNone/>
+              <a:defRPr sz="1000" b="0" i="0" u="none" strike="noStrike" cap="none">
                 <a:solidFill>
                   <a:schemeClr val="dk2"/>
                 </a:solidFill>
@@ -6910,23 +7019,23 @@
                 <a:sym typeface="Arial"/>
               </a:defRPr>
             </a:lvl5pPr>
-            <a:lvl6pPr indent="0" lvl="5" marL="0" marR="0" algn="r">
-              <a:lnSpc>
-                <a:spcPct val="100000"/>
-              </a:lnSpc>
-              <a:spcBef>
-                <a:spcPts val="0"/>
-              </a:spcBef>
-              <a:spcAft>
-                <a:spcPts val="0"/>
-              </a:spcAft>
-              <a:buClr>
-                <a:srgbClr val="000000"/>
-              </a:buClr>
-              <a:buSzPts val="1000"/>
-              <a:buFont typeface="Arial"/>
-              <a:buNone/>
-              <a:defRPr b="0" i="0" sz="1000" u="none" cap="none" strike="noStrike">
+            <a:lvl6pPr marL="0" marR="0" lvl="5" indent="0" algn="r">
+              <a:lnSpc>
+                <a:spcPct val="100000"/>
+              </a:lnSpc>
+              <a:spcBef>
+                <a:spcPts val="0"/>
+              </a:spcBef>
+              <a:spcAft>
+                <a:spcPts val="0"/>
+              </a:spcAft>
+              <a:buClr>
+                <a:srgbClr val="000000"/>
+              </a:buClr>
+              <a:buSzPts val="1000"/>
+              <a:buFont typeface="Arial"/>
+              <a:buNone/>
+              <a:defRPr sz="1000" b="0" i="0" u="none" strike="noStrike" cap="none">
                 <a:solidFill>
                   <a:schemeClr val="dk2"/>
                 </a:solidFill>
@@ -6936,23 +7045,23 @@
                 <a:sym typeface="Arial"/>
               </a:defRPr>
             </a:lvl6pPr>
-            <a:lvl7pPr indent="0" lvl="6" marL="0" marR="0" algn="r">
-              <a:lnSpc>
-                <a:spcPct val="100000"/>
-              </a:lnSpc>
-              <a:spcBef>
-                <a:spcPts val="0"/>
-              </a:spcBef>
-              <a:spcAft>
-                <a:spcPts val="0"/>
-              </a:spcAft>
-              <a:buClr>
-                <a:srgbClr val="000000"/>
-              </a:buClr>
-              <a:buSzPts val="1000"/>
-              <a:buFont typeface="Arial"/>
-              <a:buNone/>
-              <a:defRPr b="0" i="0" sz="1000" u="none" cap="none" strike="noStrike">
+            <a:lvl7pPr marL="0" marR="0" lvl="6" indent="0" algn="r">
+              <a:lnSpc>
+                <a:spcPct val="100000"/>
+              </a:lnSpc>
+              <a:spcBef>
+                <a:spcPts val="0"/>
+              </a:spcBef>
+              <a:spcAft>
+                <a:spcPts val="0"/>
+              </a:spcAft>
+              <a:buClr>
+                <a:srgbClr val="000000"/>
+              </a:buClr>
+              <a:buSzPts val="1000"/>
+              <a:buFont typeface="Arial"/>
+              <a:buNone/>
+              <a:defRPr sz="1000" b="0" i="0" u="none" strike="noStrike" cap="none">
                 <a:solidFill>
                   <a:schemeClr val="dk2"/>
                 </a:solidFill>
@@ -6962,23 +7071,23 @@
                 <a:sym typeface="Arial"/>
               </a:defRPr>
             </a:lvl7pPr>
-            <a:lvl8pPr indent="0" lvl="7" marL="0" marR="0" algn="r">
-              <a:lnSpc>
-                <a:spcPct val="100000"/>
-              </a:lnSpc>
-              <a:spcBef>
-                <a:spcPts val="0"/>
-              </a:spcBef>
-              <a:spcAft>
-                <a:spcPts val="0"/>
-              </a:spcAft>
-              <a:buClr>
-                <a:srgbClr val="000000"/>
-              </a:buClr>
-              <a:buSzPts val="1000"/>
-              <a:buFont typeface="Arial"/>
-              <a:buNone/>
-              <a:defRPr b="0" i="0" sz="1000" u="none" cap="none" strike="noStrike">
+            <a:lvl8pPr marL="0" marR="0" lvl="7" indent="0" algn="r">
+              <a:lnSpc>
+                <a:spcPct val="100000"/>
+              </a:lnSpc>
+              <a:spcBef>
+                <a:spcPts val="0"/>
+              </a:spcBef>
+              <a:spcAft>
+                <a:spcPts val="0"/>
+              </a:spcAft>
+              <a:buClr>
+                <a:srgbClr val="000000"/>
+              </a:buClr>
+              <a:buSzPts val="1000"/>
+              <a:buFont typeface="Arial"/>
+              <a:buNone/>
+              <a:defRPr sz="1000" b="0" i="0" u="none" strike="noStrike" cap="none">
                 <a:solidFill>
                   <a:schemeClr val="dk2"/>
                 </a:solidFill>
@@ -6988,23 +7097,23 @@
                 <a:sym typeface="Arial"/>
               </a:defRPr>
             </a:lvl8pPr>
-            <a:lvl9pPr indent="0" lvl="8" marL="0" marR="0" algn="r">
-              <a:lnSpc>
-                <a:spcPct val="100000"/>
-              </a:lnSpc>
-              <a:spcBef>
-                <a:spcPts val="0"/>
-              </a:spcBef>
-              <a:spcAft>
-                <a:spcPts val="0"/>
-              </a:spcAft>
-              <a:buClr>
-                <a:srgbClr val="000000"/>
-              </a:buClr>
-              <a:buSzPts val="1000"/>
-              <a:buFont typeface="Arial"/>
-              <a:buNone/>
-              <a:defRPr b="0" i="0" sz="1000" u="none" cap="none" strike="noStrike">
+            <a:lvl9pPr marL="0" marR="0" lvl="8" indent="0" algn="r">
+              <a:lnSpc>
+                <a:spcPct val="100000"/>
+              </a:lnSpc>
+              <a:spcBef>
+                <a:spcPts val="0"/>
+              </a:spcBef>
+              <a:spcAft>
+                <a:spcPts val="0"/>
+              </a:spcAft>
+              <a:buClr>
+                <a:srgbClr val="000000"/>
+              </a:buClr>
+              <a:buSzPts val="1000"/>
+              <a:buFont typeface="Arial"/>
+              <a:buNone/>
+              <a:defRPr sz="1000" b="0" i="0" u="none" strike="noStrike" cap="none">
                 <a:solidFill>
                   <a:schemeClr val="dk2"/>
                 </a:solidFill>
@@ -7016,7 +7125,7 @@
             </a:lvl9pPr>
           </a:lstStyle>
           <a:p>
-            <a:pPr indent="0" lvl="0" marL="0" rtl="0" algn="r">
+            <a:pPr marL="0" lvl="0" indent="0" algn="r" rtl="0">
               <a:spcBef>
                 <a:spcPts val="0"/>
               </a:spcBef>
@@ -7027,7 +7136,7 @@
             </a:pPr>
             <a:fld id="{00000000-1234-1234-1234-123412341234}" type="slidenum">
               <a:rPr lang="pt-BR"/>
-              <a:t>‹#›</a:t>
+              <a:t>‹nº›</a:t>
             </a:fld>
             <a:endParaRPr/>
           </a:p>
@@ -7042,18 +7151,19 @@
 </file>
 
 <file path=ppt/slideMasters/slideMaster1.xml><?xml version="1.0" encoding="utf-8"?>
-<p:sldMaster xmlns:a="http://schemas.openxmlformats.org/drawingml/2006/main" xmlns:r="http://schemas.openxmlformats.org/officeDocument/2006/relationships" xmlns:mc="http://schemas.openxmlformats.org/markup-compatibility/2006" xmlns:mv="urn:schemas-microsoft-com:mac:vml" xmlns:p="http://schemas.openxmlformats.org/presentationml/2006/main" xmlns:c="http://schemas.openxmlformats.org/drawingml/2006/chart" xmlns:dgm="http://schemas.openxmlformats.org/drawingml/2006/diagram" xmlns:o="urn:schemas-microsoft-com:office:office" xmlns:v="urn:schemas-microsoft-com:vml" xmlns:pvml="urn:schemas-microsoft-com:office:powerpoint" xmlns:com="http://schemas.openxmlformats.org/drawingml/2006/compatibility" xmlns:p14="http://schemas.microsoft.com/office/powerpoint/2010/main" xmlns:p15="http://schemas.microsoft.com/office/powerpoint/2012/main" xmlns:ahyp="http://schemas.microsoft.com/office/drawing/2018/hyperlinkcolor">
+<p:sldMaster xmlns:a="http://schemas.openxmlformats.org/drawingml/2006/main" xmlns:r="http://schemas.openxmlformats.org/officeDocument/2006/relationships" xmlns:p="http://schemas.openxmlformats.org/presentationml/2006/main">
   <p:cSld name="simple-light-2">
     <p:bg>
       <p:bgPr>
         <a:solidFill>
           <a:schemeClr val="lt1"/>
         </a:solidFill>
+        <a:effectLst/>
       </p:bgPr>
     </p:bg>
     <p:spTree>
       <p:nvGrpSpPr>
-        <p:cNvPr id="5" name="Shape 5"/>
+        <p:cNvPr id="1" name="Shape 5"/>
         <p:cNvGrpSpPr/>
         <p:nvPr/>
       </p:nvGrpSpPr>
@@ -7068,7 +7178,9 @@
       <p:sp>
         <p:nvSpPr>
           <p:cNvPr id="6" name="Google Shape;6;p1"/>
-          <p:cNvSpPr txBox="1"/>
+          <p:cNvSpPr txBox="1">
+            <a:spLocks noGrp="1"/>
+          </p:cNvSpPr>
           <p:nvPr>
             <p:ph type="title"/>
           </p:nvPr>
@@ -7087,11 +7199,11 @@
           </a:ln>
         </p:spPr>
         <p:txBody>
-          <a:bodyPr anchorCtr="0" anchor="t" bIns="91425" lIns="91425" spcFirstLastPara="1" rIns="91425" wrap="square" tIns="91425">
+          <a:bodyPr spcFirstLastPara="1" wrap="square" lIns="91425" tIns="91425" rIns="91425" bIns="91425" anchor="t" anchorCtr="0">
             <a:noAutofit/>
           </a:bodyPr>
           <a:lstStyle>
-            <a:lvl1pPr lvl="0" marR="0" rtl="0" algn="l">
+            <a:lvl1pPr marR="0" lvl="0" algn="l" rtl="0">
               <a:lnSpc>
                 <a:spcPct val="100000"/>
               </a:lnSpc>
@@ -7107,7 +7219,7 @@
               <a:buSzPts val="2800"/>
               <a:buFont typeface="Arial"/>
               <a:buNone/>
-              <a:defRPr b="0" i="0" sz="2800" u="none" cap="none" strike="noStrike">
+              <a:defRPr sz="2800" b="0" i="0" u="none" strike="noStrike" cap="none">
                 <a:solidFill>
                   <a:schemeClr val="dk1"/>
                 </a:solidFill>
@@ -7117,7 +7229,7 @@
                 <a:sym typeface="Arial"/>
               </a:defRPr>
             </a:lvl1pPr>
-            <a:lvl2pPr lvl="1" marR="0" rtl="0" algn="l">
+            <a:lvl2pPr marR="0" lvl="1" algn="l" rtl="0">
               <a:lnSpc>
                 <a:spcPct val="100000"/>
               </a:lnSpc>
@@ -7133,7 +7245,7 @@
               <a:buSzPts val="2800"/>
               <a:buFont typeface="Arial"/>
               <a:buNone/>
-              <a:defRPr b="0" i="0" sz="2800" u="none" cap="none" strike="noStrike">
+              <a:defRPr sz="2800" b="0" i="0" u="none" strike="noStrike" cap="none">
                 <a:solidFill>
                   <a:schemeClr val="dk1"/>
                 </a:solidFill>
@@ -7143,7 +7255,7 @@
                 <a:sym typeface="Arial"/>
               </a:defRPr>
             </a:lvl2pPr>
-            <a:lvl3pPr lvl="2" marR="0" rtl="0" algn="l">
+            <a:lvl3pPr marR="0" lvl="2" algn="l" rtl="0">
               <a:lnSpc>
                 <a:spcPct val="100000"/>
               </a:lnSpc>
@@ -7159,7 +7271,7 @@
               <a:buSzPts val="2800"/>
               <a:buFont typeface="Arial"/>
               <a:buNone/>
-              <a:defRPr b="0" i="0" sz="2800" u="none" cap="none" strike="noStrike">
+              <a:defRPr sz="2800" b="0" i="0" u="none" strike="noStrike" cap="none">
                 <a:solidFill>
                   <a:schemeClr val="dk1"/>
                 </a:solidFill>
@@ -7169,7 +7281,7 @@
                 <a:sym typeface="Arial"/>
               </a:defRPr>
             </a:lvl3pPr>
-            <a:lvl4pPr lvl="3" marR="0" rtl="0" algn="l">
+            <a:lvl4pPr marR="0" lvl="3" algn="l" rtl="0">
               <a:lnSpc>
                 <a:spcPct val="100000"/>
               </a:lnSpc>
@@ -7185,7 +7297,7 @@
               <a:buSzPts val="2800"/>
               <a:buFont typeface="Arial"/>
               <a:buNone/>
-              <a:defRPr b="0" i="0" sz="2800" u="none" cap="none" strike="noStrike">
+              <a:defRPr sz="2800" b="0" i="0" u="none" strike="noStrike" cap="none">
                 <a:solidFill>
                   <a:schemeClr val="dk1"/>
                 </a:solidFill>
@@ -7195,7 +7307,7 @@
                 <a:sym typeface="Arial"/>
               </a:defRPr>
             </a:lvl4pPr>
-            <a:lvl5pPr lvl="4" marR="0" rtl="0" algn="l">
+            <a:lvl5pPr marR="0" lvl="4" algn="l" rtl="0">
               <a:lnSpc>
                 <a:spcPct val="100000"/>
               </a:lnSpc>
@@ -7211,7 +7323,7 @@
               <a:buSzPts val="2800"/>
               <a:buFont typeface="Arial"/>
               <a:buNone/>
-              <a:defRPr b="0" i="0" sz="2800" u="none" cap="none" strike="noStrike">
+              <a:defRPr sz="2800" b="0" i="0" u="none" strike="noStrike" cap="none">
                 <a:solidFill>
                   <a:schemeClr val="dk1"/>
                 </a:solidFill>
@@ -7221,7 +7333,7 @@
                 <a:sym typeface="Arial"/>
               </a:defRPr>
             </a:lvl5pPr>
-            <a:lvl6pPr lvl="5" marR="0" rtl="0" algn="l">
+            <a:lvl6pPr marR="0" lvl="5" algn="l" rtl="0">
               <a:lnSpc>
                 <a:spcPct val="100000"/>
               </a:lnSpc>
@@ -7237,7 +7349,7 @@
               <a:buSzPts val="2800"/>
               <a:buFont typeface="Arial"/>
               <a:buNone/>
-              <a:defRPr b="0" i="0" sz="2800" u="none" cap="none" strike="noStrike">
+              <a:defRPr sz="2800" b="0" i="0" u="none" strike="noStrike" cap="none">
                 <a:solidFill>
                   <a:schemeClr val="dk1"/>
                 </a:solidFill>
@@ -7247,7 +7359,7 @@
                 <a:sym typeface="Arial"/>
               </a:defRPr>
             </a:lvl6pPr>
-            <a:lvl7pPr lvl="6" marR="0" rtl="0" algn="l">
+            <a:lvl7pPr marR="0" lvl="6" algn="l" rtl="0">
               <a:lnSpc>
                 <a:spcPct val="100000"/>
               </a:lnSpc>
@@ -7263,7 +7375,7 @@
               <a:buSzPts val="2800"/>
               <a:buFont typeface="Arial"/>
               <a:buNone/>
-              <a:defRPr b="0" i="0" sz="2800" u="none" cap="none" strike="noStrike">
+              <a:defRPr sz="2800" b="0" i="0" u="none" strike="noStrike" cap="none">
                 <a:solidFill>
                   <a:schemeClr val="dk1"/>
                 </a:solidFill>
@@ -7273,7 +7385,7 @@
                 <a:sym typeface="Arial"/>
               </a:defRPr>
             </a:lvl7pPr>
-            <a:lvl8pPr lvl="7" marR="0" rtl="0" algn="l">
+            <a:lvl8pPr marR="0" lvl="7" algn="l" rtl="0">
               <a:lnSpc>
                 <a:spcPct val="100000"/>
               </a:lnSpc>
@@ -7289,7 +7401,7 @@
               <a:buSzPts val="2800"/>
               <a:buFont typeface="Arial"/>
               <a:buNone/>
-              <a:defRPr b="0" i="0" sz="2800" u="none" cap="none" strike="noStrike">
+              <a:defRPr sz="2800" b="0" i="0" u="none" strike="noStrike" cap="none">
                 <a:solidFill>
                   <a:schemeClr val="dk1"/>
                 </a:solidFill>
@@ -7299,7 +7411,7 @@
                 <a:sym typeface="Arial"/>
               </a:defRPr>
             </a:lvl8pPr>
-            <a:lvl9pPr lvl="8" marR="0" rtl="0" algn="l">
+            <a:lvl9pPr marR="0" lvl="8" algn="l" rtl="0">
               <a:lnSpc>
                 <a:spcPct val="100000"/>
               </a:lnSpc>
@@ -7315,7 +7427,7 @@
               <a:buSzPts val="2800"/>
               <a:buFont typeface="Arial"/>
               <a:buNone/>
-              <a:defRPr b="0" i="0" sz="2800" u="none" cap="none" strike="noStrike">
+              <a:defRPr sz="2800" b="0" i="0" u="none" strike="noStrike" cap="none">
                 <a:solidFill>
                   <a:schemeClr val="dk1"/>
                 </a:solidFill>
@@ -7326,15 +7438,19 @@
               </a:defRPr>
             </a:lvl9pPr>
           </a:lstStyle>
-          <a:p/>
+          <a:p>
+            <a:endParaRPr/>
+          </a:p>
         </p:txBody>
       </p:sp>
       <p:sp>
         <p:nvSpPr>
           <p:cNvPr id="7" name="Google Shape;7;p1"/>
-          <p:cNvSpPr txBox="1"/>
+          <p:cNvSpPr txBox="1">
+            <a:spLocks noGrp="1"/>
+          </p:cNvSpPr>
           <p:nvPr>
-            <p:ph idx="1" type="body"/>
+            <p:ph type="body" idx="1"/>
           </p:nvPr>
         </p:nvSpPr>
         <p:spPr>
@@ -7351,11 +7467,11 @@
           </a:ln>
         </p:spPr>
         <p:txBody>
-          <a:bodyPr anchorCtr="0" anchor="t" bIns="91425" lIns="91425" spcFirstLastPara="1" rIns="91425" wrap="square" tIns="91425">
+          <a:bodyPr spcFirstLastPara="1" wrap="square" lIns="91425" tIns="91425" rIns="91425" bIns="91425" anchor="t" anchorCtr="0">
             <a:noAutofit/>
           </a:bodyPr>
           <a:lstStyle>
-            <a:lvl1pPr indent="-342900" lvl="0" marL="457200" marR="0" rtl="0" algn="l">
+            <a:lvl1pPr marL="457200" marR="0" lvl="0" indent="-342900" algn="l" rtl="0">
               <a:lnSpc>
                 <a:spcPct val="115000"/>
               </a:lnSpc>
@@ -7371,7 +7487,7 @@
               <a:buSzPts val="1800"/>
               <a:buFont typeface="Arial"/>
               <a:buChar char="●"/>
-              <a:defRPr b="0" i="0" sz="1800" u="none" cap="none" strike="noStrike">
+              <a:defRPr sz="1800" b="0" i="0" u="none" strike="noStrike" cap="none">
                 <a:solidFill>
                   <a:schemeClr val="dk2"/>
                 </a:solidFill>
@@ -7381,7 +7497,7 @@
                 <a:sym typeface="Arial"/>
               </a:defRPr>
             </a:lvl1pPr>
-            <a:lvl2pPr indent="-317500" lvl="1" marL="914400" marR="0" rtl="0" algn="l">
+            <a:lvl2pPr marL="914400" marR="0" lvl="1" indent="-317500" algn="l" rtl="0">
               <a:lnSpc>
                 <a:spcPct val="115000"/>
               </a:lnSpc>
@@ -7397,7 +7513,7 @@
               <a:buSzPts val="1400"/>
               <a:buFont typeface="Arial"/>
               <a:buChar char="○"/>
-              <a:defRPr b="0" i="0" sz="1400" u="none" cap="none" strike="noStrike">
+              <a:defRPr sz="1400" b="0" i="0" u="none" strike="noStrike" cap="none">
                 <a:solidFill>
                   <a:schemeClr val="dk2"/>
                 </a:solidFill>
@@ -7407,7 +7523,7 @@
                 <a:sym typeface="Arial"/>
               </a:defRPr>
             </a:lvl2pPr>
-            <a:lvl3pPr indent="-317500" lvl="2" marL="1371600" marR="0" rtl="0" algn="l">
+            <a:lvl3pPr marL="1371600" marR="0" lvl="2" indent="-317500" algn="l" rtl="0">
               <a:lnSpc>
                 <a:spcPct val="115000"/>
               </a:lnSpc>
@@ -7423,7 +7539,7 @@
               <a:buSzPts val="1400"/>
               <a:buFont typeface="Arial"/>
               <a:buChar char="■"/>
-              <a:defRPr b="0" i="0" sz="1400" u="none" cap="none" strike="noStrike">
+              <a:defRPr sz="1400" b="0" i="0" u="none" strike="noStrike" cap="none">
                 <a:solidFill>
                   <a:schemeClr val="dk2"/>
                 </a:solidFill>
@@ -7433,7 +7549,7 @@
                 <a:sym typeface="Arial"/>
               </a:defRPr>
             </a:lvl3pPr>
-            <a:lvl4pPr indent="-317500" lvl="3" marL="1828800" marR="0" rtl="0" algn="l">
+            <a:lvl4pPr marL="1828800" marR="0" lvl="3" indent="-317500" algn="l" rtl="0">
               <a:lnSpc>
                 <a:spcPct val="115000"/>
               </a:lnSpc>
@@ -7449,7 +7565,7 @@
               <a:buSzPts val="1400"/>
               <a:buFont typeface="Arial"/>
               <a:buChar char="●"/>
-              <a:defRPr b="0" i="0" sz="1400" u="none" cap="none" strike="noStrike">
+              <a:defRPr sz="1400" b="0" i="0" u="none" strike="noStrike" cap="none">
                 <a:solidFill>
                   <a:schemeClr val="dk2"/>
                 </a:solidFill>
@@ -7459,7 +7575,7 @@
                 <a:sym typeface="Arial"/>
               </a:defRPr>
             </a:lvl4pPr>
-            <a:lvl5pPr indent="-317500" lvl="4" marL="2286000" marR="0" rtl="0" algn="l">
+            <a:lvl5pPr marL="2286000" marR="0" lvl="4" indent="-317500" algn="l" rtl="0">
               <a:lnSpc>
                 <a:spcPct val="115000"/>
               </a:lnSpc>
@@ -7475,7 +7591,7 @@
               <a:buSzPts val="1400"/>
               <a:buFont typeface="Arial"/>
               <a:buChar char="○"/>
-              <a:defRPr b="0" i="0" sz="1400" u="none" cap="none" strike="noStrike">
+              <a:defRPr sz="1400" b="0" i="0" u="none" strike="noStrike" cap="none">
                 <a:solidFill>
                   <a:schemeClr val="dk2"/>
                 </a:solidFill>
@@ -7485,7 +7601,7 @@
                 <a:sym typeface="Arial"/>
               </a:defRPr>
             </a:lvl5pPr>
-            <a:lvl6pPr indent="-317500" lvl="5" marL="2743200" marR="0" rtl="0" algn="l">
+            <a:lvl6pPr marL="2743200" marR="0" lvl="5" indent="-317500" algn="l" rtl="0">
               <a:lnSpc>
                 <a:spcPct val="115000"/>
               </a:lnSpc>
@@ -7501,7 +7617,7 @@
               <a:buSzPts val="1400"/>
               <a:buFont typeface="Arial"/>
               <a:buChar char="■"/>
-              <a:defRPr b="0" i="0" sz="1400" u="none" cap="none" strike="noStrike">
+              <a:defRPr sz="1400" b="0" i="0" u="none" strike="noStrike" cap="none">
                 <a:solidFill>
                   <a:schemeClr val="dk2"/>
                 </a:solidFill>
@@ -7511,7 +7627,7 @@
                 <a:sym typeface="Arial"/>
               </a:defRPr>
             </a:lvl6pPr>
-            <a:lvl7pPr indent="-317500" lvl="6" marL="3200400" marR="0" rtl="0" algn="l">
+            <a:lvl7pPr marL="3200400" marR="0" lvl="6" indent="-317500" algn="l" rtl="0">
               <a:lnSpc>
                 <a:spcPct val="115000"/>
               </a:lnSpc>
@@ -7527,7 +7643,7 @@
               <a:buSzPts val="1400"/>
               <a:buFont typeface="Arial"/>
               <a:buChar char="●"/>
-              <a:defRPr b="0" i="0" sz="1400" u="none" cap="none" strike="noStrike">
+              <a:defRPr sz="1400" b="0" i="0" u="none" strike="noStrike" cap="none">
                 <a:solidFill>
                   <a:schemeClr val="dk2"/>
                 </a:solidFill>
@@ -7537,7 +7653,7 @@
                 <a:sym typeface="Arial"/>
               </a:defRPr>
             </a:lvl7pPr>
-            <a:lvl8pPr indent="-317500" lvl="7" marL="3657600" marR="0" rtl="0" algn="l">
+            <a:lvl8pPr marL="3657600" marR="0" lvl="7" indent="-317500" algn="l" rtl="0">
               <a:lnSpc>
                 <a:spcPct val="115000"/>
               </a:lnSpc>
@@ -7553,7 +7669,7 @@
               <a:buSzPts val="1400"/>
               <a:buFont typeface="Arial"/>
               <a:buChar char="○"/>
-              <a:defRPr b="0" i="0" sz="1400" u="none" cap="none" strike="noStrike">
+              <a:defRPr sz="1400" b="0" i="0" u="none" strike="noStrike" cap="none">
                 <a:solidFill>
                   <a:schemeClr val="dk2"/>
                 </a:solidFill>
@@ -7563,7 +7679,7 @@
                 <a:sym typeface="Arial"/>
               </a:defRPr>
             </a:lvl8pPr>
-            <a:lvl9pPr indent="-317500" lvl="8" marL="4114800" marR="0" rtl="0" algn="l">
+            <a:lvl9pPr marL="4114800" marR="0" lvl="8" indent="-317500" algn="l" rtl="0">
               <a:lnSpc>
                 <a:spcPct val="115000"/>
               </a:lnSpc>
@@ -7579,7 +7695,7 @@
               <a:buSzPts val="1400"/>
               <a:buFont typeface="Arial"/>
               <a:buChar char="■"/>
-              <a:defRPr b="0" i="0" sz="1400" u="none" cap="none" strike="noStrike">
+              <a:defRPr sz="1400" b="0" i="0" u="none" strike="noStrike" cap="none">
                 <a:solidFill>
                   <a:schemeClr val="dk2"/>
                 </a:solidFill>
@@ -7590,15 +7706,19 @@
               </a:defRPr>
             </a:lvl9pPr>
           </a:lstStyle>
-          <a:p/>
+          <a:p>
+            <a:endParaRPr/>
+          </a:p>
         </p:txBody>
       </p:sp>
       <p:sp>
         <p:nvSpPr>
           <p:cNvPr id="8" name="Google Shape;8;p1"/>
-          <p:cNvSpPr txBox="1"/>
+          <p:cNvSpPr txBox="1">
+            <a:spLocks noGrp="1"/>
+          </p:cNvSpPr>
           <p:nvPr>
-            <p:ph idx="12" type="sldNum"/>
+            <p:ph type="sldNum" idx="12"/>
           </p:nvPr>
         </p:nvSpPr>
         <p:spPr>
@@ -7615,27 +7735,27 @@
           </a:ln>
         </p:spPr>
         <p:txBody>
-          <a:bodyPr anchorCtr="0" anchor="ctr" bIns="91425" lIns="91425" spcFirstLastPara="1" rIns="91425" wrap="square" tIns="91425">
+          <a:bodyPr spcFirstLastPara="1" wrap="square" lIns="91425" tIns="91425" rIns="91425" bIns="91425" anchor="ctr" anchorCtr="0">
             <a:noAutofit/>
           </a:bodyPr>
           <a:lstStyle>
-            <a:lvl1pPr indent="0" lvl="0" marL="0" marR="0" rtl="0" algn="r">
-              <a:lnSpc>
-                <a:spcPct val="100000"/>
-              </a:lnSpc>
-              <a:spcBef>
-                <a:spcPts val="0"/>
-              </a:spcBef>
-              <a:spcAft>
-                <a:spcPts val="0"/>
-              </a:spcAft>
-              <a:buClr>
-                <a:srgbClr val="000000"/>
-              </a:buClr>
-              <a:buSzPts val="1000"/>
-              <a:buFont typeface="Arial"/>
-              <a:buNone/>
-              <a:defRPr b="0" i="0" sz="1000" u="none" cap="none" strike="noStrike">
+            <a:lvl1pPr marL="0" marR="0" lvl="0" indent="0" algn="r" rtl="0">
+              <a:lnSpc>
+                <a:spcPct val="100000"/>
+              </a:lnSpc>
+              <a:spcBef>
+                <a:spcPts val="0"/>
+              </a:spcBef>
+              <a:spcAft>
+                <a:spcPts val="0"/>
+              </a:spcAft>
+              <a:buClr>
+                <a:srgbClr val="000000"/>
+              </a:buClr>
+              <a:buSzPts val="1000"/>
+              <a:buFont typeface="Arial"/>
+              <a:buNone/>
+              <a:defRPr sz="1000" b="0" i="0" u="none" strike="noStrike" cap="none">
                 <a:solidFill>
                   <a:schemeClr val="dk2"/>
                 </a:solidFill>
@@ -7645,23 +7765,23 @@
                 <a:sym typeface="Arial"/>
               </a:defRPr>
             </a:lvl1pPr>
-            <a:lvl2pPr indent="0" lvl="1" marL="0" marR="0" rtl="0" algn="r">
-              <a:lnSpc>
-                <a:spcPct val="100000"/>
-              </a:lnSpc>
-              <a:spcBef>
-                <a:spcPts val="0"/>
-              </a:spcBef>
-              <a:spcAft>
-                <a:spcPts val="0"/>
-              </a:spcAft>
-              <a:buClr>
-                <a:srgbClr val="000000"/>
-              </a:buClr>
-              <a:buSzPts val="1000"/>
-              <a:buFont typeface="Arial"/>
-              <a:buNone/>
-              <a:defRPr b="0" i="0" sz="1000" u="none" cap="none" strike="noStrike">
+            <a:lvl2pPr marL="0" marR="0" lvl="1" indent="0" algn="r" rtl="0">
+              <a:lnSpc>
+                <a:spcPct val="100000"/>
+              </a:lnSpc>
+              <a:spcBef>
+                <a:spcPts val="0"/>
+              </a:spcBef>
+              <a:spcAft>
+                <a:spcPts val="0"/>
+              </a:spcAft>
+              <a:buClr>
+                <a:srgbClr val="000000"/>
+              </a:buClr>
+              <a:buSzPts val="1000"/>
+              <a:buFont typeface="Arial"/>
+              <a:buNone/>
+              <a:defRPr sz="1000" b="0" i="0" u="none" strike="noStrike" cap="none">
                 <a:solidFill>
                   <a:schemeClr val="dk2"/>
                 </a:solidFill>
@@ -7671,23 +7791,23 @@
                 <a:sym typeface="Arial"/>
               </a:defRPr>
             </a:lvl2pPr>
-            <a:lvl3pPr indent="0" lvl="2" marL="0" marR="0" rtl="0" algn="r">
-              <a:lnSpc>
-                <a:spcPct val="100000"/>
-              </a:lnSpc>
-              <a:spcBef>
-                <a:spcPts val="0"/>
-              </a:spcBef>
-              <a:spcAft>
-                <a:spcPts val="0"/>
-              </a:spcAft>
-              <a:buClr>
-                <a:srgbClr val="000000"/>
-              </a:buClr>
-              <a:buSzPts val="1000"/>
-              <a:buFont typeface="Arial"/>
-              <a:buNone/>
-              <a:defRPr b="0" i="0" sz="1000" u="none" cap="none" strike="noStrike">
+            <a:lvl3pPr marL="0" marR="0" lvl="2" indent="0" algn="r" rtl="0">
+              <a:lnSpc>
+                <a:spcPct val="100000"/>
+              </a:lnSpc>
+              <a:spcBef>
+                <a:spcPts val="0"/>
+              </a:spcBef>
+              <a:spcAft>
+                <a:spcPts val="0"/>
+              </a:spcAft>
+              <a:buClr>
+                <a:srgbClr val="000000"/>
+              </a:buClr>
+              <a:buSzPts val="1000"/>
+              <a:buFont typeface="Arial"/>
+              <a:buNone/>
+              <a:defRPr sz="1000" b="0" i="0" u="none" strike="noStrike" cap="none">
                 <a:solidFill>
                   <a:schemeClr val="dk2"/>
                 </a:solidFill>
@@ -7697,23 +7817,23 @@
                 <a:sym typeface="Arial"/>
               </a:defRPr>
             </a:lvl3pPr>
-            <a:lvl4pPr indent="0" lvl="3" marL="0" marR="0" rtl="0" algn="r">
-              <a:lnSpc>
-                <a:spcPct val="100000"/>
-              </a:lnSpc>
-              <a:spcBef>
-                <a:spcPts val="0"/>
-              </a:spcBef>
-              <a:spcAft>
-                <a:spcPts val="0"/>
-              </a:spcAft>
-              <a:buClr>
-                <a:srgbClr val="000000"/>
-              </a:buClr>
-              <a:buSzPts val="1000"/>
-              <a:buFont typeface="Arial"/>
-              <a:buNone/>
-              <a:defRPr b="0" i="0" sz="1000" u="none" cap="none" strike="noStrike">
+            <a:lvl4pPr marL="0" marR="0" lvl="3" indent="0" algn="r" rtl="0">
+              <a:lnSpc>
+                <a:spcPct val="100000"/>
+              </a:lnSpc>
+              <a:spcBef>
+                <a:spcPts val="0"/>
+              </a:spcBef>
+              <a:spcAft>
+                <a:spcPts val="0"/>
+              </a:spcAft>
+              <a:buClr>
+                <a:srgbClr val="000000"/>
+              </a:buClr>
+              <a:buSzPts val="1000"/>
+              <a:buFont typeface="Arial"/>
+              <a:buNone/>
+              <a:defRPr sz="1000" b="0" i="0" u="none" strike="noStrike" cap="none">
                 <a:solidFill>
                   <a:schemeClr val="dk2"/>
                 </a:solidFill>
@@ -7723,23 +7843,23 @@
                 <a:sym typeface="Arial"/>
               </a:defRPr>
             </a:lvl4pPr>
-            <a:lvl5pPr indent="0" lvl="4" marL="0" marR="0" rtl="0" algn="r">
-              <a:lnSpc>
-                <a:spcPct val="100000"/>
-              </a:lnSpc>
-              <a:spcBef>
-                <a:spcPts val="0"/>
-              </a:spcBef>
-              <a:spcAft>
-                <a:spcPts val="0"/>
-              </a:spcAft>
-              <a:buClr>
-                <a:srgbClr val="000000"/>
-              </a:buClr>
-              <a:buSzPts val="1000"/>
-              <a:buFont typeface="Arial"/>
-              <a:buNone/>
-              <a:defRPr b="0" i="0" sz="1000" u="none" cap="none" strike="noStrike">
+            <a:lvl5pPr marL="0" marR="0" lvl="4" indent="0" algn="r" rtl="0">
+              <a:lnSpc>
+                <a:spcPct val="100000"/>
+              </a:lnSpc>
+              <a:spcBef>
+                <a:spcPts val="0"/>
+              </a:spcBef>
+              <a:spcAft>
+                <a:spcPts val="0"/>
+              </a:spcAft>
+              <a:buClr>
+                <a:srgbClr val="000000"/>
+              </a:buClr>
+              <a:buSzPts val="1000"/>
+              <a:buFont typeface="Arial"/>
+              <a:buNone/>
+              <a:defRPr sz="1000" b="0" i="0" u="none" strike="noStrike" cap="none">
                 <a:solidFill>
                   <a:schemeClr val="dk2"/>
                 </a:solidFill>
@@ -7749,23 +7869,23 @@
                 <a:sym typeface="Arial"/>
               </a:defRPr>
             </a:lvl5pPr>
-            <a:lvl6pPr indent="0" lvl="5" marL="0" marR="0" rtl="0" algn="r">
-              <a:lnSpc>
-                <a:spcPct val="100000"/>
-              </a:lnSpc>
-              <a:spcBef>
-                <a:spcPts val="0"/>
-              </a:spcBef>
-              <a:spcAft>
-                <a:spcPts val="0"/>
-              </a:spcAft>
-              <a:buClr>
-                <a:srgbClr val="000000"/>
-              </a:buClr>
-              <a:buSzPts val="1000"/>
-              <a:buFont typeface="Arial"/>
-              <a:buNone/>
-              <a:defRPr b="0" i="0" sz="1000" u="none" cap="none" strike="noStrike">
+            <a:lvl6pPr marL="0" marR="0" lvl="5" indent="0" algn="r" rtl="0">
+              <a:lnSpc>
+                <a:spcPct val="100000"/>
+              </a:lnSpc>
+              <a:spcBef>
+                <a:spcPts val="0"/>
+              </a:spcBef>
+              <a:spcAft>
+                <a:spcPts val="0"/>
+              </a:spcAft>
+              <a:buClr>
+                <a:srgbClr val="000000"/>
+              </a:buClr>
+              <a:buSzPts val="1000"/>
+              <a:buFont typeface="Arial"/>
+              <a:buNone/>
+              <a:defRPr sz="1000" b="0" i="0" u="none" strike="noStrike" cap="none">
                 <a:solidFill>
                   <a:schemeClr val="dk2"/>
                 </a:solidFill>
@@ -7775,23 +7895,23 @@
                 <a:sym typeface="Arial"/>
               </a:defRPr>
             </a:lvl6pPr>
-            <a:lvl7pPr indent="0" lvl="6" marL="0" marR="0" rtl="0" algn="r">
-              <a:lnSpc>
-                <a:spcPct val="100000"/>
-              </a:lnSpc>
-              <a:spcBef>
-                <a:spcPts val="0"/>
-              </a:spcBef>
-              <a:spcAft>
-                <a:spcPts val="0"/>
-              </a:spcAft>
-              <a:buClr>
-                <a:srgbClr val="000000"/>
-              </a:buClr>
-              <a:buSzPts val="1000"/>
-              <a:buFont typeface="Arial"/>
-              <a:buNone/>
-              <a:defRPr b="0" i="0" sz="1000" u="none" cap="none" strike="noStrike">
+            <a:lvl7pPr marL="0" marR="0" lvl="6" indent="0" algn="r" rtl="0">
+              <a:lnSpc>
+                <a:spcPct val="100000"/>
+              </a:lnSpc>
+              <a:spcBef>
+                <a:spcPts val="0"/>
+              </a:spcBef>
+              <a:spcAft>
+                <a:spcPts val="0"/>
+              </a:spcAft>
+              <a:buClr>
+                <a:srgbClr val="000000"/>
+              </a:buClr>
+              <a:buSzPts val="1000"/>
+              <a:buFont typeface="Arial"/>
+              <a:buNone/>
+              <a:defRPr sz="1000" b="0" i="0" u="none" strike="noStrike" cap="none">
                 <a:solidFill>
                   <a:schemeClr val="dk2"/>
                 </a:solidFill>
@@ -7801,23 +7921,23 @@
                 <a:sym typeface="Arial"/>
               </a:defRPr>
             </a:lvl7pPr>
-            <a:lvl8pPr indent="0" lvl="7" marL="0" marR="0" rtl="0" algn="r">
-              <a:lnSpc>
-                <a:spcPct val="100000"/>
-              </a:lnSpc>
-              <a:spcBef>
-                <a:spcPts val="0"/>
-              </a:spcBef>
-              <a:spcAft>
-                <a:spcPts val="0"/>
-              </a:spcAft>
-              <a:buClr>
-                <a:srgbClr val="000000"/>
-              </a:buClr>
-              <a:buSzPts val="1000"/>
-              <a:buFont typeface="Arial"/>
-              <a:buNone/>
-              <a:defRPr b="0" i="0" sz="1000" u="none" cap="none" strike="noStrike">
+            <a:lvl8pPr marL="0" marR="0" lvl="7" indent="0" algn="r" rtl="0">
+              <a:lnSpc>
+                <a:spcPct val="100000"/>
+              </a:lnSpc>
+              <a:spcBef>
+                <a:spcPts val="0"/>
+              </a:spcBef>
+              <a:spcAft>
+                <a:spcPts val="0"/>
+              </a:spcAft>
+              <a:buClr>
+                <a:srgbClr val="000000"/>
+              </a:buClr>
+              <a:buSzPts val="1000"/>
+              <a:buFont typeface="Arial"/>
+              <a:buNone/>
+              <a:defRPr sz="1000" b="0" i="0" u="none" strike="noStrike" cap="none">
                 <a:solidFill>
                   <a:schemeClr val="dk2"/>
                 </a:solidFill>
@@ -7827,23 +7947,23 @@
                 <a:sym typeface="Arial"/>
               </a:defRPr>
             </a:lvl8pPr>
-            <a:lvl9pPr indent="0" lvl="8" marL="0" marR="0" rtl="0" algn="r">
-              <a:lnSpc>
-                <a:spcPct val="100000"/>
-              </a:lnSpc>
-              <a:spcBef>
-                <a:spcPts val="0"/>
-              </a:spcBef>
-              <a:spcAft>
-                <a:spcPts val="0"/>
-              </a:spcAft>
-              <a:buClr>
-                <a:srgbClr val="000000"/>
-              </a:buClr>
-              <a:buSzPts val="1000"/>
-              <a:buFont typeface="Arial"/>
-              <a:buNone/>
-              <a:defRPr b="0" i="0" sz="1000" u="none" cap="none" strike="noStrike">
+            <a:lvl9pPr marL="0" marR="0" lvl="8" indent="0" algn="r" rtl="0">
+              <a:lnSpc>
+                <a:spcPct val="100000"/>
+              </a:lnSpc>
+              <a:spcBef>
+                <a:spcPts val="0"/>
+              </a:spcBef>
+              <a:spcAft>
+                <a:spcPts val="0"/>
+              </a:spcAft>
+              <a:buClr>
+                <a:srgbClr val="000000"/>
+              </a:buClr>
+              <a:buSzPts val="1000"/>
+              <a:buFont typeface="Arial"/>
+              <a:buNone/>
+              <a:defRPr sz="1000" b="0" i="0" u="none" strike="noStrike" cap="none">
                 <a:solidFill>
                   <a:schemeClr val="dk2"/>
                 </a:solidFill>
@@ -7855,7 +7975,7 @@
             </a:lvl9pPr>
           </a:lstStyle>
           <a:p>
-            <a:pPr indent="0" lvl="0" marL="0" rtl="0" algn="r">
+            <a:pPr marL="0" lvl="0" indent="0" algn="r" rtl="0">
               <a:spcBef>
                 <a:spcPts val="0"/>
               </a:spcBef>
@@ -7866,7 +7986,7 @@
             </a:pPr>
             <a:fld id="{00000000-1234-1234-1234-123412341234}" type="slidenum">
               <a:rPr lang="pt-BR"/>
-              <a:t>‹#›</a:t>
+              <a:t>‹nº›</a:t>
             </a:fld>
             <a:endParaRPr/>
           </a:p>
@@ -7874,7 +7994,7 @@
       </p:sp>
     </p:spTree>
   </p:cSld>
-  <p:clrMap accent1="accent1" accent2="accent2" accent3="accent3" accent4="accent4" accent5="accent5" accent6="accent6" bg1="lt1" bg2="dk2" tx1="dk1" tx2="lt2" folHlink="folHlink" hlink="hlink"/>
+  <p:clrMap bg1="lt1" tx1="dk1" bg2="dk2" tx2="lt2" accent1="accent1" accent2="accent2" accent3="accent3" accent4="accent4" accent5="accent5" accent6="accent6" hlink="hlink" folHlink="folHlink"/>
   <p:sldLayoutIdLst>
     <p:sldLayoutId id="2147483648" r:id="rId1"/>
     <p:sldLayoutId id="2147483649" r:id="rId2"/>
@@ -7888,10 +8008,10 @@
     <p:sldLayoutId id="2147483657" r:id="rId10"/>
     <p:sldLayoutId id="2147483658" r:id="rId11"/>
   </p:sldLayoutIdLst>
-  <p:hf dt="0" ftr="0" hdr="0" sldNum="0"/>
+  <p:hf sldNum="0" hdr="0" ftr="0" dt="0"/>
   <p:txStyles>
     <p:titleStyle>
-      <a:defPPr lvl="0" marR="0" rtl="0" algn="l">
+      <a:defPPr marR="0" lvl="0" algn="l" rtl="0">
         <a:lnSpc>
           <a:spcPct val="100000"/>
         </a:lnSpc>
@@ -7902,7 +8022,7 @@
           <a:spcPts val="0"/>
         </a:spcAft>
       </a:defPPr>
-      <a:lvl1pPr lvl="0" marR="0" rtl="0" algn="l">
+      <a:lvl1pPr marR="0" lvl="0" algn="l" rtl="0">
         <a:lnSpc>
           <a:spcPct val="100000"/>
         </a:lnSpc>
@@ -7916,7 +8036,7 @@
           <a:srgbClr val="000000"/>
         </a:buClr>
         <a:buFont typeface="Arial"/>
-        <a:defRPr b="0" i="0" sz="1400" u="none" cap="none" strike="noStrike">
+        <a:defRPr sz="1400" b="0" i="0" u="none" strike="noStrike" cap="none">
           <a:solidFill>
             <a:srgbClr val="000000"/>
           </a:solidFill>
@@ -7926,7 +8046,7 @@
           <a:sym typeface="Arial"/>
         </a:defRPr>
       </a:lvl1pPr>
-      <a:lvl2pPr lvl="1" marR="0" rtl="0" algn="l">
+      <a:lvl2pPr marR="0" lvl="1" algn="l" rtl="0">
         <a:lnSpc>
           <a:spcPct val="100000"/>
         </a:lnSpc>
@@ -7940,7 +8060,7 @@
           <a:srgbClr val="000000"/>
         </a:buClr>
         <a:buFont typeface="Arial"/>
-        <a:defRPr b="0" i="0" sz="1400" u="none" cap="none" strike="noStrike">
+        <a:defRPr sz="1400" b="0" i="0" u="none" strike="noStrike" cap="none">
           <a:solidFill>
             <a:srgbClr val="000000"/>
           </a:solidFill>
@@ -7950,7 +8070,7 @@
           <a:sym typeface="Arial"/>
         </a:defRPr>
       </a:lvl2pPr>
-      <a:lvl3pPr lvl="2" marR="0" rtl="0" algn="l">
+      <a:lvl3pPr marR="0" lvl="2" algn="l" rtl="0">
         <a:lnSpc>
           <a:spcPct val="100000"/>
         </a:lnSpc>
@@ -7964,7 +8084,7 @@
           <a:srgbClr val="000000"/>
         </a:buClr>
         <a:buFont typeface="Arial"/>
-        <a:defRPr b="0" i="0" sz="1400" u="none" cap="none" strike="noStrike">
+        <a:defRPr sz="1400" b="0" i="0" u="none" strike="noStrike" cap="none">
           <a:solidFill>
             <a:srgbClr val="000000"/>
           </a:solidFill>
@@ -7974,7 +8094,7 @@
           <a:sym typeface="Arial"/>
         </a:defRPr>
       </a:lvl3pPr>
-      <a:lvl4pPr lvl="3" marR="0" rtl="0" algn="l">
+      <a:lvl4pPr marR="0" lvl="3" algn="l" rtl="0">
         <a:lnSpc>
           <a:spcPct val="100000"/>
         </a:lnSpc>
@@ -7988,7 +8108,7 @@
           <a:srgbClr val="000000"/>
         </a:buClr>
         <a:buFont typeface="Arial"/>
-        <a:defRPr b="0" i="0" sz="1400" u="none" cap="none" strike="noStrike">
+        <a:defRPr sz="1400" b="0" i="0" u="none" strike="noStrike" cap="none">
           <a:solidFill>
             <a:srgbClr val="000000"/>
           </a:solidFill>
@@ -7998,7 +8118,7 @@
           <a:sym typeface="Arial"/>
         </a:defRPr>
       </a:lvl4pPr>
-      <a:lvl5pPr lvl="4" marR="0" rtl="0" algn="l">
+      <a:lvl5pPr marR="0" lvl="4" algn="l" rtl="0">
         <a:lnSpc>
           <a:spcPct val="100000"/>
         </a:lnSpc>
@@ -8012,7 +8132,7 @@
           <a:srgbClr val="000000"/>
         </a:buClr>
         <a:buFont typeface="Arial"/>
-        <a:defRPr b="0" i="0" sz="1400" u="none" cap="none" strike="noStrike">
+        <a:defRPr sz="1400" b="0" i="0" u="none" strike="noStrike" cap="none">
           <a:solidFill>
             <a:srgbClr val="000000"/>
           </a:solidFill>
@@ -8022,7 +8142,7 @@
           <a:sym typeface="Arial"/>
         </a:defRPr>
       </a:lvl5pPr>
-      <a:lvl6pPr lvl="5" marR="0" rtl="0" algn="l">
+      <a:lvl6pPr marR="0" lvl="5" algn="l" rtl="0">
         <a:lnSpc>
           <a:spcPct val="100000"/>
         </a:lnSpc>
@@ -8036,7 +8156,7 @@
           <a:srgbClr val="000000"/>
         </a:buClr>
         <a:buFont typeface="Arial"/>
-        <a:defRPr b="0" i="0" sz="1400" u="none" cap="none" strike="noStrike">
+        <a:defRPr sz="1400" b="0" i="0" u="none" strike="noStrike" cap="none">
           <a:solidFill>
             <a:srgbClr val="000000"/>
           </a:solidFill>
@@ -8046,7 +8166,7 @@
           <a:sym typeface="Arial"/>
         </a:defRPr>
       </a:lvl6pPr>
-      <a:lvl7pPr lvl="6" marR="0" rtl="0" algn="l">
+      <a:lvl7pPr marR="0" lvl="6" algn="l" rtl="0">
         <a:lnSpc>
           <a:spcPct val="100000"/>
         </a:lnSpc>
@@ -8060,7 +8180,7 @@
           <a:srgbClr val="000000"/>
         </a:buClr>
         <a:buFont typeface="Arial"/>
-        <a:defRPr b="0" i="0" sz="1400" u="none" cap="none" strike="noStrike">
+        <a:defRPr sz="1400" b="0" i="0" u="none" strike="noStrike" cap="none">
           <a:solidFill>
             <a:srgbClr val="000000"/>
           </a:solidFill>
@@ -8070,7 +8190,7 @@
           <a:sym typeface="Arial"/>
         </a:defRPr>
       </a:lvl7pPr>
-      <a:lvl8pPr lvl="7" marR="0" rtl="0" algn="l">
+      <a:lvl8pPr marR="0" lvl="7" algn="l" rtl="0">
         <a:lnSpc>
           <a:spcPct val="100000"/>
         </a:lnSpc>
@@ -8084,7 +8204,7 @@
           <a:srgbClr val="000000"/>
         </a:buClr>
         <a:buFont typeface="Arial"/>
-        <a:defRPr b="0" i="0" sz="1400" u="none" cap="none" strike="noStrike">
+        <a:defRPr sz="1400" b="0" i="0" u="none" strike="noStrike" cap="none">
           <a:solidFill>
             <a:srgbClr val="000000"/>
           </a:solidFill>
@@ -8094,7 +8214,7 @@
           <a:sym typeface="Arial"/>
         </a:defRPr>
       </a:lvl8pPr>
-      <a:lvl9pPr lvl="8" marR="0" rtl="0" algn="l">
+      <a:lvl9pPr marR="0" lvl="8" algn="l" rtl="0">
         <a:lnSpc>
           <a:spcPct val="100000"/>
         </a:lnSpc>
@@ -8108,7 +8228,7 @@
           <a:srgbClr val="000000"/>
         </a:buClr>
         <a:buFont typeface="Arial"/>
-        <a:defRPr b="0" i="0" sz="1400" u="none" cap="none" strike="noStrike">
+        <a:defRPr sz="1400" b="0" i="0" u="none" strike="noStrike" cap="none">
           <a:solidFill>
             <a:srgbClr val="000000"/>
           </a:solidFill>
@@ -8120,7 +8240,7 @@
       </a:lvl9pPr>
     </p:titleStyle>
     <p:bodyStyle>
-      <a:defPPr lvl="0" marR="0" rtl="0" algn="l">
+      <a:defPPr marR="0" lvl="0" algn="l" rtl="0">
         <a:lnSpc>
           <a:spcPct val="100000"/>
         </a:lnSpc>
@@ -8131,7 +8251,7 @@
           <a:spcPts val="0"/>
         </a:spcAft>
       </a:defPPr>
-      <a:lvl1pPr lvl="0" marR="0" rtl="0" algn="l">
+      <a:lvl1pPr marR="0" lvl="0" algn="l" rtl="0">
         <a:lnSpc>
           <a:spcPct val="100000"/>
         </a:lnSpc>
@@ -8145,7 +8265,7 @@
           <a:srgbClr val="000000"/>
         </a:buClr>
         <a:buFont typeface="Arial"/>
-        <a:defRPr b="0" i="0" sz="1400" u="none" cap="none" strike="noStrike">
+        <a:defRPr sz="1400" b="0" i="0" u="none" strike="noStrike" cap="none">
           <a:solidFill>
             <a:srgbClr val="000000"/>
           </a:solidFill>
@@ -8155,7 +8275,7 @@
           <a:sym typeface="Arial"/>
         </a:defRPr>
       </a:lvl1pPr>
-      <a:lvl2pPr lvl="1" marR="0" rtl="0" algn="l">
+      <a:lvl2pPr marR="0" lvl="1" algn="l" rtl="0">
         <a:lnSpc>
           <a:spcPct val="100000"/>
         </a:lnSpc>
@@ -8169,7 +8289,7 @@
           <a:srgbClr val="000000"/>
         </a:buClr>
         <a:buFont typeface="Arial"/>
-        <a:defRPr b="0" i="0" sz="1400" u="none" cap="none" strike="noStrike">
+        <a:defRPr sz="1400" b="0" i="0" u="none" strike="noStrike" cap="none">
           <a:solidFill>
             <a:srgbClr val="000000"/>
           </a:solidFill>
@@ -8179,7 +8299,7 @@
           <a:sym typeface="Arial"/>
         </a:defRPr>
       </a:lvl2pPr>
-      <a:lvl3pPr lvl="2" marR="0" rtl="0" algn="l">
+      <a:lvl3pPr marR="0" lvl="2" algn="l" rtl="0">
         <a:lnSpc>
           <a:spcPct val="100000"/>
         </a:lnSpc>
@@ -8193,7 +8313,7 @@
           <a:srgbClr val="000000"/>
         </a:buClr>
         <a:buFont typeface="Arial"/>
-        <a:defRPr b="0" i="0" sz="1400" u="none" cap="none" strike="noStrike">
+        <a:defRPr sz="1400" b="0" i="0" u="none" strike="noStrike" cap="none">
           <a:solidFill>
             <a:srgbClr val="000000"/>
           </a:solidFill>
@@ -8203,7 +8323,7 @@
           <a:sym typeface="Arial"/>
         </a:defRPr>
       </a:lvl3pPr>
-      <a:lvl4pPr lvl="3" marR="0" rtl="0" algn="l">
+      <a:lvl4pPr marR="0" lvl="3" algn="l" rtl="0">
         <a:lnSpc>
           <a:spcPct val="100000"/>
         </a:lnSpc>
@@ -8217,7 +8337,7 @@
           <a:srgbClr val="000000"/>
         </a:buClr>
         <a:buFont typeface="Arial"/>
-        <a:defRPr b="0" i="0" sz="1400" u="none" cap="none" strike="noStrike">
+        <a:defRPr sz="1400" b="0" i="0" u="none" strike="noStrike" cap="none">
           <a:solidFill>
             <a:srgbClr val="000000"/>
           </a:solidFill>
@@ -8227,7 +8347,7 @@
           <a:sym typeface="Arial"/>
         </a:defRPr>
       </a:lvl4pPr>
-      <a:lvl5pPr lvl="4" marR="0" rtl="0" algn="l">
+      <a:lvl5pPr marR="0" lvl="4" algn="l" rtl="0">
         <a:lnSpc>
           <a:spcPct val="100000"/>
         </a:lnSpc>
@@ -8241,7 +8361,7 @@
           <a:srgbClr val="000000"/>
         </a:buClr>
         <a:buFont typeface="Arial"/>
-        <a:defRPr b="0" i="0" sz="1400" u="none" cap="none" strike="noStrike">
+        <a:defRPr sz="1400" b="0" i="0" u="none" strike="noStrike" cap="none">
           <a:solidFill>
             <a:srgbClr val="000000"/>
           </a:solidFill>
@@ -8251,7 +8371,7 @@
           <a:sym typeface="Arial"/>
         </a:defRPr>
       </a:lvl5pPr>
-      <a:lvl6pPr lvl="5" marR="0" rtl="0" algn="l">
+      <a:lvl6pPr marR="0" lvl="5" algn="l" rtl="0">
         <a:lnSpc>
           <a:spcPct val="100000"/>
         </a:lnSpc>
@@ -8265,7 +8385,7 @@
           <a:srgbClr val="000000"/>
         </a:buClr>
         <a:buFont typeface="Arial"/>
-        <a:defRPr b="0" i="0" sz="1400" u="none" cap="none" strike="noStrike">
+        <a:defRPr sz="1400" b="0" i="0" u="none" strike="noStrike" cap="none">
           <a:solidFill>
             <a:srgbClr val="000000"/>
           </a:solidFill>
@@ -8275,7 +8395,7 @@
           <a:sym typeface="Arial"/>
         </a:defRPr>
       </a:lvl6pPr>
-      <a:lvl7pPr lvl="6" marR="0" rtl="0" algn="l">
+      <a:lvl7pPr marR="0" lvl="6" algn="l" rtl="0">
         <a:lnSpc>
           <a:spcPct val="100000"/>
         </a:lnSpc>
@@ -8289,7 +8409,7 @@
           <a:srgbClr val="000000"/>
         </a:buClr>
         <a:buFont typeface="Arial"/>
-        <a:defRPr b="0" i="0" sz="1400" u="none" cap="none" strike="noStrike">
+        <a:defRPr sz="1400" b="0" i="0" u="none" strike="noStrike" cap="none">
           <a:solidFill>
             <a:srgbClr val="000000"/>
           </a:solidFill>
@@ -8299,7 +8419,7 @@
           <a:sym typeface="Arial"/>
         </a:defRPr>
       </a:lvl7pPr>
-      <a:lvl8pPr lvl="7" marR="0" rtl="0" algn="l">
+      <a:lvl8pPr marR="0" lvl="7" algn="l" rtl="0">
         <a:lnSpc>
           <a:spcPct val="100000"/>
         </a:lnSpc>
@@ -8313,7 +8433,7 @@
           <a:srgbClr val="000000"/>
         </a:buClr>
         <a:buFont typeface="Arial"/>
-        <a:defRPr b="0" i="0" sz="1400" u="none" cap="none" strike="noStrike">
+        <a:defRPr sz="1400" b="0" i="0" u="none" strike="noStrike" cap="none">
           <a:solidFill>
             <a:srgbClr val="000000"/>
           </a:solidFill>
@@ -8323,7 +8443,7 @@
           <a:sym typeface="Arial"/>
         </a:defRPr>
       </a:lvl8pPr>
-      <a:lvl9pPr lvl="8" marR="0" rtl="0" algn="l">
+      <a:lvl9pPr marR="0" lvl="8" algn="l" rtl="0">
         <a:lnSpc>
           <a:spcPct val="100000"/>
         </a:lnSpc>
@@ -8337,7 +8457,7 @@
           <a:srgbClr val="000000"/>
         </a:buClr>
         <a:buFont typeface="Arial"/>
-        <a:defRPr b="0" i="0" sz="1400" u="none" cap="none" strike="noStrike">
+        <a:defRPr sz="1400" b="0" i="0" u="none" strike="noStrike" cap="none">
           <a:solidFill>
             <a:srgbClr val="000000"/>
           </a:solidFill>
@@ -8349,7 +8469,7 @@
       </a:lvl9pPr>
     </p:bodyStyle>
     <p:otherStyle>
-      <a:defPPr lvl="0" marR="0" rtl="0" algn="l">
+      <a:defPPr marR="0" lvl="0" algn="l" rtl="0">
         <a:lnSpc>
           <a:spcPct val="100000"/>
         </a:lnSpc>
@@ -8360,7 +8480,7 @@
           <a:spcPts val="0"/>
         </a:spcAft>
       </a:defPPr>
-      <a:lvl1pPr lvl="0" marR="0" rtl="0" algn="l">
+      <a:lvl1pPr marR="0" lvl="0" algn="l" rtl="0">
         <a:lnSpc>
           <a:spcPct val="100000"/>
         </a:lnSpc>
@@ -8374,7 +8494,7 @@
           <a:srgbClr val="000000"/>
         </a:buClr>
         <a:buFont typeface="Arial"/>
-        <a:defRPr b="0" i="0" sz="1400" u="none" cap="none" strike="noStrike">
+        <a:defRPr sz="1400" b="0" i="0" u="none" strike="noStrike" cap="none">
           <a:solidFill>
             <a:srgbClr val="000000"/>
           </a:solidFill>
@@ -8384,7 +8504,7 @@
           <a:sym typeface="Arial"/>
         </a:defRPr>
       </a:lvl1pPr>
-      <a:lvl2pPr lvl="1" marR="0" rtl="0" algn="l">
+      <a:lvl2pPr marR="0" lvl="1" algn="l" rtl="0">
         <a:lnSpc>
           <a:spcPct val="100000"/>
         </a:lnSpc>
@@ -8398,7 +8518,7 @@
           <a:srgbClr val="000000"/>
         </a:buClr>
         <a:buFont typeface="Arial"/>
-        <a:defRPr b="0" i="0" sz="1400" u="none" cap="none" strike="noStrike">
+        <a:defRPr sz="1400" b="0" i="0" u="none" strike="noStrike" cap="none">
           <a:solidFill>
             <a:srgbClr val="000000"/>
           </a:solidFill>
@@ -8408,7 +8528,7 @@
           <a:sym typeface="Arial"/>
         </a:defRPr>
       </a:lvl2pPr>
-      <a:lvl3pPr lvl="2" marR="0" rtl="0" algn="l">
+      <a:lvl3pPr marR="0" lvl="2" algn="l" rtl="0">
         <a:lnSpc>
           <a:spcPct val="100000"/>
         </a:lnSpc>
@@ -8422,7 +8542,7 @@
           <a:srgbClr val="000000"/>
         </a:buClr>
         <a:buFont typeface="Arial"/>
-        <a:defRPr b="0" i="0" sz="1400" u="none" cap="none" strike="noStrike">
+        <a:defRPr sz="1400" b="0" i="0" u="none" strike="noStrike" cap="none">
           <a:solidFill>
             <a:srgbClr val="000000"/>
           </a:solidFill>
@@ -8432,7 +8552,7 @@
           <a:sym typeface="Arial"/>
         </a:defRPr>
       </a:lvl3pPr>
-      <a:lvl4pPr lvl="3" marR="0" rtl="0" algn="l">
+      <a:lvl4pPr marR="0" lvl="3" algn="l" rtl="0">
         <a:lnSpc>
           <a:spcPct val="100000"/>
         </a:lnSpc>
@@ -8446,7 +8566,7 @@
           <a:srgbClr val="000000"/>
         </a:buClr>
         <a:buFont typeface="Arial"/>
-        <a:defRPr b="0" i="0" sz="1400" u="none" cap="none" strike="noStrike">
+        <a:defRPr sz="1400" b="0" i="0" u="none" strike="noStrike" cap="none">
           <a:solidFill>
             <a:srgbClr val="000000"/>
           </a:solidFill>
@@ -8456,7 +8576,7 @@
           <a:sym typeface="Arial"/>
         </a:defRPr>
       </a:lvl4pPr>
-      <a:lvl5pPr lvl="4" marR="0" rtl="0" algn="l">
+      <a:lvl5pPr marR="0" lvl="4" algn="l" rtl="0">
         <a:lnSpc>
           <a:spcPct val="100000"/>
         </a:lnSpc>
@@ -8470,7 +8590,7 @@
           <a:srgbClr val="000000"/>
         </a:buClr>
         <a:buFont typeface="Arial"/>
-        <a:defRPr b="0" i="0" sz="1400" u="none" cap="none" strike="noStrike">
+        <a:defRPr sz="1400" b="0" i="0" u="none" strike="noStrike" cap="none">
           <a:solidFill>
             <a:srgbClr val="000000"/>
           </a:solidFill>
@@ -8480,7 +8600,7 @@
           <a:sym typeface="Arial"/>
         </a:defRPr>
       </a:lvl5pPr>
-      <a:lvl6pPr lvl="5" marR="0" rtl="0" algn="l">
+      <a:lvl6pPr marR="0" lvl="5" algn="l" rtl="0">
         <a:lnSpc>
           <a:spcPct val="100000"/>
         </a:lnSpc>
@@ -8494,7 +8614,7 @@
           <a:srgbClr val="000000"/>
         </a:buClr>
         <a:buFont typeface="Arial"/>
-        <a:defRPr b="0" i="0" sz="1400" u="none" cap="none" strike="noStrike">
+        <a:defRPr sz="1400" b="0" i="0" u="none" strike="noStrike" cap="none">
           <a:solidFill>
             <a:srgbClr val="000000"/>
           </a:solidFill>
@@ -8504,7 +8624,7 @@
           <a:sym typeface="Arial"/>
         </a:defRPr>
       </a:lvl6pPr>
-      <a:lvl7pPr lvl="6" marR="0" rtl="0" algn="l">
+      <a:lvl7pPr marR="0" lvl="6" algn="l" rtl="0">
         <a:lnSpc>
           <a:spcPct val="100000"/>
         </a:lnSpc>
@@ -8518,7 +8638,7 @@
           <a:srgbClr val="000000"/>
         </a:buClr>
         <a:buFont typeface="Arial"/>
-        <a:defRPr b="0" i="0" sz="1400" u="none" cap="none" strike="noStrike">
+        <a:defRPr sz="1400" b="0" i="0" u="none" strike="noStrike" cap="none">
           <a:solidFill>
             <a:srgbClr val="000000"/>
           </a:solidFill>
@@ -8528,7 +8648,7 @@
           <a:sym typeface="Arial"/>
         </a:defRPr>
       </a:lvl7pPr>
-      <a:lvl8pPr lvl="7" marR="0" rtl="0" algn="l">
+      <a:lvl8pPr marR="0" lvl="7" algn="l" rtl="0">
         <a:lnSpc>
           <a:spcPct val="100000"/>
         </a:lnSpc>
@@ -8542,7 +8662,7 @@
           <a:srgbClr val="000000"/>
         </a:buClr>
         <a:buFont typeface="Arial"/>
-        <a:defRPr b="0" i="0" sz="1400" u="none" cap="none" strike="noStrike">
+        <a:defRPr sz="1400" b="0" i="0" u="none" strike="noStrike" cap="none">
           <a:solidFill>
             <a:srgbClr val="000000"/>
           </a:solidFill>
@@ -8552,7 +8672,7 @@
           <a:sym typeface="Arial"/>
         </a:defRPr>
       </a:lvl8pPr>
-      <a:lvl9pPr lvl="8" marR="0" rtl="0" algn="l">
+      <a:lvl9pPr marR="0" lvl="8" algn="l" rtl="0">
         <a:lnSpc>
           <a:spcPct val="100000"/>
         </a:lnSpc>
@@ -8566,7 +8686,7 @@
           <a:srgbClr val="000000"/>
         </a:buClr>
         <a:buFont typeface="Arial"/>
-        <a:defRPr b="0" i="0" sz="1400" u="none" cap="none" strike="noStrike">
+        <a:defRPr sz="1400" b="0" i="0" u="none" strike="noStrike" cap="none">
           <a:solidFill>
             <a:srgbClr val="000000"/>
           </a:solidFill>
@@ -8582,11 +8702,11 @@
 </file>
 
 <file path=ppt/slides/slide1.xml><?xml version="1.0" encoding="utf-8"?>
-<p:sld xmlns:a="http://schemas.openxmlformats.org/drawingml/2006/main" xmlns:r="http://schemas.openxmlformats.org/officeDocument/2006/relationships" xmlns:mc="http://schemas.openxmlformats.org/markup-compatibility/2006" xmlns:mv="urn:schemas-microsoft-com:mac:vml" xmlns:p="http://schemas.openxmlformats.org/presentationml/2006/main" xmlns:c="http://schemas.openxmlformats.org/drawingml/2006/chart" xmlns:dgm="http://schemas.openxmlformats.org/drawingml/2006/diagram" xmlns:o="urn:schemas-microsoft-com:office:office" xmlns:v="urn:schemas-microsoft-com:vml" xmlns:pvml="urn:schemas-microsoft-com:office:powerpoint" xmlns:com="http://schemas.openxmlformats.org/drawingml/2006/compatibility" xmlns:p14="http://schemas.microsoft.com/office/powerpoint/2010/main" xmlns:p15="http://schemas.microsoft.com/office/powerpoint/2012/main" xmlns:ahyp="http://schemas.microsoft.com/office/drawing/2018/hyperlinkcolor">
+<p:sld xmlns:a="http://schemas.openxmlformats.org/drawingml/2006/main" xmlns:r="http://schemas.openxmlformats.org/officeDocument/2006/relationships" xmlns:p="http://schemas.openxmlformats.org/presentationml/2006/main">
   <p:cSld>
     <p:spTree>
       <p:nvGrpSpPr>
-        <p:cNvPr id="53" name="Shape 53"/>
+        <p:cNvPr id="1" name="Shape 53"/>
         <p:cNvGrpSpPr/>
         <p:nvPr/>
       </p:nvGrpSpPr>
@@ -8606,8 +8726,8 @@
         </p:nvSpPr>
         <p:spPr>
           <a:xfrm>
-            <a:off x="1861050" y="76200"/>
-            <a:ext cx="5421900" cy="765000"/>
+            <a:off x="1318613" y="76200"/>
+            <a:ext cx="6506773" cy="508591"/>
           </a:xfrm>
           <a:prstGeom prst="rect">
             <a:avLst/>
@@ -8618,12 +8738,12 @@
           </a:ln>
         </p:spPr>
         <p:txBody>
-          <a:bodyPr anchorCtr="0" anchor="t" bIns="91425" lIns="91425" spcFirstLastPara="1" rIns="91425" wrap="square" tIns="91425">
+          <a:bodyPr spcFirstLastPara="1" wrap="square" lIns="91425" tIns="91425" rIns="91425" bIns="91425" anchor="t" anchorCtr="0">
             <a:noAutofit/>
           </a:bodyPr>
           <a:lstStyle/>
           <a:p>
-            <a:pPr indent="0" lvl="0" marL="0" marR="0" rtl="0" algn="ctr">
+            <a:pPr marL="0" marR="0" lvl="0" indent="0" algn="ctr" rtl="0">
               <a:lnSpc>
                 <a:spcPct val="100000"/>
               </a:lnSpc>
@@ -8641,104 +8761,69 @@
               <a:buNone/>
             </a:pPr>
             <a:r>
-              <a:rPr i="0" lang="pt-BR" sz="2000" u="none" cap="none" strike="noStrike">
+              <a:rPr lang="pt-BR" sz="2000" i="0" u="none" strike="noStrike" cap="none" dirty="0">
                 <a:solidFill>
                   <a:srgbClr val="000000"/>
                 </a:solidFill>
-                <a:latin typeface="Georgia"/>
+                <a:latin typeface="Times New Roman" panose="02020603050405020304" pitchFamily="18" charset="0"/>
                 <a:ea typeface="Georgia"/>
-                <a:cs typeface="Georgia"/>
+                <a:cs typeface="Times New Roman" panose="02020603050405020304" pitchFamily="18" charset="0"/>
                 <a:sym typeface="Georgia"/>
               </a:rPr>
-              <a:t>DFD ESSENCIAL</a:t>
+              <a:t>DFD ESSENCIAL </a:t>
             </a:r>
-            <a:endParaRPr i="0" sz="2000" u="none" cap="none" strike="noStrike">
-              <a:solidFill>
-                <a:srgbClr val="000000"/>
-              </a:solidFill>
-              <a:latin typeface="Georgia"/>
-              <a:ea typeface="Georgia"/>
-              <a:cs typeface="Georgia"/>
-              <a:sym typeface="Georgia"/>
-            </a:endParaRPr>
-          </a:p>
-          <a:p>
-            <a:pPr indent="0" lvl="0" marL="0" marR="0" rtl="0" algn="ctr">
-              <a:lnSpc>
-                <a:spcPct val="100000"/>
-              </a:lnSpc>
-              <a:spcBef>
-                <a:spcPts val="0"/>
-              </a:spcBef>
-              <a:spcAft>
-                <a:spcPts val="0"/>
-              </a:spcAft>
-              <a:buClr>
-                <a:srgbClr val="000000"/>
-              </a:buClr>
-              <a:buSzPts val="1400"/>
-              <a:buFont typeface="Arial"/>
-              <a:buNone/>
-            </a:pPr>
             <a:r>
-              <a:rPr lang="pt-BR" sz="2000">
-                <a:latin typeface="Georgia"/>
+              <a:rPr lang="pt-BR" sz="2000" dirty="0">
+                <a:latin typeface="Times New Roman" panose="02020603050405020304" pitchFamily="18" charset="0"/>
                 <a:ea typeface="Georgia"/>
-                <a:cs typeface="Georgia"/>
+                <a:cs typeface="Times New Roman" panose="02020603050405020304" pitchFamily="18" charset="0"/>
                 <a:sym typeface="Georgia"/>
               </a:rPr>
               <a:t>de </a:t>
             </a:r>
             <a:r>
-              <a:rPr i="0" lang="pt-BR" sz="2000" u="none" cap="none" strike="noStrike">
+              <a:rPr lang="pt-BR" sz="2000" i="0" u="none" strike="noStrike" cap="none" dirty="0">
                 <a:solidFill>
                   <a:srgbClr val="000000"/>
                 </a:solidFill>
-                <a:latin typeface="Georgia"/>
+                <a:latin typeface="Times New Roman" panose="02020603050405020304" pitchFamily="18" charset="0"/>
                 <a:ea typeface="Georgia"/>
-                <a:cs typeface="Georgia"/>
+                <a:cs typeface="Times New Roman" panose="02020603050405020304" pitchFamily="18" charset="0"/>
                 <a:sym typeface="Georgia"/>
               </a:rPr>
               <a:t>REALIZAÇÃO DA MATRÍCULA</a:t>
             </a:r>
-            <a:endParaRPr i="0" sz="2000" u="none" cap="none" strike="noStrike">
-              <a:solidFill>
-                <a:srgbClr val="000000"/>
-              </a:solidFill>
-              <a:latin typeface="Georgia"/>
-              <a:ea typeface="Georgia"/>
-              <a:cs typeface="Georgia"/>
-              <a:sym typeface="Georgia"/>
-            </a:endParaRPr>
           </a:p>
         </p:txBody>
       </p:sp>
       <p:pic>
         <p:nvPicPr>
-          <p:cNvPr id="55" name="Google Shape;55;p13"/>
-          <p:cNvPicPr preferRelativeResize="0"/>
+          <p:cNvPr id="3" name="Imagem 2" descr="Uma imagem contendo Interface gráfica do usuário&#10;&#10;Descrição gerada automaticamente">
+            <a:extLst>
+              <a:ext uri="{FF2B5EF4-FFF2-40B4-BE49-F238E27FC236}">
+                <a16:creationId xmlns:a16="http://schemas.microsoft.com/office/drawing/2014/main" id="{88FF94BD-4876-49BD-9CCC-44D061DB3C70}"/>
+              </a:ext>
+            </a:extLst>
+          </p:cNvPr>
+          <p:cNvPicPr>
+            <a:picLocks noChangeAspect="1"/>
+          </p:cNvPicPr>
           <p:nvPr/>
         </p:nvPicPr>
         <p:blipFill>
-          <a:blip r:embed="rId3">
-            <a:alphaModFix/>
-          </a:blip>
+          <a:blip r:embed="rId3"/>
           <a:stretch>
             <a:fillRect/>
           </a:stretch>
         </p:blipFill>
         <p:spPr>
           <a:xfrm>
-            <a:off x="152400" y="993600"/>
-            <a:ext cx="8839200" cy="3698807"/>
+            <a:off x="1552706" y="584791"/>
+            <a:ext cx="5879452" cy="4322587"/>
           </a:xfrm>
           <a:prstGeom prst="rect">
             <a:avLst/>
           </a:prstGeom>
-          <a:noFill/>
-          <a:ln>
-            <a:noFill/>
-          </a:ln>
         </p:spPr>
       </p:pic>
     </p:spTree>
@@ -8750,7 +8835,7 @@
 </file>
 
 <file path=ppt/theme/theme1.xml><?xml version="1.0" encoding="utf-8"?>
-<a:theme xmlns:a="http://schemas.openxmlformats.org/drawingml/2006/main" xmlns:r="http://schemas.openxmlformats.org/officeDocument/2006/relationships" name="Simple Light">
+<a:theme xmlns:a="http://schemas.openxmlformats.org/drawingml/2006/main" name="Simple Light">
   <a:themeElements>
     <a:clrScheme name="Simple Light">
       <a:dk1>
@@ -9025,11 +9110,13 @@
       </a:bgFillStyleLst>
     </a:fmtScheme>
   </a:themeElements>
+  <a:objectDefaults/>
+  <a:extraClrSchemeLst/>
 </a:theme>
 </file>
 
 <file path=ppt/theme/theme2.xml><?xml version="1.0" encoding="utf-8"?>
-<a:theme xmlns:a="http://schemas.openxmlformats.org/drawingml/2006/main" xmlns:r="http://schemas.openxmlformats.org/officeDocument/2006/relationships">
+<a:theme xmlns:a="http://schemas.openxmlformats.org/drawingml/2006/main">
   <a:themeElements>
     <a:clrScheme name="Default">
       <a:dk1>
@@ -9304,5 +9391,7 @@
       </a:bgFillStyleLst>
     </a:fmtScheme>
   </a:themeElements>
+  <a:objectDefaults/>
+  <a:extraClrSchemeLst/>
 </a:theme>
 </file>
--- a/Artefatos/16. DFD ESSENCIAL CAPACIDADES.pptx
+++ b/Artefatos/16. DFD ESSENCIAL CAPACIDADES.pptx
@@ -5,10 +5,14 @@
     <p:sldMasterId id="2147483659" r:id="rId1"/>
   </p:sldMasterIdLst>
   <p:notesMasterIdLst>
-    <p:notesMasterId r:id="rId3"/>
+    <p:notesMasterId r:id="rId7"/>
   </p:notesMasterIdLst>
   <p:sldIdLst>
     <p:sldId id="256" r:id="rId2"/>
+    <p:sldId id="257" r:id="rId3"/>
+    <p:sldId id="258" r:id="rId4"/>
+    <p:sldId id="259" r:id="rId5"/>
+    <p:sldId id="260" r:id="rId6"/>
   </p:sldIdLst>
   <p:sldSz cx="9144000" cy="5143500" type="screen16x9"/>
   <p:notesSz cx="6858000" cy="9144000"/>
@@ -8798,10 +8802,10 @@
       </p:sp>
       <p:pic>
         <p:nvPicPr>
-          <p:cNvPr id="3" name="Imagem 2" descr="Uma imagem contendo Interface gráfica do usuário&#10;&#10;Descrição gerada automaticamente">
+          <p:cNvPr id="4" name="Imagem 3" descr="Uma imagem contendo Interface gráfica do usuário&#10;&#10;Descrição gerada automaticamente">
             <a:extLst>
               <a:ext uri="{FF2B5EF4-FFF2-40B4-BE49-F238E27FC236}">
-                <a16:creationId xmlns:a16="http://schemas.microsoft.com/office/drawing/2014/main" id="{88FF94BD-4876-49BD-9CCC-44D061DB3C70}"/>
+                <a16:creationId xmlns:a16="http://schemas.microsoft.com/office/drawing/2014/main" id="{C9600466-839F-4783-A9F3-2672334C764A}"/>
               </a:ext>
             </a:extLst>
           </p:cNvPr>
@@ -8818,8 +8822,8 @@
         </p:blipFill>
         <p:spPr>
           <a:xfrm>
-            <a:off x="1552706" y="584791"/>
-            <a:ext cx="5879452" cy="4322587"/>
+            <a:off x="1041990" y="584791"/>
+            <a:ext cx="7060019" cy="4283328"/>
           </a:xfrm>
           <a:prstGeom prst="rect">
             <a:avLst/>
@@ -8827,6 +8831,567 @@
         </p:spPr>
       </p:pic>
     </p:spTree>
+  </p:cSld>
+  <p:clrMapOvr>
+    <a:masterClrMapping/>
+  </p:clrMapOvr>
+</p:sld>
+</file>
+
+<file path=ppt/slides/slide2.xml><?xml version="1.0" encoding="utf-8"?>
+<p:sld xmlns:a="http://schemas.openxmlformats.org/drawingml/2006/main" xmlns:r="http://schemas.openxmlformats.org/officeDocument/2006/relationships" xmlns:p="http://schemas.openxmlformats.org/presentationml/2006/main">
+  <p:cSld>
+    <p:spTree>
+      <p:nvGrpSpPr>
+        <p:cNvPr id="1" name=""/>
+        <p:cNvGrpSpPr/>
+        <p:nvPr/>
+      </p:nvGrpSpPr>
+      <p:grpSpPr>
+        <a:xfrm>
+          <a:off x="0" y="0"/>
+          <a:ext cx="0" cy="0"/>
+          <a:chOff x="0" y="0"/>
+          <a:chExt cx="0" cy="0"/>
+        </a:xfrm>
+      </p:grpSpPr>
+      <p:pic>
+        <p:nvPicPr>
+          <p:cNvPr id="4" name="Imagem 3" descr="Interface gráfica do usuário&#10;&#10;Descrição gerada automaticamente">
+            <a:extLst>
+              <a:ext uri="{FF2B5EF4-FFF2-40B4-BE49-F238E27FC236}">
+                <a16:creationId xmlns:a16="http://schemas.microsoft.com/office/drawing/2014/main" id="{8C585B8E-5F9D-48CE-B6C5-73A786DDFD79}"/>
+              </a:ext>
+            </a:extLst>
+          </p:cNvPr>
+          <p:cNvPicPr>
+            <a:picLocks noChangeAspect="1"/>
+          </p:cNvPicPr>
+          <p:nvPr/>
+        </p:nvPicPr>
+        <p:blipFill rotWithShape="1">
+          <a:blip r:embed="rId2"/>
+          <a:srcRect t="13653"/>
+          <a:stretch/>
+        </p:blipFill>
+        <p:spPr>
+          <a:xfrm>
+            <a:off x="799164" y="1509823"/>
+            <a:ext cx="7972695" cy="2750156"/>
+          </a:xfrm>
+          <a:prstGeom prst="rect">
+            <a:avLst/>
+          </a:prstGeom>
+        </p:spPr>
+      </p:pic>
+      <p:sp>
+        <p:nvSpPr>
+          <p:cNvPr id="5" name="Google Shape;54;p13">
+            <a:extLst>
+              <a:ext uri="{FF2B5EF4-FFF2-40B4-BE49-F238E27FC236}">
+                <a16:creationId xmlns:a16="http://schemas.microsoft.com/office/drawing/2014/main" id="{99BD6ABE-D453-47AA-8DF3-7740165BB02A}"/>
+              </a:ext>
+            </a:extLst>
+          </p:cNvPr>
+          <p:cNvSpPr txBox="1"/>
+          <p:nvPr/>
+        </p:nvSpPr>
+        <p:spPr>
+          <a:xfrm>
+            <a:off x="1318613" y="374930"/>
+            <a:ext cx="6506773" cy="508591"/>
+          </a:xfrm>
+          <a:prstGeom prst="rect">
+            <a:avLst/>
+          </a:prstGeom>
+          <a:noFill/>
+          <a:ln>
+            <a:noFill/>
+          </a:ln>
+        </p:spPr>
+        <p:txBody>
+          <a:bodyPr spcFirstLastPara="1" wrap="square" lIns="91425" tIns="91425" rIns="91425" bIns="91425" anchor="t" anchorCtr="0">
+            <a:noAutofit/>
+          </a:bodyPr>
+          <a:lstStyle/>
+          <a:p>
+            <a:pPr marL="0" marR="0" lvl="0" indent="0" algn="ctr" rtl="0">
+              <a:lnSpc>
+                <a:spcPct val="100000"/>
+              </a:lnSpc>
+              <a:spcBef>
+                <a:spcPts val="0"/>
+              </a:spcBef>
+              <a:spcAft>
+                <a:spcPts val="0"/>
+              </a:spcAft>
+              <a:buClr>
+                <a:srgbClr val="000000"/>
+              </a:buClr>
+              <a:buSzPts val="1400"/>
+              <a:buFont typeface="Arial"/>
+              <a:buNone/>
+            </a:pPr>
+            <a:r>
+              <a:rPr lang="pt-BR" sz="2000" i="0" u="none" strike="noStrike" cap="none" dirty="0">
+                <a:solidFill>
+                  <a:srgbClr val="000000"/>
+                </a:solidFill>
+                <a:latin typeface="Times New Roman" panose="02020603050405020304" pitchFamily="18" charset="0"/>
+                <a:ea typeface="Georgia"/>
+                <a:cs typeface="Times New Roman" panose="02020603050405020304" pitchFamily="18" charset="0"/>
+                <a:sym typeface="Georgia"/>
+              </a:rPr>
+              <a:t>DFD ESSENCIAL </a:t>
+            </a:r>
+            <a:r>
+              <a:rPr lang="pt-BR" sz="2000" dirty="0">
+                <a:latin typeface="Times New Roman" panose="02020603050405020304" pitchFamily="18" charset="0"/>
+                <a:ea typeface="Georgia"/>
+                <a:cs typeface="Times New Roman" panose="02020603050405020304" pitchFamily="18" charset="0"/>
+                <a:sym typeface="Georgia"/>
+              </a:rPr>
+              <a:t>de MINISTRAR AULAS</a:t>
+            </a:r>
+            <a:endParaRPr lang="pt-BR" sz="2000" i="0" u="none" strike="noStrike" cap="none" dirty="0">
+              <a:solidFill>
+                <a:srgbClr val="000000"/>
+              </a:solidFill>
+              <a:latin typeface="Times New Roman" panose="02020603050405020304" pitchFamily="18" charset="0"/>
+              <a:ea typeface="Georgia"/>
+              <a:cs typeface="Times New Roman" panose="02020603050405020304" pitchFamily="18" charset="0"/>
+              <a:sym typeface="Georgia"/>
+            </a:endParaRPr>
+          </a:p>
+        </p:txBody>
+      </p:sp>
+    </p:spTree>
+    <p:extLst>
+      <p:ext uri="{BB962C8B-B14F-4D97-AF65-F5344CB8AC3E}">
+        <p14:creationId xmlns:p14="http://schemas.microsoft.com/office/powerpoint/2010/main" val="3154167667"/>
+      </p:ext>
+    </p:extLst>
+  </p:cSld>
+  <p:clrMapOvr>
+    <a:masterClrMapping/>
+  </p:clrMapOvr>
+</p:sld>
+</file>
+
+<file path=ppt/slides/slide3.xml><?xml version="1.0" encoding="utf-8"?>
+<p:sld xmlns:a="http://schemas.openxmlformats.org/drawingml/2006/main" xmlns:r="http://schemas.openxmlformats.org/officeDocument/2006/relationships" xmlns:p="http://schemas.openxmlformats.org/presentationml/2006/main">
+  <p:cSld>
+    <p:spTree>
+      <p:nvGrpSpPr>
+        <p:cNvPr id="1" name=""/>
+        <p:cNvGrpSpPr/>
+        <p:nvPr/>
+      </p:nvGrpSpPr>
+      <p:grpSpPr>
+        <a:xfrm>
+          <a:off x="0" y="0"/>
+          <a:ext cx="0" cy="0"/>
+          <a:chOff x="0" y="0"/>
+          <a:chExt cx="0" cy="0"/>
+        </a:xfrm>
+      </p:grpSpPr>
+      <p:sp>
+        <p:nvSpPr>
+          <p:cNvPr id="3" name="Google Shape;54;p13">
+            <a:extLst>
+              <a:ext uri="{FF2B5EF4-FFF2-40B4-BE49-F238E27FC236}">
+                <a16:creationId xmlns:a16="http://schemas.microsoft.com/office/drawing/2014/main" id="{AA5861D1-BC11-4CC2-A649-91E41536995C}"/>
+              </a:ext>
+            </a:extLst>
+          </p:cNvPr>
+          <p:cNvSpPr txBox="1"/>
+          <p:nvPr/>
+        </p:nvSpPr>
+        <p:spPr>
+          <a:xfrm>
+            <a:off x="1318613" y="374930"/>
+            <a:ext cx="6506773" cy="508591"/>
+          </a:xfrm>
+          <a:prstGeom prst="rect">
+            <a:avLst/>
+          </a:prstGeom>
+          <a:noFill/>
+          <a:ln>
+            <a:noFill/>
+          </a:ln>
+        </p:spPr>
+        <p:txBody>
+          <a:bodyPr spcFirstLastPara="1" wrap="square" lIns="91425" tIns="91425" rIns="91425" bIns="91425" anchor="t" anchorCtr="0">
+            <a:noAutofit/>
+          </a:bodyPr>
+          <a:lstStyle/>
+          <a:p>
+            <a:pPr marL="0" marR="0" lvl="0" indent="0" algn="ctr" rtl="0">
+              <a:lnSpc>
+                <a:spcPct val="100000"/>
+              </a:lnSpc>
+              <a:spcBef>
+                <a:spcPts val="0"/>
+              </a:spcBef>
+              <a:spcAft>
+                <a:spcPts val="0"/>
+              </a:spcAft>
+              <a:buClr>
+                <a:srgbClr val="000000"/>
+              </a:buClr>
+              <a:buSzPts val="1400"/>
+              <a:buFont typeface="Arial"/>
+              <a:buNone/>
+            </a:pPr>
+            <a:r>
+              <a:rPr lang="pt-BR" sz="2000" i="0" u="none" strike="noStrike" cap="none" dirty="0">
+                <a:solidFill>
+                  <a:srgbClr val="000000"/>
+                </a:solidFill>
+                <a:latin typeface="Times New Roman" panose="02020603050405020304" pitchFamily="18" charset="0"/>
+                <a:ea typeface="Georgia"/>
+                <a:cs typeface="Times New Roman" panose="02020603050405020304" pitchFamily="18" charset="0"/>
+                <a:sym typeface="Georgia"/>
+              </a:rPr>
+              <a:t>DFD ESSENCIAL </a:t>
+            </a:r>
+            <a:r>
+              <a:rPr lang="pt-BR" sz="2000" dirty="0">
+                <a:latin typeface="Times New Roman" panose="02020603050405020304" pitchFamily="18" charset="0"/>
+                <a:ea typeface="Georgia"/>
+                <a:cs typeface="Times New Roman" panose="02020603050405020304" pitchFamily="18" charset="0"/>
+                <a:sym typeface="Georgia"/>
+              </a:rPr>
+              <a:t>de NEGOCIAR</a:t>
+            </a:r>
+            <a:endParaRPr lang="pt-BR" sz="2000" i="0" u="none" strike="noStrike" cap="none" dirty="0">
+              <a:solidFill>
+                <a:srgbClr val="000000"/>
+              </a:solidFill>
+              <a:latin typeface="Times New Roman" panose="02020603050405020304" pitchFamily="18" charset="0"/>
+              <a:ea typeface="Georgia"/>
+              <a:cs typeface="Times New Roman" panose="02020603050405020304" pitchFamily="18" charset="0"/>
+              <a:sym typeface="Georgia"/>
+            </a:endParaRPr>
+          </a:p>
+        </p:txBody>
+      </p:sp>
+      <p:pic>
+        <p:nvPicPr>
+          <p:cNvPr id="5" name="Imagem 4" descr="Interface gráfica do usuário, Aplicativo&#10;&#10;Descrição gerada automaticamente">
+            <a:extLst>
+              <a:ext uri="{FF2B5EF4-FFF2-40B4-BE49-F238E27FC236}">
+                <a16:creationId xmlns:a16="http://schemas.microsoft.com/office/drawing/2014/main" id="{F2F46A29-C4CE-446F-A19C-C0C51201BBF8}"/>
+              </a:ext>
+            </a:extLst>
+          </p:cNvPr>
+          <p:cNvPicPr>
+            <a:picLocks noChangeAspect="1"/>
+          </p:cNvPicPr>
+          <p:nvPr/>
+        </p:nvPicPr>
+        <p:blipFill rotWithShape="1">
+          <a:blip r:embed="rId2"/>
+          <a:srcRect t="15945"/>
+          <a:stretch/>
+        </p:blipFill>
+        <p:spPr>
+          <a:xfrm>
+            <a:off x="2243081" y="1216582"/>
+            <a:ext cx="4657836" cy="3381556"/>
+          </a:xfrm>
+          <a:prstGeom prst="rect">
+            <a:avLst/>
+          </a:prstGeom>
+        </p:spPr>
+      </p:pic>
+    </p:spTree>
+    <p:extLst>
+      <p:ext uri="{BB962C8B-B14F-4D97-AF65-F5344CB8AC3E}">
+        <p14:creationId xmlns:p14="http://schemas.microsoft.com/office/powerpoint/2010/main" val="3371897511"/>
+      </p:ext>
+    </p:extLst>
+  </p:cSld>
+  <p:clrMapOvr>
+    <a:masterClrMapping/>
+  </p:clrMapOvr>
+</p:sld>
+</file>
+
+<file path=ppt/slides/slide4.xml><?xml version="1.0" encoding="utf-8"?>
+<p:sld xmlns:a="http://schemas.openxmlformats.org/drawingml/2006/main" xmlns:r="http://schemas.openxmlformats.org/officeDocument/2006/relationships" xmlns:p="http://schemas.openxmlformats.org/presentationml/2006/main">
+  <p:cSld>
+    <p:spTree>
+      <p:nvGrpSpPr>
+        <p:cNvPr id="1" name=""/>
+        <p:cNvGrpSpPr/>
+        <p:nvPr/>
+      </p:nvGrpSpPr>
+      <p:grpSpPr>
+        <a:xfrm>
+          <a:off x="0" y="0"/>
+          <a:ext cx="0" cy="0"/>
+          <a:chOff x="0" y="0"/>
+          <a:chExt cx="0" cy="0"/>
+        </a:xfrm>
+      </p:grpSpPr>
+      <p:sp>
+        <p:nvSpPr>
+          <p:cNvPr id="3" name="Google Shape;54;p13">
+            <a:extLst>
+              <a:ext uri="{FF2B5EF4-FFF2-40B4-BE49-F238E27FC236}">
+                <a16:creationId xmlns:a16="http://schemas.microsoft.com/office/drawing/2014/main" id="{AA883E4E-D1B2-43E0-A7BA-8699E59A981A}"/>
+              </a:ext>
+            </a:extLst>
+          </p:cNvPr>
+          <p:cNvSpPr txBox="1"/>
+          <p:nvPr/>
+        </p:nvSpPr>
+        <p:spPr>
+          <a:xfrm>
+            <a:off x="1318613" y="374930"/>
+            <a:ext cx="6506773" cy="508591"/>
+          </a:xfrm>
+          <a:prstGeom prst="rect">
+            <a:avLst/>
+          </a:prstGeom>
+          <a:noFill/>
+          <a:ln>
+            <a:noFill/>
+          </a:ln>
+        </p:spPr>
+        <p:txBody>
+          <a:bodyPr spcFirstLastPara="1" wrap="square" lIns="91425" tIns="91425" rIns="91425" bIns="91425" anchor="t" anchorCtr="0">
+            <a:noAutofit/>
+          </a:bodyPr>
+          <a:lstStyle/>
+          <a:p>
+            <a:pPr marL="0" marR="0" lvl="0" indent="0" algn="ctr" rtl="0">
+              <a:lnSpc>
+                <a:spcPct val="100000"/>
+              </a:lnSpc>
+              <a:spcBef>
+                <a:spcPts val="0"/>
+              </a:spcBef>
+              <a:spcAft>
+                <a:spcPts val="0"/>
+              </a:spcAft>
+              <a:buClr>
+                <a:srgbClr val="000000"/>
+              </a:buClr>
+              <a:buSzPts val="1400"/>
+              <a:buFont typeface="Arial"/>
+              <a:buNone/>
+            </a:pPr>
+            <a:r>
+              <a:rPr lang="pt-BR" sz="2000" i="0" u="none" strike="noStrike" cap="none" dirty="0">
+                <a:solidFill>
+                  <a:srgbClr val="000000"/>
+                </a:solidFill>
+                <a:latin typeface="Times New Roman" panose="02020603050405020304" pitchFamily="18" charset="0"/>
+                <a:ea typeface="Georgia"/>
+                <a:cs typeface="Times New Roman" panose="02020603050405020304" pitchFamily="18" charset="0"/>
+                <a:sym typeface="Georgia"/>
+              </a:rPr>
+              <a:t>DFD ESSENCIAL </a:t>
+            </a:r>
+            <a:r>
+              <a:rPr lang="pt-BR" sz="2000" dirty="0">
+                <a:latin typeface="Times New Roman" panose="02020603050405020304" pitchFamily="18" charset="0"/>
+                <a:ea typeface="Georgia"/>
+                <a:cs typeface="Times New Roman" panose="02020603050405020304" pitchFamily="18" charset="0"/>
+                <a:sym typeface="Georgia"/>
+              </a:rPr>
+              <a:t>de TRANSFERÊNCIA</a:t>
+            </a:r>
+            <a:endParaRPr lang="pt-BR" sz="2000" i="0" u="none" strike="noStrike" cap="none" dirty="0">
+              <a:solidFill>
+                <a:srgbClr val="000000"/>
+              </a:solidFill>
+              <a:latin typeface="Times New Roman" panose="02020603050405020304" pitchFamily="18" charset="0"/>
+              <a:ea typeface="Georgia"/>
+              <a:cs typeface="Times New Roman" panose="02020603050405020304" pitchFamily="18" charset="0"/>
+              <a:sym typeface="Georgia"/>
+            </a:endParaRPr>
+          </a:p>
+        </p:txBody>
+      </p:sp>
+      <p:pic>
+        <p:nvPicPr>
+          <p:cNvPr id="5" name="Imagem 4" descr="Uma imagem contendo Interface gráfica do usuário&#10;&#10;Descrição gerada automaticamente">
+            <a:extLst>
+              <a:ext uri="{FF2B5EF4-FFF2-40B4-BE49-F238E27FC236}">
+                <a16:creationId xmlns:a16="http://schemas.microsoft.com/office/drawing/2014/main" id="{A1A31082-7EFD-4044-9BDD-1DDBFCCC5053}"/>
+              </a:ext>
+            </a:extLst>
+          </p:cNvPr>
+          <p:cNvPicPr>
+            <a:picLocks noChangeAspect="1"/>
+          </p:cNvPicPr>
+          <p:nvPr/>
+        </p:nvPicPr>
+        <p:blipFill rotWithShape="1">
+          <a:blip r:embed="rId2"/>
+          <a:srcRect t="13531"/>
+          <a:stretch/>
+        </p:blipFill>
+        <p:spPr>
+          <a:xfrm>
+            <a:off x="2062716" y="1178602"/>
+            <a:ext cx="5018568" cy="3412642"/>
+          </a:xfrm>
+          <a:prstGeom prst="rect">
+            <a:avLst/>
+          </a:prstGeom>
+        </p:spPr>
+      </p:pic>
+    </p:spTree>
+    <p:extLst>
+      <p:ext uri="{BB962C8B-B14F-4D97-AF65-F5344CB8AC3E}">
+        <p14:creationId xmlns:p14="http://schemas.microsoft.com/office/powerpoint/2010/main" val="4007732069"/>
+      </p:ext>
+    </p:extLst>
+  </p:cSld>
+  <p:clrMapOvr>
+    <a:masterClrMapping/>
+  </p:clrMapOvr>
+</p:sld>
+</file>
+
+<file path=ppt/slides/slide5.xml><?xml version="1.0" encoding="utf-8"?>
+<p:sld xmlns:a="http://schemas.openxmlformats.org/drawingml/2006/main" xmlns:r="http://schemas.openxmlformats.org/officeDocument/2006/relationships" xmlns:p="http://schemas.openxmlformats.org/presentationml/2006/main">
+  <p:cSld>
+    <p:spTree>
+      <p:nvGrpSpPr>
+        <p:cNvPr id="1" name=""/>
+        <p:cNvGrpSpPr/>
+        <p:nvPr/>
+      </p:nvGrpSpPr>
+      <p:grpSpPr>
+        <a:xfrm>
+          <a:off x="0" y="0"/>
+          <a:ext cx="0" cy="0"/>
+          <a:chOff x="0" y="0"/>
+          <a:chExt cx="0" cy="0"/>
+        </a:xfrm>
+      </p:grpSpPr>
+      <p:sp>
+        <p:nvSpPr>
+          <p:cNvPr id="3" name="Google Shape;54;p13">
+            <a:extLst>
+              <a:ext uri="{FF2B5EF4-FFF2-40B4-BE49-F238E27FC236}">
+                <a16:creationId xmlns:a16="http://schemas.microsoft.com/office/drawing/2014/main" id="{0605A02C-1AA9-4E2B-B58D-D5D3B4E49719}"/>
+              </a:ext>
+            </a:extLst>
+          </p:cNvPr>
+          <p:cNvSpPr txBox="1"/>
+          <p:nvPr/>
+        </p:nvSpPr>
+        <p:spPr>
+          <a:xfrm>
+            <a:off x="1318613" y="374930"/>
+            <a:ext cx="6506773" cy="508591"/>
+          </a:xfrm>
+          <a:prstGeom prst="rect">
+            <a:avLst/>
+          </a:prstGeom>
+          <a:noFill/>
+          <a:ln>
+            <a:noFill/>
+          </a:ln>
+        </p:spPr>
+        <p:txBody>
+          <a:bodyPr spcFirstLastPara="1" wrap="square" lIns="91425" tIns="91425" rIns="91425" bIns="91425" anchor="t" anchorCtr="0">
+            <a:noAutofit/>
+          </a:bodyPr>
+          <a:lstStyle/>
+          <a:p>
+            <a:pPr marL="0" marR="0" lvl="0" indent="0" algn="ctr" rtl="0">
+              <a:lnSpc>
+                <a:spcPct val="100000"/>
+              </a:lnSpc>
+              <a:spcBef>
+                <a:spcPts val="0"/>
+              </a:spcBef>
+              <a:spcAft>
+                <a:spcPts val="0"/>
+              </a:spcAft>
+              <a:buClr>
+                <a:srgbClr val="000000"/>
+              </a:buClr>
+              <a:buSzPts val="1400"/>
+              <a:buFont typeface="Arial"/>
+              <a:buNone/>
+            </a:pPr>
+            <a:r>
+              <a:rPr lang="pt-BR" sz="2000" i="0" u="none" strike="noStrike" cap="none" dirty="0">
+                <a:solidFill>
+                  <a:srgbClr val="000000"/>
+                </a:solidFill>
+                <a:latin typeface="Times New Roman" panose="02020603050405020304" pitchFamily="18" charset="0"/>
+                <a:ea typeface="Georgia"/>
+                <a:cs typeface="Times New Roman" panose="02020603050405020304" pitchFamily="18" charset="0"/>
+                <a:sym typeface="Georgia"/>
+              </a:rPr>
+              <a:t>DFD ESSENCIAL </a:t>
+            </a:r>
+            <a:r>
+              <a:rPr lang="pt-BR" sz="2000" dirty="0">
+                <a:latin typeface="Times New Roman" panose="02020603050405020304" pitchFamily="18" charset="0"/>
+                <a:ea typeface="Georgia"/>
+                <a:cs typeface="Times New Roman" panose="02020603050405020304" pitchFamily="18" charset="0"/>
+                <a:sym typeface="Georgia"/>
+              </a:rPr>
+              <a:t>de TRANCAMENTO</a:t>
+            </a:r>
+            <a:endParaRPr lang="pt-BR" sz="2000" i="0" u="none" strike="noStrike" cap="none" dirty="0">
+              <a:solidFill>
+                <a:srgbClr val="000000"/>
+              </a:solidFill>
+              <a:latin typeface="Times New Roman" panose="02020603050405020304" pitchFamily="18" charset="0"/>
+              <a:ea typeface="Georgia"/>
+              <a:cs typeface="Times New Roman" panose="02020603050405020304" pitchFamily="18" charset="0"/>
+              <a:sym typeface="Georgia"/>
+            </a:endParaRPr>
+          </a:p>
+        </p:txBody>
+      </p:sp>
+      <p:pic>
+        <p:nvPicPr>
+          <p:cNvPr id="5" name="Imagem 4" descr="Interface gráfica do usuário, Aplicativo&#10;&#10;Descrição gerada automaticamente">
+            <a:extLst>
+              <a:ext uri="{FF2B5EF4-FFF2-40B4-BE49-F238E27FC236}">
+                <a16:creationId xmlns:a16="http://schemas.microsoft.com/office/drawing/2014/main" id="{5C275E48-1873-4CC6-81A2-766959A933A9}"/>
+              </a:ext>
+            </a:extLst>
+          </p:cNvPr>
+          <p:cNvPicPr>
+            <a:picLocks noChangeAspect="1"/>
+          </p:cNvPicPr>
+          <p:nvPr/>
+        </p:nvPicPr>
+        <p:blipFill>
+          <a:blip r:embed="rId2"/>
+          <a:stretch>
+            <a:fillRect/>
+          </a:stretch>
+        </p:blipFill>
+        <p:spPr>
+          <a:xfrm>
+            <a:off x="2051419" y="1128879"/>
+            <a:ext cx="5338874" cy="3288816"/>
+          </a:xfrm>
+          <a:prstGeom prst="rect">
+            <a:avLst/>
+          </a:prstGeom>
+        </p:spPr>
+      </p:pic>
+    </p:spTree>
+    <p:extLst>
+      <p:ext uri="{BB962C8B-B14F-4D97-AF65-F5344CB8AC3E}">
+        <p14:creationId xmlns:p14="http://schemas.microsoft.com/office/powerpoint/2010/main" val="1751700557"/>
+      </p:ext>
+    </p:extLst>
   </p:cSld>
   <p:clrMapOvr>
     <a:masterClrMapping/>

--- a/Artefatos/16. DFD ESSENCIAL CAPACIDADES.pptx
+++ b/Artefatos/16. DFD ESSENCIAL CAPACIDADES.pptx
@@ -11,7 +11,7 @@
     <p:sldId id="256" r:id="rId2"/>
     <p:sldId id="257" r:id="rId3"/>
     <p:sldId id="258" r:id="rId4"/>
-    <p:sldId id="259" r:id="rId5"/>
+    <p:sldId id="261" r:id="rId5"/>
     <p:sldId id="260" r:id="rId6"/>
   </p:sldIdLst>
   <p:sldSz cx="9144000" cy="5143500" type="screen16x9"/>
@@ -8802,10 +8802,10 @@
       </p:sp>
       <p:pic>
         <p:nvPicPr>
-          <p:cNvPr id="4" name="Imagem 3" descr="Uma imagem contendo Interface gráfica do usuário&#10;&#10;Descrição gerada automaticamente">
+          <p:cNvPr id="3" name="Imagem 2" descr="Interface gráfica do usuário&#10;&#10;Descrição gerada automaticamente">
             <a:extLst>
               <a:ext uri="{FF2B5EF4-FFF2-40B4-BE49-F238E27FC236}">
-                <a16:creationId xmlns:a16="http://schemas.microsoft.com/office/drawing/2014/main" id="{C9600466-839F-4783-A9F3-2672334C764A}"/>
+                <a16:creationId xmlns:a16="http://schemas.microsoft.com/office/drawing/2014/main" id="{0B7C2607-AEDB-483F-9077-E591CBC3DCDC}"/>
               </a:ext>
             </a:extLst>
           </p:cNvPr>
@@ -8814,16 +8814,15 @@
           </p:cNvPicPr>
           <p:nvPr/>
         </p:nvPicPr>
-        <p:blipFill>
+        <p:blipFill rotWithShape="1">
           <a:blip r:embed="rId3"/>
-          <a:stretch>
-            <a:fillRect/>
-          </a:stretch>
+          <a:srcRect t="9096"/>
+          <a:stretch/>
         </p:blipFill>
         <p:spPr>
           <a:xfrm>
-            <a:off x="1041990" y="584791"/>
-            <a:ext cx="7060019" cy="4283328"/>
+            <a:off x="1127124" y="357025"/>
+            <a:ext cx="6889751" cy="4429449"/>
           </a:xfrm>
           <a:prstGeom prst="rect">
             <a:avLst/>
@@ -8855,35 +8854,6 @@
           <a:chExt cx="0" cy="0"/>
         </a:xfrm>
       </p:grpSpPr>
-      <p:pic>
-        <p:nvPicPr>
-          <p:cNvPr id="4" name="Imagem 3" descr="Interface gráfica do usuário&#10;&#10;Descrição gerada automaticamente">
-            <a:extLst>
-              <a:ext uri="{FF2B5EF4-FFF2-40B4-BE49-F238E27FC236}">
-                <a16:creationId xmlns:a16="http://schemas.microsoft.com/office/drawing/2014/main" id="{8C585B8E-5F9D-48CE-B6C5-73A786DDFD79}"/>
-              </a:ext>
-            </a:extLst>
-          </p:cNvPr>
-          <p:cNvPicPr>
-            <a:picLocks noChangeAspect="1"/>
-          </p:cNvPicPr>
-          <p:nvPr/>
-        </p:nvPicPr>
-        <p:blipFill rotWithShape="1">
-          <a:blip r:embed="rId2"/>
-          <a:srcRect t="13653"/>
-          <a:stretch/>
-        </p:blipFill>
-        <p:spPr>
-          <a:xfrm>
-            <a:off x="799164" y="1509823"/>
-            <a:ext cx="7972695" cy="2750156"/>
-          </a:xfrm>
-          <a:prstGeom prst="rect">
-            <a:avLst/>
-          </a:prstGeom>
-        </p:spPr>
-      </p:pic>
       <p:sp>
         <p:nvSpPr>
           <p:cNvPr id="5" name="Google Shape;54;p13">
@@ -8898,7 +8868,7 @@
         </p:nvSpPr>
         <p:spPr>
           <a:xfrm>
-            <a:off x="1318613" y="374930"/>
+            <a:off x="1318613" y="215441"/>
             <a:ext cx="6506773" cy="508591"/>
           </a:xfrm>
           <a:prstGeom prst="rect">
@@ -8965,6 +8935,35 @@
           </a:p>
         </p:txBody>
       </p:sp>
+      <p:pic>
+        <p:nvPicPr>
+          <p:cNvPr id="3" name="Imagem 2">
+            <a:extLst>
+              <a:ext uri="{FF2B5EF4-FFF2-40B4-BE49-F238E27FC236}">
+                <a16:creationId xmlns:a16="http://schemas.microsoft.com/office/drawing/2014/main" id="{E6796304-FF2F-429B-8775-7563F674D5DB}"/>
+              </a:ext>
+            </a:extLst>
+          </p:cNvPr>
+          <p:cNvPicPr>
+            <a:picLocks noChangeAspect="1"/>
+          </p:cNvPicPr>
+          <p:nvPr/>
+        </p:nvPicPr>
+        <p:blipFill rotWithShape="1">
+          <a:blip r:embed="rId2"/>
+          <a:srcRect t="9281" r="87363" b="-1726"/>
+          <a:stretch/>
+        </p:blipFill>
+        <p:spPr>
+          <a:xfrm>
+            <a:off x="1189267" y="515753"/>
+            <a:ext cx="6943060" cy="4412306"/>
+          </a:xfrm>
+          <a:prstGeom prst="rect">
+            <a:avLst/>
+          </a:prstGeom>
+        </p:spPr>
+      </p:pic>
     </p:spTree>
     <p:extLst>
       <p:ext uri="{BB962C8B-B14F-4D97-AF65-F5344CB8AC3E}">
@@ -9078,10 +9077,10 @@
       </p:sp>
       <p:pic>
         <p:nvPicPr>
-          <p:cNvPr id="5" name="Imagem 4" descr="Interface gráfica do usuário, Aplicativo&#10;&#10;Descrição gerada automaticamente">
+          <p:cNvPr id="4" name="Imagem 3" descr="Linha do tempo&#10;&#10;Descrição gerada automaticamente">
             <a:extLst>
               <a:ext uri="{FF2B5EF4-FFF2-40B4-BE49-F238E27FC236}">
-                <a16:creationId xmlns:a16="http://schemas.microsoft.com/office/drawing/2014/main" id="{F2F46A29-C4CE-446F-A19C-C0C51201BBF8}"/>
+                <a16:creationId xmlns:a16="http://schemas.microsoft.com/office/drawing/2014/main" id="{DCA37C38-A128-4F5A-B5B0-F63AC74A48A0}"/>
               </a:ext>
             </a:extLst>
           </p:cNvPr>
@@ -9092,13 +9091,13 @@
         </p:nvPicPr>
         <p:blipFill rotWithShape="1">
           <a:blip r:embed="rId2"/>
-          <a:srcRect t="15945"/>
+          <a:srcRect t="14924"/>
           <a:stretch/>
         </p:blipFill>
         <p:spPr>
           <a:xfrm>
-            <a:off x="2243081" y="1216582"/>
-            <a:ext cx="4657836" cy="3381556"/>
+            <a:off x="767333" y="1105788"/>
+            <a:ext cx="7816628" cy="3500348"/>
           </a:xfrm>
           <a:prstGeom prst="rect">
             <a:avLst/>
@@ -9137,10 +9136,10 @@
       </p:grpSpPr>
       <p:sp>
         <p:nvSpPr>
-          <p:cNvPr id="3" name="Google Shape;54;p13">
+          <p:cNvPr id="4" name="Google Shape;54;p13">
             <a:extLst>
               <a:ext uri="{FF2B5EF4-FFF2-40B4-BE49-F238E27FC236}">
-                <a16:creationId xmlns:a16="http://schemas.microsoft.com/office/drawing/2014/main" id="{AA883E4E-D1B2-43E0-A7BA-8699E59A981A}"/>
+                <a16:creationId xmlns:a16="http://schemas.microsoft.com/office/drawing/2014/main" id="{D573561D-73DC-4BB0-9BFA-3A077BB6C437}"/>
               </a:ext>
             </a:extLst>
           </p:cNvPr>
@@ -9218,10 +9217,10 @@
       </p:sp>
       <p:pic>
         <p:nvPicPr>
-          <p:cNvPr id="5" name="Imagem 4" descr="Uma imagem contendo Interface gráfica do usuário&#10;&#10;Descrição gerada automaticamente">
+          <p:cNvPr id="6" name="Imagem 5" descr="Uma imagem contendo Interface gráfica do usuário&#10;&#10;Descrição gerada automaticamente">
             <a:extLst>
               <a:ext uri="{FF2B5EF4-FFF2-40B4-BE49-F238E27FC236}">
-                <a16:creationId xmlns:a16="http://schemas.microsoft.com/office/drawing/2014/main" id="{A1A31082-7EFD-4044-9BDD-1DDBFCCC5053}"/>
+                <a16:creationId xmlns:a16="http://schemas.microsoft.com/office/drawing/2014/main" id="{04B6A86B-AB41-4608-9D73-F479951CA00E}"/>
               </a:ext>
             </a:extLst>
           </p:cNvPr>
@@ -9232,13 +9231,13 @@
         </p:nvPicPr>
         <p:blipFill rotWithShape="1">
           <a:blip r:embed="rId2"/>
-          <a:srcRect t="13531"/>
+          <a:srcRect t="15517"/>
           <a:stretch/>
         </p:blipFill>
         <p:spPr>
           <a:xfrm>
-            <a:off x="2062716" y="1178602"/>
-            <a:ext cx="5018568" cy="3412642"/>
+            <a:off x="2057122" y="1322722"/>
+            <a:ext cx="5029754" cy="3037733"/>
           </a:xfrm>
           <a:prstGeom prst="rect">
             <a:avLst/>
@@ -9248,7 +9247,7 @@
     </p:spTree>
     <p:extLst>
       <p:ext uri="{BB962C8B-B14F-4D97-AF65-F5344CB8AC3E}">
-        <p14:creationId xmlns:p14="http://schemas.microsoft.com/office/powerpoint/2010/main" val="4007732069"/>
+        <p14:creationId xmlns:p14="http://schemas.microsoft.com/office/powerpoint/2010/main" val="3437676399"/>
       </p:ext>
     </p:extLst>
   </p:cSld>
@@ -9358,10 +9357,10 @@
       </p:sp>
       <p:pic>
         <p:nvPicPr>
-          <p:cNvPr id="5" name="Imagem 4" descr="Interface gráfica do usuário, Aplicativo&#10;&#10;Descrição gerada automaticamente">
+          <p:cNvPr id="4" name="Imagem 3" descr="Interface gráfica do usuário&#10;&#10;Descrição gerada automaticamente">
             <a:extLst>
               <a:ext uri="{FF2B5EF4-FFF2-40B4-BE49-F238E27FC236}">
-                <a16:creationId xmlns:a16="http://schemas.microsoft.com/office/drawing/2014/main" id="{5C275E48-1873-4CC6-81A2-766959A933A9}"/>
+                <a16:creationId xmlns:a16="http://schemas.microsoft.com/office/drawing/2014/main" id="{8404D0D3-5A83-4E47-969A-7782A842B269}"/>
               </a:ext>
             </a:extLst>
           </p:cNvPr>
@@ -9370,16 +9369,15 @@
           </p:cNvPicPr>
           <p:nvPr/>
         </p:nvPicPr>
-        <p:blipFill>
+        <p:blipFill rotWithShape="1">
           <a:blip r:embed="rId2"/>
-          <a:stretch>
-            <a:fillRect/>
-          </a:stretch>
+          <a:srcRect t="12079"/>
+          <a:stretch/>
         </p:blipFill>
         <p:spPr>
           <a:xfrm>
-            <a:off x="2051419" y="1128879"/>
-            <a:ext cx="5338874" cy="3288816"/>
+            <a:off x="1861085" y="1116398"/>
+            <a:ext cx="5421830" cy="3510647"/>
           </a:xfrm>
           <a:prstGeom prst="rect">
             <a:avLst/>

--- a/Artefatos/16. DFD ESSENCIAL CAPACIDADES.pptx
+++ b/Artefatos/16. DFD ESSENCIAL CAPACIDADES.pptx
@@ -8937,10 +8937,10 @@
       </p:sp>
       <p:pic>
         <p:nvPicPr>
-          <p:cNvPr id="3" name="Imagem 2">
+          <p:cNvPr id="4" name="Imagem 3">
             <a:extLst>
               <a:ext uri="{FF2B5EF4-FFF2-40B4-BE49-F238E27FC236}">
-                <a16:creationId xmlns:a16="http://schemas.microsoft.com/office/drawing/2014/main" id="{E6796304-FF2F-429B-8775-7563F674D5DB}"/>
+                <a16:creationId xmlns:a16="http://schemas.microsoft.com/office/drawing/2014/main" id="{3D8419CA-5CBA-4F50-8AB3-A57DCF38E9A2}"/>
               </a:ext>
             </a:extLst>
           </p:cNvPr>
@@ -8951,13 +8951,13 @@
         </p:nvPicPr>
         <p:blipFill rotWithShape="1">
           <a:blip r:embed="rId2"/>
-          <a:srcRect t="9281" r="87363" b="-1726"/>
+          <a:srcRect r="87562"/>
           <a:stretch/>
         </p:blipFill>
         <p:spPr>
           <a:xfrm>
-            <a:off x="1189267" y="515753"/>
-            <a:ext cx="6943060" cy="4412306"/>
+            <a:off x="914752" y="724032"/>
+            <a:ext cx="7070300" cy="4407838"/>
           </a:xfrm>
           <a:prstGeom prst="rect">
             <a:avLst/>

--- a/Artefatos/16. DFD ESSENCIAL CAPACIDADES.pptx
+++ b/Artefatos/16. DFD ESSENCIAL CAPACIDADES.pptx
@@ -8802,10 +8802,10 @@
       </p:sp>
       <p:pic>
         <p:nvPicPr>
-          <p:cNvPr id="3" name="Imagem 2" descr="Interface gráfica do usuário&#10;&#10;Descrição gerada automaticamente">
+          <p:cNvPr id="4" name="Imagem 3" descr="Interface gráfica do usuário&#10;&#10;Descrição gerada automaticamente">
             <a:extLst>
               <a:ext uri="{FF2B5EF4-FFF2-40B4-BE49-F238E27FC236}">
-                <a16:creationId xmlns:a16="http://schemas.microsoft.com/office/drawing/2014/main" id="{0B7C2607-AEDB-483F-9077-E591CBC3DCDC}"/>
+                <a16:creationId xmlns:a16="http://schemas.microsoft.com/office/drawing/2014/main" id="{E471ED6D-4963-47AC-B050-0F108E94651B}"/>
               </a:ext>
             </a:extLst>
           </p:cNvPr>
@@ -8814,15 +8814,16 @@
           </p:cNvPicPr>
           <p:nvPr/>
         </p:nvPicPr>
-        <p:blipFill rotWithShape="1">
+        <p:blipFill>
           <a:blip r:embed="rId3"/>
-          <a:srcRect t="9096"/>
-          <a:stretch/>
+          <a:stretch>
+            <a:fillRect/>
+          </a:stretch>
         </p:blipFill>
         <p:spPr>
           <a:xfrm>
-            <a:off x="1127124" y="357025"/>
-            <a:ext cx="6889751" cy="4429449"/>
+            <a:off x="1531186" y="658892"/>
+            <a:ext cx="6081626" cy="3825716"/>
           </a:xfrm>
           <a:prstGeom prst="rect">
             <a:avLst/>
@@ -9077,10 +9078,10 @@
       </p:sp>
       <p:pic>
         <p:nvPicPr>
-          <p:cNvPr id="4" name="Imagem 3" descr="Linha do tempo&#10;&#10;Descrição gerada automaticamente">
+          <p:cNvPr id="5" name="Imagem 4">
             <a:extLst>
               <a:ext uri="{FF2B5EF4-FFF2-40B4-BE49-F238E27FC236}">
-                <a16:creationId xmlns:a16="http://schemas.microsoft.com/office/drawing/2014/main" id="{DCA37C38-A128-4F5A-B5B0-F63AC74A48A0}"/>
+                <a16:creationId xmlns:a16="http://schemas.microsoft.com/office/drawing/2014/main" id="{6DB81387-AC55-4590-A019-9DC5746F962E}"/>
               </a:ext>
             </a:extLst>
           </p:cNvPr>
@@ -9089,15 +9090,16 @@
           </p:cNvPicPr>
           <p:nvPr/>
         </p:nvPicPr>
-        <p:blipFill rotWithShape="1">
+        <p:blipFill>
           <a:blip r:embed="rId2"/>
-          <a:srcRect t="14924"/>
-          <a:stretch/>
+          <a:stretch>
+            <a:fillRect/>
+          </a:stretch>
         </p:blipFill>
         <p:spPr>
           <a:xfrm>
-            <a:off x="767333" y="1105788"/>
-            <a:ext cx="7816628" cy="3500348"/>
+            <a:off x="622908" y="1134723"/>
+            <a:ext cx="7898184" cy="3361077"/>
           </a:xfrm>
           <a:prstGeom prst="rect">
             <a:avLst/>
@@ -9217,10 +9219,10 @@
       </p:sp>
       <p:pic>
         <p:nvPicPr>
-          <p:cNvPr id="6" name="Imagem 5" descr="Uma imagem contendo Interface gráfica do usuário&#10;&#10;Descrição gerada automaticamente">
+          <p:cNvPr id="3" name="Imagem 2" descr="Interface gráfica do usuário, Aplicativo&#10;&#10;Descrição gerada automaticamente">
             <a:extLst>
               <a:ext uri="{FF2B5EF4-FFF2-40B4-BE49-F238E27FC236}">
-                <a16:creationId xmlns:a16="http://schemas.microsoft.com/office/drawing/2014/main" id="{04B6A86B-AB41-4608-9D73-F479951CA00E}"/>
+                <a16:creationId xmlns:a16="http://schemas.microsoft.com/office/drawing/2014/main" id="{8B8FCEE2-B5EF-473C-916D-4823F975BEE1}"/>
               </a:ext>
             </a:extLst>
           </p:cNvPr>
@@ -9229,15 +9231,16 @@
           </p:cNvPicPr>
           <p:nvPr/>
         </p:nvPicPr>
-        <p:blipFill rotWithShape="1">
+        <p:blipFill>
           <a:blip r:embed="rId2"/>
-          <a:srcRect t="15517"/>
-          <a:stretch/>
+          <a:stretch>
+            <a:fillRect/>
+          </a:stretch>
         </p:blipFill>
         <p:spPr>
           <a:xfrm>
-            <a:off x="2057122" y="1322722"/>
-            <a:ext cx="5029754" cy="3037733"/>
+            <a:off x="1611638" y="1318437"/>
+            <a:ext cx="6213748" cy="3526021"/>
           </a:xfrm>
           <a:prstGeom prst="rect">
             <a:avLst/>
@@ -9357,10 +9360,10 @@
       </p:sp>
       <p:pic>
         <p:nvPicPr>
-          <p:cNvPr id="4" name="Imagem 3" descr="Interface gráfica do usuário&#10;&#10;Descrição gerada automaticamente">
+          <p:cNvPr id="5" name="Imagem 4" descr="Interface gráfica do usuário&#10;&#10;Descrição gerada automaticamente">
             <a:extLst>
               <a:ext uri="{FF2B5EF4-FFF2-40B4-BE49-F238E27FC236}">
-                <a16:creationId xmlns:a16="http://schemas.microsoft.com/office/drawing/2014/main" id="{8404D0D3-5A83-4E47-969A-7782A842B269}"/>
+                <a16:creationId xmlns:a16="http://schemas.microsoft.com/office/drawing/2014/main" id="{FD291330-6E75-4317-A32B-E608F1CFC34D}"/>
               </a:ext>
             </a:extLst>
           </p:cNvPr>
@@ -9369,15 +9372,16 @@
           </p:cNvPicPr>
           <p:nvPr/>
         </p:nvPicPr>
-        <p:blipFill rotWithShape="1">
+        <p:blipFill>
           <a:blip r:embed="rId2"/>
-          <a:srcRect t="12079"/>
-          <a:stretch/>
+          <a:stretch>
+            <a:fillRect/>
+          </a:stretch>
         </p:blipFill>
         <p:spPr>
           <a:xfrm>
-            <a:off x="1861085" y="1116398"/>
-            <a:ext cx="5421830" cy="3510647"/>
+            <a:off x="1616537" y="1356772"/>
+            <a:ext cx="5910926" cy="3600213"/>
           </a:xfrm>
           <a:prstGeom prst="rect">
             <a:avLst/>

--- a/Artefatos/16. DFD ESSENCIAL CAPACIDADES.pptx
+++ b/Artefatos/16. DFD ESSENCIAL CAPACIDADES.pptx
@@ -1,23 +1,23 @@
 
 <file path=ppt/presentation.xml><?xml version="1.0" encoding="utf-8"?>
-<p:presentation xmlns:a="http://schemas.openxmlformats.org/drawingml/2006/main" xmlns:r="http://schemas.openxmlformats.org/officeDocument/2006/relationships" xmlns:p="http://schemas.openxmlformats.org/presentationml/2006/main" strictFirstAndLastChars="0" saveSubsetFonts="1" autoCompressPictures="0">
+<p:presentation xmlns:a="http://schemas.openxmlformats.org/drawingml/2006/main" xmlns:r="http://schemas.openxmlformats.org/officeDocument/2006/relationships" xmlns:mc="http://schemas.openxmlformats.org/markup-compatibility/2006" xmlns:mv="urn:schemas-microsoft-com:mac:vml" xmlns:p="http://schemas.openxmlformats.org/presentationml/2006/main" xmlns:c="http://schemas.openxmlformats.org/drawingml/2006/chart" xmlns:dgm="http://schemas.openxmlformats.org/drawingml/2006/diagram" xmlns:o="urn:schemas-microsoft-com:office:office" xmlns:v="urn:schemas-microsoft-com:vml" xmlns:pvml="urn:schemas-microsoft-com:office:powerpoint" xmlns:com="http://schemas.openxmlformats.org/drawingml/2006/compatibility" xmlns:p14="http://schemas.microsoft.com/office/powerpoint/2010/main" xmlns:p15="http://schemas.microsoft.com/office/powerpoint/2012/main" xmlns:ahyp="http://schemas.microsoft.com/office/drawing/2018/hyperlinkcolor" autoCompressPictures="0" strictFirstAndLastChars="0" saveSubsetFonts="1">
   <p:sldMasterIdLst>
-    <p:sldMasterId id="2147483659" r:id="rId1"/>
+    <p:sldMasterId id="2147483648" r:id="rId4"/>
   </p:sldMasterIdLst>
   <p:notesMasterIdLst>
-    <p:notesMasterId r:id="rId7"/>
+    <p:notesMasterId r:id="rId5"/>
   </p:notesMasterIdLst>
   <p:sldIdLst>
-    <p:sldId id="256" r:id="rId2"/>
-    <p:sldId id="257" r:id="rId3"/>
-    <p:sldId id="258" r:id="rId4"/>
-    <p:sldId id="261" r:id="rId5"/>
-    <p:sldId id="260" r:id="rId6"/>
+    <p:sldId id="256" r:id="rId6"/>
+    <p:sldId id="257" r:id="rId7"/>
+    <p:sldId id="258" r:id="rId8"/>
+    <p:sldId id="259" r:id="rId9"/>
+    <p:sldId id="260" r:id="rId10"/>
   </p:sldIdLst>
-  <p:sldSz cx="9144000" cy="5143500" type="screen16x9"/>
+  <p:sldSz cy="5143500" cx="9144000"/>
   <p:notesSz cx="6858000" cy="9144000"/>
   <p:defaultTextStyle>
-    <a:defPPr marR="0" lvl="0" algn="l" rtl="0">
+    <a:defPPr lvl="0" marR="0" rtl="0" algn="l">
       <a:lnSpc>
         <a:spcPct val="100000"/>
       </a:lnSpc>
@@ -28,7 +28,7 @@
         <a:spcPts val="0"/>
       </a:spcAft>
     </a:defPPr>
-    <a:lvl1pPr marR="0" lvl="0" algn="l" rtl="0">
+    <a:lvl1pPr lvl="0" marR="0" rtl="0" algn="l">
       <a:lnSpc>
         <a:spcPct val="100000"/>
       </a:lnSpc>
@@ -42,7 +42,7 @@
         <a:srgbClr val="000000"/>
       </a:buClr>
       <a:buFont typeface="Arial"/>
-      <a:defRPr sz="1400" b="0" i="0" u="none" strike="noStrike" cap="none">
+      <a:defRPr b="0" i="0" sz="1400" u="none" cap="none" strike="noStrike">
         <a:solidFill>
           <a:srgbClr val="000000"/>
         </a:solidFill>
@@ -52,7 +52,7 @@
         <a:sym typeface="Arial"/>
       </a:defRPr>
     </a:lvl1pPr>
-    <a:lvl2pPr marR="0" lvl="1" algn="l" rtl="0">
+    <a:lvl2pPr lvl="1" marR="0" rtl="0" algn="l">
       <a:lnSpc>
         <a:spcPct val="100000"/>
       </a:lnSpc>
@@ -66,7 +66,7 @@
         <a:srgbClr val="000000"/>
       </a:buClr>
       <a:buFont typeface="Arial"/>
-      <a:defRPr sz="1400" b="0" i="0" u="none" strike="noStrike" cap="none">
+      <a:defRPr b="0" i="0" sz="1400" u="none" cap="none" strike="noStrike">
         <a:solidFill>
           <a:srgbClr val="000000"/>
         </a:solidFill>
@@ -76,7 +76,7 @@
         <a:sym typeface="Arial"/>
       </a:defRPr>
     </a:lvl2pPr>
-    <a:lvl3pPr marR="0" lvl="2" algn="l" rtl="0">
+    <a:lvl3pPr lvl="2" marR="0" rtl="0" algn="l">
       <a:lnSpc>
         <a:spcPct val="100000"/>
       </a:lnSpc>
@@ -90,7 +90,7 @@
         <a:srgbClr val="000000"/>
       </a:buClr>
       <a:buFont typeface="Arial"/>
-      <a:defRPr sz="1400" b="0" i="0" u="none" strike="noStrike" cap="none">
+      <a:defRPr b="0" i="0" sz="1400" u="none" cap="none" strike="noStrike">
         <a:solidFill>
           <a:srgbClr val="000000"/>
         </a:solidFill>
@@ -100,7 +100,7 @@
         <a:sym typeface="Arial"/>
       </a:defRPr>
     </a:lvl3pPr>
-    <a:lvl4pPr marR="0" lvl="3" algn="l" rtl="0">
+    <a:lvl4pPr lvl="3" marR="0" rtl="0" algn="l">
       <a:lnSpc>
         <a:spcPct val="100000"/>
       </a:lnSpc>
@@ -114,7 +114,7 @@
         <a:srgbClr val="000000"/>
       </a:buClr>
       <a:buFont typeface="Arial"/>
-      <a:defRPr sz="1400" b="0" i="0" u="none" strike="noStrike" cap="none">
+      <a:defRPr b="0" i="0" sz="1400" u="none" cap="none" strike="noStrike">
         <a:solidFill>
           <a:srgbClr val="000000"/>
         </a:solidFill>
@@ -124,7 +124,7 @@
         <a:sym typeface="Arial"/>
       </a:defRPr>
     </a:lvl4pPr>
-    <a:lvl5pPr marR="0" lvl="4" algn="l" rtl="0">
+    <a:lvl5pPr lvl="4" marR="0" rtl="0" algn="l">
       <a:lnSpc>
         <a:spcPct val="100000"/>
       </a:lnSpc>
@@ -138,7 +138,7 @@
         <a:srgbClr val="000000"/>
       </a:buClr>
       <a:buFont typeface="Arial"/>
-      <a:defRPr sz="1400" b="0" i="0" u="none" strike="noStrike" cap="none">
+      <a:defRPr b="0" i="0" sz="1400" u="none" cap="none" strike="noStrike">
         <a:solidFill>
           <a:srgbClr val="000000"/>
         </a:solidFill>
@@ -148,7 +148,7 @@
         <a:sym typeface="Arial"/>
       </a:defRPr>
     </a:lvl5pPr>
-    <a:lvl6pPr marR="0" lvl="5" algn="l" rtl="0">
+    <a:lvl6pPr lvl="5" marR="0" rtl="0" algn="l">
       <a:lnSpc>
         <a:spcPct val="100000"/>
       </a:lnSpc>
@@ -162,7 +162,7 @@
         <a:srgbClr val="000000"/>
       </a:buClr>
       <a:buFont typeface="Arial"/>
-      <a:defRPr sz="1400" b="0" i="0" u="none" strike="noStrike" cap="none">
+      <a:defRPr b="0" i="0" sz="1400" u="none" cap="none" strike="noStrike">
         <a:solidFill>
           <a:srgbClr val="000000"/>
         </a:solidFill>
@@ -172,7 +172,7 @@
         <a:sym typeface="Arial"/>
       </a:defRPr>
     </a:lvl6pPr>
-    <a:lvl7pPr marR="0" lvl="6" algn="l" rtl="0">
+    <a:lvl7pPr lvl="6" marR="0" rtl="0" algn="l">
       <a:lnSpc>
         <a:spcPct val="100000"/>
       </a:lnSpc>
@@ -186,7 +186,7 @@
         <a:srgbClr val="000000"/>
       </a:buClr>
       <a:buFont typeface="Arial"/>
-      <a:defRPr sz="1400" b="0" i="0" u="none" strike="noStrike" cap="none">
+      <a:defRPr b="0" i="0" sz="1400" u="none" cap="none" strike="noStrike">
         <a:solidFill>
           <a:srgbClr val="000000"/>
         </a:solidFill>
@@ -196,7 +196,7 @@
         <a:sym typeface="Arial"/>
       </a:defRPr>
     </a:lvl7pPr>
-    <a:lvl8pPr marR="0" lvl="7" algn="l" rtl="0">
+    <a:lvl8pPr lvl="7" marR="0" rtl="0" algn="l">
       <a:lnSpc>
         <a:spcPct val="100000"/>
       </a:lnSpc>
@@ -210,7 +210,7 @@
         <a:srgbClr val="000000"/>
       </a:buClr>
       <a:buFont typeface="Arial"/>
-      <a:defRPr sz="1400" b="0" i="0" u="none" strike="noStrike" cap="none">
+      <a:defRPr b="0" i="0" sz="1400" u="none" cap="none" strike="noStrike">
         <a:solidFill>
           <a:srgbClr val="000000"/>
         </a:solidFill>
@@ -220,7 +220,7 @@
         <a:sym typeface="Arial"/>
       </a:defRPr>
     </a:lvl8pPr>
-    <a:lvl9pPr marR="0" lvl="8" algn="l" rtl="0">
+    <a:lvl9pPr lvl="8" marR="0" rtl="0" algn="l">
       <a:lnSpc>
         <a:spcPct val="100000"/>
       </a:lnSpc>
@@ -234,7 +234,7 @@
         <a:srgbClr val="000000"/>
       </a:buClr>
       <a:buFont typeface="Arial"/>
-      <a:defRPr sz="1400" b="0" i="0" u="none" strike="noStrike" cap="none">
+      <a:defRPr b="0" i="0" sz="1400" u="none" cap="none" strike="noStrike">
         <a:solidFill>
           <a:srgbClr val="000000"/>
         </a:solidFill>
@@ -247,7 +247,7 @@
   </p:defaultTextStyle>
   <p:extLst>
     <p:ext uri="{EFAFB233-063F-42B5-8137-9DF3F51BA10A}">
-      <p15:sldGuideLst xmlns:p15="http://schemas.microsoft.com/office/powerpoint/2012/main">
+      <p15:sldGuideLst>
         <p15:guide id="1" orient="horz" pos="1620">
           <p15:clr>
             <a:srgbClr val="A4A3A4"/>
@@ -260,21 +260,26 @@
         </p15:guide>
       </p15:sldGuideLst>
     </p:ext>
+    <p:ext uri="http://customooxmlschemas.google.com/">
+      <go:slidesCustomData xmlns:go="http://customooxmlschemas.google.com/" r:id="rId11" roundtripDataSignature="AMtx7mjTxzETjSagCIfiKIVv9a9bNL64FA=="/>
+    </p:ext>
   </p:extLst>
 </p:presentation>
 </file>
 
 <file path=ppt/notesMasters/notesMaster1.xml><?xml version="1.0" encoding="utf-8"?>
-<p:notesMaster xmlns:a="http://schemas.openxmlformats.org/drawingml/2006/main" xmlns:r="http://schemas.openxmlformats.org/officeDocument/2006/relationships" xmlns:p="http://schemas.openxmlformats.org/presentationml/2006/main">
+<p:notesMaster xmlns:a="http://schemas.openxmlformats.org/drawingml/2006/main" xmlns:r="http://schemas.openxmlformats.org/officeDocument/2006/relationships" xmlns:mc="http://schemas.openxmlformats.org/markup-compatibility/2006" xmlns:mv="urn:schemas-microsoft-com:mac:vml" xmlns:p="http://schemas.openxmlformats.org/presentationml/2006/main" xmlns:c="http://schemas.openxmlformats.org/drawingml/2006/chart" xmlns:dgm="http://schemas.openxmlformats.org/drawingml/2006/diagram" xmlns:o="urn:schemas-microsoft-com:office:office" xmlns:v="urn:schemas-microsoft-com:vml" xmlns:pvml="urn:schemas-microsoft-com:office:powerpoint" xmlns:com="http://schemas.openxmlformats.org/drawingml/2006/compatibility" xmlns:p14="http://schemas.microsoft.com/office/powerpoint/2010/main" xmlns:p15="http://schemas.microsoft.com/office/powerpoint/2012/main" xmlns:ahyp="http://schemas.microsoft.com/office/drawing/2018/hyperlinkcolor">
   <p:cSld>
     <p:bg>
-      <p:bgRef idx="1001">
-        <a:schemeClr val="bg1"/>
-      </p:bgRef>
+      <p:bgPr>
+        <a:solidFill>
+          <a:schemeClr val="lt1"/>
+        </a:solidFill>
+      </p:bgPr>
     </p:bg>
     <p:spTree>
       <p:nvGrpSpPr>
-        <p:cNvPr id="1" name="Shape 2"/>
+        <p:cNvPr id="2" name="Shape 2"/>
         <p:cNvGrpSpPr/>
         <p:nvPr/>
       </p:nvGrpSpPr>
@@ -289,11 +294,9 @@
       <p:sp>
         <p:nvSpPr>
           <p:cNvPr id="3" name="Google Shape;3;n"/>
-          <p:cNvSpPr>
-            <a:spLocks noGrp="1" noRot="1" noChangeAspect="1"/>
-          </p:cNvSpPr>
+          <p:cNvSpPr/>
           <p:nvPr>
-            <p:ph type="sldImg" idx="2"/>
+            <p:ph idx="2" type="sldImg"/>
           </p:nvPr>
         </p:nvSpPr>
         <p:spPr>
@@ -302,13 +305,9 @@
             <a:ext cx="6096075" cy="3429000"/>
           </a:xfrm>
           <a:custGeom>
-            <a:avLst/>
-            <a:gdLst/>
-            <a:ahLst/>
-            <a:cxnLst/>
-            <a:rect l="l" t="t" r="r" b="b"/>
+            <a:rect b="b" l="l" r="r" t="t"/>
             <a:pathLst>
-              <a:path w="120000" h="120000" extrusionOk="0">
+              <a:path extrusionOk="0" h="120000" w="120000">
                 <a:moveTo>
                   <a:pt x="0" y="0"/>
                 </a:moveTo>
@@ -326,25 +325,23 @@
             </a:pathLst>
           </a:custGeom>
           <a:noFill/>
-          <a:ln w="9525" cap="flat" cmpd="sng">
+          <a:ln cap="flat" cmpd="sng" w="9525">
             <a:solidFill>
               <a:srgbClr val="000000"/>
             </a:solidFill>
             <a:prstDash val="solid"/>
             <a:round/>
-            <a:headEnd type="none" w="sm" len="sm"/>
-            <a:tailEnd type="none" w="sm" len="sm"/>
+            <a:headEnd len="sm" w="sm" type="none"/>
+            <a:tailEnd len="sm" w="sm" type="none"/>
           </a:ln>
         </p:spPr>
       </p:sp>
       <p:sp>
         <p:nvSpPr>
           <p:cNvPr id="4" name="Google Shape;4;n"/>
-          <p:cNvSpPr txBox="1">
-            <a:spLocks noGrp="1"/>
-          </p:cNvSpPr>
+          <p:cNvSpPr txBox="1"/>
           <p:nvPr>
-            <p:ph type="body" idx="1"/>
+            <p:ph idx="1" type="body"/>
           </p:nvPr>
         </p:nvSpPr>
         <p:spPr>
@@ -361,11 +358,11 @@
           </a:ln>
         </p:spPr>
         <p:txBody>
-          <a:bodyPr spcFirstLastPara="1" wrap="square" lIns="91425" tIns="91425" rIns="91425" bIns="91425" anchor="t" anchorCtr="0">
+          <a:bodyPr anchorCtr="0" anchor="t" bIns="91425" lIns="91425" spcFirstLastPara="1" rIns="91425" wrap="square" tIns="91425">
             <a:noAutofit/>
           </a:bodyPr>
           <a:lstStyle>
-            <a:lvl1pPr marL="457200" marR="0" lvl="0" indent="-298450" algn="l" rtl="0">
+            <a:lvl1pPr indent="-298450" lvl="0" marL="457200" marR="0" rtl="0" algn="l">
               <a:lnSpc>
                 <a:spcPct val="100000"/>
               </a:lnSpc>
@@ -381,7 +378,7 @@
               <a:buSzPts val="1100"/>
               <a:buFont typeface="Arial"/>
               <a:buChar char="●"/>
-              <a:defRPr sz="1100" b="0" i="0" u="none" strike="noStrike" cap="none">
+              <a:defRPr b="0" i="0" sz="1100" u="none" cap="none" strike="noStrike">
                 <a:solidFill>
                   <a:srgbClr val="000000"/>
                 </a:solidFill>
@@ -391,7 +388,7 @@
                 <a:sym typeface="Arial"/>
               </a:defRPr>
             </a:lvl1pPr>
-            <a:lvl2pPr marL="914400" marR="0" lvl="1" indent="-298450" algn="l" rtl="0">
+            <a:lvl2pPr indent="-298450" lvl="1" marL="914400" marR="0" rtl="0" algn="l">
               <a:lnSpc>
                 <a:spcPct val="100000"/>
               </a:lnSpc>
@@ -407,7 +404,7 @@
               <a:buSzPts val="1100"/>
               <a:buFont typeface="Arial"/>
               <a:buChar char="○"/>
-              <a:defRPr sz="1100" b="0" i="0" u="none" strike="noStrike" cap="none">
+              <a:defRPr b="0" i="0" sz="1100" u="none" cap="none" strike="noStrike">
                 <a:solidFill>
                   <a:srgbClr val="000000"/>
                 </a:solidFill>
@@ -417,7 +414,7 @@
                 <a:sym typeface="Arial"/>
               </a:defRPr>
             </a:lvl2pPr>
-            <a:lvl3pPr marL="1371600" marR="0" lvl="2" indent="-298450" algn="l" rtl="0">
+            <a:lvl3pPr indent="-298450" lvl="2" marL="1371600" marR="0" rtl="0" algn="l">
               <a:lnSpc>
                 <a:spcPct val="100000"/>
               </a:lnSpc>
@@ -433,7 +430,7 @@
               <a:buSzPts val="1100"/>
               <a:buFont typeface="Arial"/>
               <a:buChar char="■"/>
-              <a:defRPr sz="1100" b="0" i="0" u="none" strike="noStrike" cap="none">
+              <a:defRPr b="0" i="0" sz="1100" u="none" cap="none" strike="noStrike">
                 <a:solidFill>
                   <a:srgbClr val="000000"/>
                 </a:solidFill>
@@ -443,7 +440,7 @@
                 <a:sym typeface="Arial"/>
               </a:defRPr>
             </a:lvl3pPr>
-            <a:lvl4pPr marL="1828800" marR="0" lvl="3" indent="-298450" algn="l" rtl="0">
+            <a:lvl4pPr indent="-298450" lvl="3" marL="1828800" marR="0" rtl="0" algn="l">
               <a:lnSpc>
                 <a:spcPct val="100000"/>
               </a:lnSpc>
@@ -459,7 +456,7 @@
               <a:buSzPts val="1100"/>
               <a:buFont typeface="Arial"/>
               <a:buChar char="●"/>
-              <a:defRPr sz="1100" b="0" i="0" u="none" strike="noStrike" cap="none">
+              <a:defRPr b="0" i="0" sz="1100" u="none" cap="none" strike="noStrike">
                 <a:solidFill>
                   <a:srgbClr val="000000"/>
                 </a:solidFill>
@@ -469,7 +466,7 @@
                 <a:sym typeface="Arial"/>
               </a:defRPr>
             </a:lvl4pPr>
-            <a:lvl5pPr marL="2286000" marR="0" lvl="4" indent="-298450" algn="l" rtl="0">
+            <a:lvl5pPr indent="-298450" lvl="4" marL="2286000" marR="0" rtl="0" algn="l">
               <a:lnSpc>
                 <a:spcPct val="100000"/>
               </a:lnSpc>
@@ -485,7 +482,7 @@
               <a:buSzPts val="1100"/>
               <a:buFont typeface="Arial"/>
               <a:buChar char="○"/>
-              <a:defRPr sz="1100" b="0" i="0" u="none" strike="noStrike" cap="none">
+              <a:defRPr b="0" i="0" sz="1100" u="none" cap="none" strike="noStrike">
                 <a:solidFill>
                   <a:srgbClr val="000000"/>
                 </a:solidFill>
@@ -495,7 +492,7 @@
                 <a:sym typeface="Arial"/>
               </a:defRPr>
             </a:lvl5pPr>
-            <a:lvl6pPr marL="2743200" marR="0" lvl="5" indent="-298450" algn="l" rtl="0">
+            <a:lvl6pPr indent="-298450" lvl="5" marL="2743200" marR="0" rtl="0" algn="l">
               <a:lnSpc>
                 <a:spcPct val="100000"/>
               </a:lnSpc>
@@ -511,7 +508,7 @@
               <a:buSzPts val="1100"/>
               <a:buFont typeface="Arial"/>
               <a:buChar char="■"/>
-              <a:defRPr sz="1100" b="0" i="0" u="none" strike="noStrike" cap="none">
+              <a:defRPr b="0" i="0" sz="1100" u="none" cap="none" strike="noStrike">
                 <a:solidFill>
                   <a:srgbClr val="000000"/>
                 </a:solidFill>
@@ -521,7 +518,7 @@
                 <a:sym typeface="Arial"/>
               </a:defRPr>
             </a:lvl6pPr>
-            <a:lvl7pPr marL="3200400" marR="0" lvl="6" indent="-298450" algn="l" rtl="0">
+            <a:lvl7pPr indent="-298450" lvl="6" marL="3200400" marR="0" rtl="0" algn="l">
               <a:lnSpc>
                 <a:spcPct val="100000"/>
               </a:lnSpc>
@@ -537,7 +534,7 @@
               <a:buSzPts val="1100"/>
               <a:buFont typeface="Arial"/>
               <a:buChar char="●"/>
-              <a:defRPr sz="1100" b="0" i="0" u="none" strike="noStrike" cap="none">
+              <a:defRPr b="0" i="0" sz="1100" u="none" cap="none" strike="noStrike">
                 <a:solidFill>
                   <a:srgbClr val="000000"/>
                 </a:solidFill>
@@ -547,7 +544,7 @@
                 <a:sym typeface="Arial"/>
               </a:defRPr>
             </a:lvl7pPr>
-            <a:lvl8pPr marL="3657600" marR="0" lvl="7" indent="-298450" algn="l" rtl="0">
+            <a:lvl8pPr indent="-298450" lvl="7" marL="3657600" marR="0" rtl="0" algn="l">
               <a:lnSpc>
                 <a:spcPct val="100000"/>
               </a:lnSpc>
@@ -563,7 +560,7 @@
               <a:buSzPts val="1100"/>
               <a:buFont typeface="Arial"/>
               <a:buChar char="○"/>
-              <a:defRPr sz="1100" b="0" i="0" u="none" strike="noStrike" cap="none">
+              <a:defRPr b="0" i="0" sz="1100" u="none" cap="none" strike="noStrike">
                 <a:solidFill>
                   <a:srgbClr val="000000"/>
                 </a:solidFill>
@@ -573,7 +570,7 @@
                 <a:sym typeface="Arial"/>
               </a:defRPr>
             </a:lvl8pPr>
-            <a:lvl9pPr marL="4114800" marR="0" lvl="8" indent="-298450" algn="l" rtl="0">
+            <a:lvl9pPr indent="-298450" lvl="8" marL="4114800" marR="0" rtl="0" algn="l">
               <a:lnSpc>
                 <a:spcPct val="100000"/>
               </a:lnSpc>
@@ -589,7 +586,7 @@
               <a:buSzPts val="1100"/>
               <a:buFont typeface="Arial"/>
               <a:buChar char="■"/>
-              <a:defRPr sz="1100" b="0" i="0" u="none" strike="noStrike" cap="none">
+              <a:defRPr b="0" i="0" sz="1100" u="none" cap="none" strike="noStrike">
                 <a:solidFill>
                   <a:srgbClr val="000000"/>
                 </a:solidFill>
@@ -600,16 +597,14 @@
               </a:defRPr>
             </a:lvl9pPr>
           </a:lstStyle>
-          <a:p>
-            <a:endParaRPr/>
-          </a:p>
+          <a:p/>
         </p:txBody>
       </p:sp>
     </p:spTree>
   </p:cSld>
-  <p:clrMap bg1="lt1" tx1="dk1" bg2="dk2" tx2="lt2" accent1="accent1" accent2="accent2" accent3="accent3" accent4="accent4" accent5="accent5" accent6="accent6" hlink="hlink" folHlink="folHlink"/>
+  <p:clrMap accent1="accent1" accent2="accent2" accent3="accent3" accent4="accent4" accent5="accent5" accent6="accent6" bg1="lt1" bg2="dk2" tx1="dk1" tx2="lt2" folHlink="folHlink" hlink="hlink"/>
   <p:notesStyle>
-    <a:defPPr marR="0" lvl="0" algn="l" rtl="0">
+    <a:defPPr lvl="0" marR="0" rtl="0" algn="l">
       <a:lnSpc>
         <a:spcPct val="100000"/>
       </a:lnSpc>
@@ -620,7 +615,7 @@
         <a:spcPts val="0"/>
       </a:spcAft>
     </a:defPPr>
-    <a:lvl1pPr marR="0" lvl="0" algn="l" rtl="0">
+    <a:lvl1pPr lvl="0" marR="0" rtl="0" algn="l">
       <a:lnSpc>
         <a:spcPct val="100000"/>
       </a:lnSpc>
@@ -634,7 +629,7 @@
         <a:srgbClr val="000000"/>
       </a:buClr>
       <a:buFont typeface="Arial"/>
-      <a:defRPr sz="1400" b="0" i="0" u="none" strike="noStrike" cap="none">
+      <a:defRPr b="0" i="0" sz="1400" u="none" cap="none" strike="noStrike">
         <a:solidFill>
           <a:srgbClr val="000000"/>
         </a:solidFill>
@@ -644,7 +639,7 @@
         <a:sym typeface="Arial"/>
       </a:defRPr>
     </a:lvl1pPr>
-    <a:lvl2pPr marR="0" lvl="1" algn="l" rtl="0">
+    <a:lvl2pPr lvl="1" marR="0" rtl="0" algn="l">
       <a:lnSpc>
         <a:spcPct val="100000"/>
       </a:lnSpc>
@@ -658,7 +653,7 @@
         <a:srgbClr val="000000"/>
       </a:buClr>
       <a:buFont typeface="Arial"/>
-      <a:defRPr sz="1400" b="0" i="0" u="none" strike="noStrike" cap="none">
+      <a:defRPr b="0" i="0" sz="1400" u="none" cap="none" strike="noStrike">
         <a:solidFill>
           <a:srgbClr val="000000"/>
         </a:solidFill>
@@ -668,7 +663,7 @@
         <a:sym typeface="Arial"/>
       </a:defRPr>
     </a:lvl2pPr>
-    <a:lvl3pPr marR="0" lvl="2" algn="l" rtl="0">
+    <a:lvl3pPr lvl="2" marR="0" rtl="0" algn="l">
       <a:lnSpc>
         <a:spcPct val="100000"/>
       </a:lnSpc>
@@ -682,7 +677,7 @@
         <a:srgbClr val="000000"/>
       </a:buClr>
       <a:buFont typeface="Arial"/>
-      <a:defRPr sz="1400" b="0" i="0" u="none" strike="noStrike" cap="none">
+      <a:defRPr b="0" i="0" sz="1400" u="none" cap="none" strike="noStrike">
         <a:solidFill>
           <a:srgbClr val="000000"/>
         </a:solidFill>
@@ -692,7 +687,7 @@
         <a:sym typeface="Arial"/>
       </a:defRPr>
     </a:lvl3pPr>
-    <a:lvl4pPr marR="0" lvl="3" algn="l" rtl="0">
+    <a:lvl4pPr lvl="3" marR="0" rtl="0" algn="l">
       <a:lnSpc>
         <a:spcPct val="100000"/>
       </a:lnSpc>
@@ -706,7 +701,7 @@
         <a:srgbClr val="000000"/>
       </a:buClr>
       <a:buFont typeface="Arial"/>
-      <a:defRPr sz="1400" b="0" i="0" u="none" strike="noStrike" cap="none">
+      <a:defRPr b="0" i="0" sz="1400" u="none" cap="none" strike="noStrike">
         <a:solidFill>
           <a:srgbClr val="000000"/>
         </a:solidFill>
@@ -716,7 +711,7 @@
         <a:sym typeface="Arial"/>
       </a:defRPr>
     </a:lvl4pPr>
-    <a:lvl5pPr marR="0" lvl="4" algn="l" rtl="0">
+    <a:lvl5pPr lvl="4" marR="0" rtl="0" algn="l">
       <a:lnSpc>
         <a:spcPct val="100000"/>
       </a:lnSpc>
@@ -730,7 +725,7 @@
         <a:srgbClr val="000000"/>
       </a:buClr>
       <a:buFont typeface="Arial"/>
-      <a:defRPr sz="1400" b="0" i="0" u="none" strike="noStrike" cap="none">
+      <a:defRPr b="0" i="0" sz="1400" u="none" cap="none" strike="noStrike">
         <a:solidFill>
           <a:srgbClr val="000000"/>
         </a:solidFill>
@@ -740,7 +735,7 @@
         <a:sym typeface="Arial"/>
       </a:defRPr>
     </a:lvl5pPr>
-    <a:lvl6pPr marR="0" lvl="5" algn="l" rtl="0">
+    <a:lvl6pPr lvl="5" marR="0" rtl="0" algn="l">
       <a:lnSpc>
         <a:spcPct val="100000"/>
       </a:lnSpc>
@@ -754,7 +749,7 @@
         <a:srgbClr val="000000"/>
       </a:buClr>
       <a:buFont typeface="Arial"/>
-      <a:defRPr sz="1400" b="0" i="0" u="none" strike="noStrike" cap="none">
+      <a:defRPr b="0" i="0" sz="1400" u="none" cap="none" strike="noStrike">
         <a:solidFill>
           <a:srgbClr val="000000"/>
         </a:solidFill>
@@ -764,7 +759,7 @@
         <a:sym typeface="Arial"/>
       </a:defRPr>
     </a:lvl6pPr>
-    <a:lvl7pPr marR="0" lvl="6" algn="l" rtl="0">
+    <a:lvl7pPr lvl="6" marR="0" rtl="0" algn="l">
       <a:lnSpc>
         <a:spcPct val="100000"/>
       </a:lnSpc>
@@ -778,7 +773,7 @@
         <a:srgbClr val="000000"/>
       </a:buClr>
       <a:buFont typeface="Arial"/>
-      <a:defRPr sz="1400" b="0" i="0" u="none" strike="noStrike" cap="none">
+      <a:defRPr b="0" i="0" sz="1400" u="none" cap="none" strike="noStrike">
         <a:solidFill>
           <a:srgbClr val="000000"/>
         </a:solidFill>
@@ -788,7 +783,7 @@
         <a:sym typeface="Arial"/>
       </a:defRPr>
     </a:lvl7pPr>
-    <a:lvl8pPr marR="0" lvl="7" algn="l" rtl="0">
+    <a:lvl8pPr lvl="7" marR="0" rtl="0" algn="l">
       <a:lnSpc>
         <a:spcPct val="100000"/>
       </a:lnSpc>
@@ -802,7 +797,7 @@
         <a:srgbClr val="000000"/>
       </a:buClr>
       <a:buFont typeface="Arial"/>
-      <a:defRPr sz="1400" b="0" i="0" u="none" strike="noStrike" cap="none">
+      <a:defRPr b="0" i="0" sz="1400" u="none" cap="none" strike="noStrike">
         <a:solidFill>
           <a:srgbClr val="000000"/>
         </a:solidFill>
@@ -812,7 +807,7 @@
         <a:sym typeface="Arial"/>
       </a:defRPr>
     </a:lvl8pPr>
-    <a:lvl9pPr marR="0" lvl="8" algn="l" rtl="0">
+    <a:lvl9pPr lvl="8" marR="0" rtl="0" algn="l">
       <a:lnSpc>
         <a:spcPct val="100000"/>
       </a:lnSpc>
@@ -826,7 +821,7 @@
         <a:srgbClr val="000000"/>
       </a:buClr>
       <a:buFont typeface="Arial"/>
-      <a:defRPr sz="1400" b="0" i="0" u="none" strike="noStrike" cap="none">
+      <a:defRPr b="0" i="0" sz="1400" u="none" cap="none" strike="noStrike">
         <a:solidFill>
           <a:srgbClr val="000000"/>
         </a:solidFill>
@@ -841,11 +836,11 @@
 </file>
 
 <file path=ppt/notesSlides/notesSlide1.xml><?xml version="1.0" encoding="utf-8"?>
-<p:notes xmlns:a="http://schemas.openxmlformats.org/drawingml/2006/main" xmlns:r="http://schemas.openxmlformats.org/officeDocument/2006/relationships" xmlns:p="http://schemas.openxmlformats.org/presentationml/2006/main" showMasterSp="0" showMasterPhAnim="0">
+<p:notes xmlns:a="http://schemas.openxmlformats.org/drawingml/2006/main" xmlns:r="http://schemas.openxmlformats.org/officeDocument/2006/relationships" xmlns:mc="http://schemas.openxmlformats.org/markup-compatibility/2006" xmlns:mv="urn:schemas-microsoft-com:mac:vml" xmlns:p="http://schemas.openxmlformats.org/presentationml/2006/main" xmlns:c="http://schemas.openxmlformats.org/drawingml/2006/chart" xmlns:dgm="http://schemas.openxmlformats.org/drawingml/2006/diagram" xmlns:o="urn:schemas-microsoft-com:office:office" xmlns:v="urn:schemas-microsoft-com:vml" xmlns:pvml="urn:schemas-microsoft-com:office:powerpoint" xmlns:com="http://schemas.openxmlformats.org/drawingml/2006/compatibility" xmlns:p14="http://schemas.microsoft.com/office/powerpoint/2010/main" xmlns:p15="http://schemas.microsoft.com/office/powerpoint/2012/main" xmlns:ahyp="http://schemas.microsoft.com/office/drawing/2018/hyperlinkcolor" showMasterPhAnim="0" showMasterSp="0">
   <p:cSld>
     <p:spTree>
       <p:nvGrpSpPr>
-        <p:cNvPr id="1" name="Shape 50"/>
+        <p:cNvPr id="50" name="Shape 50"/>
         <p:cNvGrpSpPr/>
         <p:nvPr/>
       </p:nvGrpSpPr>
@@ -860,11 +855,9 @@
       <p:sp>
         <p:nvSpPr>
           <p:cNvPr id="51" name="Google Shape;51;p1:notes"/>
-          <p:cNvSpPr>
-            <a:spLocks noGrp="1" noRot="1" noChangeAspect="1"/>
-          </p:cNvSpPr>
+          <p:cNvSpPr/>
           <p:nvPr>
-            <p:ph type="sldImg" idx="2"/>
+            <p:ph idx="2" type="sldImg"/>
           </p:nvPr>
         </p:nvSpPr>
         <p:spPr>
@@ -873,13 +866,9 @@
             <a:ext cx="6096000" cy="3429000"/>
           </a:xfrm>
           <a:custGeom>
-            <a:avLst/>
-            <a:gdLst/>
-            <a:ahLst/>
-            <a:cxnLst/>
-            <a:rect l="l" t="t" r="r" b="b"/>
+            <a:rect b="b" l="l" r="r" t="t"/>
             <a:pathLst>
-              <a:path w="120000" h="120000" extrusionOk="0">
+              <a:path extrusionOk="0" h="120000" w="120000">
                 <a:moveTo>
                   <a:pt x="0" y="0"/>
                 </a:moveTo>
@@ -897,25 +886,23 @@
             </a:pathLst>
           </a:custGeom>
           <a:noFill/>
-          <a:ln w="9525" cap="flat" cmpd="sng">
+          <a:ln cap="flat" cmpd="sng" w="9525">
             <a:solidFill>
               <a:srgbClr val="000000"/>
             </a:solidFill>
             <a:prstDash val="solid"/>
             <a:round/>
-            <a:headEnd type="none" w="sm" len="sm"/>
-            <a:tailEnd type="none" w="sm" len="sm"/>
+            <a:headEnd len="sm" w="sm" type="none"/>
+            <a:tailEnd len="sm" w="sm" type="none"/>
           </a:ln>
         </p:spPr>
       </p:sp>
       <p:sp>
         <p:nvSpPr>
           <p:cNvPr id="52" name="Google Shape;52;p1:notes"/>
-          <p:cNvSpPr txBox="1">
-            <a:spLocks noGrp="1"/>
-          </p:cNvSpPr>
+          <p:cNvSpPr txBox="1"/>
           <p:nvPr>
-            <p:ph type="body" idx="1"/>
+            <p:ph idx="1" type="body"/>
           </p:nvPr>
         </p:nvSpPr>
         <p:spPr>
@@ -932,12 +919,12 @@
           </a:ln>
         </p:spPr>
         <p:txBody>
-          <a:bodyPr spcFirstLastPara="1" wrap="square" lIns="91425" tIns="91425" rIns="91425" bIns="91425" anchor="t" anchorCtr="0">
+          <a:bodyPr anchorCtr="0" anchor="t" bIns="91425" lIns="91425" spcFirstLastPara="1" rIns="91425" wrap="square" tIns="91425">
             <a:noAutofit/>
           </a:bodyPr>
           <a:lstStyle/>
           <a:p>
-            <a:pPr marL="0" lvl="0" indent="0" algn="l" rtl="0">
+            <a:pPr indent="0" lvl="0" marL="0" rtl="0" algn="l">
               <a:lnSpc>
                 <a:spcPct val="100000"/>
               </a:lnSpc>
@@ -950,6 +937,9 @@
               <a:buSzPts val="1100"/>
               <a:buNone/>
             </a:pPr>
+            <a:r>
+              <a:t/>
+            </a:r>
             <a:endParaRPr/>
           </a:p>
         </p:txBody>
@@ -962,12 +952,12 @@
 </p:notes>
 </file>
 
-<file path=ppt/slideLayouts/slideLayout1.xml><?xml version="1.0" encoding="utf-8"?>
-<p:sldLayout xmlns:a="http://schemas.openxmlformats.org/drawingml/2006/main" xmlns:r="http://schemas.openxmlformats.org/officeDocument/2006/relationships" xmlns:p="http://schemas.openxmlformats.org/presentationml/2006/main" matchingName="Title slide" type="title">
-  <p:cSld name="TITLE">
+<file path=ppt/notesSlides/notesSlide2.xml><?xml version="1.0" encoding="utf-8"?>
+<p:notes xmlns:a="http://schemas.openxmlformats.org/drawingml/2006/main" xmlns:r="http://schemas.openxmlformats.org/officeDocument/2006/relationships" xmlns:mc="http://schemas.openxmlformats.org/markup-compatibility/2006" xmlns:mv="urn:schemas-microsoft-com:mac:vml" xmlns:p="http://schemas.openxmlformats.org/presentationml/2006/main" xmlns:c="http://schemas.openxmlformats.org/drawingml/2006/chart" xmlns:dgm="http://schemas.openxmlformats.org/drawingml/2006/diagram" xmlns:o="urn:schemas-microsoft-com:office:office" xmlns:v="urn:schemas-microsoft-com:vml" xmlns:pvml="urn:schemas-microsoft-com:office:powerpoint" xmlns:com="http://schemas.openxmlformats.org/drawingml/2006/compatibility" xmlns:p14="http://schemas.microsoft.com/office/powerpoint/2010/main" xmlns:p15="http://schemas.microsoft.com/office/powerpoint/2012/main" xmlns:ahyp="http://schemas.microsoft.com/office/drawing/2018/hyperlinkcolor" showMasterPhAnim="0" showMasterSp="0">
+  <p:cSld>
     <p:spTree>
       <p:nvGrpSpPr>
-        <p:cNvPr id="1" name="Shape 9"/>
+        <p:cNvPr id="56" name="Shape 56"/>
         <p:cNvGrpSpPr/>
         <p:nvPr/>
       </p:nvGrpSpPr>
@@ -981,10 +971,404 @@
       </p:grpSpPr>
       <p:sp>
         <p:nvSpPr>
-          <p:cNvPr id="10" name="Google Shape;10;p2"/>
-          <p:cNvSpPr txBox="1">
-            <a:spLocks noGrp="1"/>
-          </p:cNvSpPr>
+          <p:cNvPr id="57" name="Google Shape;57;p2:notes"/>
+          <p:cNvSpPr txBox="1"/>
+          <p:nvPr>
+            <p:ph idx="1" type="body"/>
+          </p:nvPr>
+        </p:nvSpPr>
+        <p:spPr>
+          <a:xfrm>
+            <a:off x="685800" y="4343400"/>
+            <a:ext cx="5486400" cy="4114800"/>
+          </a:xfrm>
+          <a:prstGeom prst="rect">
+            <a:avLst/>
+          </a:prstGeom>
+        </p:spPr>
+        <p:txBody>
+          <a:bodyPr anchorCtr="0" anchor="t" bIns="91425" lIns="91425" spcFirstLastPara="1" rIns="91425" wrap="square" tIns="91425">
+            <a:noAutofit/>
+          </a:bodyPr>
+          <a:lstStyle/>
+          <a:p>
+            <a:pPr indent="0" lvl="0" marL="0" rtl="0" algn="l">
+              <a:spcBef>
+                <a:spcPts val="0"/>
+              </a:spcBef>
+              <a:spcAft>
+                <a:spcPts val="0"/>
+              </a:spcAft>
+              <a:buNone/>
+            </a:pPr>
+            <a:r>
+              <a:t/>
+            </a:r>
+            <a:endParaRPr/>
+          </a:p>
+        </p:txBody>
+      </p:sp>
+      <p:sp>
+        <p:nvSpPr>
+          <p:cNvPr id="58" name="Google Shape;58;p2:notes"/>
+          <p:cNvSpPr/>
+          <p:nvPr>
+            <p:ph idx="2" type="sldImg"/>
+          </p:nvPr>
+        </p:nvSpPr>
+        <p:spPr>
+          <a:xfrm>
+            <a:off x="381300" y="685800"/>
+            <a:ext cx="6096075" cy="3429000"/>
+          </a:xfrm>
+          <a:custGeom>
+            <a:rect b="b" l="l" r="r" t="t"/>
+            <a:pathLst>
+              <a:path extrusionOk="0" h="120000" w="120000">
+                <a:moveTo>
+                  <a:pt x="0" y="0"/>
+                </a:moveTo>
+                <a:lnTo>
+                  <a:pt x="120000" y="0"/>
+                </a:lnTo>
+                <a:lnTo>
+                  <a:pt x="120000" y="120000"/>
+                </a:lnTo>
+                <a:lnTo>
+                  <a:pt x="0" y="120000"/>
+                </a:lnTo>
+                <a:close/>
+              </a:path>
+            </a:pathLst>
+          </a:custGeom>
+        </p:spPr>
+      </p:sp>
+    </p:spTree>
+  </p:cSld>
+  <p:clrMapOvr>
+    <a:masterClrMapping/>
+  </p:clrMapOvr>
+</p:notes>
+</file>
+
+<file path=ppt/notesSlides/notesSlide3.xml><?xml version="1.0" encoding="utf-8"?>
+<p:notes xmlns:a="http://schemas.openxmlformats.org/drawingml/2006/main" xmlns:r="http://schemas.openxmlformats.org/officeDocument/2006/relationships" xmlns:mc="http://schemas.openxmlformats.org/markup-compatibility/2006" xmlns:mv="urn:schemas-microsoft-com:mac:vml" xmlns:p="http://schemas.openxmlformats.org/presentationml/2006/main" xmlns:c="http://schemas.openxmlformats.org/drawingml/2006/chart" xmlns:dgm="http://schemas.openxmlformats.org/drawingml/2006/diagram" xmlns:o="urn:schemas-microsoft-com:office:office" xmlns:v="urn:schemas-microsoft-com:vml" xmlns:pvml="urn:schemas-microsoft-com:office:powerpoint" xmlns:com="http://schemas.openxmlformats.org/drawingml/2006/compatibility" xmlns:p14="http://schemas.microsoft.com/office/powerpoint/2010/main" xmlns:p15="http://schemas.microsoft.com/office/powerpoint/2012/main" xmlns:ahyp="http://schemas.microsoft.com/office/drawing/2018/hyperlinkcolor" showMasterPhAnim="0" showMasterSp="0">
+  <p:cSld>
+    <p:spTree>
+      <p:nvGrpSpPr>
+        <p:cNvPr id="62" name="Shape 62"/>
+        <p:cNvGrpSpPr/>
+        <p:nvPr/>
+      </p:nvGrpSpPr>
+      <p:grpSpPr>
+        <a:xfrm>
+          <a:off x="0" y="0"/>
+          <a:ext cx="0" cy="0"/>
+          <a:chOff x="0" y="0"/>
+          <a:chExt cx="0" cy="0"/>
+        </a:xfrm>
+      </p:grpSpPr>
+      <p:sp>
+        <p:nvSpPr>
+          <p:cNvPr id="63" name="Google Shape;63;p3:notes"/>
+          <p:cNvSpPr txBox="1"/>
+          <p:nvPr>
+            <p:ph idx="1" type="body"/>
+          </p:nvPr>
+        </p:nvSpPr>
+        <p:spPr>
+          <a:xfrm>
+            <a:off x="685800" y="4343400"/>
+            <a:ext cx="5486400" cy="4114800"/>
+          </a:xfrm>
+          <a:prstGeom prst="rect">
+            <a:avLst/>
+          </a:prstGeom>
+        </p:spPr>
+        <p:txBody>
+          <a:bodyPr anchorCtr="0" anchor="t" bIns="91425" lIns="91425" spcFirstLastPara="1" rIns="91425" wrap="square" tIns="91425">
+            <a:noAutofit/>
+          </a:bodyPr>
+          <a:lstStyle/>
+          <a:p>
+            <a:pPr indent="0" lvl="0" marL="0" rtl="0" algn="l">
+              <a:spcBef>
+                <a:spcPts val="0"/>
+              </a:spcBef>
+              <a:spcAft>
+                <a:spcPts val="0"/>
+              </a:spcAft>
+              <a:buNone/>
+            </a:pPr>
+            <a:r>
+              <a:t/>
+            </a:r>
+            <a:endParaRPr/>
+          </a:p>
+        </p:txBody>
+      </p:sp>
+      <p:sp>
+        <p:nvSpPr>
+          <p:cNvPr id="64" name="Google Shape;64;p3:notes"/>
+          <p:cNvSpPr/>
+          <p:nvPr>
+            <p:ph idx="2" type="sldImg"/>
+          </p:nvPr>
+        </p:nvSpPr>
+        <p:spPr>
+          <a:xfrm>
+            <a:off x="381300" y="685800"/>
+            <a:ext cx="6096075" cy="3429000"/>
+          </a:xfrm>
+          <a:custGeom>
+            <a:rect b="b" l="l" r="r" t="t"/>
+            <a:pathLst>
+              <a:path extrusionOk="0" h="120000" w="120000">
+                <a:moveTo>
+                  <a:pt x="0" y="0"/>
+                </a:moveTo>
+                <a:lnTo>
+                  <a:pt x="120000" y="0"/>
+                </a:lnTo>
+                <a:lnTo>
+                  <a:pt x="120000" y="120000"/>
+                </a:lnTo>
+                <a:lnTo>
+                  <a:pt x="0" y="120000"/>
+                </a:lnTo>
+                <a:close/>
+              </a:path>
+            </a:pathLst>
+          </a:custGeom>
+        </p:spPr>
+      </p:sp>
+    </p:spTree>
+  </p:cSld>
+  <p:clrMapOvr>
+    <a:masterClrMapping/>
+  </p:clrMapOvr>
+</p:notes>
+</file>
+
+<file path=ppt/notesSlides/notesSlide4.xml><?xml version="1.0" encoding="utf-8"?>
+<p:notes xmlns:a="http://schemas.openxmlformats.org/drawingml/2006/main" xmlns:r="http://schemas.openxmlformats.org/officeDocument/2006/relationships" xmlns:mc="http://schemas.openxmlformats.org/markup-compatibility/2006" xmlns:mv="urn:schemas-microsoft-com:mac:vml" xmlns:p="http://schemas.openxmlformats.org/presentationml/2006/main" xmlns:c="http://schemas.openxmlformats.org/drawingml/2006/chart" xmlns:dgm="http://schemas.openxmlformats.org/drawingml/2006/diagram" xmlns:o="urn:schemas-microsoft-com:office:office" xmlns:v="urn:schemas-microsoft-com:vml" xmlns:pvml="urn:schemas-microsoft-com:office:powerpoint" xmlns:com="http://schemas.openxmlformats.org/drawingml/2006/compatibility" xmlns:p14="http://schemas.microsoft.com/office/powerpoint/2010/main" xmlns:p15="http://schemas.microsoft.com/office/powerpoint/2012/main" xmlns:ahyp="http://schemas.microsoft.com/office/drawing/2018/hyperlinkcolor" showMasterPhAnim="0" showMasterSp="0">
+  <p:cSld>
+    <p:spTree>
+      <p:nvGrpSpPr>
+        <p:cNvPr id="68" name="Shape 68"/>
+        <p:cNvGrpSpPr/>
+        <p:nvPr/>
+      </p:nvGrpSpPr>
+      <p:grpSpPr>
+        <a:xfrm>
+          <a:off x="0" y="0"/>
+          <a:ext cx="0" cy="0"/>
+          <a:chOff x="0" y="0"/>
+          <a:chExt cx="0" cy="0"/>
+        </a:xfrm>
+      </p:grpSpPr>
+      <p:sp>
+        <p:nvSpPr>
+          <p:cNvPr id="69" name="Google Shape;69;p4:notes"/>
+          <p:cNvSpPr txBox="1"/>
+          <p:nvPr>
+            <p:ph idx="1" type="body"/>
+          </p:nvPr>
+        </p:nvSpPr>
+        <p:spPr>
+          <a:xfrm>
+            <a:off x="685800" y="4343400"/>
+            <a:ext cx="5486400" cy="4114800"/>
+          </a:xfrm>
+          <a:prstGeom prst="rect">
+            <a:avLst/>
+          </a:prstGeom>
+        </p:spPr>
+        <p:txBody>
+          <a:bodyPr anchorCtr="0" anchor="t" bIns="91425" lIns="91425" spcFirstLastPara="1" rIns="91425" wrap="square" tIns="91425">
+            <a:noAutofit/>
+          </a:bodyPr>
+          <a:lstStyle/>
+          <a:p>
+            <a:pPr indent="0" lvl="0" marL="0" rtl="0" algn="l">
+              <a:spcBef>
+                <a:spcPts val="0"/>
+              </a:spcBef>
+              <a:spcAft>
+                <a:spcPts val="0"/>
+              </a:spcAft>
+              <a:buNone/>
+            </a:pPr>
+            <a:r>
+              <a:t/>
+            </a:r>
+            <a:endParaRPr/>
+          </a:p>
+        </p:txBody>
+      </p:sp>
+      <p:sp>
+        <p:nvSpPr>
+          <p:cNvPr id="70" name="Google Shape;70;p4:notes"/>
+          <p:cNvSpPr/>
+          <p:nvPr>
+            <p:ph idx="2" type="sldImg"/>
+          </p:nvPr>
+        </p:nvSpPr>
+        <p:spPr>
+          <a:xfrm>
+            <a:off x="381300" y="685800"/>
+            <a:ext cx="6096075" cy="3429000"/>
+          </a:xfrm>
+          <a:custGeom>
+            <a:rect b="b" l="l" r="r" t="t"/>
+            <a:pathLst>
+              <a:path extrusionOk="0" h="120000" w="120000">
+                <a:moveTo>
+                  <a:pt x="0" y="0"/>
+                </a:moveTo>
+                <a:lnTo>
+                  <a:pt x="120000" y="0"/>
+                </a:lnTo>
+                <a:lnTo>
+                  <a:pt x="120000" y="120000"/>
+                </a:lnTo>
+                <a:lnTo>
+                  <a:pt x="0" y="120000"/>
+                </a:lnTo>
+                <a:close/>
+              </a:path>
+            </a:pathLst>
+          </a:custGeom>
+        </p:spPr>
+      </p:sp>
+    </p:spTree>
+  </p:cSld>
+  <p:clrMapOvr>
+    <a:masterClrMapping/>
+  </p:clrMapOvr>
+</p:notes>
+</file>
+
+<file path=ppt/notesSlides/notesSlide5.xml><?xml version="1.0" encoding="utf-8"?>
+<p:notes xmlns:a="http://schemas.openxmlformats.org/drawingml/2006/main" xmlns:r="http://schemas.openxmlformats.org/officeDocument/2006/relationships" xmlns:mc="http://schemas.openxmlformats.org/markup-compatibility/2006" xmlns:mv="urn:schemas-microsoft-com:mac:vml" xmlns:p="http://schemas.openxmlformats.org/presentationml/2006/main" xmlns:c="http://schemas.openxmlformats.org/drawingml/2006/chart" xmlns:dgm="http://schemas.openxmlformats.org/drawingml/2006/diagram" xmlns:o="urn:schemas-microsoft-com:office:office" xmlns:v="urn:schemas-microsoft-com:vml" xmlns:pvml="urn:schemas-microsoft-com:office:powerpoint" xmlns:com="http://schemas.openxmlformats.org/drawingml/2006/compatibility" xmlns:p14="http://schemas.microsoft.com/office/powerpoint/2010/main" xmlns:p15="http://schemas.microsoft.com/office/powerpoint/2012/main" xmlns:ahyp="http://schemas.microsoft.com/office/drawing/2018/hyperlinkcolor" showMasterPhAnim="0" showMasterSp="0">
+  <p:cSld>
+    <p:spTree>
+      <p:nvGrpSpPr>
+        <p:cNvPr id="74" name="Shape 74"/>
+        <p:cNvGrpSpPr/>
+        <p:nvPr/>
+      </p:nvGrpSpPr>
+      <p:grpSpPr>
+        <a:xfrm>
+          <a:off x="0" y="0"/>
+          <a:ext cx="0" cy="0"/>
+          <a:chOff x="0" y="0"/>
+          <a:chExt cx="0" cy="0"/>
+        </a:xfrm>
+      </p:grpSpPr>
+      <p:sp>
+        <p:nvSpPr>
+          <p:cNvPr id="75" name="Google Shape;75;p5:notes"/>
+          <p:cNvSpPr txBox="1"/>
+          <p:nvPr>
+            <p:ph idx="1" type="body"/>
+          </p:nvPr>
+        </p:nvSpPr>
+        <p:spPr>
+          <a:xfrm>
+            <a:off x="685800" y="4343400"/>
+            <a:ext cx="5486400" cy="4114800"/>
+          </a:xfrm>
+          <a:prstGeom prst="rect">
+            <a:avLst/>
+          </a:prstGeom>
+        </p:spPr>
+        <p:txBody>
+          <a:bodyPr anchorCtr="0" anchor="t" bIns="91425" lIns="91425" spcFirstLastPara="1" rIns="91425" wrap="square" tIns="91425">
+            <a:noAutofit/>
+          </a:bodyPr>
+          <a:lstStyle/>
+          <a:p>
+            <a:pPr indent="0" lvl="0" marL="0" rtl="0" algn="l">
+              <a:spcBef>
+                <a:spcPts val="0"/>
+              </a:spcBef>
+              <a:spcAft>
+                <a:spcPts val="0"/>
+              </a:spcAft>
+              <a:buNone/>
+            </a:pPr>
+            <a:r>
+              <a:t/>
+            </a:r>
+            <a:endParaRPr/>
+          </a:p>
+        </p:txBody>
+      </p:sp>
+      <p:sp>
+        <p:nvSpPr>
+          <p:cNvPr id="76" name="Google Shape;76;p5:notes"/>
+          <p:cNvSpPr/>
+          <p:nvPr>
+            <p:ph idx="2" type="sldImg"/>
+          </p:nvPr>
+        </p:nvSpPr>
+        <p:spPr>
+          <a:xfrm>
+            <a:off x="381300" y="685800"/>
+            <a:ext cx="6096075" cy="3429000"/>
+          </a:xfrm>
+          <a:custGeom>
+            <a:rect b="b" l="l" r="r" t="t"/>
+            <a:pathLst>
+              <a:path extrusionOk="0" h="120000" w="120000">
+                <a:moveTo>
+                  <a:pt x="0" y="0"/>
+                </a:moveTo>
+                <a:lnTo>
+                  <a:pt x="120000" y="0"/>
+                </a:lnTo>
+                <a:lnTo>
+                  <a:pt x="120000" y="120000"/>
+                </a:lnTo>
+                <a:lnTo>
+                  <a:pt x="0" y="120000"/>
+                </a:lnTo>
+                <a:close/>
+              </a:path>
+            </a:pathLst>
+          </a:custGeom>
+        </p:spPr>
+      </p:sp>
+    </p:spTree>
+  </p:cSld>
+  <p:clrMapOvr>
+    <a:masterClrMapping/>
+  </p:clrMapOvr>
+</p:notes>
+</file>
+
+<file path=ppt/slideLayouts/slideLayout1.xml><?xml version="1.0" encoding="utf-8"?>
+<p:sldLayout xmlns:a="http://schemas.openxmlformats.org/drawingml/2006/main" xmlns:r="http://schemas.openxmlformats.org/officeDocument/2006/relationships" xmlns:mc="http://schemas.openxmlformats.org/markup-compatibility/2006" xmlns:mv="urn:schemas-microsoft-com:mac:vml" xmlns:p="http://schemas.openxmlformats.org/presentationml/2006/main" xmlns:c="http://schemas.openxmlformats.org/drawingml/2006/chart" xmlns:dgm="http://schemas.openxmlformats.org/drawingml/2006/diagram" xmlns:o="urn:schemas-microsoft-com:office:office" xmlns:v="urn:schemas-microsoft-com:vml" xmlns:pvml="urn:schemas-microsoft-com:office:powerpoint" xmlns:com="http://schemas.openxmlformats.org/drawingml/2006/compatibility" xmlns:p14="http://schemas.microsoft.com/office/powerpoint/2010/main" xmlns:p15="http://schemas.microsoft.com/office/powerpoint/2012/main" xmlns:ahyp="http://schemas.microsoft.com/office/drawing/2018/hyperlinkcolor" matchingName="Title slide" type="title">
+  <p:cSld name="TITLE">
+    <p:spTree>
+      <p:nvGrpSpPr>
+        <p:cNvPr id="9" name="Shape 9"/>
+        <p:cNvGrpSpPr/>
+        <p:nvPr/>
+      </p:nvGrpSpPr>
+      <p:grpSpPr>
+        <a:xfrm>
+          <a:off x="0" y="0"/>
+          <a:ext cx="0" cy="0"/>
+          <a:chOff x="0" y="0"/>
+          <a:chExt cx="0" cy="0"/>
+        </a:xfrm>
+      </p:grpSpPr>
+      <p:sp>
+        <p:nvSpPr>
+          <p:cNvPr id="10" name="Google Shape;10;p7"/>
+          <p:cNvSpPr txBox="1"/>
           <p:nvPr>
             <p:ph type="ctrTitle"/>
           </p:nvPr>
@@ -1003,7 +1387,7 @@
           </a:ln>
         </p:spPr>
         <p:txBody>
-          <a:bodyPr spcFirstLastPara="1" wrap="square" lIns="91425" tIns="91425" rIns="91425" bIns="91425" anchor="b" anchorCtr="0">
+          <a:bodyPr anchorCtr="0" anchor="b" bIns="91425" lIns="91425" spcFirstLastPara="1" rIns="91425" wrap="square" tIns="91425">
             <a:noAutofit/>
           </a:bodyPr>
           <a:lstStyle>
@@ -1134,19 +1518,15 @@
               <a:defRPr sz="5200"/>
             </a:lvl9pPr>
           </a:lstStyle>
-          <a:p>
-            <a:endParaRPr/>
-          </a:p>
+          <a:p/>
         </p:txBody>
       </p:sp>
       <p:sp>
         <p:nvSpPr>
-          <p:cNvPr id="11" name="Google Shape;11;p2"/>
-          <p:cNvSpPr txBox="1">
-            <a:spLocks noGrp="1"/>
-          </p:cNvSpPr>
+          <p:cNvPr id="11" name="Google Shape;11;p7"/>
+          <p:cNvSpPr txBox="1"/>
           <p:nvPr>
-            <p:ph type="subTitle" idx="1"/>
+            <p:ph idx="1" type="subTitle"/>
           </p:nvPr>
         </p:nvSpPr>
         <p:spPr>
@@ -1163,7 +1543,7 @@
           </a:ln>
         </p:spPr>
         <p:txBody>
-          <a:bodyPr spcFirstLastPara="1" wrap="square" lIns="91425" tIns="91425" rIns="91425" bIns="91425" anchor="t" anchorCtr="0">
+          <a:bodyPr anchorCtr="0" anchor="t" bIns="91425" lIns="91425" spcFirstLastPara="1" rIns="91425" wrap="square" tIns="91425">
             <a:noAutofit/>
           </a:bodyPr>
           <a:lstStyle>
@@ -1294,19 +1674,15 @@
               <a:defRPr sz="2800"/>
             </a:lvl9pPr>
           </a:lstStyle>
-          <a:p>
-            <a:endParaRPr/>
-          </a:p>
+          <a:p/>
         </p:txBody>
       </p:sp>
       <p:sp>
         <p:nvSpPr>
-          <p:cNvPr id="12" name="Google Shape;12;p2"/>
-          <p:cNvSpPr txBox="1">
-            <a:spLocks noGrp="1"/>
-          </p:cNvSpPr>
+          <p:cNvPr id="12" name="Google Shape;12;p7"/>
+          <p:cNvSpPr txBox="1"/>
           <p:nvPr>
-            <p:ph type="sldNum" idx="12"/>
+            <p:ph idx="12" type="sldNum"/>
           </p:nvPr>
         </p:nvSpPr>
         <p:spPr>
@@ -1323,27 +1699,27 @@
           </a:ln>
         </p:spPr>
         <p:txBody>
-          <a:bodyPr spcFirstLastPara="1" wrap="square" lIns="91425" tIns="91425" rIns="91425" bIns="91425" anchor="ctr" anchorCtr="0">
+          <a:bodyPr anchorCtr="0" anchor="ctr" bIns="91425" lIns="91425" spcFirstLastPara="1" rIns="91425" wrap="square" tIns="91425">
             <a:noAutofit/>
           </a:bodyPr>
           <a:lstStyle>
-            <a:lvl1pPr marL="0" marR="0" lvl="0" indent="0" algn="r">
-              <a:lnSpc>
-                <a:spcPct val="100000"/>
-              </a:lnSpc>
-              <a:spcBef>
-                <a:spcPts val="0"/>
-              </a:spcBef>
-              <a:spcAft>
-                <a:spcPts val="0"/>
-              </a:spcAft>
-              <a:buClr>
-                <a:srgbClr val="000000"/>
-              </a:buClr>
-              <a:buSzPts val="1000"/>
-              <a:buFont typeface="Arial"/>
-              <a:buNone/>
-              <a:defRPr sz="1000" b="0" i="0" u="none" strike="noStrike" cap="none">
+            <a:lvl1pPr indent="0" lvl="0" marL="0" marR="0" algn="r">
+              <a:lnSpc>
+                <a:spcPct val="100000"/>
+              </a:lnSpc>
+              <a:spcBef>
+                <a:spcPts val="0"/>
+              </a:spcBef>
+              <a:spcAft>
+                <a:spcPts val="0"/>
+              </a:spcAft>
+              <a:buClr>
+                <a:srgbClr val="000000"/>
+              </a:buClr>
+              <a:buSzPts val="1000"/>
+              <a:buFont typeface="Arial"/>
+              <a:buNone/>
+              <a:defRPr b="0" i="0" sz="1000" u="none" cap="none" strike="noStrike">
                 <a:solidFill>
                   <a:schemeClr val="dk2"/>
                 </a:solidFill>
@@ -1353,23 +1729,23 @@
                 <a:sym typeface="Arial"/>
               </a:defRPr>
             </a:lvl1pPr>
-            <a:lvl2pPr marL="0" marR="0" lvl="1" indent="0" algn="r">
-              <a:lnSpc>
-                <a:spcPct val="100000"/>
-              </a:lnSpc>
-              <a:spcBef>
-                <a:spcPts val="0"/>
-              </a:spcBef>
-              <a:spcAft>
-                <a:spcPts val="0"/>
-              </a:spcAft>
-              <a:buClr>
-                <a:srgbClr val="000000"/>
-              </a:buClr>
-              <a:buSzPts val="1000"/>
-              <a:buFont typeface="Arial"/>
-              <a:buNone/>
-              <a:defRPr sz="1000" b="0" i="0" u="none" strike="noStrike" cap="none">
+            <a:lvl2pPr indent="0" lvl="1" marL="0" marR="0" algn="r">
+              <a:lnSpc>
+                <a:spcPct val="100000"/>
+              </a:lnSpc>
+              <a:spcBef>
+                <a:spcPts val="0"/>
+              </a:spcBef>
+              <a:spcAft>
+                <a:spcPts val="0"/>
+              </a:spcAft>
+              <a:buClr>
+                <a:srgbClr val="000000"/>
+              </a:buClr>
+              <a:buSzPts val="1000"/>
+              <a:buFont typeface="Arial"/>
+              <a:buNone/>
+              <a:defRPr b="0" i="0" sz="1000" u="none" cap="none" strike="noStrike">
                 <a:solidFill>
                   <a:schemeClr val="dk2"/>
                 </a:solidFill>
@@ -1379,23 +1755,23 @@
                 <a:sym typeface="Arial"/>
               </a:defRPr>
             </a:lvl2pPr>
-            <a:lvl3pPr marL="0" marR="0" lvl="2" indent="0" algn="r">
-              <a:lnSpc>
-                <a:spcPct val="100000"/>
-              </a:lnSpc>
-              <a:spcBef>
-                <a:spcPts val="0"/>
-              </a:spcBef>
-              <a:spcAft>
-                <a:spcPts val="0"/>
-              </a:spcAft>
-              <a:buClr>
-                <a:srgbClr val="000000"/>
-              </a:buClr>
-              <a:buSzPts val="1000"/>
-              <a:buFont typeface="Arial"/>
-              <a:buNone/>
-              <a:defRPr sz="1000" b="0" i="0" u="none" strike="noStrike" cap="none">
+            <a:lvl3pPr indent="0" lvl="2" marL="0" marR="0" algn="r">
+              <a:lnSpc>
+                <a:spcPct val="100000"/>
+              </a:lnSpc>
+              <a:spcBef>
+                <a:spcPts val="0"/>
+              </a:spcBef>
+              <a:spcAft>
+                <a:spcPts val="0"/>
+              </a:spcAft>
+              <a:buClr>
+                <a:srgbClr val="000000"/>
+              </a:buClr>
+              <a:buSzPts val="1000"/>
+              <a:buFont typeface="Arial"/>
+              <a:buNone/>
+              <a:defRPr b="0" i="0" sz="1000" u="none" cap="none" strike="noStrike">
                 <a:solidFill>
                   <a:schemeClr val="dk2"/>
                 </a:solidFill>
@@ -1405,23 +1781,23 @@
                 <a:sym typeface="Arial"/>
               </a:defRPr>
             </a:lvl3pPr>
-            <a:lvl4pPr marL="0" marR="0" lvl="3" indent="0" algn="r">
-              <a:lnSpc>
-                <a:spcPct val="100000"/>
-              </a:lnSpc>
-              <a:spcBef>
-                <a:spcPts val="0"/>
-              </a:spcBef>
-              <a:spcAft>
-                <a:spcPts val="0"/>
-              </a:spcAft>
-              <a:buClr>
-                <a:srgbClr val="000000"/>
-              </a:buClr>
-              <a:buSzPts val="1000"/>
-              <a:buFont typeface="Arial"/>
-              <a:buNone/>
-              <a:defRPr sz="1000" b="0" i="0" u="none" strike="noStrike" cap="none">
+            <a:lvl4pPr indent="0" lvl="3" marL="0" marR="0" algn="r">
+              <a:lnSpc>
+                <a:spcPct val="100000"/>
+              </a:lnSpc>
+              <a:spcBef>
+                <a:spcPts val="0"/>
+              </a:spcBef>
+              <a:spcAft>
+                <a:spcPts val="0"/>
+              </a:spcAft>
+              <a:buClr>
+                <a:srgbClr val="000000"/>
+              </a:buClr>
+              <a:buSzPts val="1000"/>
+              <a:buFont typeface="Arial"/>
+              <a:buNone/>
+              <a:defRPr b="0" i="0" sz="1000" u="none" cap="none" strike="noStrike">
                 <a:solidFill>
                   <a:schemeClr val="dk2"/>
                 </a:solidFill>
@@ -1431,23 +1807,23 @@
                 <a:sym typeface="Arial"/>
               </a:defRPr>
             </a:lvl4pPr>
-            <a:lvl5pPr marL="0" marR="0" lvl="4" indent="0" algn="r">
-              <a:lnSpc>
-                <a:spcPct val="100000"/>
-              </a:lnSpc>
-              <a:spcBef>
-                <a:spcPts val="0"/>
-              </a:spcBef>
-              <a:spcAft>
-                <a:spcPts val="0"/>
-              </a:spcAft>
-              <a:buClr>
-                <a:srgbClr val="000000"/>
-              </a:buClr>
-              <a:buSzPts val="1000"/>
-              <a:buFont typeface="Arial"/>
-              <a:buNone/>
-              <a:defRPr sz="1000" b="0" i="0" u="none" strike="noStrike" cap="none">
+            <a:lvl5pPr indent="0" lvl="4" marL="0" marR="0" algn="r">
+              <a:lnSpc>
+                <a:spcPct val="100000"/>
+              </a:lnSpc>
+              <a:spcBef>
+                <a:spcPts val="0"/>
+              </a:spcBef>
+              <a:spcAft>
+                <a:spcPts val="0"/>
+              </a:spcAft>
+              <a:buClr>
+                <a:srgbClr val="000000"/>
+              </a:buClr>
+              <a:buSzPts val="1000"/>
+              <a:buFont typeface="Arial"/>
+              <a:buNone/>
+              <a:defRPr b="0" i="0" sz="1000" u="none" cap="none" strike="noStrike">
                 <a:solidFill>
                   <a:schemeClr val="dk2"/>
                 </a:solidFill>
@@ -1457,23 +1833,23 @@
                 <a:sym typeface="Arial"/>
               </a:defRPr>
             </a:lvl5pPr>
-            <a:lvl6pPr marL="0" marR="0" lvl="5" indent="0" algn="r">
-              <a:lnSpc>
-                <a:spcPct val="100000"/>
-              </a:lnSpc>
-              <a:spcBef>
-                <a:spcPts val="0"/>
-              </a:spcBef>
-              <a:spcAft>
-                <a:spcPts val="0"/>
-              </a:spcAft>
-              <a:buClr>
-                <a:srgbClr val="000000"/>
-              </a:buClr>
-              <a:buSzPts val="1000"/>
-              <a:buFont typeface="Arial"/>
-              <a:buNone/>
-              <a:defRPr sz="1000" b="0" i="0" u="none" strike="noStrike" cap="none">
+            <a:lvl6pPr indent="0" lvl="5" marL="0" marR="0" algn="r">
+              <a:lnSpc>
+                <a:spcPct val="100000"/>
+              </a:lnSpc>
+              <a:spcBef>
+                <a:spcPts val="0"/>
+              </a:spcBef>
+              <a:spcAft>
+                <a:spcPts val="0"/>
+              </a:spcAft>
+              <a:buClr>
+                <a:srgbClr val="000000"/>
+              </a:buClr>
+              <a:buSzPts val="1000"/>
+              <a:buFont typeface="Arial"/>
+              <a:buNone/>
+              <a:defRPr b="0" i="0" sz="1000" u="none" cap="none" strike="noStrike">
                 <a:solidFill>
                   <a:schemeClr val="dk2"/>
                 </a:solidFill>
@@ -1483,23 +1859,23 @@
                 <a:sym typeface="Arial"/>
               </a:defRPr>
             </a:lvl6pPr>
-            <a:lvl7pPr marL="0" marR="0" lvl="6" indent="0" algn="r">
-              <a:lnSpc>
-                <a:spcPct val="100000"/>
-              </a:lnSpc>
-              <a:spcBef>
-                <a:spcPts val="0"/>
-              </a:spcBef>
-              <a:spcAft>
-                <a:spcPts val="0"/>
-              </a:spcAft>
-              <a:buClr>
-                <a:srgbClr val="000000"/>
-              </a:buClr>
-              <a:buSzPts val="1000"/>
-              <a:buFont typeface="Arial"/>
-              <a:buNone/>
-              <a:defRPr sz="1000" b="0" i="0" u="none" strike="noStrike" cap="none">
+            <a:lvl7pPr indent="0" lvl="6" marL="0" marR="0" algn="r">
+              <a:lnSpc>
+                <a:spcPct val="100000"/>
+              </a:lnSpc>
+              <a:spcBef>
+                <a:spcPts val="0"/>
+              </a:spcBef>
+              <a:spcAft>
+                <a:spcPts val="0"/>
+              </a:spcAft>
+              <a:buClr>
+                <a:srgbClr val="000000"/>
+              </a:buClr>
+              <a:buSzPts val="1000"/>
+              <a:buFont typeface="Arial"/>
+              <a:buNone/>
+              <a:defRPr b="0" i="0" sz="1000" u="none" cap="none" strike="noStrike">
                 <a:solidFill>
                   <a:schemeClr val="dk2"/>
                 </a:solidFill>
@@ -1509,23 +1885,23 @@
                 <a:sym typeface="Arial"/>
               </a:defRPr>
             </a:lvl7pPr>
-            <a:lvl8pPr marL="0" marR="0" lvl="7" indent="0" algn="r">
-              <a:lnSpc>
-                <a:spcPct val="100000"/>
-              </a:lnSpc>
-              <a:spcBef>
-                <a:spcPts val="0"/>
-              </a:spcBef>
-              <a:spcAft>
-                <a:spcPts val="0"/>
-              </a:spcAft>
-              <a:buClr>
-                <a:srgbClr val="000000"/>
-              </a:buClr>
-              <a:buSzPts val="1000"/>
-              <a:buFont typeface="Arial"/>
-              <a:buNone/>
-              <a:defRPr sz="1000" b="0" i="0" u="none" strike="noStrike" cap="none">
+            <a:lvl8pPr indent="0" lvl="7" marL="0" marR="0" algn="r">
+              <a:lnSpc>
+                <a:spcPct val="100000"/>
+              </a:lnSpc>
+              <a:spcBef>
+                <a:spcPts val="0"/>
+              </a:spcBef>
+              <a:spcAft>
+                <a:spcPts val="0"/>
+              </a:spcAft>
+              <a:buClr>
+                <a:srgbClr val="000000"/>
+              </a:buClr>
+              <a:buSzPts val="1000"/>
+              <a:buFont typeface="Arial"/>
+              <a:buNone/>
+              <a:defRPr b="0" i="0" sz="1000" u="none" cap="none" strike="noStrike">
                 <a:solidFill>
                   <a:schemeClr val="dk2"/>
                 </a:solidFill>
@@ -1535,23 +1911,23 @@
                 <a:sym typeface="Arial"/>
               </a:defRPr>
             </a:lvl8pPr>
-            <a:lvl9pPr marL="0" marR="0" lvl="8" indent="0" algn="r">
-              <a:lnSpc>
-                <a:spcPct val="100000"/>
-              </a:lnSpc>
-              <a:spcBef>
-                <a:spcPts val="0"/>
-              </a:spcBef>
-              <a:spcAft>
-                <a:spcPts val="0"/>
-              </a:spcAft>
-              <a:buClr>
-                <a:srgbClr val="000000"/>
-              </a:buClr>
-              <a:buSzPts val="1000"/>
-              <a:buFont typeface="Arial"/>
-              <a:buNone/>
-              <a:defRPr sz="1000" b="0" i="0" u="none" strike="noStrike" cap="none">
+            <a:lvl9pPr indent="0" lvl="8" marL="0" marR="0" algn="r">
+              <a:lnSpc>
+                <a:spcPct val="100000"/>
+              </a:lnSpc>
+              <a:spcBef>
+                <a:spcPts val="0"/>
+              </a:spcBef>
+              <a:spcAft>
+                <a:spcPts val="0"/>
+              </a:spcAft>
+              <a:buClr>
+                <a:srgbClr val="000000"/>
+              </a:buClr>
+              <a:buSzPts val="1000"/>
+              <a:buFont typeface="Arial"/>
+              <a:buNone/>
+              <a:defRPr b="0" i="0" sz="1000" u="none" cap="none" strike="noStrike">
                 <a:solidFill>
                   <a:schemeClr val="dk2"/>
                 </a:solidFill>
@@ -1563,7 +1939,7 @@
             </a:lvl9pPr>
           </a:lstStyle>
           <a:p>
-            <a:pPr marL="0" lvl="0" indent="0" algn="r" rtl="0">
+            <a:pPr indent="0" lvl="0" marL="0" rtl="0" algn="r">
               <a:spcBef>
                 <a:spcPts val="0"/>
               </a:spcBef>
@@ -1574,7 +1950,7 @@
             </a:pPr>
             <a:fld id="{00000000-1234-1234-1234-123412341234}" type="slidenum">
               <a:rPr lang="pt-BR"/>
-              <a:t>‹nº›</a:t>
+              <a:t>‹#›</a:t>
             </a:fld>
             <a:endParaRPr/>
           </a:p>
@@ -1589,11 +1965,11 @@
 </file>
 
 <file path=ppt/slideLayouts/slideLayout10.xml><?xml version="1.0" encoding="utf-8"?>
-<p:sldLayout xmlns:a="http://schemas.openxmlformats.org/drawingml/2006/main" xmlns:r="http://schemas.openxmlformats.org/officeDocument/2006/relationships" xmlns:p="http://schemas.openxmlformats.org/presentationml/2006/main" matchingName="Big number">
+<p:sldLayout xmlns:a="http://schemas.openxmlformats.org/drawingml/2006/main" xmlns:r="http://schemas.openxmlformats.org/officeDocument/2006/relationships" xmlns:mc="http://schemas.openxmlformats.org/markup-compatibility/2006" xmlns:mv="urn:schemas-microsoft-com:mac:vml" xmlns:p="http://schemas.openxmlformats.org/presentationml/2006/main" xmlns:c="http://schemas.openxmlformats.org/drawingml/2006/chart" xmlns:dgm="http://schemas.openxmlformats.org/drawingml/2006/diagram" xmlns:o="urn:schemas-microsoft-com:office:office" xmlns:v="urn:schemas-microsoft-com:vml" xmlns:pvml="urn:schemas-microsoft-com:office:powerpoint" xmlns:com="http://schemas.openxmlformats.org/drawingml/2006/compatibility" xmlns:p14="http://schemas.microsoft.com/office/powerpoint/2010/main" xmlns:p15="http://schemas.microsoft.com/office/powerpoint/2012/main" xmlns:ahyp="http://schemas.microsoft.com/office/drawing/2018/hyperlinkcolor" matchingName="Big number">
   <p:cSld name="BIG_NUMBER">
     <p:spTree>
       <p:nvGrpSpPr>
-        <p:cNvPr id="1" name="Shape 44"/>
+        <p:cNvPr id="44" name="Shape 44"/>
         <p:cNvGrpSpPr/>
         <p:nvPr/>
       </p:nvGrpSpPr>
@@ -1607,12 +1983,10 @@
       </p:grpSpPr>
       <p:sp>
         <p:nvSpPr>
-          <p:cNvPr id="45" name="Google Shape;45;p11"/>
-          <p:cNvSpPr txBox="1">
-            <a:spLocks noGrp="1"/>
-          </p:cNvSpPr>
+          <p:cNvPr id="45" name="Google Shape;45;p16"/>
+          <p:cNvSpPr txBox="1"/>
           <p:nvPr>
-            <p:ph type="title" hasCustomPrompt="1"/>
+            <p:ph hasCustomPrompt="1" type="title"/>
           </p:nvPr>
         </p:nvSpPr>
         <p:spPr>
@@ -1629,7 +2003,7 @@
           </a:ln>
         </p:spPr>
         <p:txBody>
-          <a:bodyPr spcFirstLastPara="1" wrap="square" lIns="91425" tIns="91425" rIns="91425" bIns="91425" anchor="b" anchorCtr="0">
+          <a:bodyPr anchorCtr="0" anchor="b" bIns="91425" lIns="91425" spcFirstLastPara="1" rIns="91425" wrap="square" tIns="91425">
             <a:noAutofit/>
           </a:bodyPr>
           <a:lstStyle>
@@ -1769,12 +2143,10 @@
       </p:sp>
       <p:sp>
         <p:nvSpPr>
-          <p:cNvPr id="46" name="Google Shape;46;p11"/>
-          <p:cNvSpPr txBox="1">
-            <a:spLocks noGrp="1"/>
-          </p:cNvSpPr>
+          <p:cNvPr id="46" name="Google Shape;46;p16"/>
+          <p:cNvSpPr txBox="1"/>
           <p:nvPr>
-            <p:ph type="body" idx="1"/>
+            <p:ph idx="1" type="body"/>
           </p:nvPr>
         </p:nvSpPr>
         <p:spPr>
@@ -1791,11 +2163,11 @@
           </a:ln>
         </p:spPr>
         <p:txBody>
-          <a:bodyPr spcFirstLastPara="1" wrap="square" lIns="91425" tIns="91425" rIns="91425" bIns="91425" anchor="t" anchorCtr="0">
+          <a:bodyPr anchorCtr="0" anchor="t" bIns="91425" lIns="91425" spcFirstLastPara="1" rIns="91425" wrap="square" tIns="91425">
             <a:noAutofit/>
           </a:bodyPr>
           <a:lstStyle>
-            <a:lvl1pPr marL="457200" lvl="0" indent="-342900" algn="ctr">
+            <a:lvl1pPr indent="-342900" lvl="0" marL="457200" algn="ctr">
               <a:lnSpc>
                 <a:spcPct val="115000"/>
               </a:lnSpc>
@@ -1809,7 +2181,7 @@
               <a:buChar char="●"/>
               <a:defRPr/>
             </a:lvl1pPr>
-            <a:lvl2pPr marL="914400" lvl="1" indent="-317500" algn="ctr">
+            <a:lvl2pPr indent="-317500" lvl="1" marL="914400" algn="ctr">
               <a:lnSpc>
                 <a:spcPct val="115000"/>
               </a:lnSpc>
@@ -1823,7 +2195,7 @@
               <a:buChar char="○"/>
               <a:defRPr/>
             </a:lvl2pPr>
-            <a:lvl3pPr marL="1371600" lvl="2" indent="-317500" algn="ctr">
+            <a:lvl3pPr indent="-317500" lvl="2" marL="1371600" algn="ctr">
               <a:lnSpc>
                 <a:spcPct val="115000"/>
               </a:lnSpc>
@@ -1837,7 +2209,7 @@
               <a:buChar char="■"/>
               <a:defRPr/>
             </a:lvl3pPr>
-            <a:lvl4pPr marL="1828800" lvl="3" indent="-317500" algn="ctr">
+            <a:lvl4pPr indent="-317500" lvl="3" marL="1828800" algn="ctr">
               <a:lnSpc>
                 <a:spcPct val="115000"/>
               </a:lnSpc>
@@ -1851,7 +2223,7 @@
               <a:buChar char="●"/>
               <a:defRPr/>
             </a:lvl4pPr>
-            <a:lvl5pPr marL="2286000" lvl="4" indent="-317500" algn="ctr">
+            <a:lvl5pPr indent="-317500" lvl="4" marL="2286000" algn="ctr">
               <a:lnSpc>
                 <a:spcPct val="115000"/>
               </a:lnSpc>
@@ -1865,7 +2237,7 @@
               <a:buChar char="○"/>
               <a:defRPr/>
             </a:lvl5pPr>
-            <a:lvl6pPr marL="2743200" lvl="5" indent="-317500" algn="ctr">
+            <a:lvl6pPr indent="-317500" lvl="5" marL="2743200" algn="ctr">
               <a:lnSpc>
                 <a:spcPct val="115000"/>
               </a:lnSpc>
@@ -1879,7 +2251,7 @@
               <a:buChar char="■"/>
               <a:defRPr/>
             </a:lvl6pPr>
-            <a:lvl7pPr marL="3200400" lvl="6" indent="-317500" algn="ctr">
+            <a:lvl7pPr indent="-317500" lvl="6" marL="3200400" algn="ctr">
               <a:lnSpc>
                 <a:spcPct val="115000"/>
               </a:lnSpc>
@@ -1893,7 +2265,7 @@
               <a:buChar char="●"/>
               <a:defRPr/>
             </a:lvl7pPr>
-            <a:lvl8pPr marL="3657600" lvl="7" indent="-317500" algn="ctr">
+            <a:lvl8pPr indent="-317500" lvl="7" marL="3657600" algn="ctr">
               <a:lnSpc>
                 <a:spcPct val="115000"/>
               </a:lnSpc>
@@ -1907,7 +2279,7 @@
               <a:buChar char="○"/>
               <a:defRPr/>
             </a:lvl8pPr>
-            <a:lvl9pPr marL="4114800" lvl="8" indent="-317500" algn="ctr">
+            <a:lvl9pPr indent="-317500" lvl="8" marL="4114800" algn="ctr">
               <a:lnSpc>
                 <a:spcPct val="115000"/>
               </a:lnSpc>
@@ -1922,19 +2294,15 @@
               <a:defRPr/>
             </a:lvl9pPr>
           </a:lstStyle>
-          <a:p>
-            <a:endParaRPr/>
-          </a:p>
+          <a:p/>
         </p:txBody>
       </p:sp>
       <p:sp>
         <p:nvSpPr>
-          <p:cNvPr id="47" name="Google Shape;47;p11"/>
-          <p:cNvSpPr txBox="1">
-            <a:spLocks noGrp="1"/>
-          </p:cNvSpPr>
+          <p:cNvPr id="47" name="Google Shape;47;p16"/>
+          <p:cNvSpPr txBox="1"/>
           <p:nvPr>
-            <p:ph type="sldNum" idx="12"/>
+            <p:ph idx="12" type="sldNum"/>
           </p:nvPr>
         </p:nvSpPr>
         <p:spPr>
@@ -1951,27 +2319,27 @@
           </a:ln>
         </p:spPr>
         <p:txBody>
-          <a:bodyPr spcFirstLastPara="1" wrap="square" lIns="91425" tIns="91425" rIns="91425" bIns="91425" anchor="ctr" anchorCtr="0">
+          <a:bodyPr anchorCtr="0" anchor="ctr" bIns="91425" lIns="91425" spcFirstLastPara="1" rIns="91425" wrap="square" tIns="91425">
             <a:noAutofit/>
           </a:bodyPr>
           <a:lstStyle>
-            <a:lvl1pPr marL="0" marR="0" lvl="0" indent="0" algn="r">
-              <a:lnSpc>
-                <a:spcPct val="100000"/>
-              </a:lnSpc>
-              <a:spcBef>
-                <a:spcPts val="0"/>
-              </a:spcBef>
-              <a:spcAft>
-                <a:spcPts val="0"/>
-              </a:spcAft>
-              <a:buClr>
-                <a:srgbClr val="000000"/>
-              </a:buClr>
-              <a:buSzPts val="1000"/>
-              <a:buFont typeface="Arial"/>
-              <a:buNone/>
-              <a:defRPr sz="1000" b="0" i="0" u="none" strike="noStrike" cap="none">
+            <a:lvl1pPr indent="0" lvl="0" marL="0" marR="0" algn="r">
+              <a:lnSpc>
+                <a:spcPct val="100000"/>
+              </a:lnSpc>
+              <a:spcBef>
+                <a:spcPts val="0"/>
+              </a:spcBef>
+              <a:spcAft>
+                <a:spcPts val="0"/>
+              </a:spcAft>
+              <a:buClr>
+                <a:srgbClr val="000000"/>
+              </a:buClr>
+              <a:buSzPts val="1000"/>
+              <a:buFont typeface="Arial"/>
+              <a:buNone/>
+              <a:defRPr b="0" i="0" sz="1000" u="none" cap="none" strike="noStrike">
                 <a:solidFill>
                   <a:schemeClr val="dk2"/>
                 </a:solidFill>
@@ -1981,23 +2349,23 @@
                 <a:sym typeface="Arial"/>
               </a:defRPr>
             </a:lvl1pPr>
-            <a:lvl2pPr marL="0" marR="0" lvl="1" indent="0" algn="r">
-              <a:lnSpc>
-                <a:spcPct val="100000"/>
-              </a:lnSpc>
-              <a:spcBef>
-                <a:spcPts val="0"/>
-              </a:spcBef>
-              <a:spcAft>
-                <a:spcPts val="0"/>
-              </a:spcAft>
-              <a:buClr>
-                <a:srgbClr val="000000"/>
-              </a:buClr>
-              <a:buSzPts val="1000"/>
-              <a:buFont typeface="Arial"/>
-              <a:buNone/>
-              <a:defRPr sz="1000" b="0" i="0" u="none" strike="noStrike" cap="none">
+            <a:lvl2pPr indent="0" lvl="1" marL="0" marR="0" algn="r">
+              <a:lnSpc>
+                <a:spcPct val="100000"/>
+              </a:lnSpc>
+              <a:spcBef>
+                <a:spcPts val="0"/>
+              </a:spcBef>
+              <a:spcAft>
+                <a:spcPts val="0"/>
+              </a:spcAft>
+              <a:buClr>
+                <a:srgbClr val="000000"/>
+              </a:buClr>
+              <a:buSzPts val="1000"/>
+              <a:buFont typeface="Arial"/>
+              <a:buNone/>
+              <a:defRPr b="0" i="0" sz="1000" u="none" cap="none" strike="noStrike">
                 <a:solidFill>
                   <a:schemeClr val="dk2"/>
                 </a:solidFill>
@@ -2007,23 +2375,23 @@
                 <a:sym typeface="Arial"/>
               </a:defRPr>
             </a:lvl2pPr>
-            <a:lvl3pPr marL="0" marR="0" lvl="2" indent="0" algn="r">
-              <a:lnSpc>
-                <a:spcPct val="100000"/>
-              </a:lnSpc>
-              <a:spcBef>
-                <a:spcPts val="0"/>
-              </a:spcBef>
-              <a:spcAft>
-                <a:spcPts val="0"/>
-              </a:spcAft>
-              <a:buClr>
-                <a:srgbClr val="000000"/>
-              </a:buClr>
-              <a:buSzPts val="1000"/>
-              <a:buFont typeface="Arial"/>
-              <a:buNone/>
-              <a:defRPr sz="1000" b="0" i="0" u="none" strike="noStrike" cap="none">
+            <a:lvl3pPr indent="0" lvl="2" marL="0" marR="0" algn="r">
+              <a:lnSpc>
+                <a:spcPct val="100000"/>
+              </a:lnSpc>
+              <a:spcBef>
+                <a:spcPts val="0"/>
+              </a:spcBef>
+              <a:spcAft>
+                <a:spcPts val="0"/>
+              </a:spcAft>
+              <a:buClr>
+                <a:srgbClr val="000000"/>
+              </a:buClr>
+              <a:buSzPts val="1000"/>
+              <a:buFont typeface="Arial"/>
+              <a:buNone/>
+              <a:defRPr b="0" i="0" sz="1000" u="none" cap="none" strike="noStrike">
                 <a:solidFill>
                   <a:schemeClr val="dk2"/>
                 </a:solidFill>
@@ -2033,23 +2401,23 @@
                 <a:sym typeface="Arial"/>
               </a:defRPr>
             </a:lvl3pPr>
-            <a:lvl4pPr marL="0" marR="0" lvl="3" indent="0" algn="r">
-              <a:lnSpc>
-                <a:spcPct val="100000"/>
-              </a:lnSpc>
-              <a:spcBef>
-                <a:spcPts val="0"/>
-              </a:spcBef>
-              <a:spcAft>
-                <a:spcPts val="0"/>
-              </a:spcAft>
-              <a:buClr>
-                <a:srgbClr val="000000"/>
-              </a:buClr>
-              <a:buSzPts val="1000"/>
-              <a:buFont typeface="Arial"/>
-              <a:buNone/>
-              <a:defRPr sz="1000" b="0" i="0" u="none" strike="noStrike" cap="none">
+            <a:lvl4pPr indent="0" lvl="3" marL="0" marR="0" algn="r">
+              <a:lnSpc>
+                <a:spcPct val="100000"/>
+              </a:lnSpc>
+              <a:spcBef>
+                <a:spcPts val="0"/>
+              </a:spcBef>
+              <a:spcAft>
+                <a:spcPts val="0"/>
+              </a:spcAft>
+              <a:buClr>
+                <a:srgbClr val="000000"/>
+              </a:buClr>
+              <a:buSzPts val="1000"/>
+              <a:buFont typeface="Arial"/>
+              <a:buNone/>
+              <a:defRPr b="0" i="0" sz="1000" u="none" cap="none" strike="noStrike">
                 <a:solidFill>
                   <a:schemeClr val="dk2"/>
                 </a:solidFill>
@@ -2059,23 +2427,23 @@
                 <a:sym typeface="Arial"/>
               </a:defRPr>
             </a:lvl4pPr>
-            <a:lvl5pPr marL="0" marR="0" lvl="4" indent="0" algn="r">
-              <a:lnSpc>
-                <a:spcPct val="100000"/>
-              </a:lnSpc>
-              <a:spcBef>
-                <a:spcPts val="0"/>
-              </a:spcBef>
-              <a:spcAft>
-                <a:spcPts val="0"/>
-              </a:spcAft>
-              <a:buClr>
-                <a:srgbClr val="000000"/>
-              </a:buClr>
-              <a:buSzPts val="1000"/>
-              <a:buFont typeface="Arial"/>
-              <a:buNone/>
-              <a:defRPr sz="1000" b="0" i="0" u="none" strike="noStrike" cap="none">
+            <a:lvl5pPr indent="0" lvl="4" marL="0" marR="0" algn="r">
+              <a:lnSpc>
+                <a:spcPct val="100000"/>
+              </a:lnSpc>
+              <a:spcBef>
+                <a:spcPts val="0"/>
+              </a:spcBef>
+              <a:spcAft>
+                <a:spcPts val="0"/>
+              </a:spcAft>
+              <a:buClr>
+                <a:srgbClr val="000000"/>
+              </a:buClr>
+              <a:buSzPts val="1000"/>
+              <a:buFont typeface="Arial"/>
+              <a:buNone/>
+              <a:defRPr b="0" i="0" sz="1000" u="none" cap="none" strike="noStrike">
                 <a:solidFill>
                   <a:schemeClr val="dk2"/>
                 </a:solidFill>
@@ -2085,23 +2453,23 @@
                 <a:sym typeface="Arial"/>
               </a:defRPr>
             </a:lvl5pPr>
-            <a:lvl6pPr marL="0" marR="0" lvl="5" indent="0" algn="r">
-              <a:lnSpc>
-                <a:spcPct val="100000"/>
-              </a:lnSpc>
-              <a:spcBef>
-                <a:spcPts val="0"/>
-              </a:spcBef>
-              <a:spcAft>
-                <a:spcPts val="0"/>
-              </a:spcAft>
-              <a:buClr>
-                <a:srgbClr val="000000"/>
-              </a:buClr>
-              <a:buSzPts val="1000"/>
-              <a:buFont typeface="Arial"/>
-              <a:buNone/>
-              <a:defRPr sz="1000" b="0" i="0" u="none" strike="noStrike" cap="none">
+            <a:lvl6pPr indent="0" lvl="5" marL="0" marR="0" algn="r">
+              <a:lnSpc>
+                <a:spcPct val="100000"/>
+              </a:lnSpc>
+              <a:spcBef>
+                <a:spcPts val="0"/>
+              </a:spcBef>
+              <a:spcAft>
+                <a:spcPts val="0"/>
+              </a:spcAft>
+              <a:buClr>
+                <a:srgbClr val="000000"/>
+              </a:buClr>
+              <a:buSzPts val="1000"/>
+              <a:buFont typeface="Arial"/>
+              <a:buNone/>
+              <a:defRPr b="0" i="0" sz="1000" u="none" cap="none" strike="noStrike">
                 <a:solidFill>
                   <a:schemeClr val="dk2"/>
                 </a:solidFill>
@@ -2111,23 +2479,23 @@
                 <a:sym typeface="Arial"/>
               </a:defRPr>
             </a:lvl6pPr>
-            <a:lvl7pPr marL="0" marR="0" lvl="6" indent="0" algn="r">
-              <a:lnSpc>
-                <a:spcPct val="100000"/>
-              </a:lnSpc>
-              <a:spcBef>
-                <a:spcPts val="0"/>
-              </a:spcBef>
-              <a:spcAft>
-                <a:spcPts val="0"/>
-              </a:spcAft>
-              <a:buClr>
-                <a:srgbClr val="000000"/>
-              </a:buClr>
-              <a:buSzPts val="1000"/>
-              <a:buFont typeface="Arial"/>
-              <a:buNone/>
-              <a:defRPr sz="1000" b="0" i="0" u="none" strike="noStrike" cap="none">
+            <a:lvl7pPr indent="0" lvl="6" marL="0" marR="0" algn="r">
+              <a:lnSpc>
+                <a:spcPct val="100000"/>
+              </a:lnSpc>
+              <a:spcBef>
+                <a:spcPts val="0"/>
+              </a:spcBef>
+              <a:spcAft>
+                <a:spcPts val="0"/>
+              </a:spcAft>
+              <a:buClr>
+                <a:srgbClr val="000000"/>
+              </a:buClr>
+              <a:buSzPts val="1000"/>
+              <a:buFont typeface="Arial"/>
+              <a:buNone/>
+              <a:defRPr b="0" i="0" sz="1000" u="none" cap="none" strike="noStrike">
                 <a:solidFill>
                   <a:schemeClr val="dk2"/>
                 </a:solidFill>
@@ -2137,23 +2505,23 @@
                 <a:sym typeface="Arial"/>
               </a:defRPr>
             </a:lvl7pPr>
-            <a:lvl8pPr marL="0" marR="0" lvl="7" indent="0" algn="r">
-              <a:lnSpc>
-                <a:spcPct val="100000"/>
-              </a:lnSpc>
-              <a:spcBef>
-                <a:spcPts val="0"/>
-              </a:spcBef>
-              <a:spcAft>
-                <a:spcPts val="0"/>
-              </a:spcAft>
-              <a:buClr>
-                <a:srgbClr val="000000"/>
-              </a:buClr>
-              <a:buSzPts val="1000"/>
-              <a:buFont typeface="Arial"/>
-              <a:buNone/>
-              <a:defRPr sz="1000" b="0" i="0" u="none" strike="noStrike" cap="none">
+            <a:lvl8pPr indent="0" lvl="7" marL="0" marR="0" algn="r">
+              <a:lnSpc>
+                <a:spcPct val="100000"/>
+              </a:lnSpc>
+              <a:spcBef>
+                <a:spcPts val="0"/>
+              </a:spcBef>
+              <a:spcAft>
+                <a:spcPts val="0"/>
+              </a:spcAft>
+              <a:buClr>
+                <a:srgbClr val="000000"/>
+              </a:buClr>
+              <a:buSzPts val="1000"/>
+              <a:buFont typeface="Arial"/>
+              <a:buNone/>
+              <a:defRPr b="0" i="0" sz="1000" u="none" cap="none" strike="noStrike">
                 <a:solidFill>
                   <a:schemeClr val="dk2"/>
                 </a:solidFill>
@@ -2163,23 +2531,23 @@
                 <a:sym typeface="Arial"/>
               </a:defRPr>
             </a:lvl8pPr>
-            <a:lvl9pPr marL="0" marR="0" lvl="8" indent="0" algn="r">
-              <a:lnSpc>
-                <a:spcPct val="100000"/>
-              </a:lnSpc>
-              <a:spcBef>
-                <a:spcPts val="0"/>
-              </a:spcBef>
-              <a:spcAft>
-                <a:spcPts val="0"/>
-              </a:spcAft>
-              <a:buClr>
-                <a:srgbClr val="000000"/>
-              </a:buClr>
-              <a:buSzPts val="1000"/>
-              <a:buFont typeface="Arial"/>
-              <a:buNone/>
-              <a:defRPr sz="1000" b="0" i="0" u="none" strike="noStrike" cap="none">
+            <a:lvl9pPr indent="0" lvl="8" marL="0" marR="0" algn="r">
+              <a:lnSpc>
+                <a:spcPct val="100000"/>
+              </a:lnSpc>
+              <a:spcBef>
+                <a:spcPts val="0"/>
+              </a:spcBef>
+              <a:spcAft>
+                <a:spcPts val="0"/>
+              </a:spcAft>
+              <a:buClr>
+                <a:srgbClr val="000000"/>
+              </a:buClr>
+              <a:buSzPts val="1000"/>
+              <a:buFont typeface="Arial"/>
+              <a:buNone/>
+              <a:defRPr b="0" i="0" sz="1000" u="none" cap="none" strike="noStrike">
                 <a:solidFill>
                   <a:schemeClr val="dk2"/>
                 </a:solidFill>
@@ -2191,7 +2559,7 @@
             </a:lvl9pPr>
           </a:lstStyle>
           <a:p>
-            <a:pPr marL="0" lvl="0" indent="0" algn="r" rtl="0">
+            <a:pPr indent="0" lvl="0" marL="0" rtl="0" algn="r">
               <a:spcBef>
                 <a:spcPts val="0"/>
               </a:spcBef>
@@ -2202,7 +2570,7 @@
             </a:pPr>
             <a:fld id="{00000000-1234-1234-1234-123412341234}" type="slidenum">
               <a:rPr lang="pt-BR"/>
-              <a:t>‹nº›</a:t>
+              <a:t>‹#›</a:t>
             </a:fld>
             <a:endParaRPr/>
           </a:p>
@@ -2217,11 +2585,11 @@
 </file>
 
 <file path=ppt/slideLayouts/slideLayout11.xml><?xml version="1.0" encoding="utf-8"?>
-<p:sldLayout xmlns:a="http://schemas.openxmlformats.org/drawingml/2006/main" xmlns:r="http://schemas.openxmlformats.org/officeDocument/2006/relationships" xmlns:p="http://schemas.openxmlformats.org/presentationml/2006/main" matchingName="Blank" type="blank">
+<p:sldLayout xmlns:a="http://schemas.openxmlformats.org/drawingml/2006/main" xmlns:r="http://schemas.openxmlformats.org/officeDocument/2006/relationships" xmlns:mc="http://schemas.openxmlformats.org/markup-compatibility/2006" xmlns:mv="urn:schemas-microsoft-com:mac:vml" xmlns:p="http://schemas.openxmlformats.org/presentationml/2006/main" xmlns:c="http://schemas.openxmlformats.org/drawingml/2006/chart" xmlns:dgm="http://schemas.openxmlformats.org/drawingml/2006/diagram" xmlns:o="urn:schemas-microsoft-com:office:office" xmlns:v="urn:schemas-microsoft-com:vml" xmlns:pvml="urn:schemas-microsoft-com:office:powerpoint" xmlns:com="http://schemas.openxmlformats.org/drawingml/2006/compatibility" xmlns:p14="http://schemas.microsoft.com/office/powerpoint/2010/main" xmlns:p15="http://schemas.microsoft.com/office/powerpoint/2012/main" xmlns:ahyp="http://schemas.microsoft.com/office/drawing/2018/hyperlinkcolor" matchingName="Blank" type="blank">
   <p:cSld name="BLANK">
     <p:spTree>
       <p:nvGrpSpPr>
-        <p:cNvPr id="1" name="Shape 48"/>
+        <p:cNvPr id="48" name="Shape 48"/>
         <p:cNvGrpSpPr/>
         <p:nvPr/>
       </p:nvGrpSpPr>
@@ -2235,12 +2603,10 @@
       </p:grpSpPr>
       <p:sp>
         <p:nvSpPr>
-          <p:cNvPr id="49" name="Google Shape;49;p12"/>
-          <p:cNvSpPr txBox="1">
-            <a:spLocks noGrp="1"/>
-          </p:cNvSpPr>
+          <p:cNvPr id="49" name="Google Shape;49;p17"/>
+          <p:cNvSpPr txBox="1"/>
           <p:nvPr>
-            <p:ph type="sldNum" idx="12"/>
+            <p:ph idx="12" type="sldNum"/>
           </p:nvPr>
         </p:nvSpPr>
         <p:spPr>
@@ -2257,27 +2623,27 @@
           </a:ln>
         </p:spPr>
         <p:txBody>
-          <a:bodyPr spcFirstLastPara="1" wrap="square" lIns="91425" tIns="91425" rIns="91425" bIns="91425" anchor="ctr" anchorCtr="0">
+          <a:bodyPr anchorCtr="0" anchor="ctr" bIns="91425" lIns="91425" spcFirstLastPara="1" rIns="91425" wrap="square" tIns="91425">
             <a:noAutofit/>
           </a:bodyPr>
           <a:lstStyle>
-            <a:lvl1pPr marL="0" marR="0" lvl="0" indent="0" algn="r">
-              <a:lnSpc>
-                <a:spcPct val="100000"/>
-              </a:lnSpc>
-              <a:spcBef>
-                <a:spcPts val="0"/>
-              </a:spcBef>
-              <a:spcAft>
-                <a:spcPts val="0"/>
-              </a:spcAft>
-              <a:buClr>
-                <a:srgbClr val="000000"/>
-              </a:buClr>
-              <a:buSzPts val="1000"/>
-              <a:buFont typeface="Arial"/>
-              <a:buNone/>
-              <a:defRPr sz="1000" b="0" i="0" u="none" strike="noStrike" cap="none">
+            <a:lvl1pPr indent="0" lvl="0" marL="0" marR="0" algn="r">
+              <a:lnSpc>
+                <a:spcPct val="100000"/>
+              </a:lnSpc>
+              <a:spcBef>
+                <a:spcPts val="0"/>
+              </a:spcBef>
+              <a:spcAft>
+                <a:spcPts val="0"/>
+              </a:spcAft>
+              <a:buClr>
+                <a:srgbClr val="000000"/>
+              </a:buClr>
+              <a:buSzPts val="1000"/>
+              <a:buFont typeface="Arial"/>
+              <a:buNone/>
+              <a:defRPr b="0" i="0" sz="1000" u="none" cap="none" strike="noStrike">
                 <a:solidFill>
                   <a:schemeClr val="dk2"/>
                 </a:solidFill>
@@ -2287,23 +2653,23 @@
                 <a:sym typeface="Arial"/>
               </a:defRPr>
             </a:lvl1pPr>
-            <a:lvl2pPr marL="0" marR="0" lvl="1" indent="0" algn="r">
-              <a:lnSpc>
-                <a:spcPct val="100000"/>
-              </a:lnSpc>
-              <a:spcBef>
-                <a:spcPts val="0"/>
-              </a:spcBef>
-              <a:spcAft>
-                <a:spcPts val="0"/>
-              </a:spcAft>
-              <a:buClr>
-                <a:srgbClr val="000000"/>
-              </a:buClr>
-              <a:buSzPts val="1000"/>
-              <a:buFont typeface="Arial"/>
-              <a:buNone/>
-              <a:defRPr sz="1000" b="0" i="0" u="none" strike="noStrike" cap="none">
+            <a:lvl2pPr indent="0" lvl="1" marL="0" marR="0" algn="r">
+              <a:lnSpc>
+                <a:spcPct val="100000"/>
+              </a:lnSpc>
+              <a:spcBef>
+                <a:spcPts val="0"/>
+              </a:spcBef>
+              <a:spcAft>
+                <a:spcPts val="0"/>
+              </a:spcAft>
+              <a:buClr>
+                <a:srgbClr val="000000"/>
+              </a:buClr>
+              <a:buSzPts val="1000"/>
+              <a:buFont typeface="Arial"/>
+              <a:buNone/>
+              <a:defRPr b="0" i="0" sz="1000" u="none" cap="none" strike="noStrike">
                 <a:solidFill>
                   <a:schemeClr val="dk2"/>
                 </a:solidFill>
@@ -2313,23 +2679,23 @@
                 <a:sym typeface="Arial"/>
               </a:defRPr>
             </a:lvl2pPr>
-            <a:lvl3pPr marL="0" marR="0" lvl="2" indent="0" algn="r">
-              <a:lnSpc>
-                <a:spcPct val="100000"/>
-              </a:lnSpc>
-              <a:spcBef>
-                <a:spcPts val="0"/>
-              </a:spcBef>
-              <a:spcAft>
-                <a:spcPts val="0"/>
-              </a:spcAft>
-              <a:buClr>
-                <a:srgbClr val="000000"/>
-              </a:buClr>
-              <a:buSzPts val="1000"/>
-              <a:buFont typeface="Arial"/>
-              <a:buNone/>
-              <a:defRPr sz="1000" b="0" i="0" u="none" strike="noStrike" cap="none">
+            <a:lvl3pPr indent="0" lvl="2" marL="0" marR="0" algn="r">
+              <a:lnSpc>
+                <a:spcPct val="100000"/>
+              </a:lnSpc>
+              <a:spcBef>
+                <a:spcPts val="0"/>
+              </a:spcBef>
+              <a:spcAft>
+                <a:spcPts val="0"/>
+              </a:spcAft>
+              <a:buClr>
+                <a:srgbClr val="000000"/>
+              </a:buClr>
+              <a:buSzPts val="1000"/>
+              <a:buFont typeface="Arial"/>
+              <a:buNone/>
+              <a:defRPr b="0" i="0" sz="1000" u="none" cap="none" strike="noStrike">
                 <a:solidFill>
                   <a:schemeClr val="dk2"/>
                 </a:solidFill>
@@ -2339,23 +2705,23 @@
                 <a:sym typeface="Arial"/>
               </a:defRPr>
             </a:lvl3pPr>
-            <a:lvl4pPr marL="0" marR="0" lvl="3" indent="0" algn="r">
-              <a:lnSpc>
-                <a:spcPct val="100000"/>
-              </a:lnSpc>
-              <a:spcBef>
-                <a:spcPts val="0"/>
-              </a:spcBef>
-              <a:spcAft>
-                <a:spcPts val="0"/>
-              </a:spcAft>
-              <a:buClr>
-                <a:srgbClr val="000000"/>
-              </a:buClr>
-              <a:buSzPts val="1000"/>
-              <a:buFont typeface="Arial"/>
-              <a:buNone/>
-              <a:defRPr sz="1000" b="0" i="0" u="none" strike="noStrike" cap="none">
+            <a:lvl4pPr indent="0" lvl="3" marL="0" marR="0" algn="r">
+              <a:lnSpc>
+                <a:spcPct val="100000"/>
+              </a:lnSpc>
+              <a:spcBef>
+                <a:spcPts val="0"/>
+              </a:spcBef>
+              <a:spcAft>
+                <a:spcPts val="0"/>
+              </a:spcAft>
+              <a:buClr>
+                <a:srgbClr val="000000"/>
+              </a:buClr>
+              <a:buSzPts val="1000"/>
+              <a:buFont typeface="Arial"/>
+              <a:buNone/>
+              <a:defRPr b="0" i="0" sz="1000" u="none" cap="none" strike="noStrike">
                 <a:solidFill>
                   <a:schemeClr val="dk2"/>
                 </a:solidFill>
@@ -2365,23 +2731,23 @@
                 <a:sym typeface="Arial"/>
               </a:defRPr>
             </a:lvl4pPr>
-            <a:lvl5pPr marL="0" marR="0" lvl="4" indent="0" algn="r">
-              <a:lnSpc>
-                <a:spcPct val="100000"/>
-              </a:lnSpc>
-              <a:spcBef>
-                <a:spcPts val="0"/>
-              </a:spcBef>
-              <a:spcAft>
-                <a:spcPts val="0"/>
-              </a:spcAft>
-              <a:buClr>
-                <a:srgbClr val="000000"/>
-              </a:buClr>
-              <a:buSzPts val="1000"/>
-              <a:buFont typeface="Arial"/>
-              <a:buNone/>
-              <a:defRPr sz="1000" b="0" i="0" u="none" strike="noStrike" cap="none">
+            <a:lvl5pPr indent="0" lvl="4" marL="0" marR="0" algn="r">
+              <a:lnSpc>
+                <a:spcPct val="100000"/>
+              </a:lnSpc>
+              <a:spcBef>
+                <a:spcPts val="0"/>
+              </a:spcBef>
+              <a:spcAft>
+                <a:spcPts val="0"/>
+              </a:spcAft>
+              <a:buClr>
+                <a:srgbClr val="000000"/>
+              </a:buClr>
+              <a:buSzPts val="1000"/>
+              <a:buFont typeface="Arial"/>
+              <a:buNone/>
+              <a:defRPr b="0" i="0" sz="1000" u="none" cap="none" strike="noStrike">
                 <a:solidFill>
                   <a:schemeClr val="dk2"/>
                 </a:solidFill>
@@ -2391,23 +2757,23 @@
                 <a:sym typeface="Arial"/>
               </a:defRPr>
             </a:lvl5pPr>
-            <a:lvl6pPr marL="0" marR="0" lvl="5" indent="0" algn="r">
-              <a:lnSpc>
-                <a:spcPct val="100000"/>
-              </a:lnSpc>
-              <a:spcBef>
-                <a:spcPts val="0"/>
-              </a:spcBef>
-              <a:spcAft>
-                <a:spcPts val="0"/>
-              </a:spcAft>
-              <a:buClr>
-                <a:srgbClr val="000000"/>
-              </a:buClr>
-              <a:buSzPts val="1000"/>
-              <a:buFont typeface="Arial"/>
-              <a:buNone/>
-              <a:defRPr sz="1000" b="0" i="0" u="none" strike="noStrike" cap="none">
+            <a:lvl6pPr indent="0" lvl="5" marL="0" marR="0" algn="r">
+              <a:lnSpc>
+                <a:spcPct val="100000"/>
+              </a:lnSpc>
+              <a:spcBef>
+                <a:spcPts val="0"/>
+              </a:spcBef>
+              <a:spcAft>
+                <a:spcPts val="0"/>
+              </a:spcAft>
+              <a:buClr>
+                <a:srgbClr val="000000"/>
+              </a:buClr>
+              <a:buSzPts val="1000"/>
+              <a:buFont typeface="Arial"/>
+              <a:buNone/>
+              <a:defRPr b="0" i="0" sz="1000" u="none" cap="none" strike="noStrike">
                 <a:solidFill>
                   <a:schemeClr val="dk2"/>
                 </a:solidFill>
@@ -2417,23 +2783,23 @@
                 <a:sym typeface="Arial"/>
               </a:defRPr>
             </a:lvl6pPr>
-            <a:lvl7pPr marL="0" marR="0" lvl="6" indent="0" algn="r">
-              <a:lnSpc>
-                <a:spcPct val="100000"/>
-              </a:lnSpc>
-              <a:spcBef>
-                <a:spcPts val="0"/>
-              </a:spcBef>
-              <a:spcAft>
-                <a:spcPts val="0"/>
-              </a:spcAft>
-              <a:buClr>
-                <a:srgbClr val="000000"/>
-              </a:buClr>
-              <a:buSzPts val="1000"/>
-              <a:buFont typeface="Arial"/>
-              <a:buNone/>
-              <a:defRPr sz="1000" b="0" i="0" u="none" strike="noStrike" cap="none">
+            <a:lvl7pPr indent="0" lvl="6" marL="0" marR="0" algn="r">
+              <a:lnSpc>
+                <a:spcPct val="100000"/>
+              </a:lnSpc>
+              <a:spcBef>
+                <a:spcPts val="0"/>
+              </a:spcBef>
+              <a:spcAft>
+                <a:spcPts val="0"/>
+              </a:spcAft>
+              <a:buClr>
+                <a:srgbClr val="000000"/>
+              </a:buClr>
+              <a:buSzPts val="1000"/>
+              <a:buFont typeface="Arial"/>
+              <a:buNone/>
+              <a:defRPr b="0" i="0" sz="1000" u="none" cap="none" strike="noStrike">
                 <a:solidFill>
                   <a:schemeClr val="dk2"/>
                 </a:solidFill>
@@ -2443,23 +2809,23 @@
                 <a:sym typeface="Arial"/>
               </a:defRPr>
             </a:lvl7pPr>
-            <a:lvl8pPr marL="0" marR="0" lvl="7" indent="0" algn="r">
-              <a:lnSpc>
-                <a:spcPct val="100000"/>
-              </a:lnSpc>
-              <a:spcBef>
-                <a:spcPts val="0"/>
-              </a:spcBef>
-              <a:spcAft>
-                <a:spcPts val="0"/>
-              </a:spcAft>
-              <a:buClr>
-                <a:srgbClr val="000000"/>
-              </a:buClr>
-              <a:buSzPts val="1000"/>
-              <a:buFont typeface="Arial"/>
-              <a:buNone/>
-              <a:defRPr sz="1000" b="0" i="0" u="none" strike="noStrike" cap="none">
+            <a:lvl8pPr indent="0" lvl="7" marL="0" marR="0" algn="r">
+              <a:lnSpc>
+                <a:spcPct val="100000"/>
+              </a:lnSpc>
+              <a:spcBef>
+                <a:spcPts val="0"/>
+              </a:spcBef>
+              <a:spcAft>
+                <a:spcPts val="0"/>
+              </a:spcAft>
+              <a:buClr>
+                <a:srgbClr val="000000"/>
+              </a:buClr>
+              <a:buSzPts val="1000"/>
+              <a:buFont typeface="Arial"/>
+              <a:buNone/>
+              <a:defRPr b="0" i="0" sz="1000" u="none" cap="none" strike="noStrike">
                 <a:solidFill>
                   <a:schemeClr val="dk2"/>
                 </a:solidFill>
@@ -2469,23 +2835,23 @@
                 <a:sym typeface="Arial"/>
               </a:defRPr>
             </a:lvl8pPr>
-            <a:lvl9pPr marL="0" marR="0" lvl="8" indent="0" algn="r">
-              <a:lnSpc>
-                <a:spcPct val="100000"/>
-              </a:lnSpc>
-              <a:spcBef>
-                <a:spcPts val="0"/>
-              </a:spcBef>
-              <a:spcAft>
-                <a:spcPts val="0"/>
-              </a:spcAft>
-              <a:buClr>
-                <a:srgbClr val="000000"/>
-              </a:buClr>
-              <a:buSzPts val="1000"/>
-              <a:buFont typeface="Arial"/>
-              <a:buNone/>
-              <a:defRPr sz="1000" b="0" i="0" u="none" strike="noStrike" cap="none">
+            <a:lvl9pPr indent="0" lvl="8" marL="0" marR="0" algn="r">
+              <a:lnSpc>
+                <a:spcPct val="100000"/>
+              </a:lnSpc>
+              <a:spcBef>
+                <a:spcPts val="0"/>
+              </a:spcBef>
+              <a:spcAft>
+                <a:spcPts val="0"/>
+              </a:spcAft>
+              <a:buClr>
+                <a:srgbClr val="000000"/>
+              </a:buClr>
+              <a:buSzPts val="1000"/>
+              <a:buFont typeface="Arial"/>
+              <a:buNone/>
+              <a:defRPr b="0" i="0" sz="1000" u="none" cap="none" strike="noStrike">
                 <a:solidFill>
                   <a:schemeClr val="dk2"/>
                 </a:solidFill>
@@ -2497,7 +2863,7 @@
             </a:lvl9pPr>
           </a:lstStyle>
           <a:p>
-            <a:pPr marL="0" lvl="0" indent="0" algn="r" rtl="0">
+            <a:pPr indent="0" lvl="0" marL="0" rtl="0" algn="r">
               <a:spcBef>
                 <a:spcPts val="0"/>
               </a:spcBef>
@@ -2508,7 +2874,7 @@
             </a:pPr>
             <a:fld id="{00000000-1234-1234-1234-123412341234}" type="slidenum">
               <a:rPr lang="pt-BR"/>
-              <a:t>‹nº›</a:t>
+              <a:t>‹#›</a:t>
             </a:fld>
             <a:endParaRPr/>
           </a:p>
@@ -2523,11 +2889,11 @@
 </file>
 
 <file path=ppt/slideLayouts/slideLayout2.xml><?xml version="1.0" encoding="utf-8"?>
-<p:sldLayout xmlns:a="http://schemas.openxmlformats.org/drawingml/2006/main" xmlns:r="http://schemas.openxmlformats.org/officeDocument/2006/relationships" xmlns:p="http://schemas.openxmlformats.org/presentationml/2006/main" matchingName="Section header" type="secHead">
+<p:sldLayout xmlns:a="http://schemas.openxmlformats.org/drawingml/2006/main" xmlns:r="http://schemas.openxmlformats.org/officeDocument/2006/relationships" xmlns:mc="http://schemas.openxmlformats.org/markup-compatibility/2006" xmlns:mv="urn:schemas-microsoft-com:mac:vml" xmlns:p="http://schemas.openxmlformats.org/presentationml/2006/main" xmlns:c="http://schemas.openxmlformats.org/drawingml/2006/chart" xmlns:dgm="http://schemas.openxmlformats.org/drawingml/2006/diagram" xmlns:o="urn:schemas-microsoft-com:office:office" xmlns:v="urn:schemas-microsoft-com:vml" xmlns:pvml="urn:schemas-microsoft-com:office:powerpoint" xmlns:com="http://schemas.openxmlformats.org/drawingml/2006/compatibility" xmlns:p14="http://schemas.microsoft.com/office/powerpoint/2010/main" xmlns:p15="http://schemas.microsoft.com/office/powerpoint/2012/main" xmlns:ahyp="http://schemas.microsoft.com/office/drawing/2018/hyperlinkcolor" matchingName="Section header" type="secHead">
   <p:cSld name="SECTION_HEADER">
     <p:spTree>
       <p:nvGrpSpPr>
-        <p:cNvPr id="1" name="Shape 13"/>
+        <p:cNvPr id="13" name="Shape 13"/>
         <p:cNvGrpSpPr/>
         <p:nvPr/>
       </p:nvGrpSpPr>
@@ -2541,10 +2907,8 @@
       </p:grpSpPr>
       <p:sp>
         <p:nvSpPr>
-          <p:cNvPr id="14" name="Google Shape;14;p3"/>
-          <p:cNvSpPr txBox="1">
-            <a:spLocks noGrp="1"/>
-          </p:cNvSpPr>
+          <p:cNvPr id="14" name="Google Shape;14;p8"/>
+          <p:cNvSpPr txBox="1"/>
           <p:nvPr>
             <p:ph type="title"/>
           </p:nvPr>
@@ -2563,7 +2927,7 @@
           </a:ln>
         </p:spPr>
         <p:txBody>
-          <a:bodyPr spcFirstLastPara="1" wrap="square" lIns="91425" tIns="91425" rIns="91425" bIns="91425" anchor="ctr" anchorCtr="0">
+          <a:bodyPr anchorCtr="0" anchor="ctr" bIns="91425" lIns="91425" spcFirstLastPara="1" rIns="91425" wrap="square" tIns="91425">
             <a:noAutofit/>
           </a:bodyPr>
           <a:lstStyle>
@@ -2694,19 +3058,15 @@
               <a:defRPr sz="3600"/>
             </a:lvl9pPr>
           </a:lstStyle>
-          <a:p>
-            <a:endParaRPr/>
-          </a:p>
+          <a:p/>
         </p:txBody>
       </p:sp>
       <p:sp>
         <p:nvSpPr>
-          <p:cNvPr id="15" name="Google Shape;15;p3"/>
-          <p:cNvSpPr txBox="1">
-            <a:spLocks noGrp="1"/>
-          </p:cNvSpPr>
+          <p:cNvPr id="15" name="Google Shape;15;p8"/>
+          <p:cNvSpPr txBox="1"/>
           <p:nvPr>
-            <p:ph type="sldNum" idx="12"/>
+            <p:ph idx="12" type="sldNum"/>
           </p:nvPr>
         </p:nvSpPr>
         <p:spPr>
@@ -2723,27 +3083,27 @@
           </a:ln>
         </p:spPr>
         <p:txBody>
-          <a:bodyPr spcFirstLastPara="1" wrap="square" lIns="91425" tIns="91425" rIns="91425" bIns="91425" anchor="ctr" anchorCtr="0">
+          <a:bodyPr anchorCtr="0" anchor="ctr" bIns="91425" lIns="91425" spcFirstLastPara="1" rIns="91425" wrap="square" tIns="91425">
             <a:noAutofit/>
           </a:bodyPr>
           <a:lstStyle>
-            <a:lvl1pPr marL="0" marR="0" lvl="0" indent="0" algn="r">
-              <a:lnSpc>
-                <a:spcPct val="100000"/>
-              </a:lnSpc>
-              <a:spcBef>
-                <a:spcPts val="0"/>
-              </a:spcBef>
-              <a:spcAft>
-                <a:spcPts val="0"/>
-              </a:spcAft>
-              <a:buClr>
-                <a:srgbClr val="000000"/>
-              </a:buClr>
-              <a:buSzPts val="1000"/>
-              <a:buFont typeface="Arial"/>
-              <a:buNone/>
-              <a:defRPr sz="1000" b="0" i="0" u="none" strike="noStrike" cap="none">
+            <a:lvl1pPr indent="0" lvl="0" marL="0" marR="0" algn="r">
+              <a:lnSpc>
+                <a:spcPct val="100000"/>
+              </a:lnSpc>
+              <a:spcBef>
+                <a:spcPts val="0"/>
+              </a:spcBef>
+              <a:spcAft>
+                <a:spcPts val="0"/>
+              </a:spcAft>
+              <a:buClr>
+                <a:srgbClr val="000000"/>
+              </a:buClr>
+              <a:buSzPts val="1000"/>
+              <a:buFont typeface="Arial"/>
+              <a:buNone/>
+              <a:defRPr b="0" i="0" sz="1000" u="none" cap="none" strike="noStrike">
                 <a:solidFill>
                   <a:schemeClr val="dk2"/>
                 </a:solidFill>
@@ -2753,23 +3113,23 @@
                 <a:sym typeface="Arial"/>
               </a:defRPr>
             </a:lvl1pPr>
-            <a:lvl2pPr marL="0" marR="0" lvl="1" indent="0" algn="r">
-              <a:lnSpc>
-                <a:spcPct val="100000"/>
-              </a:lnSpc>
-              <a:spcBef>
-                <a:spcPts val="0"/>
-              </a:spcBef>
-              <a:spcAft>
-                <a:spcPts val="0"/>
-              </a:spcAft>
-              <a:buClr>
-                <a:srgbClr val="000000"/>
-              </a:buClr>
-              <a:buSzPts val="1000"/>
-              <a:buFont typeface="Arial"/>
-              <a:buNone/>
-              <a:defRPr sz="1000" b="0" i="0" u="none" strike="noStrike" cap="none">
+            <a:lvl2pPr indent="0" lvl="1" marL="0" marR="0" algn="r">
+              <a:lnSpc>
+                <a:spcPct val="100000"/>
+              </a:lnSpc>
+              <a:spcBef>
+                <a:spcPts val="0"/>
+              </a:spcBef>
+              <a:spcAft>
+                <a:spcPts val="0"/>
+              </a:spcAft>
+              <a:buClr>
+                <a:srgbClr val="000000"/>
+              </a:buClr>
+              <a:buSzPts val="1000"/>
+              <a:buFont typeface="Arial"/>
+              <a:buNone/>
+              <a:defRPr b="0" i="0" sz="1000" u="none" cap="none" strike="noStrike">
                 <a:solidFill>
                   <a:schemeClr val="dk2"/>
                 </a:solidFill>
@@ -2779,23 +3139,23 @@
                 <a:sym typeface="Arial"/>
               </a:defRPr>
             </a:lvl2pPr>
-            <a:lvl3pPr marL="0" marR="0" lvl="2" indent="0" algn="r">
-              <a:lnSpc>
-                <a:spcPct val="100000"/>
-              </a:lnSpc>
-              <a:spcBef>
-                <a:spcPts val="0"/>
-              </a:spcBef>
-              <a:spcAft>
-                <a:spcPts val="0"/>
-              </a:spcAft>
-              <a:buClr>
-                <a:srgbClr val="000000"/>
-              </a:buClr>
-              <a:buSzPts val="1000"/>
-              <a:buFont typeface="Arial"/>
-              <a:buNone/>
-              <a:defRPr sz="1000" b="0" i="0" u="none" strike="noStrike" cap="none">
+            <a:lvl3pPr indent="0" lvl="2" marL="0" marR="0" algn="r">
+              <a:lnSpc>
+                <a:spcPct val="100000"/>
+              </a:lnSpc>
+              <a:spcBef>
+                <a:spcPts val="0"/>
+              </a:spcBef>
+              <a:spcAft>
+                <a:spcPts val="0"/>
+              </a:spcAft>
+              <a:buClr>
+                <a:srgbClr val="000000"/>
+              </a:buClr>
+              <a:buSzPts val="1000"/>
+              <a:buFont typeface="Arial"/>
+              <a:buNone/>
+              <a:defRPr b="0" i="0" sz="1000" u="none" cap="none" strike="noStrike">
                 <a:solidFill>
                   <a:schemeClr val="dk2"/>
                 </a:solidFill>
@@ -2805,23 +3165,23 @@
                 <a:sym typeface="Arial"/>
               </a:defRPr>
             </a:lvl3pPr>
-            <a:lvl4pPr marL="0" marR="0" lvl="3" indent="0" algn="r">
-              <a:lnSpc>
-                <a:spcPct val="100000"/>
-              </a:lnSpc>
-              <a:spcBef>
-                <a:spcPts val="0"/>
-              </a:spcBef>
-              <a:spcAft>
-                <a:spcPts val="0"/>
-              </a:spcAft>
-              <a:buClr>
-                <a:srgbClr val="000000"/>
-              </a:buClr>
-              <a:buSzPts val="1000"/>
-              <a:buFont typeface="Arial"/>
-              <a:buNone/>
-              <a:defRPr sz="1000" b="0" i="0" u="none" strike="noStrike" cap="none">
+            <a:lvl4pPr indent="0" lvl="3" marL="0" marR="0" algn="r">
+              <a:lnSpc>
+                <a:spcPct val="100000"/>
+              </a:lnSpc>
+              <a:spcBef>
+                <a:spcPts val="0"/>
+              </a:spcBef>
+              <a:spcAft>
+                <a:spcPts val="0"/>
+              </a:spcAft>
+              <a:buClr>
+                <a:srgbClr val="000000"/>
+              </a:buClr>
+              <a:buSzPts val="1000"/>
+              <a:buFont typeface="Arial"/>
+              <a:buNone/>
+              <a:defRPr b="0" i="0" sz="1000" u="none" cap="none" strike="noStrike">
                 <a:solidFill>
                   <a:schemeClr val="dk2"/>
                 </a:solidFill>
@@ -2831,23 +3191,23 @@
                 <a:sym typeface="Arial"/>
               </a:defRPr>
             </a:lvl4pPr>
-            <a:lvl5pPr marL="0" marR="0" lvl="4" indent="0" algn="r">
-              <a:lnSpc>
-                <a:spcPct val="100000"/>
-              </a:lnSpc>
-              <a:spcBef>
-                <a:spcPts val="0"/>
-              </a:spcBef>
-              <a:spcAft>
-                <a:spcPts val="0"/>
-              </a:spcAft>
-              <a:buClr>
-                <a:srgbClr val="000000"/>
-              </a:buClr>
-              <a:buSzPts val="1000"/>
-              <a:buFont typeface="Arial"/>
-              <a:buNone/>
-              <a:defRPr sz="1000" b="0" i="0" u="none" strike="noStrike" cap="none">
+            <a:lvl5pPr indent="0" lvl="4" marL="0" marR="0" algn="r">
+              <a:lnSpc>
+                <a:spcPct val="100000"/>
+              </a:lnSpc>
+              <a:spcBef>
+                <a:spcPts val="0"/>
+              </a:spcBef>
+              <a:spcAft>
+                <a:spcPts val="0"/>
+              </a:spcAft>
+              <a:buClr>
+                <a:srgbClr val="000000"/>
+              </a:buClr>
+              <a:buSzPts val="1000"/>
+              <a:buFont typeface="Arial"/>
+              <a:buNone/>
+              <a:defRPr b="0" i="0" sz="1000" u="none" cap="none" strike="noStrike">
                 <a:solidFill>
                   <a:schemeClr val="dk2"/>
                 </a:solidFill>
@@ -2857,23 +3217,23 @@
                 <a:sym typeface="Arial"/>
               </a:defRPr>
             </a:lvl5pPr>
-            <a:lvl6pPr marL="0" marR="0" lvl="5" indent="0" algn="r">
-              <a:lnSpc>
-                <a:spcPct val="100000"/>
-              </a:lnSpc>
-              <a:spcBef>
-                <a:spcPts val="0"/>
-              </a:spcBef>
-              <a:spcAft>
-                <a:spcPts val="0"/>
-              </a:spcAft>
-              <a:buClr>
-                <a:srgbClr val="000000"/>
-              </a:buClr>
-              <a:buSzPts val="1000"/>
-              <a:buFont typeface="Arial"/>
-              <a:buNone/>
-              <a:defRPr sz="1000" b="0" i="0" u="none" strike="noStrike" cap="none">
+            <a:lvl6pPr indent="0" lvl="5" marL="0" marR="0" algn="r">
+              <a:lnSpc>
+                <a:spcPct val="100000"/>
+              </a:lnSpc>
+              <a:spcBef>
+                <a:spcPts val="0"/>
+              </a:spcBef>
+              <a:spcAft>
+                <a:spcPts val="0"/>
+              </a:spcAft>
+              <a:buClr>
+                <a:srgbClr val="000000"/>
+              </a:buClr>
+              <a:buSzPts val="1000"/>
+              <a:buFont typeface="Arial"/>
+              <a:buNone/>
+              <a:defRPr b="0" i="0" sz="1000" u="none" cap="none" strike="noStrike">
                 <a:solidFill>
                   <a:schemeClr val="dk2"/>
                 </a:solidFill>
@@ -2883,23 +3243,23 @@
                 <a:sym typeface="Arial"/>
               </a:defRPr>
             </a:lvl6pPr>
-            <a:lvl7pPr marL="0" marR="0" lvl="6" indent="0" algn="r">
-              <a:lnSpc>
-                <a:spcPct val="100000"/>
-              </a:lnSpc>
-              <a:spcBef>
-                <a:spcPts val="0"/>
-              </a:spcBef>
-              <a:spcAft>
-                <a:spcPts val="0"/>
-              </a:spcAft>
-              <a:buClr>
-                <a:srgbClr val="000000"/>
-              </a:buClr>
-              <a:buSzPts val="1000"/>
-              <a:buFont typeface="Arial"/>
-              <a:buNone/>
-              <a:defRPr sz="1000" b="0" i="0" u="none" strike="noStrike" cap="none">
+            <a:lvl7pPr indent="0" lvl="6" marL="0" marR="0" algn="r">
+              <a:lnSpc>
+                <a:spcPct val="100000"/>
+              </a:lnSpc>
+              <a:spcBef>
+                <a:spcPts val="0"/>
+              </a:spcBef>
+              <a:spcAft>
+                <a:spcPts val="0"/>
+              </a:spcAft>
+              <a:buClr>
+                <a:srgbClr val="000000"/>
+              </a:buClr>
+              <a:buSzPts val="1000"/>
+              <a:buFont typeface="Arial"/>
+              <a:buNone/>
+              <a:defRPr b="0" i="0" sz="1000" u="none" cap="none" strike="noStrike">
                 <a:solidFill>
                   <a:schemeClr val="dk2"/>
                 </a:solidFill>
@@ -2909,23 +3269,23 @@
                 <a:sym typeface="Arial"/>
               </a:defRPr>
             </a:lvl7pPr>
-            <a:lvl8pPr marL="0" marR="0" lvl="7" indent="0" algn="r">
-              <a:lnSpc>
-                <a:spcPct val="100000"/>
-              </a:lnSpc>
-              <a:spcBef>
-                <a:spcPts val="0"/>
-              </a:spcBef>
-              <a:spcAft>
-                <a:spcPts val="0"/>
-              </a:spcAft>
-              <a:buClr>
-                <a:srgbClr val="000000"/>
-              </a:buClr>
-              <a:buSzPts val="1000"/>
-              <a:buFont typeface="Arial"/>
-              <a:buNone/>
-              <a:defRPr sz="1000" b="0" i="0" u="none" strike="noStrike" cap="none">
+            <a:lvl8pPr indent="0" lvl="7" marL="0" marR="0" algn="r">
+              <a:lnSpc>
+                <a:spcPct val="100000"/>
+              </a:lnSpc>
+              <a:spcBef>
+                <a:spcPts val="0"/>
+              </a:spcBef>
+              <a:spcAft>
+                <a:spcPts val="0"/>
+              </a:spcAft>
+              <a:buClr>
+                <a:srgbClr val="000000"/>
+              </a:buClr>
+              <a:buSzPts val="1000"/>
+              <a:buFont typeface="Arial"/>
+              <a:buNone/>
+              <a:defRPr b="0" i="0" sz="1000" u="none" cap="none" strike="noStrike">
                 <a:solidFill>
                   <a:schemeClr val="dk2"/>
                 </a:solidFill>
@@ -2935,23 +3295,23 @@
                 <a:sym typeface="Arial"/>
               </a:defRPr>
             </a:lvl8pPr>
-            <a:lvl9pPr marL="0" marR="0" lvl="8" indent="0" algn="r">
-              <a:lnSpc>
-                <a:spcPct val="100000"/>
-              </a:lnSpc>
-              <a:spcBef>
-                <a:spcPts val="0"/>
-              </a:spcBef>
-              <a:spcAft>
-                <a:spcPts val="0"/>
-              </a:spcAft>
-              <a:buClr>
-                <a:srgbClr val="000000"/>
-              </a:buClr>
-              <a:buSzPts val="1000"/>
-              <a:buFont typeface="Arial"/>
-              <a:buNone/>
-              <a:defRPr sz="1000" b="0" i="0" u="none" strike="noStrike" cap="none">
+            <a:lvl9pPr indent="0" lvl="8" marL="0" marR="0" algn="r">
+              <a:lnSpc>
+                <a:spcPct val="100000"/>
+              </a:lnSpc>
+              <a:spcBef>
+                <a:spcPts val="0"/>
+              </a:spcBef>
+              <a:spcAft>
+                <a:spcPts val="0"/>
+              </a:spcAft>
+              <a:buClr>
+                <a:srgbClr val="000000"/>
+              </a:buClr>
+              <a:buSzPts val="1000"/>
+              <a:buFont typeface="Arial"/>
+              <a:buNone/>
+              <a:defRPr b="0" i="0" sz="1000" u="none" cap="none" strike="noStrike">
                 <a:solidFill>
                   <a:schemeClr val="dk2"/>
                 </a:solidFill>
@@ -2963,7 +3323,7 @@
             </a:lvl9pPr>
           </a:lstStyle>
           <a:p>
-            <a:pPr marL="0" lvl="0" indent="0" algn="r" rtl="0">
+            <a:pPr indent="0" lvl="0" marL="0" rtl="0" algn="r">
               <a:spcBef>
                 <a:spcPts val="0"/>
               </a:spcBef>
@@ -2974,7 +3334,7 @@
             </a:pPr>
             <a:fld id="{00000000-1234-1234-1234-123412341234}" type="slidenum">
               <a:rPr lang="pt-BR"/>
-              <a:t>‹nº›</a:t>
+              <a:t>‹#›</a:t>
             </a:fld>
             <a:endParaRPr/>
           </a:p>
@@ -2989,11 +3349,11 @@
 </file>
 
 <file path=ppt/slideLayouts/slideLayout3.xml><?xml version="1.0" encoding="utf-8"?>
-<p:sldLayout xmlns:a="http://schemas.openxmlformats.org/drawingml/2006/main" xmlns:r="http://schemas.openxmlformats.org/officeDocument/2006/relationships" xmlns:p="http://schemas.openxmlformats.org/presentationml/2006/main" matchingName="Title and body" type="tx">
+<p:sldLayout xmlns:a="http://schemas.openxmlformats.org/drawingml/2006/main" xmlns:r="http://schemas.openxmlformats.org/officeDocument/2006/relationships" xmlns:mc="http://schemas.openxmlformats.org/markup-compatibility/2006" xmlns:mv="urn:schemas-microsoft-com:mac:vml" xmlns:p="http://schemas.openxmlformats.org/presentationml/2006/main" xmlns:c="http://schemas.openxmlformats.org/drawingml/2006/chart" xmlns:dgm="http://schemas.openxmlformats.org/drawingml/2006/diagram" xmlns:o="urn:schemas-microsoft-com:office:office" xmlns:v="urn:schemas-microsoft-com:vml" xmlns:pvml="urn:schemas-microsoft-com:office:powerpoint" xmlns:com="http://schemas.openxmlformats.org/drawingml/2006/compatibility" xmlns:p14="http://schemas.microsoft.com/office/powerpoint/2010/main" xmlns:p15="http://schemas.microsoft.com/office/powerpoint/2012/main" xmlns:ahyp="http://schemas.microsoft.com/office/drawing/2018/hyperlinkcolor" matchingName="Title and body" type="tx">
   <p:cSld name="TITLE_AND_BODY">
     <p:spTree>
       <p:nvGrpSpPr>
-        <p:cNvPr id="1" name="Shape 16"/>
+        <p:cNvPr id="16" name="Shape 16"/>
         <p:cNvGrpSpPr/>
         <p:nvPr/>
       </p:nvGrpSpPr>
@@ -3007,10 +3367,8 @@
       </p:grpSpPr>
       <p:sp>
         <p:nvSpPr>
-          <p:cNvPr id="17" name="Google Shape;17;p4"/>
-          <p:cNvSpPr txBox="1">
-            <a:spLocks noGrp="1"/>
-          </p:cNvSpPr>
+          <p:cNvPr id="17" name="Google Shape;17;p9"/>
+          <p:cNvSpPr txBox="1"/>
           <p:nvPr>
             <p:ph type="title"/>
           </p:nvPr>
@@ -3029,7 +3387,7 @@
           </a:ln>
         </p:spPr>
         <p:txBody>
-          <a:bodyPr spcFirstLastPara="1" wrap="square" lIns="91425" tIns="91425" rIns="91425" bIns="91425" anchor="t" anchorCtr="0">
+          <a:bodyPr anchorCtr="0" anchor="t" bIns="91425" lIns="91425" spcFirstLastPara="1" rIns="91425" wrap="square" tIns="91425">
             <a:noAutofit/>
           </a:bodyPr>
           <a:lstStyle>
@@ -3160,19 +3518,15 @@
               <a:defRPr/>
             </a:lvl9pPr>
           </a:lstStyle>
-          <a:p>
-            <a:endParaRPr/>
-          </a:p>
+          <a:p/>
         </p:txBody>
       </p:sp>
       <p:sp>
         <p:nvSpPr>
-          <p:cNvPr id="18" name="Google Shape;18;p4"/>
-          <p:cNvSpPr txBox="1">
-            <a:spLocks noGrp="1"/>
-          </p:cNvSpPr>
+          <p:cNvPr id="18" name="Google Shape;18;p9"/>
+          <p:cNvSpPr txBox="1"/>
           <p:nvPr>
-            <p:ph type="body" idx="1"/>
+            <p:ph idx="1" type="body"/>
           </p:nvPr>
         </p:nvSpPr>
         <p:spPr>
@@ -3189,11 +3543,11 @@
           </a:ln>
         </p:spPr>
         <p:txBody>
-          <a:bodyPr spcFirstLastPara="1" wrap="square" lIns="91425" tIns="91425" rIns="91425" bIns="91425" anchor="t" anchorCtr="0">
+          <a:bodyPr anchorCtr="0" anchor="t" bIns="91425" lIns="91425" spcFirstLastPara="1" rIns="91425" wrap="square" tIns="91425">
             <a:noAutofit/>
           </a:bodyPr>
           <a:lstStyle>
-            <a:lvl1pPr marL="457200" lvl="0" indent="-342900" algn="l">
+            <a:lvl1pPr indent="-342900" lvl="0" marL="457200" algn="l">
               <a:lnSpc>
                 <a:spcPct val="115000"/>
               </a:lnSpc>
@@ -3207,7 +3561,7 @@
               <a:buChar char="●"/>
               <a:defRPr/>
             </a:lvl1pPr>
-            <a:lvl2pPr marL="914400" lvl="1" indent="-317500" algn="l">
+            <a:lvl2pPr indent="-317500" lvl="1" marL="914400" algn="l">
               <a:lnSpc>
                 <a:spcPct val="115000"/>
               </a:lnSpc>
@@ -3221,7 +3575,7 @@
               <a:buChar char="○"/>
               <a:defRPr/>
             </a:lvl2pPr>
-            <a:lvl3pPr marL="1371600" lvl="2" indent="-317500" algn="l">
+            <a:lvl3pPr indent="-317500" lvl="2" marL="1371600" algn="l">
               <a:lnSpc>
                 <a:spcPct val="115000"/>
               </a:lnSpc>
@@ -3235,7 +3589,7 @@
               <a:buChar char="■"/>
               <a:defRPr/>
             </a:lvl3pPr>
-            <a:lvl4pPr marL="1828800" lvl="3" indent="-317500" algn="l">
+            <a:lvl4pPr indent="-317500" lvl="3" marL="1828800" algn="l">
               <a:lnSpc>
                 <a:spcPct val="115000"/>
               </a:lnSpc>
@@ -3249,7 +3603,7 @@
               <a:buChar char="●"/>
               <a:defRPr/>
             </a:lvl4pPr>
-            <a:lvl5pPr marL="2286000" lvl="4" indent="-317500" algn="l">
+            <a:lvl5pPr indent="-317500" lvl="4" marL="2286000" algn="l">
               <a:lnSpc>
                 <a:spcPct val="115000"/>
               </a:lnSpc>
@@ -3263,7 +3617,7 @@
               <a:buChar char="○"/>
               <a:defRPr/>
             </a:lvl5pPr>
-            <a:lvl6pPr marL="2743200" lvl="5" indent="-317500" algn="l">
+            <a:lvl6pPr indent="-317500" lvl="5" marL="2743200" algn="l">
               <a:lnSpc>
                 <a:spcPct val="115000"/>
               </a:lnSpc>
@@ -3277,7 +3631,7 @@
               <a:buChar char="■"/>
               <a:defRPr/>
             </a:lvl6pPr>
-            <a:lvl7pPr marL="3200400" lvl="6" indent="-317500" algn="l">
+            <a:lvl7pPr indent="-317500" lvl="6" marL="3200400" algn="l">
               <a:lnSpc>
                 <a:spcPct val="115000"/>
               </a:lnSpc>
@@ -3291,7 +3645,7 @@
               <a:buChar char="●"/>
               <a:defRPr/>
             </a:lvl7pPr>
-            <a:lvl8pPr marL="3657600" lvl="7" indent="-317500" algn="l">
+            <a:lvl8pPr indent="-317500" lvl="7" marL="3657600" algn="l">
               <a:lnSpc>
                 <a:spcPct val="115000"/>
               </a:lnSpc>
@@ -3305,7 +3659,7 @@
               <a:buChar char="○"/>
               <a:defRPr/>
             </a:lvl8pPr>
-            <a:lvl9pPr marL="4114800" lvl="8" indent="-317500" algn="l">
+            <a:lvl9pPr indent="-317500" lvl="8" marL="4114800" algn="l">
               <a:lnSpc>
                 <a:spcPct val="115000"/>
               </a:lnSpc>
@@ -3320,19 +3674,15 @@
               <a:defRPr/>
             </a:lvl9pPr>
           </a:lstStyle>
-          <a:p>
-            <a:endParaRPr/>
-          </a:p>
+          <a:p/>
         </p:txBody>
       </p:sp>
       <p:sp>
         <p:nvSpPr>
-          <p:cNvPr id="19" name="Google Shape;19;p4"/>
-          <p:cNvSpPr txBox="1">
-            <a:spLocks noGrp="1"/>
-          </p:cNvSpPr>
+          <p:cNvPr id="19" name="Google Shape;19;p9"/>
+          <p:cNvSpPr txBox="1"/>
           <p:nvPr>
-            <p:ph type="sldNum" idx="12"/>
+            <p:ph idx="12" type="sldNum"/>
           </p:nvPr>
         </p:nvSpPr>
         <p:spPr>
@@ -3349,27 +3699,27 @@
           </a:ln>
         </p:spPr>
         <p:txBody>
-          <a:bodyPr spcFirstLastPara="1" wrap="square" lIns="91425" tIns="91425" rIns="91425" bIns="91425" anchor="ctr" anchorCtr="0">
+          <a:bodyPr anchorCtr="0" anchor="ctr" bIns="91425" lIns="91425" spcFirstLastPara="1" rIns="91425" wrap="square" tIns="91425">
             <a:noAutofit/>
           </a:bodyPr>
           <a:lstStyle>
-            <a:lvl1pPr marL="0" marR="0" lvl="0" indent="0" algn="r">
-              <a:lnSpc>
-                <a:spcPct val="100000"/>
-              </a:lnSpc>
-              <a:spcBef>
-                <a:spcPts val="0"/>
-              </a:spcBef>
-              <a:spcAft>
-                <a:spcPts val="0"/>
-              </a:spcAft>
-              <a:buClr>
-                <a:srgbClr val="000000"/>
-              </a:buClr>
-              <a:buSzPts val="1000"/>
-              <a:buFont typeface="Arial"/>
-              <a:buNone/>
-              <a:defRPr sz="1000" b="0" i="0" u="none" strike="noStrike" cap="none">
+            <a:lvl1pPr indent="0" lvl="0" marL="0" marR="0" algn="r">
+              <a:lnSpc>
+                <a:spcPct val="100000"/>
+              </a:lnSpc>
+              <a:spcBef>
+                <a:spcPts val="0"/>
+              </a:spcBef>
+              <a:spcAft>
+                <a:spcPts val="0"/>
+              </a:spcAft>
+              <a:buClr>
+                <a:srgbClr val="000000"/>
+              </a:buClr>
+              <a:buSzPts val="1000"/>
+              <a:buFont typeface="Arial"/>
+              <a:buNone/>
+              <a:defRPr b="0" i="0" sz="1000" u="none" cap="none" strike="noStrike">
                 <a:solidFill>
                   <a:schemeClr val="dk2"/>
                 </a:solidFill>
@@ -3379,23 +3729,23 @@
                 <a:sym typeface="Arial"/>
               </a:defRPr>
             </a:lvl1pPr>
-            <a:lvl2pPr marL="0" marR="0" lvl="1" indent="0" algn="r">
-              <a:lnSpc>
-                <a:spcPct val="100000"/>
-              </a:lnSpc>
-              <a:spcBef>
-                <a:spcPts val="0"/>
-              </a:spcBef>
-              <a:spcAft>
-                <a:spcPts val="0"/>
-              </a:spcAft>
-              <a:buClr>
-                <a:srgbClr val="000000"/>
-              </a:buClr>
-              <a:buSzPts val="1000"/>
-              <a:buFont typeface="Arial"/>
-              <a:buNone/>
-              <a:defRPr sz="1000" b="0" i="0" u="none" strike="noStrike" cap="none">
+            <a:lvl2pPr indent="0" lvl="1" marL="0" marR="0" algn="r">
+              <a:lnSpc>
+                <a:spcPct val="100000"/>
+              </a:lnSpc>
+              <a:spcBef>
+                <a:spcPts val="0"/>
+              </a:spcBef>
+              <a:spcAft>
+                <a:spcPts val="0"/>
+              </a:spcAft>
+              <a:buClr>
+                <a:srgbClr val="000000"/>
+              </a:buClr>
+              <a:buSzPts val="1000"/>
+              <a:buFont typeface="Arial"/>
+              <a:buNone/>
+              <a:defRPr b="0" i="0" sz="1000" u="none" cap="none" strike="noStrike">
                 <a:solidFill>
                   <a:schemeClr val="dk2"/>
                 </a:solidFill>
@@ -3405,23 +3755,23 @@
                 <a:sym typeface="Arial"/>
               </a:defRPr>
             </a:lvl2pPr>
-            <a:lvl3pPr marL="0" marR="0" lvl="2" indent="0" algn="r">
-              <a:lnSpc>
-                <a:spcPct val="100000"/>
-              </a:lnSpc>
-              <a:spcBef>
-                <a:spcPts val="0"/>
-              </a:spcBef>
-              <a:spcAft>
-                <a:spcPts val="0"/>
-              </a:spcAft>
-              <a:buClr>
-                <a:srgbClr val="000000"/>
-              </a:buClr>
-              <a:buSzPts val="1000"/>
-              <a:buFont typeface="Arial"/>
-              <a:buNone/>
-              <a:defRPr sz="1000" b="0" i="0" u="none" strike="noStrike" cap="none">
+            <a:lvl3pPr indent="0" lvl="2" marL="0" marR="0" algn="r">
+              <a:lnSpc>
+                <a:spcPct val="100000"/>
+              </a:lnSpc>
+              <a:spcBef>
+                <a:spcPts val="0"/>
+              </a:spcBef>
+              <a:spcAft>
+                <a:spcPts val="0"/>
+              </a:spcAft>
+              <a:buClr>
+                <a:srgbClr val="000000"/>
+              </a:buClr>
+              <a:buSzPts val="1000"/>
+              <a:buFont typeface="Arial"/>
+              <a:buNone/>
+              <a:defRPr b="0" i="0" sz="1000" u="none" cap="none" strike="noStrike">
                 <a:solidFill>
                   <a:schemeClr val="dk2"/>
                 </a:solidFill>
@@ -3431,23 +3781,23 @@
                 <a:sym typeface="Arial"/>
               </a:defRPr>
             </a:lvl3pPr>
-            <a:lvl4pPr marL="0" marR="0" lvl="3" indent="0" algn="r">
-              <a:lnSpc>
-                <a:spcPct val="100000"/>
-              </a:lnSpc>
-              <a:spcBef>
-                <a:spcPts val="0"/>
-              </a:spcBef>
-              <a:spcAft>
-                <a:spcPts val="0"/>
-              </a:spcAft>
-              <a:buClr>
-                <a:srgbClr val="000000"/>
-              </a:buClr>
-              <a:buSzPts val="1000"/>
-              <a:buFont typeface="Arial"/>
-              <a:buNone/>
-              <a:defRPr sz="1000" b="0" i="0" u="none" strike="noStrike" cap="none">
+            <a:lvl4pPr indent="0" lvl="3" marL="0" marR="0" algn="r">
+              <a:lnSpc>
+                <a:spcPct val="100000"/>
+              </a:lnSpc>
+              <a:spcBef>
+                <a:spcPts val="0"/>
+              </a:spcBef>
+              <a:spcAft>
+                <a:spcPts val="0"/>
+              </a:spcAft>
+              <a:buClr>
+                <a:srgbClr val="000000"/>
+              </a:buClr>
+              <a:buSzPts val="1000"/>
+              <a:buFont typeface="Arial"/>
+              <a:buNone/>
+              <a:defRPr b="0" i="0" sz="1000" u="none" cap="none" strike="noStrike">
                 <a:solidFill>
                   <a:schemeClr val="dk2"/>
                 </a:solidFill>
@@ -3457,23 +3807,23 @@
                 <a:sym typeface="Arial"/>
               </a:defRPr>
             </a:lvl4pPr>
-            <a:lvl5pPr marL="0" marR="0" lvl="4" indent="0" algn="r">
-              <a:lnSpc>
-                <a:spcPct val="100000"/>
-              </a:lnSpc>
-              <a:spcBef>
-                <a:spcPts val="0"/>
-              </a:spcBef>
-              <a:spcAft>
-                <a:spcPts val="0"/>
-              </a:spcAft>
-              <a:buClr>
-                <a:srgbClr val="000000"/>
-              </a:buClr>
-              <a:buSzPts val="1000"/>
-              <a:buFont typeface="Arial"/>
-              <a:buNone/>
-              <a:defRPr sz="1000" b="0" i="0" u="none" strike="noStrike" cap="none">
+            <a:lvl5pPr indent="0" lvl="4" marL="0" marR="0" algn="r">
+              <a:lnSpc>
+                <a:spcPct val="100000"/>
+              </a:lnSpc>
+              <a:spcBef>
+                <a:spcPts val="0"/>
+              </a:spcBef>
+              <a:spcAft>
+                <a:spcPts val="0"/>
+              </a:spcAft>
+              <a:buClr>
+                <a:srgbClr val="000000"/>
+              </a:buClr>
+              <a:buSzPts val="1000"/>
+              <a:buFont typeface="Arial"/>
+              <a:buNone/>
+              <a:defRPr b="0" i="0" sz="1000" u="none" cap="none" strike="noStrike">
                 <a:solidFill>
                   <a:schemeClr val="dk2"/>
                 </a:solidFill>
@@ -3483,23 +3833,23 @@
                 <a:sym typeface="Arial"/>
               </a:defRPr>
             </a:lvl5pPr>
-            <a:lvl6pPr marL="0" marR="0" lvl="5" indent="0" algn="r">
-              <a:lnSpc>
-                <a:spcPct val="100000"/>
-              </a:lnSpc>
-              <a:spcBef>
-                <a:spcPts val="0"/>
-              </a:spcBef>
-              <a:spcAft>
-                <a:spcPts val="0"/>
-              </a:spcAft>
-              <a:buClr>
-                <a:srgbClr val="000000"/>
-              </a:buClr>
-              <a:buSzPts val="1000"/>
-              <a:buFont typeface="Arial"/>
-              <a:buNone/>
-              <a:defRPr sz="1000" b="0" i="0" u="none" strike="noStrike" cap="none">
+            <a:lvl6pPr indent="0" lvl="5" marL="0" marR="0" algn="r">
+              <a:lnSpc>
+                <a:spcPct val="100000"/>
+              </a:lnSpc>
+              <a:spcBef>
+                <a:spcPts val="0"/>
+              </a:spcBef>
+              <a:spcAft>
+                <a:spcPts val="0"/>
+              </a:spcAft>
+              <a:buClr>
+                <a:srgbClr val="000000"/>
+              </a:buClr>
+              <a:buSzPts val="1000"/>
+              <a:buFont typeface="Arial"/>
+              <a:buNone/>
+              <a:defRPr b="0" i="0" sz="1000" u="none" cap="none" strike="noStrike">
                 <a:solidFill>
                   <a:schemeClr val="dk2"/>
                 </a:solidFill>
@@ -3509,23 +3859,23 @@
                 <a:sym typeface="Arial"/>
               </a:defRPr>
             </a:lvl6pPr>
-            <a:lvl7pPr marL="0" marR="0" lvl="6" indent="0" algn="r">
-              <a:lnSpc>
-                <a:spcPct val="100000"/>
-              </a:lnSpc>
-              <a:spcBef>
-                <a:spcPts val="0"/>
-              </a:spcBef>
-              <a:spcAft>
-                <a:spcPts val="0"/>
-              </a:spcAft>
-              <a:buClr>
-                <a:srgbClr val="000000"/>
-              </a:buClr>
-              <a:buSzPts val="1000"/>
-              <a:buFont typeface="Arial"/>
-              <a:buNone/>
-              <a:defRPr sz="1000" b="0" i="0" u="none" strike="noStrike" cap="none">
+            <a:lvl7pPr indent="0" lvl="6" marL="0" marR="0" algn="r">
+              <a:lnSpc>
+                <a:spcPct val="100000"/>
+              </a:lnSpc>
+              <a:spcBef>
+                <a:spcPts val="0"/>
+              </a:spcBef>
+              <a:spcAft>
+                <a:spcPts val="0"/>
+              </a:spcAft>
+              <a:buClr>
+                <a:srgbClr val="000000"/>
+              </a:buClr>
+              <a:buSzPts val="1000"/>
+              <a:buFont typeface="Arial"/>
+              <a:buNone/>
+              <a:defRPr b="0" i="0" sz="1000" u="none" cap="none" strike="noStrike">
                 <a:solidFill>
                   <a:schemeClr val="dk2"/>
                 </a:solidFill>
@@ -3535,23 +3885,23 @@
                 <a:sym typeface="Arial"/>
               </a:defRPr>
             </a:lvl7pPr>
-            <a:lvl8pPr marL="0" marR="0" lvl="7" indent="0" algn="r">
-              <a:lnSpc>
-                <a:spcPct val="100000"/>
-              </a:lnSpc>
-              <a:spcBef>
-                <a:spcPts val="0"/>
-              </a:spcBef>
-              <a:spcAft>
-                <a:spcPts val="0"/>
-              </a:spcAft>
-              <a:buClr>
-                <a:srgbClr val="000000"/>
-              </a:buClr>
-              <a:buSzPts val="1000"/>
-              <a:buFont typeface="Arial"/>
-              <a:buNone/>
-              <a:defRPr sz="1000" b="0" i="0" u="none" strike="noStrike" cap="none">
+            <a:lvl8pPr indent="0" lvl="7" marL="0" marR="0" algn="r">
+              <a:lnSpc>
+                <a:spcPct val="100000"/>
+              </a:lnSpc>
+              <a:spcBef>
+                <a:spcPts val="0"/>
+              </a:spcBef>
+              <a:spcAft>
+                <a:spcPts val="0"/>
+              </a:spcAft>
+              <a:buClr>
+                <a:srgbClr val="000000"/>
+              </a:buClr>
+              <a:buSzPts val="1000"/>
+              <a:buFont typeface="Arial"/>
+              <a:buNone/>
+              <a:defRPr b="0" i="0" sz="1000" u="none" cap="none" strike="noStrike">
                 <a:solidFill>
                   <a:schemeClr val="dk2"/>
                 </a:solidFill>
@@ -3561,23 +3911,23 @@
                 <a:sym typeface="Arial"/>
               </a:defRPr>
             </a:lvl8pPr>
-            <a:lvl9pPr marL="0" marR="0" lvl="8" indent="0" algn="r">
-              <a:lnSpc>
-                <a:spcPct val="100000"/>
-              </a:lnSpc>
-              <a:spcBef>
-                <a:spcPts val="0"/>
-              </a:spcBef>
-              <a:spcAft>
-                <a:spcPts val="0"/>
-              </a:spcAft>
-              <a:buClr>
-                <a:srgbClr val="000000"/>
-              </a:buClr>
-              <a:buSzPts val="1000"/>
-              <a:buFont typeface="Arial"/>
-              <a:buNone/>
-              <a:defRPr sz="1000" b="0" i="0" u="none" strike="noStrike" cap="none">
+            <a:lvl9pPr indent="0" lvl="8" marL="0" marR="0" algn="r">
+              <a:lnSpc>
+                <a:spcPct val="100000"/>
+              </a:lnSpc>
+              <a:spcBef>
+                <a:spcPts val="0"/>
+              </a:spcBef>
+              <a:spcAft>
+                <a:spcPts val="0"/>
+              </a:spcAft>
+              <a:buClr>
+                <a:srgbClr val="000000"/>
+              </a:buClr>
+              <a:buSzPts val="1000"/>
+              <a:buFont typeface="Arial"/>
+              <a:buNone/>
+              <a:defRPr b="0" i="0" sz="1000" u="none" cap="none" strike="noStrike">
                 <a:solidFill>
                   <a:schemeClr val="dk2"/>
                 </a:solidFill>
@@ -3589,7 +3939,7 @@
             </a:lvl9pPr>
           </a:lstStyle>
           <a:p>
-            <a:pPr marL="0" lvl="0" indent="0" algn="r" rtl="0">
+            <a:pPr indent="0" lvl="0" marL="0" rtl="0" algn="r">
               <a:spcBef>
                 <a:spcPts val="0"/>
               </a:spcBef>
@@ -3600,7 +3950,7 @@
             </a:pPr>
             <a:fld id="{00000000-1234-1234-1234-123412341234}" type="slidenum">
               <a:rPr lang="pt-BR"/>
-              <a:t>‹nº›</a:t>
+              <a:t>‹#›</a:t>
             </a:fld>
             <a:endParaRPr/>
           </a:p>
@@ -3615,11 +3965,11 @@
 </file>
 
 <file path=ppt/slideLayouts/slideLayout4.xml><?xml version="1.0" encoding="utf-8"?>
-<p:sldLayout xmlns:a="http://schemas.openxmlformats.org/drawingml/2006/main" xmlns:r="http://schemas.openxmlformats.org/officeDocument/2006/relationships" xmlns:p="http://schemas.openxmlformats.org/presentationml/2006/main" matchingName="Title and two columns" type="twoColTx">
+<p:sldLayout xmlns:a="http://schemas.openxmlformats.org/drawingml/2006/main" xmlns:r="http://schemas.openxmlformats.org/officeDocument/2006/relationships" xmlns:mc="http://schemas.openxmlformats.org/markup-compatibility/2006" xmlns:mv="urn:schemas-microsoft-com:mac:vml" xmlns:p="http://schemas.openxmlformats.org/presentationml/2006/main" xmlns:c="http://schemas.openxmlformats.org/drawingml/2006/chart" xmlns:dgm="http://schemas.openxmlformats.org/drawingml/2006/diagram" xmlns:o="urn:schemas-microsoft-com:office:office" xmlns:v="urn:schemas-microsoft-com:vml" xmlns:pvml="urn:schemas-microsoft-com:office:powerpoint" xmlns:com="http://schemas.openxmlformats.org/drawingml/2006/compatibility" xmlns:p14="http://schemas.microsoft.com/office/powerpoint/2010/main" xmlns:p15="http://schemas.microsoft.com/office/powerpoint/2012/main" xmlns:ahyp="http://schemas.microsoft.com/office/drawing/2018/hyperlinkcolor" matchingName="Title and two columns" type="twoColTx">
   <p:cSld name="TITLE_AND_TWO_COLUMNS">
     <p:spTree>
       <p:nvGrpSpPr>
-        <p:cNvPr id="1" name="Shape 20"/>
+        <p:cNvPr id="20" name="Shape 20"/>
         <p:cNvGrpSpPr/>
         <p:nvPr/>
       </p:nvGrpSpPr>
@@ -3633,10 +3983,8 @@
       </p:grpSpPr>
       <p:sp>
         <p:nvSpPr>
-          <p:cNvPr id="21" name="Google Shape;21;p5"/>
-          <p:cNvSpPr txBox="1">
-            <a:spLocks noGrp="1"/>
-          </p:cNvSpPr>
+          <p:cNvPr id="21" name="Google Shape;21;p10"/>
+          <p:cNvSpPr txBox="1"/>
           <p:nvPr>
             <p:ph type="title"/>
           </p:nvPr>
@@ -3655,7 +4003,7 @@
           </a:ln>
         </p:spPr>
         <p:txBody>
-          <a:bodyPr spcFirstLastPara="1" wrap="square" lIns="91425" tIns="91425" rIns="91425" bIns="91425" anchor="t" anchorCtr="0">
+          <a:bodyPr anchorCtr="0" anchor="t" bIns="91425" lIns="91425" spcFirstLastPara="1" rIns="91425" wrap="square" tIns="91425">
             <a:noAutofit/>
           </a:bodyPr>
           <a:lstStyle>
@@ -3786,19 +4134,15 @@
               <a:defRPr/>
             </a:lvl9pPr>
           </a:lstStyle>
-          <a:p>
-            <a:endParaRPr/>
-          </a:p>
+          <a:p/>
         </p:txBody>
       </p:sp>
       <p:sp>
         <p:nvSpPr>
-          <p:cNvPr id="22" name="Google Shape;22;p5"/>
-          <p:cNvSpPr txBox="1">
-            <a:spLocks noGrp="1"/>
-          </p:cNvSpPr>
+          <p:cNvPr id="22" name="Google Shape;22;p10"/>
+          <p:cNvSpPr txBox="1"/>
           <p:nvPr>
-            <p:ph type="body" idx="1"/>
+            <p:ph idx="1" type="body"/>
           </p:nvPr>
         </p:nvSpPr>
         <p:spPr>
@@ -3815,11 +4159,11 @@
           </a:ln>
         </p:spPr>
         <p:txBody>
-          <a:bodyPr spcFirstLastPara="1" wrap="square" lIns="91425" tIns="91425" rIns="91425" bIns="91425" anchor="t" anchorCtr="0">
+          <a:bodyPr anchorCtr="0" anchor="t" bIns="91425" lIns="91425" spcFirstLastPara="1" rIns="91425" wrap="square" tIns="91425">
             <a:noAutofit/>
           </a:bodyPr>
           <a:lstStyle>
-            <a:lvl1pPr marL="457200" lvl="0" indent="-317500" algn="l">
+            <a:lvl1pPr indent="-317500" lvl="0" marL="457200" algn="l">
               <a:lnSpc>
                 <a:spcPct val="115000"/>
               </a:lnSpc>
@@ -3833,7 +4177,7 @@
               <a:buChar char="●"/>
               <a:defRPr sz="1400"/>
             </a:lvl1pPr>
-            <a:lvl2pPr marL="914400" lvl="1" indent="-304800" algn="l">
+            <a:lvl2pPr indent="-304800" lvl="1" marL="914400" algn="l">
               <a:lnSpc>
                 <a:spcPct val="115000"/>
               </a:lnSpc>
@@ -3847,7 +4191,7 @@
               <a:buChar char="○"/>
               <a:defRPr sz="1200"/>
             </a:lvl2pPr>
-            <a:lvl3pPr marL="1371600" lvl="2" indent="-304800" algn="l">
+            <a:lvl3pPr indent="-304800" lvl="2" marL="1371600" algn="l">
               <a:lnSpc>
                 <a:spcPct val="115000"/>
               </a:lnSpc>
@@ -3861,7 +4205,7 @@
               <a:buChar char="■"/>
               <a:defRPr sz="1200"/>
             </a:lvl3pPr>
-            <a:lvl4pPr marL="1828800" lvl="3" indent="-304800" algn="l">
+            <a:lvl4pPr indent="-304800" lvl="3" marL="1828800" algn="l">
               <a:lnSpc>
                 <a:spcPct val="115000"/>
               </a:lnSpc>
@@ -3875,7 +4219,7 @@
               <a:buChar char="●"/>
               <a:defRPr sz="1200"/>
             </a:lvl4pPr>
-            <a:lvl5pPr marL="2286000" lvl="4" indent="-304800" algn="l">
+            <a:lvl5pPr indent="-304800" lvl="4" marL="2286000" algn="l">
               <a:lnSpc>
                 <a:spcPct val="115000"/>
               </a:lnSpc>
@@ -3889,7 +4233,7 @@
               <a:buChar char="○"/>
               <a:defRPr sz="1200"/>
             </a:lvl5pPr>
-            <a:lvl6pPr marL="2743200" lvl="5" indent="-304800" algn="l">
+            <a:lvl6pPr indent="-304800" lvl="5" marL="2743200" algn="l">
               <a:lnSpc>
                 <a:spcPct val="115000"/>
               </a:lnSpc>
@@ -3903,7 +4247,7 @@
               <a:buChar char="■"/>
               <a:defRPr sz="1200"/>
             </a:lvl6pPr>
-            <a:lvl7pPr marL="3200400" lvl="6" indent="-304800" algn="l">
+            <a:lvl7pPr indent="-304800" lvl="6" marL="3200400" algn="l">
               <a:lnSpc>
                 <a:spcPct val="115000"/>
               </a:lnSpc>
@@ -3917,7 +4261,7 @@
               <a:buChar char="●"/>
               <a:defRPr sz="1200"/>
             </a:lvl7pPr>
-            <a:lvl8pPr marL="3657600" lvl="7" indent="-304800" algn="l">
+            <a:lvl8pPr indent="-304800" lvl="7" marL="3657600" algn="l">
               <a:lnSpc>
                 <a:spcPct val="115000"/>
               </a:lnSpc>
@@ -3931,7 +4275,7 @@
               <a:buChar char="○"/>
               <a:defRPr sz="1200"/>
             </a:lvl8pPr>
-            <a:lvl9pPr marL="4114800" lvl="8" indent="-304800" algn="l">
+            <a:lvl9pPr indent="-304800" lvl="8" marL="4114800" algn="l">
               <a:lnSpc>
                 <a:spcPct val="115000"/>
               </a:lnSpc>
@@ -3946,19 +4290,15 @@
               <a:defRPr sz="1200"/>
             </a:lvl9pPr>
           </a:lstStyle>
-          <a:p>
-            <a:endParaRPr/>
-          </a:p>
+          <a:p/>
         </p:txBody>
       </p:sp>
       <p:sp>
         <p:nvSpPr>
-          <p:cNvPr id="23" name="Google Shape;23;p5"/>
-          <p:cNvSpPr txBox="1">
-            <a:spLocks noGrp="1"/>
-          </p:cNvSpPr>
+          <p:cNvPr id="23" name="Google Shape;23;p10"/>
+          <p:cNvSpPr txBox="1"/>
           <p:nvPr>
-            <p:ph type="body" idx="2"/>
+            <p:ph idx="2" type="body"/>
           </p:nvPr>
         </p:nvSpPr>
         <p:spPr>
@@ -3975,11 +4315,11 @@
           </a:ln>
         </p:spPr>
         <p:txBody>
-          <a:bodyPr spcFirstLastPara="1" wrap="square" lIns="91425" tIns="91425" rIns="91425" bIns="91425" anchor="t" anchorCtr="0">
+          <a:bodyPr anchorCtr="0" anchor="t" bIns="91425" lIns="91425" spcFirstLastPara="1" rIns="91425" wrap="square" tIns="91425">
             <a:noAutofit/>
           </a:bodyPr>
           <a:lstStyle>
-            <a:lvl1pPr marL="457200" lvl="0" indent="-317500" algn="l">
+            <a:lvl1pPr indent="-317500" lvl="0" marL="457200" algn="l">
               <a:lnSpc>
                 <a:spcPct val="115000"/>
               </a:lnSpc>
@@ -3993,7 +4333,7 @@
               <a:buChar char="●"/>
               <a:defRPr sz="1400"/>
             </a:lvl1pPr>
-            <a:lvl2pPr marL="914400" lvl="1" indent="-304800" algn="l">
+            <a:lvl2pPr indent="-304800" lvl="1" marL="914400" algn="l">
               <a:lnSpc>
                 <a:spcPct val="115000"/>
               </a:lnSpc>
@@ -4007,7 +4347,7 @@
               <a:buChar char="○"/>
               <a:defRPr sz="1200"/>
             </a:lvl2pPr>
-            <a:lvl3pPr marL="1371600" lvl="2" indent="-304800" algn="l">
+            <a:lvl3pPr indent="-304800" lvl="2" marL="1371600" algn="l">
               <a:lnSpc>
                 <a:spcPct val="115000"/>
               </a:lnSpc>
@@ -4021,7 +4361,7 @@
               <a:buChar char="■"/>
               <a:defRPr sz="1200"/>
             </a:lvl3pPr>
-            <a:lvl4pPr marL="1828800" lvl="3" indent="-304800" algn="l">
+            <a:lvl4pPr indent="-304800" lvl="3" marL="1828800" algn="l">
               <a:lnSpc>
                 <a:spcPct val="115000"/>
               </a:lnSpc>
@@ -4035,7 +4375,7 @@
               <a:buChar char="●"/>
               <a:defRPr sz="1200"/>
             </a:lvl4pPr>
-            <a:lvl5pPr marL="2286000" lvl="4" indent="-304800" algn="l">
+            <a:lvl5pPr indent="-304800" lvl="4" marL="2286000" algn="l">
               <a:lnSpc>
                 <a:spcPct val="115000"/>
               </a:lnSpc>
@@ -4049,7 +4389,7 @@
               <a:buChar char="○"/>
               <a:defRPr sz="1200"/>
             </a:lvl5pPr>
-            <a:lvl6pPr marL="2743200" lvl="5" indent="-304800" algn="l">
+            <a:lvl6pPr indent="-304800" lvl="5" marL="2743200" algn="l">
               <a:lnSpc>
                 <a:spcPct val="115000"/>
               </a:lnSpc>
@@ -4063,7 +4403,7 @@
               <a:buChar char="■"/>
               <a:defRPr sz="1200"/>
             </a:lvl6pPr>
-            <a:lvl7pPr marL="3200400" lvl="6" indent="-304800" algn="l">
+            <a:lvl7pPr indent="-304800" lvl="6" marL="3200400" algn="l">
               <a:lnSpc>
                 <a:spcPct val="115000"/>
               </a:lnSpc>
@@ -4077,7 +4417,7 @@
               <a:buChar char="●"/>
               <a:defRPr sz="1200"/>
             </a:lvl7pPr>
-            <a:lvl8pPr marL="3657600" lvl="7" indent="-304800" algn="l">
+            <a:lvl8pPr indent="-304800" lvl="7" marL="3657600" algn="l">
               <a:lnSpc>
                 <a:spcPct val="115000"/>
               </a:lnSpc>
@@ -4091,7 +4431,7 @@
               <a:buChar char="○"/>
               <a:defRPr sz="1200"/>
             </a:lvl8pPr>
-            <a:lvl9pPr marL="4114800" lvl="8" indent="-304800" algn="l">
+            <a:lvl9pPr indent="-304800" lvl="8" marL="4114800" algn="l">
               <a:lnSpc>
                 <a:spcPct val="115000"/>
               </a:lnSpc>
@@ -4106,19 +4446,15 @@
               <a:defRPr sz="1200"/>
             </a:lvl9pPr>
           </a:lstStyle>
-          <a:p>
-            <a:endParaRPr/>
-          </a:p>
+          <a:p/>
         </p:txBody>
       </p:sp>
       <p:sp>
         <p:nvSpPr>
-          <p:cNvPr id="24" name="Google Shape;24;p5"/>
-          <p:cNvSpPr txBox="1">
-            <a:spLocks noGrp="1"/>
-          </p:cNvSpPr>
+          <p:cNvPr id="24" name="Google Shape;24;p10"/>
+          <p:cNvSpPr txBox="1"/>
           <p:nvPr>
-            <p:ph type="sldNum" idx="12"/>
+            <p:ph idx="12" type="sldNum"/>
           </p:nvPr>
         </p:nvSpPr>
         <p:spPr>
@@ -4135,27 +4471,27 @@
           </a:ln>
         </p:spPr>
         <p:txBody>
-          <a:bodyPr spcFirstLastPara="1" wrap="square" lIns="91425" tIns="91425" rIns="91425" bIns="91425" anchor="ctr" anchorCtr="0">
+          <a:bodyPr anchorCtr="0" anchor="ctr" bIns="91425" lIns="91425" spcFirstLastPara="1" rIns="91425" wrap="square" tIns="91425">
             <a:noAutofit/>
           </a:bodyPr>
           <a:lstStyle>
-            <a:lvl1pPr marL="0" marR="0" lvl="0" indent="0" algn="r">
-              <a:lnSpc>
-                <a:spcPct val="100000"/>
-              </a:lnSpc>
-              <a:spcBef>
-                <a:spcPts val="0"/>
-              </a:spcBef>
-              <a:spcAft>
-                <a:spcPts val="0"/>
-              </a:spcAft>
-              <a:buClr>
-                <a:srgbClr val="000000"/>
-              </a:buClr>
-              <a:buSzPts val="1000"/>
-              <a:buFont typeface="Arial"/>
-              <a:buNone/>
-              <a:defRPr sz="1000" b="0" i="0" u="none" strike="noStrike" cap="none">
+            <a:lvl1pPr indent="0" lvl="0" marL="0" marR="0" algn="r">
+              <a:lnSpc>
+                <a:spcPct val="100000"/>
+              </a:lnSpc>
+              <a:spcBef>
+                <a:spcPts val="0"/>
+              </a:spcBef>
+              <a:spcAft>
+                <a:spcPts val="0"/>
+              </a:spcAft>
+              <a:buClr>
+                <a:srgbClr val="000000"/>
+              </a:buClr>
+              <a:buSzPts val="1000"/>
+              <a:buFont typeface="Arial"/>
+              <a:buNone/>
+              <a:defRPr b="0" i="0" sz="1000" u="none" cap="none" strike="noStrike">
                 <a:solidFill>
                   <a:schemeClr val="dk2"/>
                 </a:solidFill>
@@ -4165,23 +4501,23 @@
                 <a:sym typeface="Arial"/>
               </a:defRPr>
             </a:lvl1pPr>
-            <a:lvl2pPr marL="0" marR="0" lvl="1" indent="0" algn="r">
-              <a:lnSpc>
-                <a:spcPct val="100000"/>
-              </a:lnSpc>
-              <a:spcBef>
-                <a:spcPts val="0"/>
-              </a:spcBef>
-              <a:spcAft>
-                <a:spcPts val="0"/>
-              </a:spcAft>
-              <a:buClr>
-                <a:srgbClr val="000000"/>
-              </a:buClr>
-              <a:buSzPts val="1000"/>
-              <a:buFont typeface="Arial"/>
-              <a:buNone/>
-              <a:defRPr sz="1000" b="0" i="0" u="none" strike="noStrike" cap="none">
+            <a:lvl2pPr indent="0" lvl="1" marL="0" marR="0" algn="r">
+              <a:lnSpc>
+                <a:spcPct val="100000"/>
+              </a:lnSpc>
+              <a:spcBef>
+                <a:spcPts val="0"/>
+              </a:spcBef>
+              <a:spcAft>
+                <a:spcPts val="0"/>
+              </a:spcAft>
+              <a:buClr>
+                <a:srgbClr val="000000"/>
+              </a:buClr>
+              <a:buSzPts val="1000"/>
+              <a:buFont typeface="Arial"/>
+              <a:buNone/>
+              <a:defRPr b="0" i="0" sz="1000" u="none" cap="none" strike="noStrike">
                 <a:solidFill>
                   <a:schemeClr val="dk2"/>
                 </a:solidFill>
@@ -4191,23 +4527,23 @@
                 <a:sym typeface="Arial"/>
               </a:defRPr>
             </a:lvl2pPr>
-            <a:lvl3pPr marL="0" marR="0" lvl="2" indent="0" algn="r">
-              <a:lnSpc>
-                <a:spcPct val="100000"/>
-              </a:lnSpc>
-              <a:spcBef>
-                <a:spcPts val="0"/>
-              </a:spcBef>
-              <a:spcAft>
-                <a:spcPts val="0"/>
-              </a:spcAft>
-              <a:buClr>
-                <a:srgbClr val="000000"/>
-              </a:buClr>
-              <a:buSzPts val="1000"/>
-              <a:buFont typeface="Arial"/>
-              <a:buNone/>
-              <a:defRPr sz="1000" b="0" i="0" u="none" strike="noStrike" cap="none">
+            <a:lvl3pPr indent="0" lvl="2" marL="0" marR="0" algn="r">
+              <a:lnSpc>
+                <a:spcPct val="100000"/>
+              </a:lnSpc>
+              <a:spcBef>
+                <a:spcPts val="0"/>
+              </a:spcBef>
+              <a:spcAft>
+                <a:spcPts val="0"/>
+              </a:spcAft>
+              <a:buClr>
+                <a:srgbClr val="000000"/>
+              </a:buClr>
+              <a:buSzPts val="1000"/>
+              <a:buFont typeface="Arial"/>
+              <a:buNone/>
+              <a:defRPr b="0" i="0" sz="1000" u="none" cap="none" strike="noStrike">
                 <a:solidFill>
                   <a:schemeClr val="dk2"/>
                 </a:solidFill>
@@ -4217,23 +4553,23 @@
                 <a:sym typeface="Arial"/>
               </a:defRPr>
             </a:lvl3pPr>
-            <a:lvl4pPr marL="0" marR="0" lvl="3" indent="0" algn="r">
-              <a:lnSpc>
-                <a:spcPct val="100000"/>
-              </a:lnSpc>
-              <a:spcBef>
-                <a:spcPts val="0"/>
-              </a:spcBef>
-              <a:spcAft>
-                <a:spcPts val="0"/>
-              </a:spcAft>
-              <a:buClr>
-                <a:srgbClr val="000000"/>
-              </a:buClr>
-              <a:buSzPts val="1000"/>
-              <a:buFont typeface="Arial"/>
-              <a:buNone/>
-              <a:defRPr sz="1000" b="0" i="0" u="none" strike="noStrike" cap="none">
+            <a:lvl4pPr indent="0" lvl="3" marL="0" marR="0" algn="r">
+              <a:lnSpc>
+                <a:spcPct val="100000"/>
+              </a:lnSpc>
+              <a:spcBef>
+                <a:spcPts val="0"/>
+              </a:spcBef>
+              <a:spcAft>
+                <a:spcPts val="0"/>
+              </a:spcAft>
+              <a:buClr>
+                <a:srgbClr val="000000"/>
+              </a:buClr>
+              <a:buSzPts val="1000"/>
+              <a:buFont typeface="Arial"/>
+              <a:buNone/>
+              <a:defRPr b="0" i="0" sz="1000" u="none" cap="none" strike="noStrike">
                 <a:solidFill>
                   <a:schemeClr val="dk2"/>
                 </a:solidFill>
@@ -4243,23 +4579,23 @@
                 <a:sym typeface="Arial"/>
               </a:defRPr>
             </a:lvl4pPr>
-            <a:lvl5pPr marL="0" marR="0" lvl="4" indent="0" algn="r">
-              <a:lnSpc>
-                <a:spcPct val="100000"/>
-              </a:lnSpc>
-              <a:spcBef>
-                <a:spcPts val="0"/>
-              </a:spcBef>
-              <a:spcAft>
-                <a:spcPts val="0"/>
-              </a:spcAft>
-              <a:buClr>
-                <a:srgbClr val="000000"/>
-              </a:buClr>
-              <a:buSzPts val="1000"/>
-              <a:buFont typeface="Arial"/>
-              <a:buNone/>
-              <a:defRPr sz="1000" b="0" i="0" u="none" strike="noStrike" cap="none">
+            <a:lvl5pPr indent="0" lvl="4" marL="0" marR="0" algn="r">
+              <a:lnSpc>
+                <a:spcPct val="100000"/>
+              </a:lnSpc>
+              <a:spcBef>
+                <a:spcPts val="0"/>
+              </a:spcBef>
+              <a:spcAft>
+                <a:spcPts val="0"/>
+              </a:spcAft>
+              <a:buClr>
+                <a:srgbClr val="000000"/>
+              </a:buClr>
+              <a:buSzPts val="1000"/>
+              <a:buFont typeface="Arial"/>
+              <a:buNone/>
+              <a:defRPr b="0" i="0" sz="1000" u="none" cap="none" strike="noStrike">
                 <a:solidFill>
                   <a:schemeClr val="dk2"/>
                 </a:solidFill>
@@ -4269,23 +4605,23 @@
                 <a:sym typeface="Arial"/>
               </a:defRPr>
             </a:lvl5pPr>
-            <a:lvl6pPr marL="0" marR="0" lvl="5" indent="0" algn="r">
-              <a:lnSpc>
-                <a:spcPct val="100000"/>
-              </a:lnSpc>
-              <a:spcBef>
-                <a:spcPts val="0"/>
-              </a:spcBef>
-              <a:spcAft>
-                <a:spcPts val="0"/>
-              </a:spcAft>
-              <a:buClr>
-                <a:srgbClr val="000000"/>
-              </a:buClr>
-              <a:buSzPts val="1000"/>
-              <a:buFont typeface="Arial"/>
-              <a:buNone/>
-              <a:defRPr sz="1000" b="0" i="0" u="none" strike="noStrike" cap="none">
+            <a:lvl6pPr indent="0" lvl="5" marL="0" marR="0" algn="r">
+              <a:lnSpc>
+                <a:spcPct val="100000"/>
+              </a:lnSpc>
+              <a:spcBef>
+                <a:spcPts val="0"/>
+              </a:spcBef>
+              <a:spcAft>
+                <a:spcPts val="0"/>
+              </a:spcAft>
+              <a:buClr>
+                <a:srgbClr val="000000"/>
+              </a:buClr>
+              <a:buSzPts val="1000"/>
+              <a:buFont typeface="Arial"/>
+              <a:buNone/>
+              <a:defRPr b="0" i="0" sz="1000" u="none" cap="none" strike="noStrike">
                 <a:solidFill>
                   <a:schemeClr val="dk2"/>
                 </a:solidFill>
@@ -4295,23 +4631,23 @@
                 <a:sym typeface="Arial"/>
               </a:defRPr>
             </a:lvl6pPr>
-            <a:lvl7pPr marL="0" marR="0" lvl="6" indent="0" algn="r">
-              <a:lnSpc>
-                <a:spcPct val="100000"/>
-              </a:lnSpc>
-              <a:spcBef>
-                <a:spcPts val="0"/>
-              </a:spcBef>
-              <a:spcAft>
-                <a:spcPts val="0"/>
-              </a:spcAft>
-              <a:buClr>
-                <a:srgbClr val="000000"/>
-              </a:buClr>
-              <a:buSzPts val="1000"/>
-              <a:buFont typeface="Arial"/>
-              <a:buNone/>
-              <a:defRPr sz="1000" b="0" i="0" u="none" strike="noStrike" cap="none">
+            <a:lvl7pPr indent="0" lvl="6" marL="0" marR="0" algn="r">
+              <a:lnSpc>
+                <a:spcPct val="100000"/>
+              </a:lnSpc>
+              <a:spcBef>
+                <a:spcPts val="0"/>
+              </a:spcBef>
+              <a:spcAft>
+                <a:spcPts val="0"/>
+              </a:spcAft>
+              <a:buClr>
+                <a:srgbClr val="000000"/>
+              </a:buClr>
+              <a:buSzPts val="1000"/>
+              <a:buFont typeface="Arial"/>
+              <a:buNone/>
+              <a:defRPr b="0" i="0" sz="1000" u="none" cap="none" strike="noStrike">
                 <a:solidFill>
                   <a:schemeClr val="dk2"/>
                 </a:solidFill>
@@ -4321,23 +4657,23 @@
                 <a:sym typeface="Arial"/>
               </a:defRPr>
             </a:lvl7pPr>
-            <a:lvl8pPr marL="0" marR="0" lvl="7" indent="0" algn="r">
-              <a:lnSpc>
-                <a:spcPct val="100000"/>
-              </a:lnSpc>
-              <a:spcBef>
-                <a:spcPts val="0"/>
-              </a:spcBef>
-              <a:spcAft>
-                <a:spcPts val="0"/>
-              </a:spcAft>
-              <a:buClr>
-                <a:srgbClr val="000000"/>
-              </a:buClr>
-              <a:buSzPts val="1000"/>
-              <a:buFont typeface="Arial"/>
-              <a:buNone/>
-              <a:defRPr sz="1000" b="0" i="0" u="none" strike="noStrike" cap="none">
+            <a:lvl8pPr indent="0" lvl="7" marL="0" marR="0" algn="r">
+              <a:lnSpc>
+                <a:spcPct val="100000"/>
+              </a:lnSpc>
+              <a:spcBef>
+                <a:spcPts val="0"/>
+              </a:spcBef>
+              <a:spcAft>
+                <a:spcPts val="0"/>
+              </a:spcAft>
+              <a:buClr>
+                <a:srgbClr val="000000"/>
+              </a:buClr>
+              <a:buSzPts val="1000"/>
+              <a:buFont typeface="Arial"/>
+              <a:buNone/>
+              <a:defRPr b="0" i="0" sz="1000" u="none" cap="none" strike="noStrike">
                 <a:solidFill>
                   <a:schemeClr val="dk2"/>
                 </a:solidFill>
@@ -4347,23 +4683,23 @@
                 <a:sym typeface="Arial"/>
               </a:defRPr>
             </a:lvl8pPr>
-            <a:lvl9pPr marL="0" marR="0" lvl="8" indent="0" algn="r">
-              <a:lnSpc>
-                <a:spcPct val="100000"/>
-              </a:lnSpc>
-              <a:spcBef>
-                <a:spcPts val="0"/>
-              </a:spcBef>
-              <a:spcAft>
-                <a:spcPts val="0"/>
-              </a:spcAft>
-              <a:buClr>
-                <a:srgbClr val="000000"/>
-              </a:buClr>
-              <a:buSzPts val="1000"/>
-              <a:buFont typeface="Arial"/>
-              <a:buNone/>
-              <a:defRPr sz="1000" b="0" i="0" u="none" strike="noStrike" cap="none">
+            <a:lvl9pPr indent="0" lvl="8" marL="0" marR="0" algn="r">
+              <a:lnSpc>
+                <a:spcPct val="100000"/>
+              </a:lnSpc>
+              <a:spcBef>
+                <a:spcPts val="0"/>
+              </a:spcBef>
+              <a:spcAft>
+                <a:spcPts val="0"/>
+              </a:spcAft>
+              <a:buClr>
+                <a:srgbClr val="000000"/>
+              </a:buClr>
+              <a:buSzPts val="1000"/>
+              <a:buFont typeface="Arial"/>
+              <a:buNone/>
+              <a:defRPr b="0" i="0" sz="1000" u="none" cap="none" strike="noStrike">
                 <a:solidFill>
                   <a:schemeClr val="dk2"/>
                 </a:solidFill>
@@ -4375,7 +4711,7 @@
             </a:lvl9pPr>
           </a:lstStyle>
           <a:p>
-            <a:pPr marL="0" lvl="0" indent="0" algn="r" rtl="0">
+            <a:pPr indent="0" lvl="0" marL="0" rtl="0" algn="r">
               <a:spcBef>
                 <a:spcPts val="0"/>
               </a:spcBef>
@@ -4386,7 +4722,7 @@
             </a:pPr>
             <a:fld id="{00000000-1234-1234-1234-123412341234}" type="slidenum">
               <a:rPr lang="pt-BR"/>
-              <a:t>‹nº›</a:t>
+              <a:t>‹#›</a:t>
             </a:fld>
             <a:endParaRPr/>
           </a:p>
@@ -4401,11 +4737,11 @@
 </file>
 
 <file path=ppt/slideLayouts/slideLayout5.xml><?xml version="1.0" encoding="utf-8"?>
-<p:sldLayout xmlns:a="http://schemas.openxmlformats.org/drawingml/2006/main" xmlns:r="http://schemas.openxmlformats.org/officeDocument/2006/relationships" xmlns:p="http://schemas.openxmlformats.org/presentationml/2006/main" matchingName="Title only" type="titleOnly">
+<p:sldLayout xmlns:a="http://schemas.openxmlformats.org/drawingml/2006/main" xmlns:r="http://schemas.openxmlformats.org/officeDocument/2006/relationships" xmlns:mc="http://schemas.openxmlformats.org/markup-compatibility/2006" xmlns:mv="urn:schemas-microsoft-com:mac:vml" xmlns:p="http://schemas.openxmlformats.org/presentationml/2006/main" xmlns:c="http://schemas.openxmlformats.org/drawingml/2006/chart" xmlns:dgm="http://schemas.openxmlformats.org/drawingml/2006/diagram" xmlns:o="urn:schemas-microsoft-com:office:office" xmlns:v="urn:schemas-microsoft-com:vml" xmlns:pvml="urn:schemas-microsoft-com:office:powerpoint" xmlns:com="http://schemas.openxmlformats.org/drawingml/2006/compatibility" xmlns:p14="http://schemas.microsoft.com/office/powerpoint/2010/main" xmlns:p15="http://schemas.microsoft.com/office/powerpoint/2012/main" xmlns:ahyp="http://schemas.microsoft.com/office/drawing/2018/hyperlinkcolor" matchingName="Title only" type="titleOnly">
   <p:cSld name="TITLE_ONLY">
     <p:spTree>
       <p:nvGrpSpPr>
-        <p:cNvPr id="1" name="Shape 25"/>
+        <p:cNvPr id="25" name="Shape 25"/>
         <p:cNvGrpSpPr/>
         <p:nvPr/>
       </p:nvGrpSpPr>
@@ -4419,10 +4755,8 @@
       </p:grpSpPr>
       <p:sp>
         <p:nvSpPr>
-          <p:cNvPr id="26" name="Google Shape;26;p6"/>
-          <p:cNvSpPr txBox="1">
-            <a:spLocks noGrp="1"/>
-          </p:cNvSpPr>
+          <p:cNvPr id="26" name="Google Shape;26;p11"/>
+          <p:cNvSpPr txBox="1"/>
           <p:nvPr>
             <p:ph type="title"/>
           </p:nvPr>
@@ -4441,7 +4775,7 @@
           </a:ln>
         </p:spPr>
         <p:txBody>
-          <a:bodyPr spcFirstLastPara="1" wrap="square" lIns="91425" tIns="91425" rIns="91425" bIns="91425" anchor="t" anchorCtr="0">
+          <a:bodyPr anchorCtr="0" anchor="t" bIns="91425" lIns="91425" spcFirstLastPara="1" rIns="91425" wrap="square" tIns="91425">
             <a:noAutofit/>
           </a:bodyPr>
           <a:lstStyle>
@@ -4572,19 +4906,15 @@
               <a:defRPr/>
             </a:lvl9pPr>
           </a:lstStyle>
-          <a:p>
-            <a:endParaRPr/>
-          </a:p>
+          <a:p/>
         </p:txBody>
       </p:sp>
       <p:sp>
         <p:nvSpPr>
-          <p:cNvPr id="27" name="Google Shape;27;p6"/>
-          <p:cNvSpPr txBox="1">
-            <a:spLocks noGrp="1"/>
-          </p:cNvSpPr>
+          <p:cNvPr id="27" name="Google Shape;27;p11"/>
+          <p:cNvSpPr txBox="1"/>
           <p:nvPr>
-            <p:ph type="sldNum" idx="12"/>
+            <p:ph idx="12" type="sldNum"/>
           </p:nvPr>
         </p:nvSpPr>
         <p:spPr>
@@ -4601,27 +4931,27 @@
           </a:ln>
         </p:spPr>
         <p:txBody>
-          <a:bodyPr spcFirstLastPara="1" wrap="square" lIns="91425" tIns="91425" rIns="91425" bIns="91425" anchor="ctr" anchorCtr="0">
+          <a:bodyPr anchorCtr="0" anchor="ctr" bIns="91425" lIns="91425" spcFirstLastPara="1" rIns="91425" wrap="square" tIns="91425">
             <a:noAutofit/>
           </a:bodyPr>
           <a:lstStyle>
-            <a:lvl1pPr marL="0" marR="0" lvl="0" indent="0" algn="r">
-              <a:lnSpc>
-                <a:spcPct val="100000"/>
-              </a:lnSpc>
-              <a:spcBef>
-                <a:spcPts val="0"/>
-              </a:spcBef>
-              <a:spcAft>
-                <a:spcPts val="0"/>
-              </a:spcAft>
-              <a:buClr>
-                <a:srgbClr val="000000"/>
-              </a:buClr>
-              <a:buSzPts val="1000"/>
-              <a:buFont typeface="Arial"/>
-              <a:buNone/>
-              <a:defRPr sz="1000" b="0" i="0" u="none" strike="noStrike" cap="none">
+            <a:lvl1pPr indent="0" lvl="0" marL="0" marR="0" algn="r">
+              <a:lnSpc>
+                <a:spcPct val="100000"/>
+              </a:lnSpc>
+              <a:spcBef>
+                <a:spcPts val="0"/>
+              </a:spcBef>
+              <a:spcAft>
+                <a:spcPts val="0"/>
+              </a:spcAft>
+              <a:buClr>
+                <a:srgbClr val="000000"/>
+              </a:buClr>
+              <a:buSzPts val="1000"/>
+              <a:buFont typeface="Arial"/>
+              <a:buNone/>
+              <a:defRPr b="0" i="0" sz="1000" u="none" cap="none" strike="noStrike">
                 <a:solidFill>
                   <a:schemeClr val="dk2"/>
                 </a:solidFill>
@@ -4631,23 +4961,23 @@
                 <a:sym typeface="Arial"/>
               </a:defRPr>
             </a:lvl1pPr>
-            <a:lvl2pPr marL="0" marR="0" lvl="1" indent="0" algn="r">
-              <a:lnSpc>
-                <a:spcPct val="100000"/>
-              </a:lnSpc>
-              <a:spcBef>
-                <a:spcPts val="0"/>
-              </a:spcBef>
-              <a:spcAft>
-                <a:spcPts val="0"/>
-              </a:spcAft>
-              <a:buClr>
-                <a:srgbClr val="000000"/>
-              </a:buClr>
-              <a:buSzPts val="1000"/>
-              <a:buFont typeface="Arial"/>
-              <a:buNone/>
-              <a:defRPr sz="1000" b="0" i="0" u="none" strike="noStrike" cap="none">
+            <a:lvl2pPr indent="0" lvl="1" marL="0" marR="0" algn="r">
+              <a:lnSpc>
+                <a:spcPct val="100000"/>
+              </a:lnSpc>
+              <a:spcBef>
+                <a:spcPts val="0"/>
+              </a:spcBef>
+              <a:spcAft>
+                <a:spcPts val="0"/>
+              </a:spcAft>
+              <a:buClr>
+                <a:srgbClr val="000000"/>
+              </a:buClr>
+              <a:buSzPts val="1000"/>
+              <a:buFont typeface="Arial"/>
+              <a:buNone/>
+              <a:defRPr b="0" i="0" sz="1000" u="none" cap="none" strike="noStrike">
                 <a:solidFill>
                   <a:schemeClr val="dk2"/>
                 </a:solidFill>
@@ -4657,23 +4987,23 @@
                 <a:sym typeface="Arial"/>
               </a:defRPr>
             </a:lvl2pPr>
-            <a:lvl3pPr marL="0" marR="0" lvl="2" indent="0" algn="r">
-              <a:lnSpc>
-                <a:spcPct val="100000"/>
-              </a:lnSpc>
-              <a:spcBef>
-                <a:spcPts val="0"/>
-              </a:spcBef>
-              <a:spcAft>
-                <a:spcPts val="0"/>
-              </a:spcAft>
-              <a:buClr>
-                <a:srgbClr val="000000"/>
-              </a:buClr>
-              <a:buSzPts val="1000"/>
-              <a:buFont typeface="Arial"/>
-              <a:buNone/>
-              <a:defRPr sz="1000" b="0" i="0" u="none" strike="noStrike" cap="none">
+            <a:lvl3pPr indent="0" lvl="2" marL="0" marR="0" algn="r">
+              <a:lnSpc>
+                <a:spcPct val="100000"/>
+              </a:lnSpc>
+              <a:spcBef>
+                <a:spcPts val="0"/>
+              </a:spcBef>
+              <a:spcAft>
+                <a:spcPts val="0"/>
+              </a:spcAft>
+              <a:buClr>
+                <a:srgbClr val="000000"/>
+              </a:buClr>
+              <a:buSzPts val="1000"/>
+              <a:buFont typeface="Arial"/>
+              <a:buNone/>
+              <a:defRPr b="0" i="0" sz="1000" u="none" cap="none" strike="noStrike">
                 <a:solidFill>
                   <a:schemeClr val="dk2"/>
                 </a:solidFill>
@@ -4683,23 +5013,23 @@
                 <a:sym typeface="Arial"/>
               </a:defRPr>
             </a:lvl3pPr>
-            <a:lvl4pPr marL="0" marR="0" lvl="3" indent="0" algn="r">
-              <a:lnSpc>
-                <a:spcPct val="100000"/>
-              </a:lnSpc>
-              <a:spcBef>
-                <a:spcPts val="0"/>
-              </a:spcBef>
-              <a:spcAft>
-                <a:spcPts val="0"/>
-              </a:spcAft>
-              <a:buClr>
-                <a:srgbClr val="000000"/>
-              </a:buClr>
-              <a:buSzPts val="1000"/>
-              <a:buFont typeface="Arial"/>
-              <a:buNone/>
-              <a:defRPr sz="1000" b="0" i="0" u="none" strike="noStrike" cap="none">
+            <a:lvl4pPr indent="0" lvl="3" marL="0" marR="0" algn="r">
+              <a:lnSpc>
+                <a:spcPct val="100000"/>
+              </a:lnSpc>
+              <a:spcBef>
+                <a:spcPts val="0"/>
+              </a:spcBef>
+              <a:spcAft>
+                <a:spcPts val="0"/>
+              </a:spcAft>
+              <a:buClr>
+                <a:srgbClr val="000000"/>
+              </a:buClr>
+              <a:buSzPts val="1000"/>
+              <a:buFont typeface="Arial"/>
+              <a:buNone/>
+              <a:defRPr b="0" i="0" sz="1000" u="none" cap="none" strike="noStrike">
                 <a:solidFill>
                   <a:schemeClr val="dk2"/>
                 </a:solidFill>
@@ -4709,23 +5039,23 @@
                 <a:sym typeface="Arial"/>
               </a:defRPr>
             </a:lvl4pPr>
-            <a:lvl5pPr marL="0" marR="0" lvl="4" indent="0" algn="r">
-              <a:lnSpc>
-                <a:spcPct val="100000"/>
-              </a:lnSpc>
-              <a:spcBef>
-                <a:spcPts val="0"/>
-              </a:spcBef>
-              <a:spcAft>
-                <a:spcPts val="0"/>
-              </a:spcAft>
-              <a:buClr>
-                <a:srgbClr val="000000"/>
-              </a:buClr>
-              <a:buSzPts val="1000"/>
-              <a:buFont typeface="Arial"/>
-              <a:buNone/>
-              <a:defRPr sz="1000" b="0" i="0" u="none" strike="noStrike" cap="none">
+            <a:lvl5pPr indent="0" lvl="4" marL="0" marR="0" algn="r">
+              <a:lnSpc>
+                <a:spcPct val="100000"/>
+              </a:lnSpc>
+              <a:spcBef>
+                <a:spcPts val="0"/>
+              </a:spcBef>
+              <a:spcAft>
+                <a:spcPts val="0"/>
+              </a:spcAft>
+              <a:buClr>
+                <a:srgbClr val="000000"/>
+              </a:buClr>
+              <a:buSzPts val="1000"/>
+              <a:buFont typeface="Arial"/>
+              <a:buNone/>
+              <a:defRPr b="0" i="0" sz="1000" u="none" cap="none" strike="noStrike">
                 <a:solidFill>
                   <a:schemeClr val="dk2"/>
                 </a:solidFill>
@@ -4735,23 +5065,23 @@
                 <a:sym typeface="Arial"/>
               </a:defRPr>
             </a:lvl5pPr>
-            <a:lvl6pPr marL="0" marR="0" lvl="5" indent="0" algn="r">
-              <a:lnSpc>
-                <a:spcPct val="100000"/>
-              </a:lnSpc>
-              <a:spcBef>
-                <a:spcPts val="0"/>
-              </a:spcBef>
-              <a:spcAft>
-                <a:spcPts val="0"/>
-              </a:spcAft>
-              <a:buClr>
-                <a:srgbClr val="000000"/>
-              </a:buClr>
-              <a:buSzPts val="1000"/>
-              <a:buFont typeface="Arial"/>
-              <a:buNone/>
-              <a:defRPr sz="1000" b="0" i="0" u="none" strike="noStrike" cap="none">
+            <a:lvl6pPr indent="0" lvl="5" marL="0" marR="0" algn="r">
+              <a:lnSpc>
+                <a:spcPct val="100000"/>
+              </a:lnSpc>
+              <a:spcBef>
+                <a:spcPts val="0"/>
+              </a:spcBef>
+              <a:spcAft>
+                <a:spcPts val="0"/>
+              </a:spcAft>
+              <a:buClr>
+                <a:srgbClr val="000000"/>
+              </a:buClr>
+              <a:buSzPts val="1000"/>
+              <a:buFont typeface="Arial"/>
+              <a:buNone/>
+              <a:defRPr b="0" i="0" sz="1000" u="none" cap="none" strike="noStrike">
                 <a:solidFill>
                   <a:schemeClr val="dk2"/>
                 </a:solidFill>
@@ -4761,23 +5091,23 @@
                 <a:sym typeface="Arial"/>
               </a:defRPr>
             </a:lvl6pPr>
-            <a:lvl7pPr marL="0" marR="0" lvl="6" indent="0" algn="r">
-              <a:lnSpc>
-                <a:spcPct val="100000"/>
-              </a:lnSpc>
-              <a:spcBef>
-                <a:spcPts val="0"/>
-              </a:spcBef>
-              <a:spcAft>
-                <a:spcPts val="0"/>
-              </a:spcAft>
-              <a:buClr>
-                <a:srgbClr val="000000"/>
-              </a:buClr>
-              <a:buSzPts val="1000"/>
-              <a:buFont typeface="Arial"/>
-              <a:buNone/>
-              <a:defRPr sz="1000" b="0" i="0" u="none" strike="noStrike" cap="none">
+            <a:lvl7pPr indent="0" lvl="6" marL="0" marR="0" algn="r">
+              <a:lnSpc>
+                <a:spcPct val="100000"/>
+              </a:lnSpc>
+              <a:spcBef>
+                <a:spcPts val="0"/>
+              </a:spcBef>
+              <a:spcAft>
+                <a:spcPts val="0"/>
+              </a:spcAft>
+              <a:buClr>
+                <a:srgbClr val="000000"/>
+              </a:buClr>
+              <a:buSzPts val="1000"/>
+              <a:buFont typeface="Arial"/>
+              <a:buNone/>
+              <a:defRPr b="0" i="0" sz="1000" u="none" cap="none" strike="noStrike">
                 <a:solidFill>
                   <a:schemeClr val="dk2"/>
                 </a:solidFill>
@@ -4787,23 +5117,23 @@
                 <a:sym typeface="Arial"/>
               </a:defRPr>
             </a:lvl7pPr>
-            <a:lvl8pPr marL="0" marR="0" lvl="7" indent="0" algn="r">
-              <a:lnSpc>
-                <a:spcPct val="100000"/>
-              </a:lnSpc>
-              <a:spcBef>
-                <a:spcPts val="0"/>
-              </a:spcBef>
-              <a:spcAft>
-                <a:spcPts val="0"/>
-              </a:spcAft>
-              <a:buClr>
-                <a:srgbClr val="000000"/>
-              </a:buClr>
-              <a:buSzPts val="1000"/>
-              <a:buFont typeface="Arial"/>
-              <a:buNone/>
-              <a:defRPr sz="1000" b="0" i="0" u="none" strike="noStrike" cap="none">
+            <a:lvl8pPr indent="0" lvl="7" marL="0" marR="0" algn="r">
+              <a:lnSpc>
+                <a:spcPct val="100000"/>
+              </a:lnSpc>
+              <a:spcBef>
+                <a:spcPts val="0"/>
+              </a:spcBef>
+              <a:spcAft>
+                <a:spcPts val="0"/>
+              </a:spcAft>
+              <a:buClr>
+                <a:srgbClr val="000000"/>
+              </a:buClr>
+              <a:buSzPts val="1000"/>
+              <a:buFont typeface="Arial"/>
+              <a:buNone/>
+              <a:defRPr b="0" i="0" sz="1000" u="none" cap="none" strike="noStrike">
                 <a:solidFill>
                   <a:schemeClr val="dk2"/>
                 </a:solidFill>
@@ -4813,23 +5143,23 @@
                 <a:sym typeface="Arial"/>
               </a:defRPr>
             </a:lvl8pPr>
-            <a:lvl9pPr marL="0" marR="0" lvl="8" indent="0" algn="r">
-              <a:lnSpc>
-                <a:spcPct val="100000"/>
-              </a:lnSpc>
-              <a:spcBef>
-                <a:spcPts val="0"/>
-              </a:spcBef>
-              <a:spcAft>
-                <a:spcPts val="0"/>
-              </a:spcAft>
-              <a:buClr>
-                <a:srgbClr val="000000"/>
-              </a:buClr>
-              <a:buSzPts val="1000"/>
-              <a:buFont typeface="Arial"/>
-              <a:buNone/>
-              <a:defRPr sz="1000" b="0" i="0" u="none" strike="noStrike" cap="none">
+            <a:lvl9pPr indent="0" lvl="8" marL="0" marR="0" algn="r">
+              <a:lnSpc>
+                <a:spcPct val="100000"/>
+              </a:lnSpc>
+              <a:spcBef>
+                <a:spcPts val="0"/>
+              </a:spcBef>
+              <a:spcAft>
+                <a:spcPts val="0"/>
+              </a:spcAft>
+              <a:buClr>
+                <a:srgbClr val="000000"/>
+              </a:buClr>
+              <a:buSzPts val="1000"/>
+              <a:buFont typeface="Arial"/>
+              <a:buNone/>
+              <a:defRPr b="0" i="0" sz="1000" u="none" cap="none" strike="noStrike">
                 <a:solidFill>
                   <a:schemeClr val="dk2"/>
                 </a:solidFill>
@@ -4841,7 +5171,7 @@
             </a:lvl9pPr>
           </a:lstStyle>
           <a:p>
-            <a:pPr marL="0" lvl="0" indent="0" algn="r" rtl="0">
+            <a:pPr indent="0" lvl="0" marL="0" rtl="0" algn="r">
               <a:spcBef>
                 <a:spcPts val="0"/>
               </a:spcBef>
@@ -4852,7 +5182,7 @@
             </a:pPr>
             <a:fld id="{00000000-1234-1234-1234-123412341234}" type="slidenum">
               <a:rPr lang="pt-BR"/>
-              <a:t>‹nº›</a:t>
+              <a:t>‹#›</a:t>
             </a:fld>
             <a:endParaRPr/>
           </a:p>
@@ -4867,11 +5197,11 @@
 </file>
 
 <file path=ppt/slideLayouts/slideLayout6.xml><?xml version="1.0" encoding="utf-8"?>
-<p:sldLayout xmlns:a="http://schemas.openxmlformats.org/drawingml/2006/main" xmlns:r="http://schemas.openxmlformats.org/officeDocument/2006/relationships" xmlns:p="http://schemas.openxmlformats.org/presentationml/2006/main" matchingName="One column text">
+<p:sldLayout xmlns:a="http://schemas.openxmlformats.org/drawingml/2006/main" xmlns:r="http://schemas.openxmlformats.org/officeDocument/2006/relationships" xmlns:mc="http://schemas.openxmlformats.org/markup-compatibility/2006" xmlns:mv="urn:schemas-microsoft-com:mac:vml" xmlns:p="http://schemas.openxmlformats.org/presentationml/2006/main" xmlns:c="http://schemas.openxmlformats.org/drawingml/2006/chart" xmlns:dgm="http://schemas.openxmlformats.org/drawingml/2006/diagram" xmlns:o="urn:schemas-microsoft-com:office:office" xmlns:v="urn:schemas-microsoft-com:vml" xmlns:pvml="urn:schemas-microsoft-com:office:powerpoint" xmlns:com="http://schemas.openxmlformats.org/drawingml/2006/compatibility" xmlns:p14="http://schemas.microsoft.com/office/powerpoint/2010/main" xmlns:p15="http://schemas.microsoft.com/office/powerpoint/2012/main" xmlns:ahyp="http://schemas.microsoft.com/office/drawing/2018/hyperlinkcolor" matchingName="One column text">
   <p:cSld name="ONE_COLUMN_TEXT">
     <p:spTree>
       <p:nvGrpSpPr>
-        <p:cNvPr id="1" name="Shape 28"/>
+        <p:cNvPr id="28" name="Shape 28"/>
         <p:cNvGrpSpPr/>
         <p:nvPr/>
       </p:nvGrpSpPr>
@@ -4885,10 +5215,8 @@
       </p:grpSpPr>
       <p:sp>
         <p:nvSpPr>
-          <p:cNvPr id="29" name="Google Shape;29;p7"/>
-          <p:cNvSpPr txBox="1">
-            <a:spLocks noGrp="1"/>
-          </p:cNvSpPr>
+          <p:cNvPr id="29" name="Google Shape;29;p12"/>
+          <p:cNvSpPr txBox="1"/>
           <p:nvPr>
             <p:ph type="title"/>
           </p:nvPr>
@@ -4907,7 +5235,7 @@
           </a:ln>
         </p:spPr>
         <p:txBody>
-          <a:bodyPr spcFirstLastPara="1" wrap="square" lIns="91425" tIns="91425" rIns="91425" bIns="91425" anchor="b" anchorCtr="0">
+          <a:bodyPr anchorCtr="0" anchor="b" bIns="91425" lIns="91425" spcFirstLastPara="1" rIns="91425" wrap="square" tIns="91425">
             <a:noAutofit/>
           </a:bodyPr>
           <a:lstStyle>
@@ -5038,19 +5366,15 @@
               <a:defRPr sz="2400"/>
             </a:lvl9pPr>
           </a:lstStyle>
-          <a:p>
-            <a:endParaRPr/>
-          </a:p>
+          <a:p/>
         </p:txBody>
       </p:sp>
       <p:sp>
         <p:nvSpPr>
-          <p:cNvPr id="30" name="Google Shape;30;p7"/>
-          <p:cNvSpPr txBox="1">
-            <a:spLocks noGrp="1"/>
-          </p:cNvSpPr>
+          <p:cNvPr id="30" name="Google Shape;30;p12"/>
+          <p:cNvSpPr txBox="1"/>
           <p:nvPr>
-            <p:ph type="body" idx="1"/>
+            <p:ph idx="1" type="body"/>
           </p:nvPr>
         </p:nvSpPr>
         <p:spPr>
@@ -5067,11 +5391,11 @@
           </a:ln>
         </p:spPr>
         <p:txBody>
-          <a:bodyPr spcFirstLastPara="1" wrap="square" lIns="91425" tIns="91425" rIns="91425" bIns="91425" anchor="t" anchorCtr="0">
+          <a:bodyPr anchorCtr="0" anchor="t" bIns="91425" lIns="91425" spcFirstLastPara="1" rIns="91425" wrap="square" tIns="91425">
             <a:noAutofit/>
           </a:bodyPr>
           <a:lstStyle>
-            <a:lvl1pPr marL="457200" lvl="0" indent="-304800" algn="l">
+            <a:lvl1pPr indent="-304800" lvl="0" marL="457200" algn="l">
               <a:lnSpc>
                 <a:spcPct val="115000"/>
               </a:lnSpc>
@@ -5085,7 +5409,7 @@
               <a:buChar char="●"/>
               <a:defRPr sz="1200"/>
             </a:lvl1pPr>
-            <a:lvl2pPr marL="914400" lvl="1" indent="-304800" algn="l">
+            <a:lvl2pPr indent="-304800" lvl="1" marL="914400" algn="l">
               <a:lnSpc>
                 <a:spcPct val="115000"/>
               </a:lnSpc>
@@ -5099,7 +5423,7 @@
               <a:buChar char="○"/>
               <a:defRPr sz="1200"/>
             </a:lvl2pPr>
-            <a:lvl3pPr marL="1371600" lvl="2" indent="-304800" algn="l">
+            <a:lvl3pPr indent="-304800" lvl="2" marL="1371600" algn="l">
               <a:lnSpc>
                 <a:spcPct val="115000"/>
               </a:lnSpc>
@@ -5113,7 +5437,7 @@
               <a:buChar char="■"/>
               <a:defRPr sz="1200"/>
             </a:lvl3pPr>
-            <a:lvl4pPr marL="1828800" lvl="3" indent="-304800" algn="l">
+            <a:lvl4pPr indent="-304800" lvl="3" marL="1828800" algn="l">
               <a:lnSpc>
                 <a:spcPct val="115000"/>
               </a:lnSpc>
@@ -5127,7 +5451,7 @@
               <a:buChar char="●"/>
               <a:defRPr sz="1200"/>
             </a:lvl4pPr>
-            <a:lvl5pPr marL="2286000" lvl="4" indent="-304800" algn="l">
+            <a:lvl5pPr indent="-304800" lvl="4" marL="2286000" algn="l">
               <a:lnSpc>
                 <a:spcPct val="115000"/>
               </a:lnSpc>
@@ -5141,7 +5465,7 @@
               <a:buChar char="○"/>
               <a:defRPr sz="1200"/>
             </a:lvl5pPr>
-            <a:lvl6pPr marL="2743200" lvl="5" indent="-304800" algn="l">
+            <a:lvl6pPr indent="-304800" lvl="5" marL="2743200" algn="l">
               <a:lnSpc>
                 <a:spcPct val="115000"/>
               </a:lnSpc>
@@ -5155,7 +5479,7 @@
               <a:buChar char="■"/>
               <a:defRPr sz="1200"/>
             </a:lvl6pPr>
-            <a:lvl7pPr marL="3200400" lvl="6" indent="-304800" algn="l">
+            <a:lvl7pPr indent="-304800" lvl="6" marL="3200400" algn="l">
               <a:lnSpc>
                 <a:spcPct val="115000"/>
               </a:lnSpc>
@@ -5169,7 +5493,7 @@
               <a:buChar char="●"/>
               <a:defRPr sz="1200"/>
             </a:lvl7pPr>
-            <a:lvl8pPr marL="3657600" lvl="7" indent="-304800" algn="l">
+            <a:lvl8pPr indent="-304800" lvl="7" marL="3657600" algn="l">
               <a:lnSpc>
                 <a:spcPct val="115000"/>
               </a:lnSpc>
@@ -5183,7 +5507,7 @@
               <a:buChar char="○"/>
               <a:defRPr sz="1200"/>
             </a:lvl8pPr>
-            <a:lvl9pPr marL="4114800" lvl="8" indent="-304800" algn="l">
+            <a:lvl9pPr indent="-304800" lvl="8" marL="4114800" algn="l">
               <a:lnSpc>
                 <a:spcPct val="115000"/>
               </a:lnSpc>
@@ -5198,19 +5522,15 @@
               <a:defRPr sz="1200"/>
             </a:lvl9pPr>
           </a:lstStyle>
-          <a:p>
-            <a:endParaRPr/>
-          </a:p>
+          <a:p/>
         </p:txBody>
       </p:sp>
       <p:sp>
         <p:nvSpPr>
-          <p:cNvPr id="31" name="Google Shape;31;p7"/>
-          <p:cNvSpPr txBox="1">
-            <a:spLocks noGrp="1"/>
-          </p:cNvSpPr>
+          <p:cNvPr id="31" name="Google Shape;31;p12"/>
+          <p:cNvSpPr txBox="1"/>
           <p:nvPr>
-            <p:ph type="sldNum" idx="12"/>
+            <p:ph idx="12" type="sldNum"/>
           </p:nvPr>
         </p:nvSpPr>
         <p:spPr>
@@ -5227,27 +5547,27 @@
           </a:ln>
         </p:spPr>
         <p:txBody>
-          <a:bodyPr spcFirstLastPara="1" wrap="square" lIns="91425" tIns="91425" rIns="91425" bIns="91425" anchor="ctr" anchorCtr="0">
+          <a:bodyPr anchorCtr="0" anchor="ctr" bIns="91425" lIns="91425" spcFirstLastPara="1" rIns="91425" wrap="square" tIns="91425">
             <a:noAutofit/>
           </a:bodyPr>
           <a:lstStyle>
-            <a:lvl1pPr marL="0" marR="0" lvl="0" indent="0" algn="r">
-              <a:lnSpc>
-                <a:spcPct val="100000"/>
-              </a:lnSpc>
-              <a:spcBef>
-                <a:spcPts val="0"/>
-              </a:spcBef>
-              <a:spcAft>
-                <a:spcPts val="0"/>
-              </a:spcAft>
-              <a:buClr>
-                <a:srgbClr val="000000"/>
-              </a:buClr>
-              <a:buSzPts val="1000"/>
-              <a:buFont typeface="Arial"/>
-              <a:buNone/>
-              <a:defRPr sz="1000" b="0" i="0" u="none" strike="noStrike" cap="none">
+            <a:lvl1pPr indent="0" lvl="0" marL="0" marR="0" algn="r">
+              <a:lnSpc>
+                <a:spcPct val="100000"/>
+              </a:lnSpc>
+              <a:spcBef>
+                <a:spcPts val="0"/>
+              </a:spcBef>
+              <a:spcAft>
+                <a:spcPts val="0"/>
+              </a:spcAft>
+              <a:buClr>
+                <a:srgbClr val="000000"/>
+              </a:buClr>
+              <a:buSzPts val="1000"/>
+              <a:buFont typeface="Arial"/>
+              <a:buNone/>
+              <a:defRPr b="0" i="0" sz="1000" u="none" cap="none" strike="noStrike">
                 <a:solidFill>
                   <a:schemeClr val="dk2"/>
                 </a:solidFill>
@@ -5257,23 +5577,23 @@
                 <a:sym typeface="Arial"/>
               </a:defRPr>
             </a:lvl1pPr>
-            <a:lvl2pPr marL="0" marR="0" lvl="1" indent="0" algn="r">
-              <a:lnSpc>
-                <a:spcPct val="100000"/>
-              </a:lnSpc>
-              <a:spcBef>
-                <a:spcPts val="0"/>
-              </a:spcBef>
-              <a:spcAft>
-                <a:spcPts val="0"/>
-              </a:spcAft>
-              <a:buClr>
-                <a:srgbClr val="000000"/>
-              </a:buClr>
-              <a:buSzPts val="1000"/>
-              <a:buFont typeface="Arial"/>
-              <a:buNone/>
-              <a:defRPr sz="1000" b="0" i="0" u="none" strike="noStrike" cap="none">
+            <a:lvl2pPr indent="0" lvl="1" marL="0" marR="0" algn="r">
+              <a:lnSpc>
+                <a:spcPct val="100000"/>
+              </a:lnSpc>
+              <a:spcBef>
+                <a:spcPts val="0"/>
+              </a:spcBef>
+              <a:spcAft>
+                <a:spcPts val="0"/>
+              </a:spcAft>
+              <a:buClr>
+                <a:srgbClr val="000000"/>
+              </a:buClr>
+              <a:buSzPts val="1000"/>
+              <a:buFont typeface="Arial"/>
+              <a:buNone/>
+              <a:defRPr b="0" i="0" sz="1000" u="none" cap="none" strike="noStrike">
                 <a:solidFill>
                   <a:schemeClr val="dk2"/>
                 </a:solidFill>
@@ -5283,23 +5603,23 @@
                 <a:sym typeface="Arial"/>
               </a:defRPr>
             </a:lvl2pPr>
-            <a:lvl3pPr marL="0" marR="0" lvl="2" indent="0" algn="r">
-              <a:lnSpc>
-                <a:spcPct val="100000"/>
-              </a:lnSpc>
-              <a:spcBef>
-                <a:spcPts val="0"/>
-              </a:spcBef>
-              <a:spcAft>
-                <a:spcPts val="0"/>
-              </a:spcAft>
-              <a:buClr>
-                <a:srgbClr val="000000"/>
-              </a:buClr>
-              <a:buSzPts val="1000"/>
-              <a:buFont typeface="Arial"/>
-              <a:buNone/>
-              <a:defRPr sz="1000" b="0" i="0" u="none" strike="noStrike" cap="none">
+            <a:lvl3pPr indent="0" lvl="2" marL="0" marR="0" algn="r">
+              <a:lnSpc>
+                <a:spcPct val="100000"/>
+              </a:lnSpc>
+              <a:spcBef>
+                <a:spcPts val="0"/>
+              </a:spcBef>
+              <a:spcAft>
+                <a:spcPts val="0"/>
+              </a:spcAft>
+              <a:buClr>
+                <a:srgbClr val="000000"/>
+              </a:buClr>
+              <a:buSzPts val="1000"/>
+              <a:buFont typeface="Arial"/>
+              <a:buNone/>
+              <a:defRPr b="0" i="0" sz="1000" u="none" cap="none" strike="noStrike">
                 <a:solidFill>
                   <a:schemeClr val="dk2"/>
                 </a:solidFill>
@@ -5309,23 +5629,23 @@
                 <a:sym typeface="Arial"/>
               </a:defRPr>
             </a:lvl3pPr>
-            <a:lvl4pPr marL="0" marR="0" lvl="3" indent="0" algn="r">
-              <a:lnSpc>
-                <a:spcPct val="100000"/>
-              </a:lnSpc>
-              <a:spcBef>
-                <a:spcPts val="0"/>
-              </a:spcBef>
-              <a:spcAft>
-                <a:spcPts val="0"/>
-              </a:spcAft>
-              <a:buClr>
-                <a:srgbClr val="000000"/>
-              </a:buClr>
-              <a:buSzPts val="1000"/>
-              <a:buFont typeface="Arial"/>
-              <a:buNone/>
-              <a:defRPr sz="1000" b="0" i="0" u="none" strike="noStrike" cap="none">
+            <a:lvl4pPr indent="0" lvl="3" marL="0" marR="0" algn="r">
+              <a:lnSpc>
+                <a:spcPct val="100000"/>
+              </a:lnSpc>
+              <a:spcBef>
+                <a:spcPts val="0"/>
+              </a:spcBef>
+              <a:spcAft>
+                <a:spcPts val="0"/>
+              </a:spcAft>
+              <a:buClr>
+                <a:srgbClr val="000000"/>
+              </a:buClr>
+              <a:buSzPts val="1000"/>
+              <a:buFont typeface="Arial"/>
+              <a:buNone/>
+              <a:defRPr b="0" i="0" sz="1000" u="none" cap="none" strike="noStrike">
                 <a:solidFill>
                   <a:schemeClr val="dk2"/>
                 </a:solidFill>
@@ -5335,23 +5655,23 @@
                 <a:sym typeface="Arial"/>
               </a:defRPr>
             </a:lvl4pPr>
-            <a:lvl5pPr marL="0" marR="0" lvl="4" indent="0" algn="r">
-              <a:lnSpc>
-                <a:spcPct val="100000"/>
-              </a:lnSpc>
-              <a:spcBef>
-                <a:spcPts val="0"/>
-              </a:spcBef>
-              <a:spcAft>
-                <a:spcPts val="0"/>
-              </a:spcAft>
-              <a:buClr>
-                <a:srgbClr val="000000"/>
-              </a:buClr>
-              <a:buSzPts val="1000"/>
-              <a:buFont typeface="Arial"/>
-              <a:buNone/>
-              <a:defRPr sz="1000" b="0" i="0" u="none" strike="noStrike" cap="none">
+            <a:lvl5pPr indent="0" lvl="4" marL="0" marR="0" algn="r">
+              <a:lnSpc>
+                <a:spcPct val="100000"/>
+              </a:lnSpc>
+              <a:spcBef>
+                <a:spcPts val="0"/>
+              </a:spcBef>
+              <a:spcAft>
+                <a:spcPts val="0"/>
+              </a:spcAft>
+              <a:buClr>
+                <a:srgbClr val="000000"/>
+              </a:buClr>
+              <a:buSzPts val="1000"/>
+              <a:buFont typeface="Arial"/>
+              <a:buNone/>
+              <a:defRPr b="0" i="0" sz="1000" u="none" cap="none" strike="noStrike">
                 <a:solidFill>
                   <a:schemeClr val="dk2"/>
                 </a:solidFill>
@@ -5361,23 +5681,23 @@
                 <a:sym typeface="Arial"/>
               </a:defRPr>
             </a:lvl5pPr>
-            <a:lvl6pPr marL="0" marR="0" lvl="5" indent="0" algn="r">
-              <a:lnSpc>
-                <a:spcPct val="100000"/>
-              </a:lnSpc>
-              <a:spcBef>
-                <a:spcPts val="0"/>
-              </a:spcBef>
-              <a:spcAft>
-                <a:spcPts val="0"/>
-              </a:spcAft>
-              <a:buClr>
-                <a:srgbClr val="000000"/>
-              </a:buClr>
-              <a:buSzPts val="1000"/>
-              <a:buFont typeface="Arial"/>
-              <a:buNone/>
-              <a:defRPr sz="1000" b="0" i="0" u="none" strike="noStrike" cap="none">
+            <a:lvl6pPr indent="0" lvl="5" marL="0" marR="0" algn="r">
+              <a:lnSpc>
+                <a:spcPct val="100000"/>
+              </a:lnSpc>
+              <a:spcBef>
+                <a:spcPts val="0"/>
+              </a:spcBef>
+              <a:spcAft>
+                <a:spcPts val="0"/>
+              </a:spcAft>
+              <a:buClr>
+                <a:srgbClr val="000000"/>
+              </a:buClr>
+              <a:buSzPts val="1000"/>
+              <a:buFont typeface="Arial"/>
+              <a:buNone/>
+              <a:defRPr b="0" i="0" sz="1000" u="none" cap="none" strike="noStrike">
                 <a:solidFill>
                   <a:schemeClr val="dk2"/>
                 </a:solidFill>
@@ -5387,23 +5707,23 @@
                 <a:sym typeface="Arial"/>
               </a:defRPr>
             </a:lvl6pPr>
-            <a:lvl7pPr marL="0" marR="0" lvl="6" indent="0" algn="r">
-              <a:lnSpc>
-                <a:spcPct val="100000"/>
-              </a:lnSpc>
-              <a:spcBef>
-                <a:spcPts val="0"/>
-              </a:spcBef>
-              <a:spcAft>
-                <a:spcPts val="0"/>
-              </a:spcAft>
-              <a:buClr>
-                <a:srgbClr val="000000"/>
-              </a:buClr>
-              <a:buSzPts val="1000"/>
-              <a:buFont typeface="Arial"/>
-              <a:buNone/>
-              <a:defRPr sz="1000" b="0" i="0" u="none" strike="noStrike" cap="none">
+            <a:lvl7pPr indent="0" lvl="6" marL="0" marR="0" algn="r">
+              <a:lnSpc>
+                <a:spcPct val="100000"/>
+              </a:lnSpc>
+              <a:spcBef>
+                <a:spcPts val="0"/>
+              </a:spcBef>
+              <a:spcAft>
+                <a:spcPts val="0"/>
+              </a:spcAft>
+              <a:buClr>
+                <a:srgbClr val="000000"/>
+              </a:buClr>
+              <a:buSzPts val="1000"/>
+              <a:buFont typeface="Arial"/>
+              <a:buNone/>
+              <a:defRPr b="0" i="0" sz="1000" u="none" cap="none" strike="noStrike">
                 <a:solidFill>
                   <a:schemeClr val="dk2"/>
                 </a:solidFill>
@@ -5413,23 +5733,23 @@
                 <a:sym typeface="Arial"/>
               </a:defRPr>
             </a:lvl7pPr>
-            <a:lvl8pPr marL="0" marR="0" lvl="7" indent="0" algn="r">
-              <a:lnSpc>
-                <a:spcPct val="100000"/>
-              </a:lnSpc>
-              <a:spcBef>
-                <a:spcPts val="0"/>
-              </a:spcBef>
-              <a:spcAft>
-                <a:spcPts val="0"/>
-              </a:spcAft>
-              <a:buClr>
-                <a:srgbClr val="000000"/>
-              </a:buClr>
-              <a:buSzPts val="1000"/>
-              <a:buFont typeface="Arial"/>
-              <a:buNone/>
-              <a:defRPr sz="1000" b="0" i="0" u="none" strike="noStrike" cap="none">
+            <a:lvl8pPr indent="0" lvl="7" marL="0" marR="0" algn="r">
+              <a:lnSpc>
+                <a:spcPct val="100000"/>
+              </a:lnSpc>
+              <a:spcBef>
+                <a:spcPts val="0"/>
+              </a:spcBef>
+              <a:spcAft>
+                <a:spcPts val="0"/>
+              </a:spcAft>
+              <a:buClr>
+                <a:srgbClr val="000000"/>
+              </a:buClr>
+              <a:buSzPts val="1000"/>
+              <a:buFont typeface="Arial"/>
+              <a:buNone/>
+              <a:defRPr b="0" i="0" sz="1000" u="none" cap="none" strike="noStrike">
                 <a:solidFill>
                   <a:schemeClr val="dk2"/>
                 </a:solidFill>
@@ -5439,23 +5759,23 @@
                 <a:sym typeface="Arial"/>
               </a:defRPr>
             </a:lvl8pPr>
-            <a:lvl9pPr marL="0" marR="0" lvl="8" indent="0" algn="r">
-              <a:lnSpc>
-                <a:spcPct val="100000"/>
-              </a:lnSpc>
-              <a:spcBef>
-                <a:spcPts val="0"/>
-              </a:spcBef>
-              <a:spcAft>
-                <a:spcPts val="0"/>
-              </a:spcAft>
-              <a:buClr>
-                <a:srgbClr val="000000"/>
-              </a:buClr>
-              <a:buSzPts val="1000"/>
-              <a:buFont typeface="Arial"/>
-              <a:buNone/>
-              <a:defRPr sz="1000" b="0" i="0" u="none" strike="noStrike" cap="none">
+            <a:lvl9pPr indent="0" lvl="8" marL="0" marR="0" algn="r">
+              <a:lnSpc>
+                <a:spcPct val="100000"/>
+              </a:lnSpc>
+              <a:spcBef>
+                <a:spcPts val="0"/>
+              </a:spcBef>
+              <a:spcAft>
+                <a:spcPts val="0"/>
+              </a:spcAft>
+              <a:buClr>
+                <a:srgbClr val="000000"/>
+              </a:buClr>
+              <a:buSzPts val="1000"/>
+              <a:buFont typeface="Arial"/>
+              <a:buNone/>
+              <a:defRPr b="0" i="0" sz="1000" u="none" cap="none" strike="noStrike">
                 <a:solidFill>
                   <a:schemeClr val="dk2"/>
                 </a:solidFill>
@@ -5467,7 +5787,7 @@
             </a:lvl9pPr>
           </a:lstStyle>
           <a:p>
-            <a:pPr marL="0" lvl="0" indent="0" algn="r" rtl="0">
+            <a:pPr indent="0" lvl="0" marL="0" rtl="0" algn="r">
               <a:spcBef>
                 <a:spcPts val="0"/>
               </a:spcBef>
@@ -5478,7 +5798,7 @@
             </a:pPr>
             <a:fld id="{00000000-1234-1234-1234-123412341234}" type="slidenum">
               <a:rPr lang="pt-BR"/>
-              <a:t>‹nº›</a:t>
+              <a:t>‹#›</a:t>
             </a:fld>
             <a:endParaRPr/>
           </a:p>
@@ -5493,11 +5813,11 @@
 </file>
 
 <file path=ppt/slideLayouts/slideLayout7.xml><?xml version="1.0" encoding="utf-8"?>
-<p:sldLayout xmlns:a="http://schemas.openxmlformats.org/drawingml/2006/main" xmlns:r="http://schemas.openxmlformats.org/officeDocument/2006/relationships" xmlns:p="http://schemas.openxmlformats.org/presentationml/2006/main" matchingName="Main point">
+<p:sldLayout xmlns:a="http://schemas.openxmlformats.org/drawingml/2006/main" xmlns:r="http://schemas.openxmlformats.org/officeDocument/2006/relationships" xmlns:mc="http://schemas.openxmlformats.org/markup-compatibility/2006" xmlns:mv="urn:schemas-microsoft-com:mac:vml" xmlns:p="http://schemas.openxmlformats.org/presentationml/2006/main" xmlns:c="http://schemas.openxmlformats.org/drawingml/2006/chart" xmlns:dgm="http://schemas.openxmlformats.org/drawingml/2006/diagram" xmlns:o="urn:schemas-microsoft-com:office:office" xmlns:v="urn:schemas-microsoft-com:vml" xmlns:pvml="urn:schemas-microsoft-com:office:powerpoint" xmlns:com="http://schemas.openxmlformats.org/drawingml/2006/compatibility" xmlns:p14="http://schemas.microsoft.com/office/powerpoint/2010/main" xmlns:p15="http://schemas.microsoft.com/office/powerpoint/2012/main" xmlns:ahyp="http://schemas.microsoft.com/office/drawing/2018/hyperlinkcolor" matchingName="Main point">
   <p:cSld name="MAIN_POINT">
     <p:spTree>
       <p:nvGrpSpPr>
-        <p:cNvPr id="1" name="Shape 32"/>
+        <p:cNvPr id="32" name="Shape 32"/>
         <p:cNvGrpSpPr/>
         <p:nvPr/>
       </p:nvGrpSpPr>
@@ -5511,10 +5831,8 @@
       </p:grpSpPr>
       <p:sp>
         <p:nvSpPr>
-          <p:cNvPr id="33" name="Google Shape;33;p8"/>
-          <p:cNvSpPr txBox="1">
-            <a:spLocks noGrp="1"/>
-          </p:cNvSpPr>
+          <p:cNvPr id="33" name="Google Shape;33;p13"/>
+          <p:cNvSpPr txBox="1"/>
           <p:nvPr>
             <p:ph type="title"/>
           </p:nvPr>
@@ -5533,7 +5851,7 @@
           </a:ln>
         </p:spPr>
         <p:txBody>
-          <a:bodyPr spcFirstLastPara="1" wrap="square" lIns="91425" tIns="91425" rIns="91425" bIns="91425" anchor="ctr" anchorCtr="0">
+          <a:bodyPr anchorCtr="0" anchor="ctr" bIns="91425" lIns="91425" spcFirstLastPara="1" rIns="91425" wrap="square" tIns="91425">
             <a:noAutofit/>
           </a:bodyPr>
           <a:lstStyle>
@@ -5664,19 +5982,15 @@
               <a:defRPr sz="4800"/>
             </a:lvl9pPr>
           </a:lstStyle>
-          <a:p>
-            <a:endParaRPr/>
-          </a:p>
+          <a:p/>
         </p:txBody>
       </p:sp>
       <p:sp>
         <p:nvSpPr>
-          <p:cNvPr id="34" name="Google Shape;34;p8"/>
-          <p:cNvSpPr txBox="1">
-            <a:spLocks noGrp="1"/>
-          </p:cNvSpPr>
+          <p:cNvPr id="34" name="Google Shape;34;p13"/>
+          <p:cNvSpPr txBox="1"/>
           <p:nvPr>
-            <p:ph type="sldNum" idx="12"/>
+            <p:ph idx="12" type="sldNum"/>
           </p:nvPr>
         </p:nvSpPr>
         <p:spPr>
@@ -5693,27 +6007,27 @@
           </a:ln>
         </p:spPr>
         <p:txBody>
-          <a:bodyPr spcFirstLastPara="1" wrap="square" lIns="91425" tIns="91425" rIns="91425" bIns="91425" anchor="ctr" anchorCtr="0">
+          <a:bodyPr anchorCtr="0" anchor="ctr" bIns="91425" lIns="91425" spcFirstLastPara="1" rIns="91425" wrap="square" tIns="91425">
             <a:noAutofit/>
           </a:bodyPr>
           <a:lstStyle>
-            <a:lvl1pPr marL="0" marR="0" lvl="0" indent="0" algn="r">
-              <a:lnSpc>
-                <a:spcPct val="100000"/>
-              </a:lnSpc>
-              <a:spcBef>
-                <a:spcPts val="0"/>
-              </a:spcBef>
-              <a:spcAft>
-                <a:spcPts val="0"/>
-              </a:spcAft>
-              <a:buClr>
-                <a:srgbClr val="000000"/>
-              </a:buClr>
-              <a:buSzPts val="1000"/>
-              <a:buFont typeface="Arial"/>
-              <a:buNone/>
-              <a:defRPr sz="1000" b="0" i="0" u="none" strike="noStrike" cap="none">
+            <a:lvl1pPr indent="0" lvl="0" marL="0" marR="0" algn="r">
+              <a:lnSpc>
+                <a:spcPct val="100000"/>
+              </a:lnSpc>
+              <a:spcBef>
+                <a:spcPts val="0"/>
+              </a:spcBef>
+              <a:spcAft>
+                <a:spcPts val="0"/>
+              </a:spcAft>
+              <a:buClr>
+                <a:srgbClr val="000000"/>
+              </a:buClr>
+              <a:buSzPts val="1000"/>
+              <a:buFont typeface="Arial"/>
+              <a:buNone/>
+              <a:defRPr b="0" i="0" sz="1000" u="none" cap="none" strike="noStrike">
                 <a:solidFill>
                   <a:schemeClr val="dk2"/>
                 </a:solidFill>
@@ -5723,23 +6037,23 @@
                 <a:sym typeface="Arial"/>
               </a:defRPr>
             </a:lvl1pPr>
-            <a:lvl2pPr marL="0" marR="0" lvl="1" indent="0" algn="r">
-              <a:lnSpc>
-                <a:spcPct val="100000"/>
-              </a:lnSpc>
-              <a:spcBef>
-                <a:spcPts val="0"/>
-              </a:spcBef>
-              <a:spcAft>
-                <a:spcPts val="0"/>
-              </a:spcAft>
-              <a:buClr>
-                <a:srgbClr val="000000"/>
-              </a:buClr>
-              <a:buSzPts val="1000"/>
-              <a:buFont typeface="Arial"/>
-              <a:buNone/>
-              <a:defRPr sz="1000" b="0" i="0" u="none" strike="noStrike" cap="none">
+            <a:lvl2pPr indent="0" lvl="1" marL="0" marR="0" algn="r">
+              <a:lnSpc>
+                <a:spcPct val="100000"/>
+              </a:lnSpc>
+              <a:spcBef>
+                <a:spcPts val="0"/>
+              </a:spcBef>
+              <a:spcAft>
+                <a:spcPts val="0"/>
+              </a:spcAft>
+              <a:buClr>
+                <a:srgbClr val="000000"/>
+              </a:buClr>
+              <a:buSzPts val="1000"/>
+              <a:buFont typeface="Arial"/>
+              <a:buNone/>
+              <a:defRPr b="0" i="0" sz="1000" u="none" cap="none" strike="noStrike">
                 <a:solidFill>
                   <a:schemeClr val="dk2"/>
                 </a:solidFill>
@@ -5749,23 +6063,23 @@
                 <a:sym typeface="Arial"/>
               </a:defRPr>
             </a:lvl2pPr>
-            <a:lvl3pPr marL="0" marR="0" lvl="2" indent="0" algn="r">
-              <a:lnSpc>
-                <a:spcPct val="100000"/>
-              </a:lnSpc>
-              <a:spcBef>
-                <a:spcPts val="0"/>
-              </a:spcBef>
-              <a:spcAft>
-                <a:spcPts val="0"/>
-              </a:spcAft>
-              <a:buClr>
-                <a:srgbClr val="000000"/>
-              </a:buClr>
-              <a:buSzPts val="1000"/>
-              <a:buFont typeface="Arial"/>
-              <a:buNone/>
-              <a:defRPr sz="1000" b="0" i="0" u="none" strike="noStrike" cap="none">
+            <a:lvl3pPr indent="0" lvl="2" marL="0" marR="0" algn="r">
+              <a:lnSpc>
+                <a:spcPct val="100000"/>
+              </a:lnSpc>
+              <a:spcBef>
+                <a:spcPts val="0"/>
+              </a:spcBef>
+              <a:spcAft>
+                <a:spcPts val="0"/>
+              </a:spcAft>
+              <a:buClr>
+                <a:srgbClr val="000000"/>
+              </a:buClr>
+              <a:buSzPts val="1000"/>
+              <a:buFont typeface="Arial"/>
+              <a:buNone/>
+              <a:defRPr b="0" i="0" sz="1000" u="none" cap="none" strike="noStrike">
                 <a:solidFill>
                   <a:schemeClr val="dk2"/>
                 </a:solidFill>
@@ -5775,23 +6089,23 @@
                 <a:sym typeface="Arial"/>
               </a:defRPr>
             </a:lvl3pPr>
-            <a:lvl4pPr marL="0" marR="0" lvl="3" indent="0" algn="r">
-              <a:lnSpc>
-                <a:spcPct val="100000"/>
-              </a:lnSpc>
-              <a:spcBef>
-                <a:spcPts val="0"/>
-              </a:spcBef>
-              <a:spcAft>
-                <a:spcPts val="0"/>
-              </a:spcAft>
-              <a:buClr>
-                <a:srgbClr val="000000"/>
-              </a:buClr>
-              <a:buSzPts val="1000"/>
-              <a:buFont typeface="Arial"/>
-              <a:buNone/>
-              <a:defRPr sz="1000" b="0" i="0" u="none" strike="noStrike" cap="none">
+            <a:lvl4pPr indent="0" lvl="3" marL="0" marR="0" algn="r">
+              <a:lnSpc>
+                <a:spcPct val="100000"/>
+              </a:lnSpc>
+              <a:spcBef>
+                <a:spcPts val="0"/>
+              </a:spcBef>
+              <a:spcAft>
+                <a:spcPts val="0"/>
+              </a:spcAft>
+              <a:buClr>
+                <a:srgbClr val="000000"/>
+              </a:buClr>
+              <a:buSzPts val="1000"/>
+              <a:buFont typeface="Arial"/>
+              <a:buNone/>
+              <a:defRPr b="0" i="0" sz="1000" u="none" cap="none" strike="noStrike">
                 <a:solidFill>
                   <a:schemeClr val="dk2"/>
                 </a:solidFill>
@@ -5801,23 +6115,23 @@
                 <a:sym typeface="Arial"/>
               </a:defRPr>
             </a:lvl4pPr>
-            <a:lvl5pPr marL="0" marR="0" lvl="4" indent="0" algn="r">
-              <a:lnSpc>
-                <a:spcPct val="100000"/>
-              </a:lnSpc>
-              <a:spcBef>
-                <a:spcPts val="0"/>
-              </a:spcBef>
-              <a:spcAft>
-                <a:spcPts val="0"/>
-              </a:spcAft>
-              <a:buClr>
-                <a:srgbClr val="000000"/>
-              </a:buClr>
-              <a:buSzPts val="1000"/>
-              <a:buFont typeface="Arial"/>
-              <a:buNone/>
-              <a:defRPr sz="1000" b="0" i="0" u="none" strike="noStrike" cap="none">
+            <a:lvl5pPr indent="0" lvl="4" marL="0" marR="0" algn="r">
+              <a:lnSpc>
+                <a:spcPct val="100000"/>
+              </a:lnSpc>
+              <a:spcBef>
+                <a:spcPts val="0"/>
+              </a:spcBef>
+              <a:spcAft>
+                <a:spcPts val="0"/>
+              </a:spcAft>
+              <a:buClr>
+                <a:srgbClr val="000000"/>
+              </a:buClr>
+              <a:buSzPts val="1000"/>
+              <a:buFont typeface="Arial"/>
+              <a:buNone/>
+              <a:defRPr b="0" i="0" sz="1000" u="none" cap="none" strike="noStrike">
                 <a:solidFill>
                   <a:schemeClr val="dk2"/>
                 </a:solidFill>
@@ -5827,23 +6141,23 @@
                 <a:sym typeface="Arial"/>
               </a:defRPr>
             </a:lvl5pPr>
-            <a:lvl6pPr marL="0" marR="0" lvl="5" indent="0" algn="r">
-              <a:lnSpc>
-                <a:spcPct val="100000"/>
-              </a:lnSpc>
-              <a:spcBef>
-                <a:spcPts val="0"/>
-              </a:spcBef>
-              <a:spcAft>
-                <a:spcPts val="0"/>
-              </a:spcAft>
-              <a:buClr>
-                <a:srgbClr val="000000"/>
-              </a:buClr>
-              <a:buSzPts val="1000"/>
-              <a:buFont typeface="Arial"/>
-              <a:buNone/>
-              <a:defRPr sz="1000" b="0" i="0" u="none" strike="noStrike" cap="none">
+            <a:lvl6pPr indent="0" lvl="5" marL="0" marR="0" algn="r">
+              <a:lnSpc>
+                <a:spcPct val="100000"/>
+              </a:lnSpc>
+              <a:spcBef>
+                <a:spcPts val="0"/>
+              </a:spcBef>
+              <a:spcAft>
+                <a:spcPts val="0"/>
+              </a:spcAft>
+              <a:buClr>
+                <a:srgbClr val="000000"/>
+              </a:buClr>
+              <a:buSzPts val="1000"/>
+              <a:buFont typeface="Arial"/>
+              <a:buNone/>
+              <a:defRPr b="0" i="0" sz="1000" u="none" cap="none" strike="noStrike">
                 <a:solidFill>
                   <a:schemeClr val="dk2"/>
                 </a:solidFill>
@@ -5853,23 +6167,23 @@
                 <a:sym typeface="Arial"/>
               </a:defRPr>
             </a:lvl6pPr>
-            <a:lvl7pPr marL="0" marR="0" lvl="6" indent="0" algn="r">
-              <a:lnSpc>
-                <a:spcPct val="100000"/>
-              </a:lnSpc>
-              <a:spcBef>
-                <a:spcPts val="0"/>
-              </a:spcBef>
-              <a:spcAft>
-                <a:spcPts val="0"/>
-              </a:spcAft>
-              <a:buClr>
-                <a:srgbClr val="000000"/>
-              </a:buClr>
-              <a:buSzPts val="1000"/>
-              <a:buFont typeface="Arial"/>
-              <a:buNone/>
-              <a:defRPr sz="1000" b="0" i="0" u="none" strike="noStrike" cap="none">
+            <a:lvl7pPr indent="0" lvl="6" marL="0" marR="0" algn="r">
+              <a:lnSpc>
+                <a:spcPct val="100000"/>
+              </a:lnSpc>
+              <a:spcBef>
+                <a:spcPts val="0"/>
+              </a:spcBef>
+              <a:spcAft>
+                <a:spcPts val="0"/>
+              </a:spcAft>
+              <a:buClr>
+                <a:srgbClr val="000000"/>
+              </a:buClr>
+              <a:buSzPts val="1000"/>
+              <a:buFont typeface="Arial"/>
+              <a:buNone/>
+              <a:defRPr b="0" i="0" sz="1000" u="none" cap="none" strike="noStrike">
                 <a:solidFill>
                   <a:schemeClr val="dk2"/>
                 </a:solidFill>
@@ -5879,23 +6193,23 @@
                 <a:sym typeface="Arial"/>
               </a:defRPr>
             </a:lvl7pPr>
-            <a:lvl8pPr marL="0" marR="0" lvl="7" indent="0" algn="r">
-              <a:lnSpc>
-                <a:spcPct val="100000"/>
-              </a:lnSpc>
-              <a:spcBef>
-                <a:spcPts val="0"/>
-              </a:spcBef>
-              <a:spcAft>
-                <a:spcPts val="0"/>
-              </a:spcAft>
-              <a:buClr>
-                <a:srgbClr val="000000"/>
-              </a:buClr>
-              <a:buSzPts val="1000"/>
-              <a:buFont typeface="Arial"/>
-              <a:buNone/>
-              <a:defRPr sz="1000" b="0" i="0" u="none" strike="noStrike" cap="none">
+            <a:lvl8pPr indent="0" lvl="7" marL="0" marR="0" algn="r">
+              <a:lnSpc>
+                <a:spcPct val="100000"/>
+              </a:lnSpc>
+              <a:spcBef>
+                <a:spcPts val="0"/>
+              </a:spcBef>
+              <a:spcAft>
+                <a:spcPts val="0"/>
+              </a:spcAft>
+              <a:buClr>
+                <a:srgbClr val="000000"/>
+              </a:buClr>
+              <a:buSzPts val="1000"/>
+              <a:buFont typeface="Arial"/>
+              <a:buNone/>
+              <a:defRPr b="0" i="0" sz="1000" u="none" cap="none" strike="noStrike">
                 <a:solidFill>
                   <a:schemeClr val="dk2"/>
                 </a:solidFill>
@@ -5905,23 +6219,23 @@
                 <a:sym typeface="Arial"/>
               </a:defRPr>
             </a:lvl8pPr>
-            <a:lvl9pPr marL="0" marR="0" lvl="8" indent="0" algn="r">
-              <a:lnSpc>
-                <a:spcPct val="100000"/>
-              </a:lnSpc>
-              <a:spcBef>
-                <a:spcPts val="0"/>
-              </a:spcBef>
-              <a:spcAft>
-                <a:spcPts val="0"/>
-              </a:spcAft>
-              <a:buClr>
-                <a:srgbClr val="000000"/>
-              </a:buClr>
-              <a:buSzPts val="1000"/>
-              <a:buFont typeface="Arial"/>
-              <a:buNone/>
-              <a:defRPr sz="1000" b="0" i="0" u="none" strike="noStrike" cap="none">
+            <a:lvl9pPr indent="0" lvl="8" marL="0" marR="0" algn="r">
+              <a:lnSpc>
+                <a:spcPct val="100000"/>
+              </a:lnSpc>
+              <a:spcBef>
+                <a:spcPts val="0"/>
+              </a:spcBef>
+              <a:spcAft>
+                <a:spcPts val="0"/>
+              </a:spcAft>
+              <a:buClr>
+                <a:srgbClr val="000000"/>
+              </a:buClr>
+              <a:buSzPts val="1000"/>
+              <a:buFont typeface="Arial"/>
+              <a:buNone/>
+              <a:defRPr b="0" i="0" sz="1000" u="none" cap="none" strike="noStrike">
                 <a:solidFill>
                   <a:schemeClr val="dk2"/>
                 </a:solidFill>
@@ -5933,7 +6247,7 @@
             </a:lvl9pPr>
           </a:lstStyle>
           <a:p>
-            <a:pPr marL="0" lvl="0" indent="0" algn="r" rtl="0">
+            <a:pPr indent="0" lvl="0" marL="0" rtl="0" algn="r">
               <a:spcBef>
                 <a:spcPts val="0"/>
               </a:spcBef>
@@ -5944,7 +6258,7 @@
             </a:pPr>
             <a:fld id="{00000000-1234-1234-1234-123412341234}" type="slidenum">
               <a:rPr lang="pt-BR"/>
-              <a:t>‹nº›</a:t>
+              <a:t>‹#›</a:t>
             </a:fld>
             <a:endParaRPr/>
           </a:p>
@@ -5959,11 +6273,11 @@
 </file>
 
 <file path=ppt/slideLayouts/slideLayout8.xml><?xml version="1.0" encoding="utf-8"?>
-<p:sldLayout xmlns:a="http://schemas.openxmlformats.org/drawingml/2006/main" xmlns:r="http://schemas.openxmlformats.org/officeDocument/2006/relationships" xmlns:p="http://schemas.openxmlformats.org/presentationml/2006/main" matchingName="Section title and description">
+<p:sldLayout xmlns:a="http://schemas.openxmlformats.org/drawingml/2006/main" xmlns:r="http://schemas.openxmlformats.org/officeDocument/2006/relationships" xmlns:mc="http://schemas.openxmlformats.org/markup-compatibility/2006" xmlns:mv="urn:schemas-microsoft-com:mac:vml" xmlns:p="http://schemas.openxmlformats.org/presentationml/2006/main" xmlns:c="http://schemas.openxmlformats.org/drawingml/2006/chart" xmlns:dgm="http://schemas.openxmlformats.org/drawingml/2006/diagram" xmlns:o="urn:schemas-microsoft-com:office:office" xmlns:v="urn:schemas-microsoft-com:vml" xmlns:pvml="urn:schemas-microsoft-com:office:powerpoint" xmlns:com="http://schemas.openxmlformats.org/drawingml/2006/compatibility" xmlns:p14="http://schemas.microsoft.com/office/powerpoint/2010/main" xmlns:p15="http://schemas.microsoft.com/office/powerpoint/2012/main" xmlns:ahyp="http://schemas.microsoft.com/office/drawing/2018/hyperlinkcolor" matchingName="Section title and description">
   <p:cSld name="SECTION_TITLE_AND_DESCRIPTION">
     <p:spTree>
       <p:nvGrpSpPr>
-        <p:cNvPr id="1" name="Shape 35"/>
+        <p:cNvPr id="35" name="Shape 35"/>
         <p:cNvGrpSpPr/>
         <p:nvPr/>
       </p:nvGrpSpPr>
@@ -5977,7 +6291,7 @@
       </p:grpSpPr>
       <p:sp>
         <p:nvSpPr>
-          <p:cNvPr id="36" name="Google Shape;36;p9"/>
+          <p:cNvPr id="36" name="Google Shape;36;p14"/>
           <p:cNvSpPr/>
           <p:nvPr/>
         </p:nvSpPr>
@@ -5997,12 +6311,12 @@
           </a:ln>
         </p:spPr>
         <p:txBody>
-          <a:bodyPr spcFirstLastPara="1" wrap="square" lIns="91425" tIns="91425" rIns="91425" bIns="91425" anchor="ctr" anchorCtr="0">
+          <a:bodyPr anchorCtr="0" anchor="ctr" bIns="91425" lIns="91425" spcFirstLastPara="1" rIns="91425" wrap="square" tIns="91425">
             <a:noAutofit/>
           </a:bodyPr>
           <a:lstStyle/>
           <a:p>
-            <a:pPr marL="0" marR="0" lvl="0" indent="0" algn="l" rtl="0">
+            <a:pPr indent="0" lvl="0" marL="0" marR="0" rtl="0" algn="l">
               <a:lnSpc>
                 <a:spcPct val="100000"/>
               </a:lnSpc>
@@ -6019,7 +6333,10 @@
               <a:buFont typeface="Arial"/>
               <a:buNone/>
             </a:pPr>
-            <a:endParaRPr sz="1400" b="0" i="0" u="none" strike="noStrike" cap="none">
+            <a:r>
+              <a:t/>
+            </a:r>
+            <a:endParaRPr b="0" i="0" sz="1400" u="none" cap="none" strike="noStrike">
               <a:solidFill>
                 <a:srgbClr val="000000"/>
               </a:solidFill>
@@ -6033,10 +6350,8 @@
       </p:sp>
       <p:sp>
         <p:nvSpPr>
-          <p:cNvPr id="37" name="Google Shape;37;p9"/>
-          <p:cNvSpPr txBox="1">
-            <a:spLocks noGrp="1"/>
-          </p:cNvSpPr>
+          <p:cNvPr id="37" name="Google Shape;37;p14"/>
+          <p:cNvSpPr txBox="1"/>
           <p:nvPr>
             <p:ph type="title"/>
           </p:nvPr>
@@ -6055,7 +6370,7 @@
           </a:ln>
         </p:spPr>
         <p:txBody>
-          <a:bodyPr spcFirstLastPara="1" wrap="square" lIns="91425" tIns="91425" rIns="91425" bIns="91425" anchor="b" anchorCtr="0">
+          <a:bodyPr anchorCtr="0" anchor="b" bIns="91425" lIns="91425" spcFirstLastPara="1" rIns="91425" wrap="square" tIns="91425">
             <a:noAutofit/>
           </a:bodyPr>
           <a:lstStyle>
@@ -6186,19 +6501,15 @@
               <a:defRPr sz="4200"/>
             </a:lvl9pPr>
           </a:lstStyle>
-          <a:p>
-            <a:endParaRPr/>
-          </a:p>
+          <a:p/>
         </p:txBody>
       </p:sp>
       <p:sp>
         <p:nvSpPr>
-          <p:cNvPr id="38" name="Google Shape;38;p9"/>
-          <p:cNvSpPr txBox="1">
-            <a:spLocks noGrp="1"/>
-          </p:cNvSpPr>
+          <p:cNvPr id="38" name="Google Shape;38;p14"/>
+          <p:cNvSpPr txBox="1"/>
           <p:nvPr>
-            <p:ph type="subTitle" idx="1"/>
+            <p:ph idx="1" type="subTitle"/>
           </p:nvPr>
         </p:nvSpPr>
         <p:spPr>
@@ -6215,7 +6526,7 @@
           </a:ln>
         </p:spPr>
         <p:txBody>
-          <a:bodyPr spcFirstLastPara="1" wrap="square" lIns="91425" tIns="91425" rIns="91425" bIns="91425" anchor="t" anchorCtr="0">
+          <a:bodyPr anchorCtr="0" anchor="t" bIns="91425" lIns="91425" spcFirstLastPara="1" rIns="91425" wrap="square" tIns="91425">
             <a:noAutofit/>
           </a:bodyPr>
           <a:lstStyle>
@@ -6346,19 +6657,15 @@
               <a:defRPr sz="2100"/>
             </a:lvl9pPr>
           </a:lstStyle>
-          <a:p>
-            <a:endParaRPr/>
-          </a:p>
+          <a:p/>
         </p:txBody>
       </p:sp>
       <p:sp>
         <p:nvSpPr>
-          <p:cNvPr id="39" name="Google Shape;39;p9"/>
-          <p:cNvSpPr txBox="1">
-            <a:spLocks noGrp="1"/>
-          </p:cNvSpPr>
+          <p:cNvPr id="39" name="Google Shape;39;p14"/>
+          <p:cNvSpPr txBox="1"/>
           <p:nvPr>
-            <p:ph type="body" idx="2"/>
+            <p:ph idx="2" type="body"/>
           </p:nvPr>
         </p:nvSpPr>
         <p:spPr>
@@ -6375,11 +6682,11 @@
           </a:ln>
         </p:spPr>
         <p:txBody>
-          <a:bodyPr spcFirstLastPara="1" wrap="square" lIns="91425" tIns="91425" rIns="91425" bIns="91425" anchor="ctr" anchorCtr="0">
+          <a:bodyPr anchorCtr="0" anchor="ctr" bIns="91425" lIns="91425" spcFirstLastPara="1" rIns="91425" wrap="square" tIns="91425">
             <a:noAutofit/>
           </a:bodyPr>
           <a:lstStyle>
-            <a:lvl1pPr marL="457200" lvl="0" indent="-342900" algn="l">
+            <a:lvl1pPr indent="-342900" lvl="0" marL="457200" algn="l">
               <a:lnSpc>
                 <a:spcPct val="115000"/>
               </a:lnSpc>
@@ -6393,7 +6700,7 @@
               <a:buChar char="●"/>
               <a:defRPr/>
             </a:lvl1pPr>
-            <a:lvl2pPr marL="914400" lvl="1" indent="-317500" algn="l">
+            <a:lvl2pPr indent="-317500" lvl="1" marL="914400" algn="l">
               <a:lnSpc>
                 <a:spcPct val="115000"/>
               </a:lnSpc>
@@ -6407,7 +6714,7 @@
               <a:buChar char="○"/>
               <a:defRPr/>
             </a:lvl2pPr>
-            <a:lvl3pPr marL="1371600" lvl="2" indent="-317500" algn="l">
+            <a:lvl3pPr indent="-317500" lvl="2" marL="1371600" algn="l">
               <a:lnSpc>
                 <a:spcPct val="115000"/>
               </a:lnSpc>
@@ -6421,7 +6728,7 @@
               <a:buChar char="■"/>
               <a:defRPr/>
             </a:lvl3pPr>
-            <a:lvl4pPr marL="1828800" lvl="3" indent="-317500" algn="l">
+            <a:lvl4pPr indent="-317500" lvl="3" marL="1828800" algn="l">
               <a:lnSpc>
                 <a:spcPct val="115000"/>
               </a:lnSpc>
@@ -6435,7 +6742,7 @@
               <a:buChar char="●"/>
               <a:defRPr/>
             </a:lvl4pPr>
-            <a:lvl5pPr marL="2286000" lvl="4" indent="-317500" algn="l">
+            <a:lvl5pPr indent="-317500" lvl="4" marL="2286000" algn="l">
               <a:lnSpc>
                 <a:spcPct val="115000"/>
               </a:lnSpc>
@@ -6449,7 +6756,7 @@
               <a:buChar char="○"/>
               <a:defRPr/>
             </a:lvl5pPr>
-            <a:lvl6pPr marL="2743200" lvl="5" indent="-317500" algn="l">
+            <a:lvl6pPr indent="-317500" lvl="5" marL="2743200" algn="l">
               <a:lnSpc>
                 <a:spcPct val="115000"/>
               </a:lnSpc>
@@ -6463,7 +6770,7 @@
               <a:buChar char="■"/>
               <a:defRPr/>
             </a:lvl6pPr>
-            <a:lvl7pPr marL="3200400" lvl="6" indent="-317500" algn="l">
+            <a:lvl7pPr indent="-317500" lvl="6" marL="3200400" algn="l">
               <a:lnSpc>
                 <a:spcPct val="115000"/>
               </a:lnSpc>
@@ -6477,7 +6784,7 @@
               <a:buChar char="●"/>
               <a:defRPr/>
             </a:lvl7pPr>
-            <a:lvl8pPr marL="3657600" lvl="7" indent="-317500" algn="l">
+            <a:lvl8pPr indent="-317500" lvl="7" marL="3657600" algn="l">
               <a:lnSpc>
                 <a:spcPct val="115000"/>
               </a:lnSpc>
@@ -6491,7 +6798,7 @@
               <a:buChar char="○"/>
               <a:defRPr/>
             </a:lvl8pPr>
-            <a:lvl9pPr marL="4114800" lvl="8" indent="-317500" algn="l">
+            <a:lvl9pPr indent="-317500" lvl="8" marL="4114800" algn="l">
               <a:lnSpc>
                 <a:spcPct val="115000"/>
               </a:lnSpc>
@@ -6506,19 +6813,15 @@
               <a:defRPr/>
             </a:lvl9pPr>
           </a:lstStyle>
-          <a:p>
-            <a:endParaRPr/>
-          </a:p>
+          <a:p/>
         </p:txBody>
       </p:sp>
       <p:sp>
         <p:nvSpPr>
-          <p:cNvPr id="40" name="Google Shape;40;p9"/>
-          <p:cNvSpPr txBox="1">
-            <a:spLocks noGrp="1"/>
-          </p:cNvSpPr>
+          <p:cNvPr id="40" name="Google Shape;40;p14"/>
+          <p:cNvSpPr txBox="1"/>
           <p:nvPr>
-            <p:ph type="sldNum" idx="12"/>
+            <p:ph idx="12" type="sldNum"/>
           </p:nvPr>
         </p:nvSpPr>
         <p:spPr>
@@ -6535,27 +6838,27 @@
           </a:ln>
         </p:spPr>
         <p:txBody>
-          <a:bodyPr spcFirstLastPara="1" wrap="square" lIns="91425" tIns="91425" rIns="91425" bIns="91425" anchor="ctr" anchorCtr="0">
+          <a:bodyPr anchorCtr="0" anchor="ctr" bIns="91425" lIns="91425" spcFirstLastPara="1" rIns="91425" wrap="square" tIns="91425">
             <a:noAutofit/>
           </a:bodyPr>
           <a:lstStyle>
-            <a:lvl1pPr marL="0" marR="0" lvl="0" indent="0" algn="r">
-              <a:lnSpc>
-                <a:spcPct val="100000"/>
-              </a:lnSpc>
-              <a:spcBef>
-                <a:spcPts val="0"/>
-              </a:spcBef>
-              <a:spcAft>
-                <a:spcPts val="0"/>
-              </a:spcAft>
-              <a:buClr>
-                <a:srgbClr val="000000"/>
-              </a:buClr>
-              <a:buSzPts val="1000"/>
-              <a:buFont typeface="Arial"/>
-              <a:buNone/>
-              <a:defRPr sz="1000" b="0" i="0" u="none" strike="noStrike" cap="none">
+            <a:lvl1pPr indent="0" lvl="0" marL="0" marR="0" algn="r">
+              <a:lnSpc>
+                <a:spcPct val="100000"/>
+              </a:lnSpc>
+              <a:spcBef>
+                <a:spcPts val="0"/>
+              </a:spcBef>
+              <a:spcAft>
+                <a:spcPts val="0"/>
+              </a:spcAft>
+              <a:buClr>
+                <a:srgbClr val="000000"/>
+              </a:buClr>
+              <a:buSzPts val="1000"/>
+              <a:buFont typeface="Arial"/>
+              <a:buNone/>
+              <a:defRPr b="0" i="0" sz="1000" u="none" cap="none" strike="noStrike">
                 <a:solidFill>
                   <a:schemeClr val="dk2"/>
                 </a:solidFill>
@@ -6565,23 +6868,23 @@
                 <a:sym typeface="Arial"/>
               </a:defRPr>
             </a:lvl1pPr>
-            <a:lvl2pPr marL="0" marR="0" lvl="1" indent="0" algn="r">
-              <a:lnSpc>
-                <a:spcPct val="100000"/>
-              </a:lnSpc>
-              <a:spcBef>
-                <a:spcPts val="0"/>
-              </a:spcBef>
-              <a:spcAft>
-                <a:spcPts val="0"/>
-              </a:spcAft>
-              <a:buClr>
-                <a:srgbClr val="000000"/>
-              </a:buClr>
-              <a:buSzPts val="1000"/>
-              <a:buFont typeface="Arial"/>
-              <a:buNone/>
-              <a:defRPr sz="1000" b="0" i="0" u="none" strike="noStrike" cap="none">
+            <a:lvl2pPr indent="0" lvl="1" marL="0" marR="0" algn="r">
+              <a:lnSpc>
+                <a:spcPct val="100000"/>
+              </a:lnSpc>
+              <a:spcBef>
+                <a:spcPts val="0"/>
+              </a:spcBef>
+              <a:spcAft>
+                <a:spcPts val="0"/>
+              </a:spcAft>
+              <a:buClr>
+                <a:srgbClr val="000000"/>
+              </a:buClr>
+              <a:buSzPts val="1000"/>
+              <a:buFont typeface="Arial"/>
+              <a:buNone/>
+              <a:defRPr b="0" i="0" sz="1000" u="none" cap="none" strike="noStrike">
                 <a:solidFill>
                   <a:schemeClr val="dk2"/>
                 </a:solidFill>
@@ -6591,23 +6894,23 @@
                 <a:sym typeface="Arial"/>
               </a:defRPr>
             </a:lvl2pPr>
-            <a:lvl3pPr marL="0" marR="0" lvl="2" indent="0" algn="r">
-              <a:lnSpc>
-                <a:spcPct val="100000"/>
-              </a:lnSpc>
-              <a:spcBef>
-                <a:spcPts val="0"/>
-              </a:spcBef>
-              <a:spcAft>
-                <a:spcPts val="0"/>
-              </a:spcAft>
-              <a:buClr>
-                <a:srgbClr val="000000"/>
-              </a:buClr>
-              <a:buSzPts val="1000"/>
-              <a:buFont typeface="Arial"/>
-              <a:buNone/>
-              <a:defRPr sz="1000" b="0" i="0" u="none" strike="noStrike" cap="none">
+            <a:lvl3pPr indent="0" lvl="2" marL="0" marR="0" algn="r">
+              <a:lnSpc>
+                <a:spcPct val="100000"/>
+              </a:lnSpc>
+              <a:spcBef>
+                <a:spcPts val="0"/>
+              </a:spcBef>
+              <a:spcAft>
+                <a:spcPts val="0"/>
+              </a:spcAft>
+              <a:buClr>
+                <a:srgbClr val="000000"/>
+              </a:buClr>
+              <a:buSzPts val="1000"/>
+              <a:buFont typeface="Arial"/>
+              <a:buNone/>
+              <a:defRPr b="0" i="0" sz="1000" u="none" cap="none" strike="noStrike">
                 <a:solidFill>
                   <a:schemeClr val="dk2"/>
                 </a:solidFill>
@@ -6617,23 +6920,23 @@
                 <a:sym typeface="Arial"/>
               </a:defRPr>
             </a:lvl3pPr>
-            <a:lvl4pPr marL="0" marR="0" lvl="3" indent="0" algn="r">
-              <a:lnSpc>
-                <a:spcPct val="100000"/>
-              </a:lnSpc>
-              <a:spcBef>
-                <a:spcPts val="0"/>
-              </a:spcBef>
-              <a:spcAft>
-                <a:spcPts val="0"/>
-              </a:spcAft>
-              <a:buClr>
-                <a:srgbClr val="000000"/>
-              </a:buClr>
-              <a:buSzPts val="1000"/>
-              <a:buFont typeface="Arial"/>
-              <a:buNone/>
-              <a:defRPr sz="1000" b="0" i="0" u="none" strike="noStrike" cap="none">
+            <a:lvl4pPr indent="0" lvl="3" marL="0" marR="0" algn="r">
+              <a:lnSpc>
+                <a:spcPct val="100000"/>
+              </a:lnSpc>
+              <a:spcBef>
+                <a:spcPts val="0"/>
+              </a:spcBef>
+              <a:spcAft>
+                <a:spcPts val="0"/>
+              </a:spcAft>
+              <a:buClr>
+                <a:srgbClr val="000000"/>
+              </a:buClr>
+              <a:buSzPts val="1000"/>
+              <a:buFont typeface="Arial"/>
+              <a:buNone/>
+              <a:defRPr b="0" i="0" sz="1000" u="none" cap="none" strike="noStrike">
                 <a:solidFill>
                   <a:schemeClr val="dk2"/>
                 </a:solidFill>
@@ -6643,23 +6946,23 @@
                 <a:sym typeface="Arial"/>
               </a:defRPr>
             </a:lvl4pPr>
-            <a:lvl5pPr marL="0" marR="0" lvl="4" indent="0" algn="r">
-              <a:lnSpc>
-                <a:spcPct val="100000"/>
-              </a:lnSpc>
-              <a:spcBef>
-                <a:spcPts val="0"/>
-              </a:spcBef>
-              <a:spcAft>
-                <a:spcPts val="0"/>
-              </a:spcAft>
-              <a:buClr>
-                <a:srgbClr val="000000"/>
-              </a:buClr>
-              <a:buSzPts val="1000"/>
-              <a:buFont typeface="Arial"/>
-              <a:buNone/>
-              <a:defRPr sz="1000" b="0" i="0" u="none" strike="noStrike" cap="none">
+            <a:lvl5pPr indent="0" lvl="4" marL="0" marR="0" algn="r">
+              <a:lnSpc>
+                <a:spcPct val="100000"/>
+              </a:lnSpc>
+              <a:spcBef>
+                <a:spcPts val="0"/>
+              </a:spcBef>
+              <a:spcAft>
+                <a:spcPts val="0"/>
+              </a:spcAft>
+              <a:buClr>
+                <a:srgbClr val="000000"/>
+              </a:buClr>
+              <a:buSzPts val="1000"/>
+              <a:buFont typeface="Arial"/>
+              <a:buNone/>
+              <a:defRPr b="0" i="0" sz="1000" u="none" cap="none" strike="noStrike">
                 <a:solidFill>
                   <a:schemeClr val="dk2"/>
                 </a:solidFill>
@@ -6669,23 +6972,23 @@
                 <a:sym typeface="Arial"/>
               </a:defRPr>
             </a:lvl5pPr>
-            <a:lvl6pPr marL="0" marR="0" lvl="5" indent="0" algn="r">
-              <a:lnSpc>
-                <a:spcPct val="100000"/>
-              </a:lnSpc>
-              <a:spcBef>
-                <a:spcPts val="0"/>
-              </a:spcBef>
-              <a:spcAft>
-                <a:spcPts val="0"/>
-              </a:spcAft>
-              <a:buClr>
-                <a:srgbClr val="000000"/>
-              </a:buClr>
-              <a:buSzPts val="1000"/>
-              <a:buFont typeface="Arial"/>
-              <a:buNone/>
-              <a:defRPr sz="1000" b="0" i="0" u="none" strike="noStrike" cap="none">
+            <a:lvl6pPr indent="0" lvl="5" marL="0" marR="0" algn="r">
+              <a:lnSpc>
+                <a:spcPct val="100000"/>
+              </a:lnSpc>
+              <a:spcBef>
+                <a:spcPts val="0"/>
+              </a:spcBef>
+              <a:spcAft>
+                <a:spcPts val="0"/>
+              </a:spcAft>
+              <a:buClr>
+                <a:srgbClr val="000000"/>
+              </a:buClr>
+              <a:buSzPts val="1000"/>
+              <a:buFont typeface="Arial"/>
+              <a:buNone/>
+              <a:defRPr b="0" i="0" sz="1000" u="none" cap="none" strike="noStrike">
                 <a:solidFill>
                   <a:schemeClr val="dk2"/>
                 </a:solidFill>
@@ -6695,23 +6998,23 @@
                 <a:sym typeface="Arial"/>
               </a:defRPr>
             </a:lvl6pPr>
-            <a:lvl7pPr marL="0" marR="0" lvl="6" indent="0" algn="r">
-              <a:lnSpc>
-                <a:spcPct val="100000"/>
-              </a:lnSpc>
-              <a:spcBef>
-                <a:spcPts val="0"/>
-              </a:spcBef>
-              <a:spcAft>
-                <a:spcPts val="0"/>
-              </a:spcAft>
-              <a:buClr>
-                <a:srgbClr val="000000"/>
-              </a:buClr>
-              <a:buSzPts val="1000"/>
-              <a:buFont typeface="Arial"/>
-              <a:buNone/>
-              <a:defRPr sz="1000" b="0" i="0" u="none" strike="noStrike" cap="none">
+            <a:lvl7pPr indent="0" lvl="6" marL="0" marR="0" algn="r">
+              <a:lnSpc>
+                <a:spcPct val="100000"/>
+              </a:lnSpc>
+              <a:spcBef>
+                <a:spcPts val="0"/>
+              </a:spcBef>
+              <a:spcAft>
+                <a:spcPts val="0"/>
+              </a:spcAft>
+              <a:buClr>
+                <a:srgbClr val="000000"/>
+              </a:buClr>
+              <a:buSzPts val="1000"/>
+              <a:buFont typeface="Arial"/>
+              <a:buNone/>
+              <a:defRPr b="0" i="0" sz="1000" u="none" cap="none" strike="noStrike">
                 <a:solidFill>
                   <a:schemeClr val="dk2"/>
                 </a:solidFill>
@@ -6721,23 +7024,23 @@
                 <a:sym typeface="Arial"/>
               </a:defRPr>
             </a:lvl7pPr>
-            <a:lvl8pPr marL="0" marR="0" lvl="7" indent="0" algn="r">
-              <a:lnSpc>
-                <a:spcPct val="100000"/>
-              </a:lnSpc>
-              <a:spcBef>
-                <a:spcPts val="0"/>
-              </a:spcBef>
-              <a:spcAft>
-                <a:spcPts val="0"/>
-              </a:spcAft>
-              <a:buClr>
-                <a:srgbClr val="000000"/>
-              </a:buClr>
-              <a:buSzPts val="1000"/>
-              <a:buFont typeface="Arial"/>
-              <a:buNone/>
-              <a:defRPr sz="1000" b="0" i="0" u="none" strike="noStrike" cap="none">
+            <a:lvl8pPr indent="0" lvl="7" marL="0" marR="0" algn="r">
+              <a:lnSpc>
+                <a:spcPct val="100000"/>
+              </a:lnSpc>
+              <a:spcBef>
+                <a:spcPts val="0"/>
+              </a:spcBef>
+              <a:spcAft>
+                <a:spcPts val="0"/>
+              </a:spcAft>
+              <a:buClr>
+                <a:srgbClr val="000000"/>
+              </a:buClr>
+              <a:buSzPts val="1000"/>
+              <a:buFont typeface="Arial"/>
+              <a:buNone/>
+              <a:defRPr b="0" i="0" sz="1000" u="none" cap="none" strike="noStrike">
                 <a:solidFill>
                   <a:schemeClr val="dk2"/>
                 </a:solidFill>
@@ -6747,23 +7050,23 @@
                 <a:sym typeface="Arial"/>
               </a:defRPr>
             </a:lvl8pPr>
-            <a:lvl9pPr marL="0" marR="0" lvl="8" indent="0" algn="r">
-              <a:lnSpc>
-                <a:spcPct val="100000"/>
-              </a:lnSpc>
-              <a:spcBef>
-                <a:spcPts val="0"/>
-              </a:spcBef>
-              <a:spcAft>
-                <a:spcPts val="0"/>
-              </a:spcAft>
-              <a:buClr>
-                <a:srgbClr val="000000"/>
-              </a:buClr>
-              <a:buSzPts val="1000"/>
-              <a:buFont typeface="Arial"/>
-              <a:buNone/>
-              <a:defRPr sz="1000" b="0" i="0" u="none" strike="noStrike" cap="none">
+            <a:lvl9pPr indent="0" lvl="8" marL="0" marR="0" algn="r">
+              <a:lnSpc>
+                <a:spcPct val="100000"/>
+              </a:lnSpc>
+              <a:spcBef>
+                <a:spcPts val="0"/>
+              </a:spcBef>
+              <a:spcAft>
+                <a:spcPts val="0"/>
+              </a:spcAft>
+              <a:buClr>
+                <a:srgbClr val="000000"/>
+              </a:buClr>
+              <a:buSzPts val="1000"/>
+              <a:buFont typeface="Arial"/>
+              <a:buNone/>
+              <a:defRPr b="0" i="0" sz="1000" u="none" cap="none" strike="noStrike">
                 <a:solidFill>
                   <a:schemeClr val="dk2"/>
                 </a:solidFill>
@@ -6775,7 +7078,7 @@
             </a:lvl9pPr>
           </a:lstStyle>
           <a:p>
-            <a:pPr marL="0" lvl="0" indent="0" algn="r" rtl="0">
+            <a:pPr indent="0" lvl="0" marL="0" rtl="0" algn="r">
               <a:spcBef>
                 <a:spcPts val="0"/>
               </a:spcBef>
@@ -6786,7 +7089,7 @@
             </a:pPr>
             <a:fld id="{00000000-1234-1234-1234-123412341234}" type="slidenum">
               <a:rPr lang="pt-BR"/>
-              <a:t>‹nº›</a:t>
+              <a:t>‹#›</a:t>
             </a:fld>
             <a:endParaRPr/>
           </a:p>
@@ -6801,11 +7104,11 @@
 </file>
 
 <file path=ppt/slideLayouts/slideLayout9.xml><?xml version="1.0" encoding="utf-8"?>
-<p:sldLayout xmlns:a="http://schemas.openxmlformats.org/drawingml/2006/main" xmlns:r="http://schemas.openxmlformats.org/officeDocument/2006/relationships" xmlns:p="http://schemas.openxmlformats.org/presentationml/2006/main" matchingName="Caption">
+<p:sldLayout xmlns:a="http://schemas.openxmlformats.org/drawingml/2006/main" xmlns:r="http://schemas.openxmlformats.org/officeDocument/2006/relationships" xmlns:mc="http://schemas.openxmlformats.org/markup-compatibility/2006" xmlns:mv="urn:schemas-microsoft-com:mac:vml" xmlns:p="http://schemas.openxmlformats.org/presentationml/2006/main" xmlns:c="http://schemas.openxmlformats.org/drawingml/2006/chart" xmlns:dgm="http://schemas.openxmlformats.org/drawingml/2006/diagram" xmlns:o="urn:schemas-microsoft-com:office:office" xmlns:v="urn:schemas-microsoft-com:vml" xmlns:pvml="urn:schemas-microsoft-com:office:powerpoint" xmlns:com="http://schemas.openxmlformats.org/drawingml/2006/compatibility" xmlns:p14="http://schemas.microsoft.com/office/powerpoint/2010/main" xmlns:p15="http://schemas.microsoft.com/office/powerpoint/2012/main" xmlns:ahyp="http://schemas.microsoft.com/office/drawing/2018/hyperlinkcolor" matchingName="Caption">
   <p:cSld name="CAPTION_ONLY">
     <p:spTree>
       <p:nvGrpSpPr>
-        <p:cNvPr id="1" name="Shape 41"/>
+        <p:cNvPr id="41" name="Shape 41"/>
         <p:cNvGrpSpPr/>
         <p:nvPr/>
       </p:nvGrpSpPr>
@@ -6819,12 +7122,10 @@
       </p:grpSpPr>
       <p:sp>
         <p:nvSpPr>
-          <p:cNvPr id="42" name="Google Shape;42;p10"/>
-          <p:cNvSpPr txBox="1">
-            <a:spLocks noGrp="1"/>
-          </p:cNvSpPr>
+          <p:cNvPr id="42" name="Google Shape;42;p15"/>
+          <p:cNvSpPr txBox="1"/>
           <p:nvPr>
-            <p:ph type="body" idx="1"/>
+            <p:ph idx="1" type="body"/>
           </p:nvPr>
         </p:nvSpPr>
         <p:spPr>
@@ -6841,11 +7142,11 @@
           </a:ln>
         </p:spPr>
         <p:txBody>
-          <a:bodyPr spcFirstLastPara="1" wrap="square" lIns="91425" tIns="91425" rIns="91425" bIns="91425" anchor="ctr" anchorCtr="0">
+          <a:bodyPr anchorCtr="0" anchor="ctr" bIns="91425" lIns="91425" spcFirstLastPara="1" rIns="91425" wrap="square" tIns="91425">
             <a:noAutofit/>
           </a:bodyPr>
           <a:lstStyle>
-            <a:lvl1pPr marL="457200" lvl="0" indent="-228600" algn="l">
+            <a:lvl1pPr indent="-228600" lvl="0" marL="457200" algn="l">
               <a:lnSpc>
                 <a:spcPct val="100000"/>
               </a:lnSpc>
@@ -6860,19 +7161,15 @@
               <a:defRPr/>
             </a:lvl1pPr>
           </a:lstStyle>
-          <a:p>
-            <a:endParaRPr/>
-          </a:p>
+          <a:p/>
         </p:txBody>
       </p:sp>
       <p:sp>
         <p:nvSpPr>
-          <p:cNvPr id="43" name="Google Shape;43;p10"/>
-          <p:cNvSpPr txBox="1">
-            <a:spLocks noGrp="1"/>
-          </p:cNvSpPr>
+          <p:cNvPr id="43" name="Google Shape;43;p15"/>
+          <p:cNvSpPr txBox="1"/>
           <p:nvPr>
-            <p:ph type="sldNum" idx="12"/>
+            <p:ph idx="12" type="sldNum"/>
           </p:nvPr>
         </p:nvSpPr>
         <p:spPr>
@@ -6889,27 +7186,27 @@
           </a:ln>
         </p:spPr>
         <p:txBody>
-          <a:bodyPr spcFirstLastPara="1" wrap="square" lIns="91425" tIns="91425" rIns="91425" bIns="91425" anchor="ctr" anchorCtr="0">
+          <a:bodyPr anchorCtr="0" anchor="ctr" bIns="91425" lIns="91425" spcFirstLastPara="1" rIns="91425" wrap="square" tIns="91425">
             <a:noAutofit/>
           </a:bodyPr>
           <a:lstStyle>
-            <a:lvl1pPr marL="0" marR="0" lvl="0" indent="0" algn="r">
-              <a:lnSpc>
-                <a:spcPct val="100000"/>
-              </a:lnSpc>
-              <a:spcBef>
-                <a:spcPts val="0"/>
-              </a:spcBef>
-              <a:spcAft>
-                <a:spcPts val="0"/>
-              </a:spcAft>
-              <a:buClr>
-                <a:srgbClr val="000000"/>
-              </a:buClr>
-              <a:buSzPts val="1000"/>
-              <a:buFont typeface="Arial"/>
-              <a:buNone/>
-              <a:defRPr sz="1000" b="0" i="0" u="none" strike="noStrike" cap="none">
+            <a:lvl1pPr indent="0" lvl="0" marL="0" marR="0" algn="r">
+              <a:lnSpc>
+                <a:spcPct val="100000"/>
+              </a:lnSpc>
+              <a:spcBef>
+                <a:spcPts val="0"/>
+              </a:spcBef>
+              <a:spcAft>
+                <a:spcPts val="0"/>
+              </a:spcAft>
+              <a:buClr>
+                <a:srgbClr val="000000"/>
+              </a:buClr>
+              <a:buSzPts val="1000"/>
+              <a:buFont typeface="Arial"/>
+              <a:buNone/>
+              <a:defRPr b="0" i="0" sz="1000" u="none" cap="none" strike="noStrike">
                 <a:solidFill>
                   <a:schemeClr val="dk2"/>
                 </a:solidFill>
@@ -6919,23 +7216,23 @@
                 <a:sym typeface="Arial"/>
               </a:defRPr>
             </a:lvl1pPr>
-            <a:lvl2pPr marL="0" marR="0" lvl="1" indent="0" algn="r">
-              <a:lnSpc>
-                <a:spcPct val="100000"/>
-              </a:lnSpc>
-              <a:spcBef>
-                <a:spcPts val="0"/>
-              </a:spcBef>
-              <a:spcAft>
-                <a:spcPts val="0"/>
-              </a:spcAft>
-              <a:buClr>
-                <a:srgbClr val="000000"/>
-              </a:buClr>
-              <a:buSzPts val="1000"/>
-              <a:buFont typeface="Arial"/>
-              <a:buNone/>
-              <a:defRPr sz="1000" b="0" i="0" u="none" strike="noStrike" cap="none">
+            <a:lvl2pPr indent="0" lvl="1" marL="0" marR="0" algn="r">
+              <a:lnSpc>
+                <a:spcPct val="100000"/>
+              </a:lnSpc>
+              <a:spcBef>
+                <a:spcPts val="0"/>
+              </a:spcBef>
+              <a:spcAft>
+                <a:spcPts val="0"/>
+              </a:spcAft>
+              <a:buClr>
+                <a:srgbClr val="000000"/>
+              </a:buClr>
+              <a:buSzPts val="1000"/>
+              <a:buFont typeface="Arial"/>
+              <a:buNone/>
+              <a:defRPr b="0" i="0" sz="1000" u="none" cap="none" strike="noStrike">
                 <a:solidFill>
                   <a:schemeClr val="dk2"/>
                 </a:solidFill>
@@ -6945,23 +7242,23 @@
                 <a:sym typeface="Arial"/>
               </a:defRPr>
             </a:lvl2pPr>
-            <a:lvl3pPr marL="0" marR="0" lvl="2" indent="0" algn="r">
-              <a:lnSpc>
-                <a:spcPct val="100000"/>
-              </a:lnSpc>
-              <a:spcBef>
-                <a:spcPts val="0"/>
-              </a:spcBef>
-              <a:spcAft>
-                <a:spcPts val="0"/>
-              </a:spcAft>
-              <a:buClr>
-                <a:srgbClr val="000000"/>
-              </a:buClr>
-              <a:buSzPts val="1000"/>
-              <a:buFont typeface="Arial"/>
-              <a:buNone/>
-              <a:defRPr sz="1000" b="0" i="0" u="none" strike="noStrike" cap="none">
+            <a:lvl3pPr indent="0" lvl="2" marL="0" marR="0" algn="r">
+              <a:lnSpc>
+                <a:spcPct val="100000"/>
+              </a:lnSpc>
+              <a:spcBef>
+                <a:spcPts val="0"/>
+              </a:spcBef>
+              <a:spcAft>
+                <a:spcPts val="0"/>
+              </a:spcAft>
+              <a:buClr>
+                <a:srgbClr val="000000"/>
+              </a:buClr>
+              <a:buSzPts val="1000"/>
+              <a:buFont typeface="Arial"/>
+              <a:buNone/>
+              <a:defRPr b="0" i="0" sz="1000" u="none" cap="none" strike="noStrike">
                 <a:solidFill>
                   <a:schemeClr val="dk2"/>
                 </a:solidFill>
@@ -6971,23 +7268,23 @@
                 <a:sym typeface="Arial"/>
               </a:defRPr>
             </a:lvl3pPr>
-            <a:lvl4pPr marL="0" marR="0" lvl="3" indent="0" algn="r">
-              <a:lnSpc>
-                <a:spcPct val="100000"/>
-              </a:lnSpc>
-              <a:spcBef>
-                <a:spcPts val="0"/>
-              </a:spcBef>
-              <a:spcAft>
-                <a:spcPts val="0"/>
-              </a:spcAft>
-              <a:buClr>
-                <a:srgbClr val="000000"/>
-              </a:buClr>
-              <a:buSzPts val="1000"/>
-              <a:buFont typeface="Arial"/>
-              <a:buNone/>
-              <a:defRPr sz="1000" b="0" i="0" u="none" strike="noStrike" cap="none">
+            <a:lvl4pPr indent="0" lvl="3" marL="0" marR="0" algn="r">
+              <a:lnSpc>
+                <a:spcPct val="100000"/>
+              </a:lnSpc>
+              <a:spcBef>
+                <a:spcPts val="0"/>
+              </a:spcBef>
+              <a:spcAft>
+                <a:spcPts val="0"/>
+              </a:spcAft>
+              <a:buClr>
+                <a:srgbClr val="000000"/>
+              </a:buClr>
+              <a:buSzPts val="1000"/>
+              <a:buFont typeface="Arial"/>
+              <a:buNone/>
+              <a:defRPr b="0" i="0" sz="1000" u="none" cap="none" strike="noStrike">
                 <a:solidFill>
                   <a:schemeClr val="dk2"/>
                 </a:solidFill>
@@ -6997,23 +7294,23 @@
                 <a:sym typeface="Arial"/>
               </a:defRPr>
             </a:lvl4pPr>
-            <a:lvl5pPr marL="0" marR="0" lvl="4" indent="0" algn="r">
-              <a:lnSpc>
-                <a:spcPct val="100000"/>
-              </a:lnSpc>
-              <a:spcBef>
-                <a:spcPts val="0"/>
-              </a:spcBef>
-              <a:spcAft>
-                <a:spcPts val="0"/>
-              </a:spcAft>
-              <a:buClr>
-                <a:srgbClr val="000000"/>
-              </a:buClr>
-              <a:buSzPts val="1000"/>
-              <a:buFont typeface="Arial"/>
-              <a:buNone/>
-              <a:defRPr sz="1000" b="0" i="0" u="none" strike="noStrike" cap="none">
+            <a:lvl5pPr indent="0" lvl="4" marL="0" marR="0" algn="r">
+              <a:lnSpc>
+                <a:spcPct val="100000"/>
+              </a:lnSpc>
+              <a:spcBef>
+                <a:spcPts val="0"/>
+              </a:spcBef>
+              <a:spcAft>
+                <a:spcPts val="0"/>
+              </a:spcAft>
+              <a:buClr>
+                <a:srgbClr val="000000"/>
+              </a:buClr>
+              <a:buSzPts val="1000"/>
+              <a:buFont typeface="Arial"/>
+              <a:buNone/>
+              <a:defRPr b="0" i="0" sz="1000" u="none" cap="none" strike="noStrike">
                 <a:solidFill>
                   <a:schemeClr val="dk2"/>
                 </a:solidFill>
@@ -7023,23 +7320,23 @@
                 <a:sym typeface="Arial"/>
               </a:defRPr>
             </a:lvl5pPr>
-            <a:lvl6pPr marL="0" marR="0" lvl="5" indent="0" algn="r">
-              <a:lnSpc>
-                <a:spcPct val="100000"/>
-              </a:lnSpc>
-              <a:spcBef>
-                <a:spcPts val="0"/>
-              </a:spcBef>
-              <a:spcAft>
-                <a:spcPts val="0"/>
-              </a:spcAft>
-              <a:buClr>
-                <a:srgbClr val="000000"/>
-              </a:buClr>
-              <a:buSzPts val="1000"/>
-              <a:buFont typeface="Arial"/>
-              <a:buNone/>
-              <a:defRPr sz="1000" b="0" i="0" u="none" strike="noStrike" cap="none">
+            <a:lvl6pPr indent="0" lvl="5" marL="0" marR="0" algn="r">
+              <a:lnSpc>
+                <a:spcPct val="100000"/>
+              </a:lnSpc>
+              <a:spcBef>
+                <a:spcPts val="0"/>
+              </a:spcBef>
+              <a:spcAft>
+                <a:spcPts val="0"/>
+              </a:spcAft>
+              <a:buClr>
+                <a:srgbClr val="000000"/>
+              </a:buClr>
+              <a:buSzPts val="1000"/>
+              <a:buFont typeface="Arial"/>
+              <a:buNone/>
+              <a:defRPr b="0" i="0" sz="1000" u="none" cap="none" strike="noStrike">
                 <a:solidFill>
                   <a:schemeClr val="dk2"/>
                 </a:solidFill>
@@ -7049,23 +7346,23 @@
                 <a:sym typeface="Arial"/>
               </a:defRPr>
             </a:lvl6pPr>
-            <a:lvl7pPr marL="0" marR="0" lvl="6" indent="0" algn="r">
-              <a:lnSpc>
-                <a:spcPct val="100000"/>
-              </a:lnSpc>
-              <a:spcBef>
-                <a:spcPts val="0"/>
-              </a:spcBef>
-              <a:spcAft>
-                <a:spcPts val="0"/>
-              </a:spcAft>
-              <a:buClr>
-                <a:srgbClr val="000000"/>
-              </a:buClr>
-              <a:buSzPts val="1000"/>
-              <a:buFont typeface="Arial"/>
-              <a:buNone/>
-              <a:defRPr sz="1000" b="0" i="0" u="none" strike="noStrike" cap="none">
+            <a:lvl7pPr indent="0" lvl="6" marL="0" marR="0" algn="r">
+              <a:lnSpc>
+                <a:spcPct val="100000"/>
+              </a:lnSpc>
+              <a:spcBef>
+                <a:spcPts val="0"/>
+              </a:spcBef>
+              <a:spcAft>
+                <a:spcPts val="0"/>
+              </a:spcAft>
+              <a:buClr>
+                <a:srgbClr val="000000"/>
+              </a:buClr>
+              <a:buSzPts val="1000"/>
+              <a:buFont typeface="Arial"/>
+              <a:buNone/>
+              <a:defRPr b="0" i="0" sz="1000" u="none" cap="none" strike="noStrike">
                 <a:solidFill>
                   <a:schemeClr val="dk2"/>
                 </a:solidFill>
@@ -7075,23 +7372,23 @@
                 <a:sym typeface="Arial"/>
               </a:defRPr>
             </a:lvl7pPr>
-            <a:lvl8pPr marL="0" marR="0" lvl="7" indent="0" algn="r">
-              <a:lnSpc>
-                <a:spcPct val="100000"/>
-              </a:lnSpc>
-              <a:spcBef>
-                <a:spcPts val="0"/>
-              </a:spcBef>
-              <a:spcAft>
-                <a:spcPts val="0"/>
-              </a:spcAft>
-              <a:buClr>
-                <a:srgbClr val="000000"/>
-              </a:buClr>
-              <a:buSzPts val="1000"/>
-              <a:buFont typeface="Arial"/>
-              <a:buNone/>
-              <a:defRPr sz="1000" b="0" i="0" u="none" strike="noStrike" cap="none">
+            <a:lvl8pPr indent="0" lvl="7" marL="0" marR="0" algn="r">
+              <a:lnSpc>
+                <a:spcPct val="100000"/>
+              </a:lnSpc>
+              <a:spcBef>
+                <a:spcPts val="0"/>
+              </a:spcBef>
+              <a:spcAft>
+                <a:spcPts val="0"/>
+              </a:spcAft>
+              <a:buClr>
+                <a:srgbClr val="000000"/>
+              </a:buClr>
+              <a:buSzPts val="1000"/>
+              <a:buFont typeface="Arial"/>
+              <a:buNone/>
+              <a:defRPr b="0" i="0" sz="1000" u="none" cap="none" strike="noStrike">
                 <a:solidFill>
                   <a:schemeClr val="dk2"/>
                 </a:solidFill>
@@ -7101,23 +7398,23 @@
                 <a:sym typeface="Arial"/>
               </a:defRPr>
             </a:lvl8pPr>
-            <a:lvl9pPr marL="0" marR="0" lvl="8" indent="0" algn="r">
-              <a:lnSpc>
-                <a:spcPct val="100000"/>
-              </a:lnSpc>
-              <a:spcBef>
-                <a:spcPts val="0"/>
-              </a:spcBef>
-              <a:spcAft>
-                <a:spcPts val="0"/>
-              </a:spcAft>
-              <a:buClr>
-                <a:srgbClr val="000000"/>
-              </a:buClr>
-              <a:buSzPts val="1000"/>
-              <a:buFont typeface="Arial"/>
-              <a:buNone/>
-              <a:defRPr sz="1000" b="0" i="0" u="none" strike="noStrike" cap="none">
+            <a:lvl9pPr indent="0" lvl="8" marL="0" marR="0" algn="r">
+              <a:lnSpc>
+                <a:spcPct val="100000"/>
+              </a:lnSpc>
+              <a:spcBef>
+                <a:spcPts val="0"/>
+              </a:spcBef>
+              <a:spcAft>
+                <a:spcPts val="0"/>
+              </a:spcAft>
+              <a:buClr>
+                <a:srgbClr val="000000"/>
+              </a:buClr>
+              <a:buSzPts val="1000"/>
+              <a:buFont typeface="Arial"/>
+              <a:buNone/>
+              <a:defRPr b="0" i="0" sz="1000" u="none" cap="none" strike="noStrike">
                 <a:solidFill>
                   <a:schemeClr val="dk2"/>
                 </a:solidFill>
@@ -7129,7 +7426,7 @@
             </a:lvl9pPr>
           </a:lstStyle>
           <a:p>
-            <a:pPr marL="0" lvl="0" indent="0" algn="r" rtl="0">
+            <a:pPr indent="0" lvl="0" marL="0" rtl="0" algn="r">
               <a:spcBef>
                 <a:spcPts val="0"/>
               </a:spcBef>
@@ -7140,7 +7437,7 @@
             </a:pPr>
             <a:fld id="{00000000-1234-1234-1234-123412341234}" type="slidenum">
               <a:rPr lang="pt-BR"/>
-              <a:t>‹nº›</a:t>
+              <a:t>‹#›</a:t>
             </a:fld>
             <a:endParaRPr/>
           </a:p>
@@ -7155,19 +7452,18 @@
 </file>
 
 <file path=ppt/slideMasters/slideMaster1.xml><?xml version="1.0" encoding="utf-8"?>
-<p:sldMaster xmlns:a="http://schemas.openxmlformats.org/drawingml/2006/main" xmlns:r="http://schemas.openxmlformats.org/officeDocument/2006/relationships" xmlns:p="http://schemas.openxmlformats.org/presentationml/2006/main">
+<p:sldMaster xmlns:a="http://schemas.openxmlformats.org/drawingml/2006/main" xmlns:r="http://schemas.openxmlformats.org/officeDocument/2006/relationships" xmlns:mc="http://schemas.openxmlformats.org/markup-compatibility/2006" xmlns:mv="urn:schemas-microsoft-com:mac:vml" xmlns:p="http://schemas.openxmlformats.org/presentationml/2006/main" xmlns:c="http://schemas.openxmlformats.org/drawingml/2006/chart" xmlns:dgm="http://schemas.openxmlformats.org/drawingml/2006/diagram" xmlns:o="urn:schemas-microsoft-com:office:office" xmlns:v="urn:schemas-microsoft-com:vml" xmlns:pvml="urn:schemas-microsoft-com:office:powerpoint" xmlns:com="http://schemas.openxmlformats.org/drawingml/2006/compatibility" xmlns:p14="http://schemas.microsoft.com/office/powerpoint/2010/main" xmlns:p15="http://schemas.microsoft.com/office/powerpoint/2012/main" xmlns:ahyp="http://schemas.microsoft.com/office/drawing/2018/hyperlinkcolor">
   <p:cSld name="simple-light-2">
     <p:bg>
       <p:bgPr>
         <a:solidFill>
           <a:schemeClr val="lt1"/>
         </a:solidFill>
-        <a:effectLst/>
       </p:bgPr>
     </p:bg>
     <p:spTree>
       <p:nvGrpSpPr>
-        <p:cNvPr id="1" name="Shape 5"/>
+        <p:cNvPr id="5" name="Shape 5"/>
         <p:cNvGrpSpPr/>
         <p:nvPr/>
       </p:nvGrpSpPr>
@@ -7181,10 +7477,8 @@
       </p:grpSpPr>
       <p:sp>
         <p:nvSpPr>
-          <p:cNvPr id="6" name="Google Shape;6;p1"/>
-          <p:cNvSpPr txBox="1">
-            <a:spLocks noGrp="1"/>
-          </p:cNvSpPr>
+          <p:cNvPr id="6" name="Google Shape;6;p6"/>
+          <p:cNvSpPr txBox="1"/>
           <p:nvPr>
             <p:ph type="title"/>
           </p:nvPr>
@@ -7203,11 +7497,11 @@
           </a:ln>
         </p:spPr>
         <p:txBody>
-          <a:bodyPr spcFirstLastPara="1" wrap="square" lIns="91425" tIns="91425" rIns="91425" bIns="91425" anchor="t" anchorCtr="0">
+          <a:bodyPr anchorCtr="0" anchor="t" bIns="91425" lIns="91425" spcFirstLastPara="1" rIns="91425" wrap="square" tIns="91425">
             <a:noAutofit/>
           </a:bodyPr>
           <a:lstStyle>
-            <a:lvl1pPr marR="0" lvl="0" algn="l" rtl="0">
+            <a:lvl1pPr lvl="0" marR="0" rtl="0" algn="l">
               <a:lnSpc>
                 <a:spcPct val="100000"/>
               </a:lnSpc>
@@ -7223,7 +7517,7 @@
               <a:buSzPts val="2800"/>
               <a:buFont typeface="Arial"/>
               <a:buNone/>
-              <a:defRPr sz="2800" b="0" i="0" u="none" strike="noStrike" cap="none">
+              <a:defRPr b="0" i="0" sz="2800" u="none" cap="none" strike="noStrike">
                 <a:solidFill>
                   <a:schemeClr val="dk1"/>
                 </a:solidFill>
@@ -7233,7 +7527,7 @@
                 <a:sym typeface="Arial"/>
               </a:defRPr>
             </a:lvl1pPr>
-            <a:lvl2pPr marR="0" lvl="1" algn="l" rtl="0">
+            <a:lvl2pPr lvl="1" marR="0" rtl="0" algn="l">
               <a:lnSpc>
                 <a:spcPct val="100000"/>
               </a:lnSpc>
@@ -7249,7 +7543,7 @@
               <a:buSzPts val="2800"/>
               <a:buFont typeface="Arial"/>
               <a:buNone/>
-              <a:defRPr sz="2800" b="0" i="0" u="none" strike="noStrike" cap="none">
+              <a:defRPr b="0" i="0" sz="2800" u="none" cap="none" strike="noStrike">
                 <a:solidFill>
                   <a:schemeClr val="dk1"/>
                 </a:solidFill>
@@ -7259,7 +7553,7 @@
                 <a:sym typeface="Arial"/>
               </a:defRPr>
             </a:lvl2pPr>
-            <a:lvl3pPr marR="0" lvl="2" algn="l" rtl="0">
+            <a:lvl3pPr lvl="2" marR="0" rtl="0" algn="l">
               <a:lnSpc>
                 <a:spcPct val="100000"/>
               </a:lnSpc>
@@ -7275,7 +7569,7 @@
               <a:buSzPts val="2800"/>
               <a:buFont typeface="Arial"/>
               <a:buNone/>
-              <a:defRPr sz="2800" b="0" i="0" u="none" strike="noStrike" cap="none">
+              <a:defRPr b="0" i="0" sz="2800" u="none" cap="none" strike="noStrike">
                 <a:solidFill>
                   <a:schemeClr val="dk1"/>
                 </a:solidFill>
@@ -7285,7 +7579,7 @@
                 <a:sym typeface="Arial"/>
               </a:defRPr>
             </a:lvl3pPr>
-            <a:lvl4pPr marR="0" lvl="3" algn="l" rtl="0">
+            <a:lvl4pPr lvl="3" marR="0" rtl="0" algn="l">
               <a:lnSpc>
                 <a:spcPct val="100000"/>
               </a:lnSpc>
@@ -7301,7 +7595,7 @@
               <a:buSzPts val="2800"/>
               <a:buFont typeface="Arial"/>
               <a:buNone/>
-              <a:defRPr sz="2800" b="0" i="0" u="none" strike="noStrike" cap="none">
+              <a:defRPr b="0" i="0" sz="2800" u="none" cap="none" strike="noStrike">
                 <a:solidFill>
                   <a:schemeClr val="dk1"/>
                 </a:solidFill>
@@ -7311,7 +7605,7 @@
                 <a:sym typeface="Arial"/>
               </a:defRPr>
             </a:lvl4pPr>
-            <a:lvl5pPr marR="0" lvl="4" algn="l" rtl="0">
+            <a:lvl5pPr lvl="4" marR="0" rtl="0" algn="l">
               <a:lnSpc>
                 <a:spcPct val="100000"/>
               </a:lnSpc>
@@ -7327,7 +7621,7 @@
               <a:buSzPts val="2800"/>
               <a:buFont typeface="Arial"/>
               <a:buNone/>
-              <a:defRPr sz="2800" b="0" i="0" u="none" strike="noStrike" cap="none">
+              <a:defRPr b="0" i="0" sz="2800" u="none" cap="none" strike="noStrike">
                 <a:solidFill>
                   <a:schemeClr val="dk1"/>
                 </a:solidFill>
@@ -7337,7 +7631,7 @@
                 <a:sym typeface="Arial"/>
               </a:defRPr>
             </a:lvl5pPr>
-            <a:lvl6pPr marR="0" lvl="5" algn="l" rtl="0">
+            <a:lvl6pPr lvl="5" marR="0" rtl="0" algn="l">
               <a:lnSpc>
                 <a:spcPct val="100000"/>
               </a:lnSpc>
@@ -7353,7 +7647,7 @@
               <a:buSzPts val="2800"/>
               <a:buFont typeface="Arial"/>
               <a:buNone/>
-              <a:defRPr sz="2800" b="0" i="0" u="none" strike="noStrike" cap="none">
+              <a:defRPr b="0" i="0" sz="2800" u="none" cap="none" strike="noStrike">
                 <a:solidFill>
                   <a:schemeClr val="dk1"/>
                 </a:solidFill>
@@ -7363,7 +7657,7 @@
                 <a:sym typeface="Arial"/>
               </a:defRPr>
             </a:lvl6pPr>
-            <a:lvl7pPr marR="0" lvl="6" algn="l" rtl="0">
+            <a:lvl7pPr lvl="6" marR="0" rtl="0" algn="l">
               <a:lnSpc>
                 <a:spcPct val="100000"/>
               </a:lnSpc>
@@ -7379,7 +7673,7 @@
               <a:buSzPts val="2800"/>
               <a:buFont typeface="Arial"/>
               <a:buNone/>
-              <a:defRPr sz="2800" b="0" i="0" u="none" strike="noStrike" cap="none">
+              <a:defRPr b="0" i="0" sz="2800" u="none" cap="none" strike="noStrike">
                 <a:solidFill>
                   <a:schemeClr val="dk1"/>
                 </a:solidFill>
@@ -7389,7 +7683,7 @@
                 <a:sym typeface="Arial"/>
               </a:defRPr>
             </a:lvl7pPr>
-            <a:lvl8pPr marR="0" lvl="7" algn="l" rtl="0">
+            <a:lvl8pPr lvl="7" marR="0" rtl="0" algn="l">
               <a:lnSpc>
                 <a:spcPct val="100000"/>
               </a:lnSpc>
@@ -7405,7 +7699,7 @@
               <a:buSzPts val="2800"/>
               <a:buFont typeface="Arial"/>
               <a:buNone/>
-              <a:defRPr sz="2800" b="0" i="0" u="none" strike="noStrike" cap="none">
+              <a:defRPr b="0" i="0" sz="2800" u="none" cap="none" strike="noStrike">
                 <a:solidFill>
                   <a:schemeClr val="dk1"/>
                 </a:solidFill>
@@ -7415,7 +7709,7 @@
                 <a:sym typeface="Arial"/>
               </a:defRPr>
             </a:lvl8pPr>
-            <a:lvl9pPr marR="0" lvl="8" algn="l" rtl="0">
+            <a:lvl9pPr lvl="8" marR="0" rtl="0" algn="l">
               <a:lnSpc>
                 <a:spcPct val="100000"/>
               </a:lnSpc>
@@ -7431,7 +7725,7 @@
               <a:buSzPts val="2800"/>
               <a:buFont typeface="Arial"/>
               <a:buNone/>
-              <a:defRPr sz="2800" b="0" i="0" u="none" strike="noStrike" cap="none">
+              <a:defRPr b="0" i="0" sz="2800" u="none" cap="none" strike="noStrike">
                 <a:solidFill>
                   <a:schemeClr val="dk1"/>
                 </a:solidFill>
@@ -7442,19 +7736,15 @@
               </a:defRPr>
             </a:lvl9pPr>
           </a:lstStyle>
-          <a:p>
-            <a:endParaRPr/>
-          </a:p>
+          <a:p/>
         </p:txBody>
       </p:sp>
       <p:sp>
         <p:nvSpPr>
-          <p:cNvPr id="7" name="Google Shape;7;p1"/>
-          <p:cNvSpPr txBox="1">
-            <a:spLocks noGrp="1"/>
-          </p:cNvSpPr>
+          <p:cNvPr id="7" name="Google Shape;7;p6"/>
+          <p:cNvSpPr txBox="1"/>
           <p:nvPr>
-            <p:ph type="body" idx="1"/>
+            <p:ph idx="1" type="body"/>
           </p:nvPr>
         </p:nvSpPr>
         <p:spPr>
@@ -7471,11 +7761,11 @@
           </a:ln>
         </p:spPr>
         <p:txBody>
-          <a:bodyPr spcFirstLastPara="1" wrap="square" lIns="91425" tIns="91425" rIns="91425" bIns="91425" anchor="t" anchorCtr="0">
+          <a:bodyPr anchorCtr="0" anchor="t" bIns="91425" lIns="91425" spcFirstLastPara="1" rIns="91425" wrap="square" tIns="91425">
             <a:noAutofit/>
           </a:bodyPr>
           <a:lstStyle>
-            <a:lvl1pPr marL="457200" marR="0" lvl="0" indent="-342900" algn="l" rtl="0">
+            <a:lvl1pPr indent="-342900" lvl="0" marL="457200" marR="0" rtl="0" algn="l">
               <a:lnSpc>
                 <a:spcPct val="115000"/>
               </a:lnSpc>
@@ -7491,7 +7781,7 @@
               <a:buSzPts val="1800"/>
               <a:buFont typeface="Arial"/>
               <a:buChar char="●"/>
-              <a:defRPr sz="1800" b="0" i="0" u="none" strike="noStrike" cap="none">
+              <a:defRPr b="0" i="0" sz="1800" u="none" cap="none" strike="noStrike">
                 <a:solidFill>
                   <a:schemeClr val="dk2"/>
                 </a:solidFill>
@@ -7501,7 +7791,7 @@
                 <a:sym typeface="Arial"/>
               </a:defRPr>
             </a:lvl1pPr>
-            <a:lvl2pPr marL="914400" marR="0" lvl="1" indent="-317500" algn="l" rtl="0">
+            <a:lvl2pPr indent="-317500" lvl="1" marL="914400" marR="0" rtl="0" algn="l">
               <a:lnSpc>
                 <a:spcPct val="115000"/>
               </a:lnSpc>
@@ -7517,7 +7807,7 @@
               <a:buSzPts val="1400"/>
               <a:buFont typeface="Arial"/>
               <a:buChar char="○"/>
-              <a:defRPr sz="1400" b="0" i="0" u="none" strike="noStrike" cap="none">
+              <a:defRPr b="0" i="0" sz="1400" u="none" cap="none" strike="noStrike">
                 <a:solidFill>
                   <a:schemeClr val="dk2"/>
                 </a:solidFill>
@@ -7527,7 +7817,7 @@
                 <a:sym typeface="Arial"/>
               </a:defRPr>
             </a:lvl2pPr>
-            <a:lvl3pPr marL="1371600" marR="0" lvl="2" indent="-317500" algn="l" rtl="0">
+            <a:lvl3pPr indent="-317500" lvl="2" marL="1371600" marR="0" rtl="0" algn="l">
               <a:lnSpc>
                 <a:spcPct val="115000"/>
               </a:lnSpc>
@@ -7543,7 +7833,7 @@
               <a:buSzPts val="1400"/>
               <a:buFont typeface="Arial"/>
               <a:buChar char="■"/>
-              <a:defRPr sz="1400" b="0" i="0" u="none" strike="noStrike" cap="none">
+              <a:defRPr b="0" i="0" sz="1400" u="none" cap="none" strike="noStrike">
                 <a:solidFill>
                   <a:schemeClr val="dk2"/>
                 </a:solidFill>
@@ -7553,7 +7843,7 @@
                 <a:sym typeface="Arial"/>
               </a:defRPr>
             </a:lvl3pPr>
-            <a:lvl4pPr marL="1828800" marR="0" lvl="3" indent="-317500" algn="l" rtl="0">
+            <a:lvl4pPr indent="-317500" lvl="3" marL="1828800" marR="0" rtl="0" algn="l">
               <a:lnSpc>
                 <a:spcPct val="115000"/>
               </a:lnSpc>
@@ -7569,7 +7859,7 @@
               <a:buSzPts val="1400"/>
               <a:buFont typeface="Arial"/>
               <a:buChar char="●"/>
-              <a:defRPr sz="1400" b="0" i="0" u="none" strike="noStrike" cap="none">
+              <a:defRPr b="0" i="0" sz="1400" u="none" cap="none" strike="noStrike">
                 <a:solidFill>
                   <a:schemeClr val="dk2"/>
                 </a:solidFill>
@@ -7579,7 +7869,7 @@
                 <a:sym typeface="Arial"/>
               </a:defRPr>
             </a:lvl4pPr>
-            <a:lvl5pPr marL="2286000" marR="0" lvl="4" indent="-317500" algn="l" rtl="0">
+            <a:lvl5pPr indent="-317500" lvl="4" marL="2286000" marR="0" rtl="0" algn="l">
               <a:lnSpc>
                 <a:spcPct val="115000"/>
               </a:lnSpc>
@@ -7595,7 +7885,7 @@
               <a:buSzPts val="1400"/>
               <a:buFont typeface="Arial"/>
               <a:buChar char="○"/>
-              <a:defRPr sz="1400" b="0" i="0" u="none" strike="noStrike" cap="none">
+              <a:defRPr b="0" i="0" sz="1400" u="none" cap="none" strike="noStrike">
                 <a:solidFill>
                   <a:schemeClr val="dk2"/>
                 </a:solidFill>
@@ -7605,7 +7895,7 @@
                 <a:sym typeface="Arial"/>
               </a:defRPr>
             </a:lvl5pPr>
-            <a:lvl6pPr marL="2743200" marR="0" lvl="5" indent="-317500" algn="l" rtl="0">
+            <a:lvl6pPr indent="-317500" lvl="5" marL="2743200" marR="0" rtl="0" algn="l">
               <a:lnSpc>
                 <a:spcPct val="115000"/>
               </a:lnSpc>
@@ -7621,7 +7911,7 @@
               <a:buSzPts val="1400"/>
               <a:buFont typeface="Arial"/>
               <a:buChar char="■"/>
-              <a:defRPr sz="1400" b="0" i="0" u="none" strike="noStrike" cap="none">
+              <a:defRPr b="0" i="0" sz="1400" u="none" cap="none" strike="noStrike">
                 <a:solidFill>
                   <a:schemeClr val="dk2"/>
                 </a:solidFill>
@@ -7631,7 +7921,7 @@
                 <a:sym typeface="Arial"/>
               </a:defRPr>
             </a:lvl6pPr>
-            <a:lvl7pPr marL="3200400" marR="0" lvl="6" indent="-317500" algn="l" rtl="0">
+            <a:lvl7pPr indent="-317500" lvl="6" marL="3200400" marR="0" rtl="0" algn="l">
               <a:lnSpc>
                 <a:spcPct val="115000"/>
               </a:lnSpc>
@@ -7647,7 +7937,7 @@
               <a:buSzPts val="1400"/>
               <a:buFont typeface="Arial"/>
               <a:buChar char="●"/>
-              <a:defRPr sz="1400" b="0" i="0" u="none" strike="noStrike" cap="none">
+              <a:defRPr b="0" i="0" sz="1400" u="none" cap="none" strike="noStrike">
                 <a:solidFill>
                   <a:schemeClr val="dk2"/>
                 </a:solidFill>
@@ -7657,7 +7947,7 @@
                 <a:sym typeface="Arial"/>
               </a:defRPr>
             </a:lvl7pPr>
-            <a:lvl8pPr marL="3657600" marR="0" lvl="7" indent="-317500" algn="l" rtl="0">
+            <a:lvl8pPr indent="-317500" lvl="7" marL="3657600" marR="0" rtl="0" algn="l">
               <a:lnSpc>
                 <a:spcPct val="115000"/>
               </a:lnSpc>
@@ -7673,7 +7963,7 @@
               <a:buSzPts val="1400"/>
               <a:buFont typeface="Arial"/>
               <a:buChar char="○"/>
-              <a:defRPr sz="1400" b="0" i="0" u="none" strike="noStrike" cap="none">
+              <a:defRPr b="0" i="0" sz="1400" u="none" cap="none" strike="noStrike">
                 <a:solidFill>
                   <a:schemeClr val="dk2"/>
                 </a:solidFill>
@@ -7683,7 +7973,7 @@
                 <a:sym typeface="Arial"/>
               </a:defRPr>
             </a:lvl8pPr>
-            <a:lvl9pPr marL="4114800" marR="0" lvl="8" indent="-317500" algn="l" rtl="0">
+            <a:lvl9pPr indent="-317500" lvl="8" marL="4114800" marR="0" rtl="0" algn="l">
               <a:lnSpc>
                 <a:spcPct val="115000"/>
               </a:lnSpc>
@@ -7699,7 +7989,7 @@
               <a:buSzPts val="1400"/>
               <a:buFont typeface="Arial"/>
               <a:buChar char="■"/>
-              <a:defRPr sz="1400" b="0" i="0" u="none" strike="noStrike" cap="none">
+              <a:defRPr b="0" i="0" sz="1400" u="none" cap="none" strike="noStrike">
                 <a:solidFill>
                   <a:schemeClr val="dk2"/>
                 </a:solidFill>
@@ -7710,19 +8000,15 @@
               </a:defRPr>
             </a:lvl9pPr>
           </a:lstStyle>
-          <a:p>
-            <a:endParaRPr/>
-          </a:p>
+          <a:p/>
         </p:txBody>
       </p:sp>
       <p:sp>
         <p:nvSpPr>
-          <p:cNvPr id="8" name="Google Shape;8;p1"/>
-          <p:cNvSpPr txBox="1">
-            <a:spLocks noGrp="1"/>
-          </p:cNvSpPr>
+          <p:cNvPr id="8" name="Google Shape;8;p6"/>
+          <p:cNvSpPr txBox="1"/>
           <p:nvPr>
-            <p:ph type="sldNum" idx="12"/>
+            <p:ph idx="12" type="sldNum"/>
           </p:nvPr>
         </p:nvSpPr>
         <p:spPr>
@@ -7739,27 +8025,27 @@
           </a:ln>
         </p:spPr>
         <p:txBody>
-          <a:bodyPr spcFirstLastPara="1" wrap="square" lIns="91425" tIns="91425" rIns="91425" bIns="91425" anchor="ctr" anchorCtr="0">
+          <a:bodyPr anchorCtr="0" anchor="ctr" bIns="91425" lIns="91425" spcFirstLastPara="1" rIns="91425" wrap="square" tIns="91425">
             <a:noAutofit/>
           </a:bodyPr>
           <a:lstStyle>
-            <a:lvl1pPr marL="0" marR="0" lvl="0" indent="0" algn="r" rtl="0">
-              <a:lnSpc>
-                <a:spcPct val="100000"/>
-              </a:lnSpc>
-              <a:spcBef>
-                <a:spcPts val="0"/>
-              </a:spcBef>
-              <a:spcAft>
-                <a:spcPts val="0"/>
-              </a:spcAft>
-              <a:buClr>
-                <a:srgbClr val="000000"/>
-              </a:buClr>
-              <a:buSzPts val="1000"/>
-              <a:buFont typeface="Arial"/>
-              <a:buNone/>
-              <a:defRPr sz="1000" b="0" i="0" u="none" strike="noStrike" cap="none">
+            <a:lvl1pPr indent="0" lvl="0" marL="0" marR="0" rtl="0" algn="r">
+              <a:lnSpc>
+                <a:spcPct val="100000"/>
+              </a:lnSpc>
+              <a:spcBef>
+                <a:spcPts val="0"/>
+              </a:spcBef>
+              <a:spcAft>
+                <a:spcPts val="0"/>
+              </a:spcAft>
+              <a:buClr>
+                <a:srgbClr val="000000"/>
+              </a:buClr>
+              <a:buSzPts val="1000"/>
+              <a:buFont typeface="Arial"/>
+              <a:buNone/>
+              <a:defRPr b="0" i="0" sz="1000" u="none" cap="none" strike="noStrike">
                 <a:solidFill>
                   <a:schemeClr val="dk2"/>
                 </a:solidFill>
@@ -7769,23 +8055,23 @@
                 <a:sym typeface="Arial"/>
               </a:defRPr>
             </a:lvl1pPr>
-            <a:lvl2pPr marL="0" marR="0" lvl="1" indent="0" algn="r" rtl="0">
-              <a:lnSpc>
-                <a:spcPct val="100000"/>
-              </a:lnSpc>
-              <a:spcBef>
-                <a:spcPts val="0"/>
-              </a:spcBef>
-              <a:spcAft>
-                <a:spcPts val="0"/>
-              </a:spcAft>
-              <a:buClr>
-                <a:srgbClr val="000000"/>
-              </a:buClr>
-              <a:buSzPts val="1000"/>
-              <a:buFont typeface="Arial"/>
-              <a:buNone/>
-              <a:defRPr sz="1000" b="0" i="0" u="none" strike="noStrike" cap="none">
+            <a:lvl2pPr indent="0" lvl="1" marL="0" marR="0" rtl="0" algn="r">
+              <a:lnSpc>
+                <a:spcPct val="100000"/>
+              </a:lnSpc>
+              <a:spcBef>
+                <a:spcPts val="0"/>
+              </a:spcBef>
+              <a:spcAft>
+                <a:spcPts val="0"/>
+              </a:spcAft>
+              <a:buClr>
+                <a:srgbClr val="000000"/>
+              </a:buClr>
+              <a:buSzPts val="1000"/>
+              <a:buFont typeface="Arial"/>
+              <a:buNone/>
+              <a:defRPr b="0" i="0" sz="1000" u="none" cap="none" strike="noStrike">
                 <a:solidFill>
                   <a:schemeClr val="dk2"/>
                 </a:solidFill>
@@ -7795,23 +8081,23 @@
                 <a:sym typeface="Arial"/>
               </a:defRPr>
             </a:lvl2pPr>
-            <a:lvl3pPr marL="0" marR="0" lvl="2" indent="0" algn="r" rtl="0">
-              <a:lnSpc>
-                <a:spcPct val="100000"/>
-              </a:lnSpc>
-              <a:spcBef>
-                <a:spcPts val="0"/>
-              </a:spcBef>
-              <a:spcAft>
-                <a:spcPts val="0"/>
-              </a:spcAft>
-              <a:buClr>
-                <a:srgbClr val="000000"/>
-              </a:buClr>
-              <a:buSzPts val="1000"/>
-              <a:buFont typeface="Arial"/>
-              <a:buNone/>
-              <a:defRPr sz="1000" b="0" i="0" u="none" strike="noStrike" cap="none">
+            <a:lvl3pPr indent="0" lvl="2" marL="0" marR="0" rtl="0" algn="r">
+              <a:lnSpc>
+                <a:spcPct val="100000"/>
+              </a:lnSpc>
+              <a:spcBef>
+                <a:spcPts val="0"/>
+              </a:spcBef>
+              <a:spcAft>
+                <a:spcPts val="0"/>
+              </a:spcAft>
+              <a:buClr>
+                <a:srgbClr val="000000"/>
+              </a:buClr>
+              <a:buSzPts val="1000"/>
+              <a:buFont typeface="Arial"/>
+              <a:buNone/>
+              <a:defRPr b="0" i="0" sz="1000" u="none" cap="none" strike="noStrike">
                 <a:solidFill>
                   <a:schemeClr val="dk2"/>
                 </a:solidFill>
@@ -7821,23 +8107,23 @@
                 <a:sym typeface="Arial"/>
               </a:defRPr>
             </a:lvl3pPr>
-            <a:lvl4pPr marL="0" marR="0" lvl="3" indent="0" algn="r" rtl="0">
-              <a:lnSpc>
-                <a:spcPct val="100000"/>
-              </a:lnSpc>
-              <a:spcBef>
-                <a:spcPts val="0"/>
-              </a:spcBef>
-              <a:spcAft>
-                <a:spcPts val="0"/>
-              </a:spcAft>
-              <a:buClr>
-                <a:srgbClr val="000000"/>
-              </a:buClr>
-              <a:buSzPts val="1000"/>
-              <a:buFont typeface="Arial"/>
-              <a:buNone/>
-              <a:defRPr sz="1000" b="0" i="0" u="none" strike="noStrike" cap="none">
+            <a:lvl4pPr indent="0" lvl="3" marL="0" marR="0" rtl="0" algn="r">
+              <a:lnSpc>
+                <a:spcPct val="100000"/>
+              </a:lnSpc>
+              <a:spcBef>
+                <a:spcPts val="0"/>
+              </a:spcBef>
+              <a:spcAft>
+                <a:spcPts val="0"/>
+              </a:spcAft>
+              <a:buClr>
+                <a:srgbClr val="000000"/>
+              </a:buClr>
+              <a:buSzPts val="1000"/>
+              <a:buFont typeface="Arial"/>
+              <a:buNone/>
+              <a:defRPr b="0" i="0" sz="1000" u="none" cap="none" strike="noStrike">
                 <a:solidFill>
                   <a:schemeClr val="dk2"/>
                 </a:solidFill>
@@ -7847,23 +8133,23 @@
                 <a:sym typeface="Arial"/>
               </a:defRPr>
             </a:lvl4pPr>
-            <a:lvl5pPr marL="0" marR="0" lvl="4" indent="0" algn="r" rtl="0">
-              <a:lnSpc>
-                <a:spcPct val="100000"/>
-              </a:lnSpc>
-              <a:spcBef>
-                <a:spcPts val="0"/>
-              </a:spcBef>
-              <a:spcAft>
-                <a:spcPts val="0"/>
-              </a:spcAft>
-              <a:buClr>
-                <a:srgbClr val="000000"/>
-              </a:buClr>
-              <a:buSzPts val="1000"/>
-              <a:buFont typeface="Arial"/>
-              <a:buNone/>
-              <a:defRPr sz="1000" b="0" i="0" u="none" strike="noStrike" cap="none">
+            <a:lvl5pPr indent="0" lvl="4" marL="0" marR="0" rtl="0" algn="r">
+              <a:lnSpc>
+                <a:spcPct val="100000"/>
+              </a:lnSpc>
+              <a:spcBef>
+                <a:spcPts val="0"/>
+              </a:spcBef>
+              <a:spcAft>
+                <a:spcPts val="0"/>
+              </a:spcAft>
+              <a:buClr>
+                <a:srgbClr val="000000"/>
+              </a:buClr>
+              <a:buSzPts val="1000"/>
+              <a:buFont typeface="Arial"/>
+              <a:buNone/>
+              <a:defRPr b="0" i="0" sz="1000" u="none" cap="none" strike="noStrike">
                 <a:solidFill>
                   <a:schemeClr val="dk2"/>
                 </a:solidFill>
@@ -7873,23 +8159,23 @@
                 <a:sym typeface="Arial"/>
               </a:defRPr>
             </a:lvl5pPr>
-            <a:lvl6pPr marL="0" marR="0" lvl="5" indent="0" algn="r" rtl="0">
-              <a:lnSpc>
-                <a:spcPct val="100000"/>
-              </a:lnSpc>
-              <a:spcBef>
-                <a:spcPts val="0"/>
-              </a:spcBef>
-              <a:spcAft>
-                <a:spcPts val="0"/>
-              </a:spcAft>
-              <a:buClr>
-                <a:srgbClr val="000000"/>
-              </a:buClr>
-              <a:buSzPts val="1000"/>
-              <a:buFont typeface="Arial"/>
-              <a:buNone/>
-              <a:defRPr sz="1000" b="0" i="0" u="none" strike="noStrike" cap="none">
+            <a:lvl6pPr indent="0" lvl="5" marL="0" marR="0" rtl="0" algn="r">
+              <a:lnSpc>
+                <a:spcPct val="100000"/>
+              </a:lnSpc>
+              <a:spcBef>
+                <a:spcPts val="0"/>
+              </a:spcBef>
+              <a:spcAft>
+                <a:spcPts val="0"/>
+              </a:spcAft>
+              <a:buClr>
+                <a:srgbClr val="000000"/>
+              </a:buClr>
+              <a:buSzPts val="1000"/>
+              <a:buFont typeface="Arial"/>
+              <a:buNone/>
+              <a:defRPr b="0" i="0" sz="1000" u="none" cap="none" strike="noStrike">
                 <a:solidFill>
                   <a:schemeClr val="dk2"/>
                 </a:solidFill>
@@ -7899,23 +8185,23 @@
                 <a:sym typeface="Arial"/>
               </a:defRPr>
             </a:lvl6pPr>
-            <a:lvl7pPr marL="0" marR="0" lvl="6" indent="0" algn="r" rtl="0">
-              <a:lnSpc>
-                <a:spcPct val="100000"/>
-              </a:lnSpc>
-              <a:spcBef>
-                <a:spcPts val="0"/>
-              </a:spcBef>
-              <a:spcAft>
-                <a:spcPts val="0"/>
-              </a:spcAft>
-              <a:buClr>
-                <a:srgbClr val="000000"/>
-              </a:buClr>
-              <a:buSzPts val="1000"/>
-              <a:buFont typeface="Arial"/>
-              <a:buNone/>
-              <a:defRPr sz="1000" b="0" i="0" u="none" strike="noStrike" cap="none">
+            <a:lvl7pPr indent="0" lvl="6" marL="0" marR="0" rtl="0" algn="r">
+              <a:lnSpc>
+                <a:spcPct val="100000"/>
+              </a:lnSpc>
+              <a:spcBef>
+                <a:spcPts val="0"/>
+              </a:spcBef>
+              <a:spcAft>
+                <a:spcPts val="0"/>
+              </a:spcAft>
+              <a:buClr>
+                <a:srgbClr val="000000"/>
+              </a:buClr>
+              <a:buSzPts val="1000"/>
+              <a:buFont typeface="Arial"/>
+              <a:buNone/>
+              <a:defRPr b="0" i="0" sz="1000" u="none" cap="none" strike="noStrike">
                 <a:solidFill>
                   <a:schemeClr val="dk2"/>
                 </a:solidFill>
@@ -7925,23 +8211,23 @@
                 <a:sym typeface="Arial"/>
               </a:defRPr>
             </a:lvl7pPr>
-            <a:lvl8pPr marL="0" marR="0" lvl="7" indent="0" algn="r" rtl="0">
-              <a:lnSpc>
-                <a:spcPct val="100000"/>
-              </a:lnSpc>
-              <a:spcBef>
-                <a:spcPts val="0"/>
-              </a:spcBef>
-              <a:spcAft>
-                <a:spcPts val="0"/>
-              </a:spcAft>
-              <a:buClr>
-                <a:srgbClr val="000000"/>
-              </a:buClr>
-              <a:buSzPts val="1000"/>
-              <a:buFont typeface="Arial"/>
-              <a:buNone/>
-              <a:defRPr sz="1000" b="0" i="0" u="none" strike="noStrike" cap="none">
+            <a:lvl8pPr indent="0" lvl="7" marL="0" marR="0" rtl="0" algn="r">
+              <a:lnSpc>
+                <a:spcPct val="100000"/>
+              </a:lnSpc>
+              <a:spcBef>
+                <a:spcPts val="0"/>
+              </a:spcBef>
+              <a:spcAft>
+                <a:spcPts val="0"/>
+              </a:spcAft>
+              <a:buClr>
+                <a:srgbClr val="000000"/>
+              </a:buClr>
+              <a:buSzPts val="1000"/>
+              <a:buFont typeface="Arial"/>
+              <a:buNone/>
+              <a:defRPr b="0" i="0" sz="1000" u="none" cap="none" strike="noStrike">
                 <a:solidFill>
                   <a:schemeClr val="dk2"/>
                 </a:solidFill>
@@ -7951,23 +8237,23 @@
                 <a:sym typeface="Arial"/>
               </a:defRPr>
             </a:lvl8pPr>
-            <a:lvl9pPr marL="0" marR="0" lvl="8" indent="0" algn="r" rtl="0">
-              <a:lnSpc>
-                <a:spcPct val="100000"/>
-              </a:lnSpc>
-              <a:spcBef>
-                <a:spcPts val="0"/>
-              </a:spcBef>
-              <a:spcAft>
-                <a:spcPts val="0"/>
-              </a:spcAft>
-              <a:buClr>
-                <a:srgbClr val="000000"/>
-              </a:buClr>
-              <a:buSzPts val="1000"/>
-              <a:buFont typeface="Arial"/>
-              <a:buNone/>
-              <a:defRPr sz="1000" b="0" i="0" u="none" strike="noStrike" cap="none">
+            <a:lvl9pPr indent="0" lvl="8" marL="0" marR="0" rtl="0" algn="r">
+              <a:lnSpc>
+                <a:spcPct val="100000"/>
+              </a:lnSpc>
+              <a:spcBef>
+                <a:spcPts val="0"/>
+              </a:spcBef>
+              <a:spcAft>
+                <a:spcPts val="0"/>
+              </a:spcAft>
+              <a:buClr>
+                <a:srgbClr val="000000"/>
+              </a:buClr>
+              <a:buSzPts val="1000"/>
+              <a:buFont typeface="Arial"/>
+              <a:buNone/>
+              <a:defRPr b="0" i="0" sz="1000" u="none" cap="none" strike="noStrike">
                 <a:solidFill>
                   <a:schemeClr val="dk2"/>
                 </a:solidFill>
@@ -7979,7 +8265,7 @@
             </a:lvl9pPr>
           </a:lstStyle>
           <a:p>
-            <a:pPr marL="0" lvl="0" indent="0" algn="r" rtl="0">
+            <a:pPr indent="0" lvl="0" marL="0" rtl="0" algn="r">
               <a:spcBef>
                 <a:spcPts val="0"/>
               </a:spcBef>
@@ -7990,7 +8276,7 @@
             </a:pPr>
             <a:fld id="{00000000-1234-1234-1234-123412341234}" type="slidenum">
               <a:rPr lang="pt-BR"/>
-              <a:t>‹nº›</a:t>
+              <a:t>‹#›</a:t>
             </a:fld>
             <a:endParaRPr/>
           </a:p>
@@ -7998,24 +8284,24 @@
       </p:sp>
     </p:spTree>
   </p:cSld>
-  <p:clrMap bg1="lt1" tx1="dk1" bg2="dk2" tx2="lt2" accent1="accent1" accent2="accent2" accent3="accent3" accent4="accent4" accent5="accent5" accent6="accent6" hlink="hlink" folHlink="folHlink"/>
+  <p:clrMap accent1="accent1" accent2="accent2" accent3="accent3" accent4="accent4" accent5="accent5" accent6="accent6" bg1="lt1" bg2="dk2" tx1="dk1" tx2="lt2" folHlink="folHlink" hlink="hlink"/>
   <p:sldLayoutIdLst>
-    <p:sldLayoutId id="2147483648" r:id="rId1"/>
-    <p:sldLayoutId id="2147483649" r:id="rId2"/>
-    <p:sldLayoutId id="2147483650" r:id="rId3"/>
-    <p:sldLayoutId id="2147483651" r:id="rId4"/>
-    <p:sldLayoutId id="2147483652" r:id="rId5"/>
-    <p:sldLayoutId id="2147483653" r:id="rId6"/>
-    <p:sldLayoutId id="2147483654" r:id="rId7"/>
-    <p:sldLayoutId id="2147483655" r:id="rId8"/>
-    <p:sldLayoutId id="2147483656" r:id="rId9"/>
-    <p:sldLayoutId id="2147483657" r:id="rId10"/>
-    <p:sldLayoutId id="2147483658" r:id="rId11"/>
+    <p:sldLayoutId id="2147483649" r:id="rId1"/>
+    <p:sldLayoutId id="2147483650" r:id="rId2"/>
+    <p:sldLayoutId id="2147483651" r:id="rId3"/>
+    <p:sldLayoutId id="2147483652" r:id="rId4"/>
+    <p:sldLayoutId id="2147483653" r:id="rId5"/>
+    <p:sldLayoutId id="2147483654" r:id="rId6"/>
+    <p:sldLayoutId id="2147483655" r:id="rId7"/>
+    <p:sldLayoutId id="2147483656" r:id="rId8"/>
+    <p:sldLayoutId id="2147483657" r:id="rId9"/>
+    <p:sldLayoutId id="2147483658" r:id="rId10"/>
+    <p:sldLayoutId id="2147483659" r:id="rId11"/>
   </p:sldLayoutIdLst>
-  <p:hf sldNum="0" hdr="0" ftr="0" dt="0"/>
+  <p:hf dt="0" ftr="0" hdr="0" sldNum="0"/>
   <p:txStyles>
     <p:titleStyle>
-      <a:defPPr marR="0" lvl="0" algn="l" rtl="0">
+      <a:defPPr lvl="0" marR="0" rtl="0" algn="l">
         <a:lnSpc>
           <a:spcPct val="100000"/>
         </a:lnSpc>
@@ -8026,7 +8312,7 @@
           <a:spcPts val="0"/>
         </a:spcAft>
       </a:defPPr>
-      <a:lvl1pPr marR="0" lvl="0" algn="l" rtl="0">
+      <a:lvl1pPr lvl="0" marR="0" rtl="0" algn="l">
         <a:lnSpc>
           <a:spcPct val="100000"/>
         </a:lnSpc>
@@ -8040,7 +8326,7 @@
           <a:srgbClr val="000000"/>
         </a:buClr>
         <a:buFont typeface="Arial"/>
-        <a:defRPr sz="1400" b="0" i="0" u="none" strike="noStrike" cap="none">
+        <a:defRPr b="0" i="0" sz="1400" u="none" cap="none" strike="noStrike">
           <a:solidFill>
             <a:srgbClr val="000000"/>
           </a:solidFill>
@@ -8050,7 +8336,7 @@
           <a:sym typeface="Arial"/>
         </a:defRPr>
       </a:lvl1pPr>
-      <a:lvl2pPr marR="0" lvl="1" algn="l" rtl="0">
+      <a:lvl2pPr lvl="1" marR="0" rtl="0" algn="l">
         <a:lnSpc>
           <a:spcPct val="100000"/>
         </a:lnSpc>
@@ -8064,7 +8350,7 @@
           <a:srgbClr val="000000"/>
         </a:buClr>
         <a:buFont typeface="Arial"/>
-        <a:defRPr sz="1400" b="0" i="0" u="none" strike="noStrike" cap="none">
+        <a:defRPr b="0" i="0" sz="1400" u="none" cap="none" strike="noStrike">
           <a:solidFill>
             <a:srgbClr val="000000"/>
           </a:solidFill>
@@ -8074,7 +8360,7 @@
           <a:sym typeface="Arial"/>
         </a:defRPr>
       </a:lvl2pPr>
-      <a:lvl3pPr marR="0" lvl="2" algn="l" rtl="0">
+      <a:lvl3pPr lvl="2" marR="0" rtl="0" algn="l">
         <a:lnSpc>
           <a:spcPct val="100000"/>
         </a:lnSpc>
@@ -8088,7 +8374,7 @@
           <a:srgbClr val="000000"/>
         </a:buClr>
         <a:buFont typeface="Arial"/>
-        <a:defRPr sz="1400" b="0" i="0" u="none" strike="noStrike" cap="none">
+        <a:defRPr b="0" i="0" sz="1400" u="none" cap="none" strike="noStrike">
           <a:solidFill>
             <a:srgbClr val="000000"/>
           </a:solidFill>
@@ -8098,7 +8384,7 @@
           <a:sym typeface="Arial"/>
         </a:defRPr>
       </a:lvl3pPr>
-      <a:lvl4pPr marR="0" lvl="3" algn="l" rtl="0">
+      <a:lvl4pPr lvl="3" marR="0" rtl="0" algn="l">
         <a:lnSpc>
           <a:spcPct val="100000"/>
         </a:lnSpc>
@@ -8112,7 +8398,7 @@
           <a:srgbClr val="000000"/>
         </a:buClr>
         <a:buFont typeface="Arial"/>
-        <a:defRPr sz="1400" b="0" i="0" u="none" strike="noStrike" cap="none">
+        <a:defRPr b="0" i="0" sz="1400" u="none" cap="none" strike="noStrike">
           <a:solidFill>
             <a:srgbClr val="000000"/>
           </a:solidFill>
@@ -8122,7 +8408,7 @@
           <a:sym typeface="Arial"/>
         </a:defRPr>
       </a:lvl4pPr>
-      <a:lvl5pPr marR="0" lvl="4" algn="l" rtl="0">
+      <a:lvl5pPr lvl="4" marR="0" rtl="0" algn="l">
         <a:lnSpc>
           <a:spcPct val="100000"/>
         </a:lnSpc>
@@ -8136,7 +8422,7 @@
           <a:srgbClr val="000000"/>
         </a:buClr>
         <a:buFont typeface="Arial"/>
-        <a:defRPr sz="1400" b="0" i="0" u="none" strike="noStrike" cap="none">
+        <a:defRPr b="0" i="0" sz="1400" u="none" cap="none" strike="noStrike">
           <a:solidFill>
             <a:srgbClr val="000000"/>
           </a:solidFill>
@@ -8146,7 +8432,7 @@
           <a:sym typeface="Arial"/>
         </a:defRPr>
       </a:lvl5pPr>
-      <a:lvl6pPr marR="0" lvl="5" algn="l" rtl="0">
+      <a:lvl6pPr lvl="5" marR="0" rtl="0" algn="l">
         <a:lnSpc>
           <a:spcPct val="100000"/>
         </a:lnSpc>
@@ -8160,7 +8446,7 @@
           <a:srgbClr val="000000"/>
         </a:buClr>
         <a:buFont typeface="Arial"/>
-        <a:defRPr sz="1400" b="0" i="0" u="none" strike="noStrike" cap="none">
+        <a:defRPr b="0" i="0" sz="1400" u="none" cap="none" strike="noStrike">
           <a:solidFill>
             <a:srgbClr val="000000"/>
           </a:solidFill>
@@ -8170,7 +8456,7 @@
           <a:sym typeface="Arial"/>
         </a:defRPr>
       </a:lvl6pPr>
-      <a:lvl7pPr marR="0" lvl="6" algn="l" rtl="0">
+      <a:lvl7pPr lvl="6" marR="0" rtl="0" algn="l">
         <a:lnSpc>
           <a:spcPct val="100000"/>
         </a:lnSpc>
@@ -8184,7 +8470,7 @@
           <a:srgbClr val="000000"/>
         </a:buClr>
         <a:buFont typeface="Arial"/>
-        <a:defRPr sz="1400" b="0" i="0" u="none" strike="noStrike" cap="none">
+        <a:defRPr b="0" i="0" sz="1400" u="none" cap="none" strike="noStrike">
           <a:solidFill>
             <a:srgbClr val="000000"/>
           </a:solidFill>
@@ -8194,7 +8480,7 @@
           <a:sym typeface="Arial"/>
         </a:defRPr>
       </a:lvl7pPr>
-      <a:lvl8pPr marR="0" lvl="7" algn="l" rtl="0">
+      <a:lvl8pPr lvl="7" marR="0" rtl="0" algn="l">
         <a:lnSpc>
           <a:spcPct val="100000"/>
         </a:lnSpc>
@@ -8208,7 +8494,7 @@
           <a:srgbClr val="000000"/>
         </a:buClr>
         <a:buFont typeface="Arial"/>
-        <a:defRPr sz="1400" b="0" i="0" u="none" strike="noStrike" cap="none">
+        <a:defRPr b="0" i="0" sz="1400" u="none" cap="none" strike="noStrike">
           <a:solidFill>
             <a:srgbClr val="000000"/>
           </a:solidFill>
@@ -8218,7 +8504,7 @@
           <a:sym typeface="Arial"/>
         </a:defRPr>
       </a:lvl8pPr>
-      <a:lvl9pPr marR="0" lvl="8" algn="l" rtl="0">
+      <a:lvl9pPr lvl="8" marR="0" rtl="0" algn="l">
         <a:lnSpc>
           <a:spcPct val="100000"/>
         </a:lnSpc>
@@ -8232,7 +8518,7 @@
           <a:srgbClr val="000000"/>
         </a:buClr>
         <a:buFont typeface="Arial"/>
-        <a:defRPr sz="1400" b="0" i="0" u="none" strike="noStrike" cap="none">
+        <a:defRPr b="0" i="0" sz="1400" u="none" cap="none" strike="noStrike">
           <a:solidFill>
             <a:srgbClr val="000000"/>
           </a:solidFill>
@@ -8244,7 +8530,7 @@
       </a:lvl9pPr>
     </p:titleStyle>
     <p:bodyStyle>
-      <a:defPPr marR="0" lvl="0" algn="l" rtl="0">
+      <a:defPPr lvl="0" marR="0" rtl="0" algn="l">
         <a:lnSpc>
           <a:spcPct val="100000"/>
         </a:lnSpc>
@@ -8255,7 +8541,7 @@
           <a:spcPts val="0"/>
         </a:spcAft>
       </a:defPPr>
-      <a:lvl1pPr marR="0" lvl="0" algn="l" rtl="0">
+      <a:lvl1pPr lvl="0" marR="0" rtl="0" algn="l">
         <a:lnSpc>
           <a:spcPct val="100000"/>
         </a:lnSpc>
@@ -8269,7 +8555,7 @@
           <a:srgbClr val="000000"/>
         </a:buClr>
         <a:buFont typeface="Arial"/>
-        <a:defRPr sz="1400" b="0" i="0" u="none" strike="noStrike" cap="none">
+        <a:defRPr b="0" i="0" sz="1400" u="none" cap="none" strike="noStrike">
           <a:solidFill>
             <a:srgbClr val="000000"/>
           </a:solidFill>
@@ -8279,7 +8565,7 @@
           <a:sym typeface="Arial"/>
         </a:defRPr>
       </a:lvl1pPr>
-      <a:lvl2pPr marR="0" lvl="1" algn="l" rtl="0">
+      <a:lvl2pPr lvl="1" marR="0" rtl="0" algn="l">
         <a:lnSpc>
           <a:spcPct val="100000"/>
         </a:lnSpc>
@@ -8293,7 +8579,7 @@
           <a:srgbClr val="000000"/>
         </a:buClr>
         <a:buFont typeface="Arial"/>
-        <a:defRPr sz="1400" b="0" i="0" u="none" strike="noStrike" cap="none">
+        <a:defRPr b="0" i="0" sz="1400" u="none" cap="none" strike="noStrike">
           <a:solidFill>
             <a:srgbClr val="000000"/>
           </a:solidFill>
@@ -8303,7 +8589,7 @@
           <a:sym typeface="Arial"/>
         </a:defRPr>
       </a:lvl2pPr>
-      <a:lvl3pPr marR="0" lvl="2" algn="l" rtl="0">
+      <a:lvl3pPr lvl="2" marR="0" rtl="0" algn="l">
         <a:lnSpc>
           <a:spcPct val="100000"/>
         </a:lnSpc>
@@ -8317,7 +8603,7 @@
           <a:srgbClr val="000000"/>
         </a:buClr>
         <a:buFont typeface="Arial"/>
-        <a:defRPr sz="1400" b="0" i="0" u="none" strike="noStrike" cap="none">
+        <a:defRPr b="0" i="0" sz="1400" u="none" cap="none" strike="noStrike">
           <a:solidFill>
             <a:srgbClr val="000000"/>
           </a:solidFill>
@@ -8327,7 +8613,7 @@
           <a:sym typeface="Arial"/>
         </a:defRPr>
       </a:lvl3pPr>
-      <a:lvl4pPr marR="0" lvl="3" algn="l" rtl="0">
+      <a:lvl4pPr lvl="3" marR="0" rtl="0" algn="l">
         <a:lnSpc>
           <a:spcPct val="100000"/>
         </a:lnSpc>
@@ -8341,7 +8627,7 @@
           <a:srgbClr val="000000"/>
         </a:buClr>
         <a:buFont typeface="Arial"/>
-        <a:defRPr sz="1400" b="0" i="0" u="none" strike="noStrike" cap="none">
+        <a:defRPr b="0" i="0" sz="1400" u="none" cap="none" strike="noStrike">
           <a:solidFill>
             <a:srgbClr val="000000"/>
           </a:solidFill>
@@ -8351,7 +8637,7 @@
           <a:sym typeface="Arial"/>
         </a:defRPr>
       </a:lvl4pPr>
-      <a:lvl5pPr marR="0" lvl="4" algn="l" rtl="0">
+      <a:lvl5pPr lvl="4" marR="0" rtl="0" algn="l">
         <a:lnSpc>
           <a:spcPct val="100000"/>
         </a:lnSpc>
@@ -8365,7 +8651,7 @@
           <a:srgbClr val="000000"/>
         </a:buClr>
         <a:buFont typeface="Arial"/>
-        <a:defRPr sz="1400" b="0" i="0" u="none" strike="noStrike" cap="none">
+        <a:defRPr b="0" i="0" sz="1400" u="none" cap="none" strike="noStrike">
           <a:solidFill>
             <a:srgbClr val="000000"/>
           </a:solidFill>
@@ -8375,7 +8661,7 @@
           <a:sym typeface="Arial"/>
         </a:defRPr>
       </a:lvl5pPr>
-      <a:lvl6pPr marR="0" lvl="5" algn="l" rtl="0">
+      <a:lvl6pPr lvl="5" marR="0" rtl="0" algn="l">
         <a:lnSpc>
           <a:spcPct val="100000"/>
         </a:lnSpc>
@@ -8389,7 +8675,7 @@
           <a:srgbClr val="000000"/>
         </a:buClr>
         <a:buFont typeface="Arial"/>
-        <a:defRPr sz="1400" b="0" i="0" u="none" strike="noStrike" cap="none">
+        <a:defRPr b="0" i="0" sz="1400" u="none" cap="none" strike="noStrike">
           <a:solidFill>
             <a:srgbClr val="000000"/>
           </a:solidFill>
@@ -8399,7 +8685,7 @@
           <a:sym typeface="Arial"/>
         </a:defRPr>
       </a:lvl6pPr>
-      <a:lvl7pPr marR="0" lvl="6" algn="l" rtl="0">
+      <a:lvl7pPr lvl="6" marR="0" rtl="0" algn="l">
         <a:lnSpc>
           <a:spcPct val="100000"/>
         </a:lnSpc>
@@ -8413,7 +8699,7 @@
           <a:srgbClr val="000000"/>
         </a:buClr>
         <a:buFont typeface="Arial"/>
-        <a:defRPr sz="1400" b="0" i="0" u="none" strike="noStrike" cap="none">
+        <a:defRPr b="0" i="0" sz="1400" u="none" cap="none" strike="noStrike">
           <a:solidFill>
             <a:srgbClr val="000000"/>
           </a:solidFill>
@@ -8423,7 +8709,7 @@
           <a:sym typeface="Arial"/>
         </a:defRPr>
       </a:lvl7pPr>
-      <a:lvl8pPr marR="0" lvl="7" algn="l" rtl="0">
+      <a:lvl8pPr lvl="7" marR="0" rtl="0" algn="l">
         <a:lnSpc>
           <a:spcPct val="100000"/>
         </a:lnSpc>
@@ -8437,7 +8723,7 @@
           <a:srgbClr val="000000"/>
         </a:buClr>
         <a:buFont typeface="Arial"/>
-        <a:defRPr sz="1400" b="0" i="0" u="none" strike="noStrike" cap="none">
+        <a:defRPr b="0" i="0" sz="1400" u="none" cap="none" strike="noStrike">
           <a:solidFill>
             <a:srgbClr val="000000"/>
           </a:solidFill>
@@ -8447,7 +8733,7 @@
           <a:sym typeface="Arial"/>
         </a:defRPr>
       </a:lvl8pPr>
-      <a:lvl9pPr marR="0" lvl="8" algn="l" rtl="0">
+      <a:lvl9pPr lvl="8" marR="0" rtl="0" algn="l">
         <a:lnSpc>
           <a:spcPct val="100000"/>
         </a:lnSpc>
@@ -8461,7 +8747,7 @@
           <a:srgbClr val="000000"/>
         </a:buClr>
         <a:buFont typeface="Arial"/>
-        <a:defRPr sz="1400" b="0" i="0" u="none" strike="noStrike" cap="none">
+        <a:defRPr b="0" i="0" sz="1400" u="none" cap="none" strike="noStrike">
           <a:solidFill>
             <a:srgbClr val="000000"/>
           </a:solidFill>
@@ -8473,7 +8759,7 @@
       </a:lvl9pPr>
     </p:bodyStyle>
     <p:otherStyle>
-      <a:defPPr marR="0" lvl="0" algn="l" rtl="0">
+      <a:defPPr lvl="0" marR="0" rtl="0" algn="l">
         <a:lnSpc>
           <a:spcPct val="100000"/>
         </a:lnSpc>
@@ -8484,7 +8770,7 @@
           <a:spcPts val="0"/>
         </a:spcAft>
       </a:defPPr>
-      <a:lvl1pPr marR="0" lvl="0" algn="l" rtl="0">
+      <a:lvl1pPr lvl="0" marR="0" rtl="0" algn="l">
         <a:lnSpc>
           <a:spcPct val="100000"/>
         </a:lnSpc>
@@ -8498,7 +8784,7 @@
           <a:srgbClr val="000000"/>
         </a:buClr>
         <a:buFont typeface="Arial"/>
-        <a:defRPr sz="1400" b="0" i="0" u="none" strike="noStrike" cap="none">
+        <a:defRPr b="0" i="0" sz="1400" u="none" cap="none" strike="noStrike">
           <a:solidFill>
             <a:srgbClr val="000000"/>
           </a:solidFill>
@@ -8508,7 +8794,7 @@
           <a:sym typeface="Arial"/>
         </a:defRPr>
       </a:lvl1pPr>
-      <a:lvl2pPr marR="0" lvl="1" algn="l" rtl="0">
+      <a:lvl2pPr lvl="1" marR="0" rtl="0" algn="l">
         <a:lnSpc>
           <a:spcPct val="100000"/>
         </a:lnSpc>
@@ -8522,7 +8808,7 @@
           <a:srgbClr val="000000"/>
         </a:buClr>
         <a:buFont typeface="Arial"/>
-        <a:defRPr sz="1400" b="0" i="0" u="none" strike="noStrike" cap="none">
+        <a:defRPr b="0" i="0" sz="1400" u="none" cap="none" strike="noStrike">
           <a:solidFill>
             <a:srgbClr val="000000"/>
           </a:solidFill>
@@ -8532,7 +8818,7 @@
           <a:sym typeface="Arial"/>
         </a:defRPr>
       </a:lvl2pPr>
-      <a:lvl3pPr marR="0" lvl="2" algn="l" rtl="0">
+      <a:lvl3pPr lvl="2" marR="0" rtl="0" algn="l">
         <a:lnSpc>
           <a:spcPct val="100000"/>
         </a:lnSpc>
@@ -8546,7 +8832,7 @@
           <a:srgbClr val="000000"/>
         </a:buClr>
         <a:buFont typeface="Arial"/>
-        <a:defRPr sz="1400" b="0" i="0" u="none" strike="noStrike" cap="none">
+        <a:defRPr b="0" i="0" sz="1400" u="none" cap="none" strike="noStrike">
           <a:solidFill>
             <a:srgbClr val="000000"/>
           </a:solidFill>
@@ -8556,7 +8842,7 @@
           <a:sym typeface="Arial"/>
         </a:defRPr>
       </a:lvl3pPr>
-      <a:lvl4pPr marR="0" lvl="3" algn="l" rtl="0">
+      <a:lvl4pPr lvl="3" marR="0" rtl="0" algn="l">
         <a:lnSpc>
           <a:spcPct val="100000"/>
         </a:lnSpc>
@@ -8570,7 +8856,7 @@
           <a:srgbClr val="000000"/>
         </a:buClr>
         <a:buFont typeface="Arial"/>
-        <a:defRPr sz="1400" b="0" i="0" u="none" strike="noStrike" cap="none">
+        <a:defRPr b="0" i="0" sz="1400" u="none" cap="none" strike="noStrike">
           <a:solidFill>
             <a:srgbClr val="000000"/>
           </a:solidFill>
@@ -8580,7 +8866,7 @@
           <a:sym typeface="Arial"/>
         </a:defRPr>
       </a:lvl4pPr>
-      <a:lvl5pPr marR="0" lvl="4" algn="l" rtl="0">
+      <a:lvl5pPr lvl="4" marR="0" rtl="0" algn="l">
         <a:lnSpc>
           <a:spcPct val="100000"/>
         </a:lnSpc>
@@ -8594,7 +8880,7 @@
           <a:srgbClr val="000000"/>
         </a:buClr>
         <a:buFont typeface="Arial"/>
-        <a:defRPr sz="1400" b="0" i="0" u="none" strike="noStrike" cap="none">
+        <a:defRPr b="0" i="0" sz="1400" u="none" cap="none" strike="noStrike">
           <a:solidFill>
             <a:srgbClr val="000000"/>
           </a:solidFill>
@@ -8604,7 +8890,7 @@
           <a:sym typeface="Arial"/>
         </a:defRPr>
       </a:lvl5pPr>
-      <a:lvl6pPr marR="0" lvl="5" algn="l" rtl="0">
+      <a:lvl6pPr lvl="5" marR="0" rtl="0" algn="l">
         <a:lnSpc>
           <a:spcPct val="100000"/>
         </a:lnSpc>
@@ -8618,7 +8904,7 @@
           <a:srgbClr val="000000"/>
         </a:buClr>
         <a:buFont typeface="Arial"/>
-        <a:defRPr sz="1400" b="0" i="0" u="none" strike="noStrike" cap="none">
+        <a:defRPr b="0" i="0" sz="1400" u="none" cap="none" strike="noStrike">
           <a:solidFill>
             <a:srgbClr val="000000"/>
           </a:solidFill>
@@ -8628,7 +8914,7 @@
           <a:sym typeface="Arial"/>
         </a:defRPr>
       </a:lvl6pPr>
-      <a:lvl7pPr marR="0" lvl="6" algn="l" rtl="0">
+      <a:lvl7pPr lvl="6" marR="0" rtl="0" algn="l">
         <a:lnSpc>
           <a:spcPct val="100000"/>
         </a:lnSpc>
@@ -8642,7 +8928,7 @@
           <a:srgbClr val="000000"/>
         </a:buClr>
         <a:buFont typeface="Arial"/>
-        <a:defRPr sz="1400" b="0" i="0" u="none" strike="noStrike" cap="none">
+        <a:defRPr b="0" i="0" sz="1400" u="none" cap="none" strike="noStrike">
           <a:solidFill>
             <a:srgbClr val="000000"/>
           </a:solidFill>
@@ -8652,7 +8938,7 @@
           <a:sym typeface="Arial"/>
         </a:defRPr>
       </a:lvl7pPr>
-      <a:lvl8pPr marR="0" lvl="7" algn="l" rtl="0">
+      <a:lvl8pPr lvl="7" marR="0" rtl="0" algn="l">
         <a:lnSpc>
           <a:spcPct val="100000"/>
         </a:lnSpc>
@@ -8666,7 +8952,7 @@
           <a:srgbClr val="000000"/>
         </a:buClr>
         <a:buFont typeface="Arial"/>
-        <a:defRPr sz="1400" b="0" i="0" u="none" strike="noStrike" cap="none">
+        <a:defRPr b="0" i="0" sz="1400" u="none" cap="none" strike="noStrike">
           <a:solidFill>
             <a:srgbClr val="000000"/>
           </a:solidFill>
@@ -8676,7 +8962,7 @@
           <a:sym typeface="Arial"/>
         </a:defRPr>
       </a:lvl8pPr>
-      <a:lvl9pPr marR="0" lvl="8" algn="l" rtl="0">
+      <a:lvl9pPr lvl="8" marR="0" rtl="0" algn="l">
         <a:lnSpc>
           <a:spcPct val="100000"/>
         </a:lnSpc>
@@ -8690,7 +8976,7 @@
           <a:srgbClr val="000000"/>
         </a:buClr>
         <a:buFont typeface="Arial"/>
-        <a:defRPr sz="1400" b="0" i="0" u="none" strike="noStrike" cap="none">
+        <a:defRPr b="0" i="0" sz="1400" u="none" cap="none" strike="noStrike">
           <a:solidFill>
             <a:srgbClr val="000000"/>
           </a:solidFill>
@@ -8706,11 +8992,11 @@
 </file>
 
 <file path=ppt/slides/slide1.xml><?xml version="1.0" encoding="utf-8"?>
-<p:sld xmlns:a="http://schemas.openxmlformats.org/drawingml/2006/main" xmlns:r="http://schemas.openxmlformats.org/officeDocument/2006/relationships" xmlns:p="http://schemas.openxmlformats.org/presentationml/2006/main">
+<p:sld xmlns:a="http://schemas.openxmlformats.org/drawingml/2006/main" xmlns:r="http://schemas.openxmlformats.org/officeDocument/2006/relationships" xmlns:mc="http://schemas.openxmlformats.org/markup-compatibility/2006" xmlns:mv="urn:schemas-microsoft-com:mac:vml" xmlns:p="http://schemas.openxmlformats.org/presentationml/2006/main" xmlns:c="http://schemas.openxmlformats.org/drawingml/2006/chart" xmlns:dgm="http://schemas.openxmlformats.org/drawingml/2006/diagram" xmlns:o="urn:schemas-microsoft-com:office:office" xmlns:v="urn:schemas-microsoft-com:vml" xmlns:pvml="urn:schemas-microsoft-com:office:powerpoint" xmlns:com="http://schemas.openxmlformats.org/drawingml/2006/compatibility" xmlns:p14="http://schemas.microsoft.com/office/powerpoint/2010/main" xmlns:p15="http://schemas.microsoft.com/office/powerpoint/2012/main" xmlns:ahyp="http://schemas.microsoft.com/office/drawing/2018/hyperlinkcolor">
   <p:cSld>
     <p:spTree>
       <p:nvGrpSpPr>
-        <p:cNvPr id="1" name="Shape 53"/>
+        <p:cNvPr id="53" name="Shape 53"/>
         <p:cNvGrpSpPr/>
         <p:nvPr/>
       </p:nvGrpSpPr>
@@ -8724,7 +9010,7 @@
       </p:grpSpPr>
       <p:sp>
         <p:nvSpPr>
-          <p:cNvPr id="54" name="Google Shape;54;p13"/>
+          <p:cNvPr id="54" name="Google Shape;54;p1"/>
           <p:cNvSpPr txBox="1"/>
           <p:nvPr/>
         </p:nvSpPr>
@@ -8742,12 +9028,12 @@
           </a:ln>
         </p:spPr>
         <p:txBody>
-          <a:bodyPr spcFirstLastPara="1" wrap="square" lIns="91425" tIns="91425" rIns="91425" bIns="91425" anchor="t" anchorCtr="0">
+          <a:bodyPr anchorCtr="0" anchor="t" bIns="91425" lIns="91425" spcFirstLastPara="1" rIns="91425" wrap="square" tIns="91425">
             <a:noAutofit/>
           </a:bodyPr>
           <a:lstStyle/>
           <a:p>
-            <a:pPr marL="0" marR="0" lvl="0" indent="0" algn="ctr" rtl="0">
+            <a:pPr indent="0" lvl="0" marL="0" marR="0" rtl="0" algn="ctr">
               <a:lnSpc>
                 <a:spcPct val="100000"/>
               </a:lnSpc>
@@ -8765,69 +9051,47 @@
               <a:buNone/>
             </a:pPr>
             <a:r>
-              <a:rPr lang="pt-BR" sz="2000" i="0" u="none" strike="noStrike" cap="none" dirty="0">
+              <a:rPr b="0" i="0" lang="pt-BR" sz="2000" u="none" cap="none" strike="noStrike">
                 <a:solidFill>
                   <a:srgbClr val="000000"/>
                 </a:solidFill>
-                <a:latin typeface="Times New Roman" panose="02020603050405020304" pitchFamily="18" charset="0"/>
-                <a:ea typeface="Georgia"/>
-                <a:cs typeface="Times New Roman" panose="02020603050405020304" pitchFamily="18" charset="0"/>
-                <a:sym typeface="Georgia"/>
+                <a:latin typeface="Times New Roman"/>
+                <a:ea typeface="Times New Roman"/>
+                <a:cs typeface="Times New Roman"/>
+                <a:sym typeface="Times New Roman"/>
               </a:rPr>
-              <a:t>DFD ESSENCIAL </a:t>
+              <a:t>DFD ESSENCIAL de REALIZAÇÃO DA MATRÍCULA</a:t>
             </a:r>
-            <a:r>
-              <a:rPr lang="pt-BR" sz="2000" dirty="0">
-                <a:latin typeface="Times New Roman" panose="02020603050405020304" pitchFamily="18" charset="0"/>
-                <a:ea typeface="Georgia"/>
-                <a:cs typeface="Times New Roman" panose="02020603050405020304" pitchFamily="18" charset="0"/>
-                <a:sym typeface="Georgia"/>
-              </a:rPr>
-              <a:t>de </a:t>
-            </a:r>
-            <a:r>
-              <a:rPr lang="pt-BR" sz="2000" i="0" u="none" strike="noStrike" cap="none" dirty="0">
-                <a:solidFill>
-                  <a:srgbClr val="000000"/>
-                </a:solidFill>
-                <a:latin typeface="Times New Roman" panose="02020603050405020304" pitchFamily="18" charset="0"/>
-                <a:ea typeface="Georgia"/>
-                <a:cs typeface="Times New Roman" panose="02020603050405020304" pitchFamily="18" charset="0"/>
-                <a:sym typeface="Georgia"/>
-              </a:rPr>
-              <a:t>REALIZAÇÃO DA MATRÍCULA</a:t>
-            </a:r>
+            <a:endParaRPr/>
           </a:p>
         </p:txBody>
       </p:sp>
       <p:pic>
         <p:nvPicPr>
-          <p:cNvPr id="4" name="Imagem 3" descr="Interface gráfica do usuário&#10;&#10;Descrição gerada automaticamente">
-            <a:extLst>
-              <a:ext uri="{FF2B5EF4-FFF2-40B4-BE49-F238E27FC236}">
-                <a16:creationId xmlns:a16="http://schemas.microsoft.com/office/drawing/2014/main" id="{E471ED6D-4963-47AC-B050-0F108E94651B}"/>
-              </a:ext>
-            </a:extLst>
-          </p:cNvPr>
-          <p:cNvPicPr>
-            <a:picLocks noChangeAspect="1"/>
-          </p:cNvPicPr>
+          <p:cNvPr id="55" name="Google Shape;55;p1"/>
+          <p:cNvPicPr preferRelativeResize="0"/>
           <p:nvPr/>
         </p:nvPicPr>
         <p:blipFill>
-          <a:blip r:embed="rId3"/>
+          <a:blip r:embed="rId3">
+            <a:alphaModFix/>
+          </a:blip>
           <a:stretch>
             <a:fillRect/>
           </a:stretch>
         </p:blipFill>
         <p:spPr>
           <a:xfrm>
-            <a:off x="1531186" y="658892"/>
-            <a:ext cx="6081626" cy="3825716"/>
+            <a:off x="1318625" y="584791"/>
+            <a:ext cx="6762310" cy="4253908"/>
           </a:xfrm>
           <a:prstGeom prst="rect">
             <a:avLst/>
           </a:prstGeom>
+          <a:noFill/>
+          <a:ln>
+            <a:noFill/>
+          </a:ln>
         </p:spPr>
       </p:pic>
     </p:spTree>
@@ -8839,11 +9103,11 @@
 </file>
 
 <file path=ppt/slides/slide2.xml><?xml version="1.0" encoding="utf-8"?>
-<p:sld xmlns:a="http://schemas.openxmlformats.org/drawingml/2006/main" xmlns:r="http://schemas.openxmlformats.org/officeDocument/2006/relationships" xmlns:p="http://schemas.openxmlformats.org/presentationml/2006/main">
+<p:sld xmlns:a="http://schemas.openxmlformats.org/drawingml/2006/main" xmlns:r="http://schemas.openxmlformats.org/officeDocument/2006/relationships" xmlns:mc="http://schemas.openxmlformats.org/markup-compatibility/2006" xmlns:mv="urn:schemas-microsoft-com:mac:vml" xmlns:p="http://schemas.openxmlformats.org/presentationml/2006/main" xmlns:c="http://schemas.openxmlformats.org/drawingml/2006/chart" xmlns:dgm="http://schemas.openxmlformats.org/drawingml/2006/diagram" xmlns:o="urn:schemas-microsoft-com:office:office" xmlns:v="urn:schemas-microsoft-com:vml" xmlns:pvml="urn:schemas-microsoft-com:office:powerpoint" xmlns:com="http://schemas.openxmlformats.org/drawingml/2006/compatibility" xmlns:p14="http://schemas.microsoft.com/office/powerpoint/2010/main" xmlns:p15="http://schemas.microsoft.com/office/powerpoint/2012/main" xmlns:ahyp="http://schemas.microsoft.com/office/drawing/2018/hyperlinkcolor">
   <p:cSld>
     <p:spTree>
       <p:nvGrpSpPr>
-        <p:cNvPr id="1" name=""/>
+        <p:cNvPr id="59" name="Shape 59"/>
         <p:cNvGrpSpPr/>
         <p:nvPr/>
       </p:nvGrpSpPr>
@@ -8857,13 +9121,7 @@
       </p:grpSpPr>
       <p:sp>
         <p:nvSpPr>
-          <p:cNvPr id="5" name="Google Shape;54;p13">
-            <a:extLst>
-              <a:ext uri="{FF2B5EF4-FFF2-40B4-BE49-F238E27FC236}">
-                <a16:creationId xmlns:a16="http://schemas.microsoft.com/office/drawing/2014/main" id="{99BD6ABE-D453-47AA-8DF3-7740165BB02A}"/>
-              </a:ext>
-            </a:extLst>
-          </p:cNvPr>
+          <p:cNvPr id="60" name="Google Shape;60;p2"/>
           <p:cNvSpPr txBox="1"/>
           <p:nvPr/>
         </p:nvSpPr>
@@ -8881,12 +9139,12 @@
           </a:ln>
         </p:spPr>
         <p:txBody>
-          <a:bodyPr spcFirstLastPara="1" wrap="square" lIns="91425" tIns="91425" rIns="91425" bIns="91425" anchor="t" anchorCtr="0">
+          <a:bodyPr anchorCtr="0" anchor="t" bIns="91425" lIns="91425" spcFirstLastPara="1" rIns="91425" wrap="square" tIns="91425">
             <a:noAutofit/>
           </a:bodyPr>
           <a:lstStyle/>
           <a:p>
-            <a:pPr marL="0" marR="0" lvl="0" indent="0" algn="ctr" rtl="0">
+            <a:pPr indent="0" lvl="0" marL="0" marR="0" rtl="0" algn="ctr">
               <a:lnSpc>
                 <a:spcPct val="100000"/>
               </a:lnSpc>
@@ -8904,73 +9162,57 @@
               <a:buNone/>
             </a:pPr>
             <a:r>
-              <a:rPr lang="pt-BR" sz="2000" i="0" u="none" strike="noStrike" cap="none" dirty="0">
+              <a:rPr b="0" i="0" lang="pt-BR" sz="2000" u="none" cap="none" strike="noStrike">
                 <a:solidFill>
                   <a:srgbClr val="000000"/>
                 </a:solidFill>
-                <a:latin typeface="Times New Roman" panose="02020603050405020304" pitchFamily="18" charset="0"/>
-                <a:ea typeface="Georgia"/>
-                <a:cs typeface="Times New Roman" panose="02020603050405020304" pitchFamily="18" charset="0"/>
-                <a:sym typeface="Georgia"/>
+                <a:latin typeface="Times New Roman"/>
+                <a:ea typeface="Times New Roman"/>
+                <a:cs typeface="Times New Roman"/>
+                <a:sym typeface="Times New Roman"/>
               </a:rPr>
-              <a:t>DFD ESSENCIAL </a:t>
+              <a:t>DFD ESSENCIAL de MINISTRAR AULAS</a:t>
             </a:r>
-            <a:r>
-              <a:rPr lang="pt-BR" sz="2000" dirty="0">
-                <a:latin typeface="Times New Roman" panose="02020603050405020304" pitchFamily="18" charset="0"/>
-                <a:ea typeface="Georgia"/>
-                <a:cs typeface="Times New Roman" panose="02020603050405020304" pitchFamily="18" charset="0"/>
-                <a:sym typeface="Georgia"/>
-              </a:rPr>
-              <a:t>de MINISTRAR AULAS</a:t>
-            </a:r>
-            <a:endParaRPr lang="pt-BR" sz="2000" i="0" u="none" strike="noStrike" cap="none" dirty="0">
+            <a:endParaRPr b="0" i="0" sz="2000" u="none" cap="none" strike="noStrike">
               <a:solidFill>
                 <a:srgbClr val="000000"/>
               </a:solidFill>
-              <a:latin typeface="Times New Roman" panose="02020603050405020304" pitchFamily="18" charset="0"/>
-              <a:ea typeface="Georgia"/>
-              <a:cs typeface="Times New Roman" panose="02020603050405020304" pitchFamily="18" charset="0"/>
-              <a:sym typeface="Georgia"/>
+              <a:latin typeface="Times New Roman"/>
+              <a:ea typeface="Times New Roman"/>
+              <a:cs typeface="Times New Roman"/>
+              <a:sym typeface="Times New Roman"/>
             </a:endParaRPr>
           </a:p>
         </p:txBody>
       </p:sp>
       <p:pic>
         <p:nvPicPr>
-          <p:cNvPr id="4" name="Imagem 3">
-            <a:extLst>
-              <a:ext uri="{FF2B5EF4-FFF2-40B4-BE49-F238E27FC236}">
-                <a16:creationId xmlns:a16="http://schemas.microsoft.com/office/drawing/2014/main" id="{3D8419CA-5CBA-4F50-8AB3-A57DCF38E9A2}"/>
-              </a:ext>
-            </a:extLst>
-          </p:cNvPr>
-          <p:cNvPicPr>
-            <a:picLocks noChangeAspect="1"/>
-          </p:cNvPicPr>
+          <p:cNvPr id="61" name="Google Shape;61;p2"/>
+          <p:cNvPicPr preferRelativeResize="0"/>
           <p:nvPr/>
         </p:nvPicPr>
         <p:blipFill rotWithShape="1">
-          <a:blip r:embed="rId2"/>
-          <a:srcRect r="87562"/>
+          <a:blip r:embed="rId3">
+            <a:alphaModFix/>
+          </a:blip>
+          <a:srcRect b="0" l="0" r="87562" t="0"/>
           <a:stretch/>
         </p:blipFill>
         <p:spPr>
           <a:xfrm>
-            <a:off x="914752" y="724032"/>
-            <a:ext cx="7070300" cy="4407838"/>
+            <a:off x="974902" y="724032"/>
+            <a:ext cx="7070301" cy="4407838"/>
           </a:xfrm>
           <a:prstGeom prst="rect">
             <a:avLst/>
           </a:prstGeom>
+          <a:noFill/>
+          <a:ln>
+            <a:noFill/>
+          </a:ln>
         </p:spPr>
       </p:pic>
     </p:spTree>
-    <p:extLst>
-      <p:ext uri="{BB962C8B-B14F-4D97-AF65-F5344CB8AC3E}">
-        <p14:creationId xmlns:p14="http://schemas.microsoft.com/office/powerpoint/2010/main" val="3154167667"/>
-      </p:ext>
-    </p:extLst>
   </p:cSld>
   <p:clrMapOvr>
     <a:masterClrMapping/>
@@ -8979,11 +9221,11 @@
 </file>
 
 <file path=ppt/slides/slide3.xml><?xml version="1.0" encoding="utf-8"?>
-<p:sld xmlns:a="http://schemas.openxmlformats.org/drawingml/2006/main" xmlns:r="http://schemas.openxmlformats.org/officeDocument/2006/relationships" xmlns:p="http://schemas.openxmlformats.org/presentationml/2006/main">
+<p:sld xmlns:a="http://schemas.openxmlformats.org/drawingml/2006/main" xmlns:r="http://schemas.openxmlformats.org/officeDocument/2006/relationships" xmlns:mc="http://schemas.openxmlformats.org/markup-compatibility/2006" xmlns:mv="urn:schemas-microsoft-com:mac:vml" xmlns:p="http://schemas.openxmlformats.org/presentationml/2006/main" xmlns:c="http://schemas.openxmlformats.org/drawingml/2006/chart" xmlns:dgm="http://schemas.openxmlformats.org/drawingml/2006/diagram" xmlns:o="urn:schemas-microsoft-com:office:office" xmlns:v="urn:schemas-microsoft-com:vml" xmlns:pvml="urn:schemas-microsoft-com:office:powerpoint" xmlns:com="http://schemas.openxmlformats.org/drawingml/2006/compatibility" xmlns:p14="http://schemas.microsoft.com/office/powerpoint/2010/main" xmlns:p15="http://schemas.microsoft.com/office/powerpoint/2012/main" xmlns:ahyp="http://schemas.microsoft.com/office/drawing/2018/hyperlinkcolor">
   <p:cSld>
     <p:spTree>
       <p:nvGrpSpPr>
-        <p:cNvPr id="1" name=""/>
+        <p:cNvPr id="65" name="Shape 65"/>
         <p:cNvGrpSpPr/>
         <p:nvPr/>
       </p:nvGrpSpPr>
@@ -8997,13 +9239,7 @@
       </p:grpSpPr>
       <p:sp>
         <p:nvSpPr>
-          <p:cNvPr id="3" name="Google Shape;54;p13">
-            <a:extLst>
-              <a:ext uri="{FF2B5EF4-FFF2-40B4-BE49-F238E27FC236}">
-                <a16:creationId xmlns:a16="http://schemas.microsoft.com/office/drawing/2014/main" id="{AA5861D1-BC11-4CC2-A649-91E41536995C}"/>
-              </a:ext>
-            </a:extLst>
-          </p:cNvPr>
+          <p:cNvPr id="66" name="Google Shape;66;p3"/>
           <p:cNvSpPr txBox="1"/>
           <p:nvPr/>
         </p:nvSpPr>
@@ -9021,12 +9257,12 @@
           </a:ln>
         </p:spPr>
         <p:txBody>
-          <a:bodyPr spcFirstLastPara="1" wrap="square" lIns="91425" tIns="91425" rIns="91425" bIns="91425" anchor="t" anchorCtr="0">
+          <a:bodyPr anchorCtr="0" anchor="t" bIns="91425" lIns="91425" spcFirstLastPara="1" rIns="91425" wrap="square" tIns="91425">
             <a:noAutofit/>
           </a:bodyPr>
           <a:lstStyle/>
           <a:p>
-            <a:pPr marL="0" marR="0" lvl="0" indent="0" algn="ctr" rtl="0">
+            <a:pPr indent="0" lvl="0" marL="0" marR="0" rtl="0" algn="ctr">
               <a:lnSpc>
                 <a:spcPct val="100000"/>
               </a:lnSpc>
@@ -9044,74 +9280,58 @@
               <a:buNone/>
             </a:pPr>
             <a:r>
-              <a:rPr lang="pt-BR" sz="2000" i="0" u="none" strike="noStrike" cap="none" dirty="0">
+              <a:rPr b="0" i="0" lang="pt-BR" sz="2000" u="none" cap="none" strike="noStrike">
                 <a:solidFill>
                   <a:srgbClr val="000000"/>
                 </a:solidFill>
-                <a:latin typeface="Times New Roman" panose="02020603050405020304" pitchFamily="18" charset="0"/>
-                <a:ea typeface="Georgia"/>
-                <a:cs typeface="Times New Roman" panose="02020603050405020304" pitchFamily="18" charset="0"/>
-                <a:sym typeface="Georgia"/>
+                <a:latin typeface="Times New Roman"/>
+                <a:ea typeface="Times New Roman"/>
+                <a:cs typeface="Times New Roman"/>
+                <a:sym typeface="Times New Roman"/>
               </a:rPr>
-              <a:t>DFD ESSENCIAL </a:t>
+              <a:t>DFD ESSENCIAL de NEGOCIAR</a:t>
             </a:r>
-            <a:r>
-              <a:rPr lang="pt-BR" sz="2000" dirty="0">
-                <a:latin typeface="Times New Roman" panose="02020603050405020304" pitchFamily="18" charset="0"/>
-                <a:ea typeface="Georgia"/>
-                <a:cs typeface="Times New Roman" panose="02020603050405020304" pitchFamily="18" charset="0"/>
-                <a:sym typeface="Georgia"/>
-              </a:rPr>
-              <a:t>de NEGOCIAR</a:t>
-            </a:r>
-            <a:endParaRPr lang="pt-BR" sz="2000" i="0" u="none" strike="noStrike" cap="none" dirty="0">
+            <a:endParaRPr b="0" i="0" sz="2000" u="none" cap="none" strike="noStrike">
               <a:solidFill>
                 <a:srgbClr val="000000"/>
               </a:solidFill>
-              <a:latin typeface="Times New Roman" panose="02020603050405020304" pitchFamily="18" charset="0"/>
-              <a:ea typeface="Georgia"/>
-              <a:cs typeface="Times New Roman" panose="02020603050405020304" pitchFamily="18" charset="0"/>
-              <a:sym typeface="Georgia"/>
+              <a:latin typeface="Times New Roman"/>
+              <a:ea typeface="Times New Roman"/>
+              <a:cs typeface="Times New Roman"/>
+              <a:sym typeface="Times New Roman"/>
             </a:endParaRPr>
           </a:p>
         </p:txBody>
       </p:sp>
       <p:pic>
         <p:nvPicPr>
-          <p:cNvPr id="5" name="Imagem 4">
-            <a:extLst>
-              <a:ext uri="{FF2B5EF4-FFF2-40B4-BE49-F238E27FC236}">
-                <a16:creationId xmlns:a16="http://schemas.microsoft.com/office/drawing/2014/main" id="{6DB81387-AC55-4590-A019-9DC5746F962E}"/>
-              </a:ext>
-            </a:extLst>
-          </p:cNvPr>
-          <p:cNvPicPr>
-            <a:picLocks noChangeAspect="1"/>
-          </p:cNvPicPr>
+          <p:cNvPr id="67" name="Google Shape;67;p3"/>
+          <p:cNvPicPr preferRelativeResize="0"/>
           <p:nvPr/>
         </p:nvPicPr>
         <p:blipFill>
-          <a:blip r:embed="rId2"/>
+          <a:blip r:embed="rId3">
+            <a:alphaModFix/>
+          </a:blip>
           <a:stretch>
             <a:fillRect/>
           </a:stretch>
         </p:blipFill>
         <p:spPr>
           <a:xfrm>
-            <a:off x="622908" y="1134723"/>
-            <a:ext cx="7898184" cy="3361077"/>
+            <a:off x="683375" y="1167050"/>
+            <a:ext cx="7777249" cy="3306675"/>
           </a:xfrm>
           <a:prstGeom prst="rect">
             <a:avLst/>
           </a:prstGeom>
+          <a:noFill/>
+          <a:ln>
+            <a:noFill/>
+          </a:ln>
         </p:spPr>
       </p:pic>
     </p:spTree>
-    <p:extLst>
-      <p:ext uri="{BB962C8B-B14F-4D97-AF65-F5344CB8AC3E}">
-        <p14:creationId xmlns:p14="http://schemas.microsoft.com/office/powerpoint/2010/main" val="3371897511"/>
-      </p:ext>
-    </p:extLst>
   </p:cSld>
   <p:clrMapOvr>
     <a:masterClrMapping/>
@@ -9120,11 +9340,11 @@
 </file>
 
 <file path=ppt/slides/slide4.xml><?xml version="1.0" encoding="utf-8"?>
-<p:sld xmlns:a="http://schemas.openxmlformats.org/drawingml/2006/main" xmlns:r="http://schemas.openxmlformats.org/officeDocument/2006/relationships" xmlns:p="http://schemas.openxmlformats.org/presentationml/2006/main">
+<p:sld xmlns:a="http://schemas.openxmlformats.org/drawingml/2006/main" xmlns:r="http://schemas.openxmlformats.org/officeDocument/2006/relationships" xmlns:mc="http://schemas.openxmlformats.org/markup-compatibility/2006" xmlns:mv="urn:schemas-microsoft-com:mac:vml" xmlns:p="http://schemas.openxmlformats.org/presentationml/2006/main" xmlns:c="http://schemas.openxmlformats.org/drawingml/2006/chart" xmlns:dgm="http://schemas.openxmlformats.org/drawingml/2006/diagram" xmlns:o="urn:schemas-microsoft-com:office:office" xmlns:v="urn:schemas-microsoft-com:vml" xmlns:pvml="urn:schemas-microsoft-com:office:powerpoint" xmlns:com="http://schemas.openxmlformats.org/drawingml/2006/compatibility" xmlns:p14="http://schemas.microsoft.com/office/powerpoint/2010/main" xmlns:p15="http://schemas.microsoft.com/office/powerpoint/2012/main" xmlns:ahyp="http://schemas.microsoft.com/office/drawing/2018/hyperlinkcolor">
   <p:cSld>
     <p:spTree>
       <p:nvGrpSpPr>
-        <p:cNvPr id="1" name=""/>
+        <p:cNvPr id="71" name="Shape 71"/>
         <p:cNvGrpSpPr/>
         <p:nvPr/>
       </p:nvGrpSpPr>
@@ -9138,13 +9358,7 @@
       </p:grpSpPr>
       <p:sp>
         <p:nvSpPr>
-          <p:cNvPr id="4" name="Google Shape;54;p13">
-            <a:extLst>
-              <a:ext uri="{FF2B5EF4-FFF2-40B4-BE49-F238E27FC236}">
-                <a16:creationId xmlns:a16="http://schemas.microsoft.com/office/drawing/2014/main" id="{D573561D-73DC-4BB0-9BFA-3A077BB6C437}"/>
-              </a:ext>
-            </a:extLst>
-          </p:cNvPr>
+          <p:cNvPr id="72" name="Google Shape;72;p4"/>
           <p:cNvSpPr txBox="1"/>
           <p:nvPr/>
         </p:nvSpPr>
@@ -9162,12 +9376,12 @@
           </a:ln>
         </p:spPr>
         <p:txBody>
-          <a:bodyPr spcFirstLastPara="1" wrap="square" lIns="91425" tIns="91425" rIns="91425" bIns="91425" anchor="t" anchorCtr="0">
+          <a:bodyPr anchorCtr="0" anchor="t" bIns="91425" lIns="91425" spcFirstLastPara="1" rIns="91425" wrap="square" tIns="91425">
             <a:noAutofit/>
           </a:bodyPr>
           <a:lstStyle/>
           <a:p>
-            <a:pPr marL="0" marR="0" lvl="0" indent="0" algn="ctr" rtl="0">
+            <a:pPr indent="0" lvl="0" marL="0" marR="0" rtl="0" algn="ctr">
               <a:lnSpc>
                 <a:spcPct val="100000"/>
               </a:lnSpc>
@@ -9185,57 +9399,41 @@
               <a:buNone/>
             </a:pPr>
             <a:r>
-              <a:rPr lang="pt-BR" sz="2000" i="0" u="none" strike="noStrike" cap="none" dirty="0">
+              <a:rPr b="0" i="0" lang="pt-BR" sz="2000" u="none" cap="none" strike="noStrike">
                 <a:solidFill>
                   <a:srgbClr val="000000"/>
                 </a:solidFill>
-                <a:latin typeface="Times New Roman" panose="02020603050405020304" pitchFamily="18" charset="0"/>
-                <a:ea typeface="Georgia"/>
-                <a:cs typeface="Times New Roman" panose="02020603050405020304" pitchFamily="18" charset="0"/>
-                <a:sym typeface="Georgia"/>
+                <a:latin typeface="Times New Roman"/>
+                <a:ea typeface="Times New Roman"/>
+                <a:cs typeface="Times New Roman"/>
+                <a:sym typeface="Times New Roman"/>
               </a:rPr>
-              <a:t>DFD ESSENCIAL </a:t>
+              <a:t>DFD ESSENCIAL de TRANSFERÊNCIA</a:t>
             </a:r>
-            <a:r>
-              <a:rPr lang="pt-BR" sz="2000" dirty="0">
-                <a:latin typeface="Times New Roman" panose="02020603050405020304" pitchFamily="18" charset="0"/>
-                <a:ea typeface="Georgia"/>
-                <a:cs typeface="Times New Roman" panose="02020603050405020304" pitchFamily="18" charset="0"/>
-                <a:sym typeface="Georgia"/>
-              </a:rPr>
-              <a:t>de TRANSFERÊNCIA</a:t>
-            </a:r>
-            <a:endParaRPr lang="pt-BR" sz="2000" i="0" u="none" strike="noStrike" cap="none" dirty="0">
+            <a:endParaRPr b="0" i="0" sz="2000" u="none" cap="none" strike="noStrike">
               <a:solidFill>
                 <a:srgbClr val="000000"/>
               </a:solidFill>
-              <a:latin typeface="Times New Roman" panose="02020603050405020304" pitchFamily="18" charset="0"/>
-              <a:ea typeface="Georgia"/>
-              <a:cs typeface="Times New Roman" panose="02020603050405020304" pitchFamily="18" charset="0"/>
-              <a:sym typeface="Georgia"/>
+              <a:latin typeface="Times New Roman"/>
+              <a:ea typeface="Times New Roman"/>
+              <a:cs typeface="Times New Roman"/>
+              <a:sym typeface="Times New Roman"/>
             </a:endParaRPr>
           </a:p>
         </p:txBody>
       </p:sp>
       <p:pic>
         <p:nvPicPr>
-          <p:cNvPr id="3" name="Imagem 2" descr="Interface gráfica do usuário, Aplicativo&#10;&#10;Descrição gerada automaticamente">
-            <a:extLst>
-              <a:ext uri="{FF2B5EF4-FFF2-40B4-BE49-F238E27FC236}">
-                <a16:creationId xmlns:a16="http://schemas.microsoft.com/office/drawing/2014/main" id="{8B8FCEE2-B5EF-473C-916D-4823F975BEE1}"/>
-              </a:ext>
-            </a:extLst>
-          </p:cNvPr>
-          <p:cNvPicPr>
-            <a:picLocks noChangeAspect="1"/>
-          </p:cNvPicPr>
+          <p:cNvPr descr="Interface gráfica do usuário, Aplicativo&#10;&#10;Descrição gerada automaticamente" id="73" name="Google Shape;73;p4"/>
+          <p:cNvPicPr preferRelativeResize="0"/>
           <p:nvPr/>
         </p:nvPicPr>
-        <p:blipFill>
-          <a:blip r:embed="rId2"/>
-          <a:stretch>
-            <a:fillRect/>
-          </a:stretch>
+        <p:blipFill rotWithShape="1">
+          <a:blip r:embed="rId3">
+            <a:alphaModFix/>
+          </a:blip>
+          <a:srcRect b="0" l="0" r="0" t="0"/>
+          <a:stretch/>
         </p:blipFill>
         <p:spPr>
           <a:xfrm>
@@ -9245,14 +9443,13 @@
           <a:prstGeom prst="rect">
             <a:avLst/>
           </a:prstGeom>
+          <a:noFill/>
+          <a:ln>
+            <a:noFill/>
+          </a:ln>
         </p:spPr>
       </p:pic>
     </p:spTree>
-    <p:extLst>
-      <p:ext uri="{BB962C8B-B14F-4D97-AF65-F5344CB8AC3E}">
-        <p14:creationId xmlns:p14="http://schemas.microsoft.com/office/powerpoint/2010/main" val="3437676399"/>
-      </p:ext>
-    </p:extLst>
   </p:cSld>
   <p:clrMapOvr>
     <a:masterClrMapping/>
@@ -9261,11 +9458,11 @@
 </file>
 
 <file path=ppt/slides/slide5.xml><?xml version="1.0" encoding="utf-8"?>
-<p:sld xmlns:a="http://schemas.openxmlformats.org/drawingml/2006/main" xmlns:r="http://schemas.openxmlformats.org/officeDocument/2006/relationships" xmlns:p="http://schemas.openxmlformats.org/presentationml/2006/main">
+<p:sld xmlns:a="http://schemas.openxmlformats.org/drawingml/2006/main" xmlns:r="http://schemas.openxmlformats.org/officeDocument/2006/relationships" xmlns:mc="http://schemas.openxmlformats.org/markup-compatibility/2006" xmlns:mv="urn:schemas-microsoft-com:mac:vml" xmlns:p="http://schemas.openxmlformats.org/presentationml/2006/main" xmlns:c="http://schemas.openxmlformats.org/drawingml/2006/chart" xmlns:dgm="http://schemas.openxmlformats.org/drawingml/2006/diagram" xmlns:o="urn:schemas-microsoft-com:office:office" xmlns:v="urn:schemas-microsoft-com:vml" xmlns:pvml="urn:schemas-microsoft-com:office:powerpoint" xmlns:com="http://schemas.openxmlformats.org/drawingml/2006/compatibility" xmlns:p14="http://schemas.microsoft.com/office/powerpoint/2010/main" xmlns:p15="http://schemas.microsoft.com/office/powerpoint/2012/main" xmlns:ahyp="http://schemas.microsoft.com/office/drawing/2018/hyperlinkcolor">
   <p:cSld>
     <p:spTree>
       <p:nvGrpSpPr>
-        <p:cNvPr id="1" name=""/>
+        <p:cNvPr id="77" name="Shape 77"/>
         <p:cNvGrpSpPr/>
         <p:nvPr/>
       </p:nvGrpSpPr>
@@ -9279,13 +9476,7 @@
       </p:grpSpPr>
       <p:sp>
         <p:nvSpPr>
-          <p:cNvPr id="3" name="Google Shape;54;p13">
-            <a:extLst>
-              <a:ext uri="{FF2B5EF4-FFF2-40B4-BE49-F238E27FC236}">
-                <a16:creationId xmlns:a16="http://schemas.microsoft.com/office/drawing/2014/main" id="{0605A02C-1AA9-4E2B-B58D-D5D3B4E49719}"/>
-              </a:ext>
-            </a:extLst>
-          </p:cNvPr>
+          <p:cNvPr id="78" name="Google Shape;78;p5"/>
           <p:cNvSpPr txBox="1"/>
           <p:nvPr/>
         </p:nvSpPr>
@@ -9303,12 +9494,12 @@
           </a:ln>
         </p:spPr>
         <p:txBody>
-          <a:bodyPr spcFirstLastPara="1" wrap="square" lIns="91425" tIns="91425" rIns="91425" bIns="91425" anchor="t" anchorCtr="0">
+          <a:bodyPr anchorCtr="0" anchor="t" bIns="91425" lIns="91425" spcFirstLastPara="1" rIns="91425" wrap="square" tIns="91425">
             <a:noAutofit/>
           </a:bodyPr>
           <a:lstStyle/>
           <a:p>
-            <a:pPr marL="0" marR="0" lvl="0" indent="0" algn="ctr" rtl="0">
+            <a:pPr indent="0" lvl="0" marL="0" marR="0" rtl="0" algn="ctr">
               <a:lnSpc>
                 <a:spcPct val="100000"/>
               </a:lnSpc>
@@ -9326,57 +9517,41 @@
               <a:buNone/>
             </a:pPr>
             <a:r>
-              <a:rPr lang="pt-BR" sz="2000" i="0" u="none" strike="noStrike" cap="none" dirty="0">
+              <a:rPr b="0" i="0" lang="pt-BR" sz="2000" u="none" cap="none" strike="noStrike">
                 <a:solidFill>
                   <a:srgbClr val="000000"/>
                 </a:solidFill>
-                <a:latin typeface="Times New Roman" panose="02020603050405020304" pitchFamily="18" charset="0"/>
-                <a:ea typeface="Georgia"/>
-                <a:cs typeface="Times New Roman" panose="02020603050405020304" pitchFamily="18" charset="0"/>
-                <a:sym typeface="Georgia"/>
+                <a:latin typeface="Times New Roman"/>
+                <a:ea typeface="Times New Roman"/>
+                <a:cs typeface="Times New Roman"/>
+                <a:sym typeface="Times New Roman"/>
               </a:rPr>
-              <a:t>DFD ESSENCIAL </a:t>
+              <a:t>DFD ESSENCIAL de TRANCAMENTO</a:t>
             </a:r>
-            <a:r>
-              <a:rPr lang="pt-BR" sz="2000" dirty="0">
-                <a:latin typeface="Times New Roman" panose="02020603050405020304" pitchFamily="18" charset="0"/>
-                <a:ea typeface="Georgia"/>
-                <a:cs typeface="Times New Roman" panose="02020603050405020304" pitchFamily="18" charset="0"/>
-                <a:sym typeface="Georgia"/>
-              </a:rPr>
-              <a:t>de TRANCAMENTO</a:t>
-            </a:r>
-            <a:endParaRPr lang="pt-BR" sz="2000" i="0" u="none" strike="noStrike" cap="none" dirty="0">
+            <a:endParaRPr b="0" i="0" sz="2000" u="none" cap="none" strike="noStrike">
               <a:solidFill>
                 <a:srgbClr val="000000"/>
               </a:solidFill>
-              <a:latin typeface="Times New Roman" panose="02020603050405020304" pitchFamily="18" charset="0"/>
-              <a:ea typeface="Georgia"/>
-              <a:cs typeface="Times New Roman" panose="02020603050405020304" pitchFamily="18" charset="0"/>
-              <a:sym typeface="Georgia"/>
+              <a:latin typeface="Times New Roman"/>
+              <a:ea typeface="Times New Roman"/>
+              <a:cs typeface="Times New Roman"/>
+              <a:sym typeface="Times New Roman"/>
             </a:endParaRPr>
           </a:p>
         </p:txBody>
       </p:sp>
       <p:pic>
         <p:nvPicPr>
-          <p:cNvPr id="5" name="Imagem 4" descr="Interface gráfica do usuário&#10;&#10;Descrição gerada automaticamente">
-            <a:extLst>
-              <a:ext uri="{FF2B5EF4-FFF2-40B4-BE49-F238E27FC236}">
-                <a16:creationId xmlns:a16="http://schemas.microsoft.com/office/drawing/2014/main" id="{FD291330-6E75-4317-A32B-E608F1CFC34D}"/>
-              </a:ext>
-            </a:extLst>
-          </p:cNvPr>
-          <p:cNvPicPr>
-            <a:picLocks noChangeAspect="1"/>
-          </p:cNvPicPr>
+          <p:cNvPr descr="Interface gráfica do usuário&#10;&#10;Descrição gerada automaticamente" id="79" name="Google Shape;79;p5"/>
+          <p:cNvPicPr preferRelativeResize="0"/>
           <p:nvPr/>
         </p:nvPicPr>
-        <p:blipFill>
-          <a:blip r:embed="rId2"/>
-          <a:stretch>
-            <a:fillRect/>
-          </a:stretch>
+        <p:blipFill rotWithShape="1">
+          <a:blip r:embed="rId3">
+            <a:alphaModFix/>
+          </a:blip>
+          <a:srcRect b="0" l="0" r="0" t="0"/>
+          <a:stretch/>
         </p:blipFill>
         <p:spPr>
           <a:xfrm>
@@ -9386,14 +9561,13 @@
           <a:prstGeom prst="rect">
             <a:avLst/>
           </a:prstGeom>
+          <a:noFill/>
+          <a:ln>
+            <a:noFill/>
+          </a:ln>
         </p:spPr>
       </p:pic>
     </p:spTree>
-    <p:extLst>
-      <p:ext uri="{BB962C8B-B14F-4D97-AF65-F5344CB8AC3E}">
-        <p14:creationId xmlns:p14="http://schemas.microsoft.com/office/powerpoint/2010/main" val="1751700557"/>
-      </p:ext>
-    </p:extLst>
   </p:cSld>
   <p:clrMapOvr>
     <a:masterClrMapping/>
@@ -9402,7 +9576,7 @@
 </file>
 
 <file path=ppt/theme/theme1.xml><?xml version="1.0" encoding="utf-8"?>
-<a:theme xmlns:a="http://schemas.openxmlformats.org/drawingml/2006/main" name="Simple Light">
+<a:theme xmlns:a="http://schemas.openxmlformats.org/drawingml/2006/main" xmlns:r="http://schemas.openxmlformats.org/officeDocument/2006/relationships" name="Simple Light">
   <a:themeElements>
     <a:clrScheme name="Simple Light">
       <a:dk1>
@@ -9677,13 +9851,11 @@
       </a:bgFillStyleLst>
     </a:fmtScheme>
   </a:themeElements>
-  <a:objectDefaults/>
-  <a:extraClrSchemeLst/>
 </a:theme>
 </file>
 
 <file path=ppt/theme/theme2.xml><?xml version="1.0" encoding="utf-8"?>
-<a:theme xmlns:a="http://schemas.openxmlformats.org/drawingml/2006/main">
+<a:theme xmlns:a="http://schemas.openxmlformats.org/drawingml/2006/main" xmlns:r="http://schemas.openxmlformats.org/officeDocument/2006/relationships">
   <a:themeElements>
     <a:clrScheme name="Default">
       <a:dk1>
@@ -9958,7 +10130,5 @@
       </a:bgFillStyleLst>
     </a:fmtScheme>
   </a:themeElements>
-  <a:objectDefaults/>
-  <a:extraClrSchemeLst/>
 </a:theme>
 </file>
--- a/Artefatos/16. DFD ESSENCIAL CAPACIDADES.pptx
+++ b/Artefatos/16. DFD ESSENCIAL CAPACIDADES.pptx
@@ -1,23 +1,23 @@
 
 <file path=ppt/presentation.xml><?xml version="1.0" encoding="utf-8"?>
-<p:presentation xmlns:a="http://schemas.openxmlformats.org/drawingml/2006/main" xmlns:r="http://schemas.openxmlformats.org/officeDocument/2006/relationships" xmlns:mc="http://schemas.openxmlformats.org/markup-compatibility/2006" xmlns:mv="urn:schemas-microsoft-com:mac:vml" xmlns:p="http://schemas.openxmlformats.org/presentationml/2006/main" xmlns:c="http://schemas.openxmlformats.org/drawingml/2006/chart" xmlns:dgm="http://schemas.openxmlformats.org/drawingml/2006/diagram" xmlns:o="urn:schemas-microsoft-com:office:office" xmlns:v="urn:schemas-microsoft-com:vml" xmlns:pvml="urn:schemas-microsoft-com:office:powerpoint" xmlns:com="http://schemas.openxmlformats.org/drawingml/2006/compatibility" xmlns:p14="http://schemas.microsoft.com/office/powerpoint/2010/main" xmlns:p15="http://schemas.microsoft.com/office/powerpoint/2012/main" xmlns:ahyp="http://schemas.microsoft.com/office/drawing/2018/hyperlinkcolor" autoCompressPictures="0" strictFirstAndLastChars="0" saveSubsetFonts="1">
+<p:presentation xmlns:a="http://schemas.openxmlformats.org/drawingml/2006/main" xmlns:r="http://schemas.openxmlformats.org/officeDocument/2006/relationships" xmlns:p="http://schemas.openxmlformats.org/presentationml/2006/main" strictFirstAndLastChars="0" saveSubsetFonts="1" autoCompressPictures="0">
   <p:sldMasterIdLst>
-    <p:sldMasterId id="2147483648" r:id="rId4"/>
+    <p:sldMasterId id="2147483648" r:id="rId1"/>
   </p:sldMasterIdLst>
   <p:notesMasterIdLst>
-    <p:notesMasterId r:id="rId5"/>
+    <p:notesMasterId r:id="rId7"/>
   </p:notesMasterIdLst>
   <p:sldIdLst>
-    <p:sldId id="256" r:id="rId6"/>
-    <p:sldId id="257" r:id="rId7"/>
-    <p:sldId id="258" r:id="rId8"/>
-    <p:sldId id="259" r:id="rId9"/>
-    <p:sldId id="260" r:id="rId10"/>
+    <p:sldId id="256" r:id="rId2"/>
+    <p:sldId id="257" r:id="rId3"/>
+    <p:sldId id="258" r:id="rId4"/>
+    <p:sldId id="259" r:id="rId5"/>
+    <p:sldId id="260" r:id="rId6"/>
   </p:sldIdLst>
-  <p:sldSz cy="5143500" cx="9144000"/>
+  <p:sldSz cx="9144000" cy="5143500" type="screen16x9"/>
   <p:notesSz cx="6858000" cy="9144000"/>
   <p:defaultTextStyle>
-    <a:defPPr lvl="0" marR="0" rtl="0" algn="l">
+    <a:defPPr marR="0" lvl="0" algn="l" rtl="0">
       <a:lnSpc>
         <a:spcPct val="100000"/>
       </a:lnSpc>
@@ -28,7 +28,7 @@
         <a:spcPts val="0"/>
       </a:spcAft>
     </a:defPPr>
-    <a:lvl1pPr lvl="0" marR="0" rtl="0" algn="l">
+    <a:lvl1pPr marR="0" lvl="0" algn="l" rtl="0">
       <a:lnSpc>
         <a:spcPct val="100000"/>
       </a:lnSpc>
@@ -42,7 +42,7 @@
         <a:srgbClr val="000000"/>
       </a:buClr>
       <a:buFont typeface="Arial"/>
-      <a:defRPr b="0" i="0" sz="1400" u="none" cap="none" strike="noStrike">
+      <a:defRPr sz="1400" b="0" i="0" u="none" strike="noStrike" cap="none">
         <a:solidFill>
           <a:srgbClr val="000000"/>
         </a:solidFill>
@@ -52,7 +52,7 @@
         <a:sym typeface="Arial"/>
       </a:defRPr>
     </a:lvl1pPr>
-    <a:lvl2pPr lvl="1" marR="0" rtl="0" algn="l">
+    <a:lvl2pPr marR="0" lvl="1" algn="l" rtl="0">
       <a:lnSpc>
         <a:spcPct val="100000"/>
       </a:lnSpc>
@@ -66,7 +66,7 @@
         <a:srgbClr val="000000"/>
       </a:buClr>
       <a:buFont typeface="Arial"/>
-      <a:defRPr b="0" i="0" sz="1400" u="none" cap="none" strike="noStrike">
+      <a:defRPr sz="1400" b="0" i="0" u="none" strike="noStrike" cap="none">
         <a:solidFill>
           <a:srgbClr val="000000"/>
         </a:solidFill>
@@ -76,7 +76,7 @@
         <a:sym typeface="Arial"/>
       </a:defRPr>
     </a:lvl2pPr>
-    <a:lvl3pPr lvl="2" marR="0" rtl="0" algn="l">
+    <a:lvl3pPr marR="0" lvl="2" algn="l" rtl="0">
       <a:lnSpc>
         <a:spcPct val="100000"/>
       </a:lnSpc>
@@ -90,7 +90,7 @@
         <a:srgbClr val="000000"/>
       </a:buClr>
       <a:buFont typeface="Arial"/>
-      <a:defRPr b="0" i="0" sz="1400" u="none" cap="none" strike="noStrike">
+      <a:defRPr sz="1400" b="0" i="0" u="none" strike="noStrike" cap="none">
         <a:solidFill>
           <a:srgbClr val="000000"/>
         </a:solidFill>
@@ -100,7 +100,7 @@
         <a:sym typeface="Arial"/>
       </a:defRPr>
     </a:lvl3pPr>
-    <a:lvl4pPr lvl="3" marR="0" rtl="0" algn="l">
+    <a:lvl4pPr marR="0" lvl="3" algn="l" rtl="0">
       <a:lnSpc>
         <a:spcPct val="100000"/>
       </a:lnSpc>
@@ -114,7 +114,7 @@
         <a:srgbClr val="000000"/>
       </a:buClr>
       <a:buFont typeface="Arial"/>
-      <a:defRPr b="0" i="0" sz="1400" u="none" cap="none" strike="noStrike">
+      <a:defRPr sz="1400" b="0" i="0" u="none" strike="noStrike" cap="none">
         <a:solidFill>
           <a:srgbClr val="000000"/>
         </a:solidFill>
@@ -124,7 +124,7 @@
         <a:sym typeface="Arial"/>
       </a:defRPr>
     </a:lvl4pPr>
-    <a:lvl5pPr lvl="4" marR="0" rtl="0" algn="l">
+    <a:lvl5pPr marR="0" lvl="4" algn="l" rtl="0">
       <a:lnSpc>
         <a:spcPct val="100000"/>
       </a:lnSpc>
@@ -138,7 +138,7 @@
         <a:srgbClr val="000000"/>
       </a:buClr>
       <a:buFont typeface="Arial"/>
-      <a:defRPr b="0" i="0" sz="1400" u="none" cap="none" strike="noStrike">
+      <a:defRPr sz="1400" b="0" i="0" u="none" strike="noStrike" cap="none">
         <a:solidFill>
           <a:srgbClr val="000000"/>
         </a:solidFill>
@@ -148,7 +148,7 @@
         <a:sym typeface="Arial"/>
       </a:defRPr>
     </a:lvl5pPr>
-    <a:lvl6pPr lvl="5" marR="0" rtl="0" algn="l">
+    <a:lvl6pPr marR="0" lvl="5" algn="l" rtl="0">
       <a:lnSpc>
         <a:spcPct val="100000"/>
       </a:lnSpc>
@@ -162,7 +162,7 @@
         <a:srgbClr val="000000"/>
       </a:buClr>
       <a:buFont typeface="Arial"/>
-      <a:defRPr b="0" i="0" sz="1400" u="none" cap="none" strike="noStrike">
+      <a:defRPr sz="1400" b="0" i="0" u="none" strike="noStrike" cap="none">
         <a:solidFill>
           <a:srgbClr val="000000"/>
         </a:solidFill>
@@ -172,7 +172,7 @@
         <a:sym typeface="Arial"/>
       </a:defRPr>
     </a:lvl6pPr>
-    <a:lvl7pPr lvl="6" marR="0" rtl="0" algn="l">
+    <a:lvl7pPr marR="0" lvl="6" algn="l" rtl="0">
       <a:lnSpc>
         <a:spcPct val="100000"/>
       </a:lnSpc>
@@ -186,7 +186,7 @@
         <a:srgbClr val="000000"/>
       </a:buClr>
       <a:buFont typeface="Arial"/>
-      <a:defRPr b="0" i="0" sz="1400" u="none" cap="none" strike="noStrike">
+      <a:defRPr sz="1400" b="0" i="0" u="none" strike="noStrike" cap="none">
         <a:solidFill>
           <a:srgbClr val="000000"/>
         </a:solidFill>
@@ -196,7 +196,7 @@
         <a:sym typeface="Arial"/>
       </a:defRPr>
     </a:lvl7pPr>
-    <a:lvl8pPr lvl="7" marR="0" rtl="0" algn="l">
+    <a:lvl8pPr marR="0" lvl="7" algn="l" rtl="0">
       <a:lnSpc>
         <a:spcPct val="100000"/>
       </a:lnSpc>
@@ -210,7 +210,7 @@
         <a:srgbClr val="000000"/>
       </a:buClr>
       <a:buFont typeface="Arial"/>
-      <a:defRPr b="0" i="0" sz="1400" u="none" cap="none" strike="noStrike">
+      <a:defRPr sz="1400" b="0" i="0" u="none" strike="noStrike" cap="none">
         <a:solidFill>
           <a:srgbClr val="000000"/>
         </a:solidFill>
@@ -220,7 +220,7 @@
         <a:sym typeface="Arial"/>
       </a:defRPr>
     </a:lvl8pPr>
-    <a:lvl9pPr lvl="8" marR="0" rtl="0" algn="l">
+    <a:lvl9pPr marR="0" lvl="8" algn="l" rtl="0">
       <a:lnSpc>
         <a:spcPct val="100000"/>
       </a:lnSpc>
@@ -234,7 +234,7 @@
         <a:srgbClr val="000000"/>
       </a:buClr>
       <a:buFont typeface="Arial"/>
-      <a:defRPr b="0" i="0" sz="1400" u="none" cap="none" strike="noStrike">
+      <a:defRPr sz="1400" b="0" i="0" u="none" strike="noStrike" cap="none">
         <a:solidFill>
           <a:srgbClr val="000000"/>
         </a:solidFill>
@@ -247,7 +247,7 @@
   </p:defaultTextStyle>
   <p:extLst>
     <p:ext uri="{EFAFB233-063F-42B5-8137-9DF3F51BA10A}">
-      <p15:sldGuideLst>
+      <p15:sldGuideLst xmlns:p15="http://schemas.microsoft.com/office/powerpoint/2012/main">
         <p15:guide id="1" orient="horz" pos="1620">
           <p15:clr>
             <a:srgbClr val="A4A3A4"/>
@@ -261,25 +261,26 @@
       </p15:sldGuideLst>
     </p:ext>
     <p:ext uri="http://customooxmlschemas.google.com/">
-      <go:slidesCustomData xmlns:go="http://customooxmlschemas.google.com/" r:id="rId11" roundtripDataSignature="AMtx7mjTxzETjSagCIfiKIVv9a9bNL64FA=="/>
+      <go:slidesCustomData xmlns:go="http://customooxmlschemas.google.com/" xmlns:ahyp="http://schemas.microsoft.com/office/drawing/2018/hyperlinkcolor" xmlns:p15="http://schemas.microsoft.com/office/powerpoint/2012/main" xmlns:p14="http://schemas.microsoft.com/office/powerpoint/2010/main" xmlns:com="http://schemas.openxmlformats.org/drawingml/2006/compatibility" xmlns:pvml="urn:schemas-microsoft-com:office:powerpoint" xmlns:v="urn:schemas-microsoft-com:vml" xmlns:o="urn:schemas-microsoft-com:office:office" xmlns:dgm="http://schemas.openxmlformats.org/drawingml/2006/diagram" xmlns:c="http://schemas.openxmlformats.org/drawingml/2006/chart" xmlns:mv="urn:schemas-microsoft-com:mac:vml" xmlns:mc="http://schemas.openxmlformats.org/markup-compatibility/2006" xmlns="" r:id="rId11" roundtripDataSignature="AMtx7mjTxzETjSagCIfiKIVv9a9bNL64FA=="/>
     </p:ext>
   </p:extLst>
 </p:presentation>
 </file>
 
 <file path=ppt/notesMasters/notesMaster1.xml><?xml version="1.0" encoding="utf-8"?>
-<p:notesMaster xmlns:a="http://schemas.openxmlformats.org/drawingml/2006/main" xmlns:r="http://schemas.openxmlformats.org/officeDocument/2006/relationships" xmlns:mc="http://schemas.openxmlformats.org/markup-compatibility/2006" xmlns:mv="urn:schemas-microsoft-com:mac:vml" xmlns:p="http://schemas.openxmlformats.org/presentationml/2006/main" xmlns:c="http://schemas.openxmlformats.org/drawingml/2006/chart" xmlns:dgm="http://schemas.openxmlformats.org/drawingml/2006/diagram" xmlns:o="urn:schemas-microsoft-com:office:office" xmlns:v="urn:schemas-microsoft-com:vml" xmlns:pvml="urn:schemas-microsoft-com:office:powerpoint" xmlns:com="http://schemas.openxmlformats.org/drawingml/2006/compatibility" xmlns:p14="http://schemas.microsoft.com/office/powerpoint/2010/main" xmlns:p15="http://schemas.microsoft.com/office/powerpoint/2012/main" xmlns:ahyp="http://schemas.microsoft.com/office/drawing/2018/hyperlinkcolor">
+<p:notesMaster xmlns:a="http://schemas.openxmlformats.org/drawingml/2006/main" xmlns:r="http://schemas.openxmlformats.org/officeDocument/2006/relationships" xmlns:p="http://schemas.openxmlformats.org/presentationml/2006/main">
   <p:cSld>
     <p:bg>
       <p:bgPr>
         <a:solidFill>
           <a:schemeClr val="lt1"/>
         </a:solidFill>
+        <a:effectLst/>
       </p:bgPr>
     </p:bg>
     <p:spTree>
       <p:nvGrpSpPr>
-        <p:cNvPr id="2" name="Shape 2"/>
+        <p:cNvPr id="1" name="Shape 2"/>
         <p:cNvGrpSpPr/>
         <p:nvPr/>
       </p:nvGrpSpPr>
@@ -294,9 +295,11 @@
       <p:sp>
         <p:nvSpPr>
           <p:cNvPr id="3" name="Google Shape;3;n"/>
-          <p:cNvSpPr/>
+          <p:cNvSpPr>
+            <a:spLocks noGrp="1" noRot="1" noChangeAspect="1"/>
+          </p:cNvSpPr>
           <p:nvPr>
-            <p:ph idx="2" type="sldImg"/>
+            <p:ph type="sldImg" idx="2"/>
           </p:nvPr>
         </p:nvSpPr>
         <p:spPr>
@@ -305,9 +308,13 @@
             <a:ext cx="6096075" cy="3429000"/>
           </a:xfrm>
           <a:custGeom>
-            <a:rect b="b" l="l" r="r" t="t"/>
+            <a:avLst/>
+            <a:gdLst/>
+            <a:ahLst/>
+            <a:cxnLst/>
+            <a:rect l="l" t="t" r="r" b="b"/>
             <a:pathLst>
-              <a:path extrusionOk="0" h="120000" w="120000">
+              <a:path w="120000" h="120000" extrusionOk="0">
                 <a:moveTo>
                   <a:pt x="0" y="0"/>
                 </a:moveTo>
@@ -325,23 +332,25 @@
             </a:pathLst>
           </a:custGeom>
           <a:noFill/>
-          <a:ln cap="flat" cmpd="sng" w="9525">
+          <a:ln w="9525" cap="flat" cmpd="sng">
             <a:solidFill>
               <a:srgbClr val="000000"/>
             </a:solidFill>
             <a:prstDash val="solid"/>
             <a:round/>
-            <a:headEnd len="sm" w="sm" type="none"/>
-            <a:tailEnd len="sm" w="sm" type="none"/>
+            <a:headEnd type="none" w="sm" len="sm"/>
+            <a:tailEnd type="none" w="sm" len="sm"/>
           </a:ln>
         </p:spPr>
       </p:sp>
       <p:sp>
         <p:nvSpPr>
           <p:cNvPr id="4" name="Google Shape;4;n"/>
-          <p:cNvSpPr txBox="1"/>
+          <p:cNvSpPr txBox="1">
+            <a:spLocks noGrp="1"/>
+          </p:cNvSpPr>
           <p:nvPr>
-            <p:ph idx="1" type="body"/>
+            <p:ph type="body" idx="1"/>
           </p:nvPr>
         </p:nvSpPr>
         <p:spPr>
@@ -358,11 +367,11 @@
           </a:ln>
         </p:spPr>
         <p:txBody>
-          <a:bodyPr anchorCtr="0" anchor="t" bIns="91425" lIns="91425" spcFirstLastPara="1" rIns="91425" wrap="square" tIns="91425">
+          <a:bodyPr spcFirstLastPara="1" wrap="square" lIns="91425" tIns="91425" rIns="91425" bIns="91425" anchor="t" anchorCtr="0">
             <a:noAutofit/>
           </a:bodyPr>
           <a:lstStyle>
-            <a:lvl1pPr indent="-298450" lvl="0" marL="457200" marR="0" rtl="0" algn="l">
+            <a:lvl1pPr marL="457200" marR="0" lvl="0" indent="-298450" algn="l" rtl="0">
               <a:lnSpc>
                 <a:spcPct val="100000"/>
               </a:lnSpc>
@@ -378,7 +387,7 @@
               <a:buSzPts val="1100"/>
               <a:buFont typeface="Arial"/>
               <a:buChar char="●"/>
-              <a:defRPr b="0" i="0" sz="1100" u="none" cap="none" strike="noStrike">
+              <a:defRPr sz="1100" b="0" i="0" u="none" strike="noStrike" cap="none">
                 <a:solidFill>
                   <a:srgbClr val="000000"/>
                 </a:solidFill>
@@ -388,7 +397,7 @@
                 <a:sym typeface="Arial"/>
               </a:defRPr>
             </a:lvl1pPr>
-            <a:lvl2pPr indent="-298450" lvl="1" marL="914400" marR="0" rtl="0" algn="l">
+            <a:lvl2pPr marL="914400" marR="0" lvl="1" indent="-298450" algn="l" rtl="0">
               <a:lnSpc>
                 <a:spcPct val="100000"/>
               </a:lnSpc>
@@ -404,7 +413,7 @@
               <a:buSzPts val="1100"/>
               <a:buFont typeface="Arial"/>
               <a:buChar char="○"/>
-              <a:defRPr b="0" i="0" sz="1100" u="none" cap="none" strike="noStrike">
+              <a:defRPr sz="1100" b="0" i="0" u="none" strike="noStrike" cap="none">
                 <a:solidFill>
                   <a:srgbClr val="000000"/>
                 </a:solidFill>
@@ -414,7 +423,7 @@
                 <a:sym typeface="Arial"/>
               </a:defRPr>
             </a:lvl2pPr>
-            <a:lvl3pPr indent="-298450" lvl="2" marL="1371600" marR="0" rtl="0" algn="l">
+            <a:lvl3pPr marL="1371600" marR="0" lvl="2" indent="-298450" algn="l" rtl="0">
               <a:lnSpc>
                 <a:spcPct val="100000"/>
               </a:lnSpc>
@@ -430,7 +439,7 @@
               <a:buSzPts val="1100"/>
               <a:buFont typeface="Arial"/>
               <a:buChar char="■"/>
-              <a:defRPr b="0" i="0" sz="1100" u="none" cap="none" strike="noStrike">
+              <a:defRPr sz="1100" b="0" i="0" u="none" strike="noStrike" cap="none">
                 <a:solidFill>
                   <a:srgbClr val="000000"/>
                 </a:solidFill>
@@ -440,7 +449,7 @@
                 <a:sym typeface="Arial"/>
               </a:defRPr>
             </a:lvl3pPr>
-            <a:lvl4pPr indent="-298450" lvl="3" marL="1828800" marR="0" rtl="0" algn="l">
+            <a:lvl4pPr marL="1828800" marR="0" lvl="3" indent="-298450" algn="l" rtl="0">
               <a:lnSpc>
                 <a:spcPct val="100000"/>
               </a:lnSpc>
@@ -456,7 +465,7 @@
               <a:buSzPts val="1100"/>
               <a:buFont typeface="Arial"/>
               <a:buChar char="●"/>
-              <a:defRPr b="0" i="0" sz="1100" u="none" cap="none" strike="noStrike">
+              <a:defRPr sz="1100" b="0" i="0" u="none" strike="noStrike" cap="none">
                 <a:solidFill>
                   <a:srgbClr val="000000"/>
                 </a:solidFill>
@@ -466,7 +475,7 @@
                 <a:sym typeface="Arial"/>
               </a:defRPr>
             </a:lvl4pPr>
-            <a:lvl5pPr indent="-298450" lvl="4" marL="2286000" marR="0" rtl="0" algn="l">
+            <a:lvl5pPr marL="2286000" marR="0" lvl="4" indent="-298450" algn="l" rtl="0">
               <a:lnSpc>
                 <a:spcPct val="100000"/>
               </a:lnSpc>
@@ -482,7 +491,7 @@
               <a:buSzPts val="1100"/>
               <a:buFont typeface="Arial"/>
               <a:buChar char="○"/>
-              <a:defRPr b="0" i="0" sz="1100" u="none" cap="none" strike="noStrike">
+              <a:defRPr sz="1100" b="0" i="0" u="none" strike="noStrike" cap="none">
                 <a:solidFill>
                   <a:srgbClr val="000000"/>
                 </a:solidFill>
@@ -492,7 +501,7 @@
                 <a:sym typeface="Arial"/>
               </a:defRPr>
             </a:lvl5pPr>
-            <a:lvl6pPr indent="-298450" lvl="5" marL="2743200" marR="0" rtl="0" algn="l">
+            <a:lvl6pPr marL="2743200" marR="0" lvl="5" indent="-298450" algn="l" rtl="0">
               <a:lnSpc>
                 <a:spcPct val="100000"/>
               </a:lnSpc>
@@ -508,7 +517,7 @@
               <a:buSzPts val="1100"/>
               <a:buFont typeface="Arial"/>
               <a:buChar char="■"/>
-              <a:defRPr b="0" i="0" sz="1100" u="none" cap="none" strike="noStrike">
+              <a:defRPr sz="1100" b="0" i="0" u="none" strike="noStrike" cap="none">
                 <a:solidFill>
                   <a:srgbClr val="000000"/>
                 </a:solidFill>
@@ -518,7 +527,7 @@
                 <a:sym typeface="Arial"/>
               </a:defRPr>
             </a:lvl6pPr>
-            <a:lvl7pPr indent="-298450" lvl="6" marL="3200400" marR="0" rtl="0" algn="l">
+            <a:lvl7pPr marL="3200400" marR="0" lvl="6" indent="-298450" algn="l" rtl="0">
               <a:lnSpc>
                 <a:spcPct val="100000"/>
               </a:lnSpc>
@@ -534,7 +543,7 @@
               <a:buSzPts val="1100"/>
               <a:buFont typeface="Arial"/>
               <a:buChar char="●"/>
-              <a:defRPr b="0" i="0" sz="1100" u="none" cap="none" strike="noStrike">
+              <a:defRPr sz="1100" b="0" i="0" u="none" strike="noStrike" cap="none">
                 <a:solidFill>
                   <a:srgbClr val="000000"/>
                 </a:solidFill>
@@ -544,7 +553,7 @@
                 <a:sym typeface="Arial"/>
               </a:defRPr>
             </a:lvl7pPr>
-            <a:lvl8pPr indent="-298450" lvl="7" marL="3657600" marR="0" rtl="0" algn="l">
+            <a:lvl8pPr marL="3657600" marR="0" lvl="7" indent="-298450" algn="l" rtl="0">
               <a:lnSpc>
                 <a:spcPct val="100000"/>
               </a:lnSpc>
@@ -560,7 +569,7 @@
               <a:buSzPts val="1100"/>
               <a:buFont typeface="Arial"/>
               <a:buChar char="○"/>
-              <a:defRPr b="0" i="0" sz="1100" u="none" cap="none" strike="noStrike">
+              <a:defRPr sz="1100" b="0" i="0" u="none" strike="noStrike" cap="none">
                 <a:solidFill>
                   <a:srgbClr val="000000"/>
                 </a:solidFill>
@@ -570,7 +579,7 @@
                 <a:sym typeface="Arial"/>
               </a:defRPr>
             </a:lvl8pPr>
-            <a:lvl9pPr indent="-298450" lvl="8" marL="4114800" marR="0" rtl="0" algn="l">
+            <a:lvl9pPr marL="4114800" marR="0" lvl="8" indent="-298450" algn="l" rtl="0">
               <a:lnSpc>
                 <a:spcPct val="100000"/>
               </a:lnSpc>
@@ -586,7 +595,7 @@
               <a:buSzPts val="1100"/>
               <a:buFont typeface="Arial"/>
               <a:buChar char="■"/>
-              <a:defRPr b="0" i="0" sz="1100" u="none" cap="none" strike="noStrike">
+              <a:defRPr sz="1100" b="0" i="0" u="none" strike="noStrike" cap="none">
                 <a:solidFill>
                   <a:srgbClr val="000000"/>
                 </a:solidFill>
@@ -597,14 +606,16 @@
               </a:defRPr>
             </a:lvl9pPr>
           </a:lstStyle>
-          <a:p/>
+          <a:p>
+            <a:endParaRPr/>
+          </a:p>
         </p:txBody>
       </p:sp>
     </p:spTree>
   </p:cSld>
-  <p:clrMap accent1="accent1" accent2="accent2" accent3="accent3" accent4="accent4" accent5="accent5" accent6="accent6" bg1="lt1" bg2="dk2" tx1="dk1" tx2="lt2" folHlink="folHlink" hlink="hlink"/>
+  <p:clrMap bg1="lt1" tx1="dk1" bg2="dk2" tx2="lt2" accent1="accent1" accent2="accent2" accent3="accent3" accent4="accent4" accent5="accent5" accent6="accent6" hlink="hlink" folHlink="folHlink"/>
   <p:notesStyle>
-    <a:defPPr lvl="0" marR="0" rtl="0" algn="l">
+    <a:defPPr marR="0" lvl="0" algn="l" rtl="0">
       <a:lnSpc>
         <a:spcPct val="100000"/>
       </a:lnSpc>
@@ -615,7 +626,7 @@
         <a:spcPts val="0"/>
       </a:spcAft>
     </a:defPPr>
-    <a:lvl1pPr lvl="0" marR="0" rtl="0" algn="l">
+    <a:lvl1pPr marR="0" lvl="0" algn="l" rtl="0">
       <a:lnSpc>
         <a:spcPct val="100000"/>
       </a:lnSpc>
@@ -629,7 +640,7 @@
         <a:srgbClr val="000000"/>
       </a:buClr>
       <a:buFont typeface="Arial"/>
-      <a:defRPr b="0" i="0" sz="1400" u="none" cap="none" strike="noStrike">
+      <a:defRPr sz="1400" b="0" i="0" u="none" strike="noStrike" cap="none">
         <a:solidFill>
           <a:srgbClr val="000000"/>
         </a:solidFill>
@@ -639,7 +650,7 @@
         <a:sym typeface="Arial"/>
       </a:defRPr>
     </a:lvl1pPr>
-    <a:lvl2pPr lvl="1" marR="0" rtl="0" algn="l">
+    <a:lvl2pPr marR="0" lvl="1" algn="l" rtl="0">
       <a:lnSpc>
         <a:spcPct val="100000"/>
       </a:lnSpc>
@@ -653,7 +664,7 @@
         <a:srgbClr val="000000"/>
       </a:buClr>
       <a:buFont typeface="Arial"/>
-      <a:defRPr b="0" i="0" sz="1400" u="none" cap="none" strike="noStrike">
+      <a:defRPr sz="1400" b="0" i="0" u="none" strike="noStrike" cap="none">
         <a:solidFill>
           <a:srgbClr val="000000"/>
         </a:solidFill>
@@ -663,7 +674,7 @@
         <a:sym typeface="Arial"/>
       </a:defRPr>
     </a:lvl2pPr>
-    <a:lvl3pPr lvl="2" marR="0" rtl="0" algn="l">
+    <a:lvl3pPr marR="0" lvl="2" algn="l" rtl="0">
       <a:lnSpc>
         <a:spcPct val="100000"/>
       </a:lnSpc>
@@ -677,7 +688,7 @@
         <a:srgbClr val="000000"/>
       </a:buClr>
       <a:buFont typeface="Arial"/>
-      <a:defRPr b="0" i="0" sz="1400" u="none" cap="none" strike="noStrike">
+      <a:defRPr sz="1400" b="0" i="0" u="none" strike="noStrike" cap="none">
         <a:solidFill>
           <a:srgbClr val="000000"/>
         </a:solidFill>
@@ -687,7 +698,7 @@
         <a:sym typeface="Arial"/>
       </a:defRPr>
     </a:lvl3pPr>
-    <a:lvl4pPr lvl="3" marR="0" rtl="0" algn="l">
+    <a:lvl4pPr marR="0" lvl="3" algn="l" rtl="0">
       <a:lnSpc>
         <a:spcPct val="100000"/>
       </a:lnSpc>
@@ -701,7 +712,7 @@
         <a:srgbClr val="000000"/>
       </a:buClr>
       <a:buFont typeface="Arial"/>
-      <a:defRPr b="0" i="0" sz="1400" u="none" cap="none" strike="noStrike">
+      <a:defRPr sz="1400" b="0" i="0" u="none" strike="noStrike" cap="none">
         <a:solidFill>
           <a:srgbClr val="000000"/>
         </a:solidFill>
@@ -711,7 +722,7 @@
         <a:sym typeface="Arial"/>
       </a:defRPr>
     </a:lvl4pPr>
-    <a:lvl5pPr lvl="4" marR="0" rtl="0" algn="l">
+    <a:lvl5pPr marR="0" lvl="4" algn="l" rtl="0">
       <a:lnSpc>
         <a:spcPct val="100000"/>
       </a:lnSpc>
@@ -725,7 +736,7 @@
         <a:srgbClr val="000000"/>
       </a:buClr>
       <a:buFont typeface="Arial"/>
-      <a:defRPr b="0" i="0" sz="1400" u="none" cap="none" strike="noStrike">
+      <a:defRPr sz="1400" b="0" i="0" u="none" strike="noStrike" cap="none">
         <a:solidFill>
           <a:srgbClr val="000000"/>
         </a:solidFill>
@@ -735,7 +746,7 @@
         <a:sym typeface="Arial"/>
       </a:defRPr>
     </a:lvl5pPr>
-    <a:lvl6pPr lvl="5" marR="0" rtl="0" algn="l">
+    <a:lvl6pPr marR="0" lvl="5" algn="l" rtl="0">
       <a:lnSpc>
         <a:spcPct val="100000"/>
       </a:lnSpc>
@@ -749,7 +760,7 @@
         <a:srgbClr val="000000"/>
       </a:buClr>
       <a:buFont typeface="Arial"/>
-      <a:defRPr b="0" i="0" sz="1400" u="none" cap="none" strike="noStrike">
+      <a:defRPr sz="1400" b="0" i="0" u="none" strike="noStrike" cap="none">
         <a:solidFill>
           <a:srgbClr val="000000"/>
         </a:solidFill>
@@ -759,7 +770,7 @@
         <a:sym typeface="Arial"/>
       </a:defRPr>
     </a:lvl6pPr>
-    <a:lvl7pPr lvl="6" marR="0" rtl="0" algn="l">
+    <a:lvl7pPr marR="0" lvl="6" algn="l" rtl="0">
       <a:lnSpc>
         <a:spcPct val="100000"/>
       </a:lnSpc>
@@ -773,7 +784,7 @@
         <a:srgbClr val="000000"/>
       </a:buClr>
       <a:buFont typeface="Arial"/>
-      <a:defRPr b="0" i="0" sz="1400" u="none" cap="none" strike="noStrike">
+      <a:defRPr sz="1400" b="0" i="0" u="none" strike="noStrike" cap="none">
         <a:solidFill>
           <a:srgbClr val="000000"/>
         </a:solidFill>
@@ -783,7 +794,7 @@
         <a:sym typeface="Arial"/>
       </a:defRPr>
     </a:lvl7pPr>
-    <a:lvl8pPr lvl="7" marR="0" rtl="0" algn="l">
+    <a:lvl8pPr marR="0" lvl="7" algn="l" rtl="0">
       <a:lnSpc>
         <a:spcPct val="100000"/>
       </a:lnSpc>
@@ -797,7 +808,7 @@
         <a:srgbClr val="000000"/>
       </a:buClr>
       <a:buFont typeface="Arial"/>
-      <a:defRPr b="0" i="0" sz="1400" u="none" cap="none" strike="noStrike">
+      <a:defRPr sz="1400" b="0" i="0" u="none" strike="noStrike" cap="none">
         <a:solidFill>
           <a:srgbClr val="000000"/>
         </a:solidFill>
@@ -807,7 +818,7 @@
         <a:sym typeface="Arial"/>
       </a:defRPr>
     </a:lvl8pPr>
-    <a:lvl9pPr lvl="8" marR="0" rtl="0" algn="l">
+    <a:lvl9pPr marR="0" lvl="8" algn="l" rtl="0">
       <a:lnSpc>
         <a:spcPct val="100000"/>
       </a:lnSpc>
@@ -821,7 +832,7 @@
         <a:srgbClr val="000000"/>
       </a:buClr>
       <a:buFont typeface="Arial"/>
-      <a:defRPr b="0" i="0" sz="1400" u="none" cap="none" strike="noStrike">
+      <a:defRPr sz="1400" b="0" i="0" u="none" strike="noStrike" cap="none">
         <a:solidFill>
           <a:srgbClr val="000000"/>
         </a:solidFill>
@@ -836,11 +847,11 @@
 </file>
 
 <file path=ppt/notesSlides/notesSlide1.xml><?xml version="1.0" encoding="utf-8"?>
-<p:notes xmlns:a="http://schemas.openxmlformats.org/drawingml/2006/main" xmlns:r="http://schemas.openxmlformats.org/officeDocument/2006/relationships" xmlns:mc="http://schemas.openxmlformats.org/markup-compatibility/2006" xmlns:mv="urn:schemas-microsoft-com:mac:vml" xmlns:p="http://schemas.openxmlformats.org/presentationml/2006/main" xmlns:c="http://schemas.openxmlformats.org/drawingml/2006/chart" xmlns:dgm="http://schemas.openxmlformats.org/drawingml/2006/diagram" xmlns:o="urn:schemas-microsoft-com:office:office" xmlns:v="urn:schemas-microsoft-com:vml" xmlns:pvml="urn:schemas-microsoft-com:office:powerpoint" xmlns:com="http://schemas.openxmlformats.org/drawingml/2006/compatibility" xmlns:p14="http://schemas.microsoft.com/office/powerpoint/2010/main" xmlns:p15="http://schemas.microsoft.com/office/powerpoint/2012/main" xmlns:ahyp="http://schemas.microsoft.com/office/drawing/2018/hyperlinkcolor" showMasterPhAnim="0" showMasterSp="0">
+<p:notes xmlns:a="http://schemas.openxmlformats.org/drawingml/2006/main" xmlns:r="http://schemas.openxmlformats.org/officeDocument/2006/relationships" xmlns:p="http://schemas.openxmlformats.org/presentationml/2006/main" showMasterSp="0" showMasterPhAnim="0">
   <p:cSld>
     <p:spTree>
       <p:nvGrpSpPr>
-        <p:cNvPr id="50" name="Shape 50"/>
+        <p:cNvPr id="1" name="Shape 50"/>
         <p:cNvGrpSpPr/>
         <p:nvPr/>
       </p:nvGrpSpPr>
@@ -855,9 +866,11 @@
       <p:sp>
         <p:nvSpPr>
           <p:cNvPr id="51" name="Google Shape;51;p1:notes"/>
-          <p:cNvSpPr/>
+          <p:cNvSpPr>
+            <a:spLocks noGrp="1" noRot="1" noChangeAspect="1"/>
+          </p:cNvSpPr>
           <p:nvPr>
-            <p:ph idx="2" type="sldImg"/>
+            <p:ph type="sldImg" idx="2"/>
           </p:nvPr>
         </p:nvSpPr>
         <p:spPr>
@@ -866,9 +879,13 @@
             <a:ext cx="6096000" cy="3429000"/>
           </a:xfrm>
           <a:custGeom>
-            <a:rect b="b" l="l" r="r" t="t"/>
+            <a:avLst/>
+            <a:gdLst/>
+            <a:ahLst/>
+            <a:cxnLst/>
+            <a:rect l="l" t="t" r="r" b="b"/>
             <a:pathLst>
-              <a:path extrusionOk="0" h="120000" w="120000">
+              <a:path w="120000" h="120000" extrusionOk="0">
                 <a:moveTo>
                   <a:pt x="0" y="0"/>
                 </a:moveTo>
@@ -886,23 +903,25 @@
             </a:pathLst>
           </a:custGeom>
           <a:noFill/>
-          <a:ln cap="flat" cmpd="sng" w="9525">
+          <a:ln w="9525" cap="flat" cmpd="sng">
             <a:solidFill>
               <a:srgbClr val="000000"/>
             </a:solidFill>
             <a:prstDash val="solid"/>
             <a:round/>
-            <a:headEnd len="sm" w="sm" type="none"/>
-            <a:tailEnd len="sm" w="sm" type="none"/>
+            <a:headEnd type="none" w="sm" len="sm"/>
+            <a:tailEnd type="none" w="sm" len="sm"/>
           </a:ln>
         </p:spPr>
       </p:sp>
       <p:sp>
         <p:nvSpPr>
           <p:cNvPr id="52" name="Google Shape;52;p1:notes"/>
-          <p:cNvSpPr txBox="1"/>
+          <p:cNvSpPr txBox="1">
+            <a:spLocks noGrp="1"/>
+          </p:cNvSpPr>
           <p:nvPr>
-            <p:ph idx="1" type="body"/>
+            <p:ph type="body" idx="1"/>
           </p:nvPr>
         </p:nvSpPr>
         <p:spPr>
@@ -919,12 +938,12 @@
           </a:ln>
         </p:spPr>
         <p:txBody>
-          <a:bodyPr anchorCtr="0" anchor="t" bIns="91425" lIns="91425" spcFirstLastPara="1" rIns="91425" wrap="square" tIns="91425">
+          <a:bodyPr spcFirstLastPara="1" wrap="square" lIns="91425" tIns="91425" rIns="91425" bIns="91425" anchor="t" anchorCtr="0">
             <a:noAutofit/>
           </a:bodyPr>
           <a:lstStyle/>
           <a:p>
-            <a:pPr indent="0" lvl="0" marL="0" rtl="0" algn="l">
+            <a:pPr marL="0" lvl="0" indent="0" algn="l" rtl="0">
               <a:lnSpc>
                 <a:spcPct val="100000"/>
               </a:lnSpc>
@@ -937,9 +956,6 @@
               <a:buSzPts val="1100"/>
               <a:buNone/>
             </a:pPr>
-            <a:r>
-              <a:t/>
-            </a:r>
             <a:endParaRPr/>
           </a:p>
         </p:txBody>
@@ -953,11 +969,11 @@
 </file>
 
 <file path=ppt/notesSlides/notesSlide2.xml><?xml version="1.0" encoding="utf-8"?>
-<p:notes xmlns:a="http://schemas.openxmlformats.org/drawingml/2006/main" xmlns:r="http://schemas.openxmlformats.org/officeDocument/2006/relationships" xmlns:mc="http://schemas.openxmlformats.org/markup-compatibility/2006" xmlns:mv="urn:schemas-microsoft-com:mac:vml" xmlns:p="http://schemas.openxmlformats.org/presentationml/2006/main" xmlns:c="http://schemas.openxmlformats.org/drawingml/2006/chart" xmlns:dgm="http://schemas.openxmlformats.org/drawingml/2006/diagram" xmlns:o="urn:schemas-microsoft-com:office:office" xmlns:v="urn:schemas-microsoft-com:vml" xmlns:pvml="urn:schemas-microsoft-com:office:powerpoint" xmlns:com="http://schemas.openxmlformats.org/drawingml/2006/compatibility" xmlns:p14="http://schemas.microsoft.com/office/powerpoint/2010/main" xmlns:p15="http://schemas.microsoft.com/office/powerpoint/2012/main" xmlns:ahyp="http://schemas.microsoft.com/office/drawing/2018/hyperlinkcolor" showMasterPhAnim="0" showMasterSp="0">
+<p:notes xmlns:a="http://schemas.openxmlformats.org/drawingml/2006/main" xmlns:r="http://schemas.openxmlformats.org/officeDocument/2006/relationships" xmlns:p="http://schemas.openxmlformats.org/presentationml/2006/main" showMasterSp="0" showMasterPhAnim="0">
   <p:cSld>
     <p:spTree>
       <p:nvGrpSpPr>
-        <p:cNvPr id="56" name="Shape 56"/>
+        <p:cNvPr id="1" name="Shape 56"/>
         <p:cNvGrpSpPr/>
         <p:nvPr/>
       </p:nvGrpSpPr>
@@ -972,9 +988,11 @@
       <p:sp>
         <p:nvSpPr>
           <p:cNvPr id="57" name="Google Shape;57;p2:notes"/>
-          <p:cNvSpPr txBox="1"/>
+          <p:cNvSpPr txBox="1">
+            <a:spLocks noGrp="1"/>
+          </p:cNvSpPr>
           <p:nvPr>
-            <p:ph idx="1" type="body"/>
+            <p:ph type="body" idx="1"/>
           </p:nvPr>
         </p:nvSpPr>
         <p:spPr>
@@ -987,12 +1005,12 @@
           </a:prstGeom>
         </p:spPr>
         <p:txBody>
-          <a:bodyPr anchorCtr="0" anchor="t" bIns="91425" lIns="91425" spcFirstLastPara="1" rIns="91425" wrap="square" tIns="91425">
+          <a:bodyPr spcFirstLastPara="1" wrap="square" lIns="91425" tIns="91425" rIns="91425" bIns="91425" anchor="t" anchorCtr="0">
             <a:noAutofit/>
           </a:bodyPr>
           <a:lstStyle/>
           <a:p>
-            <a:pPr indent="0" lvl="0" marL="0" rtl="0" algn="l">
+            <a:pPr marL="0" lvl="0" indent="0" algn="l" rtl="0">
               <a:spcBef>
                 <a:spcPts val="0"/>
               </a:spcBef>
@@ -1001,9 +1019,6 @@
               </a:spcAft>
               <a:buNone/>
             </a:pPr>
-            <a:r>
-              <a:t/>
-            </a:r>
             <a:endParaRPr/>
           </a:p>
         </p:txBody>
@@ -1011,20 +1026,26 @@
       <p:sp>
         <p:nvSpPr>
           <p:cNvPr id="58" name="Google Shape;58;p2:notes"/>
-          <p:cNvSpPr/>
+          <p:cNvSpPr>
+            <a:spLocks noGrp="1" noRot="1" noChangeAspect="1"/>
+          </p:cNvSpPr>
           <p:nvPr>
-            <p:ph idx="2" type="sldImg"/>
+            <p:ph type="sldImg" idx="2"/>
           </p:nvPr>
         </p:nvSpPr>
         <p:spPr>
           <a:xfrm>
-            <a:off x="381300" y="685800"/>
-            <a:ext cx="6096075" cy="3429000"/>
+            <a:off x="381000" y="685800"/>
+            <a:ext cx="6096000" cy="3429000"/>
           </a:xfrm>
           <a:custGeom>
-            <a:rect b="b" l="l" r="r" t="t"/>
+            <a:avLst/>
+            <a:gdLst/>
+            <a:ahLst/>
+            <a:cxnLst/>
+            <a:rect l="l" t="t" r="r" b="b"/>
             <a:pathLst>
-              <a:path extrusionOk="0" h="120000" w="120000">
+              <a:path w="120000" h="120000" extrusionOk="0">
                 <a:moveTo>
                   <a:pt x="0" y="0"/>
                 </a:moveTo>
@@ -1052,11 +1073,11 @@
 </file>
 
 <file path=ppt/notesSlides/notesSlide3.xml><?xml version="1.0" encoding="utf-8"?>
-<p:notes xmlns:a="http://schemas.openxmlformats.org/drawingml/2006/main" xmlns:r="http://schemas.openxmlformats.org/officeDocument/2006/relationships" xmlns:mc="http://schemas.openxmlformats.org/markup-compatibility/2006" xmlns:mv="urn:schemas-microsoft-com:mac:vml" xmlns:p="http://schemas.openxmlformats.org/presentationml/2006/main" xmlns:c="http://schemas.openxmlformats.org/drawingml/2006/chart" xmlns:dgm="http://schemas.openxmlformats.org/drawingml/2006/diagram" xmlns:o="urn:schemas-microsoft-com:office:office" xmlns:v="urn:schemas-microsoft-com:vml" xmlns:pvml="urn:schemas-microsoft-com:office:powerpoint" xmlns:com="http://schemas.openxmlformats.org/drawingml/2006/compatibility" xmlns:p14="http://schemas.microsoft.com/office/powerpoint/2010/main" xmlns:p15="http://schemas.microsoft.com/office/powerpoint/2012/main" xmlns:ahyp="http://schemas.microsoft.com/office/drawing/2018/hyperlinkcolor" showMasterPhAnim="0" showMasterSp="0">
+<p:notes xmlns:a="http://schemas.openxmlformats.org/drawingml/2006/main" xmlns:r="http://schemas.openxmlformats.org/officeDocument/2006/relationships" xmlns:p="http://schemas.openxmlformats.org/presentationml/2006/main" showMasterSp="0" showMasterPhAnim="0">
   <p:cSld>
     <p:spTree>
       <p:nvGrpSpPr>
-        <p:cNvPr id="62" name="Shape 62"/>
+        <p:cNvPr id="1" name="Shape 62"/>
         <p:cNvGrpSpPr/>
         <p:nvPr/>
       </p:nvGrpSpPr>
@@ -1071,9 +1092,11 @@
       <p:sp>
         <p:nvSpPr>
           <p:cNvPr id="63" name="Google Shape;63;p3:notes"/>
-          <p:cNvSpPr txBox="1"/>
+          <p:cNvSpPr txBox="1">
+            <a:spLocks noGrp="1"/>
+          </p:cNvSpPr>
           <p:nvPr>
-            <p:ph idx="1" type="body"/>
+            <p:ph type="body" idx="1"/>
           </p:nvPr>
         </p:nvSpPr>
         <p:spPr>
@@ -1086,12 +1109,12 @@
           </a:prstGeom>
         </p:spPr>
         <p:txBody>
-          <a:bodyPr anchorCtr="0" anchor="t" bIns="91425" lIns="91425" spcFirstLastPara="1" rIns="91425" wrap="square" tIns="91425">
+          <a:bodyPr spcFirstLastPara="1" wrap="square" lIns="91425" tIns="91425" rIns="91425" bIns="91425" anchor="t" anchorCtr="0">
             <a:noAutofit/>
           </a:bodyPr>
           <a:lstStyle/>
           <a:p>
-            <a:pPr indent="0" lvl="0" marL="0" rtl="0" algn="l">
+            <a:pPr marL="0" lvl="0" indent="0" algn="l" rtl="0">
               <a:spcBef>
                 <a:spcPts val="0"/>
               </a:spcBef>
@@ -1100,9 +1123,6 @@
               </a:spcAft>
               <a:buNone/>
             </a:pPr>
-            <a:r>
-              <a:t/>
-            </a:r>
             <a:endParaRPr/>
           </a:p>
         </p:txBody>
@@ -1110,9 +1130,11 @@
       <p:sp>
         <p:nvSpPr>
           <p:cNvPr id="64" name="Google Shape;64;p3:notes"/>
-          <p:cNvSpPr/>
+          <p:cNvSpPr>
+            <a:spLocks noGrp="1" noRot="1" noChangeAspect="1"/>
+          </p:cNvSpPr>
           <p:nvPr>
-            <p:ph idx="2" type="sldImg"/>
+            <p:ph type="sldImg" idx="2"/>
           </p:nvPr>
         </p:nvSpPr>
         <p:spPr>
@@ -1121,9 +1143,13 @@
             <a:ext cx="6096075" cy="3429000"/>
           </a:xfrm>
           <a:custGeom>
-            <a:rect b="b" l="l" r="r" t="t"/>
+            <a:avLst/>
+            <a:gdLst/>
+            <a:ahLst/>
+            <a:cxnLst/>
+            <a:rect l="l" t="t" r="r" b="b"/>
             <a:pathLst>
-              <a:path extrusionOk="0" h="120000" w="120000">
+              <a:path w="120000" h="120000" extrusionOk="0">
                 <a:moveTo>
                   <a:pt x="0" y="0"/>
                 </a:moveTo>
@@ -1151,11 +1177,11 @@
 </file>
 
 <file path=ppt/notesSlides/notesSlide4.xml><?xml version="1.0" encoding="utf-8"?>
-<p:notes xmlns:a="http://schemas.openxmlformats.org/drawingml/2006/main" xmlns:r="http://schemas.openxmlformats.org/officeDocument/2006/relationships" xmlns:mc="http://schemas.openxmlformats.org/markup-compatibility/2006" xmlns:mv="urn:schemas-microsoft-com:mac:vml" xmlns:p="http://schemas.openxmlformats.org/presentationml/2006/main" xmlns:c="http://schemas.openxmlformats.org/drawingml/2006/chart" xmlns:dgm="http://schemas.openxmlformats.org/drawingml/2006/diagram" xmlns:o="urn:schemas-microsoft-com:office:office" xmlns:v="urn:schemas-microsoft-com:vml" xmlns:pvml="urn:schemas-microsoft-com:office:powerpoint" xmlns:com="http://schemas.openxmlformats.org/drawingml/2006/compatibility" xmlns:p14="http://schemas.microsoft.com/office/powerpoint/2010/main" xmlns:p15="http://schemas.microsoft.com/office/powerpoint/2012/main" xmlns:ahyp="http://schemas.microsoft.com/office/drawing/2018/hyperlinkcolor" showMasterPhAnim="0" showMasterSp="0">
+<p:notes xmlns:a="http://schemas.openxmlformats.org/drawingml/2006/main" xmlns:r="http://schemas.openxmlformats.org/officeDocument/2006/relationships" xmlns:p="http://schemas.openxmlformats.org/presentationml/2006/main" showMasterSp="0" showMasterPhAnim="0">
   <p:cSld>
     <p:spTree>
       <p:nvGrpSpPr>
-        <p:cNvPr id="68" name="Shape 68"/>
+        <p:cNvPr id="1" name="Shape 68"/>
         <p:cNvGrpSpPr/>
         <p:nvPr/>
       </p:nvGrpSpPr>
@@ -1170,9 +1196,11 @@
       <p:sp>
         <p:nvSpPr>
           <p:cNvPr id="69" name="Google Shape;69;p4:notes"/>
-          <p:cNvSpPr txBox="1"/>
+          <p:cNvSpPr txBox="1">
+            <a:spLocks noGrp="1"/>
+          </p:cNvSpPr>
           <p:nvPr>
-            <p:ph idx="1" type="body"/>
+            <p:ph type="body" idx="1"/>
           </p:nvPr>
         </p:nvSpPr>
         <p:spPr>
@@ -1185,12 +1213,12 @@
           </a:prstGeom>
         </p:spPr>
         <p:txBody>
-          <a:bodyPr anchorCtr="0" anchor="t" bIns="91425" lIns="91425" spcFirstLastPara="1" rIns="91425" wrap="square" tIns="91425">
+          <a:bodyPr spcFirstLastPara="1" wrap="square" lIns="91425" tIns="91425" rIns="91425" bIns="91425" anchor="t" anchorCtr="0">
             <a:noAutofit/>
           </a:bodyPr>
           <a:lstStyle/>
           <a:p>
-            <a:pPr indent="0" lvl="0" marL="0" rtl="0" algn="l">
+            <a:pPr marL="0" lvl="0" indent="0" algn="l" rtl="0">
               <a:spcBef>
                 <a:spcPts val="0"/>
               </a:spcBef>
@@ -1199,9 +1227,6 @@
               </a:spcAft>
               <a:buNone/>
             </a:pPr>
-            <a:r>
-              <a:t/>
-            </a:r>
             <a:endParaRPr/>
           </a:p>
         </p:txBody>
@@ -1209,9 +1234,11 @@
       <p:sp>
         <p:nvSpPr>
           <p:cNvPr id="70" name="Google Shape;70;p4:notes"/>
-          <p:cNvSpPr/>
+          <p:cNvSpPr>
+            <a:spLocks noGrp="1" noRot="1" noChangeAspect="1"/>
+          </p:cNvSpPr>
           <p:nvPr>
-            <p:ph idx="2" type="sldImg"/>
+            <p:ph type="sldImg" idx="2"/>
           </p:nvPr>
         </p:nvSpPr>
         <p:spPr>
@@ -1220,9 +1247,13 @@
             <a:ext cx="6096075" cy="3429000"/>
           </a:xfrm>
           <a:custGeom>
-            <a:rect b="b" l="l" r="r" t="t"/>
+            <a:avLst/>
+            <a:gdLst/>
+            <a:ahLst/>
+            <a:cxnLst/>
+            <a:rect l="l" t="t" r="r" b="b"/>
             <a:pathLst>
-              <a:path extrusionOk="0" h="120000" w="120000">
+              <a:path w="120000" h="120000" extrusionOk="0">
                 <a:moveTo>
                   <a:pt x="0" y="0"/>
                 </a:moveTo>
@@ -1250,11 +1281,11 @@
 </file>
 
 <file path=ppt/notesSlides/notesSlide5.xml><?xml version="1.0" encoding="utf-8"?>
-<p:notes xmlns:a="http://schemas.openxmlformats.org/drawingml/2006/main" xmlns:r="http://schemas.openxmlformats.org/officeDocument/2006/relationships" xmlns:mc="http://schemas.openxmlformats.org/markup-compatibility/2006" xmlns:mv="urn:schemas-microsoft-com:mac:vml" xmlns:p="http://schemas.openxmlformats.org/presentationml/2006/main" xmlns:c="http://schemas.openxmlformats.org/drawingml/2006/chart" xmlns:dgm="http://schemas.openxmlformats.org/drawingml/2006/diagram" xmlns:o="urn:schemas-microsoft-com:office:office" xmlns:v="urn:schemas-microsoft-com:vml" xmlns:pvml="urn:schemas-microsoft-com:office:powerpoint" xmlns:com="http://schemas.openxmlformats.org/drawingml/2006/compatibility" xmlns:p14="http://schemas.microsoft.com/office/powerpoint/2010/main" xmlns:p15="http://schemas.microsoft.com/office/powerpoint/2012/main" xmlns:ahyp="http://schemas.microsoft.com/office/drawing/2018/hyperlinkcolor" showMasterPhAnim="0" showMasterSp="0">
+<p:notes xmlns:a="http://schemas.openxmlformats.org/drawingml/2006/main" xmlns:r="http://schemas.openxmlformats.org/officeDocument/2006/relationships" xmlns:p="http://schemas.openxmlformats.org/presentationml/2006/main" showMasterSp="0" showMasterPhAnim="0">
   <p:cSld>
     <p:spTree>
       <p:nvGrpSpPr>
-        <p:cNvPr id="74" name="Shape 74"/>
+        <p:cNvPr id="1" name="Shape 74"/>
         <p:cNvGrpSpPr/>
         <p:nvPr/>
       </p:nvGrpSpPr>
@@ -1269,9 +1300,11 @@
       <p:sp>
         <p:nvSpPr>
           <p:cNvPr id="75" name="Google Shape;75;p5:notes"/>
-          <p:cNvSpPr txBox="1"/>
+          <p:cNvSpPr txBox="1">
+            <a:spLocks noGrp="1"/>
+          </p:cNvSpPr>
           <p:nvPr>
-            <p:ph idx="1" type="body"/>
+            <p:ph type="body" idx="1"/>
           </p:nvPr>
         </p:nvSpPr>
         <p:spPr>
@@ -1284,12 +1317,12 @@
           </a:prstGeom>
         </p:spPr>
         <p:txBody>
-          <a:bodyPr anchorCtr="0" anchor="t" bIns="91425" lIns="91425" spcFirstLastPara="1" rIns="91425" wrap="square" tIns="91425">
+          <a:bodyPr spcFirstLastPara="1" wrap="square" lIns="91425" tIns="91425" rIns="91425" bIns="91425" anchor="t" anchorCtr="0">
             <a:noAutofit/>
           </a:bodyPr>
           <a:lstStyle/>
           <a:p>
-            <a:pPr indent="0" lvl="0" marL="0" rtl="0" algn="l">
+            <a:pPr marL="0" lvl="0" indent="0" algn="l" rtl="0">
               <a:spcBef>
                 <a:spcPts val="0"/>
               </a:spcBef>
@@ -1298,9 +1331,6 @@
               </a:spcAft>
               <a:buNone/>
             </a:pPr>
-            <a:r>
-              <a:t/>
-            </a:r>
             <a:endParaRPr/>
           </a:p>
         </p:txBody>
@@ -1308,9 +1338,11 @@
       <p:sp>
         <p:nvSpPr>
           <p:cNvPr id="76" name="Google Shape;76;p5:notes"/>
-          <p:cNvSpPr/>
+          <p:cNvSpPr>
+            <a:spLocks noGrp="1" noRot="1" noChangeAspect="1"/>
+          </p:cNvSpPr>
           <p:nvPr>
-            <p:ph idx="2" type="sldImg"/>
+            <p:ph type="sldImg" idx="2"/>
           </p:nvPr>
         </p:nvSpPr>
         <p:spPr>
@@ -1319,9 +1351,13 @@
             <a:ext cx="6096075" cy="3429000"/>
           </a:xfrm>
           <a:custGeom>
-            <a:rect b="b" l="l" r="r" t="t"/>
+            <a:avLst/>
+            <a:gdLst/>
+            <a:ahLst/>
+            <a:cxnLst/>
+            <a:rect l="l" t="t" r="r" b="b"/>
             <a:pathLst>
-              <a:path extrusionOk="0" h="120000" w="120000">
+              <a:path w="120000" h="120000" extrusionOk="0">
                 <a:moveTo>
                   <a:pt x="0" y="0"/>
                 </a:moveTo>
@@ -1349,11 +1385,11 @@
 </file>
 
 <file path=ppt/slideLayouts/slideLayout1.xml><?xml version="1.0" encoding="utf-8"?>
-<p:sldLayout xmlns:a="http://schemas.openxmlformats.org/drawingml/2006/main" xmlns:r="http://schemas.openxmlformats.org/officeDocument/2006/relationships" xmlns:mc="http://schemas.openxmlformats.org/markup-compatibility/2006" xmlns:mv="urn:schemas-microsoft-com:mac:vml" xmlns:p="http://schemas.openxmlformats.org/presentationml/2006/main" xmlns:c="http://schemas.openxmlformats.org/drawingml/2006/chart" xmlns:dgm="http://schemas.openxmlformats.org/drawingml/2006/diagram" xmlns:o="urn:schemas-microsoft-com:office:office" xmlns:v="urn:schemas-microsoft-com:vml" xmlns:pvml="urn:schemas-microsoft-com:office:powerpoint" xmlns:com="http://schemas.openxmlformats.org/drawingml/2006/compatibility" xmlns:p14="http://schemas.microsoft.com/office/powerpoint/2010/main" xmlns:p15="http://schemas.microsoft.com/office/powerpoint/2012/main" xmlns:ahyp="http://schemas.microsoft.com/office/drawing/2018/hyperlinkcolor" matchingName="Title slide" type="title">
+<p:sldLayout xmlns:a="http://schemas.openxmlformats.org/drawingml/2006/main" xmlns:r="http://schemas.openxmlformats.org/officeDocument/2006/relationships" xmlns:p="http://schemas.openxmlformats.org/presentationml/2006/main" matchingName="Title slide" type="title">
   <p:cSld name="TITLE">
     <p:spTree>
       <p:nvGrpSpPr>
-        <p:cNvPr id="9" name="Shape 9"/>
+        <p:cNvPr id="1" name="Shape 9"/>
         <p:cNvGrpSpPr/>
         <p:nvPr/>
       </p:nvGrpSpPr>
@@ -1368,7 +1404,9 @@
       <p:sp>
         <p:nvSpPr>
           <p:cNvPr id="10" name="Google Shape;10;p7"/>
-          <p:cNvSpPr txBox="1"/>
+          <p:cNvSpPr txBox="1">
+            <a:spLocks noGrp="1"/>
+          </p:cNvSpPr>
           <p:nvPr>
             <p:ph type="ctrTitle"/>
           </p:nvPr>
@@ -1387,7 +1425,7 @@
           </a:ln>
         </p:spPr>
         <p:txBody>
-          <a:bodyPr anchorCtr="0" anchor="b" bIns="91425" lIns="91425" spcFirstLastPara="1" rIns="91425" wrap="square" tIns="91425">
+          <a:bodyPr spcFirstLastPara="1" wrap="square" lIns="91425" tIns="91425" rIns="91425" bIns="91425" anchor="b" anchorCtr="0">
             <a:noAutofit/>
           </a:bodyPr>
           <a:lstStyle>
@@ -1518,15 +1556,19 @@
               <a:defRPr sz="5200"/>
             </a:lvl9pPr>
           </a:lstStyle>
-          <a:p/>
+          <a:p>
+            <a:endParaRPr/>
+          </a:p>
         </p:txBody>
       </p:sp>
       <p:sp>
         <p:nvSpPr>
           <p:cNvPr id="11" name="Google Shape;11;p7"/>
-          <p:cNvSpPr txBox="1"/>
+          <p:cNvSpPr txBox="1">
+            <a:spLocks noGrp="1"/>
+          </p:cNvSpPr>
           <p:nvPr>
-            <p:ph idx="1" type="subTitle"/>
+            <p:ph type="subTitle" idx="1"/>
           </p:nvPr>
         </p:nvSpPr>
         <p:spPr>
@@ -1543,7 +1585,7 @@
           </a:ln>
         </p:spPr>
         <p:txBody>
-          <a:bodyPr anchorCtr="0" anchor="t" bIns="91425" lIns="91425" spcFirstLastPara="1" rIns="91425" wrap="square" tIns="91425">
+          <a:bodyPr spcFirstLastPara="1" wrap="square" lIns="91425" tIns="91425" rIns="91425" bIns="91425" anchor="t" anchorCtr="0">
             <a:noAutofit/>
           </a:bodyPr>
           <a:lstStyle>
@@ -1674,15 +1716,19 @@
               <a:defRPr sz="2800"/>
             </a:lvl9pPr>
           </a:lstStyle>
-          <a:p/>
+          <a:p>
+            <a:endParaRPr/>
+          </a:p>
         </p:txBody>
       </p:sp>
       <p:sp>
         <p:nvSpPr>
           <p:cNvPr id="12" name="Google Shape;12;p7"/>
-          <p:cNvSpPr txBox="1"/>
+          <p:cNvSpPr txBox="1">
+            <a:spLocks noGrp="1"/>
+          </p:cNvSpPr>
           <p:nvPr>
-            <p:ph idx="12" type="sldNum"/>
+            <p:ph type="sldNum" idx="12"/>
           </p:nvPr>
         </p:nvSpPr>
         <p:spPr>
@@ -1699,27 +1745,27 @@
           </a:ln>
         </p:spPr>
         <p:txBody>
-          <a:bodyPr anchorCtr="0" anchor="ctr" bIns="91425" lIns="91425" spcFirstLastPara="1" rIns="91425" wrap="square" tIns="91425">
+          <a:bodyPr spcFirstLastPara="1" wrap="square" lIns="91425" tIns="91425" rIns="91425" bIns="91425" anchor="ctr" anchorCtr="0">
             <a:noAutofit/>
           </a:bodyPr>
           <a:lstStyle>
-            <a:lvl1pPr indent="0" lvl="0" marL="0" marR="0" algn="r">
-              <a:lnSpc>
-                <a:spcPct val="100000"/>
-              </a:lnSpc>
-              <a:spcBef>
-                <a:spcPts val="0"/>
-              </a:spcBef>
-              <a:spcAft>
-                <a:spcPts val="0"/>
-              </a:spcAft>
-              <a:buClr>
-                <a:srgbClr val="000000"/>
-              </a:buClr>
-              <a:buSzPts val="1000"/>
-              <a:buFont typeface="Arial"/>
-              <a:buNone/>
-              <a:defRPr b="0" i="0" sz="1000" u="none" cap="none" strike="noStrike">
+            <a:lvl1pPr marL="0" marR="0" lvl="0" indent="0" algn="r">
+              <a:lnSpc>
+                <a:spcPct val="100000"/>
+              </a:lnSpc>
+              <a:spcBef>
+                <a:spcPts val="0"/>
+              </a:spcBef>
+              <a:spcAft>
+                <a:spcPts val="0"/>
+              </a:spcAft>
+              <a:buClr>
+                <a:srgbClr val="000000"/>
+              </a:buClr>
+              <a:buSzPts val="1000"/>
+              <a:buFont typeface="Arial"/>
+              <a:buNone/>
+              <a:defRPr sz="1000" b="0" i="0" u="none" strike="noStrike" cap="none">
                 <a:solidFill>
                   <a:schemeClr val="dk2"/>
                 </a:solidFill>
@@ -1729,23 +1775,23 @@
                 <a:sym typeface="Arial"/>
               </a:defRPr>
             </a:lvl1pPr>
-            <a:lvl2pPr indent="0" lvl="1" marL="0" marR="0" algn="r">
-              <a:lnSpc>
-                <a:spcPct val="100000"/>
-              </a:lnSpc>
-              <a:spcBef>
-                <a:spcPts val="0"/>
-              </a:spcBef>
-              <a:spcAft>
-                <a:spcPts val="0"/>
-              </a:spcAft>
-              <a:buClr>
-                <a:srgbClr val="000000"/>
-              </a:buClr>
-              <a:buSzPts val="1000"/>
-              <a:buFont typeface="Arial"/>
-              <a:buNone/>
-              <a:defRPr b="0" i="0" sz="1000" u="none" cap="none" strike="noStrike">
+            <a:lvl2pPr marL="0" marR="0" lvl="1" indent="0" algn="r">
+              <a:lnSpc>
+                <a:spcPct val="100000"/>
+              </a:lnSpc>
+              <a:spcBef>
+                <a:spcPts val="0"/>
+              </a:spcBef>
+              <a:spcAft>
+                <a:spcPts val="0"/>
+              </a:spcAft>
+              <a:buClr>
+                <a:srgbClr val="000000"/>
+              </a:buClr>
+              <a:buSzPts val="1000"/>
+              <a:buFont typeface="Arial"/>
+              <a:buNone/>
+              <a:defRPr sz="1000" b="0" i="0" u="none" strike="noStrike" cap="none">
                 <a:solidFill>
                   <a:schemeClr val="dk2"/>
                 </a:solidFill>
@@ -1755,23 +1801,23 @@
                 <a:sym typeface="Arial"/>
               </a:defRPr>
             </a:lvl2pPr>
-            <a:lvl3pPr indent="0" lvl="2" marL="0" marR="0" algn="r">
-              <a:lnSpc>
-                <a:spcPct val="100000"/>
-              </a:lnSpc>
-              <a:spcBef>
-                <a:spcPts val="0"/>
-              </a:spcBef>
-              <a:spcAft>
-                <a:spcPts val="0"/>
-              </a:spcAft>
-              <a:buClr>
-                <a:srgbClr val="000000"/>
-              </a:buClr>
-              <a:buSzPts val="1000"/>
-              <a:buFont typeface="Arial"/>
-              <a:buNone/>
-              <a:defRPr b="0" i="0" sz="1000" u="none" cap="none" strike="noStrike">
+            <a:lvl3pPr marL="0" marR="0" lvl="2" indent="0" algn="r">
+              <a:lnSpc>
+                <a:spcPct val="100000"/>
+              </a:lnSpc>
+              <a:spcBef>
+                <a:spcPts val="0"/>
+              </a:spcBef>
+              <a:spcAft>
+                <a:spcPts val="0"/>
+              </a:spcAft>
+              <a:buClr>
+                <a:srgbClr val="000000"/>
+              </a:buClr>
+              <a:buSzPts val="1000"/>
+              <a:buFont typeface="Arial"/>
+              <a:buNone/>
+              <a:defRPr sz="1000" b="0" i="0" u="none" strike="noStrike" cap="none">
                 <a:solidFill>
                   <a:schemeClr val="dk2"/>
                 </a:solidFill>
@@ -1781,23 +1827,23 @@
                 <a:sym typeface="Arial"/>
               </a:defRPr>
             </a:lvl3pPr>
-            <a:lvl4pPr indent="0" lvl="3" marL="0" marR="0" algn="r">
-              <a:lnSpc>
-                <a:spcPct val="100000"/>
-              </a:lnSpc>
-              <a:spcBef>
-                <a:spcPts val="0"/>
-              </a:spcBef>
-              <a:spcAft>
-                <a:spcPts val="0"/>
-              </a:spcAft>
-              <a:buClr>
-                <a:srgbClr val="000000"/>
-              </a:buClr>
-              <a:buSzPts val="1000"/>
-              <a:buFont typeface="Arial"/>
-              <a:buNone/>
-              <a:defRPr b="0" i="0" sz="1000" u="none" cap="none" strike="noStrike">
+            <a:lvl4pPr marL="0" marR="0" lvl="3" indent="0" algn="r">
+              <a:lnSpc>
+                <a:spcPct val="100000"/>
+              </a:lnSpc>
+              <a:spcBef>
+                <a:spcPts val="0"/>
+              </a:spcBef>
+              <a:spcAft>
+                <a:spcPts val="0"/>
+              </a:spcAft>
+              <a:buClr>
+                <a:srgbClr val="000000"/>
+              </a:buClr>
+              <a:buSzPts val="1000"/>
+              <a:buFont typeface="Arial"/>
+              <a:buNone/>
+              <a:defRPr sz="1000" b="0" i="0" u="none" strike="noStrike" cap="none">
                 <a:solidFill>
                   <a:schemeClr val="dk2"/>
                 </a:solidFill>
@@ -1807,23 +1853,23 @@
                 <a:sym typeface="Arial"/>
               </a:defRPr>
             </a:lvl4pPr>
-            <a:lvl5pPr indent="0" lvl="4" marL="0" marR="0" algn="r">
-              <a:lnSpc>
-                <a:spcPct val="100000"/>
-              </a:lnSpc>
-              <a:spcBef>
-                <a:spcPts val="0"/>
-              </a:spcBef>
-              <a:spcAft>
-                <a:spcPts val="0"/>
-              </a:spcAft>
-              <a:buClr>
-                <a:srgbClr val="000000"/>
-              </a:buClr>
-              <a:buSzPts val="1000"/>
-              <a:buFont typeface="Arial"/>
-              <a:buNone/>
-              <a:defRPr b="0" i="0" sz="1000" u="none" cap="none" strike="noStrike">
+            <a:lvl5pPr marL="0" marR="0" lvl="4" indent="0" algn="r">
+              <a:lnSpc>
+                <a:spcPct val="100000"/>
+              </a:lnSpc>
+              <a:spcBef>
+                <a:spcPts val="0"/>
+              </a:spcBef>
+              <a:spcAft>
+                <a:spcPts val="0"/>
+              </a:spcAft>
+              <a:buClr>
+                <a:srgbClr val="000000"/>
+              </a:buClr>
+              <a:buSzPts val="1000"/>
+              <a:buFont typeface="Arial"/>
+              <a:buNone/>
+              <a:defRPr sz="1000" b="0" i="0" u="none" strike="noStrike" cap="none">
                 <a:solidFill>
                   <a:schemeClr val="dk2"/>
                 </a:solidFill>
@@ -1833,23 +1879,23 @@
                 <a:sym typeface="Arial"/>
               </a:defRPr>
             </a:lvl5pPr>
-            <a:lvl6pPr indent="0" lvl="5" marL="0" marR="0" algn="r">
-              <a:lnSpc>
-                <a:spcPct val="100000"/>
-              </a:lnSpc>
-              <a:spcBef>
-                <a:spcPts val="0"/>
-              </a:spcBef>
-              <a:spcAft>
-                <a:spcPts val="0"/>
-              </a:spcAft>
-              <a:buClr>
-                <a:srgbClr val="000000"/>
-              </a:buClr>
-              <a:buSzPts val="1000"/>
-              <a:buFont typeface="Arial"/>
-              <a:buNone/>
-              <a:defRPr b="0" i="0" sz="1000" u="none" cap="none" strike="noStrike">
+            <a:lvl6pPr marL="0" marR="0" lvl="5" indent="0" algn="r">
+              <a:lnSpc>
+                <a:spcPct val="100000"/>
+              </a:lnSpc>
+              <a:spcBef>
+                <a:spcPts val="0"/>
+              </a:spcBef>
+              <a:spcAft>
+                <a:spcPts val="0"/>
+              </a:spcAft>
+              <a:buClr>
+                <a:srgbClr val="000000"/>
+              </a:buClr>
+              <a:buSzPts val="1000"/>
+              <a:buFont typeface="Arial"/>
+              <a:buNone/>
+              <a:defRPr sz="1000" b="0" i="0" u="none" strike="noStrike" cap="none">
                 <a:solidFill>
                   <a:schemeClr val="dk2"/>
                 </a:solidFill>
@@ -1859,23 +1905,23 @@
                 <a:sym typeface="Arial"/>
               </a:defRPr>
             </a:lvl6pPr>
-            <a:lvl7pPr indent="0" lvl="6" marL="0" marR="0" algn="r">
-              <a:lnSpc>
-                <a:spcPct val="100000"/>
-              </a:lnSpc>
-              <a:spcBef>
-                <a:spcPts val="0"/>
-              </a:spcBef>
-              <a:spcAft>
-                <a:spcPts val="0"/>
-              </a:spcAft>
-              <a:buClr>
-                <a:srgbClr val="000000"/>
-              </a:buClr>
-              <a:buSzPts val="1000"/>
-              <a:buFont typeface="Arial"/>
-              <a:buNone/>
-              <a:defRPr b="0" i="0" sz="1000" u="none" cap="none" strike="noStrike">
+            <a:lvl7pPr marL="0" marR="0" lvl="6" indent="0" algn="r">
+              <a:lnSpc>
+                <a:spcPct val="100000"/>
+              </a:lnSpc>
+              <a:spcBef>
+                <a:spcPts val="0"/>
+              </a:spcBef>
+              <a:spcAft>
+                <a:spcPts val="0"/>
+              </a:spcAft>
+              <a:buClr>
+                <a:srgbClr val="000000"/>
+              </a:buClr>
+              <a:buSzPts val="1000"/>
+              <a:buFont typeface="Arial"/>
+              <a:buNone/>
+              <a:defRPr sz="1000" b="0" i="0" u="none" strike="noStrike" cap="none">
                 <a:solidFill>
                   <a:schemeClr val="dk2"/>
                 </a:solidFill>
@@ -1885,23 +1931,23 @@
                 <a:sym typeface="Arial"/>
               </a:defRPr>
             </a:lvl7pPr>
-            <a:lvl8pPr indent="0" lvl="7" marL="0" marR="0" algn="r">
-              <a:lnSpc>
-                <a:spcPct val="100000"/>
-              </a:lnSpc>
-              <a:spcBef>
-                <a:spcPts val="0"/>
-              </a:spcBef>
-              <a:spcAft>
-                <a:spcPts val="0"/>
-              </a:spcAft>
-              <a:buClr>
-                <a:srgbClr val="000000"/>
-              </a:buClr>
-              <a:buSzPts val="1000"/>
-              <a:buFont typeface="Arial"/>
-              <a:buNone/>
-              <a:defRPr b="0" i="0" sz="1000" u="none" cap="none" strike="noStrike">
+            <a:lvl8pPr marL="0" marR="0" lvl="7" indent="0" algn="r">
+              <a:lnSpc>
+                <a:spcPct val="100000"/>
+              </a:lnSpc>
+              <a:spcBef>
+                <a:spcPts val="0"/>
+              </a:spcBef>
+              <a:spcAft>
+                <a:spcPts val="0"/>
+              </a:spcAft>
+              <a:buClr>
+                <a:srgbClr val="000000"/>
+              </a:buClr>
+              <a:buSzPts val="1000"/>
+              <a:buFont typeface="Arial"/>
+              <a:buNone/>
+              <a:defRPr sz="1000" b="0" i="0" u="none" strike="noStrike" cap="none">
                 <a:solidFill>
                   <a:schemeClr val="dk2"/>
                 </a:solidFill>
@@ -1911,23 +1957,23 @@
                 <a:sym typeface="Arial"/>
               </a:defRPr>
             </a:lvl8pPr>
-            <a:lvl9pPr indent="0" lvl="8" marL="0" marR="0" algn="r">
-              <a:lnSpc>
-                <a:spcPct val="100000"/>
-              </a:lnSpc>
-              <a:spcBef>
-                <a:spcPts val="0"/>
-              </a:spcBef>
-              <a:spcAft>
-                <a:spcPts val="0"/>
-              </a:spcAft>
-              <a:buClr>
-                <a:srgbClr val="000000"/>
-              </a:buClr>
-              <a:buSzPts val="1000"/>
-              <a:buFont typeface="Arial"/>
-              <a:buNone/>
-              <a:defRPr b="0" i="0" sz="1000" u="none" cap="none" strike="noStrike">
+            <a:lvl9pPr marL="0" marR="0" lvl="8" indent="0" algn="r">
+              <a:lnSpc>
+                <a:spcPct val="100000"/>
+              </a:lnSpc>
+              <a:spcBef>
+                <a:spcPts val="0"/>
+              </a:spcBef>
+              <a:spcAft>
+                <a:spcPts val="0"/>
+              </a:spcAft>
+              <a:buClr>
+                <a:srgbClr val="000000"/>
+              </a:buClr>
+              <a:buSzPts val="1000"/>
+              <a:buFont typeface="Arial"/>
+              <a:buNone/>
+              <a:defRPr sz="1000" b="0" i="0" u="none" strike="noStrike" cap="none">
                 <a:solidFill>
                   <a:schemeClr val="dk2"/>
                 </a:solidFill>
@@ -1939,7 +1985,7 @@
             </a:lvl9pPr>
           </a:lstStyle>
           <a:p>
-            <a:pPr indent="0" lvl="0" marL="0" rtl="0" algn="r">
+            <a:pPr marL="0" lvl="0" indent="0" algn="r" rtl="0">
               <a:spcBef>
                 <a:spcPts val="0"/>
               </a:spcBef>
@@ -1950,7 +1996,7 @@
             </a:pPr>
             <a:fld id="{00000000-1234-1234-1234-123412341234}" type="slidenum">
               <a:rPr lang="pt-BR"/>
-              <a:t>‹#›</a:t>
+              <a:t>‹nº›</a:t>
             </a:fld>
             <a:endParaRPr/>
           </a:p>
@@ -1965,11 +2011,11 @@
 </file>
 
 <file path=ppt/slideLayouts/slideLayout10.xml><?xml version="1.0" encoding="utf-8"?>
-<p:sldLayout xmlns:a="http://schemas.openxmlformats.org/drawingml/2006/main" xmlns:r="http://schemas.openxmlformats.org/officeDocument/2006/relationships" xmlns:mc="http://schemas.openxmlformats.org/markup-compatibility/2006" xmlns:mv="urn:schemas-microsoft-com:mac:vml" xmlns:p="http://schemas.openxmlformats.org/presentationml/2006/main" xmlns:c="http://schemas.openxmlformats.org/drawingml/2006/chart" xmlns:dgm="http://schemas.openxmlformats.org/drawingml/2006/diagram" xmlns:o="urn:schemas-microsoft-com:office:office" xmlns:v="urn:schemas-microsoft-com:vml" xmlns:pvml="urn:schemas-microsoft-com:office:powerpoint" xmlns:com="http://schemas.openxmlformats.org/drawingml/2006/compatibility" xmlns:p14="http://schemas.microsoft.com/office/powerpoint/2010/main" xmlns:p15="http://schemas.microsoft.com/office/powerpoint/2012/main" xmlns:ahyp="http://schemas.microsoft.com/office/drawing/2018/hyperlinkcolor" matchingName="Big number">
+<p:sldLayout xmlns:a="http://schemas.openxmlformats.org/drawingml/2006/main" xmlns:r="http://schemas.openxmlformats.org/officeDocument/2006/relationships" xmlns:p="http://schemas.openxmlformats.org/presentationml/2006/main" matchingName="Big number">
   <p:cSld name="BIG_NUMBER">
     <p:spTree>
       <p:nvGrpSpPr>
-        <p:cNvPr id="44" name="Shape 44"/>
+        <p:cNvPr id="1" name="Shape 44"/>
         <p:cNvGrpSpPr/>
         <p:nvPr/>
       </p:nvGrpSpPr>
@@ -1984,9 +2030,11 @@
       <p:sp>
         <p:nvSpPr>
           <p:cNvPr id="45" name="Google Shape;45;p16"/>
-          <p:cNvSpPr txBox="1"/>
+          <p:cNvSpPr txBox="1">
+            <a:spLocks noGrp="1"/>
+          </p:cNvSpPr>
           <p:nvPr>
-            <p:ph hasCustomPrompt="1" type="title"/>
+            <p:ph type="title" hasCustomPrompt="1"/>
           </p:nvPr>
         </p:nvSpPr>
         <p:spPr>
@@ -2003,7 +2051,7 @@
           </a:ln>
         </p:spPr>
         <p:txBody>
-          <a:bodyPr anchorCtr="0" anchor="b" bIns="91425" lIns="91425" spcFirstLastPara="1" rIns="91425" wrap="square" tIns="91425">
+          <a:bodyPr spcFirstLastPara="1" wrap="square" lIns="91425" tIns="91425" rIns="91425" bIns="91425" anchor="b" anchorCtr="0">
             <a:noAutofit/>
           </a:bodyPr>
           <a:lstStyle>
@@ -2144,9 +2192,11 @@
       <p:sp>
         <p:nvSpPr>
           <p:cNvPr id="46" name="Google Shape;46;p16"/>
-          <p:cNvSpPr txBox="1"/>
+          <p:cNvSpPr txBox="1">
+            <a:spLocks noGrp="1"/>
+          </p:cNvSpPr>
           <p:nvPr>
-            <p:ph idx="1" type="body"/>
+            <p:ph type="body" idx="1"/>
           </p:nvPr>
         </p:nvSpPr>
         <p:spPr>
@@ -2163,11 +2213,11 @@
           </a:ln>
         </p:spPr>
         <p:txBody>
-          <a:bodyPr anchorCtr="0" anchor="t" bIns="91425" lIns="91425" spcFirstLastPara="1" rIns="91425" wrap="square" tIns="91425">
+          <a:bodyPr spcFirstLastPara="1" wrap="square" lIns="91425" tIns="91425" rIns="91425" bIns="91425" anchor="t" anchorCtr="0">
             <a:noAutofit/>
           </a:bodyPr>
           <a:lstStyle>
-            <a:lvl1pPr indent="-342900" lvl="0" marL="457200" algn="ctr">
+            <a:lvl1pPr marL="457200" lvl="0" indent="-342900" algn="ctr">
               <a:lnSpc>
                 <a:spcPct val="115000"/>
               </a:lnSpc>
@@ -2181,7 +2231,7 @@
               <a:buChar char="●"/>
               <a:defRPr/>
             </a:lvl1pPr>
-            <a:lvl2pPr indent="-317500" lvl="1" marL="914400" algn="ctr">
+            <a:lvl2pPr marL="914400" lvl="1" indent="-317500" algn="ctr">
               <a:lnSpc>
                 <a:spcPct val="115000"/>
               </a:lnSpc>
@@ -2195,7 +2245,7 @@
               <a:buChar char="○"/>
               <a:defRPr/>
             </a:lvl2pPr>
-            <a:lvl3pPr indent="-317500" lvl="2" marL="1371600" algn="ctr">
+            <a:lvl3pPr marL="1371600" lvl="2" indent="-317500" algn="ctr">
               <a:lnSpc>
                 <a:spcPct val="115000"/>
               </a:lnSpc>
@@ -2209,7 +2259,7 @@
               <a:buChar char="■"/>
               <a:defRPr/>
             </a:lvl3pPr>
-            <a:lvl4pPr indent="-317500" lvl="3" marL="1828800" algn="ctr">
+            <a:lvl4pPr marL="1828800" lvl="3" indent="-317500" algn="ctr">
               <a:lnSpc>
                 <a:spcPct val="115000"/>
               </a:lnSpc>
@@ -2223,7 +2273,7 @@
               <a:buChar char="●"/>
               <a:defRPr/>
             </a:lvl4pPr>
-            <a:lvl5pPr indent="-317500" lvl="4" marL="2286000" algn="ctr">
+            <a:lvl5pPr marL="2286000" lvl="4" indent="-317500" algn="ctr">
               <a:lnSpc>
                 <a:spcPct val="115000"/>
               </a:lnSpc>
@@ -2237,7 +2287,7 @@
               <a:buChar char="○"/>
               <a:defRPr/>
             </a:lvl5pPr>
-            <a:lvl6pPr indent="-317500" lvl="5" marL="2743200" algn="ctr">
+            <a:lvl6pPr marL="2743200" lvl="5" indent="-317500" algn="ctr">
               <a:lnSpc>
                 <a:spcPct val="115000"/>
               </a:lnSpc>
@@ -2251,7 +2301,7 @@
               <a:buChar char="■"/>
               <a:defRPr/>
             </a:lvl6pPr>
-            <a:lvl7pPr indent="-317500" lvl="6" marL="3200400" algn="ctr">
+            <a:lvl7pPr marL="3200400" lvl="6" indent="-317500" algn="ctr">
               <a:lnSpc>
                 <a:spcPct val="115000"/>
               </a:lnSpc>
@@ -2265,7 +2315,7 @@
               <a:buChar char="●"/>
               <a:defRPr/>
             </a:lvl7pPr>
-            <a:lvl8pPr indent="-317500" lvl="7" marL="3657600" algn="ctr">
+            <a:lvl8pPr marL="3657600" lvl="7" indent="-317500" algn="ctr">
               <a:lnSpc>
                 <a:spcPct val="115000"/>
               </a:lnSpc>
@@ -2279,7 +2329,7 @@
               <a:buChar char="○"/>
               <a:defRPr/>
             </a:lvl8pPr>
-            <a:lvl9pPr indent="-317500" lvl="8" marL="4114800" algn="ctr">
+            <a:lvl9pPr marL="4114800" lvl="8" indent="-317500" algn="ctr">
               <a:lnSpc>
                 <a:spcPct val="115000"/>
               </a:lnSpc>
@@ -2294,15 +2344,19 @@
               <a:defRPr/>
             </a:lvl9pPr>
           </a:lstStyle>
-          <a:p/>
+          <a:p>
+            <a:endParaRPr/>
+          </a:p>
         </p:txBody>
       </p:sp>
       <p:sp>
         <p:nvSpPr>
           <p:cNvPr id="47" name="Google Shape;47;p16"/>
-          <p:cNvSpPr txBox="1"/>
+          <p:cNvSpPr txBox="1">
+            <a:spLocks noGrp="1"/>
+          </p:cNvSpPr>
           <p:nvPr>
-            <p:ph idx="12" type="sldNum"/>
+            <p:ph type="sldNum" idx="12"/>
           </p:nvPr>
         </p:nvSpPr>
         <p:spPr>
@@ -2319,27 +2373,27 @@
           </a:ln>
         </p:spPr>
         <p:txBody>
-          <a:bodyPr anchorCtr="0" anchor="ctr" bIns="91425" lIns="91425" spcFirstLastPara="1" rIns="91425" wrap="square" tIns="91425">
+          <a:bodyPr spcFirstLastPara="1" wrap="square" lIns="91425" tIns="91425" rIns="91425" bIns="91425" anchor="ctr" anchorCtr="0">
             <a:noAutofit/>
           </a:bodyPr>
           <a:lstStyle>
-            <a:lvl1pPr indent="0" lvl="0" marL="0" marR="0" algn="r">
-              <a:lnSpc>
-                <a:spcPct val="100000"/>
-              </a:lnSpc>
-              <a:spcBef>
-                <a:spcPts val="0"/>
-              </a:spcBef>
-              <a:spcAft>
-                <a:spcPts val="0"/>
-              </a:spcAft>
-              <a:buClr>
-                <a:srgbClr val="000000"/>
-              </a:buClr>
-              <a:buSzPts val="1000"/>
-              <a:buFont typeface="Arial"/>
-              <a:buNone/>
-              <a:defRPr b="0" i="0" sz="1000" u="none" cap="none" strike="noStrike">
+            <a:lvl1pPr marL="0" marR="0" lvl="0" indent="0" algn="r">
+              <a:lnSpc>
+                <a:spcPct val="100000"/>
+              </a:lnSpc>
+              <a:spcBef>
+                <a:spcPts val="0"/>
+              </a:spcBef>
+              <a:spcAft>
+                <a:spcPts val="0"/>
+              </a:spcAft>
+              <a:buClr>
+                <a:srgbClr val="000000"/>
+              </a:buClr>
+              <a:buSzPts val="1000"/>
+              <a:buFont typeface="Arial"/>
+              <a:buNone/>
+              <a:defRPr sz="1000" b="0" i="0" u="none" strike="noStrike" cap="none">
                 <a:solidFill>
                   <a:schemeClr val="dk2"/>
                 </a:solidFill>
@@ -2349,23 +2403,23 @@
                 <a:sym typeface="Arial"/>
               </a:defRPr>
             </a:lvl1pPr>
-            <a:lvl2pPr indent="0" lvl="1" marL="0" marR="0" algn="r">
-              <a:lnSpc>
-                <a:spcPct val="100000"/>
-              </a:lnSpc>
-              <a:spcBef>
-                <a:spcPts val="0"/>
-              </a:spcBef>
-              <a:spcAft>
-                <a:spcPts val="0"/>
-              </a:spcAft>
-              <a:buClr>
-                <a:srgbClr val="000000"/>
-              </a:buClr>
-              <a:buSzPts val="1000"/>
-              <a:buFont typeface="Arial"/>
-              <a:buNone/>
-              <a:defRPr b="0" i="0" sz="1000" u="none" cap="none" strike="noStrike">
+            <a:lvl2pPr marL="0" marR="0" lvl="1" indent="0" algn="r">
+              <a:lnSpc>
+                <a:spcPct val="100000"/>
+              </a:lnSpc>
+              <a:spcBef>
+                <a:spcPts val="0"/>
+              </a:spcBef>
+              <a:spcAft>
+                <a:spcPts val="0"/>
+              </a:spcAft>
+              <a:buClr>
+                <a:srgbClr val="000000"/>
+              </a:buClr>
+              <a:buSzPts val="1000"/>
+              <a:buFont typeface="Arial"/>
+              <a:buNone/>
+              <a:defRPr sz="1000" b="0" i="0" u="none" strike="noStrike" cap="none">
                 <a:solidFill>
                   <a:schemeClr val="dk2"/>
                 </a:solidFill>
@@ -2375,23 +2429,23 @@
                 <a:sym typeface="Arial"/>
               </a:defRPr>
             </a:lvl2pPr>
-            <a:lvl3pPr indent="0" lvl="2" marL="0" marR="0" algn="r">
-              <a:lnSpc>
-                <a:spcPct val="100000"/>
-              </a:lnSpc>
-              <a:spcBef>
-                <a:spcPts val="0"/>
-              </a:spcBef>
-              <a:spcAft>
-                <a:spcPts val="0"/>
-              </a:spcAft>
-              <a:buClr>
-                <a:srgbClr val="000000"/>
-              </a:buClr>
-              <a:buSzPts val="1000"/>
-              <a:buFont typeface="Arial"/>
-              <a:buNone/>
-              <a:defRPr b="0" i="0" sz="1000" u="none" cap="none" strike="noStrike">
+            <a:lvl3pPr marL="0" marR="0" lvl="2" indent="0" algn="r">
+              <a:lnSpc>
+                <a:spcPct val="100000"/>
+              </a:lnSpc>
+              <a:spcBef>
+                <a:spcPts val="0"/>
+              </a:spcBef>
+              <a:spcAft>
+                <a:spcPts val="0"/>
+              </a:spcAft>
+              <a:buClr>
+                <a:srgbClr val="000000"/>
+              </a:buClr>
+              <a:buSzPts val="1000"/>
+              <a:buFont typeface="Arial"/>
+              <a:buNone/>
+              <a:defRPr sz="1000" b="0" i="0" u="none" strike="noStrike" cap="none">
                 <a:solidFill>
                   <a:schemeClr val="dk2"/>
                 </a:solidFill>
@@ -2401,23 +2455,23 @@
                 <a:sym typeface="Arial"/>
               </a:defRPr>
             </a:lvl3pPr>
-            <a:lvl4pPr indent="0" lvl="3" marL="0" marR="0" algn="r">
-              <a:lnSpc>
-                <a:spcPct val="100000"/>
-              </a:lnSpc>
-              <a:spcBef>
-                <a:spcPts val="0"/>
-              </a:spcBef>
-              <a:spcAft>
-                <a:spcPts val="0"/>
-              </a:spcAft>
-              <a:buClr>
-                <a:srgbClr val="000000"/>
-              </a:buClr>
-              <a:buSzPts val="1000"/>
-              <a:buFont typeface="Arial"/>
-              <a:buNone/>
-              <a:defRPr b="0" i="0" sz="1000" u="none" cap="none" strike="noStrike">
+            <a:lvl4pPr marL="0" marR="0" lvl="3" indent="0" algn="r">
+              <a:lnSpc>
+                <a:spcPct val="100000"/>
+              </a:lnSpc>
+              <a:spcBef>
+                <a:spcPts val="0"/>
+              </a:spcBef>
+              <a:spcAft>
+                <a:spcPts val="0"/>
+              </a:spcAft>
+              <a:buClr>
+                <a:srgbClr val="000000"/>
+              </a:buClr>
+              <a:buSzPts val="1000"/>
+              <a:buFont typeface="Arial"/>
+              <a:buNone/>
+              <a:defRPr sz="1000" b="0" i="0" u="none" strike="noStrike" cap="none">
                 <a:solidFill>
                   <a:schemeClr val="dk2"/>
                 </a:solidFill>
@@ -2427,23 +2481,23 @@
                 <a:sym typeface="Arial"/>
               </a:defRPr>
             </a:lvl4pPr>
-            <a:lvl5pPr indent="0" lvl="4" marL="0" marR="0" algn="r">
-              <a:lnSpc>
-                <a:spcPct val="100000"/>
-              </a:lnSpc>
-              <a:spcBef>
-                <a:spcPts val="0"/>
-              </a:spcBef>
-              <a:spcAft>
-                <a:spcPts val="0"/>
-              </a:spcAft>
-              <a:buClr>
-                <a:srgbClr val="000000"/>
-              </a:buClr>
-              <a:buSzPts val="1000"/>
-              <a:buFont typeface="Arial"/>
-              <a:buNone/>
-              <a:defRPr b="0" i="0" sz="1000" u="none" cap="none" strike="noStrike">
+            <a:lvl5pPr marL="0" marR="0" lvl="4" indent="0" algn="r">
+              <a:lnSpc>
+                <a:spcPct val="100000"/>
+              </a:lnSpc>
+              <a:spcBef>
+                <a:spcPts val="0"/>
+              </a:spcBef>
+              <a:spcAft>
+                <a:spcPts val="0"/>
+              </a:spcAft>
+              <a:buClr>
+                <a:srgbClr val="000000"/>
+              </a:buClr>
+              <a:buSzPts val="1000"/>
+              <a:buFont typeface="Arial"/>
+              <a:buNone/>
+              <a:defRPr sz="1000" b="0" i="0" u="none" strike="noStrike" cap="none">
                 <a:solidFill>
                   <a:schemeClr val="dk2"/>
                 </a:solidFill>
@@ -2453,23 +2507,23 @@
                 <a:sym typeface="Arial"/>
               </a:defRPr>
             </a:lvl5pPr>
-            <a:lvl6pPr indent="0" lvl="5" marL="0" marR="0" algn="r">
-              <a:lnSpc>
-                <a:spcPct val="100000"/>
-              </a:lnSpc>
-              <a:spcBef>
-                <a:spcPts val="0"/>
-              </a:spcBef>
-              <a:spcAft>
-                <a:spcPts val="0"/>
-              </a:spcAft>
-              <a:buClr>
-                <a:srgbClr val="000000"/>
-              </a:buClr>
-              <a:buSzPts val="1000"/>
-              <a:buFont typeface="Arial"/>
-              <a:buNone/>
-              <a:defRPr b="0" i="0" sz="1000" u="none" cap="none" strike="noStrike">
+            <a:lvl6pPr marL="0" marR="0" lvl="5" indent="0" algn="r">
+              <a:lnSpc>
+                <a:spcPct val="100000"/>
+              </a:lnSpc>
+              <a:spcBef>
+                <a:spcPts val="0"/>
+              </a:spcBef>
+              <a:spcAft>
+                <a:spcPts val="0"/>
+              </a:spcAft>
+              <a:buClr>
+                <a:srgbClr val="000000"/>
+              </a:buClr>
+              <a:buSzPts val="1000"/>
+              <a:buFont typeface="Arial"/>
+              <a:buNone/>
+              <a:defRPr sz="1000" b="0" i="0" u="none" strike="noStrike" cap="none">
                 <a:solidFill>
                   <a:schemeClr val="dk2"/>
                 </a:solidFill>
@@ -2479,23 +2533,23 @@
                 <a:sym typeface="Arial"/>
               </a:defRPr>
             </a:lvl6pPr>
-            <a:lvl7pPr indent="0" lvl="6" marL="0" marR="0" algn="r">
-              <a:lnSpc>
-                <a:spcPct val="100000"/>
-              </a:lnSpc>
-              <a:spcBef>
-                <a:spcPts val="0"/>
-              </a:spcBef>
-              <a:spcAft>
-                <a:spcPts val="0"/>
-              </a:spcAft>
-              <a:buClr>
-                <a:srgbClr val="000000"/>
-              </a:buClr>
-              <a:buSzPts val="1000"/>
-              <a:buFont typeface="Arial"/>
-              <a:buNone/>
-              <a:defRPr b="0" i="0" sz="1000" u="none" cap="none" strike="noStrike">
+            <a:lvl7pPr marL="0" marR="0" lvl="6" indent="0" algn="r">
+              <a:lnSpc>
+                <a:spcPct val="100000"/>
+              </a:lnSpc>
+              <a:spcBef>
+                <a:spcPts val="0"/>
+              </a:spcBef>
+              <a:spcAft>
+                <a:spcPts val="0"/>
+              </a:spcAft>
+              <a:buClr>
+                <a:srgbClr val="000000"/>
+              </a:buClr>
+              <a:buSzPts val="1000"/>
+              <a:buFont typeface="Arial"/>
+              <a:buNone/>
+              <a:defRPr sz="1000" b="0" i="0" u="none" strike="noStrike" cap="none">
                 <a:solidFill>
                   <a:schemeClr val="dk2"/>
                 </a:solidFill>
@@ -2505,23 +2559,23 @@
                 <a:sym typeface="Arial"/>
               </a:defRPr>
             </a:lvl7pPr>
-            <a:lvl8pPr indent="0" lvl="7" marL="0" marR="0" algn="r">
-              <a:lnSpc>
-                <a:spcPct val="100000"/>
-              </a:lnSpc>
-              <a:spcBef>
-                <a:spcPts val="0"/>
-              </a:spcBef>
-              <a:spcAft>
-                <a:spcPts val="0"/>
-              </a:spcAft>
-              <a:buClr>
-                <a:srgbClr val="000000"/>
-              </a:buClr>
-              <a:buSzPts val="1000"/>
-              <a:buFont typeface="Arial"/>
-              <a:buNone/>
-              <a:defRPr b="0" i="0" sz="1000" u="none" cap="none" strike="noStrike">
+            <a:lvl8pPr marL="0" marR="0" lvl="7" indent="0" algn="r">
+              <a:lnSpc>
+                <a:spcPct val="100000"/>
+              </a:lnSpc>
+              <a:spcBef>
+                <a:spcPts val="0"/>
+              </a:spcBef>
+              <a:spcAft>
+                <a:spcPts val="0"/>
+              </a:spcAft>
+              <a:buClr>
+                <a:srgbClr val="000000"/>
+              </a:buClr>
+              <a:buSzPts val="1000"/>
+              <a:buFont typeface="Arial"/>
+              <a:buNone/>
+              <a:defRPr sz="1000" b="0" i="0" u="none" strike="noStrike" cap="none">
                 <a:solidFill>
                   <a:schemeClr val="dk2"/>
                 </a:solidFill>
@@ -2531,23 +2585,23 @@
                 <a:sym typeface="Arial"/>
               </a:defRPr>
             </a:lvl8pPr>
-            <a:lvl9pPr indent="0" lvl="8" marL="0" marR="0" algn="r">
-              <a:lnSpc>
-                <a:spcPct val="100000"/>
-              </a:lnSpc>
-              <a:spcBef>
-                <a:spcPts val="0"/>
-              </a:spcBef>
-              <a:spcAft>
-                <a:spcPts val="0"/>
-              </a:spcAft>
-              <a:buClr>
-                <a:srgbClr val="000000"/>
-              </a:buClr>
-              <a:buSzPts val="1000"/>
-              <a:buFont typeface="Arial"/>
-              <a:buNone/>
-              <a:defRPr b="0" i="0" sz="1000" u="none" cap="none" strike="noStrike">
+            <a:lvl9pPr marL="0" marR="0" lvl="8" indent="0" algn="r">
+              <a:lnSpc>
+                <a:spcPct val="100000"/>
+              </a:lnSpc>
+              <a:spcBef>
+                <a:spcPts val="0"/>
+              </a:spcBef>
+              <a:spcAft>
+                <a:spcPts val="0"/>
+              </a:spcAft>
+              <a:buClr>
+                <a:srgbClr val="000000"/>
+              </a:buClr>
+              <a:buSzPts val="1000"/>
+              <a:buFont typeface="Arial"/>
+              <a:buNone/>
+              <a:defRPr sz="1000" b="0" i="0" u="none" strike="noStrike" cap="none">
                 <a:solidFill>
                   <a:schemeClr val="dk2"/>
                 </a:solidFill>
@@ -2559,7 +2613,7 @@
             </a:lvl9pPr>
           </a:lstStyle>
           <a:p>
-            <a:pPr indent="0" lvl="0" marL="0" rtl="0" algn="r">
+            <a:pPr marL="0" lvl="0" indent="0" algn="r" rtl="0">
               <a:spcBef>
                 <a:spcPts val="0"/>
               </a:spcBef>
@@ -2570,7 +2624,7 @@
             </a:pPr>
             <a:fld id="{00000000-1234-1234-1234-123412341234}" type="slidenum">
               <a:rPr lang="pt-BR"/>
-              <a:t>‹#›</a:t>
+              <a:t>‹nº›</a:t>
             </a:fld>
             <a:endParaRPr/>
           </a:p>
@@ -2585,11 +2639,11 @@
 </file>
 
 <file path=ppt/slideLayouts/slideLayout11.xml><?xml version="1.0" encoding="utf-8"?>
-<p:sldLayout xmlns:a="http://schemas.openxmlformats.org/drawingml/2006/main" xmlns:r="http://schemas.openxmlformats.org/officeDocument/2006/relationships" xmlns:mc="http://schemas.openxmlformats.org/markup-compatibility/2006" xmlns:mv="urn:schemas-microsoft-com:mac:vml" xmlns:p="http://schemas.openxmlformats.org/presentationml/2006/main" xmlns:c="http://schemas.openxmlformats.org/drawingml/2006/chart" xmlns:dgm="http://schemas.openxmlformats.org/drawingml/2006/diagram" xmlns:o="urn:schemas-microsoft-com:office:office" xmlns:v="urn:schemas-microsoft-com:vml" xmlns:pvml="urn:schemas-microsoft-com:office:powerpoint" xmlns:com="http://schemas.openxmlformats.org/drawingml/2006/compatibility" xmlns:p14="http://schemas.microsoft.com/office/powerpoint/2010/main" xmlns:p15="http://schemas.microsoft.com/office/powerpoint/2012/main" xmlns:ahyp="http://schemas.microsoft.com/office/drawing/2018/hyperlinkcolor" matchingName="Blank" type="blank">
+<p:sldLayout xmlns:a="http://schemas.openxmlformats.org/drawingml/2006/main" xmlns:r="http://schemas.openxmlformats.org/officeDocument/2006/relationships" xmlns:p="http://schemas.openxmlformats.org/presentationml/2006/main" matchingName="Blank" type="blank">
   <p:cSld name="BLANK">
     <p:spTree>
       <p:nvGrpSpPr>
-        <p:cNvPr id="48" name="Shape 48"/>
+        <p:cNvPr id="1" name="Shape 48"/>
         <p:cNvGrpSpPr/>
         <p:nvPr/>
       </p:nvGrpSpPr>
@@ -2604,9 +2658,11 @@
       <p:sp>
         <p:nvSpPr>
           <p:cNvPr id="49" name="Google Shape;49;p17"/>
-          <p:cNvSpPr txBox="1"/>
+          <p:cNvSpPr txBox="1">
+            <a:spLocks noGrp="1"/>
+          </p:cNvSpPr>
           <p:nvPr>
-            <p:ph idx="12" type="sldNum"/>
+            <p:ph type="sldNum" idx="12"/>
           </p:nvPr>
         </p:nvSpPr>
         <p:spPr>
@@ -2623,27 +2679,27 @@
           </a:ln>
         </p:spPr>
         <p:txBody>
-          <a:bodyPr anchorCtr="0" anchor="ctr" bIns="91425" lIns="91425" spcFirstLastPara="1" rIns="91425" wrap="square" tIns="91425">
+          <a:bodyPr spcFirstLastPara="1" wrap="square" lIns="91425" tIns="91425" rIns="91425" bIns="91425" anchor="ctr" anchorCtr="0">
             <a:noAutofit/>
           </a:bodyPr>
           <a:lstStyle>
-            <a:lvl1pPr indent="0" lvl="0" marL="0" marR="0" algn="r">
-              <a:lnSpc>
-                <a:spcPct val="100000"/>
-              </a:lnSpc>
-              <a:spcBef>
-                <a:spcPts val="0"/>
-              </a:spcBef>
-              <a:spcAft>
-                <a:spcPts val="0"/>
-              </a:spcAft>
-              <a:buClr>
-                <a:srgbClr val="000000"/>
-              </a:buClr>
-              <a:buSzPts val="1000"/>
-              <a:buFont typeface="Arial"/>
-              <a:buNone/>
-              <a:defRPr b="0" i="0" sz="1000" u="none" cap="none" strike="noStrike">
+            <a:lvl1pPr marL="0" marR="0" lvl="0" indent="0" algn="r">
+              <a:lnSpc>
+                <a:spcPct val="100000"/>
+              </a:lnSpc>
+              <a:spcBef>
+                <a:spcPts val="0"/>
+              </a:spcBef>
+              <a:spcAft>
+                <a:spcPts val="0"/>
+              </a:spcAft>
+              <a:buClr>
+                <a:srgbClr val="000000"/>
+              </a:buClr>
+              <a:buSzPts val="1000"/>
+              <a:buFont typeface="Arial"/>
+              <a:buNone/>
+              <a:defRPr sz="1000" b="0" i="0" u="none" strike="noStrike" cap="none">
                 <a:solidFill>
                   <a:schemeClr val="dk2"/>
                 </a:solidFill>
@@ -2653,23 +2709,23 @@
                 <a:sym typeface="Arial"/>
               </a:defRPr>
             </a:lvl1pPr>
-            <a:lvl2pPr indent="0" lvl="1" marL="0" marR="0" algn="r">
-              <a:lnSpc>
-                <a:spcPct val="100000"/>
-              </a:lnSpc>
-              <a:spcBef>
-                <a:spcPts val="0"/>
-              </a:spcBef>
-              <a:spcAft>
-                <a:spcPts val="0"/>
-              </a:spcAft>
-              <a:buClr>
-                <a:srgbClr val="000000"/>
-              </a:buClr>
-              <a:buSzPts val="1000"/>
-              <a:buFont typeface="Arial"/>
-              <a:buNone/>
-              <a:defRPr b="0" i="0" sz="1000" u="none" cap="none" strike="noStrike">
+            <a:lvl2pPr marL="0" marR="0" lvl="1" indent="0" algn="r">
+              <a:lnSpc>
+                <a:spcPct val="100000"/>
+              </a:lnSpc>
+              <a:spcBef>
+                <a:spcPts val="0"/>
+              </a:spcBef>
+              <a:spcAft>
+                <a:spcPts val="0"/>
+              </a:spcAft>
+              <a:buClr>
+                <a:srgbClr val="000000"/>
+              </a:buClr>
+              <a:buSzPts val="1000"/>
+              <a:buFont typeface="Arial"/>
+              <a:buNone/>
+              <a:defRPr sz="1000" b="0" i="0" u="none" strike="noStrike" cap="none">
                 <a:solidFill>
                   <a:schemeClr val="dk2"/>
                 </a:solidFill>
@@ -2679,23 +2735,23 @@
                 <a:sym typeface="Arial"/>
               </a:defRPr>
             </a:lvl2pPr>
-            <a:lvl3pPr indent="0" lvl="2" marL="0" marR="0" algn="r">
-              <a:lnSpc>
-                <a:spcPct val="100000"/>
-              </a:lnSpc>
-              <a:spcBef>
-                <a:spcPts val="0"/>
-              </a:spcBef>
-              <a:spcAft>
-                <a:spcPts val="0"/>
-              </a:spcAft>
-              <a:buClr>
-                <a:srgbClr val="000000"/>
-              </a:buClr>
-              <a:buSzPts val="1000"/>
-              <a:buFont typeface="Arial"/>
-              <a:buNone/>
-              <a:defRPr b="0" i="0" sz="1000" u="none" cap="none" strike="noStrike">
+            <a:lvl3pPr marL="0" marR="0" lvl="2" indent="0" algn="r">
+              <a:lnSpc>
+                <a:spcPct val="100000"/>
+              </a:lnSpc>
+              <a:spcBef>
+                <a:spcPts val="0"/>
+              </a:spcBef>
+              <a:spcAft>
+                <a:spcPts val="0"/>
+              </a:spcAft>
+              <a:buClr>
+                <a:srgbClr val="000000"/>
+              </a:buClr>
+              <a:buSzPts val="1000"/>
+              <a:buFont typeface="Arial"/>
+              <a:buNone/>
+              <a:defRPr sz="1000" b="0" i="0" u="none" strike="noStrike" cap="none">
                 <a:solidFill>
                   <a:schemeClr val="dk2"/>
                 </a:solidFill>
@@ -2705,23 +2761,23 @@
                 <a:sym typeface="Arial"/>
               </a:defRPr>
             </a:lvl3pPr>
-            <a:lvl4pPr indent="0" lvl="3" marL="0" marR="0" algn="r">
-              <a:lnSpc>
-                <a:spcPct val="100000"/>
-              </a:lnSpc>
-              <a:spcBef>
-                <a:spcPts val="0"/>
-              </a:spcBef>
-              <a:spcAft>
-                <a:spcPts val="0"/>
-              </a:spcAft>
-              <a:buClr>
-                <a:srgbClr val="000000"/>
-              </a:buClr>
-              <a:buSzPts val="1000"/>
-              <a:buFont typeface="Arial"/>
-              <a:buNone/>
-              <a:defRPr b="0" i="0" sz="1000" u="none" cap="none" strike="noStrike">
+            <a:lvl4pPr marL="0" marR="0" lvl="3" indent="0" algn="r">
+              <a:lnSpc>
+                <a:spcPct val="100000"/>
+              </a:lnSpc>
+              <a:spcBef>
+                <a:spcPts val="0"/>
+              </a:spcBef>
+              <a:spcAft>
+                <a:spcPts val="0"/>
+              </a:spcAft>
+              <a:buClr>
+                <a:srgbClr val="000000"/>
+              </a:buClr>
+              <a:buSzPts val="1000"/>
+              <a:buFont typeface="Arial"/>
+              <a:buNone/>
+              <a:defRPr sz="1000" b="0" i="0" u="none" strike="noStrike" cap="none">
                 <a:solidFill>
                   <a:schemeClr val="dk2"/>
                 </a:solidFill>
@@ -2731,23 +2787,23 @@
                 <a:sym typeface="Arial"/>
               </a:defRPr>
             </a:lvl4pPr>
-            <a:lvl5pPr indent="0" lvl="4" marL="0" marR="0" algn="r">
-              <a:lnSpc>
-                <a:spcPct val="100000"/>
-              </a:lnSpc>
-              <a:spcBef>
-                <a:spcPts val="0"/>
-              </a:spcBef>
-              <a:spcAft>
-                <a:spcPts val="0"/>
-              </a:spcAft>
-              <a:buClr>
-                <a:srgbClr val="000000"/>
-              </a:buClr>
-              <a:buSzPts val="1000"/>
-              <a:buFont typeface="Arial"/>
-              <a:buNone/>
-              <a:defRPr b="0" i="0" sz="1000" u="none" cap="none" strike="noStrike">
+            <a:lvl5pPr marL="0" marR="0" lvl="4" indent="0" algn="r">
+              <a:lnSpc>
+                <a:spcPct val="100000"/>
+              </a:lnSpc>
+              <a:spcBef>
+                <a:spcPts val="0"/>
+              </a:spcBef>
+              <a:spcAft>
+                <a:spcPts val="0"/>
+              </a:spcAft>
+              <a:buClr>
+                <a:srgbClr val="000000"/>
+              </a:buClr>
+              <a:buSzPts val="1000"/>
+              <a:buFont typeface="Arial"/>
+              <a:buNone/>
+              <a:defRPr sz="1000" b="0" i="0" u="none" strike="noStrike" cap="none">
                 <a:solidFill>
                   <a:schemeClr val="dk2"/>
                 </a:solidFill>
@@ -2757,23 +2813,23 @@
                 <a:sym typeface="Arial"/>
               </a:defRPr>
             </a:lvl5pPr>
-            <a:lvl6pPr indent="0" lvl="5" marL="0" marR="0" algn="r">
-              <a:lnSpc>
-                <a:spcPct val="100000"/>
-              </a:lnSpc>
-              <a:spcBef>
-                <a:spcPts val="0"/>
-              </a:spcBef>
-              <a:spcAft>
-                <a:spcPts val="0"/>
-              </a:spcAft>
-              <a:buClr>
-                <a:srgbClr val="000000"/>
-              </a:buClr>
-              <a:buSzPts val="1000"/>
-              <a:buFont typeface="Arial"/>
-              <a:buNone/>
-              <a:defRPr b="0" i="0" sz="1000" u="none" cap="none" strike="noStrike">
+            <a:lvl6pPr marL="0" marR="0" lvl="5" indent="0" algn="r">
+              <a:lnSpc>
+                <a:spcPct val="100000"/>
+              </a:lnSpc>
+              <a:spcBef>
+                <a:spcPts val="0"/>
+              </a:spcBef>
+              <a:spcAft>
+                <a:spcPts val="0"/>
+              </a:spcAft>
+              <a:buClr>
+                <a:srgbClr val="000000"/>
+              </a:buClr>
+              <a:buSzPts val="1000"/>
+              <a:buFont typeface="Arial"/>
+              <a:buNone/>
+              <a:defRPr sz="1000" b="0" i="0" u="none" strike="noStrike" cap="none">
                 <a:solidFill>
                   <a:schemeClr val="dk2"/>
                 </a:solidFill>
@@ -2783,23 +2839,23 @@
                 <a:sym typeface="Arial"/>
               </a:defRPr>
             </a:lvl6pPr>
-            <a:lvl7pPr indent="0" lvl="6" marL="0" marR="0" algn="r">
-              <a:lnSpc>
-                <a:spcPct val="100000"/>
-              </a:lnSpc>
-              <a:spcBef>
-                <a:spcPts val="0"/>
-              </a:spcBef>
-              <a:spcAft>
-                <a:spcPts val="0"/>
-              </a:spcAft>
-              <a:buClr>
-                <a:srgbClr val="000000"/>
-              </a:buClr>
-              <a:buSzPts val="1000"/>
-              <a:buFont typeface="Arial"/>
-              <a:buNone/>
-              <a:defRPr b="0" i="0" sz="1000" u="none" cap="none" strike="noStrike">
+            <a:lvl7pPr marL="0" marR="0" lvl="6" indent="0" algn="r">
+              <a:lnSpc>
+                <a:spcPct val="100000"/>
+              </a:lnSpc>
+              <a:spcBef>
+                <a:spcPts val="0"/>
+              </a:spcBef>
+              <a:spcAft>
+                <a:spcPts val="0"/>
+              </a:spcAft>
+              <a:buClr>
+                <a:srgbClr val="000000"/>
+              </a:buClr>
+              <a:buSzPts val="1000"/>
+              <a:buFont typeface="Arial"/>
+              <a:buNone/>
+              <a:defRPr sz="1000" b="0" i="0" u="none" strike="noStrike" cap="none">
                 <a:solidFill>
                   <a:schemeClr val="dk2"/>
                 </a:solidFill>
@@ -2809,23 +2865,23 @@
                 <a:sym typeface="Arial"/>
               </a:defRPr>
             </a:lvl7pPr>
-            <a:lvl8pPr indent="0" lvl="7" marL="0" marR="0" algn="r">
-              <a:lnSpc>
-                <a:spcPct val="100000"/>
-              </a:lnSpc>
-              <a:spcBef>
-                <a:spcPts val="0"/>
-              </a:spcBef>
-              <a:spcAft>
-                <a:spcPts val="0"/>
-              </a:spcAft>
-              <a:buClr>
-                <a:srgbClr val="000000"/>
-              </a:buClr>
-              <a:buSzPts val="1000"/>
-              <a:buFont typeface="Arial"/>
-              <a:buNone/>
-              <a:defRPr b="0" i="0" sz="1000" u="none" cap="none" strike="noStrike">
+            <a:lvl8pPr marL="0" marR="0" lvl="7" indent="0" algn="r">
+              <a:lnSpc>
+                <a:spcPct val="100000"/>
+              </a:lnSpc>
+              <a:spcBef>
+                <a:spcPts val="0"/>
+              </a:spcBef>
+              <a:spcAft>
+                <a:spcPts val="0"/>
+              </a:spcAft>
+              <a:buClr>
+                <a:srgbClr val="000000"/>
+              </a:buClr>
+              <a:buSzPts val="1000"/>
+              <a:buFont typeface="Arial"/>
+              <a:buNone/>
+              <a:defRPr sz="1000" b="0" i="0" u="none" strike="noStrike" cap="none">
                 <a:solidFill>
                   <a:schemeClr val="dk2"/>
                 </a:solidFill>
@@ -2835,23 +2891,23 @@
                 <a:sym typeface="Arial"/>
               </a:defRPr>
             </a:lvl8pPr>
-            <a:lvl9pPr indent="0" lvl="8" marL="0" marR="0" algn="r">
-              <a:lnSpc>
-                <a:spcPct val="100000"/>
-              </a:lnSpc>
-              <a:spcBef>
-                <a:spcPts val="0"/>
-              </a:spcBef>
-              <a:spcAft>
-                <a:spcPts val="0"/>
-              </a:spcAft>
-              <a:buClr>
-                <a:srgbClr val="000000"/>
-              </a:buClr>
-              <a:buSzPts val="1000"/>
-              <a:buFont typeface="Arial"/>
-              <a:buNone/>
-              <a:defRPr b="0" i="0" sz="1000" u="none" cap="none" strike="noStrike">
+            <a:lvl9pPr marL="0" marR="0" lvl="8" indent="0" algn="r">
+              <a:lnSpc>
+                <a:spcPct val="100000"/>
+              </a:lnSpc>
+              <a:spcBef>
+                <a:spcPts val="0"/>
+              </a:spcBef>
+              <a:spcAft>
+                <a:spcPts val="0"/>
+              </a:spcAft>
+              <a:buClr>
+                <a:srgbClr val="000000"/>
+              </a:buClr>
+              <a:buSzPts val="1000"/>
+              <a:buFont typeface="Arial"/>
+              <a:buNone/>
+              <a:defRPr sz="1000" b="0" i="0" u="none" strike="noStrike" cap="none">
                 <a:solidFill>
                   <a:schemeClr val="dk2"/>
                 </a:solidFill>
@@ -2863,7 +2919,7 @@
             </a:lvl9pPr>
           </a:lstStyle>
           <a:p>
-            <a:pPr indent="0" lvl="0" marL="0" rtl="0" algn="r">
+            <a:pPr marL="0" lvl="0" indent="0" algn="r" rtl="0">
               <a:spcBef>
                 <a:spcPts val="0"/>
               </a:spcBef>
@@ -2874,7 +2930,7 @@
             </a:pPr>
             <a:fld id="{00000000-1234-1234-1234-123412341234}" type="slidenum">
               <a:rPr lang="pt-BR"/>
-              <a:t>‹#›</a:t>
+              <a:t>‹nº›</a:t>
             </a:fld>
             <a:endParaRPr/>
           </a:p>
@@ -2889,11 +2945,11 @@
 </file>
 
 <file path=ppt/slideLayouts/slideLayout2.xml><?xml version="1.0" encoding="utf-8"?>
-<p:sldLayout xmlns:a="http://schemas.openxmlformats.org/drawingml/2006/main" xmlns:r="http://schemas.openxmlformats.org/officeDocument/2006/relationships" xmlns:mc="http://schemas.openxmlformats.org/markup-compatibility/2006" xmlns:mv="urn:schemas-microsoft-com:mac:vml" xmlns:p="http://schemas.openxmlformats.org/presentationml/2006/main" xmlns:c="http://schemas.openxmlformats.org/drawingml/2006/chart" xmlns:dgm="http://schemas.openxmlformats.org/drawingml/2006/diagram" xmlns:o="urn:schemas-microsoft-com:office:office" xmlns:v="urn:schemas-microsoft-com:vml" xmlns:pvml="urn:schemas-microsoft-com:office:powerpoint" xmlns:com="http://schemas.openxmlformats.org/drawingml/2006/compatibility" xmlns:p14="http://schemas.microsoft.com/office/powerpoint/2010/main" xmlns:p15="http://schemas.microsoft.com/office/powerpoint/2012/main" xmlns:ahyp="http://schemas.microsoft.com/office/drawing/2018/hyperlinkcolor" matchingName="Section header" type="secHead">
+<p:sldLayout xmlns:a="http://schemas.openxmlformats.org/drawingml/2006/main" xmlns:r="http://schemas.openxmlformats.org/officeDocument/2006/relationships" xmlns:p="http://schemas.openxmlformats.org/presentationml/2006/main" matchingName="Section header" type="secHead">
   <p:cSld name="SECTION_HEADER">
     <p:spTree>
       <p:nvGrpSpPr>
-        <p:cNvPr id="13" name="Shape 13"/>
+        <p:cNvPr id="1" name="Shape 13"/>
         <p:cNvGrpSpPr/>
         <p:nvPr/>
       </p:nvGrpSpPr>
@@ -2908,7 +2964,9 @@
       <p:sp>
         <p:nvSpPr>
           <p:cNvPr id="14" name="Google Shape;14;p8"/>
-          <p:cNvSpPr txBox="1"/>
+          <p:cNvSpPr txBox="1">
+            <a:spLocks noGrp="1"/>
+          </p:cNvSpPr>
           <p:nvPr>
             <p:ph type="title"/>
           </p:nvPr>
@@ -2927,7 +2985,7 @@
           </a:ln>
         </p:spPr>
         <p:txBody>
-          <a:bodyPr anchorCtr="0" anchor="ctr" bIns="91425" lIns="91425" spcFirstLastPara="1" rIns="91425" wrap="square" tIns="91425">
+          <a:bodyPr spcFirstLastPara="1" wrap="square" lIns="91425" tIns="91425" rIns="91425" bIns="91425" anchor="ctr" anchorCtr="0">
             <a:noAutofit/>
           </a:bodyPr>
           <a:lstStyle>
@@ -3058,15 +3116,19 @@
               <a:defRPr sz="3600"/>
             </a:lvl9pPr>
           </a:lstStyle>
-          <a:p/>
+          <a:p>
+            <a:endParaRPr/>
+          </a:p>
         </p:txBody>
       </p:sp>
       <p:sp>
         <p:nvSpPr>
           <p:cNvPr id="15" name="Google Shape;15;p8"/>
-          <p:cNvSpPr txBox="1"/>
+          <p:cNvSpPr txBox="1">
+            <a:spLocks noGrp="1"/>
+          </p:cNvSpPr>
           <p:nvPr>
-            <p:ph idx="12" type="sldNum"/>
+            <p:ph type="sldNum" idx="12"/>
           </p:nvPr>
         </p:nvSpPr>
         <p:spPr>
@@ -3083,27 +3145,27 @@
           </a:ln>
         </p:spPr>
         <p:txBody>
-          <a:bodyPr anchorCtr="0" anchor="ctr" bIns="91425" lIns="91425" spcFirstLastPara="1" rIns="91425" wrap="square" tIns="91425">
+          <a:bodyPr spcFirstLastPara="1" wrap="square" lIns="91425" tIns="91425" rIns="91425" bIns="91425" anchor="ctr" anchorCtr="0">
             <a:noAutofit/>
           </a:bodyPr>
           <a:lstStyle>
-            <a:lvl1pPr indent="0" lvl="0" marL="0" marR="0" algn="r">
-              <a:lnSpc>
-                <a:spcPct val="100000"/>
-              </a:lnSpc>
-              <a:spcBef>
-                <a:spcPts val="0"/>
-              </a:spcBef>
-              <a:spcAft>
-                <a:spcPts val="0"/>
-              </a:spcAft>
-              <a:buClr>
-                <a:srgbClr val="000000"/>
-              </a:buClr>
-              <a:buSzPts val="1000"/>
-              <a:buFont typeface="Arial"/>
-              <a:buNone/>
-              <a:defRPr b="0" i="0" sz="1000" u="none" cap="none" strike="noStrike">
+            <a:lvl1pPr marL="0" marR="0" lvl="0" indent="0" algn="r">
+              <a:lnSpc>
+                <a:spcPct val="100000"/>
+              </a:lnSpc>
+              <a:spcBef>
+                <a:spcPts val="0"/>
+              </a:spcBef>
+              <a:spcAft>
+                <a:spcPts val="0"/>
+              </a:spcAft>
+              <a:buClr>
+                <a:srgbClr val="000000"/>
+              </a:buClr>
+              <a:buSzPts val="1000"/>
+              <a:buFont typeface="Arial"/>
+              <a:buNone/>
+              <a:defRPr sz="1000" b="0" i="0" u="none" strike="noStrike" cap="none">
                 <a:solidFill>
                   <a:schemeClr val="dk2"/>
                 </a:solidFill>
@@ -3113,23 +3175,23 @@
                 <a:sym typeface="Arial"/>
               </a:defRPr>
             </a:lvl1pPr>
-            <a:lvl2pPr indent="0" lvl="1" marL="0" marR="0" algn="r">
-              <a:lnSpc>
-                <a:spcPct val="100000"/>
-              </a:lnSpc>
-              <a:spcBef>
-                <a:spcPts val="0"/>
-              </a:spcBef>
-              <a:spcAft>
-                <a:spcPts val="0"/>
-              </a:spcAft>
-              <a:buClr>
-                <a:srgbClr val="000000"/>
-              </a:buClr>
-              <a:buSzPts val="1000"/>
-              <a:buFont typeface="Arial"/>
-              <a:buNone/>
-              <a:defRPr b="0" i="0" sz="1000" u="none" cap="none" strike="noStrike">
+            <a:lvl2pPr marL="0" marR="0" lvl="1" indent="0" algn="r">
+              <a:lnSpc>
+                <a:spcPct val="100000"/>
+              </a:lnSpc>
+              <a:spcBef>
+                <a:spcPts val="0"/>
+              </a:spcBef>
+              <a:spcAft>
+                <a:spcPts val="0"/>
+              </a:spcAft>
+              <a:buClr>
+                <a:srgbClr val="000000"/>
+              </a:buClr>
+              <a:buSzPts val="1000"/>
+              <a:buFont typeface="Arial"/>
+              <a:buNone/>
+              <a:defRPr sz="1000" b="0" i="0" u="none" strike="noStrike" cap="none">
                 <a:solidFill>
                   <a:schemeClr val="dk2"/>
                 </a:solidFill>
@@ -3139,23 +3201,23 @@
                 <a:sym typeface="Arial"/>
               </a:defRPr>
             </a:lvl2pPr>
-            <a:lvl3pPr indent="0" lvl="2" marL="0" marR="0" algn="r">
-              <a:lnSpc>
-                <a:spcPct val="100000"/>
-              </a:lnSpc>
-              <a:spcBef>
-                <a:spcPts val="0"/>
-              </a:spcBef>
-              <a:spcAft>
-                <a:spcPts val="0"/>
-              </a:spcAft>
-              <a:buClr>
-                <a:srgbClr val="000000"/>
-              </a:buClr>
-              <a:buSzPts val="1000"/>
-              <a:buFont typeface="Arial"/>
-              <a:buNone/>
-              <a:defRPr b="0" i="0" sz="1000" u="none" cap="none" strike="noStrike">
+            <a:lvl3pPr marL="0" marR="0" lvl="2" indent="0" algn="r">
+              <a:lnSpc>
+                <a:spcPct val="100000"/>
+              </a:lnSpc>
+              <a:spcBef>
+                <a:spcPts val="0"/>
+              </a:spcBef>
+              <a:spcAft>
+                <a:spcPts val="0"/>
+              </a:spcAft>
+              <a:buClr>
+                <a:srgbClr val="000000"/>
+              </a:buClr>
+              <a:buSzPts val="1000"/>
+              <a:buFont typeface="Arial"/>
+              <a:buNone/>
+              <a:defRPr sz="1000" b="0" i="0" u="none" strike="noStrike" cap="none">
                 <a:solidFill>
                   <a:schemeClr val="dk2"/>
                 </a:solidFill>
@@ -3165,23 +3227,23 @@
                 <a:sym typeface="Arial"/>
               </a:defRPr>
             </a:lvl3pPr>
-            <a:lvl4pPr indent="0" lvl="3" marL="0" marR="0" algn="r">
-              <a:lnSpc>
-                <a:spcPct val="100000"/>
-              </a:lnSpc>
-              <a:spcBef>
-                <a:spcPts val="0"/>
-              </a:spcBef>
-              <a:spcAft>
-                <a:spcPts val="0"/>
-              </a:spcAft>
-              <a:buClr>
-                <a:srgbClr val="000000"/>
-              </a:buClr>
-              <a:buSzPts val="1000"/>
-              <a:buFont typeface="Arial"/>
-              <a:buNone/>
-              <a:defRPr b="0" i="0" sz="1000" u="none" cap="none" strike="noStrike">
+            <a:lvl4pPr marL="0" marR="0" lvl="3" indent="0" algn="r">
+              <a:lnSpc>
+                <a:spcPct val="100000"/>
+              </a:lnSpc>
+              <a:spcBef>
+                <a:spcPts val="0"/>
+              </a:spcBef>
+              <a:spcAft>
+                <a:spcPts val="0"/>
+              </a:spcAft>
+              <a:buClr>
+                <a:srgbClr val="000000"/>
+              </a:buClr>
+              <a:buSzPts val="1000"/>
+              <a:buFont typeface="Arial"/>
+              <a:buNone/>
+              <a:defRPr sz="1000" b="0" i="0" u="none" strike="noStrike" cap="none">
                 <a:solidFill>
                   <a:schemeClr val="dk2"/>
                 </a:solidFill>
@@ -3191,23 +3253,23 @@
                 <a:sym typeface="Arial"/>
               </a:defRPr>
             </a:lvl4pPr>
-            <a:lvl5pPr indent="0" lvl="4" marL="0" marR="0" algn="r">
-              <a:lnSpc>
-                <a:spcPct val="100000"/>
-              </a:lnSpc>
-              <a:spcBef>
-                <a:spcPts val="0"/>
-              </a:spcBef>
-              <a:spcAft>
-                <a:spcPts val="0"/>
-              </a:spcAft>
-              <a:buClr>
-                <a:srgbClr val="000000"/>
-              </a:buClr>
-              <a:buSzPts val="1000"/>
-              <a:buFont typeface="Arial"/>
-              <a:buNone/>
-              <a:defRPr b="0" i="0" sz="1000" u="none" cap="none" strike="noStrike">
+            <a:lvl5pPr marL="0" marR="0" lvl="4" indent="0" algn="r">
+              <a:lnSpc>
+                <a:spcPct val="100000"/>
+              </a:lnSpc>
+              <a:spcBef>
+                <a:spcPts val="0"/>
+              </a:spcBef>
+              <a:spcAft>
+                <a:spcPts val="0"/>
+              </a:spcAft>
+              <a:buClr>
+                <a:srgbClr val="000000"/>
+              </a:buClr>
+              <a:buSzPts val="1000"/>
+              <a:buFont typeface="Arial"/>
+              <a:buNone/>
+              <a:defRPr sz="1000" b="0" i="0" u="none" strike="noStrike" cap="none">
                 <a:solidFill>
                   <a:schemeClr val="dk2"/>
                 </a:solidFill>
@@ -3217,23 +3279,23 @@
                 <a:sym typeface="Arial"/>
               </a:defRPr>
             </a:lvl5pPr>
-            <a:lvl6pPr indent="0" lvl="5" marL="0" marR="0" algn="r">
-              <a:lnSpc>
-                <a:spcPct val="100000"/>
-              </a:lnSpc>
-              <a:spcBef>
-                <a:spcPts val="0"/>
-              </a:spcBef>
-              <a:spcAft>
-                <a:spcPts val="0"/>
-              </a:spcAft>
-              <a:buClr>
-                <a:srgbClr val="000000"/>
-              </a:buClr>
-              <a:buSzPts val="1000"/>
-              <a:buFont typeface="Arial"/>
-              <a:buNone/>
-              <a:defRPr b="0" i="0" sz="1000" u="none" cap="none" strike="noStrike">
+            <a:lvl6pPr marL="0" marR="0" lvl="5" indent="0" algn="r">
+              <a:lnSpc>
+                <a:spcPct val="100000"/>
+              </a:lnSpc>
+              <a:spcBef>
+                <a:spcPts val="0"/>
+              </a:spcBef>
+              <a:spcAft>
+                <a:spcPts val="0"/>
+              </a:spcAft>
+              <a:buClr>
+                <a:srgbClr val="000000"/>
+              </a:buClr>
+              <a:buSzPts val="1000"/>
+              <a:buFont typeface="Arial"/>
+              <a:buNone/>
+              <a:defRPr sz="1000" b="0" i="0" u="none" strike="noStrike" cap="none">
                 <a:solidFill>
                   <a:schemeClr val="dk2"/>
                 </a:solidFill>
@@ -3243,23 +3305,23 @@
                 <a:sym typeface="Arial"/>
               </a:defRPr>
             </a:lvl6pPr>
-            <a:lvl7pPr indent="0" lvl="6" marL="0" marR="0" algn="r">
-              <a:lnSpc>
-                <a:spcPct val="100000"/>
-              </a:lnSpc>
-              <a:spcBef>
-                <a:spcPts val="0"/>
-              </a:spcBef>
-              <a:spcAft>
-                <a:spcPts val="0"/>
-              </a:spcAft>
-              <a:buClr>
-                <a:srgbClr val="000000"/>
-              </a:buClr>
-              <a:buSzPts val="1000"/>
-              <a:buFont typeface="Arial"/>
-              <a:buNone/>
-              <a:defRPr b="0" i="0" sz="1000" u="none" cap="none" strike="noStrike">
+            <a:lvl7pPr marL="0" marR="0" lvl="6" indent="0" algn="r">
+              <a:lnSpc>
+                <a:spcPct val="100000"/>
+              </a:lnSpc>
+              <a:spcBef>
+                <a:spcPts val="0"/>
+              </a:spcBef>
+              <a:spcAft>
+                <a:spcPts val="0"/>
+              </a:spcAft>
+              <a:buClr>
+                <a:srgbClr val="000000"/>
+              </a:buClr>
+              <a:buSzPts val="1000"/>
+              <a:buFont typeface="Arial"/>
+              <a:buNone/>
+              <a:defRPr sz="1000" b="0" i="0" u="none" strike="noStrike" cap="none">
                 <a:solidFill>
                   <a:schemeClr val="dk2"/>
                 </a:solidFill>
@@ -3269,23 +3331,23 @@
                 <a:sym typeface="Arial"/>
               </a:defRPr>
             </a:lvl7pPr>
-            <a:lvl8pPr indent="0" lvl="7" marL="0" marR="0" algn="r">
-              <a:lnSpc>
-                <a:spcPct val="100000"/>
-              </a:lnSpc>
-              <a:spcBef>
-                <a:spcPts val="0"/>
-              </a:spcBef>
-              <a:spcAft>
-                <a:spcPts val="0"/>
-              </a:spcAft>
-              <a:buClr>
-                <a:srgbClr val="000000"/>
-              </a:buClr>
-              <a:buSzPts val="1000"/>
-              <a:buFont typeface="Arial"/>
-              <a:buNone/>
-              <a:defRPr b="0" i="0" sz="1000" u="none" cap="none" strike="noStrike">
+            <a:lvl8pPr marL="0" marR="0" lvl="7" indent="0" algn="r">
+              <a:lnSpc>
+                <a:spcPct val="100000"/>
+              </a:lnSpc>
+              <a:spcBef>
+                <a:spcPts val="0"/>
+              </a:spcBef>
+              <a:spcAft>
+                <a:spcPts val="0"/>
+              </a:spcAft>
+              <a:buClr>
+                <a:srgbClr val="000000"/>
+              </a:buClr>
+              <a:buSzPts val="1000"/>
+              <a:buFont typeface="Arial"/>
+              <a:buNone/>
+              <a:defRPr sz="1000" b="0" i="0" u="none" strike="noStrike" cap="none">
                 <a:solidFill>
                   <a:schemeClr val="dk2"/>
                 </a:solidFill>
@@ -3295,23 +3357,23 @@
                 <a:sym typeface="Arial"/>
               </a:defRPr>
             </a:lvl8pPr>
-            <a:lvl9pPr indent="0" lvl="8" marL="0" marR="0" algn="r">
-              <a:lnSpc>
-                <a:spcPct val="100000"/>
-              </a:lnSpc>
-              <a:spcBef>
-                <a:spcPts val="0"/>
-              </a:spcBef>
-              <a:spcAft>
-                <a:spcPts val="0"/>
-              </a:spcAft>
-              <a:buClr>
-                <a:srgbClr val="000000"/>
-              </a:buClr>
-              <a:buSzPts val="1000"/>
-              <a:buFont typeface="Arial"/>
-              <a:buNone/>
-              <a:defRPr b="0" i="0" sz="1000" u="none" cap="none" strike="noStrike">
+            <a:lvl9pPr marL="0" marR="0" lvl="8" indent="0" algn="r">
+              <a:lnSpc>
+                <a:spcPct val="100000"/>
+              </a:lnSpc>
+              <a:spcBef>
+                <a:spcPts val="0"/>
+              </a:spcBef>
+              <a:spcAft>
+                <a:spcPts val="0"/>
+              </a:spcAft>
+              <a:buClr>
+                <a:srgbClr val="000000"/>
+              </a:buClr>
+              <a:buSzPts val="1000"/>
+              <a:buFont typeface="Arial"/>
+              <a:buNone/>
+              <a:defRPr sz="1000" b="0" i="0" u="none" strike="noStrike" cap="none">
                 <a:solidFill>
                   <a:schemeClr val="dk2"/>
                 </a:solidFill>
@@ -3323,7 +3385,7 @@
             </a:lvl9pPr>
           </a:lstStyle>
           <a:p>
-            <a:pPr indent="0" lvl="0" marL="0" rtl="0" algn="r">
+            <a:pPr marL="0" lvl="0" indent="0" algn="r" rtl="0">
               <a:spcBef>
                 <a:spcPts val="0"/>
               </a:spcBef>
@@ -3334,7 +3396,7 @@
             </a:pPr>
             <a:fld id="{00000000-1234-1234-1234-123412341234}" type="slidenum">
               <a:rPr lang="pt-BR"/>
-              <a:t>‹#›</a:t>
+              <a:t>‹nº›</a:t>
             </a:fld>
             <a:endParaRPr/>
           </a:p>
@@ -3349,11 +3411,11 @@
 </file>
 
 <file path=ppt/slideLayouts/slideLayout3.xml><?xml version="1.0" encoding="utf-8"?>
-<p:sldLayout xmlns:a="http://schemas.openxmlformats.org/drawingml/2006/main" xmlns:r="http://schemas.openxmlformats.org/officeDocument/2006/relationships" xmlns:mc="http://schemas.openxmlformats.org/markup-compatibility/2006" xmlns:mv="urn:schemas-microsoft-com:mac:vml" xmlns:p="http://schemas.openxmlformats.org/presentationml/2006/main" xmlns:c="http://schemas.openxmlformats.org/drawingml/2006/chart" xmlns:dgm="http://schemas.openxmlformats.org/drawingml/2006/diagram" xmlns:o="urn:schemas-microsoft-com:office:office" xmlns:v="urn:schemas-microsoft-com:vml" xmlns:pvml="urn:schemas-microsoft-com:office:powerpoint" xmlns:com="http://schemas.openxmlformats.org/drawingml/2006/compatibility" xmlns:p14="http://schemas.microsoft.com/office/powerpoint/2010/main" xmlns:p15="http://schemas.microsoft.com/office/powerpoint/2012/main" xmlns:ahyp="http://schemas.microsoft.com/office/drawing/2018/hyperlinkcolor" matchingName="Title and body" type="tx">
+<p:sldLayout xmlns:a="http://schemas.openxmlformats.org/drawingml/2006/main" xmlns:r="http://schemas.openxmlformats.org/officeDocument/2006/relationships" xmlns:p="http://schemas.openxmlformats.org/presentationml/2006/main" matchingName="Title and body" type="tx">
   <p:cSld name="TITLE_AND_BODY">
     <p:spTree>
       <p:nvGrpSpPr>
-        <p:cNvPr id="16" name="Shape 16"/>
+        <p:cNvPr id="1" name="Shape 16"/>
         <p:cNvGrpSpPr/>
         <p:nvPr/>
       </p:nvGrpSpPr>
@@ -3368,7 +3430,9 @@
       <p:sp>
         <p:nvSpPr>
           <p:cNvPr id="17" name="Google Shape;17;p9"/>
-          <p:cNvSpPr txBox="1"/>
+          <p:cNvSpPr txBox="1">
+            <a:spLocks noGrp="1"/>
+          </p:cNvSpPr>
           <p:nvPr>
             <p:ph type="title"/>
           </p:nvPr>
@@ -3387,7 +3451,7 @@
           </a:ln>
         </p:spPr>
         <p:txBody>
-          <a:bodyPr anchorCtr="0" anchor="t" bIns="91425" lIns="91425" spcFirstLastPara="1" rIns="91425" wrap="square" tIns="91425">
+          <a:bodyPr spcFirstLastPara="1" wrap="square" lIns="91425" tIns="91425" rIns="91425" bIns="91425" anchor="t" anchorCtr="0">
             <a:noAutofit/>
           </a:bodyPr>
           <a:lstStyle>
@@ -3518,15 +3582,19 @@
               <a:defRPr/>
             </a:lvl9pPr>
           </a:lstStyle>
-          <a:p/>
+          <a:p>
+            <a:endParaRPr/>
+          </a:p>
         </p:txBody>
       </p:sp>
       <p:sp>
         <p:nvSpPr>
           <p:cNvPr id="18" name="Google Shape;18;p9"/>
-          <p:cNvSpPr txBox="1"/>
+          <p:cNvSpPr txBox="1">
+            <a:spLocks noGrp="1"/>
+          </p:cNvSpPr>
           <p:nvPr>
-            <p:ph idx="1" type="body"/>
+            <p:ph type="body" idx="1"/>
           </p:nvPr>
         </p:nvSpPr>
         <p:spPr>
@@ -3543,11 +3611,11 @@
           </a:ln>
         </p:spPr>
         <p:txBody>
-          <a:bodyPr anchorCtr="0" anchor="t" bIns="91425" lIns="91425" spcFirstLastPara="1" rIns="91425" wrap="square" tIns="91425">
+          <a:bodyPr spcFirstLastPara="1" wrap="square" lIns="91425" tIns="91425" rIns="91425" bIns="91425" anchor="t" anchorCtr="0">
             <a:noAutofit/>
           </a:bodyPr>
           <a:lstStyle>
-            <a:lvl1pPr indent="-342900" lvl="0" marL="457200" algn="l">
+            <a:lvl1pPr marL="457200" lvl="0" indent="-342900" algn="l">
               <a:lnSpc>
                 <a:spcPct val="115000"/>
               </a:lnSpc>
@@ -3561,7 +3629,7 @@
               <a:buChar char="●"/>
               <a:defRPr/>
             </a:lvl1pPr>
-            <a:lvl2pPr indent="-317500" lvl="1" marL="914400" algn="l">
+            <a:lvl2pPr marL="914400" lvl="1" indent="-317500" algn="l">
               <a:lnSpc>
                 <a:spcPct val="115000"/>
               </a:lnSpc>
@@ -3575,7 +3643,7 @@
               <a:buChar char="○"/>
               <a:defRPr/>
             </a:lvl2pPr>
-            <a:lvl3pPr indent="-317500" lvl="2" marL="1371600" algn="l">
+            <a:lvl3pPr marL="1371600" lvl="2" indent="-317500" algn="l">
               <a:lnSpc>
                 <a:spcPct val="115000"/>
               </a:lnSpc>
@@ -3589,7 +3657,7 @@
               <a:buChar char="■"/>
               <a:defRPr/>
             </a:lvl3pPr>
-            <a:lvl4pPr indent="-317500" lvl="3" marL="1828800" algn="l">
+            <a:lvl4pPr marL="1828800" lvl="3" indent="-317500" algn="l">
               <a:lnSpc>
                 <a:spcPct val="115000"/>
               </a:lnSpc>
@@ -3603,7 +3671,7 @@
               <a:buChar char="●"/>
               <a:defRPr/>
             </a:lvl4pPr>
-            <a:lvl5pPr indent="-317500" lvl="4" marL="2286000" algn="l">
+            <a:lvl5pPr marL="2286000" lvl="4" indent="-317500" algn="l">
               <a:lnSpc>
                 <a:spcPct val="115000"/>
               </a:lnSpc>
@@ -3617,7 +3685,7 @@
               <a:buChar char="○"/>
               <a:defRPr/>
             </a:lvl5pPr>
-            <a:lvl6pPr indent="-317500" lvl="5" marL="2743200" algn="l">
+            <a:lvl6pPr marL="2743200" lvl="5" indent="-317500" algn="l">
               <a:lnSpc>
                 <a:spcPct val="115000"/>
               </a:lnSpc>
@@ -3631,7 +3699,7 @@
               <a:buChar char="■"/>
               <a:defRPr/>
             </a:lvl6pPr>
-            <a:lvl7pPr indent="-317500" lvl="6" marL="3200400" algn="l">
+            <a:lvl7pPr marL="3200400" lvl="6" indent="-317500" algn="l">
               <a:lnSpc>
                 <a:spcPct val="115000"/>
               </a:lnSpc>
@@ -3645,7 +3713,7 @@
               <a:buChar char="●"/>
               <a:defRPr/>
             </a:lvl7pPr>
-            <a:lvl8pPr indent="-317500" lvl="7" marL="3657600" algn="l">
+            <a:lvl8pPr marL="3657600" lvl="7" indent="-317500" algn="l">
               <a:lnSpc>
                 <a:spcPct val="115000"/>
               </a:lnSpc>
@@ -3659,7 +3727,7 @@
               <a:buChar char="○"/>
               <a:defRPr/>
             </a:lvl8pPr>
-            <a:lvl9pPr indent="-317500" lvl="8" marL="4114800" algn="l">
+            <a:lvl9pPr marL="4114800" lvl="8" indent="-317500" algn="l">
               <a:lnSpc>
                 <a:spcPct val="115000"/>
               </a:lnSpc>
@@ -3674,15 +3742,19 @@
               <a:defRPr/>
             </a:lvl9pPr>
           </a:lstStyle>
-          <a:p/>
+          <a:p>
+            <a:endParaRPr/>
+          </a:p>
         </p:txBody>
       </p:sp>
       <p:sp>
         <p:nvSpPr>
           <p:cNvPr id="19" name="Google Shape;19;p9"/>
-          <p:cNvSpPr txBox="1"/>
+          <p:cNvSpPr txBox="1">
+            <a:spLocks noGrp="1"/>
+          </p:cNvSpPr>
           <p:nvPr>
-            <p:ph idx="12" type="sldNum"/>
+            <p:ph type="sldNum" idx="12"/>
           </p:nvPr>
         </p:nvSpPr>
         <p:spPr>
@@ -3699,27 +3771,27 @@
           </a:ln>
         </p:spPr>
         <p:txBody>
-          <a:bodyPr anchorCtr="0" anchor="ctr" bIns="91425" lIns="91425" spcFirstLastPara="1" rIns="91425" wrap="square" tIns="91425">
+          <a:bodyPr spcFirstLastPara="1" wrap="square" lIns="91425" tIns="91425" rIns="91425" bIns="91425" anchor="ctr" anchorCtr="0">
             <a:noAutofit/>
           </a:bodyPr>
           <a:lstStyle>
-            <a:lvl1pPr indent="0" lvl="0" marL="0" marR="0" algn="r">
-              <a:lnSpc>
-                <a:spcPct val="100000"/>
-              </a:lnSpc>
-              <a:spcBef>
-                <a:spcPts val="0"/>
-              </a:spcBef>
-              <a:spcAft>
-                <a:spcPts val="0"/>
-              </a:spcAft>
-              <a:buClr>
-                <a:srgbClr val="000000"/>
-              </a:buClr>
-              <a:buSzPts val="1000"/>
-              <a:buFont typeface="Arial"/>
-              <a:buNone/>
-              <a:defRPr b="0" i="0" sz="1000" u="none" cap="none" strike="noStrike">
+            <a:lvl1pPr marL="0" marR="0" lvl="0" indent="0" algn="r">
+              <a:lnSpc>
+                <a:spcPct val="100000"/>
+              </a:lnSpc>
+              <a:spcBef>
+                <a:spcPts val="0"/>
+              </a:spcBef>
+              <a:spcAft>
+                <a:spcPts val="0"/>
+              </a:spcAft>
+              <a:buClr>
+                <a:srgbClr val="000000"/>
+              </a:buClr>
+              <a:buSzPts val="1000"/>
+              <a:buFont typeface="Arial"/>
+              <a:buNone/>
+              <a:defRPr sz="1000" b="0" i="0" u="none" strike="noStrike" cap="none">
                 <a:solidFill>
                   <a:schemeClr val="dk2"/>
                 </a:solidFill>
@@ -3729,23 +3801,23 @@
                 <a:sym typeface="Arial"/>
               </a:defRPr>
             </a:lvl1pPr>
-            <a:lvl2pPr indent="0" lvl="1" marL="0" marR="0" algn="r">
-              <a:lnSpc>
-                <a:spcPct val="100000"/>
-              </a:lnSpc>
-              <a:spcBef>
-                <a:spcPts val="0"/>
-              </a:spcBef>
-              <a:spcAft>
-                <a:spcPts val="0"/>
-              </a:spcAft>
-              <a:buClr>
-                <a:srgbClr val="000000"/>
-              </a:buClr>
-              <a:buSzPts val="1000"/>
-              <a:buFont typeface="Arial"/>
-              <a:buNone/>
-              <a:defRPr b="0" i="0" sz="1000" u="none" cap="none" strike="noStrike">
+            <a:lvl2pPr marL="0" marR="0" lvl="1" indent="0" algn="r">
+              <a:lnSpc>
+                <a:spcPct val="100000"/>
+              </a:lnSpc>
+              <a:spcBef>
+                <a:spcPts val="0"/>
+              </a:spcBef>
+              <a:spcAft>
+                <a:spcPts val="0"/>
+              </a:spcAft>
+              <a:buClr>
+                <a:srgbClr val="000000"/>
+              </a:buClr>
+              <a:buSzPts val="1000"/>
+              <a:buFont typeface="Arial"/>
+              <a:buNone/>
+              <a:defRPr sz="1000" b="0" i="0" u="none" strike="noStrike" cap="none">
                 <a:solidFill>
                   <a:schemeClr val="dk2"/>
                 </a:solidFill>
@@ -3755,23 +3827,23 @@
                 <a:sym typeface="Arial"/>
               </a:defRPr>
             </a:lvl2pPr>
-            <a:lvl3pPr indent="0" lvl="2" marL="0" marR="0" algn="r">
-              <a:lnSpc>
-                <a:spcPct val="100000"/>
-              </a:lnSpc>
-              <a:spcBef>
-                <a:spcPts val="0"/>
-              </a:spcBef>
-              <a:spcAft>
-                <a:spcPts val="0"/>
-              </a:spcAft>
-              <a:buClr>
-                <a:srgbClr val="000000"/>
-              </a:buClr>
-              <a:buSzPts val="1000"/>
-              <a:buFont typeface="Arial"/>
-              <a:buNone/>
-              <a:defRPr b="0" i="0" sz="1000" u="none" cap="none" strike="noStrike">
+            <a:lvl3pPr marL="0" marR="0" lvl="2" indent="0" algn="r">
+              <a:lnSpc>
+                <a:spcPct val="100000"/>
+              </a:lnSpc>
+              <a:spcBef>
+                <a:spcPts val="0"/>
+              </a:spcBef>
+              <a:spcAft>
+                <a:spcPts val="0"/>
+              </a:spcAft>
+              <a:buClr>
+                <a:srgbClr val="000000"/>
+              </a:buClr>
+              <a:buSzPts val="1000"/>
+              <a:buFont typeface="Arial"/>
+              <a:buNone/>
+              <a:defRPr sz="1000" b="0" i="0" u="none" strike="noStrike" cap="none">
                 <a:solidFill>
                   <a:schemeClr val="dk2"/>
                 </a:solidFill>
@@ -3781,23 +3853,23 @@
                 <a:sym typeface="Arial"/>
               </a:defRPr>
             </a:lvl3pPr>
-            <a:lvl4pPr indent="0" lvl="3" marL="0" marR="0" algn="r">
-              <a:lnSpc>
-                <a:spcPct val="100000"/>
-              </a:lnSpc>
-              <a:spcBef>
-                <a:spcPts val="0"/>
-              </a:spcBef>
-              <a:spcAft>
-                <a:spcPts val="0"/>
-              </a:spcAft>
-              <a:buClr>
-                <a:srgbClr val="000000"/>
-              </a:buClr>
-              <a:buSzPts val="1000"/>
-              <a:buFont typeface="Arial"/>
-              <a:buNone/>
-              <a:defRPr b="0" i="0" sz="1000" u="none" cap="none" strike="noStrike">
+            <a:lvl4pPr marL="0" marR="0" lvl="3" indent="0" algn="r">
+              <a:lnSpc>
+                <a:spcPct val="100000"/>
+              </a:lnSpc>
+              <a:spcBef>
+                <a:spcPts val="0"/>
+              </a:spcBef>
+              <a:spcAft>
+                <a:spcPts val="0"/>
+              </a:spcAft>
+              <a:buClr>
+                <a:srgbClr val="000000"/>
+              </a:buClr>
+              <a:buSzPts val="1000"/>
+              <a:buFont typeface="Arial"/>
+              <a:buNone/>
+              <a:defRPr sz="1000" b="0" i="0" u="none" strike="noStrike" cap="none">
                 <a:solidFill>
                   <a:schemeClr val="dk2"/>
                 </a:solidFill>
@@ -3807,23 +3879,23 @@
                 <a:sym typeface="Arial"/>
               </a:defRPr>
             </a:lvl4pPr>
-            <a:lvl5pPr indent="0" lvl="4" marL="0" marR="0" algn="r">
-              <a:lnSpc>
-                <a:spcPct val="100000"/>
-              </a:lnSpc>
-              <a:spcBef>
-                <a:spcPts val="0"/>
-              </a:spcBef>
-              <a:spcAft>
-                <a:spcPts val="0"/>
-              </a:spcAft>
-              <a:buClr>
-                <a:srgbClr val="000000"/>
-              </a:buClr>
-              <a:buSzPts val="1000"/>
-              <a:buFont typeface="Arial"/>
-              <a:buNone/>
-              <a:defRPr b="0" i="0" sz="1000" u="none" cap="none" strike="noStrike">
+            <a:lvl5pPr marL="0" marR="0" lvl="4" indent="0" algn="r">
+              <a:lnSpc>
+                <a:spcPct val="100000"/>
+              </a:lnSpc>
+              <a:spcBef>
+                <a:spcPts val="0"/>
+              </a:spcBef>
+              <a:spcAft>
+                <a:spcPts val="0"/>
+              </a:spcAft>
+              <a:buClr>
+                <a:srgbClr val="000000"/>
+              </a:buClr>
+              <a:buSzPts val="1000"/>
+              <a:buFont typeface="Arial"/>
+              <a:buNone/>
+              <a:defRPr sz="1000" b="0" i="0" u="none" strike="noStrike" cap="none">
                 <a:solidFill>
                   <a:schemeClr val="dk2"/>
                 </a:solidFill>
@@ -3833,23 +3905,23 @@
                 <a:sym typeface="Arial"/>
               </a:defRPr>
             </a:lvl5pPr>
-            <a:lvl6pPr indent="0" lvl="5" marL="0" marR="0" algn="r">
-              <a:lnSpc>
-                <a:spcPct val="100000"/>
-              </a:lnSpc>
-              <a:spcBef>
-                <a:spcPts val="0"/>
-              </a:spcBef>
-              <a:spcAft>
-                <a:spcPts val="0"/>
-              </a:spcAft>
-              <a:buClr>
-                <a:srgbClr val="000000"/>
-              </a:buClr>
-              <a:buSzPts val="1000"/>
-              <a:buFont typeface="Arial"/>
-              <a:buNone/>
-              <a:defRPr b="0" i="0" sz="1000" u="none" cap="none" strike="noStrike">
+            <a:lvl6pPr marL="0" marR="0" lvl="5" indent="0" algn="r">
+              <a:lnSpc>
+                <a:spcPct val="100000"/>
+              </a:lnSpc>
+              <a:spcBef>
+                <a:spcPts val="0"/>
+              </a:spcBef>
+              <a:spcAft>
+                <a:spcPts val="0"/>
+              </a:spcAft>
+              <a:buClr>
+                <a:srgbClr val="000000"/>
+              </a:buClr>
+              <a:buSzPts val="1000"/>
+              <a:buFont typeface="Arial"/>
+              <a:buNone/>
+              <a:defRPr sz="1000" b="0" i="0" u="none" strike="noStrike" cap="none">
                 <a:solidFill>
                   <a:schemeClr val="dk2"/>
                 </a:solidFill>
@@ -3859,23 +3931,23 @@
                 <a:sym typeface="Arial"/>
               </a:defRPr>
             </a:lvl6pPr>
-            <a:lvl7pPr indent="0" lvl="6" marL="0" marR="0" algn="r">
-              <a:lnSpc>
-                <a:spcPct val="100000"/>
-              </a:lnSpc>
-              <a:spcBef>
-                <a:spcPts val="0"/>
-              </a:spcBef>
-              <a:spcAft>
-                <a:spcPts val="0"/>
-              </a:spcAft>
-              <a:buClr>
-                <a:srgbClr val="000000"/>
-              </a:buClr>
-              <a:buSzPts val="1000"/>
-              <a:buFont typeface="Arial"/>
-              <a:buNone/>
-              <a:defRPr b="0" i="0" sz="1000" u="none" cap="none" strike="noStrike">
+            <a:lvl7pPr marL="0" marR="0" lvl="6" indent="0" algn="r">
+              <a:lnSpc>
+                <a:spcPct val="100000"/>
+              </a:lnSpc>
+              <a:spcBef>
+                <a:spcPts val="0"/>
+              </a:spcBef>
+              <a:spcAft>
+                <a:spcPts val="0"/>
+              </a:spcAft>
+              <a:buClr>
+                <a:srgbClr val="000000"/>
+              </a:buClr>
+              <a:buSzPts val="1000"/>
+              <a:buFont typeface="Arial"/>
+              <a:buNone/>
+              <a:defRPr sz="1000" b="0" i="0" u="none" strike="noStrike" cap="none">
                 <a:solidFill>
                   <a:schemeClr val="dk2"/>
                 </a:solidFill>
@@ -3885,23 +3957,23 @@
                 <a:sym typeface="Arial"/>
               </a:defRPr>
             </a:lvl7pPr>
-            <a:lvl8pPr indent="0" lvl="7" marL="0" marR="0" algn="r">
-              <a:lnSpc>
-                <a:spcPct val="100000"/>
-              </a:lnSpc>
-              <a:spcBef>
-                <a:spcPts val="0"/>
-              </a:spcBef>
-              <a:spcAft>
-                <a:spcPts val="0"/>
-              </a:spcAft>
-              <a:buClr>
-                <a:srgbClr val="000000"/>
-              </a:buClr>
-              <a:buSzPts val="1000"/>
-              <a:buFont typeface="Arial"/>
-              <a:buNone/>
-              <a:defRPr b="0" i="0" sz="1000" u="none" cap="none" strike="noStrike">
+            <a:lvl8pPr marL="0" marR="0" lvl="7" indent="0" algn="r">
+              <a:lnSpc>
+                <a:spcPct val="100000"/>
+              </a:lnSpc>
+              <a:spcBef>
+                <a:spcPts val="0"/>
+              </a:spcBef>
+              <a:spcAft>
+                <a:spcPts val="0"/>
+              </a:spcAft>
+              <a:buClr>
+                <a:srgbClr val="000000"/>
+              </a:buClr>
+              <a:buSzPts val="1000"/>
+              <a:buFont typeface="Arial"/>
+              <a:buNone/>
+              <a:defRPr sz="1000" b="0" i="0" u="none" strike="noStrike" cap="none">
                 <a:solidFill>
                   <a:schemeClr val="dk2"/>
                 </a:solidFill>
@@ -3911,23 +3983,23 @@
                 <a:sym typeface="Arial"/>
               </a:defRPr>
             </a:lvl8pPr>
-            <a:lvl9pPr indent="0" lvl="8" marL="0" marR="0" algn="r">
-              <a:lnSpc>
-                <a:spcPct val="100000"/>
-              </a:lnSpc>
-              <a:spcBef>
-                <a:spcPts val="0"/>
-              </a:spcBef>
-              <a:spcAft>
-                <a:spcPts val="0"/>
-              </a:spcAft>
-              <a:buClr>
-                <a:srgbClr val="000000"/>
-              </a:buClr>
-              <a:buSzPts val="1000"/>
-              <a:buFont typeface="Arial"/>
-              <a:buNone/>
-              <a:defRPr b="0" i="0" sz="1000" u="none" cap="none" strike="noStrike">
+            <a:lvl9pPr marL="0" marR="0" lvl="8" indent="0" algn="r">
+              <a:lnSpc>
+                <a:spcPct val="100000"/>
+              </a:lnSpc>
+              <a:spcBef>
+                <a:spcPts val="0"/>
+              </a:spcBef>
+              <a:spcAft>
+                <a:spcPts val="0"/>
+              </a:spcAft>
+              <a:buClr>
+                <a:srgbClr val="000000"/>
+              </a:buClr>
+              <a:buSzPts val="1000"/>
+              <a:buFont typeface="Arial"/>
+              <a:buNone/>
+              <a:defRPr sz="1000" b="0" i="0" u="none" strike="noStrike" cap="none">
                 <a:solidFill>
                   <a:schemeClr val="dk2"/>
                 </a:solidFill>
@@ -3939,7 +4011,7 @@
             </a:lvl9pPr>
           </a:lstStyle>
           <a:p>
-            <a:pPr indent="0" lvl="0" marL="0" rtl="0" algn="r">
+            <a:pPr marL="0" lvl="0" indent="0" algn="r" rtl="0">
               <a:spcBef>
                 <a:spcPts val="0"/>
               </a:spcBef>
@@ -3950,7 +4022,7 @@
             </a:pPr>
             <a:fld id="{00000000-1234-1234-1234-123412341234}" type="slidenum">
               <a:rPr lang="pt-BR"/>
-              <a:t>‹#›</a:t>
+              <a:t>‹nº›</a:t>
             </a:fld>
             <a:endParaRPr/>
           </a:p>
@@ -3965,11 +4037,11 @@
 </file>
 
 <file path=ppt/slideLayouts/slideLayout4.xml><?xml version="1.0" encoding="utf-8"?>
-<p:sldLayout xmlns:a="http://schemas.openxmlformats.org/drawingml/2006/main" xmlns:r="http://schemas.openxmlformats.org/officeDocument/2006/relationships" xmlns:mc="http://schemas.openxmlformats.org/markup-compatibility/2006" xmlns:mv="urn:schemas-microsoft-com:mac:vml" xmlns:p="http://schemas.openxmlformats.org/presentationml/2006/main" xmlns:c="http://schemas.openxmlformats.org/drawingml/2006/chart" xmlns:dgm="http://schemas.openxmlformats.org/drawingml/2006/diagram" xmlns:o="urn:schemas-microsoft-com:office:office" xmlns:v="urn:schemas-microsoft-com:vml" xmlns:pvml="urn:schemas-microsoft-com:office:powerpoint" xmlns:com="http://schemas.openxmlformats.org/drawingml/2006/compatibility" xmlns:p14="http://schemas.microsoft.com/office/powerpoint/2010/main" xmlns:p15="http://schemas.microsoft.com/office/powerpoint/2012/main" xmlns:ahyp="http://schemas.microsoft.com/office/drawing/2018/hyperlinkcolor" matchingName="Title and two columns" type="twoColTx">
+<p:sldLayout xmlns:a="http://schemas.openxmlformats.org/drawingml/2006/main" xmlns:r="http://schemas.openxmlformats.org/officeDocument/2006/relationships" xmlns:p="http://schemas.openxmlformats.org/presentationml/2006/main" matchingName="Title and two columns" type="twoColTx">
   <p:cSld name="TITLE_AND_TWO_COLUMNS">
     <p:spTree>
       <p:nvGrpSpPr>
-        <p:cNvPr id="20" name="Shape 20"/>
+        <p:cNvPr id="1" name="Shape 20"/>
         <p:cNvGrpSpPr/>
         <p:nvPr/>
       </p:nvGrpSpPr>
@@ -3984,7 +4056,9 @@
       <p:sp>
         <p:nvSpPr>
           <p:cNvPr id="21" name="Google Shape;21;p10"/>
-          <p:cNvSpPr txBox="1"/>
+          <p:cNvSpPr txBox="1">
+            <a:spLocks noGrp="1"/>
+          </p:cNvSpPr>
           <p:nvPr>
             <p:ph type="title"/>
           </p:nvPr>
@@ -4003,7 +4077,7 @@
           </a:ln>
         </p:spPr>
         <p:txBody>
-          <a:bodyPr anchorCtr="0" anchor="t" bIns="91425" lIns="91425" spcFirstLastPara="1" rIns="91425" wrap="square" tIns="91425">
+          <a:bodyPr spcFirstLastPara="1" wrap="square" lIns="91425" tIns="91425" rIns="91425" bIns="91425" anchor="t" anchorCtr="0">
             <a:noAutofit/>
           </a:bodyPr>
           <a:lstStyle>
@@ -4134,15 +4208,19 @@
               <a:defRPr/>
             </a:lvl9pPr>
           </a:lstStyle>
-          <a:p/>
+          <a:p>
+            <a:endParaRPr/>
+          </a:p>
         </p:txBody>
       </p:sp>
       <p:sp>
         <p:nvSpPr>
           <p:cNvPr id="22" name="Google Shape;22;p10"/>
-          <p:cNvSpPr txBox="1"/>
+          <p:cNvSpPr txBox="1">
+            <a:spLocks noGrp="1"/>
+          </p:cNvSpPr>
           <p:nvPr>
-            <p:ph idx="1" type="body"/>
+            <p:ph type="body" idx="1"/>
           </p:nvPr>
         </p:nvSpPr>
         <p:spPr>
@@ -4159,11 +4237,11 @@
           </a:ln>
         </p:spPr>
         <p:txBody>
-          <a:bodyPr anchorCtr="0" anchor="t" bIns="91425" lIns="91425" spcFirstLastPara="1" rIns="91425" wrap="square" tIns="91425">
+          <a:bodyPr spcFirstLastPara="1" wrap="square" lIns="91425" tIns="91425" rIns="91425" bIns="91425" anchor="t" anchorCtr="0">
             <a:noAutofit/>
           </a:bodyPr>
           <a:lstStyle>
-            <a:lvl1pPr indent="-317500" lvl="0" marL="457200" algn="l">
+            <a:lvl1pPr marL="457200" lvl="0" indent="-317500" algn="l">
               <a:lnSpc>
                 <a:spcPct val="115000"/>
               </a:lnSpc>
@@ -4177,7 +4255,7 @@
               <a:buChar char="●"/>
               <a:defRPr sz="1400"/>
             </a:lvl1pPr>
-            <a:lvl2pPr indent="-304800" lvl="1" marL="914400" algn="l">
+            <a:lvl2pPr marL="914400" lvl="1" indent="-304800" algn="l">
               <a:lnSpc>
                 <a:spcPct val="115000"/>
               </a:lnSpc>
@@ -4191,7 +4269,7 @@
               <a:buChar char="○"/>
               <a:defRPr sz="1200"/>
             </a:lvl2pPr>
-            <a:lvl3pPr indent="-304800" lvl="2" marL="1371600" algn="l">
+            <a:lvl3pPr marL="1371600" lvl="2" indent="-304800" algn="l">
               <a:lnSpc>
                 <a:spcPct val="115000"/>
               </a:lnSpc>
@@ -4205,7 +4283,7 @@
               <a:buChar char="■"/>
               <a:defRPr sz="1200"/>
             </a:lvl3pPr>
-            <a:lvl4pPr indent="-304800" lvl="3" marL="1828800" algn="l">
+            <a:lvl4pPr marL="1828800" lvl="3" indent="-304800" algn="l">
               <a:lnSpc>
                 <a:spcPct val="115000"/>
               </a:lnSpc>
@@ -4219,7 +4297,7 @@
               <a:buChar char="●"/>
               <a:defRPr sz="1200"/>
             </a:lvl4pPr>
-            <a:lvl5pPr indent="-304800" lvl="4" marL="2286000" algn="l">
+            <a:lvl5pPr marL="2286000" lvl="4" indent="-304800" algn="l">
               <a:lnSpc>
                 <a:spcPct val="115000"/>
               </a:lnSpc>
@@ -4233,7 +4311,7 @@
               <a:buChar char="○"/>
               <a:defRPr sz="1200"/>
             </a:lvl5pPr>
-            <a:lvl6pPr indent="-304800" lvl="5" marL="2743200" algn="l">
+            <a:lvl6pPr marL="2743200" lvl="5" indent="-304800" algn="l">
               <a:lnSpc>
                 <a:spcPct val="115000"/>
               </a:lnSpc>
@@ -4247,7 +4325,7 @@
               <a:buChar char="■"/>
               <a:defRPr sz="1200"/>
             </a:lvl6pPr>
-            <a:lvl7pPr indent="-304800" lvl="6" marL="3200400" algn="l">
+            <a:lvl7pPr marL="3200400" lvl="6" indent="-304800" algn="l">
               <a:lnSpc>
                 <a:spcPct val="115000"/>
               </a:lnSpc>
@@ -4261,7 +4339,7 @@
               <a:buChar char="●"/>
               <a:defRPr sz="1200"/>
             </a:lvl7pPr>
-            <a:lvl8pPr indent="-304800" lvl="7" marL="3657600" algn="l">
+            <a:lvl8pPr marL="3657600" lvl="7" indent="-304800" algn="l">
               <a:lnSpc>
                 <a:spcPct val="115000"/>
               </a:lnSpc>
@@ -4275,7 +4353,7 @@
               <a:buChar char="○"/>
               <a:defRPr sz="1200"/>
             </a:lvl8pPr>
-            <a:lvl9pPr indent="-304800" lvl="8" marL="4114800" algn="l">
+            <a:lvl9pPr marL="4114800" lvl="8" indent="-304800" algn="l">
               <a:lnSpc>
                 <a:spcPct val="115000"/>
               </a:lnSpc>
@@ -4290,15 +4368,19 @@
               <a:defRPr sz="1200"/>
             </a:lvl9pPr>
           </a:lstStyle>
-          <a:p/>
+          <a:p>
+            <a:endParaRPr/>
+          </a:p>
         </p:txBody>
       </p:sp>
       <p:sp>
         <p:nvSpPr>
           <p:cNvPr id="23" name="Google Shape;23;p10"/>
-          <p:cNvSpPr txBox="1"/>
+          <p:cNvSpPr txBox="1">
+            <a:spLocks noGrp="1"/>
+          </p:cNvSpPr>
           <p:nvPr>
-            <p:ph idx="2" type="body"/>
+            <p:ph type="body" idx="2"/>
           </p:nvPr>
         </p:nvSpPr>
         <p:spPr>
@@ -4315,11 +4397,11 @@
           </a:ln>
         </p:spPr>
         <p:txBody>
-          <a:bodyPr anchorCtr="0" anchor="t" bIns="91425" lIns="91425" spcFirstLastPara="1" rIns="91425" wrap="square" tIns="91425">
+          <a:bodyPr spcFirstLastPara="1" wrap="square" lIns="91425" tIns="91425" rIns="91425" bIns="91425" anchor="t" anchorCtr="0">
             <a:noAutofit/>
           </a:bodyPr>
           <a:lstStyle>
-            <a:lvl1pPr indent="-317500" lvl="0" marL="457200" algn="l">
+            <a:lvl1pPr marL="457200" lvl="0" indent="-317500" algn="l">
               <a:lnSpc>
                 <a:spcPct val="115000"/>
               </a:lnSpc>
@@ -4333,7 +4415,7 @@
               <a:buChar char="●"/>
               <a:defRPr sz="1400"/>
             </a:lvl1pPr>
-            <a:lvl2pPr indent="-304800" lvl="1" marL="914400" algn="l">
+            <a:lvl2pPr marL="914400" lvl="1" indent="-304800" algn="l">
               <a:lnSpc>
                 <a:spcPct val="115000"/>
               </a:lnSpc>
@@ -4347,7 +4429,7 @@
               <a:buChar char="○"/>
               <a:defRPr sz="1200"/>
             </a:lvl2pPr>
-            <a:lvl3pPr indent="-304800" lvl="2" marL="1371600" algn="l">
+            <a:lvl3pPr marL="1371600" lvl="2" indent="-304800" algn="l">
               <a:lnSpc>
                 <a:spcPct val="115000"/>
               </a:lnSpc>
@@ -4361,7 +4443,7 @@
               <a:buChar char="■"/>
               <a:defRPr sz="1200"/>
             </a:lvl3pPr>
-            <a:lvl4pPr indent="-304800" lvl="3" marL="1828800" algn="l">
+            <a:lvl4pPr marL="1828800" lvl="3" indent="-304800" algn="l">
               <a:lnSpc>
                 <a:spcPct val="115000"/>
               </a:lnSpc>
@@ -4375,7 +4457,7 @@
               <a:buChar char="●"/>
               <a:defRPr sz="1200"/>
             </a:lvl4pPr>
-            <a:lvl5pPr indent="-304800" lvl="4" marL="2286000" algn="l">
+            <a:lvl5pPr marL="2286000" lvl="4" indent="-304800" algn="l">
               <a:lnSpc>
                 <a:spcPct val="115000"/>
               </a:lnSpc>
@@ -4389,7 +4471,7 @@
               <a:buChar char="○"/>
               <a:defRPr sz="1200"/>
             </a:lvl5pPr>
-            <a:lvl6pPr indent="-304800" lvl="5" marL="2743200" algn="l">
+            <a:lvl6pPr marL="2743200" lvl="5" indent="-304800" algn="l">
               <a:lnSpc>
                 <a:spcPct val="115000"/>
               </a:lnSpc>
@@ -4403,7 +4485,7 @@
               <a:buChar char="■"/>
               <a:defRPr sz="1200"/>
             </a:lvl6pPr>
-            <a:lvl7pPr indent="-304800" lvl="6" marL="3200400" algn="l">
+            <a:lvl7pPr marL="3200400" lvl="6" indent="-304800" algn="l">
               <a:lnSpc>
                 <a:spcPct val="115000"/>
               </a:lnSpc>
@@ -4417,7 +4499,7 @@
               <a:buChar char="●"/>
               <a:defRPr sz="1200"/>
             </a:lvl7pPr>
-            <a:lvl8pPr indent="-304800" lvl="7" marL="3657600" algn="l">
+            <a:lvl8pPr marL="3657600" lvl="7" indent="-304800" algn="l">
               <a:lnSpc>
                 <a:spcPct val="115000"/>
               </a:lnSpc>
@@ -4431,7 +4513,7 @@
               <a:buChar char="○"/>
               <a:defRPr sz="1200"/>
             </a:lvl8pPr>
-            <a:lvl9pPr indent="-304800" lvl="8" marL="4114800" algn="l">
+            <a:lvl9pPr marL="4114800" lvl="8" indent="-304800" algn="l">
               <a:lnSpc>
                 <a:spcPct val="115000"/>
               </a:lnSpc>
@@ -4446,15 +4528,19 @@
               <a:defRPr sz="1200"/>
             </a:lvl9pPr>
           </a:lstStyle>
-          <a:p/>
+          <a:p>
+            <a:endParaRPr/>
+          </a:p>
         </p:txBody>
       </p:sp>
       <p:sp>
         <p:nvSpPr>
           <p:cNvPr id="24" name="Google Shape;24;p10"/>
-          <p:cNvSpPr txBox="1"/>
+          <p:cNvSpPr txBox="1">
+            <a:spLocks noGrp="1"/>
+          </p:cNvSpPr>
           <p:nvPr>
-            <p:ph idx="12" type="sldNum"/>
+            <p:ph type="sldNum" idx="12"/>
           </p:nvPr>
         </p:nvSpPr>
         <p:spPr>
@@ -4471,27 +4557,27 @@
           </a:ln>
         </p:spPr>
         <p:txBody>
-          <a:bodyPr anchorCtr="0" anchor="ctr" bIns="91425" lIns="91425" spcFirstLastPara="1" rIns="91425" wrap="square" tIns="91425">
+          <a:bodyPr spcFirstLastPara="1" wrap="square" lIns="91425" tIns="91425" rIns="91425" bIns="91425" anchor="ctr" anchorCtr="0">
             <a:noAutofit/>
           </a:bodyPr>
           <a:lstStyle>
-            <a:lvl1pPr indent="0" lvl="0" marL="0" marR="0" algn="r">
-              <a:lnSpc>
-                <a:spcPct val="100000"/>
-              </a:lnSpc>
-              <a:spcBef>
-                <a:spcPts val="0"/>
-              </a:spcBef>
-              <a:spcAft>
-                <a:spcPts val="0"/>
-              </a:spcAft>
-              <a:buClr>
-                <a:srgbClr val="000000"/>
-              </a:buClr>
-              <a:buSzPts val="1000"/>
-              <a:buFont typeface="Arial"/>
-              <a:buNone/>
-              <a:defRPr b="0" i="0" sz="1000" u="none" cap="none" strike="noStrike">
+            <a:lvl1pPr marL="0" marR="0" lvl="0" indent="0" algn="r">
+              <a:lnSpc>
+                <a:spcPct val="100000"/>
+              </a:lnSpc>
+              <a:spcBef>
+                <a:spcPts val="0"/>
+              </a:spcBef>
+              <a:spcAft>
+                <a:spcPts val="0"/>
+              </a:spcAft>
+              <a:buClr>
+                <a:srgbClr val="000000"/>
+              </a:buClr>
+              <a:buSzPts val="1000"/>
+              <a:buFont typeface="Arial"/>
+              <a:buNone/>
+              <a:defRPr sz="1000" b="0" i="0" u="none" strike="noStrike" cap="none">
                 <a:solidFill>
                   <a:schemeClr val="dk2"/>
                 </a:solidFill>
@@ -4501,23 +4587,23 @@
                 <a:sym typeface="Arial"/>
               </a:defRPr>
             </a:lvl1pPr>
-            <a:lvl2pPr indent="0" lvl="1" marL="0" marR="0" algn="r">
-              <a:lnSpc>
-                <a:spcPct val="100000"/>
-              </a:lnSpc>
-              <a:spcBef>
-                <a:spcPts val="0"/>
-              </a:spcBef>
-              <a:spcAft>
-                <a:spcPts val="0"/>
-              </a:spcAft>
-              <a:buClr>
-                <a:srgbClr val="000000"/>
-              </a:buClr>
-              <a:buSzPts val="1000"/>
-              <a:buFont typeface="Arial"/>
-              <a:buNone/>
-              <a:defRPr b="0" i="0" sz="1000" u="none" cap="none" strike="noStrike">
+            <a:lvl2pPr marL="0" marR="0" lvl="1" indent="0" algn="r">
+              <a:lnSpc>
+                <a:spcPct val="100000"/>
+              </a:lnSpc>
+              <a:spcBef>
+                <a:spcPts val="0"/>
+              </a:spcBef>
+              <a:spcAft>
+                <a:spcPts val="0"/>
+              </a:spcAft>
+              <a:buClr>
+                <a:srgbClr val="000000"/>
+              </a:buClr>
+              <a:buSzPts val="1000"/>
+              <a:buFont typeface="Arial"/>
+              <a:buNone/>
+              <a:defRPr sz="1000" b="0" i="0" u="none" strike="noStrike" cap="none">
                 <a:solidFill>
                   <a:schemeClr val="dk2"/>
                 </a:solidFill>
@@ -4527,23 +4613,23 @@
                 <a:sym typeface="Arial"/>
               </a:defRPr>
             </a:lvl2pPr>
-            <a:lvl3pPr indent="0" lvl="2" marL="0" marR="0" algn="r">
-              <a:lnSpc>
-                <a:spcPct val="100000"/>
-              </a:lnSpc>
-              <a:spcBef>
-                <a:spcPts val="0"/>
-              </a:spcBef>
-              <a:spcAft>
-                <a:spcPts val="0"/>
-              </a:spcAft>
-              <a:buClr>
-                <a:srgbClr val="000000"/>
-              </a:buClr>
-              <a:buSzPts val="1000"/>
-              <a:buFont typeface="Arial"/>
-              <a:buNone/>
-              <a:defRPr b="0" i="0" sz="1000" u="none" cap="none" strike="noStrike">
+            <a:lvl3pPr marL="0" marR="0" lvl="2" indent="0" algn="r">
+              <a:lnSpc>
+                <a:spcPct val="100000"/>
+              </a:lnSpc>
+              <a:spcBef>
+                <a:spcPts val="0"/>
+              </a:spcBef>
+              <a:spcAft>
+                <a:spcPts val="0"/>
+              </a:spcAft>
+              <a:buClr>
+                <a:srgbClr val="000000"/>
+              </a:buClr>
+              <a:buSzPts val="1000"/>
+              <a:buFont typeface="Arial"/>
+              <a:buNone/>
+              <a:defRPr sz="1000" b="0" i="0" u="none" strike="noStrike" cap="none">
                 <a:solidFill>
                   <a:schemeClr val="dk2"/>
                 </a:solidFill>
@@ -4553,23 +4639,23 @@
                 <a:sym typeface="Arial"/>
               </a:defRPr>
             </a:lvl3pPr>
-            <a:lvl4pPr indent="0" lvl="3" marL="0" marR="0" algn="r">
-              <a:lnSpc>
-                <a:spcPct val="100000"/>
-              </a:lnSpc>
-              <a:spcBef>
-                <a:spcPts val="0"/>
-              </a:spcBef>
-              <a:spcAft>
-                <a:spcPts val="0"/>
-              </a:spcAft>
-              <a:buClr>
-                <a:srgbClr val="000000"/>
-              </a:buClr>
-              <a:buSzPts val="1000"/>
-              <a:buFont typeface="Arial"/>
-              <a:buNone/>
-              <a:defRPr b="0" i="0" sz="1000" u="none" cap="none" strike="noStrike">
+            <a:lvl4pPr marL="0" marR="0" lvl="3" indent="0" algn="r">
+              <a:lnSpc>
+                <a:spcPct val="100000"/>
+              </a:lnSpc>
+              <a:spcBef>
+                <a:spcPts val="0"/>
+              </a:spcBef>
+              <a:spcAft>
+                <a:spcPts val="0"/>
+              </a:spcAft>
+              <a:buClr>
+                <a:srgbClr val="000000"/>
+              </a:buClr>
+              <a:buSzPts val="1000"/>
+              <a:buFont typeface="Arial"/>
+              <a:buNone/>
+              <a:defRPr sz="1000" b="0" i="0" u="none" strike="noStrike" cap="none">
                 <a:solidFill>
                   <a:schemeClr val="dk2"/>
                 </a:solidFill>
@@ -4579,23 +4665,23 @@
                 <a:sym typeface="Arial"/>
               </a:defRPr>
             </a:lvl4pPr>
-            <a:lvl5pPr indent="0" lvl="4" marL="0" marR="0" algn="r">
-              <a:lnSpc>
-                <a:spcPct val="100000"/>
-              </a:lnSpc>
-              <a:spcBef>
-                <a:spcPts val="0"/>
-              </a:spcBef>
-              <a:spcAft>
-                <a:spcPts val="0"/>
-              </a:spcAft>
-              <a:buClr>
-                <a:srgbClr val="000000"/>
-              </a:buClr>
-              <a:buSzPts val="1000"/>
-              <a:buFont typeface="Arial"/>
-              <a:buNone/>
-              <a:defRPr b="0" i="0" sz="1000" u="none" cap="none" strike="noStrike">
+            <a:lvl5pPr marL="0" marR="0" lvl="4" indent="0" algn="r">
+              <a:lnSpc>
+                <a:spcPct val="100000"/>
+              </a:lnSpc>
+              <a:spcBef>
+                <a:spcPts val="0"/>
+              </a:spcBef>
+              <a:spcAft>
+                <a:spcPts val="0"/>
+              </a:spcAft>
+              <a:buClr>
+                <a:srgbClr val="000000"/>
+              </a:buClr>
+              <a:buSzPts val="1000"/>
+              <a:buFont typeface="Arial"/>
+              <a:buNone/>
+              <a:defRPr sz="1000" b="0" i="0" u="none" strike="noStrike" cap="none">
                 <a:solidFill>
                   <a:schemeClr val="dk2"/>
                 </a:solidFill>
@@ -4605,23 +4691,23 @@
                 <a:sym typeface="Arial"/>
               </a:defRPr>
             </a:lvl5pPr>
-            <a:lvl6pPr indent="0" lvl="5" marL="0" marR="0" algn="r">
-              <a:lnSpc>
-                <a:spcPct val="100000"/>
-              </a:lnSpc>
-              <a:spcBef>
-                <a:spcPts val="0"/>
-              </a:spcBef>
-              <a:spcAft>
-                <a:spcPts val="0"/>
-              </a:spcAft>
-              <a:buClr>
-                <a:srgbClr val="000000"/>
-              </a:buClr>
-              <a:buSzPts val="1000"/>
-              <a:buFont typeface="Arial"/>
-              <a:buNone/>
-              <a:defRPr b="0" i="0" sz="1000" u="none" cap="none" strike="noStrike">
+            <a:lvl6pPr marL="0" marR="0" lvl="5" indent="0" algn="r">
+              <a:lnSpc>
+                <a:spcPct val="100000"/>
+              </a:lnSpc>
+              <a:spcBef>
+                <a:spcPts val="0"/>
+              </a:spcBef>
+              <a:spcAft>
+                <a:spcPts val="0"/>
+              </a:spcAft>
+              <a:buClr>
+                <a:srgbClr val="000000"/>
+              </a:buClr>
+              <a:buSzPts val="1000"/>
+              <a:buFont typeface="Arial"/>
+              <a:buNone/>
+              <a:defRPr sz="1000" b="0" i="0" u="none" strike="noStrike" cap="none">
                 <a:solidFill>
                   <a:schemeClr val="dk2"/>
                 </a:solidFill>
@@ -4631,23 +4717,23 @@
                 <a:sym typeface="Arial"/>
               </a:defRPr>
             </a:lvl6pPr>
-            <a:lvl7pPr indent="0" lvl="6" marL="0" marR="0" algn="r">
-              <a:lnSpc>
-                <a:spcPct val="100000"/>
-              </a:lnSpc>
-              <a:spcBef>
-                <a:spcPts val="0"/>
-              </a:spcBef>
-              <a:spcAft>
-                <a:spcPts val="0"/>
-              </a:spcAft>
-              <a:buClr>
-                <a:srgbClr val="000000"/>
-              </a:buClr>
-              <a:buSzPts val="1000"/>
-              <a:buFont typeface="Arial"/>
-              <a:buNone/>
-              <a:defRPr b="0" i="0" sz="1000" u="none" cap="none" strike="noStrike">
+            <a:lvl7pPr marL="0" marR="0" lvl="6" indent="0" algn="r">
+              <a:lnSpc>
+                <a:spcPct val="100000"/>
+              </a:lnSpc>
+              <a:spcBef>
+                <a:spcPts val="0"/>
+              </a:spcBef>
+              <a:spcAft>
+                <a:spcPts val="0"/>
+              </a:spcAft>
+              <a:buClr>
+                <a:srgbClr val="000000"/>
+              </a:buClr>
+              <a:buSzPts val="1000"/>
+              <a:buFont typeface="Arial"/>
+              <a:buNone/>
+              <a:defRPr sz="1000" b="0" i="0" u="none" strike="noStrike" cap="none">
                 <a:solidFill>
                   <a:schemeClr val="dk2"/>
                 </a:solidFill>
@@ -4657,23 +4743,23 @@
                 <a:sym typeface="Arial"/>
               </a:defRPr>
             </a:lvl7pPr>
-            <a:lvl8pPr indent="0" lvl="7" marL="0" marR="0" algn="r">
-              <a:lnSpc>
-                <a:spcPct val="100000"/>
-              </a:lnSpc>
-              <a:spcBef>
-                <a:spcPts val="0"/>
-              </a:spcBef>
-              <a:spcAft>
-                <a:spcPts val="0"/>
-              </a:spcAft>
-              <a:buClr>
-                <a:srgbClr val="000000"/>
-              </a:buClr>
-              <a:buSzPts val="1000"/>
-              <a:buFont typeface="Arial"/>
-              <a:buNone/>
-              <a:defRPr b="0" i="0" sz="1000" u="none" cap="none" strike="noStrike">
+            <a:lvl8pPr marL="0" marR="0" lvl="7" indent="0" algn="r">
+              <a:lnSpc>
+                <a:spcPct val="100000"/>
+              </a:lnSpc>
+              <a:spcBef>
+                <a:spcPts val="0"/>
+              </a:spcBef>
+              <a:spcAft>
+                <a:spcPts val="0"/>
+              </a:spcAft>
+              <a:buClr>
+                <a:srgbClr val="000000"/>
+              </a:buClr>
+              <a:buSzPts val="1000"/>
+              <a:buFont typeface="Arial"/>
+              <a:buNone/>
+              <a:defRPr sz="1000" b="0" i="0" u="none" strike="noStrike" cap="none">
                 <a:solidFill>
                   <a:schemeClr val="dk2"/>
                 </a:solidFill>
@@ -4683,23 +4769,23 @@
                 <a:sym typeface="Arial"/>
               </a:defRPr>
             </a:lvl8pPr>
-            <a:lvl9pPr indent="0" lvl="8" marL="0" marR="0" algn="r">
-              <a:lnSpc>
-                <a:spcPct val="100000"/>
-              </a:lnSpc>
-              <a:spcBef>
-                <a:spcPts val="0"/>
-              </a:spcBef>
-              <a:spcAft>
-                <a:spcPts val="0"/>
-              </a:spcAft>
-              <a:buClr>
-                <a:srgbClr val="000000"/>
-              </a:buClr>
-              <a:buSzPts val="1000"/>
-              <a:buFont typeface="Arial"/>
-              <a:buNone/>
-              <a:defRPr b="0" i="0" sz="1000" u="none" cap="none" strike="noStrike">
+            <a:lvl9pPr marL="0" marR="0" lvl="8" indent="0" algn="r">
+              <a:lnSpc>
+                <a:spcPct val="100000"/>
+              </a:lnSpc>
+              <a:spcBef>
+                <a:spcPts val="0"/>
+              </a:spcBef>
+              <a:spcAft>
+                <a:spcPts val="0"/>
+              </a:spcAft>
+              <a:buClr>
+                <a:srgbClr val="000000"/>
+              </a:buClr>
+              <a:buSzPts val="1000"/>
+              <a:buFont typeface="Arial"/>
+              <a:buNone/>
+              <a:defRPr sz="1000" b="0" i="0" u="none" strike="noStrike" cap="none">
                 <a:solidFill>
                   <a:schemeClr val="dk2"/>
                 </a:solidFill>
@@ -4711,7 +4797,7 @@
             </a:lvl9pPr>
           </a:lstStyle>
           <a:p>
-            <a:pPr indent="0" lvl="0" marL="0" rtl="0" algn="r">
+            <a:pPr marL="0" lvl="0" indent="0" algn="r" rtl="0">
               <a:spcBef>
                 <a:spcPts val="0"/>
               </a:spcBef>
@@ -4722,7 +4808,7 @@
             </a:pPr>
             <a:fld id="{00000000-1234-1234-1234-123412341234}" type="slidenum">
               <a:rPr lang="pt-BR"/>
-              <a:t>‹#›</a:t>
+              <a:t>‹nº›</a:t>
             </a:fld>
             <a:endParaRPr/>
           </a:p>
@@ -4737,11 +4823,11 @@
 </file>
 
 <file path=ppt/slideLayouts/slideLayout5.xml><?xml version="1.0" encoding="utf-8"?>
-<p:sldLayout xmlns:a="http://schemas.openxmlformats.org/drawingml/2006/main" xmlns:r="http://schemas.openxmlformats.org/officeDocument/2006/relationships" xmlns:mc="http://schemas.openxmlformats.org/markup-compatibility/2006" xmlns:mv="urn:schemas-microsoft-com:mac:vml" xmlns:p="http://schemas.openxmlformats.org/presentationml/2006/main" xmlns:c="http://schemas.openxmlformats.org/drawingml/2006/chart" xmlns:dgm="http://schemas.openxmlformats.org/drawingml/2006/diagram" xmlns:o="urn:schemas-microsoft-com:office:office" xmlns:v="urn:schemas-microsoft-com:vml" xmlns:pvml="urn:schemas-microsoft-com:office:powerpoint" xmlns:com="http://schemas.openxmlformats.org/drawingml/2006/compatibility" xmlns:p14="http://schemas.microsoft.com/office/powerpoint/2010/main" xmlns:p15="http://schemas.microsoft.com/office/powerpoint/2012/main" xmlns:ahyp="http://schemas.microsoft.com/office/drawing/2018/hyperlinkcolor" matchingName="Title only" type="titleOnly">
+<p:sldLayout xmlns:a="http://schemas.openxmlformats.org/drawingml/2006/main" xmlns:r="http://schemas.openxmlformats.org/officeDocument/2006/relationships" xmlns:p="http://schemas.openxmlformats.org/presentationml/2006/main" matchingName="Title only" type="titleOnly">
   <p:cSld name="TITLE_ONLY">
     <p:spTree>
       <p:nvGrpSpPr>
-        <p:cNvPr id="25" name="Shape 25"/>
+        <p:cNvPr id="1" name="Shape 25"/>
         <p:cNvGrpSpPr/>
         <p:nvPr/>
       </p:nvGrpSpPr>
@@ -4756,7 +4842,9 @@
       <p:sp>
         <p:nvSpPr>
           <p:cNvPr id="26" name="Google Shape;26;p11"/>
-          <p:cNvSpPr txBox="1"/>
+          <p:cNvSpPr txBox="1">
+            <a:spLocks noGrp="1"/>
+          </p:cNvSpPr>
           <p:nvPr>
             <p:ph type="title"/>
           </p:nvPr>
@@ -4775,7 +4863,7 @@
           </a:ln>
         </p:spPr>
         <p:txBody>
-          <a:bodyPr anchorCtr="0" anchor="t" bIns="91425" lIns="91425" spcFirstLastPara="1" rIns="91425" wrap="square" tIns="91425">
+          <a:bodyPr spcFirstLastPara="1" wrap="square" lIns="91425" tIns="91425" rIns="91425" bIns="91425" anchor="t" anchorCtr="0">
             <a:noAutofit/>
           </a:bodyPr>
           <a:lstStyle>
@@ -4906,15 +4994,19 @@
               <a:defRPr/>
             </a:lvl9pPr>
           </a:lstStyle>
-          <a:p/>
+          <a:p>
+            <a:endParaRPr/>
+          </a:p>
         </p:txBody>
       </p:sp>
       <p:sp>
         <p:nvSpPr>
           <p:cNvPr id="27" name="Google Shape;27;p11"/>
-          <p:cNvSpPr txBox="1"/>
+          <p:cNvSpPr txBox="1">
+            <a:spLocks noGrp="1"/>
+          </p:cNvSpPr>
           <p:nvPr>
-            <p:ph idx="12" type="sldNum"/>
+            <p:ph type="sldNum" idx="12"/>
           </p:nvPr>
         </p:nvSpPr>
         <p:spPr>
@@ -4931,27 +5023,27 @@
           </a:ln>
         </p:spPr>
         <p:txBody>
-          <a:bodyPr anchorCtr="0" anchor="ctr" bIns="91425" lIns="91425" spcFirstLastPara="1" rIns="91425" wrap="square" tIns="91425">
+          <a:bodyPr spcFirstLastPara="1" wrap="square" lIns="91425" tIns="91425" rIns="91425" bIns="91425" anchor="ctr" anchorCtr="0">
             <a:noAutofit/>
           </a:bodyPr>
           <a:lstStyle>
-            <a:lvl1pPr indent="0" lvl="0" marL="0" marR="0" algn="r">
-              <a:lnSpc>
-                <a:spcPct val="100000"/>
-              </a:lnSpc>
-              <a:spcBef>
-                <a:spcPts val="0"/>
-              </a:spcBef>
-              <a:spcAft>
-                <a:spcPts val="0"/>
-              </a:spcAft>
-              <a:buClr>
-                <a:srgbClr val="000000"/>
-              </a:buClr>
-              <a:buSzPts val="1000"/>
-              <a:buFont typeface="Arial"/>
-              <a:buNone/>
-              <a:defRPr b="0" i="0" sz="1000" u="none" cap="none" strike="noStrike">
+            <a:lvl1pPr marL="0" marR="0" lvl="0" indent="0" algn="r">
+              <a:lnSpc>
+                <a:spcPct val="100000"/>
+              </a:lnSpc>
+              <a:spcBef>
+                <a:spcPts val="0"/>
+              </a:spcBef>
+              <a:spcAft>
+                <a:spcPts val="0"/>
+              </a:spcAft>
+              <a:buClr>
+                <a:srgbClr val="000000"/>
+              </a:buClr>
+              <a:buSzPts val="1000"/>
+              <a:buFont typeface="Arial"/>
+              <a:buNone/>
+              <a:defRPr sz="1000" b="0" i="0" u="none" strike="noStrike" cap="none">
                 <a:solidFill>
                   <a:schemeClr val="dk2"/>
                 </a:solidFill>
@@ -4961,23 +5053,23 @@
                 <a:sym typeface="Arial"/>
               </a:defRPr>
             </a:lvl1pPr>
-            <a:lvl2pPr indent="0" lvl="1" marL="0" marR="0" algn="r">
-              <a:lnSpc>
-                <a:spcPct val="100000"/>
-              </a:lnSpc>
-              <a:spcBef>
-                <a:spcPts val="0"/>
-              </a:spcBef>
-              <a:spcAft>
-                <a:spcPts val="0"/>
-              </a:spcAft>
-              <a:buClr>
-                <a:srgbClr val="000000"/>
-              </a:buClr>
-              <a:buSzPts val="1000"/>
-              <a:buFont typeface="Arial"/>
-              <a:buNone/>
-              <a:defRPr b="0" i="0" sz="1000" u="none" cap="none" strike="noStrike">
+            <a:lvl2pPr marL="0" marR="0" lvl="1" indent="0" algn="r">
+              <a:lnSpc>
+                <a:spcPct val="100000"/>
+              </a:lnSpc>
+              <a:spcBef>
+                <a:spcPts val="0"/>
+              </a:spcBef>
+              <a:spcAft>
+                <a:spcPts val="0"/>
+              </a:spcAft>
+              <a:buClr>
+                <a:srgbClr val="000000"/>
+              </a:buClr>
+              <a:buSzPts val="1000"/>
+              <a:buFont typeface="Arial"/>
+              <a:buNone/>
+              <a:defRPr sz="1000" b="0" i="0" u="none" strike="noStrike" cap="none">
                 <a:solidFill>
                   <a:schemeClr val="dk2"/>
                 </a:solidFill>
@@ -4987,23 +5079,23 @@
                 <a:sym typeface="Arial"/>
               </a:defRPr>
             </a:lvl2pPr>
-            <a:lvl3pPr indent="0" lvl="2" marL="0" marR="0" algn="r">
-              <a:lnSpc>
-                <a:spcPct val="100000"/>
-              </a:lnSpc>
-              <a:spcBef>
-                <a:spcPts val="0"/>
-              </a:spcBef>
-              <a:spcAft>
-                <a:spcPts val="0"/>
-              </a:spcAft>
-              <a:buClr>
-                <a:srgbClr val="000000"/>
-              </a:buClr>
-              <a:buSzPts val="1000"/>
-              <a:buFont typeface="Arial"/>
-              <a:buNone/>
-              <a:defRPr b="0" i="0" sz="1000" u="none" cap="none" strike="noStrike">
+            <a:lvl3pPr marL="0" marR="0" lvl="2" indent="0" algn="r">
+              <a:lnSpc>
+                <a:spcPct val="100000"/>
+              </a:lnSpc>
+              <a:spcBef>
+                <a:spcPts val="0"/>
+              </a:spcBef>
+              <a:spcAft>
+                <a:spcPts val="0"/>
+              </a:spcAft>
+              <a:buClr>
+                <a:srgbClr val="000000"/>
+              </a:buClr>
+              <a:buSzPts val="1000"/>
+              <a:buFont typeface="Arial"/>
+              <a:buNone/>
+              <a:defRPr sz="1000" b="0" i="0" u="none" strike="noStrike" cap="none">
                 <a:solidFill>
                   <a:schemeClr val="dk2"/>
                 </a:solidFill>
@@ -5013,23 +5105,23 @@
                 <a:sym typeface="Arial"/>
               </a:defRPr>
             </a:lvl3pPr>
-            <a:lvl4pPr indent="0" lvl="3" marL="0" marR="0" algn="r">
-              <a:lnSpc>
-                <a:spcPct val="100000"/>
-              </a:lnSpc>
-              <a:spcBef>
-                <a:spcPts val="0"/>
-              </a:spcBef>
-              <a:spcAft>
-                <a:spcPts val="0"/>
-              </a:spcAft>
-              <a:buClr>
-                <a:srgbClr val="000000"/>
-              </a:buClr>
-              <a:buSzPts val="1000"/>
-              <a:buFont typeface="Arial"/>
-              <a:buNone/>
-              <a:defRPr b="0" i="0" sz="1000" u="none" cap="none" strike="noStrike">
+            <a:lvl4pPr marL="0" marR="0" lvl="3" indent="0" algn="r">
+              <a:lnSpc>
+                <a:spcPct val="100000"/>
+              </a:lnSpc>
+              <a:spcBef>
+                <a:spcPts val="0"/>
+              </a:spcBef>
+              <a:spcAft>
+                <a:spcPts val="0"/>
+              </a:spcAft>
+              <a:buClr>
+                <a:srgbClr val="000000"/>
+              </a:buClr>
+              <a:buSzPts val="1000"/>
+              <a:buFont typeface="Arial"/>
+              <a:buNone/>
+              <a:defRPr sz="1000" b="0" i="0" u="none" strike="noStrike" cap="none">
                 <a:solidFill>
                   <a:schemeClr val="dk2"/>
                 </a:solidFill>
@@ -5039,23 +5131,23 @@
                 <a:sym typeface="Arial"/>
               </a:defRPr>
             </a:lvl4pPr>
-            <a:lvl5pPr indent="0" lvl="4" marL="0" marR="0" algn="r">
-              <a:lnSpc>
-                <a:spcPct val="100000"/>
-              </a:lnSpc>
-              <a:spcBef>
-                <a:spcPts val="0"/>
-              </a:spcBef>
-              <a:spcAft>
-                <a:spcPts val="0"/>
-              </a:spcAft>
-              <a:buClr>
-                <a:srgbClr val="000000"/>
-              </a:buClr>
-              <a:buSzPts val="1000"/>
-              <a:buFont typeface="Arial"/>
-              <a:buNone/>
-              <a:defRPr b="0" i="0" sz="1000" u="none" cap="none" strike="noStrike">
+            <a:lvl5pPr marL="0" marR="0" lvl="4" indent="0" algn="r">
+              <a:lnSpc>
+                <a:spcPct val="100000"/>
+              </a:lnSpc>
+              <a:spcBef>
+                <a:spcPts val="0"/>
+              </a:spcBef>
+              <a:spcAft>
+                <a:spcPts val="0"/>
+              </a:spcAft>
+              <a:buClr>
+                <a:srgbClr val="000000"/>
+              </a:buClr>
+              <a:buSzPts val="1000"/>
+              <a:buFont typeface="Arial"/>
+              <a:buNone/>
+              <a:defRPr sz="1000" b="0" i="0" u="none" strike="noStrike" cap="none">
                 <a:solidFill>
                   <a:schemeClr val="dk2"/>
                 </a:solidFill>
@@ -5065,23 +5157,23 @@
                 <a:sym typeface="Arial"/>
               </a:defRPr>
             </a:lvl5pPr>
-            <a:lvl6pPr indent="0" lvl="5" marL="0" marR="0" algn="r">
-              <a:lnSpc>
-                <a:spcPct val="100000"/>
-              </a:lnSpc>
-              <a:spcBef>
-                <a:spcPts val="0"/>
-              </a:spcBef>
-              <a:spcAft>
-                <a:spcPts val="0"/>
-              </a:spcAft>
-              <a:buClr>
-                <a:srgbClr val="000000"/>
-              </a:buClr>
-              <a:buSzPts val="1000"/>
-              <a:buFont typeface="Arial"/>
-              <a:buNone/>
-              <a:defRPr b="0" i="0" sz="1000" u="none" cap="none" strike="noStrike">
+            <a:lvl6pPr marL="0" marR="0" lvl="5" indent="0" algn="r">
+              <a:lnSpc>
+                <a:spcPct val="100000"/>
+              </a:lnSpc>
+              <a:spcBef>
+                <a:spcPts val="0"/>
+              </a:spcBef>
+              <a:spcAft>
+                <a:spcPts val="0"/>
+              </a:spcAft>
+              <a:buClr>
+                <a:srgbClr val="000000"/>
+              </a:buClr>
+              <a:buSzPts val="1000"/>
+              <a:buFont typeface="Arial"/>
+              <a:buNone/>
+              <a:defRPr sz="1000" b="0" i="0" u="none" strike="noStrike" cap="none">
                 <a:solidFill>
                   <a:schemeClr val="dk2"/>
                 </a:solidFill>
@@ -5091,23 +5183,23 @@
                 <a:sym typeface="Arial"/>
               </a:defRPr>
             </a:lvl6pPr>
-            <a:lvl7pPr indent="0" lvl="6" marL="0" marR="0" algn="r">
-              <a:lnSpc>
-                <a:spcPct val="100000"/>
-              </a:lnSpc>
-              <a:spcBef>
-                <a:spcPts val="0"/>
-              </a:spcBef>
-              <a:spcAft>
-                <a:spcPts val="0"/>
-              </a:spcAft>
-              <a:buClr>
-                <a:srgbClr val="000000"/>
-              </a:buClr>
-              <a:buSzPts val="1000"/>
-              <a:buFont typeface="Arial"/>
-              <a:buNone/>
-              <a:defRPr b="0" i="0" sz="1000" u="none" cap="none" strike="noStrike">
+            <a:lvl7pPr marL="0" marR="0" lvl="6" indent="0" algn="r">
+              <a:lnSpc>
+                <a:spcPct val="100000"/>
+              </a:lnSpc>
+              <a:spcBef>
+                <a:spcPts val="0"/>
+              </a:spcBef>
+              <a:spcAft>
+                <a:spcPts val="0"/>
+              </a:spcAft>
+              <a:buClr>
+                <a:srgbClr val="000000"/>
+              </a:buClr>
+              <a:buSzPts val="1000"/>
+              <a:buFont typeface="Arial"/>
+              <a:buNone/>
+              <a:defRPr sz="1000" b="0" i="0" u="none" strike="noStrike" cap="none">
                 <a:solidFill>
                   <a:schemeClr val="dk2"/>
                 </a:solidFill>
@@ -5117,23 +5209,23 @@
                 <a:sym typeface="Arial"/>
               </a:defRPr>
             </a:lvl7pPr>
-            <a:lvl8pPr indent="0" lvl="7" marL="0" marR="0" algn="r">
-              <a:lnSpc>
-                <a:spcPct val="100000"/>
-              </a:lnSpc>
-              <a:spcBef>
-                <a:spcPts val="0"/>
-              </a:spcBef>
-              <a:spcAft>
-                <a:spcPts val="0"/>
-              </a:spcAft>
-              <a:buClr>
-                <a:srgbClr val="000000"/>
-              </a:buClr>
-              <a:buSzPts val="1000"/>
-              <a:buFont typeface="Arial"/>
-              <a:buNone/>
-              <a:defRPr b="0" i="0" sz="1000" u="none" cap="none" strike="noStrike">
+            <a:lvl8pPr marL="0" marR="0" lvl="7" indent="0" algn="r">
+              <a:lnSpc>
+                <a:spcPct val="100000"/>
+              </a:lnSpc>
+              <a:spcBef>
+                <a:spcPts val="0"/>
+              </a:spcBef>
+              <a:spcAft>
+                <a:spcPts val="0"/>
+              </a:spcAft>
+              <a:buClr>
+                <a:srgbClr val="000000"/>
+              </a:buClr>
+              <a:buSzPts val="1000"/>
+              <a:buFont typeface="Arial"/>
+              <a:buNone/>
+              <a:defRPr sz="1000" b="0" i="0" u="none" strike="noStrike" cap="none">
                 <a:solidFill>
                   <a:schemeClr val="dk2"/>
                 </a:solidFill>
@@ -5143,23 +5235,23 @@
                 <a:sym typeface="Arial"/>
               </a:defRPr>
             </a:lvl8pPr>
-            <a:lvl9pPr indent="0" lvl="8" marL="0" marR="0" algn="r">
-              <a:lnSpc>
-                <a:spcPct val="100000"/>
-              </a:lnSpc>
-              <a:spcBef>
-                <a:spcPts val="0"/>
-              </a:spcBef>
-              <a:spcAft>
-                <a:spcPts val="0"/>
-              </a:spcAft>
-              <a:buClr>
-                <a:srgbClr val="000000"/>
-              </a:buClr>
-              <a:buSzPts val="1000"/>
-              <a:buFont typeface="Arial"/>
-              <a:buNone/>
-              <a:defRPr b="0" i="0" sz="1000" u="none" cap="none" strike="noStrike">
+            <a:lvl9pPr marL="0" marR="0" lvl="8" indent="0" algn="r">
+              <a:lnSpc>
+                <a:spcPct val="100000"/>
+              </a:lnSpc>
+              <a:spcBef>
+                <a:spcPts val="0"/>
+              </a:spcBef>
+              <a:spcAft>
+                <a:spcPts val="0"/>
+              </a:spcAft>
+              <a:buClr>
+                <a:srgbClr val="000000"/>
+              </a:buClr>
+              <a:buSzPts val="1000"/>
+              <a:buFont typeface="Arial"/>
+              <a:buNone/>
+              <a:defRPr sz="1000" b="0" i="0" u="none" strike="noStrike" cap="none">
                 <a:solidFill>
                   <a:schemeClr val="dk2"/>
                 </a:solidFill>
@@ -5171,7 +5263,7 @@
             </a:lvl9pPr>
           </a:lstStyle>
           <a:p>
-            <a:pPr indent="0" lvl="0" marL="0" rtl="0" algn="r">
+            <a:pPr marL="0" lvl="0" indent="0" algn="r" rtl="0">
               <a:spcBef>
                 <a:spcPts val="0"/>
               </a:spcBef>
@@ -5182,7 +5274,7 @@
             </a:pPr>
             <a:fld id="{00000000-1234-1234-1234-123412341234}" type="slidenum">
               <a:rPr lang="pt-BR"/>
-              <a:t>‹#›</a:t>
+              <a:t>‹nº›</a:t>
             </a:fld>
             <a:endParaRPr/>
           </a:p>
@@ -5197,11 +5289,11 @@
 </file>
 
 <file path=ppt/slideLayouts/slideLayout6.xml><?xml version="1.0" encoding="utf-8"?>
-<p:sldLayout xmlns:a="http://schemas.openxmlformats.org/drawingml/2006/main" xmlns:r="http://schemas.openxmlformats.org/officeDocument/2006/relationships" xmlns:mc="http://schemas.openxmlformats.org/markup-compatibility/2006" xmlns:mv="urn:schemas-microsoft-com:mac:vml" xmlns:p="http://schemas.openxmlformats.org/presentationml/2006/main" xmlns:c="http://schemas.openxmlformats.org/drawingml/2006/chart" xmlns:dgm="http://schemas.openxmlformats.org/drawingml/2006/diagram" xmlns:o="urn:schemas-microsoft-com:office:office" xmlns:v="urn:schemas-microsoft-com:vml" xmlns:pvml="urn:schemas-microsoft-com:office:powerpoint" xmlns:com="http://schemas.openxmlformats.org/drawingml/2006/compatibility" xmlns:p14="http://schemas.microsoft.com/office/powerpoint/2010/main" xmlns:p15="http://schemas.microsoft.com/office/powerpoint/2012/main" xmlns:ahyp="http://schemas.microsoft.com/office/drawing/2018/hyperlinkcolor" matchingName="One column text">
+<p:sldLayout xmlns:a="http://schemas.openxmlformats.org/drawingml/2006/main" xmlns:r="http://schemas.openxmlformats.org/officeDocument/2006/relationships" xmlns:p="http://schemas.openxmlformats.org/presentationml/2006/main" matchingName="One column text">
   <p:cSld name="ONE_COLUMN_TEXT">
     <p:spTree>
       <p:nvGrpSpPr>
-        <p:cNvPr id="28" name="Shape 28"/>
+        <p:cNvPr id="1" name="Shape 28"/>
         <p:cNvGrpSpPr/>
         <p:nvPr/>
       </p:nvGrpSpPr>
@@ -5216,7 +5308,9 @@
       <p:sp>
         <p:nvSpPr>
           <p:cNvPr id="29" name="Google Shape;29;p12"/>
-          <p:cNvSpPr txBox="1"/>
+          <p:cNvSpPr txBox="1">
+            <a:spLocks noGrp="1"/>
+          </p:cNvSpPr>
           <p:nvPr>
             <p:ph type="title"/>
           </p:nvPr>
@@ -5235,7 +5329,7 @@
           </a:ln>
         </p:spPr>
         <p:txBody>
-          <a:bodyPr anchorCtr="0" anchor="b" bIns="91425" lIns="91425" spcFirstLastPara="1" rIns="91425" wrap="square" tIns="91425">
+          <a:bodyPr spcFirstLastPara="1" wrap="square" lIns="91425" tIns="91425" rIns="91425" bIns="91425" anchor="b" anchorCtr="0">
             <a:noAutofit/>
           </a:bodyPr>
           <a:lstStyle>
@@ -5366,15 +5460,19 @@
               <a:defRPr sz="2400"/>
             </a:lvl9pPr>
           </a:lstStyle>
-          <a:p/>
+          <a:p>
+            <a:endParaRPr/>
+          </a:p>
         </p:txBody>
       </p:sp>
       <p:sp>
         <p:nvSpPr>
           <p:cNvPr id="30" name="Google Shape;30;p12"/>
-          <p:cNvSpPr txBox="1"/>
+          <p:cNvSpPr txBox="1">
+            <a:spLocks noGrp="1"/>
+          </p:cNvSpPr>
           <p:nvPr>
-            <p:ph idx="1" type="body"/>
+            <p:ph type="body" idx="1"/>
           </p:nvPr>
         </p:nvSpPr>
         <p:spPr>
@@ -5391,11 +5489,11 @@
           </a:ln>
         </p:spPr>
         <p:txBody>
-          <a:bodyPr anchorCtr="0" anchor="t" bIns="91425" lIns="91425" spcFirstLastPara="1" rIns="91425" wrap="square" tIns="91425">
+          <a:bodyPr spcFirstLastPara="1" wrap="square" lIns="91425" tIns="91425" rIns="91425" bIns="91425" anchor="t" anchorCtr="0">
             <a:noAutofit/>
           </a:bodyPr>
           <a:lstStyle>
-            <a:lvl1pPr indent="-304800" lvl="0" marL="457200" algn="l">
+            <a:lvl1pPr marL="457200" lvl="0" indent="-304800" algn="l">
               <a:lnSpc>
                 <a:spcPct val="115000"/>
               </a:lnSpc>
@@ -5409,7 +5507,7 @@
               <a:buChar char="●"/>
               <a:defRPr sz="1200"/>
             </a:lvl1pPr>
-            <a:lvl2pPr indent="-304800" lvl="1" marL="914400" algn="l">
+            <a:lvl2pPr marL="914400" lvl="1" indent="-304800" algn="l">
               <a:lnSpc>
                 <a:spcPct val="115000"/>
               </a:lnSpc>
@@ -5423,7 +5521,7 @@
               <a:buChar char="○"/>
               <a:defRPr sz="1200"/>
             </a:lvl2pPr>
-            <a:lvl3pPr indent="-304800" lvl="2" marL="1371600" algn="l">
+            <a:lvl3pPr marL="1371600" lvl="2" indent="-304800" algn="l">
               <a:lnSpc>
                 <a:spcPct val="115000"/>
               </a:lnSpc>
@@ -5437,7 +5535,7 @@
               <a:buChar char="■"/>
               <a:defRPr sz="1200"/>
             </a:lvl3pPr>
-            <a:lvl4pPr indent="-304800" lvl="3" marL="1828800" algn="l">
+            <a:lvl4pPr marL="1828800" lvl="3" indent="-304800" algn="l">
               <a:lnSpc>
                 <a:spcPct val="115000"/>
               </a:lnSpc>
@@ -5451,7 +5549,7 @@
               <a:buChar char="●"/>
               <a:defRPr sz="1200"/>
             </a:lvl4pPr>
-            <a:lvl5pPr indent="-304800" lvl="4" marL="2286000" algn="l">
+            <a:lvl5pPr marL="2286000" lvl="4" indent="-304800" algn="l">
               <a:lnSpc>
                 <a:spcPct val="115000"/>
               </a:lnSpc>
@@ -5465,7 +5563,7 @@
               <a:buChar char="○"/>
               <a:defRPr sz="1200"/>
             </a:lvl5pPr>
-            <a:lvl6pPr indent="-304800" lvl="5" marL="2743200" algn="l">
+            <a:lvl6pPr marL="2743200" lvl="5" indent="-304800" algn="l">
               <a:lnSpc>
                 <a:spcPct val="115000"/>
               </a:lnSpc>
@@ -5479,7 +5577,7 @@
               <a:buChar char="■"/>
               <a:defRPr sz="1200"/>
             </a:lvl6pPr>
-            <a:lvl7pPr indent="-304800" lvl="6" marL="3200400" algn="l">
+            <a:lvl7pPr marL="3200400" lvl="6" indent="-304800" algn="l">
               <a:lnSpc>
                 <a:spcPct val="115000"/>
               </a:lnSpc>
@@ -5493,7 +5591,7 @@
               <a:buChar char="●"/>
               <a:defRPr sz="1200"/>
             </a:lvl7pPr>
-            <a:lvl8pPr indent="-304800" lvl="7" marL="3657600" algn="l">
+            <a:lvl8pPr marL="3657600" lvl="7" indent="-304800" algn="l">
               <a:lnSpc>
                 <a:spcPct val="115000"/>
               </a:lnSpc>
@@ -5507,7 +5605,7 @@
               <a:buChar char="○"/>
               <a:defRPr sz="1200"/>
             </a:lvl8pPr>
-            <a:lvl9pPr indent="-304800" lvl="8" marL="4114800" algn="l">
+            <a:lvl9pPr marL="4114800" lvl="8" indent="-304800" algn="l">
               <a:lnSpc>
                 <a:spcPct val="115000"/>
               </a:lnSpc>
@@ -5522,15 +5620,19 @@
               <a:defRPr sz="1200"/>
             </a:lvl9pPr>
           </a:lstStyle>
-          <a:p/>
+          <a:p>
+            <a:endParaRPr/>
+          </a:p>
         </p:txBody>
       </p:sp>
       <p:sp>
         <p:nvSpPr>
           <p:cNvPr id="31" name="Google Shape;31;p12"/>
-          <p:cNvSpPr txBox="1"/>
+          <p:cNvSpPr txBox="1">
+            <a:spLocks noGrp="1"/>
+          </p:cNvSpPr>
           <p:nvPr>
-            <p:ph idx="12" type="sldNum"/>
+            <p:ph type="sldNum" idx="12"/>
           </p:nvPr>
         </p:nvSpPr>
         <p:spPr>
@@ -5547,27 +5649,27 @@
           </a:ln>
         </p:spPr>
         <p:txBody>
-          <a:bodyPr anchorCtr="0" anchor="ctr" bIns="91425" lIns="91425" spcFirstLastPara="1" rIns="91425" wrap="square" tIns="91425">
+          <a:bodyPr spcFirstLastPara="1" wrap="square" lIns="91425" tIns="91425" rIns="91425" bIns="91425" anchor="ctr" anchorCtr="0">
             <a:noAutofit/>
           </a:bodyPr>
           <a:lstStyle>
-            <a:lvl1pPr indent="0" lvl="0" marL="0" marR="0" algn="r">
-              <a:lnSpc>
-                <a:spcPct val="100000"/>
-              </a:lnSpc>
-              <a:spcBef>
-                <a:spcPts val="0"/>
-              </a:spcBef>
-              <a:spcAft>
-                <a:spcPts val="0"/>
-              </a:spcAft>
-              <a:buClr>
-                <a:srgbClr val="000000"/>
-              </a:buClr>
-              <a:buSzPts val="1000"/>
-              <a:buFont typeface="Arial"/>
-              <a:buNone/>
-              <a:defRPr b="0" i="0" sz="1000" u="none" cap="none" strike="noStrike">
+            <a:lvl1pPr marL="0" marR="0" lvl="0" indent="0" algn="r">
+              <a:lnSpc>
+                <a:spcPct val="100000"/>
+              </a:lnSpc>
+              <a:spcBef>
+                <a:spcPts val="0"/>
+              </a:spcBef>
+              <a:spcAft>
+                <a:spcPts val="0"/>
+              </a:spcAft>
+              <a:buClr>
+                <a:srgbClr val="000000"/>
+              </a:buClr>
+              <a:buSzPts val="1000"/>
+              <a:buFont typeface="Arial"/>
+              <a:buNone/>
+              <a:defRPr sz="1000" b="0" i="0" u="none" strike="noStrike" cap="none">
                 <a:solidFill>
                   <a:schemeClr val="dk2"/>
                 </a:solidFill>
@@ -5577,23 +5679,23 @@
                 <a:sym typeface="Arial"/>
               </a:defRPr>
             </a:lvl1pPr>
-            <a:lvl2pPr indent="0" lvl="1" marL="0" marR="0" algn="r">
-              <a:lnSpc>
-                <a:spcPct val="100000"/>
-              </a:lnSpc>
-              <a:spcBef>
-                <a:spcPts val="0"/>
-              </a:spcBef>
-              <a:spcAft>
-                <a:spcPts val="0"/>
-              </a:spcAft>
-              <a:buClr>
-                <a:srgbClr val="000000"/>
-              </a:buClr>
-              <a:buSzPts val="1000"/>
-              <a:buFont typeface="Arial"/>
-              <a:buNone/>
-              <a:defRPr b="0" i="0" sz="1000" u="none" cap="none" strike="noStrike">
+            <a:lvl2pPr marL="0" marR="0" lvl="1" indent="0" algn="r">
+              <a:lnSpc>
+                <a:spcPct val="100000"/>
+              </a:lnSpc>
+              <a:spcBef>
+                <a:spcPts val="0"/>
+              </a:spcBef>
+              <a:spcAft>
+                <a:spcPts val="0"/>
+              </a:spcAft>
+              <a:buClr>
+                <a:srgbClr val="000000"/>
+              </a:buClr>
+              <a:buSzPts val="1000"/>
+              <a:buFont typeface="Arial"/>
+              <a:buNone/>
+              <a:defRPr sz="1000" b="0" i="0" u="none" strike="noStrike" cap="none">
                 <a:solidFill>
                   <a:schemeClr val="dk2"/>
                 </a:solidFill>
@@ -5603,23 +5705,23 @@
                 <a:sym typeface="Arial"/>
               </a:defRPr>
             </a:lvl2pPr>
-            <a:lvl3pPr indent="0" lvl="2" marL="0" marR="0" algn="r">
-              <a:lnSpc>
-                <a:spcPct val="100000"/>
-              </a:lnSpc>
-              <a:spcBef>
-                <a:spcPts val="0"/>
-              </a:spcBef>
-              <a:spcAft>
-                <a:spcPts val="0"/>
-              </a:spcAft>
-              <a:buClr>
-                <a:srgbClr val="000000"/>
-              </a:buClr>
-              <a:buSzPts val="1000"/>
-              <a:buFont typeface="Arial"/>
-              <a:buNone/>
-              <a:defRPr b="0" i="0" sz="1000" u="none" cap="none" strike="noStrike">
+            <a:lvl3pPr marL="0" marR="0" lvl="2" indent="0" algn="r">
+              <a:lnSpc>
+                <a:spcPct val="100000"/>
+              </a:lnSpc>
+              <a:spcBef>
+                <a:spcPts val="0"/>
+              </a:spcBef>
+              <a:spcAft>
+                <a:spcPts val="0"/>
+              </a:spcAft>
+              <a:buClr>
+                <a:srgbClr val="000000"/>
+              </a:buClr>
+              <a:buSzPts val="1000"/>
+              <a:buFont typeface="Arial"/>
+              <a:buNone/>
+              <a:defRPr sz="1000" b="0" i="0" u="none" strike="noStrike" cap="none">
                 <a:solidFill>
                   <a:schemeClr val="dk2"/>
                 </a:solidFill>
@@ -5629,23 +5731,23 @@
                 <a:sym typeface="Arial"/>
               </a:defRPr>
             </a:lvl3pPr>
-            <a:lvl4pPr indent="0" lvl="3" marL="0" marR="0" algn="r">
-              <a:lnSpc>
-                <a:spcPct val="100000"/>
-              </a:lnSpc>
-              <a:spcBef>
-                <a:spcPts val="0"/>
-              </a:spcBef>
-              <a:spcAft>
-                <a:spcPts val="0"/>
-              </a:spcAft>
-              <a:buClr>
-                <a:srgbClr val="000000"/>
-              </a:buClr>
-              <a:buSzPts val="1000"/>
-              <a:buFont typeface="Arial"/>
-              <a:buNone/>
-              <a:defRPr b="0" i="0" sz="1000" u="none" cap="none" strike="noStrike">
+            <a:lvl4pPr marL="0" marR="0" lvl="3" indent="0" algn="r">
+              <a:lnSpc>
+                <a:spcPct val="100000"/>
+              </a:lnSpc>
+              <a:spcBef>
+                <a:spcPts val="0"/>
+              </a:spcBef>
+              <a:spcAft>
+                <a:spcPts val="0"/>
+              </a:spcAft>
+              <a:buClr>
+                <a:srgbClr val="000000"/>
+              </a:buClr>
+              <a:buSzPts val="1000"/>
+              <a:buFont typeface="Arial"/>
+              <a:buNone/>
+              <a:defRPr sz="1000" b="0" i="0" u="none" strike="noStrike" cap="none">
                 <a:solidFill>
                   <a:schemeClr val="dk2"/>
                 </a:solidFill>
@@ -5655,23 +5757,23 @@
                 <a:sym typeface="Arial"/>
               </a:defRPr>
             </a:lvl4pPr>
-            <a:lvl5pPr indent="0" lvl="4" marL="0" marR="0" algn="r">
-              <a:lnSpc>
-                <a:spcPct val="100000"/>
-              </a:lnSpc>
-              <a:spcBef>
-                <a:spcPts val="0"/>
-              </a:spcBef>
-              <a:spcAft>
-                <a:spcPts val="0"/>
-              </a:spcAft>
-              <a:buClr>
-                <a:srgbClr val="000000"/>
-              </a:buClr>
-              <a:buSzPts val="1000"/>
-              <a:buFont typeface="Arial"/>
-              <a:buNone/>
-              <a:defRPr b="0" i="0" sz="1000" u="none" cap="none" strike="noStrike">
+            <a:lvl5pPr marL="0" marR="0" lvl="4" indent="0" algn="r">
+              <a:lnSpc>
+                <a:spcPct val="100000"/>
+              </a:lnSpc>
+              <a:spcBef>
+                <a:spcPts val="0"/>
+              </a:spcBef>
+              <a:spcAft>
+                <a:spcPts val="0"/>
+              </a:spcAft>
+              <a:buClr>
+                <a:srgbClr val="000000"/>
+              </a:buClr>
+              <a:buSzPts val="1000"/>
+              <a:buFont typeface="Arial"/>
+              <a:buNone/>
+              <a:defRPr sz="1000" b="0" i="0" u="none" strike="noStrike" cap="none">
                 <a:solidFill>
                   <a:schemeClr val="dk2"/>
                 </a:solidFill>
@@ -5681,23 +5783,23 @@
                 <a:sym typeface="Arial"/>
               </a:defRPr>
             </a:lvl5pPr>
-            <a:lvl6pPr indent="0" lvl="5" marL="0" marR="0" algn="r">
-              <a:lnSpc>
-                <a:spcPct val="100000"/>
-              </a:lnSpc>
-              <a:spcBef>
-                <a:spcPts val="0"/>
-              </a:spcBef>
-              <a:spcAft>
-                <a:spcPts val="0"/>
-              </a:spcAft>
-              <a:buClr>
-                <a:srgbClr val="000000"/>
-              </a:buClr>
-              <a:buSzPts val="1000"/>
-              <a:buFont typeface="Arial"/>
-              <a:buNone/>
-              <a:defRPr b="0" i="0" sz="1000" u="none" cap="none" strike="noStrike">
+            <a:lvl6pPr marL="0" marR="0" lvl="5" indent="0" algn="r">
+              <a:lnSpc>
+                <a:spcPct val="100000"/>
+              </a:lnSpc>
+              <a:spcBef>
+                <a:spcPts val="0"/>
+              </a:spcBef>
+              <a:spcAft>
+                <a:spcPts val="0"/>
+              </a:spcAft>
+              <a:buClr>
+                <a:srgbClr val="000000"/>
+              </a:buClr>
+              <a:buSzPts val="1000"/>
+              <a:buFont typeface="Arial"/>
+              <a:buNone/>
+              <a:defRPr sz="1000" b="0" i="0" u="none" strike="noStrike" cap="none">
                 <a:solidFill>
                   <a:schemeClr val="dk2"/>
                 </a:solidFill>
@@ -5707,23 +5809,23 @@
                 <a:sym typeface="Arial"/>
               </a:defRPr>
             </a:lvl6pPr>
-            <a:lvl7pPr indent="0" lvl="6" marL="0" marR="0" algn="r">
-              <a:lnSpc>
-                <a:spcPct val="100000"/>
-              </a:lnSpc>
-              <a:spcBef>
-                <a:spcPts val="0"/>
-              </a:spcBef>
-              <a:spcAft>
-                <a:spcPts val="0"/>
-              </a:spcAft>
-              <a:buClr>
-                <a:srgbClr val="000000"/>
-              </a:buClr>
-              <a:buSzPts val="1000"/>
-              <a:buFont typeface="Arial"/>
-              <a:buNone/>
-              <a:defRPr b="0" i="0" sz="1000" u="none" cap="none" strike="noStrike">
+            <a:lvl7pPr marL="0" marR="0" lvl="6" indent="0" algn="r">
+              <a:lnSpc>
+                <a:spcPct val="100000"/>
+              </a:lnSpc>
+              <a:spcBef>
+                <a:spcPts val="0"/>
+              </a:spcBef>
+              <a:spcAft>
+                <a:spcPts val="0"/>
+              </a:spcAft>
+              <a:buClr>
+                <a:srgbClr val="000000"/>
+              </a:buClr>
+              <a:buSzPts val="1000"/>
+              <a:buFont typeface="Arial"/>
+              <a:buNone/>
+              <a:defRPr sz="1000" b="0" i="0" u="none" strike="noStrike" cap="none">
                 <a:solidFill>
                   <a:schemeClr val="dk2"/>
                 </a:solidFill>
@@ -5733,23 +5835,23 @@
                 <a:sym typeface="Arial"/>
               </a:defRPr>
             </a:lvl7pPr>
-            <a:lvl8pPr indent="0" lvl="7" marL="0" marR="0" algn="r">
-              <a:lnSpc>
-                <a:spcPct val="100000"/>
-              </a:lnSpc>
-              <a:spcBef>
-                <a:spcPts val="0"/>
-              </a:spcBef>
-              <a:spcAft>
-                <a:spcPts val="0"/>
-              </a:spcAft>
-              <a:buClr>
-                <a:srgbClr val="000000"/>
-              </a:buClr>
-              <a:buSzPts val="1000"/>
-              <a:buFont typeface="Arial"/>
-              <a:buNone/>
-              <a:defRPr b="0" i="0" sz="1000" u="none" cap="none" strike="noStrike">
+            <a:lvl8pPr marL="0" marR="0" lvl="7" indent="0" algn="r">
+              <a:lnSpc>
+                <a:spcPct val="100000"/>
+              </a:lnSpc>
+              <a:spcBef>
+                <a:spcPts val="0"/>
+              </a:spcBef>
+              <a:spcAft>
+                <a:spcPts val="0"/>
+              </a:spcAft>
+              <a:buClr>
+                <a:srgbClr val="000000"/>
+              </a:buClr>
+              <a:buSzPts val="1000"/>
+              <a:buFont typeface="Arial"/>
+              <a:buNone/>
+              <a:defRPr sz="1000" b="0" i="0" u="none" strike="noStrike" cap="none">
                 <a:solidFill>
                   <a:schemeClr val="dk2"/>
                 </a:solidFill>
@@ -5759,23 +5861,23 @@
                 <a:sym typeface="Arial"/>
               </a:defRPr>
             </a:lvl8pPr>
-            <a:lvl9pPr indent="0" lvl="8" marL="0" marR="0" algn="r">
-              <a:lnSpc>
-                <a:spcPct val="100000"/>
-              </a:lnSpc>
-              <a:spcBef>
-                <a:spcPts val="0"/>
-              </a:spcBef>
-              <a:spcAft>
-                <a:spcPts val="0"/>
-              </a:spcAft>
-              <a:buClr>
-                <a:srgbClr val="000000"/>
-              </a:buClr>
-              <a:buSzPts val="1000"/>
-              <a:buFont typeface="Arial"/>
-              <a:buNone/>
-              <a:defRPr b="0" i="0" sz="1000" u="none" cap="none" strike="noStrike">
+            <a:lvl9pPr marL="0" marR="0" lvl="8" indent="0" algn="r">
+              <a:lnSpc>
+                <a:spcPct val="100000"/>
+              </a:lnSpc>
+              <a:spcBef>
+                <a:spcPts val="0"/>
+              </a:spcBef>
+              <a:spcAft>
+                <a:spcPts val="0"/>
+              </a:spcAft>
+              <a:buClr>
+                <a:srgbClr val="000000"/>
+              </a:buClr>
+              <a:buSzPts val="1000"/>
+              <a:buFont typeface="Arial"/>
+              <a:buNone/>
+              <a:defRPr sz="1000" b="0" i="0" u="none" strike="noStrike" cap="none">
                 <a:solidFill>
                   <a:schemeClr val="dk2"/>
                 </a:solidFill>
@@ -5787,7 +5889,7 @@
             </a:lvl9pPr>
           </a:lstStyle>
           <a:p>
-            <a:pPr indent="0" lvl="0" marL="0" rtl="0" algn="r">
+            <a:pPr marL="0" lvl="0" indent="0" algn="r" rtl="0">
               <a:spcBef>
                 <a:spcPts val="0"/>
               </a:spcBef>
@@ -5798,7 +5900,7 @@
             </a:pPr>
             <a:fld id="{00000000-1234-1234-1234-123412341234}" type="slidenum">
               <a:rPr lang="pt-BR"/>
-              <a:t>‹#›</a:t>
+              <a:t>‹nº›</a:t>
             </a:fld>
             <a:endParaRPr/>
           </a:p>
@@ -5813,11 +5915,11 @@
 </file>
 
 <file path=ppt/slideLayouts/slideLayout7.xml><?xml version="1.0" encoding="utf-8"?>
-<p:sldLayout xmlns:a="http://schemas.openxmlformats.org/drawingml/2006/main" xmlns:r="http://schemas.openxmlformats.org/officeDocument/2006/relationships" xmlns:mc="http://schemas.openxmlformats.org/markup-compatibility/2006" xmlns:mv="urn:schemas-microsoft-com:mac:vml" xmlns:p="http://schemas.openxmlformats.org/presentationml/2006/main" xmlns:c="http://schemas.openxmlformats.org/drawingml/2006/chart" xmlns:dgm="http://schemas.openxmlformats.org/drawingml/2006/diagram" xmlns:o="urn:schemas-microsoft-com:office:office" xmlns:v="urn:schemas-microsoft-com:vml" xmlns:pvml="urn:schemas-microsoft-com:office:powerpoint" xmlns:com="http://schemas.openxmlformats.org/drawingml/2006/compatibility" xmlns:p14="http://schemas.microsoft.com/office/powerpoint/2010/main" xmlns:p15="http://schemas.microsoft.com/office/powerpoint/2012/main" xmlns:ahyp="http://schemas.microsoft.com/office/drawing/2018/hyperlinkcolor" matchingName="Main point">
+<p:sldLayout xmlns:a="http://schemas.openxmlformats.org/drawingml/2006/main" xmlns:r="http://schemas.openxmlformats.org/officeDocument/2006/relationships" xmlns:p="http://schemas.openxmlformats.org/presentationml/2006/main" matchingName="Main point">
   <p:cSld name="MAIN_POINT">
     <p:spTree>
       <p:nvGrpSpPr>
-        <p:cNvPr id="32" name="Shape 32"/>
+        <p:cNvPr id="1" name="Shape 32"/>
         <p:cNvGrpSpPr/>
         <p:nvPr/>
       </p:nvGrpSpPr>
@@ -5832,7 +5934,9 @@
       <p:sp>
         <p:nvSpPr>
           <p:cNvPr id="33" name="Google Shape;33;p13"/>
-          <p:cNvSpPr txBox="1"/>
+          <p:cNvSpPr txBox="1">
+            <a:spLocks noGrp="1"/>
+          </p:cNvSpPr>
           <p:nvPr>
             <p:ph type="title"/>
           </p:nvPr>
@@ -5851,7 +5955,7 @@
           </a:ln>
         </p:spPr>
         <p:txBody>
-          <a:bodyPr anchorCtr="0" anchor="ctr" bIns="91425" lIns="91425" spcFirstLastPara="1" rIns="91425" wrap="square" tIns="91425">
+          <a:bodyPr spcFirstLastPara="1" wrap="square" lIns="91425" tIns="91425" rIns="91425" bIns="91425" anchor="ctr" anchorCtr="0">
             <a:noAutofit/>
           </a:bodyPr>
           <a:lstStyle>
@@ -5982,15 +6086,19 @@
               <a:defRPr sz="4800"/>
             </a:lvl9pPr>
           </a:lstStyle>
-          <a:p/>
+          <a:p>
+            <a:endParaRPr/>
+          </a:p>
         </p:txBody>
       </p:sp>
       <p:sp>
         <p:nvSpPr>
           <p:cNvPr id="34" name="Google Shape;34;p13"/>
-          <p:cNvSpPr txBox="1"/>
+          <p:cNvSpPr txBox="1">
+            <a:spLocks noGrp="1"/>
+          </p:cNvSpPr>
           <p:nvPr>
-            <p:ph idx="12" type="sldNum"/>
+            <p:ph type="sldNum" idx="12"/>
           </p:nvPr>
         </p:nvSpPr>
         <p:spPr>
@@ -6007,27 +6115,27 @@
           </a:ln>
         </p:spPr>
         <p:txBody>
-          <a:bodyPr anchorCtr="0" anchor="ctr" bIns="91425" lIns="91425" spcFirstLastPara="1" rIns="91425" wrap="square" tIns="91425">
+          <a:bodyPr spcFirstLastPara="1" wrap="square" lIns="91425" tIns="91425" rIns="91425" bIns="91425" anchor="ctr" anchorCtr="0">
             <a:noAutofit/>
           </a:bodyPr>
           <a:lstStyle>
-            <a:lvl1pPr indent="0" lvl="0" marL="0" marR="0" algn="r">
-              <a:lnSpc>
-                <a:spcPct val="100000"/>
-              </a:lnSpc>
-              <a:spcBef>
-                <a:spcPts val="0"/>
-              </a:spcBef>
-              <a:spcAft>
-                <a:spcPts val="0"/>
-              </a:spcAft>
-              <a:buClr>
-                <a:srgbClr val="000000"/>
-              </a:buClr>
-              <a:buSzPts val="1000"/>
-              <a:buFont typeface="Arial"/>
-              <a:buNone/>
-              <a:defRPr b="0" i="0" sz="1000" u="none" cap="none" strike="noStrike">
+            <a:lvl1pPr marL="0" marR="0" lvl="0" indent="0" algn="r">
+              <a:lnSpc>
+                <a:spcPct val="100000"/>
+              </a:lnSpc>
+              <a:spcBef>
+                <a:spcPts val="0"/>
+              </a:spcBef>
+              <a:spcAft>
+                <a:spcPts val="0"/>
+              </a:spcAft>
+              <a:buClr>
+                <a:srgbClr val="000000"/>
+              </a:buClr>
+              <a:buSzPts val="1000"/>
+              <a:buFont typeface="Arial"/>
+              <a:buNone/>
+              <a:defRPr sz="1000" b="0" i="0" u="none" strike="noStrike" cap="none">
                 <a:solidFill>
                   <a:schemeClr val="dk2"/>
                 </a:solidFill>
@@ -6037,23 +6145,23 @@
                 <a:sym typeface="Arial"/>
               </a:defRPr>
             </a:lvl1pPr>
-            <a:lvl2pPr indent="0" lvl="1" marL="0" marR="0" algn="r">
-              <a:lnSpc>
-                <a:spcPct val="100000"/>
-              </a:lnSpc>
-              <a:spcBef>
-                <a:spcPts val="0"/>
-              </a:spcBef>
-              <a:spcAft>
-                <a:spcPts val="0"/>
-              </a:spcAft>
-              <a:buClr>
-                <a:srgbClr val="000000"/>
-              </a:buClr>
-              <a:buSzPts val="1000"/>
-              <a:buFont typeface="Arial"/>
-              <a:buNone/>
-              <a:defRPr b="0" i="0" sz="1000" u="none" cap="none" strike="noStrike">
+            <a:lvl2pPr marL="0" marR="0" lvl="1" indent="0" algn="r">
+              <a:lnSpc>
+                <a:spcPct val="100000"/>
+              </a:lnSpc>
+              <a:spcBef>
+                <a:spcPts val="0"/>
+              </a:spcBef>
+              <a:spcAft>
+                <a:spcPts val="0"/>
+              </a:spcAft>
+              <a:buClr>
+                <a:srgbClr val="000000"/>
+              </a:buClr>
+              <a:buSzPts val="1000"/>
+              <a:buFont typeface="Arial"/>
+              <a:buNone/>
+              <a:defRPr sz="1000" b="0" i="0" u="none" strike="noStrike" cap="none">
                 <a:solidFill>
                   <a:schemeClr val="dk2"/>
                 </a:solidFill>
@@ -6063,23 +6171,23 @@
                 <a:sym typeface="Arial"/>
               </a:defRPr>
             </a:lvl2pPr>
-            <a:lvl3pPr indent="0" lvl="2" marL="0" marR="0" algn="r">
-              <a:lnSpc>
-                <a:spcPct val="100000"/>
-              </a:lnSpc>
-              <a:spcBef>
-                <a:spcPts val="0"/>
-              </a:spcBef>
-              <a:spcAft>
-                <a:spcPts val="0"/>
-              </a:spcAft>
-              <a:buClr>
-                <a:srgbClr val="000000"/>
-              </a:buClr>
-              <a:buSzPts val="1000"/>
-              <a:buFont typeface="Arial"/>
-              <a:buNone/>
-              <a:defRPr b="0" i="0" sz="1000" u="none" cap="none" strike="noStrike">
+            <a:lvl3pPr marL="0" marR="0" lvl="2" indent="0" algn="r">
+              <a:lnSpc>
+                <a:spcPct val="100000"/>
+              </a:lnSpc>
+              <a:spcBef>
+                <a:spcPts val="0"/>
+              </a:spcBef>
+              <a:spcAft>
+                <a:spcPts val="0"/>
+              </a:spcAft>
+              <a:buClr>
+                <a:srgbClr val="000000"/>
+              </a:buClr>
+              <a:buSzPts val="1000"/>
+              <a:buFont typeface="Arial"/>
+              <a:buNone/>
+              <a:defRPr sz="1000" b="0" i="0" u="none" strike="noStrike" cap="none">
                 <a:solidFill>
                   <a:schemeClr val="dk2"/>
                 </a:solidFill>
@@ -6089,23 +6197,23 @@
                 <a:sym typeface="Arial"/>
               </a:defRPr>
             </a:lvl3pPr>
-            <a:lvl4pPr indent="0" lvl="3" marL="0" marR="0" algn="r">
-              <a:lnSpc>
-                <a:spcPct val="100000"/>
-              </a:lnSpc>
-              <a:spcBef>
-                <a:spcPts val="0"/>
-              </a:spcBef>
-              <a:spcAft>
-                <a:spcPts val="0"/>
-              </a:spcAft>
-              <a:buClr>
-                <a:srgbClr val="000000"/>
-              </a:buClr>
-              <a:buSzPts val="1000"/>
-              <a:buFont typeface="Arial"/>
-              <a:buNone/>
-              <a:defRPr b="0" i="0" sz="1000" u="none" cap="none" strike="noStrike">
+            <a:lvl4pPr marL="0" marR="0" lvl="3" indent="0" algn="r">
+              <a:lnSpc>
+                <a:spcPct val="100000"/>
+              </a:lnSpc>
+              <a:spcBef>
+                <a:spcPts val="0"/>
+              </a:spcBef>
+              <a:spcAft>
+                <a:spcPts val="0"/>
+              </a:spcAft>
+              <a:buClr>
+                <a:srgbClr val="000000"/>
+              </a:buClr>
+              <a:buSzPts val="1000"/>
+              <a:buFont typeface="Arial"/>
+              <a:buNone/>
+              <a:defRPr sz="1000" b="0" i="0" u="none" strike="noStrike" cap="none">
                 <a:solidFill>
                   <a:schemeClr val="dk2"/>
                 </a:solidFill>
@@ -6115,23 +6223,23 @@
                 <a:sym typeface="Arial"/>
               </a:defRPr>
             </a:lvl4pPr>
-            <a:lvl5pPr indent="0" lvl="4" marL="0" marR="0" algn="r">
-              <a:lnSpc>
-                <a:spcPct val="100000"/>
-              </a:lnSpc>
-              <a:spcBef>
-                <a:spcPts val="0"/>
-              </a:spcBef>
-              <a:spcAft>
-                <a:spcPts val="0"/>
-              </a:spcAft>
-              <a:buClr>
-                <a:srgbClr val="000000"/>
-              </a:buClr>
-              <a:buSzPts val="1000"/>
-              <a:buFont typeface="Arial"/>
-              <a:buNone/>
-              <a:defRPr b="0" i="0" sz="1000" u="none" cap="none" strike="noStrike">
+            <a:lvl5pPr marL="0" marR="0" lvl="4" indent="0" algn="r">
+              <a:lnSpc>
+                <a:spcPct val="100000"/>
+              </a:lnSpc>
+              <a:spcBef>
+                <a:spcPts val="0"/>
+              </a:spcBef>
+              <a:spcAft>
+                <a:spcPts val="0"/>
+              </a:spcAft>
+              <a:buClr>
+                <a:srgbClr val="000000"/>
+              </a:buClr>
+              <a:buSzPts val="1000"/>
+              <a:buFont typeface="Arial"/>
+              <a:buNone/>
+              <a:defRPr sz="1000" b="0" i="0" u="none" strike="noStrike" cap="none">
                 <a:solidFill>
                   <a:schemeClr val="dk2"/>
                 </a:solidFill>
@@ -6141,23 +6249,23 @@
                 <a:sym typeface="Arial"/>
               </a:defRPr>
             </a:lvl5pPr>
-            <a:lvl6pPr indent="0" lvl="5" marL="0" marR="0" algn="r">
-              <a:lnSpc>
-                <a:spcPct val="100000"/>
-              </a:lnSpc>
-              <a:spcBef>
-                <a:spcPts val="0"/>
-              </a:spcBef>
-              <a:spcAft>
-                <a:spcPts val="0"/>
-              </a:spcAft>
-              <a:buClr>
-                <a:srgbClr val="000000"/>
-              </a:buClr>
-              <a:buSzPts val="1000"/>
-              <a:buFont typeface="Arial"/>
-              <a:buNone/>
-              <a:defRPr b="0" i="0" sz="1000" u="none" cap="none" strike="noStrike">
+            <a:lvl6pPr marL="0" marR="0" lvl="5" indent="0" algn="r">
+              <a:lnSpc>
+                <a:spcPct val="100000"/>
+              </a:lnSpc>
+              <a:spcBef>
+                <a:spcPts val="0"/>
+              </a:spcBef>
+              <a:spcAft>
+                <a:spcPts val="0"/>
+              </a:spcAft>
+              <a:buClr>
+                <a:srgbClr val="000000"/>
+              </a:buClr>
+              <a:buSzPts val="1000"/>
+              <a:buFont typeface="Arial"/>
+              <a:buNone/>
+              <a:defRPr sz="1000" b="0" i="0" u="none" strike="noStrike" cap="none">
                 <a:solidFill>
                   <a:schemeClr val="dk2"/>
                 </a:solidFill>
@@ -6167,23 +6275,23 @@
                 <a:sym typeface="Arial"/>
               </a:defRPr>
             </a:lvl6pPr>
-            <a:lvl7pPr indent="0" lvl="6" marL="0" marR="0" algn="r">
-              <a:lnSpc>
-                <a:spcPct val="100000"/>
-              </a:lnSpc>
-              <a:spcBef>
-                <a:spcPts val="0"/>
-              </a:spcBef>
-              <a:spcAft>
-                <a:spcPts val="0"/>
-              </a:spcAft>
-              <a:buClr>
-                <a:srgbClr val="000000"/>
-              </a:buClr>
-              <a:buSzPts val="1000"/>
-              <a:buFont typeface="Arial"/>
-              <a:buNone/>
-              <a:defRPr b="0" i="0" sz="1000" u="none" cap="none" strike="noStrike">
+            <a:lvl7pPr marL="0" marR="0" lvl="6" indent="0" algn="r">
+              <a:lnSpc>
+                <a:spcPct val="100000"/>
+              </a:lnSpc>
+              <a:spcBef>
+                <a:spcPts val="0"/>
+              </a:spcBef>
+              <a:spcAft>
+                <a:spcPts val="0"/>
+              </a:spcAft>
+              <a:buClr>
+                <a:srgbClr val="000000"/>
+              </a:buClr>
+              <a:buSzPts val="1000"/>
+              <a:buFont typeface="Arial"/>
+              <a:buNone/>
+              <a:defRPr sz="1000" b="0" i="0" u="none" strike="noStrike" cap="none">
                 <a:solidFill>
                   <a:schemeClr val="dk2"/>
                 </a:solidFill>
@@ -6193,23 +6301,23 @@
                 <a:sym typeface="Arial"/>
               </a:defRPr>
             </a:lvl7pPr>
-            <a:lvl8pPr indent="0" lvl="7" marL="0" marR="0" algn="r">
-              <a:lnSpc>
-                <a:spcPct val="100000"/>
-              </a:lnSpc>
-              <a:spcBef>
-                <a:spcPts val="0"/>
-              </a:spcBef>
-              <a:spcAft>
-                <a:spcPts val="0"/>
-              </a:spcAft>
-              <a:buClr>
-                <a:srgbClr val="000000"/>
-              </a:buClr>
-              <a:buSzPts val="1000"/>
-              <a:buFont typeface="Arial"/>
-              <a:buNone/>
-              <a:defRPr b="0" i="0" sz="1000" u="none" cap="none" strike="noStrike">
+            <a:lvl8pPr marL="0" marR="0" lvl="7" indent="0" algn="r">
+              <a:lnSpc>
+                <a:spcPct val="100000"/>
+              </a:lnSpc>
+              <a:spcBef>
+                <a:spcPts val="0"/>
+              </a:spcBef>
+              <a:spcAft>
+                <a:spcPts val="0"/>
+              </a:spcAft>
+              <a:buClr>
+                <a:srgbClr val="000000"/>
+              </a:buClr>
+              <a:buSzPts val="1000"/>
+              <a:buFont typeface="Arial"/>
+              <a:buNone/>
+              <a:defRPr sz="1000" b="0" i="0" u="none" strike="noStrike" cap="none">
                 <a:solidFill>
                   <a:schemeClr val="dk2"/>
                 </a:solidFill>
@@ -6219,23 +6327,23 @@
                 <a:sym typeface="Arial"/>
               </a:defRPr>
             </a:lvl8pPr>
-            <a:lvl9pPr indent="0" lvl="8" marL="0" marR="0" algn="r">
-              <a:lnSpc>
-                <a:spcPct val="100000"/>
-              </a:lnSpc>
-              <a:spcBef>
-                <a:spcPts val="0"/>
-              </a:spcBef>
-              <a:spcAft>
-                <a:spcPts val="0"/>
-              </a:spcAft>
-              <a:buClr>
-                <a:srgbClr val="000000"/>
-              </a:buClr>
-              <a:buSzPts val="1000"/>
-              <a:buFont typeface="Arial"/>
-              <a:buNone/>
-              <a:defRPr b="0" i="0" sz="1000" u="none" cap="none" strike="noStrike">
+            <a:lvl9pPr marL="0" marR="0" lvl="8" indent="0" algn="r">
+              <a:lnSpc>
+                <a:spcPct val="100000"/>
+              </a:lnSpc>
+              <a:spcBef>
+                <a:spcPts val="0"/>
+              </a:spcBef>
+              <a:spcAft>
+                <a:spcPts val="0"/>
+              </a:spcAft>
+              <a:buClr>
+                <a:srgbClr val="000000"/>
+              </a:buClr>
+              <a:buSzPts val="1000"/>
+              <a:buFont typeface="Arial"/>
+              <a:buNone/>
+              <a:defRPr sz="1000" b="0" i="0" u="none" strike="noStrike" cap="none">
                 <a:solidFill>
                   <a:schemeClr val="dk2"/>
                 </a:solidFill>
@@ -6247,7 +6355,7 @@
             </a:lvl9pPr>
           </a:lstStyle>
           <a:p>
-            <a:pPr indent="0" lvl="0" marL="0" rtl="0" algn="r">
+            <a:pPr marL="0" lvl="0" indent="0" algn="r" rtl="0">
               <a:spcBef>
                 <a:spcPts val="0"/>
               </a:spcBef>
@@ -6258,7 +6366,7 @@
             </a:pPr>
             <a:fld id="{00000000-1234-1234-1234-123412341234}" type="slidenum">
               <a:rPr lang="pt-BR"/>
-              <a:t>‹#›</a:t>
+              <a:t>‹nº›</a:t>
             </a:fld>
             <a:endParaRPr/>
           </a:p>
@@ -6273,11 +6381,11 @@
 </file>
 
 <file path=ppt/slideLayouts/slideLayout8.xml><?xml version="1.0" encoding="utf-8"?>
-<p:sldLayout xmlns:a="http://schemas.openxmlformats.org/drawingml/2006/main" xmlns:r="http://schemas.openxmlformats.org/officeDocument/2006/relationships" xmlns:mc="http://schemas.openxmlformats.org/markup-compatibility/2006" xmlns:mv="urn:schemas-microsoft-com:mac:vml" xmlns:p="http://schemas.openxmlformats.org/presentationml/2006/main" xmlns:c="http://schemas.openxmlformats.org/drawingml/2006/chart" xmlns:dgm="http://schemas.openxmlformats.org/drawingml/2006/diagram" xmlns:o="urn:schemas-microsoft-com:office:office" xmlns:v="urn:schemas-microsoft-com:vml" xmlns:pvml="urn:schemas-microsoft-com:office:powerpoint" xmlns:com="http://schemas.openxmlformats.org/drawingml/2006/compatibility" xmlns:p14="http://schemas.microsoft.com/office/powerpoint/2010/main" xmlns:p15="http://schemas.microsoft.com/office/powerpoint/2012/main" xmlns:ahyp="http://schemas.microsoft.com/office/drawing/2018/hyperlinkcolor" matchingName="Section title and description">
+<p:sldLayout xmlns:a="http://schemas.openxmlformats.org/drawingml/2006/main" xmlns:r="http://schemas.openxmlformats.org/officeDocument/2006/relationships" xmlns:p="http://schemas.openxmlformats.org/presentationml/2006/main" matchingName="Section title and description">
   <p:cSld name="SECTION_TITLE_AND_DESCRIPTION">
     <p:spTree>
       <p:nvGrpSpPr>
-        <p:cNvPr id="35" name="Shape 35"/>
+        <p:cNvPr id="1" name="Shape 35"/>
         <p:cNvGrpSpPr/>
         <p:nvPr/>
       </p:nvGrpSpPr>
@@ -6311,12 +6419,12 @@
           </a:ln>
         </p:spPr>
         <p:txBody>
-          <a:bodyPr anchorCtr="0" anchor="ctr" bIns="91425" lIns="91425" spcFirstLastPara="1" rIns="91425" wrap="square" tIns="91425">
+          <a:bodyPr spcFirstLastPara="1" wrap="square" lIns="91425" tIns="91425" rIns="91425" bIns="91425" anchor="ctr" anchorCtr="0">
             <a:noAutofit/>
           </a:bodyPr>
           <a:lstStyle/>
           <a:p>
-            <a:pPr indent="0" lvl="0" marL="0" marR="0" rtl="0" algn="l">
+            <a:pPr marL="0" marR="0" lvl="0" indent="0" algn="l" rtl="0">
               <a:lnSpc>
                 <a:spcPct val="100000"/>
               </a:lnSpc>
@@ -6333,10 +6441,7 @@
               <a:buFont typeface="Arial"/>
               <a:buNone/>
             </a:pPr>
-            <a:r>
-              <a:t/>
-            </a:r>
-            <a:endParaRPr b="0" i="0" sz="1400" u="none" cap="none" strike="noStrike">
+            <a:endParaRPr sz="1400" b="0" i="0" u="none" strike="noStrike" cap="none">
               <a:solidFill>
                 <a:srgbClr val="000000"/>
               </a:solidFill>
@@ -6351,7 +6456,9 @@
       <p:sp>
         <p:nvSpPr>
           <p:cNvPr id="37" name="Google Shape;37;p14"/>
-          <p:cNvSpPr txBox="1"/>
+          <p:cNvSpPr txBox="1">
+            <a:spLocks noGrp="1"/>
+          </p:cNvSpPr>
           <p:nvPr>
             <p:ph type="title"/>
           </p:nvPr>
@@ -6370,7 +6477,7 @@
           </a:ln>
         </p:spPr>
         <p:txBody>
-          <a:bodyPr anchorCtr="0" anchor="b" bIns="91425" lIns="91425" spcFirstLastPara="1" rIns="91425" wrap="square" tIns="91425">
+          <a:bodyPr spcFirstLastPara="1" wrap="square" lIns="91425" tIns="91425" rIns="91425" bIns="91425" anchor="b" anchorCtr="0">
             <a:noAutofit/>
           </a:bodyPr>
           <a:lstStyle>
@@ -6501,15 +6608,19 @@
               <a:defRPr sz="4200"/>
             </a:lvl9pPr>
           </a:lstStyle>
-          <a:p/>
+          <a:p>
+            <a:endParaRPr/>
+          </a:p>
         </p:txBody>
       </p:sp>
       <p:sp>
         <p:nvSpPr>
           <p:cNvPr id="38" name="Google Shape;38;p14"/>
-          <p:cNvSpPr txBox="1"/>
+          <p:cNvSpPr txBox="1">
+            <a:spLocks noGrp="1"/>
+          </p:cNvSpPr>
           <p:nvPr>
-            <p:ph idx="1" type="subTitle"/>
+            <p:ph type="subTitle" idx="1"/>
           </p:nvPr>
         </p:nvSpPr>
         <p:spPr>
@@ -6526,7 +6637,7 @@
           </a:ln>
         </p:spPr>
         <p:txBody>
-          <a:bodyPr anchorCtr="0" anchor="t" bIns="91425" lIns="91425" spcFirstLastPara="1" rIns="91425" wrap="square" tIns="91425">
+          <a:bodyPr spcFirstLastPara="1" wrap="square" lIns="91425" tIns="91425" rIns="91425" bIns="91425" anchor="t" anchorCtr="0">
             <a:noAutofit/>
           </a:bodyPr>
           <a:lstStyle>
@@ -6657,15 +6768,19 @@
               <a:defRPr sz="2100"/>
             </a:lvl9pPr>
           </a:lstStyle>
-          <a:p/>
+          <a:p>
+            <a:endParaRPr/>
+          </a:p>
         </p:txBody>
       </p:sp>
       <p:sp>
         <p:nvSpPr>
           <p:cNvPr id="39" name="Google Shape;39;p14"/>
-          <p:cNvSpPr txBox="1"/>
+          <p:cNvSpPr txBox="1">
+            <a:spLocks noGrp="1"/>
+          </p:cNvSpPr>
           <p:nvPr>
-            <p:ph idx="2" type="body"/>
+            <p:ph type="body" idx="2"/>
           </p:nvPr>
         </p:nvSpPr>
         <p:spPr>
@@ -6682,11 +6797,11 @@
           </a:ln>
         </p:spPr>
         <p:txBody>
-          <a:bodyPr anchorCtr="0" anchor="ctr" bIns="91425" lIns="91425" spcFirstLastPara="1" rIns="91425" wrap="square" tIns="91425">
+          <a:bodyPr spcFirstLastPara="1" wrap="square" lIns="91425" tIns="91425" rIns="91425" bIns="91425" anchor="ctr" anchorCtr="0">
             <a:noAutofit/>
           </a:bodyPr>
           <a:lstStyle>
-            <a:lvl1pPr indent="-342900" lvl="0" marL="457200" algn="l">
+            <a:lvl1pPr marL="457200" lvl="0" indent="-342900" algn="l">
               <a:lnSpc>
                 <a:spcPct val="115000"/>
               </a:lnSpc>
@@ -6700,7 +6815,7 @@
               <a:buChar char="●"/>
               <a:defRPr/>
             </a:lvl1pPr>
-            <a:lvl2pPr indent="-317500" lvl="1" marL="914400" algn="l">
+            <a:lvl2pPr marL="914400" lvl="1" indent="-317500" algn="l">
               <a:lnSpc>
                 <a:spcPct val="115000"/>
               </a:lnSpc>
@@ -6714,7 +6829,7 @@
               <a:buChar char="○"/>
               <a:defRPr/>
             </a:lvl2pPr>
-            <a:lvl3pPr indent="-317500" lvl="2" marL="1371600" algn="l">
+            <a:lvl3pPr marL="1371600" lvl="2" indent="-317500" algn="l">
               <a:lnSpc>
                 <a:spcPct val="115000"/>
               </a:lnSpc>
@@ -6728,7 +6843,7 @@
               <a:buChar char="■"/>
               <a:defRPr/>
             </a:lvl3pPr>
-            <a:lvl4pPr indent="-317500" lvl="3" marL="1828800" algn="l">
+            <a:lvl4pPr marL="1828800" lvl="3" indent="-317500" algn="l">
               <a:lnSpc>
                 <a:spcPct val="115000"/>
               </a:lnSpc>
@@ -6742,7 +6857,7 @@
               <a:buChar char="●"/>
               <a:defRPr/>
             </a:lvl4pPr>
-            <a:lvl5pPr indent="-317500" lvl="4" marL="2286000" algn="l">
+            <a:lvl5pPr marL="2286000" lvl="4" indent="-317500" algn="l">
               <a:lnSpc>
                 <a:spcPct val="115000"/>
               </a:lnSpc>
@@ -6756,7 +6871,7 @@
               <a:buChar char="○"/>
               <a:defRPr/>
             </a:lvl5pPr>
-            <a:lvl6pPr indent="-317500" lvl="5" marL="2743200" algn="l">
+            <a:lvl6pPr marL="2743200" lvl="5" indent="-317500" algn="l">
               <a:lnSpc>
                 <a:spcPct val="115000"/>
               </a:lnSpc>
@@ -6770,7 +6885,7 @@
               <a:buChar char="■"/>
               <a:defRPr/>
             </a:lvl6pPr>
-            <a:lvl7pPr indent="-317500" lvl="6" marL="3200400" algn="l">
+            <a:lvl7pPr marL="3200400" lvl="6" indent="-317500" algn="l">
               <a:lnSpc>
                 <a:spcPct val="115000"/>
               </a:lnSpc>
@@ -6784,7 +6899,7 @@
               <a:buChar char="●"/>
               <a:defRPr/>
             </a:lvl7pPr>
-            <a:lvl8pPr indent="-317500" lvl="7" marL="3657600" algn="l">
+            <a:lvl8pPr marL="3657600" lvl="7" indent="-317500" algn="l">
               <a:lnSpc>
                 <a:spcPct val="115000"/>
               </a:lnSpc>
@@ -6798,7 +6913,7 @@
               <a:buChar char="○"/>
               <a:defRPr/>
             </a:lvl8pPr>
-            <a:lvl9pPr indent="-317500" lvl="8" marL="4114800" algn="l">
+            <a:lvl9pPr marL="4114800" lvl="8" indent="-317500" algn="l">
               <a:lnSpc>
                 <a:spcPct val="115000"/>
               </a:lnSpc>
@@ -6813,15 +6928,19 @@
               <a:defRPr/>
             </a:lvl9pPr>
           </a:lstStyle>
-          <a:p/>
+          <a:p>
+            <a:endParaRPr/>
+          </a:p>
         </p:txBody>
       </p:sp>
       <p:sp>
         <p:nvSpPr>
           <p:cNvPr id="40" name="Google Shape;40;p14"/>
-          <p:cNvSpPr txBox="1"/>
+          <p:cNvSpPr txBox="1">
+            <a:spLocks noGrp="1"/>
+          </p:cNvSpPr>
           <p:nvPr>
-            <p:ph idx="12" type="sldNum"/>
+            <p:ph type="sldNum" idx="12"/>
           </p:nvPr>
         </p:nvSpPr>
         <p:spPr>
@@ -6838,27 +6957,27 @@
           </a:ln>
         </p:spPr>
         <p:txBody>
-          <a:bodyPr anchorCtr="0" anchor="ctr" bIns="91425" lIns="91425" spcFirstLastPara="1" rIns="91425" wrap="square" tIns="91425">
+          <a:bodyPr spcFirstLastPara="1" wrap="square" lIns="91425" tIns="91425" rIns="91425" bIns="91425" anchor="ctr" anchorCtr="0">
             <a:noAutofit/>
           </a:bodyPr>
           <a:lstStyle>
-            <a:lvl1pPr indent="0" lvl="0" marL="0" marR="0" algn="r">
-              <a:lnSpc>
-                <a:spcPct val="100000"/>
-              </a:lnSpc>
-              <a:spcBef>
-                <a:spcPts val="0"/>
-              </a:spcBef>
-              <a:spcAft>
-                <a:spcPts val="0"/>
-              </a:spcAft>
-              <a:buClr>
-                <a:srgbClr val="000000"/>
-              </a:buClr>
-              <a:buSzPts val="1000"/>
-              <a:buFont typeface="Arial"/>
-              <a:buNone/>
-              <a:defRPr b="0" i="0" sz="1000" u="none" cap="none" strike="noStrike">
+            <a:lvl1pPr marL="0" marR="0" lvl="0" indent="0" algn="r">
+              <a:lnSpc>
+                <a:spcPct val="100000"/>
+              </a:lnSpc>
+              <a:spcBef>
+                <a:spcPts val="0"/>
+              </a:spcBef>
+              <a:spcAft>
+                <a:spcPts val="0"/>
+              </a:spcAft>
+              <a:buClr>
+                <a:srgbClr val="000000"/>
+              </a:buClr>
+              <a:buSzPts val="1000"/>
+              <a:buFont typeface="Arial"/>
+              <a:buNone/>
+              <a:defRPr sz="1000" b="0" i="0" u="none" strike="noStrike" cap="none">
                 <a:solidFill>
                   <a:schemeClr val="dk2"/>
                 </a:solidFill>
@@ -6868,23 +6987,23 @@
                 <a:sym typeface="Arial"/>
               </a:defRPr>
             </a:lvl1pPr>
-            <a:lvl2pPr indent="0" lvl="1" marL="0" marR="0" algn="r">
-              <a:lnSpc>
-                <a:spcPct val="100000"/>
-              </a:lnSpc>
-              <a:spcBef>
-                <a:spcPts val="0"/>
-              </a:spcBef>
-              <a:spcAft>
-                <a:spcPts val="0"/>
-              </a:spcAft>
-              <a:buClr>
-                <a:srgbClr val="000000"/>
-              </a:buClr>
-              <a:buSzPts val="1000"/>
-              <a:buFont typeface="Arial"/>
-              <a:buNone/>
-              <a:defRPr b="0" i="0" sz="1000" u="none" cap="none" strike="noStrike">
+            <a:lvl2pPr marL="0" marR="0" lvl="1" indent="0" algn="r">
+              <a:lnSpc>
+                <a:spcPct val="100000"/>
+              </a:lnSpc>
+              <a:spcBef>
+                <a:spcPts val="0"/>
+              </a:spcBef>
+              <a:spcAft>
+                <a:spcPts val="0"/>
+              </a:spcAft>
+              <a:buClr>
+                <a:srgbClr val="000000"/>
+              </a:buClr>
+              <a:buSzPts val="1000"/>
+              <a:buFont typeface="Arial"/>
+              <a:buNone/>
+              <a:defRPr sz="1000" b="0" i="0" u="none" strike="noStrike" cap="none">
                 <a:solidFill>
                   <a:schemeClr val="dk2"/>
                 </a:solidFill>
@@ -6894,23 +7013,23 @@
                 <a:sym typeface="Arial"/>
               </a:defRPr>
             </a:lvl2pPr>
-            <a:lvl3pPr indent="0" lvl="2" marL="0" marR="0" algn="r">
-              <a:lnSpc>
-                <a:spcPct val="100000"/>
-              </a:lnSpc>
-              <a:spcBef>
-                <a:spcPts val="0"/>
-              </a:spcBef>
-              <a:spcAft>
-                <a:spcPts val="0"/>
-              </a:spcAft>
-              <a:buClr>
-                <a:srgbClr val="000000"/>
-              </a:buClr>
-              <a:buSzPts val="1000"/>
-              <a:buFont typeface="Arial"/>
-              <a:buNone/>
-              <a:defRPr b="0" i="0" sz="1000" u="none" cap="none" strike="noStrike">
+            <a:lvl3pPr marL="0" marR="0" lvl="2" indent="0" algn="r">
+              <a:lnSpc>
+                <a:spcPct val="100000"/>
+              </a:lnSpc>
+              <a:spcBef>
+                <a:spcPts val="0"/>
+              </a:spcBef>
+              <a:spcAft>
+                <a:spcPts val="0"/>
+              </a:spcAft>
+              <a:buClr>
+                <a:srgbClr val="000000"/>
+              </a:buClr>
+              <a:buSzPts val="1000"/>
+              <a:buFont typeface="Arial"/>
+              <a:buNone/>
+              <a:defRPr sz="1000" b="0" i="0" u="none" strike="noStrike" cap="none">
                 <a:solidFill>
                   <a:schemeClr val="dk2"/>
                 </a:solidFill>
@@ -6920,23 +7039,23 @@
                 <a:sym typeface="Arial"/>
               </a:defRPr>
             </a:lvl3pPr>
-            <a:lvl4pPr indent="0" lvl="3" marL="0" marR="0" algn="r">
-              <a:lnSpc>
-                <a:spcPct val="100000"/>
-              </a:lnSpc>
-              <a:spcBef>
-                <a:spcPts val="0"/>
-              </a:spcBef>
-              <a:spcAft>
-                <a:spcPts val="0"/>
-              </a:spcAft>
-              <a:buClr>
-                <a:srgbClr val="000000"/>
-              </a:buClr>
-              <a:buSzPts val="1000"/>
-              <a:buFont typeface="Arial"/>
-              <a:buNone/>
-              <a:defRPr b="0" i="0" sz="1000" u="none" cap="none" strike="noStrike">
+            <a:lvl4pPr marL="0" marR="0" lvl="3" indent="0" algn="r">
+              <a:lnSpc>
+                <a:spcPct val="100000"/>
+              </a:lnSpc>
+              <a:spcBef>
+                <a:spcPts val="0"/>
+              </a:spcBef>
+              <a:spcAft>
+                <a:spcPts val="0"/>
+              </a:spcAft>
+              <a:buClr>
+                <a:srgbClr val="000000"/>
+              </a:buClr>
+              <a:buSzPts val="1000"/>
+              <a:buFont typeface="Arial"/>
+              <a:buNone/>
+              <a:defRPr sz="1000" b="0" i="0" u="none" strike="noStrike" cap="none">
                 <a:solidFill>
                   <a:schemeClr val="dk2"/>
                 </a:solidFill>
@@ -6946,23 +7065,23 @@
                 <a:sym typeface="Arial"/>
               </a:defRPr>
             </a:lvl4pPr>
-            <a:lvl5pPr indent="0" lvl="4" marL="0" marR="0" algn="r">
-              <a:lnSpc>
-                <a:spcPct val="100000"/>
-              </a:lnSpc>
-              <a:spcBef>
-                <a:spcPts val="0"/>
-              </a:spcBef>
-              <a:spcAft>
-                <a:spcPts val="0"/>
-              </a:spcAft>
-              <a:buClr>
-                <a:srgbClr val="000000"/>
-              </a:buClr>
-              <a:buSzPts val="1000"/>
-              <a:buFont typeface="Arial"/>
-              <a:buNone/>
-              <a:defRPr b="0" i="0" sz="1000" u="none" cap="none" strike="noStrike">
+            <a:lvl5pPr marL="0" marR="0" lvl="4" indent="0" algn="r">
+              <a:lnSpc>
+                <a:spcPct val="100000"/>
+              </a:lnSpc>
+              <a:spcBef>
+                <a:spcPts val="0"/>
+              </a:spcBef>
+              <a:spcAft>
+                <a:spcPts val="0"/>
+              </a:spcAft>
+              <a:buClr>
+                <a:srgbClr val="000000"/>
+              </a:buClr>
+              <a:buSzPts val="1000"/>
+              <a:buFont typeface="Arial"/>
+              <a:buNone/>
+              <a:defRPr sz="1000" b="0" i="0" u="none" strike="noStrike" cap="none">
                 <a:solidFill>
                   <a:schemeClr val="dk2"/>
                 </a:solidFill>
@@ -6972,23 +7091,23 @@
                 <a:sym typeface="Arial"/>
               </a:defRPr>
             </a:lvl5pPr>
-            <a:lvl6pPr indent="0" lvl="5" marL="0" marR="0" algn="r">
-              <a:lnSpc>
-                <a:spcPct val="100000"/>
-              </a:lnSpc>
-              <a:spcBef>
-                <a:spcPts val="0"/>
-              </a:spcBef>
-              <a:spcAft>
-                <a:spcPts val="0"/>
-              </a:spcAft>
-              <a:buClr>
-                <a:srgbClr val="000000"/>
-              </a:buClr>
-              <a:buSzPts val="1000"/>
-              <a:buFont typeface="Arial"/>
-              <a:buNone/>
-              <a:defRPr b="0" i="0" sz="1000" u="none" cap="none" strike="noStrike">
+            <a:lvl6pPr marL="0" marR="0" lvl="5" indent="0" algn="r">
+              <a:lnSpc>
+                <a:spcPct val="100000"/>
+              </a:lnSpc>
+              <a:spcBef>
+                <a:spcPts val="0"/>
+              </a:spcBef>
+              <a:spcAft>
+                <a:spcPts val="0"/>
+              </a:spcAft>
+              <a:buClr>
+                <a:srgbClr val="000000"/>
+              </a:buClr>
+              <a:buSzPts val="1000"/>
+              <a:buFont typeface="Arial"/>
+              <a:buNone/>
+              <a:defRPr sz="1000" b="0" i="0" u="none" strike="noStrike" cap="none">
                 <a:solidFill>
                   <a:schemeClr val="dk2"/>
                 </a:solidFill>
@@ -6998,23 +7117,23 @@
                 <a:sym typeface="Arial"/>
               </a:defRPr>
             </a:lvl6pPr>
-            <a:lvl7pPr indent="0" lvl="6" marL="0" marR="0" algn="r">
-              <a:lnSpc>
-                <a:spcPct val="100000"/>
-              </a:lnSpc>
-              <a:spcBef>
-                <a:spcPts val="0"/>
-              </a:spcBef>
-              <a:spcAft>
-                <a:spcPts val="0"/>
-              </a:spcAft>
-              <a:buClr>
-                <a:srgbClr val="000000"/>
-              </a:buClr>
-              <a:buSzPts val="1000"/>
-              <a:buFont typeface="Arial"/>
-              <a:buNone/>
-              <a:defRPr b="0" i="0" sz="1000" u="none" cap="none" strike="noStrike">
+            <a:lvl7pPr marL="0" marR="0" lvl="6" indent="0" algn="r">
+              <a:lnSpc>
+                <a:spcPct val="100000"/>
+              </a:lnSpc>
+              <a:spcBef>
+                <a:spcPts val="0"/>
+              </a:spcBef>
+              <a:spcAft>
+                <a:spcPts val="0"/>
+              </a:spcAft>
+              <a:buClr>
+                <a:srgbClr val="000000"/>
+              </a:buClr>
+              <a:buSzPts val="1000"/>
+              <a:buFont typeface="Arial"/>
+              <a:buNone/>
+              <a:defRPr sz="1000" b="0" i="0" u="none" strike="noStrike" cap="none">
                 <a:solidFill>
                   <a:schemeClr val="dk2"/>
                 </a:solidFill>
@@ -7024,23 +7143,23 @@
                 <a:sym typeface="Arial"/>
               </a:defRPr>
             </a:lvl7pPr>
-            <a:lvl8pPr indent="0" lvl="7" marL="0" marR="0" algn="r">
-              <a:lnSpc>
-                <a:spcPct val="100000"/>
-              </a:lnSpc>
-              <a:spcBef>
-                <a:spcPts val="0"/>
-              </a:spcBef>
-              <a:spcAft>
-                <a:spcPts val="0"/>
-              </a:spcAft>
-              <a:buClr>
-                <a:srgbClr val="000000"/>
-              </a:buClr>
-              <a:buSzPts val="1000"/>
-              <a:buFont typeface="Arial"/>
-              <a:buNone/>
-              <a:defRPr b="0" i="0" sz="1000" u="none" cap="none" strike="noStrike">
+            <a:lvl8pPr marL="0" marR="0" lvl="7" indent="0" algn="r">
+              <a:lnSpc>
+                <a:spcPct val="100000"/>
+              </a:lnSpc>
+              <a:spcBef>
+                <a:spcPts val="0"/>
+              </a:spcBef>
+              <a:spcAft>
+                <a:spcPts val="0"/>
+              </a:spcAft>
+              <a:buClr>
+                <a:srgbClr val="000000"/>
+              </a:buClr>
+              <a:buSzPts val="1000"/>
+              <a:buFont typeface="Arial"/>
+              <a:buNone/>
+              <a:defRPr sz="1000" b="0" i="0" u="none" strike="noStrike" cap="none">
                 <a:solidFill>
                   <a:schemeClr val="dk2"/>
                 </a:solidFill>
@@ -7050,23 +7169,23 @@
                 <a:sym typeface="Arial"/>
               </a:defRPr>
             </a:lvl8pPr>
-            <a:lvl9pPr indent="0" lvl="8" marL="0" marR="0" algn="r">
-              <a:lnSpc>
-                <a:spcPct val="100000"/>
-              </a:lnSpc>
-              <a:spcBef>
-                <a:spcPts val="0"/>
-              </a:spcBef>
-              <a:spcAft>
-                <a:spcPts val="0"/>
-              </a:spcAft>
-              <a:buClr>
-                <a:srgbClr val="000000"/>
-              </a:buClr>
-              <a:buSzPts val="1000"/>
-              <a:buFont typeface="Arial"/>
-              <a:buNone/>
-              <a:defRPr b="0" i="0" sz="1000" u="none" cap="none" strike="noStrike">
+            <a:lvl9pPr marL="0" marR="0" lvl="8" indent="0" algn="r">
+              <a:lnSpc>
+                <a:spcPct val="100000"/>
+              </a:lnSpc>
+              <a:spcBef>
+                <a:spcPts val="0"/>
+              </a:spcBef>
+              <a:spcAft>
+                <a:spcPts val="0"/>
+              </a:spcAft>
+              <a:buClr>
+                <a:srgbClr val="000000"/>
+              </a:buClr>
+              <a:buSzPts val="1000"/>
+              <a:buFont typeface="Arial"/>
+              <a:buNone/>
+              <a:defRPr sz="1000" b="0" i="0" u="none" strike="noStrike" cap="none">
                 <a:solidFill>
                   <a:schemeClr val="dk2"/>
                 </a:solidFill>
@@ -7078,7 +7197,7 @@
             </a:lvl9pPr>
           </a:lstStyle>
           <a:p>
-            <a:pPr indent="0" lvl="0" marL="0" rtl="0" algn="r">
+            <a:pPr marL="0" lvl="0" indent="0" algn="r" rtl="0">
               <a:spcBef>
                 <a:spcPts val="0"/>
               </a:spcBef>
@@ -7089,7 +7208,7 @@
             </a:pPr>
             <a:fld id="{00000000-1234-1234-1234-123412341234}" type="slidenum">
               <a:rPr lang="pt-BR"/>
-              <a:t>‹#›</a:t>
+              <a:t>‹nº›</a:t>
             </a:fld>
             <a:endParaRPr/>
           </a:p>
@@ -7104,11 +7223,11 @@
 </file>
 
 <file path=ppt/slideLayouts/slideLayout9.xml><?xml version="1.0" encoding="utf-8"?>
-<p:sldLayout xmlns:a="http://schemas.openxmlformats.org/drawingml/2006/main" xmlns:r="http://schemas.openxmlformats.org/officeDocument/2006/relationships" xmlns:mc="http://schemas.openxmlformats.org/markup-compatibility/2006" xmlns:mv="urn:schemas-microsoft-com:mac:vml" xmlns:p="http://schemas.openxmlformats.org/presentationml/2006/main" xmlns:c="http://schemas.openxmlformats.org/drawingml/2006/chart" xmlns:dgm="http://schemas.openxmlformats.org/drawingml/2006/diagram" xmlns:o="urn:schemas-microsoft-com:office:office" xmlns:v="urn:schemas-microsoft-com:vml" xmlns:pvml="urn:schemas-microsoft-com:office:powerpoint" xmlns:com="http://schemas.openxmlformats.org/drawingml/2006/compatibility" xmlns:p14="http://schemas.microsoft.com/office/powerpoint/2010/main" xmlns:p15="http://schemas.microsoft.com/office/powerpoint/2012/main" xmlns:ahyp="http://schemas.microsoft.com/office/drawing/2018/hyperlinkcolor" matchingName="Caption">
+<p:sldLayout xmlns:a="http://schemas.openxmlformats.org/drawingml/2006/main" xmlns:r="http://schemas.openxmlformats.org/officeDocument/2006/relationships" xmlns:p="http://schemas.openxmlformats.org/presentationml/2006/main" matchingName="Caption">
   <p:cSld name="CAPTION_ONLY">
     <p:spTree>
       <p:nvGrpSpPr>
-        <p:cNvPr id="41" name="Shape 41"/>
+        <p:cNvPr id="1" name="Shape 41"/>
         <p:cNvGrpSpPr/>
         <p:nvPr/>
       </p:nvGrpSpPr>
@@ -7123,9 +7242,11 @@
       <p:sp>
         <p:nvSpPr>
           <p:cNvPr id="42" name="Google Shape;42;p15"/>
-          <p:cNvSpPr txBox="1"/>
+          <p:cNvSpPr txBox="1">
+            <a:spLocks noGrp="1"/>
+          </p:cNvSpPr>
           <p:nvPr>
-            <p:ph idx="1" type="body"/>
+            <p:ph type="body" idx="1"/>
           </p:nvPr>
         </p:nvSpPr>
         <p:spPr>
@@ -7142,11 +7263,11 @@
           </a:ln>
         </p:spPr>
         <p:txBody>
-          <a:bodyPr anchorCtr="0" anchor="ctr" bIns="91425" lIns="91425" spcFirstLastPara="1" rIns="91425" wrap="square" tIns="91425">
+          <a:bodyPr spcFirstLastPara="1" wrap="square" lIns="91425" tIns="91425" rIns="91425" bIns="91425" anchor="ctr" anchorCtr="0">
             <a:noAutofit/>
           </a:bodyPr>
           <a:lstStyle>
-            <a:lvl1pPr indent="-228600" lvl="0" marL="457200" algn="l">
+            <a:lvl1pPr marL="457200" lvl="0" indent="-228600" algn="l">
               <a:lnSpc>
                 <a:spcPct val="100000"/>
               </a:lnSpc>
@@ -7161,15 +7282,19 @@
               <a:defRPr/>
             </a:lvl1pPr>
           </a:lstStyle>
-          <a:p/>
+          <a:p>
+            <a:endParaRPr/>
+          </a:p>
         </p:txBody>
       </p:sp>
       <p:sp>
         <p:nvSpPr>
           <p:cNvPr id="43" name="Google Shape;43;p15"/>
-          <p:cNvSpPr txBox="1"/>
+          <p:cNvSpPr txBox="1">
+            <a:spLocks noGrp="1"/>
+          </p:cNvSpPr>
           <p:nvPr>
-            <p:ph idx="12" type="sldNum"/>
+            <p:ph type="sldNum" idx="12"/>
           </p:nvPr>
         </p:nvSpPr>
         <p:spPr>
@@ -7186,27 +7311,27 @@
           </a:ln>
         </p:spPr>
         <p:txBody>
-          <a:bodyPr anchorCtr="0" anchor="ctr" bIns="91425" lIns="91425" spcFirstLastPara="1" rIns="91425" wrap="square" tIns="91425">
+          <a:bodyPr spcFirstLastPara="1" wrap="square" lIns="91425" tIns="91425" rIns="91425" bIns="91425" anchor="ctr" anchorCtr="0">
             <a:noAutofit/>
           </a:bodyPr>
           <a:lstStyle>
-            <a:lvl1pPr indent="0" lvl="0" marL="0" marR="0" algn="r">
-              <a:lnSpc>
-                <a:spcPct val="100000"/>
-              </a:lnSpc>
-              <a:spcBef>
-                <a:spcPts val="0"/>
-              </a:spcBef>
-              <a:spcAft>
-                <a:spcPts val="0"/>
-              </a:spcAft>
-              <a:buClr>
-                <a:srgbClr val="000000"/>
-              </a:buClr>
-              <a:buSzPts val="1000"/>
-              <a:buFont typeface="Arial"/>
-              <a:buNone/>
-              <a:defRPr b="0" i="0" sz="1000" u="none" cap="none" strike="noStrike">
+            <a:lvl1pPr marL="0" marR="0" lvl="0" indent="0" algn="r">
+              <a:lnSpc>
+                <a:spcPct val="100000"/>
+              </a:lnSpc>
+              <a:spcBef>
+                <a:spcPts val="0"/>
+              </a:spcBef>
+              <a:spcAft>
+                <a:spcPts val="0"/>
+              </a:spcAft>
+              <a:buClr>
+                <a:srgbClr val="000000"/>
+              </a:buClr>
+              <a:buSzPts val="1000"/>
+              <a:buFont typeface="Arial"/>
+              <a:buNone/>
+              <a:defRPr sz="1000" b="0" i="0" u="none" strike="noStrike" cap="none">
                 <a:solidFill>
                   <a:schemeClr val="dk2"/>
                 </a:solidFill>
@@ -7216,23 +7341,23 @@
                 <a:sym typeface="Arial"/>
               </a:defRPr>
             </a:lvl1pPr>
-            <a:lvl2pPr indent="0" lvl="1" marL="0" marR="0" algn="r">
-              <a:lnSpc>
-                <a:spcPct val="100000"/>
-              </a:lnSpc>
-              <a:spcBef>
-                <a:spcPts val="0"/>
-              </a:spcBef>
-              <a:spcAft>
-                <a:spcPts val="0"/>
-              </a:spcAft>
-              <a:buClr>
-                <a:srgbClr val="000000"/>
-              </a:buClr>
-              <a:buSzPts val="1000"/>
-              <a:buFont typeface="Arial"/>
-              <a:buNone/>
-              <a:defRPr b="0" i="0" sz="1000" u="none" cap="none" strike="noStrike">
+            <a:lvl2pPr marL="0" marR="0" lvl="1" indent="0" algn="r">
+              <a:lnSpc>
+                <a:spcPct val="100000"/>
+              </a:lnSpc>
+              <a:spcBef>
+                <a:spcPts val="0"/>
+              </a:spcBef>
+              <a:spcAft>
+                <a:spcPts val="0"/>
+              </a:spcAft>
+              <a:buClr>
+                <a:srgbClr val="000000"/>
+              </a:buClr>
+              <a:buSzPts val="1000"/>
+              <a:buFont typeface="Arial"/>
+              <a:buNone/>
+              <a:defRPr sz="1000" b="0" i="0" u="none" strike="noStrike" cap="none">
                 <a:solidFill>
                   <a:schemeClr val="dk2"/>
                 </a:solidFill>
@@ -7242,23 +7367,23 @@
                 <a:sym typeface="Arial"/>
               </a:defRPr>
             </a:lvl2pPr>
-            <a:lvl3pPr indent="0" lvl="2" marL="0" marR="0" algn="r">
-              <a:lnSpc>
-                <a:spcPct val="100000"/>
-              </a:lnSpc>
-              <a:spcBef>
-                <a:spcPts val="0"/>
-              </a:spcBef>
-              <a:spcAft>
-                <a:spcPts val="0"/>
-              </a:spcAft>
-              <a:buClr>
-                <a:srgbClr val="000000"/>
-              </a:buClr>
-              <a:buSzPts val="1000"/>
-              <a:buFont typeface="Arial"/>
-              <a:buNone/>
-              <a:defRPr b="0" i="0" sz="1000" u="none" cap="none" strike="noStrike">
+            <a:lvl3pPr marL="0" marR="0" lvl="2" indent="0" algn="r">
+              <a:lnSpc>
+                <a:spcPct val="100000"/>
+              </a:lnSpc>
+              <a:spcBef>
+                <a:spcPts val="0"/>
+              </a:spcBef>
+              <a:spcAft>
+                <a:spcPts val="0"/>
+              </a:spcAft>
+              <a:buClr>
+                <a:srgbClr val="000000"/>
+              </a:buClr>
+              <a:buSzPts val="1000"/>
+              <a:buFont typeface="Arial"/>
+              <a:buNone/>
+              <a:defRPr sz="1000" b="0" i="0" u="none" strike="noStrike" cap="none">
                 <a:solidFill>
                   <a:schemeClr val="dk2"/>
                 </a:solidFill>
@@ -7268,23 +7393,23 @@
                 <a:sym typeface="Arial"/>
               </a:defRPr>
             </a:lvl3pPr>
-            <a:lvl4pPr indent="0" lvl="3" marL="0" marR="0" algn="r">
-              <a:lnSpc>
-                <a:spcPct val="100000"/>
-              </a:lnSpc>
-              <a:spcBef>
-                <a:spcPts val="0"/>
-              </a:spcBef>
-              <a:spcAft>
-                <a:spcPts val="0"/>
-              </a:spcAft>
-              <a:buClr>
-                <a:srgbClr val="000000"/>
-              </a:buClr>
-              <a:buSzPts val="1000"/>
-              <a:buFont typeface="Arial"/>
-              <a:buNone/>
-              <a:defRPr b="0" i="0" sz="1000" u="none" cap="none" strike="noStrike">
+            <a:lvl4pPr marL="0" marR="0" lvl="3" indent="0" algn="r">
+              <a:lnSpc>
+                <a:spcPct val="100000"/>
+              </a:lnSpc>
+              <a:spcBef>
+                <a:spcPts val="0"/>
+              </a:spcBef>
+              <a:spcAft>
+                <a:spcPts val="0"/>
+              </a:spcAft>
+              <a:buClr>
+                <a:srgbClr val="000000"/>
+              </a:buClr>
+              <a:buSzPts val="1000"/>
+              <a:buFont typeface="Arial"/>
+              <a:buNone/>
+              <a:defRPr sz="1000" b="0" i="0" u="none" strike="noStrike" cap="none">
                 <a:solidFill>
                   <a:schemeClr val="dk2"/>
                 </a:solidFill>
@@ -7294,23 +7419,23 @@
                 <a:sym typeface="Arial"/>
               </a:defRPr>
             </a:lvl4pPr>
-            <a:lvl5pPr indent="0" lvl="4" marL="0" marR="0" algn="r">
-              <a:lnSpc>
-                <a:spcPct val="100000"/>
-              </a:lnSpc>
-              <a:spcBef>
-                <a:spcPts val="0"/>
-              </a:spcBef>
-              <a:spcAft>
-                <a:spcPts val="0"/>
-              </a:spcAft>
-              <a:buClr>
-                <a:srgbClr val="000000"/>
-              </a:buClr>
-              <a:buSzPts val="1000"/>
-              <a:buFont typeface="Arial"/>
-              <a:buNone/>
-              <a:defRPr b="0" i="0" sz="1000" u="none" cap="none" strike="noStrike">
+            <a:lvl5pPr marL="0" marR="0" lvl="4" indent="0" algn="r">
+              <a:lnSpc>
+                <a:spcPct val="100000"/>
+              </a:lnSpc>
+              <a:spcBef>
+                <a:spcPts val="0"/>
+              </a:spcBef>
+              <a:spcAft>
+                <a:spcPts val="0"/>
+              </a:spcAft>
+              <a:buClr>
+                <a:srgbClr val="000000"/>
+              </a:buClr>
+              <a:buSzPts val="1000"/>
+              <a:buFont typeface="Arial"/>
+              <a:buNone/>
+              <a:defRPr sz="1000" b="0" i="0" u="none" strike="noStrike" cap="none">
                 <a:solidFill>
                   <a:schemeClr val="dk2"/>
                 </a:solidFill>
@@ -7320,23 +7445,23 @@
                 <a:sym typeface="Arial"/>
               </a:defRPr>
             </a:lvl5pPr>
-            <a:lvl6pPr indent="0" lvl="5" marL="0" marR="0" algn="r">
-              <a:lnSpc>
-                <a:spcPct val="100000"/>
-              </a:lnSpc>
-              <a:spcBef>
-                <a:spcPts val="0"/>
-              </a:spcBef>
-              <a:spcAft>
-                <a:spcPts val="0"/>
-              </a:spcAft>
-              <a:buClr>
-                <a:srgbClr val="000000"/>
-              </a:buClr>
-              <a:buSzPts val="1000"/>
-              <a:buFont typeface="Arial"/>
-              <a:buNone/>
-              <a:defRPr b="0" i="0" sz="1000" u="none" cap="none" strike="noStrike">
+            <a:lvl6pPr marL="0" marR="0" lvl="5" indent="0" algn="r">
+              <a:lnSpc>
+                <a:spcPct val="100000"/>
+              </a:lnSpc>
+              <a:spcBef>
+                <a:spcPts val="0"/>
+              </a:spcBef>
+              <a:spcAft>
+                <a:spcPts val="0"/>
+              </a:spcAft>
+              <a:buClr>
+                <a:srgbClr val="000000"/>
+              </a:buClr>
+              <a:buSzPts val="1000"/>
+              <a:buFont typeface="Arial"/>
+              <a:buNone/>
+              <a:defRPr sz="1000" b="0" i="0" u="none" strike="noStrike" cap="none">
                 <a:solidFill>
                   <a:schemeClr val="dk2"/>
                 </a:solidFill>
@@ -7346,23 +7471,23 @@
                 <a:sym typeface="Arial"/>
               </a:defRPr>
             </a:lvl6pPr>
-            <a:lvl7pPr indent="0" lvl="6" marL="0" marR="0" algn="r">
-              <a:lnSpc>
-                <a:spcPct val="100000"/>
-              </a:lnSpc>
-              <a:spcBef>
-                <a:spcPts val="0"/>
-              </a:spcBef>
-              <a:spcAft>
-                <a:spcPts val="0"/>
-              </a:spcAft>
-              <a:buClr>
-                <a:srgbClr val="000000"/>
-              </a:buClr>
-              <a:buSzPts val="1000"/>
-              <a:buFont typeface="Arial"/>
-              <a:buNone/>
-              <a:defRPr b="0" i="0" sz="1000" u="none" cap="none" strike="noStrike">
+            <a:lvl7pPr marL="0" marR="0" lvl="6" indent="0" algn="r">
+              <a:lnSpc>
+                <a:spcPct val="100000"/>
+              </a:lnSpc>
+              <a:spcBef>
+                <a:spcPts val="0"/>
+              </a:spcBef>
+              <a:spcAft>
+                <a:spcPts val="0"/>
+              </a:spcAft>
+              <a:buClr>
+                <a:srgbClr val="000000"/>
+              </a:buClr>
+              <a:buSzPts val="1000"/>
+              <a:buFont typeface="Arial"/>
+              <a:buNone/>
+              <a:defRPr sz="1000" b="0" i="0" u="none" strike="noStrike" cap="none">
                 <a:solidFill>
                   <a:schemeClr val="dk2"/>
                 </a:solidFill>
@@ -7372,23 +7497,23 @@
                 <a:sym typeface="Arial"/>
               </a:defRPr>
             </a:lvl7pPr>
-            <a:lvl8pPr indent="0" lvl="7" marL="0" marR="0" algn="r">
-              <a:lnSpc>
-                <a:spcPct val="100000"/>
-              </a:lnSpc>
-              <a:spcBef>
-                <a:spcPts val="0"/>
-              </a:spcBef>
-              <a:spcAft>
-                <a:spcPts val="0"/>
-              </a:spcAft>
-              <a:buClr>
-                <a:srgbClr val="000000"/>
-              </a:buClr>
-              <a:buSzPts val="1000"/>
-              <a:buFont typeface="Arial"/>
-              <a:buNone/>
-              <a:defRPr b="0" i="0" sz="1000" u="none" cap="none" strike="noStrike">
+            <a:lvl8pPr marL="0" marR="0" lvl="7" indent="0" algn="r">
+              <a:lnSpc>
+                <a:spcPct val="100000"/>
+              </a:lnSpc>
+              <a:spcBef>
+                <a:spcPts val="0"/>
+              </a:spcBef>
+              <a:spcAft>
+                <a:spcPts val="0"/>
+              </a:spcAft>
+              <a:buClr>
+                <a:srgbClr val="000000"/>
+              </a:buClr>
+              <a:buSzPts val="1000"/>
+              <a:buFont typeface="Arial"/>
+              <a:buNone/>
+              <a:defRPr sz="1000" b="0" i="0" u="none" strike="noStrike" cap="none">
                 <a:solidFill>
                   <a:schemeClr val="dk2"/>
                 </a:solidFill>
@@ -7398,23 +7523,23 @@
                 <a:sym typeface="Arial"/>
               </a:defRPr>
             </a:lvl8pPr>
-            <a:lvl9pPr indent="0" lvl="8" marL="0" marR="0" algn="r">
-              <a:lnSpc>
-                <a:spcPct val="100000"/>
-              </a:lnSpc>
-              <a:spcBef>
-                <a:spcPts val="0"/>
-              </a:spcBef>
-              <a:spcAft>
-                <a:spcPts val="0"/>
-              </a:spcAft>
-              <a:buClr>
-                <a:srgbClr val="000000"/>
-              </a:buClr>
-              <a:buSzPts val="1000"/>
-              <a:buFont typeface="Arial"/>
-              <a:buNone/>
-              <a:defRPr b="0" i="0" sz="1000" u="none" cap="none" strike="noStrike">
+            <a:lvl9pPr marL="0" marR="0" lvl="8" indent="0" algn="r">
+              <a:lnSpc>
+                <a:spcPct val="100000"/>
+              </a:lnSpc>
+              <a:spcBef>
+                <a:spcPts val="0"/>
+              </a:spcBef>
+              <a:spcAft>
+                <a:spcPts val="0"/>
+              </a:spcAft>
+              <a:buClr>
+                <a:srgbClr val="000000"/>
+              </a:buClr>
+              <a:buSzPts val="1000"/>
+              <a:buFont typeface="Arial"/>
+              <a:buNone/>
+              <a:defRPr sz="1000" b="0" i="0" u="none" strike="noStrike" cap="none">
                 <a:solidFill>
                   <a:schemeClr val="dk2"/>
                 </a:solidFill>
@@ -7426,7 +7551,7 @@
             </a:lvl9pPr>
           </a:lstStyle>
           <a:p>
-            <a:pPr indent="0" lvl="0" marL="0" rtl="0" algn="r">
+            <a:pPr marL="0" lvl="0" indent="0" algn="r" rtl="0">
               <a:spcBef>
                 <a:spcPts val="0"/>
               </a:spcBef>
@@ -7437,7 +7562,7 @@
             </a:pPr>
             <a:fld id="{00000000-1234-1234-1234-123412341234}" type="slidenum">
               <a:rPr lang="pt-BR"/>
-              <a:t>‹#›</a:t>
+              <a:t>‹nº›</a:t>
             </a:fld>
             <a:endParaRPr/>
           </a:p>
@@ -7452,18 +7577,19 @@
 </file>
 
 <file path=ppt/slideMasters/slideMaster1.xml><?xml version="1.0" encoding="utf-8"?>
-<p:sldMaster xmlns:a="http://schemas.openxmlformats.org/drawingml/2006/main" xmlns:r="http://schemas.openxmlformats.org/officeDocument/2006/relationships" xmlns:mc="http://schemas.openxmlformats.org/markup-compatibility/2006" xmlns:mv="urn:schemas-microsoft-com:mac:vml" xmlns:p="http://schemas.openxmlformats.org/presentationml/2006/main" xmlns:c="http://schemas.openxmlformats.org/drawingml/2006/chart" xmlns:dgm="http://schemas.openxmlformats.org/drawingml/2006/diagram" xmlns:o="urn:schemas-microsoft-com:office:office" xmlns:v="urn:schemas-microsoft-com:vml" xmlns:pvml="urn:schemas-microsoft-com:office:powerpoint" xmlns:com="http://schemas.openxmlformats.org/drawingml/2006/compatibility" xmlns:p14="http://schemas.microsoft.com/office/powerpoint/2010/main" xmlns:p15="http://schemas.microsoft.com/office/powerpoint/2012/main" xmlns:ahyp="http://schemas.microsoft.com/office/drawing/2018/hyperlinkcolor">
+<p:sldMaster xmlns:a="http://schemas.openxmlformats.org/drawingml/2006/main" xmlns:r="http://schemas.openxmlformats.org/officeDocument/2006/relationships" xmlns:p="http://schemas.openxmlformats.org/presentationml/2006/main">
   <p:cSld name="simple-light-2">
     <p:bg>
       <p:bgPr>
         <a:solidFill>
           <a:schemeClr val="lt1"/>
         </a:solidFill>
+        <a:effectLst/>
       </p:bgPr>
     </p:bg>
     <p:spTree>
       <p:nvGrpSpPr>
-        <p:cNvPr id="5" name="Shape 5"/>
+        <p:cNvPr id="1" name="Shape 5"/>
         <p:cNvGrpSpPr/>
         <p:nvPr/>
       </p:nvGrpSpPr>
@@ -7478,7 +7604,9 @@
       <p:sp>
         <p:nvSpPr>
           <p:cNvPr id="6" name="Google Shape;6;p6"/>
-          <p:cNvSpPr txBox="1"/>
+          <p:cNvSpPr txBox="1">
+            <a:spLocks noGrp="1"/>
+          </p:cNvSpPr>
           <p:nvPr>
             <p:ph type="title"/>
           </p:nvPr>
@@ -7497,11 +7625,11 @@
           </a:ln>
         </p:spPr>
         <p:txBody>
-          <a:bodyPr anchorCtr="0" anchor="t" bIns="91425" lIns="91425" spcFirstLastPara="1" rIns="91425" wrap="square" tIns="91425">
+          <a:bodyPr spcFirstLastPara="1" wrap="square" lIns="91425" tIns="91425" rIns="91425" bIns="91425" anchor="t" anchorCtr="0">
             <a:noAutofit/>
           </a:bodyPr>
           <a:lstStyle>
-            <a:lvl1pPr lvl="0" marR="0" rtl="0" algn="l">
+            <a:lvl1pPr marR="0" lvl="0" algn="l" rtl="0">
               <a:lnSpc>
                 <a:spcPct val="100000"/>
               </a:lnSpc>
@@ -7517,7 +7645,7 @@
               <a:buSzPts val="2800"/>
               <a:buFont typeface="Arial"/>
               <a:buNone/>
-              <a:defRPr b="0" i="0" sz="2800" u="none" cap="none" strike="noStrike">
+              <a:defRPr sz="2800" b="0" i="0" u="none" strike="noStrike" cap="none">
                 <a:solidFill>
                   <a:schemeClr val="dk1"/>
                 </a:solidFill>
@@ -7527,7 +7655,7 @@
                 <a:sym typeface="Arial"/>
               </a:defRPr>
             </a:lvl1pPr>
-            <a:lvl2pPr lvl="1" marR="0" rtl="0" algn="l">
+            <a:lvl2pPr marR="0" lvl="1" algn="l" rtl="0">
               <a:lnSpc>
                 <a:spcPct val="100000"/>
               </a:lnSpc>
@@ -7543,7 +7671,7 @@
               <a:buSzPts val="2800"/>
               <a:buFont typeface="Arial"/>
               <a:buNone/>
-              <a:defRPr b="0" i="0" sz="2800" u="none" cap="none" strike="noStrike">
+              <a:defRPr sz="2800" b="0" i="0" u="none" strike="noStrike" cap="none">
                 <a:solidFill>
                   <a:schemeClr val="dk1"/>
                 </a:solidFill>
@@ -7553,7 +7681,7 @@
                 <a:sym typeface="Arial"/>
               </a:defRPr>
             </a:lvl2pPr>
-            <a:lvl3pPr lvl="2" marR="0" rtl="0" algn="l">
+            <a:lvl3pPr marR="0" lvl="2" algn="l" rtl="0">
               <a:lnSpc>
                 <a:spcPct val="100000"/>
               </a:lnSpc>
@@ -7569,7 +7697,7 @@
               <a:buSzPts val="2800"/>
               <a:buFont typeface="Arial"/>
               <a:buNone/>
-              <a:defRPr b="0" i="0" sz="2800" u="none" cap="none" strike="noStrike">
+              <a:defRPr sz="2800" b="0" i="0" u="none" strike="noStrike" cap="none">
                 <a:solidFill>
                   <a:schemeClr val="dk1"/>
                 </a:solidFill>
@@ -7579,7 +7707,7 @@
                 <a:sym typeface="Arial"/>
               </a:defRPr>
             </a:lvl3pPr>
-            <a:lvl4pPr lvl="3" marR="0" rtl="0" algn="l">
+            <a:lvl4pPr marR="0" lvl="3" algn="l" rtl="0">
               <a:lnSpc>
                 <a:spcPct val="100000"/>
               </a:lnSpc>
@@ -7595,7 +7723,7 @@
               <a:buSzPts val="2800"/>
               <a:buFont typeface="Arial"/>
               <a:buNone/>
-              <a:defRPr b="0" i="0" sz="2800" u="none" cap="none" strike="noStrike">
+              <a:defRPr sz="2800" b="0" i="0" u="none" strike="noStrike" cap="none">
                 <a:solidFill>
                   <a:schemeClr val="dk1"/>
                 </a:solidFill>
@@ -7605,7 +7733,7 @@
                 <a:sym typeface="Arial"/>
               </a:defRPr>
             </a:lvl4pPr>
-            <a:lvl5pPr lvl="4" marR="0" rtl="0" algn="l">
+            <a:lvl5pPr marR="0" lvl="4" algn="l" rtl="0">
               <a:lnSpc>
                 <a:spcPct val="100000"/>
               </a:lnSpc>
@@ -7621,7 +7749,7 @@
               <a:buSzPts val="2800"/>
               <a:buFont typeface="Arial"/>
               <a:buNone/>
-              <a:defRPr b="0" i="0" sz="2800" u="none" cap="none" strike="noStrike">
+              <a:defRPr sz="2800" b="0" i="0" u="none" strike="noStrike" cap="none">
                 <a:solidFill>
                   <a:schemeClr val="dk1"/>
                 </a:solidFill>
@@ -7631,7 +7759,7 @@
                 <a:sym typeface="Arial"/>
               </a:defRPr>
             </a:lvl5pPr>
-            <a:lvl6pPr lvl="5" marR="0" rtl="0" algn="l">
+            <a:lvl6pPr marR="0" lvl="5" algn="l" rtl="0">
               <a:lnSpc>
                 <a:spcPct val="100000"/>
               </a:lnSpc>
@@ -7647,7 +7775,7 @@
               <a:buSzPts val="2800"/>
               <a:buFont typeface="Arial"/>
               <a:buNone/>
-              <a:defRPr b="0" i="0" sz="2800" u="none" cap="none" strike="noStrike">
+              <a:defRPr sz="2800" b="0" i="0" u="none" strike="noStrike" cap="none">
                 <a:solidFill>
                   <a:schemeClr val="dk1"/>
                 </a:solidFill>
@@ -7657,7 +7785,7 @@
                 <a:sym typeface="Arial"/>
               </a:defRPr>
             </a:lvl6pPr>
-            <a:lvl7pPr lvl="6" marR="0" rtl="0" algn="l">
+            <a:lvl7pPr marR="0" lvl="6" algn="l" rtl="0">
               <a:lnSpc>
                 <a:spcPct val="100000"/>
               </a:lnSpc>
@@ -7673,7 +7801,7 @@
               <a:buSzPts val="2800"/>
               <a:buFont typeface="Arial"/>
               <a:buNone/>
-              <a:defRPr b="0" i="0" sz="2800" u="none" cap="none" strike="noStrike">
+              <a:defRPr sz="2800" b="0" i="0" u="none" strike="noStrike" cap="none">
                 <a:solidFill>
                   <a:schemeClr val="dk1"/>
                 </a:solidFill>
@@ -7683,7 +7811,7 @@
                 <a:sym typeface="Arial"/>
               </a:defRPr>
             </a:lvl7pPr>
-            <a:lvl8pPr lvl="7" marR="0" rtl="0" algn="l">
+            <a:lvl8pPr marR="0" lvl="7" algn="l" rtl="0">
               <a:lnSpc>
                 <a:spcPct val="100000"/>
               </a:lnSpc>
@@ -7699,7 +7827,7 @@
               <a:buSzPts val="2800"/>
               <a:buFont typeface="Arial"/>
               <a:buNone/>
-              <a:defRPr b="0" i="0" sz="2800" u="none" cap="none" strike="noStrike">
+              <a:defRPr sz="2800" b="0" i="0" u="none" strike="noStrike" cap="none">
                 <a:solidFill>
                   <a:schemeClr val="dk1"/>
                 </a:solidFill>
@@ -7709,7 +7837,7 @@
                 <a:sym typeface="Arial"/>
               </a:defRPr>
             </a:lvl8pPr>
-            <a:lvl9pPr lvl="8" marR="0" rtl="0" algn="l">
+            <a:lvl9pPr marR="0" lvl="8" algn="l" rtl="0">
               <a:lnSpc>
                 <a:spcPct val="100000"/>
               </a:lnSpc>
@@ -7725,7 +7853,7 @@
               <a:buSzPts val="2800"/>
               <a:buFont typeface="Arial"/>
               <a:buNone/>
-              <a:defRPr b="0" i="0" sz="2800" u="none" cap="none" strike="noStrike">
+              <a:defRPr sz="2800" b="0" i="0" u="none" strike="noStrike" cap="none">
                 <a:solidFill>
                   <a:schemeClr val="dk1"/>
                 </a:solidFill>
@@ -7736,15 +7864,19 @@
               </a:defRPr>
             </a:lvl9pPr>
           </a:lstStyle>
-          <a:p/>
+          <a:p>
+            <a:endParaRPr/>
+          </a:p>
         </p:txBody>
       </p:sp>
       <p:sp>
         <p:nvSpPr>
           <p:cNvPr id="7" name="Google Shape;7;p6"/>
-          <p:cNvSpPr txBox="1"/>
+          <p:cNvSpPr txBox="1">
+            <a:spLocks noGrp="1"/>
+          </p:cNvSpPr>
           <p:nvPr>
-            <p:ph idx="1" type="body"/>
+            <p:ph type="body" idx="1"/>
           </p:nvPr>
         </p:nvSpPr>
         <p:spPr>
@@ -7761,11 +7893,11 @@
           </a:ln>
         </p:spPr>
         <p:txBody>
-          <a:bodyPr anchorCtr="0" anchor="t" bIns="91425" lIns="91425" spcFirstLastPara="1" rIns="91425" wrap="square" tIns="91425">
+          <a:bodyPr spcFirstLastPara="1" wrap="square" lIns="91425" tIns="91425" rIns="91425" bIns="91425" anchor="t" anchorCtr="0">
             <a:noAutofit/>
           </a:bodyPr>
           <a:lstStyle>
-            <a:lvl1pPr indent="-342900" lvl="0" marL="457200" marR="0" rtl="0" algn="l">
+            <a:lvl1pPr marL="457200" marR="0" lvl="0" indent="-342900" algn="l" rtl="0">
               <a:lnSpc>
                 <a:spcPct val="115000"/>
               </a:lnSpc>
@@ -7781,7 +7913,7 @@
               <a:buSzPts val="1800"/>
               <a:buFont typeface="Arial"/>
               <a:buChar char="●"/>
-              <a:defRPr b="0" i="0" sz="1800" u="none" cap="none" strike="noStrike">
+              <a:defRPr sz="1800" b="0" i="0" u="none" strike="noStrike" cap="none">
                 <a:solidFill>
                   <a:schemeClr val="dk2"/>
                 </a:solidFill>
@@ -7791,7 +7923,7 @@
                 <a:sym typeface="Arial"/>
               </a:defRPr>
             </a:lvl1pPr>
-            <a:lvl2pPr indent="-317500" lvl="1" marL="914400" marR="0" rtl="0" algn="l">
+            <a:lvl2pPr marL="914400" marR="0" lvl="1" indent="-317500" algn="l" rtl="0">
               <a:lnSpc>
                 <a:spcPct val="115000"/>
               </a:lnSpc>
@@ -7807,7 +7939,7 @@
               <a:buSzPts val="1400"/>
               <a:buFont typeface="Arial"/>
               <a:buChar char="○"/>
-              <a:defRPr b="0" i="0" sz="1400" u="none" cap="none" strike="noStrike">
+              <a:defRPr sz="1400" b="0" i="0" u="none" strike="noStrike" cap="none">
                 <a:solidFill>
                   <a:schemeClr val="dk2"/>
                 </a:solidFill>
@@ -7817,7 +7949,7 @@
                 <a:sym typeface="Arial"/>
               </a:defRPr>
             </a:lvl2pPr>
-            <a:lvl3pPr indent="-317500" lvl="2" marL="1371600" marR="0" rtl="0" algn="l">
+            <a:lvl3pPr marL="1371600" marR="0" lvl="2" indent="-317500" algn="l" rtl="0">
               <a:lnSpc>
                 <a:spcPct val="115000"/>
               </a:lnSpc>
@@ -7833,7 +7965,7 @@
               <a:buSzPts val="1400"/>
               <a:buFont typeface="Arial"/>
               <a:buChar char="■"/>
-              <a:defRPr b="0" i="0" sz="1400" u="none" cap="none" strike="noStrike">
+              <a:defRPr sz="1400" b="0" i="0" u="none" strike="noStrike" cap="none">
                 <a:solidFill>
                   <a:schemeClr val="dk2"/>
                 </a:solidFill>
@@ -7843,7 +7975,7 @@
                 <a:sym typeface="Arial"/>
               </a:defRPr>
             </a:lvl3pPr>
-            <a:lvl4pPr indent="-317500" lvl="3" marL="1828800" marR="0" rtl="0" algn="l">
+            <a:lvl4pPr marL="1828800" marR="0" lvl="3" indent="-317500" algn="l" rtl="0">
               <a:lnSpc>
                 <a:spcPct val="115000"/>
               </a:lnSpc>
@@ -7859,7 +7991,7 @@
               <a:buSzPts val="1400"/>
               <a:buFont typeface="Arial"/>
               <a:buChar char="●"/>
-              <a:defRPr b="0" i="0" sz="1400" u="none" cap="none" strike="noStrike">
+              <a:defRPr sz="1400" b="0" i="0" u="none" strike="noStrike" cap="none">
                 <a:solidFill>
                   <a:schemeClr val="dk2"/>
                 </a:solidFill>
@@ -7869,7 +8001,7 @@
                 <a:sym typeface="Arial"/>
               </a:defRPr>
             </a:lvl4pPr>
-            <a:lvl5pPr indent="-317500" lvl="4" marL="2286000" marR="0" rtl="0" algn="l">
+            <a:lvl5pPr marL="2286000" marR="0" lvl="4" indent="-317500" algn="l" rtl="0">
               <a:lnSpc>
                 <a:spcPct val="115000"/>
               </a:lnSpc>
@@ -7885,7 +8017,7 @@
               <a:buSzPts val="1400"/>
               <a:buFont typeface="Arial"/>
               <a:buChar char="○"/>
-              <a:defRPr b="0" i="0" sz="1400" u="none" cap="none" strike="noStrike">
+              <a:defRPr sz="1400" b="0" i="0" u="none" strike="noStrike" cap="none">
                 <a:solidFill>
                   <a:schemeClr val="dk2"/>
                 </a:solidFill>
@@ -7895,7 +8027,7 @@
                 <a:sym typeface="Arial"/>
               </a:defRPr>
             </a:lvl5pPr>
-            <a:lvl6pPr indent="-317500" lvl="5" marL="2743200" marR="0" rtl="0" algn="l">
+            <a:lvl6pPr marL="2743200" marR="0" lvl="5" indent="-317500" algn="l" rtl="0">
               <a:lnSpc>
                 <a:spcPct val="115000"/>
               </a:lnSpc>
@@ -7911,7 +8043,7 @@
               <a:buSzPts val="1400"/>
               <a:buFont typeface="Arial"/>
               <a:buChar char="■"/>
-              <a:defRPr b="0" i="0" sz="1400" u="none" cap="none" strike="noStrike">
+              <a:defRPr sz="1400" b="0" i="0" u="none" strike="noStrike" cap="none">
                 <a:solidFill>
                   <a:schemeClr val="dk2"/>
                 </a:solidFill>
@@ -7921,7 +8053,7 @@
                 <a:sym typeface="Arial"/>
               </a:defRPr>
             </a:lvl6pPr>
-            <a:lvl7pPr indent="-317500" lvl="6" marL="3200400" marR="0" rtl="0" algn="l">
+            <a:lvl7pPr marL="3200400" marR="0" lvl="6" indent="-317500" algn="l" rtl="0">
               <a:lnSpc>
                 <a:spcPct val="115000"/>
               </a:lnSpc>
@@ -7937,7 +8069,7 @@
               <a:buSzPts val="1400"/>
               <a:buFont typeface="Arial"/>
               <a:buChar char="●"/>
-              <a:defRPr b="0" i="0" sz="1400" u="none" cap="none" strike="noStrike">
+              <a:defRPr sz="1400" b="0" i="0" u="none" strike="noStrike" cap="none">
                 <a:solidFill>
                   <a:schemeClr val="dk2"/>
                 </a:solidFill>
@@ -7947,7 +8079,7 @@
                 <a:sym typeface="Arial"/>
               </a:defRPr>
             </a:lvl7pPr>
-            <a:lvl8pPr indent="-317500" lvl="7" marL="3657600" marR="0" rtl="0" algn="l">
+            <a:lvl8pPr marL="3657600" marR="0" lvl="7" indent="-317500" algn="l" rtl="0">
               <a:lnSpc>
                 <a:spcPct val="115000"/>
               </a:lnSpc>
@@ -7963,7 +8095,7 @@
               <a:buSzPts val="1400"/>
               <a:buFont typeface="Arial"/>
               <a:buChar char="○"/>
-              <a:defRPr b="0" i="0" sz="1400" u="none" cap="none" strike="noStrike">
+              <a:defRPr sz="1400" b="0" i="0" u="none" strike="noStrike" cap="none">
                 <a:solidFill>
                   <a:schemeClr val="dk2"/>
                 </a:solidFill>
@@ -7973,7 +8105,7 @@
                 <a:sym typeface="Arial"/>
               </a:defRPr>
             </a:lvl8pPr>
-            <a:lvl9pPr indent="-317500" lvl="8" marL="4114800" marR="0" rtl="0" algn="l">
+            <a:lvl9pPr marL="4114800" marR="0" lvl="8" indent="-317500" algn="l" rtl="0">
               <a:lnSpc>
                 <a:spcPct val="115000"/>
               </a:lnSpc>
@@ -7989,7 +8121,7 @@
               <a:buSzPts val="1400"/>
               <a:buFont typeface="Arial"/>
               <a:buChar char="■"/>
-              <a:defRPr b="0" i="0" sz="1400" u="none" cap="none" strike="noStrike">
+              <a:defRPr sz="1400" b="0" i="0" u="none" strike="noStrike" cap="none">
                 <a:solidFill>
                   <a:schemeClr val="dk2"/>
                 </a:solidFill>
@@ -8000,15 +8132,19 @@
               </a:defRPr>
             </a:lvl9pPr>
           </a:lstStyle>
-          <a:p/>
+          <a:p>
+            <a:endParaRPr/>
+          </a:p>
         </p:txBody>
       </p:sp>
       <p:sp>
         <p:nvSpPr>
           <p:cNvPr id="8" name="Google Shape;8;p6"/>
-          <p:cNvSpPr txBox="1"/>
+          <p:cNvSpPr txBox="1">
+            <a:spLocks noGrp="1"/>
+          </p:cNvSpPr>
           <p:nvPr>
-            <p:ph idx="12" type="sldNum"/>
+            <p:ph type="sldNum" idx="12"/>
           </p:nvPr>
         </p:nvSpPr>
         <p:spPr>
@@ -8025,27 +8161,27 @@
           </a:ln>
         </p:spPr>
         <p:txBody>
-          <a:bodyPr anchorCtr="0" anchor="ctr" bIns="91425" lIns="91425" spcFirstLastPara="1" rIns="91425" wrap="square" tIns="91425">
+          <a:bodyPr spcFirstLastPara="1" wrap="square" lIns="91425" tIns="91425" rIns="91425" bIns="91425" anchor="ctr" anchorCtr="0">
             <a:noAutofit/>
           </a:bodyPr>
           <a:lstStyle>
-            <a:lvl1pPr indent="0" lvl="0" marL="0" marR="0" rtl="0" algn="r">
-              <a:lnSpc>
-                <a:spcPct val="100000"/>
-              </a:lnSpc>
-              <a:spcBef>
-                <a:spcPts val="0"/>
-              </a:spcBef>
-              <a:spcAft>
-                <a:spcPts val="0"/>
-              </a:spcAft>
-              <a:buClr>
-                <a:srgbClr val="000000"/>
-              </a:buClr>
-              <a:buSzPts val="1000"/>
-              <a:buFont typeface="Arial"/>
-              <a:buNone/>
-              <a:defRPr b="0" i="0" sz="1000" u="none" cap="none" strike="noStrike">
+            <a:lvl1pPr marL="0" marR="0" lvl="0" indent="0" algn="r" rtl="0">
+              <a:lnSpc>
+                <a:spcPct val="100000"/>
+              </a:lnSpc>
+              <a:spcBef>
+                <a:spcPts val="0"/>
+              </a:spcBef>
+              <a:spcAft>
+                <a:spcPts val="0"/>
+              </a:spcAft>
+              <a:buClr>
+                <a:srgbClr val="000000"/>
+              </a:buClr>
+              <a:buSzPts val="1000"/>
+              <a:buFont typeface="Arial"/>
+              <a:buNone/>
+              <a:defRPr sz="1000" b="0" i="0" u="none" strike="noStrike" cap="none">
                 <a:solidFill>
                   <a:schemeClr val="dk2"/>
                 </a:solidFill>
@@ -8055,23 +8191,23 @@
                 <a:sym typeface="Arial"/>
               </a:defRPr>
             </a:lvl1pPr>
-            <a:lvl2pPr indent="0" lvl="1" marL="0" marR="0" rtl="0" algn="r">
-              <a:lnSpc>
-                <a:spcPct val="100000"/>
-              </a:lnSpc>
-              <a:spcBef>
-                <a:spcPts val="0"/>
-              </a:spcBef>
-              <a:spcAft>
-                <a:spcPts val="0"/>
-              </a:spcAft>
-              <a:buClr>
-                <a:srgbClr val="000000"/>
-              </a:buClr>
-              <a:buSzPts val="1000"/>
-              <a:buFont typeface="Arial"/>
-              <a:buNone/>
-              <a:defRPr b="0" i="0" sz="1000" u="none" cap="none" strike="noStrike">
+            <a:lvl2pPr marL="0" marR="0" lvl="1" indent="0" algn="r" rtl="0">
+              <a:lnSpc>
+                <a:spcPct val="100000"/>
+              </a:lnSpc>
+              <a:spcBef>
+                <a:spcPts val="0"/>
+              </a:spcBef>
+              <a:spcAft>
+                <a:spcPts val="0"/>
+              </a:spcAft>
+              <a:buClr>
+                <a:srgbClr val="000000"/>
+              </a:buClr>
+              <a:buSzPts val="1000"/>
+              <a:buFont typeface="Arial"/>
+              <a:buNone/>
+              <a:defRPr sz="1000" b="0" i="0" u="none" strike="noStrike" cap="none">
                 <a:solidFill>
                   <a:schemeClr val="dk2"/>
                 </a:solidFill>
@@ -8081,23 +8217,23 @@
                 <a:sym typeface="Arial"/>
               </a:defRPr>
             </a:lvl2pPr>
-            <a:lvl3pPr indent="0" lvl="2" marL="0" marR="0" rtl="0" algn="r">
-              <a:lnSpc>
-                <a:spcPct val="100000"/>
-              </a:lnSpc>
-              <a:spcBef>
-                <a:spcPts val="0"/>
-              </a:spcBef>
-              <a:spcAft>
-                <a:spcPts val="0"/>
-              </a:spcAft>
-              <a:buClr>
-                <a:srgbClr val="000000"/>
-              </a:buClr>
-              <a:buSzPts val="1000"/>
-              <a:buFont typeface="Arial"/>
-              <a:buNone/>
-              <a:defRPr b="0" i="0" sz="1000" u="none" cap="none" strike="noStrike">
+            <a:lvl3pPr marL="0" marR="0" lvl="2" indent="0" algn="r" rtl="0">
+              <a:lnSpc>
+                <a:spcPct val="100000"/>
+              </a:lnSpc>
+              <a:spcBef>
+                <a:spcPts val="0"/>
+              </a:spcBef>
+              <a:spcAft>
+                <a:spcPts val="0"/>
+              </a:spcAft>
+              <a:buClr>
+                <a:srgbClr val="000000"/>
+              </a:buClr>
+              <a:buSzPts val="1000"/>
+              <a:buFont typeface="Arial"/>
+              <a:buNone/>
+              <a:defRPr sz="1000" b="0" i="0" u="none" strike="noStrike" cap="none">
                 <a:solidFill>
                   <a:schemeClr val="dk2"/>
                 </a:solidFill>
@@ -8107,23 +8243,23 @@
                 <a:sym typeface="Arial"/>
               </a:defRPr>
             </a:lvl3pPr>
-            <a:lvl4pPr indent="0" lvl="3" marL="0" marR="0" rtl="0" algn="r">
-              <a:lnSpc>
-                <a:spcPct val="100000"/>
-              </a:lnSpc>
-              <a:spcBef>
-                <a:spcPts val="0"/>
-              </a:spcBef>
-              <a:spcAft>
-                <a:spcPts val="0"/>
-              </a:spcAft>
-              <a:buClr>
-                <a:srgbClr val="000000"/>
-              </a:buClr>
-              <a:buSzPts val="1000"/>
-              <a:buFont typeface="Arial"/>
-              <a:buNone/>
-              <a:defRPr b="0" i="0" sz="1000" u="none" cap="none" strike="noStrike">
+            <a:lvl4pPr marL="0" marR="0" lvl="3" indent="0" algn="r" rtl="0">
+              <a:lnSpc>
+                <a:spcPct val="100000"/>
+              </a:lnSpc>
+              <a:spcBef>
+                <a:spcPts val="0"/>
+              </a:spcBef>
+              <a:spcAft>
+                <a:spcPts val="0"/>
+              </a:spcAft>
+              <a:buClr>
+                <a:srgbClr val="000000"/>
+              </a:buClr>
+              <a:buSzPts val="1000"/>
+              <a:buFont typeface="Arial"/>
+              <a:buNone/>
+              <a:defRPr sz="1000" b="0" i="0" u="none" strike="noStrike" cap="none">
                 <a:solidFill>
                   <a:schemeClr val="dk2"/>
                 </a:solidFill>
@@ -8133,23 +8269,23 @@
                 <a:sym typeface="Arial"/>
               </a:defRPr>
             </a:lvl4pPr>
-            <a:lvl5pPr indent="0" lvl="4" marL="0" marR="0" rtl="0" algn="r">
-              <a:lnSpc>
-                <a:spcPct val="100000"/>
-              </a:lnSpc>
-              <a:spcBef>
-                <a:spcPts val="0"/>
-              </a:spcBef>
-              <a:spcAft>
-                <a:spcPts val="0"/>
-              </a:spcAft>
-              <a:buClr>
-                <a:srgbClr val="000000"/>
-              </a:buClr>
-              <a:buSzPts val="1000"/>
-              <a:buFont typeface="Arial"/>
-              <a:buNone/>
-              <a:defRPr b="0" i="0" sz="1000" u="none" cap="none" strike="noStrike">
+            <a:lvl5pPr marL="0" marR="0" lvl="4" indent="0" algn="r" rtl="0">
+              <a:lnSpc>
+                <a:spcPct val="100000"/>
+              </a:lnSpc>
+              <a:spcBef>
+                <a:spcPts val="0"/>
+              </a:spcBef>
+              <a:spcAft>
+                <a:spcPts val="0"/>
+              </a:spcAft>
+              <a:buClr>
+                <a:srgbClr val="000000"/>
+              </a:buClr>
+              <a:buSzPts val="1000"/>
+              <a:buFont typeface="Arial"/>
+              <a:buNone/>
+              <a:defRPr sz="1000" b="0" i="0" u="none" strike="noStrike" cap="none">
                 <a:solidFill>
                   <a:schemeClr val="dk2"/>
                 </a:solidFill>
@@ -8159,23 +8295,23 @@
                 <a:sym typeface="Arial"/>
               </a:defRPr>
             </a:lvl5pPr>
-            <a:lvl6pPr indent="0" lvl="5" marL="0" marR="0" rtl="0" algn="r">
-              <a:lnSpc>
-                <a:spcPct val="100000"/>
-              </a:lnSpc>
-              <a:spcBef>
-                <a:spcPts val="0"/>
-              </a:spcBef>
-              <a:spcAft>
-                <a:spcPts val="0"/>
-              </a:spcAft>
-              <a:buClr>
-                <a:srgbClr val="000000"/>
-              </a:buClr>
-              <a:buSzPts val="1000"/>
-              <a:buFont typeface="Arial"/>
-              <a:buNone/>
-              <a:defRPr b="0" i="0" sz="1000" u="none" cap="none" strike="noStrike">
+            <a:lvl6pPr marL="0" marR="0" lvl="5" indent="0" algn="r" rtl="0">
+              <a:lnSpc>
+                <a:spcPct val="100000"/>
+              </a:lnSpc>
+              <a:spcBef>
+                <a:spcPts val="0"/>
+              </a:spcBef>
+              <a:spcAft>
+                <a:spcPts val="0"/>
+              </a:spcAft>
+              <a:buClr>
+                <a:srgbClr val="000000"/>
+              </a:buClr>
+              <a:buSzPts val="1000"/>
+              <a:buFont typeface="Arial"/>
+              <a:buNone/>
+              <a:defRPr sz="1000" b="0" i="0" u="none" strike="noStrike" cap="none">
                 <a:solidFill>
                   <a:schemeClr val="dk2"/>
                 </a:solidFill>
@@ -8185,23 +8321,23 @@
                 <a:sym typeface="Arial"/>
               </a:defRPr>
             </a:lvl6pPr>
-            <a:lvl7pPr indent="0" lvl="6" marL="0" marR="0" rtl="0" algn="r">
-              <a:lnSpc>
-                <a:spcPct val="100000"/>
-              </a:lnSpc>
-              <a:spcBef>
-                <a:spcPts val="0"/>
-              </a:spcBef>
-              <a:spcAft>
-                <a:spcPts val="0"/>
-              </a:spcAft>
-              <a:buClr>
-                <a:srgbClr val="000000"/>
-              </a:buClr>
-              <a:buSzPts val="1000"/>
-              <a:buFont typeface="Arial"/>
-              <a:buNone/>
-              <a:defRPr b="0" i="0" sz="1000" u="none" cap="none" strike="noStrike">
+            <a:lvl7pPr marL="0" marR="0" lvl="6" indent="0" algn="r" rtl="0">
+              <a:lnSpc>
+                <a:spcPct val="100000"/>
+              </a:lnSpc>
+              <a:spcBef>
+                <a:spcPts val="0"/>
+              </a:spcBef>
+              <a:spcAft>
+                <a:spcPts val="0"/>
+              </a:spcAft>
+              <a:buClr>
+                <a:srgbClr val="000000"/>
+              </a:buClr>
+              <a:buSzPts val="1000"/>
+              <a:buFont typeface="Arial"/>
+              <a:buNone/>
+              <a:defRPr sz="1000" b="0" i="0" u="none" strike="noStrike" cap="none">
                 <a:solidFill>
                   <a:schemeClr val="dk2"/>
                 </a:solidFill>
@@ -8211,23 +8347,23 @@
                 <a:sym typeface="Arial"/>
               </a:defRPr>
             </a:lvl7pPr>
-            <a:lvl8pPr indent="0" lvl="7" marL="0" marR="0" rtl="0" algn="r">
-              <a:lnSpc>
-                <a:spcPct val="100000"/>
-              </a:lnSpc>
-              <a:spcBef>
-                <a:spcPts val="0"/>
-              </a:spcBef>
-              <a:spcAft>
-                <a:spcPts val="0"/>
-              </a:spcAft>
-              <a:buClr>
-                <a:srgbClr val="000000"/>
-              </a:buClr>
-              <a:buSzPts val="1000"/>
-              <a:buFont typeface="Arial"/>
-              <a:buNone/>
-              <a:defRPr b="0" i="0" sz="1000" u="none" cap="none" strike="noStrike">
+            <a:lvl8pPr marL="0" marR="0" lvl="7" indent="0" algn="r" rtl="0">
+              <a:lnSpc>
+                <a:spcPct val="100000"/>
+              </a:lnSpc>
+              <a:spcBef>
+                <a:spcPts val="0"/>
+              </a:spcBef>
+              <a:spcAft>
+                <a:spcPts val="0"/>
+              </a:spcAft>
+              <a:buClr>
+                <a:srgbClr val="000000"/>
+              </a:buClr>
+              <a:buSzPts val="1000"/>
+              <a:buFont typeface="Arial"/>
+              <a:buNone/>
+              <a:defRPr sz="1000" b="0" i="0" u="none" strike="noStrike" cap="none">
                 <a:solidFill>
                   <a:schemeClr val="dk2"/>
                 </a:solidFill>
@@ -8237,23 +8373,23 @@
                 <a:sym typeface="Arial"/>
               </a:defRPr>
             </a:lvl8pPr>
-            <a:lvl9pPr indent="0" lvl="8" marL="0" marR="0" rtl="0" algn="r">
-              <a:lnSpc>
-                <a:spcPct val="100000"/>
-              </a:lnSpc>
-              <a:spcBef>
-                <a:spcPts val="0"/>
-              </a:spcBef>
-              <a:spcAft>
-                <a:spcPts val="0"/>
-              </a:spcAft>
-              <a:buClr>
-                <a:srgbClr val="000000"/>
-              </a:buClr>
-              <a:buSzPts val="1000"/>
-              <a:buFont typeface="Arial"/>
-              <a:buNone/>
-              <a:defRPr b="0" i="0" sz="1000" u="none" cap="none" strike="noStrike">
+            <a:lvl9pPr marL="0" marR="0" lvl="8" indent="0" algn="r" rtl="0">
+              <a:lnSpc>
+                <a:spcPct val="100000"/>
+              </a:lnSpc>
+              <a:spcBef>
+                <a:spcPts val="0"/>
+              </a:spcBef>
+              <a:spcAft>
+                <a:spcPts val="0"/>
+              </a:spcAft>
+              <a:buClr>
+                <a:srgbClr val="000000"/>
+              </a:buClr>
+              <a:buSzPts val="1000"/>
+              <a:buFont typeface="Arial"/>
+              <a:buNone/>
+              <a:defRPr sz="1000" b="0" i="0" u="none" strike="noStrike" cap="none">
                 <a:solidFill>
                   <a:schemeClr val="dk2"/>
                 </a:solidFill>
@@ -8265,7 +8401,7 @@
             </a:lvl9pPr>
           </a:lstStyle>
           <a:p>
-            <a:pPr indent="0" lvl="0" marL="0" rtl="0" algn="r">
+            <a:pPr marL="0" lvl="0" indent="0" algn="r" rtl="0">
               <a:spcBef>
                 <a:spcPts val="0"/>
               </a:spcBef>
@@ -8276,7 +8412,7 @@
             </a:pPr>
             <a:fld id="{00000000-1234-1234-1234-123412341234}" type="slidenum">
               <a:rPr lang="pt-BR"/>
-              <a:t>‹#›</a:t>
+              <a:t>‹nº›</a:t>
             </a:fld>
             <a:endParaRPr/>
           </a:p>
@@ -8284,7 +8420,7 @@
       </p:sp>
     </p:spTree>
   </p:cSld>
-  <p:clrMap accent1="accent1" accent2="accent2" accent3="accent3" accent4="accent4" accent5="accent5" accent6="accent6" bg1="lt1" bg2="dk2" tx1="dk1" tx2="lt2" folHlink="folHlink" hlink="hlink"/>
+  <p:clrMap bg1="lt1" tx1="dk1" bg2="dk2" tx2="lt2" accent1="accent1" accent2="accent2" accent3="accent3" accent4="accent4" accent5="accent5" accent6="accent6" hlink="hlink" folHlink="folHlink"/>
   <p:sldLayoutIdLst>
     <p:sldLayoutId id="2147483649" r:id="rId1"/>
     <p:sldLayoutId id="2147483650" r:id="rId2"/>
@@ -8298,10 +8434,10 @@
     <p:sldLayoutId id="2147483658" r:id="rId10"/>
     <p:sldLayoutId id="2147483659" r:id="rId11"/>
   </p:sldLayoutIdLst>
-  <p:hf dt="0" ftr="0" hdr="0" sldNum="0"/>
+  <p:hf sldNum="0" hdr="0" ftr="0" dt="0"/>
   <p:txStyles>
     <p:titleStyle>
-      <a:defPPr lvl="0" marR="0" rtl="0" algn="l">
+      <a:defPPr marR="0" lvl="0" algn="l" rtl="0">
         <a:lnSpc>
           <a:spcPct val="100000"/>
         </a:lnSpc>
@@ -8312,7 +8448,7 @@
           <a:spcPts val="0"/>
         </a:spcAft>
       </a:defPPr>
-      <a:lvl1pPr lvl="0" marR="0" rtl="0" algn="l">
+      <a:lvl1pPr marR="0" lvl="0" algn="l" rtl="0">
         <a:lnSpc>
           <a:spcPct val="100000"/>
         </a:lnSpc>
@@ -8326,7 +8462,7 @@
           <a:srgbClr val="000000"/>
         </a:buClr>
         <a:buFont typeface="Arial"/>
-        <a:defRPr b="0" i="0" sz="1400" u="none" cap="none" strike="noStrike">
+        <a:defRPr sz="1400" b="0" i="0" u="none" strike="noStrike" cap="none">
           <a:solidFill>
             <a:srgbClr val="000000"/>
           </a:solidFill>
@@ -8336,7 +8472,7 @@
           <a:sym typeface="Arial"/>
         </a:defRPr>
       </a:lvl1pPr>
-      <a:lvl2pPr lvl="1" marR="0" rtl="0" algn="l">
+      <a:lvl2pPr marR="0" lvl="1" algn="l" rtl="0">
         <a:lnSpc>
           <a:spcPct val="100000"/>
         </a:lnSpc>
@@ -8350,7 +8486,7 @@
           <a:srgbClr val="000000"/>
         </a:buClr>
         <a:buFont typeface="Arial"/>
-        <a:defRPr b="0" i="0" sz="1400" u="none" cap="none" strike="noStrike">
+        <a:defRPr sz="1400" b="0" i="0" u="none" strike="noStrike" cap="none">
           <a:solidFill>
             <a:srgbClr val="000000"/>
           </a:solidFill>
@@ -8360,7 +8496,7 @@
           <a:sym typeface="Arial"/>
         </a:defRPr>
       </a:lvl2pPr>
-      <a:lvl3pPr lvl="2" marR="0" rtl="0" algn="l">
+      <a:lvl3pPr marR="0" lvl="2" algn="l" rtl="0">
         <a:lnSpc>
           <a:spcPct val="100000"/>
         </a:lnSpc>
@@ -8374,7 +8510,7 @@
           <a:srgbClr val="000000"/>
         </a:buClr>
         <a:buFont typeface="Arial"/>
-        <a:defRPr b="0" i="0" sz="1400" u="none" cap="none" strike="noStrike">
+        <a:defRPr sz="1400" b="0" i="0" u="none" strike="noStrike" cap="none">
           <a:solidFill>
             <a:srgbClr val="000000"/>
           </a:solidFill>
@@ -8384,7 +8520,7 @@
           <a:sym typeface="Arial"/>
         </a:defRPr>
       </a:lvl3pPr>
-      <a:lvl4pPr lvl="3" marR="0" rtl="0" algn="l">
+      <a:lvl4pPr marR="0" lvl="3" algn="l" rtl="0">
         <a:lnSpc>
           <a:spcPct val="100000"/>
         </a:lnSpc>
@@ -8398,7 +8534,7 @@
           <a:srgbClr val="000000"/>
         </a:buClr>
         <a:buFont typeface="Arial"/>
-        <a:defRPr b="0" i="0" sz="1400" u="none" cap="none" strike="noStrike">
+        <a:defRPr sz="1400" b="0" i="0" u="none" strike="noStrike" cap="none">
           <a:solidFill>
             <a:srgbClr val="000000"/>
           </a:solidFill>
@@ -8408,7 +8544,7 @@
           <a:sym typeface="Arial"/>
         </a:defRPr>
       </a:lvl4pPr>
-      <a:lvl5pPr lvl="4" marR="0" rtl="0" algn="l">
+      <a:lvl5pPr marR="0" lvl="4" algn="l" rtl="0">
         <a:lnSpc>
           <a:spcPct val="100000"/>
         </a:lnSpc>
@@ -8422,7 +8558,7 @@
           <a:srgbClr val="000000"/>
         </a:buClr>
         <a:buFont typeface="Arial"/>
-        <a:defRPr b="0" i="0" sz="1400" u="none" cap="none" strike="noStrike">
+        <a:defRPr sz="1400" b="0" i="0" u="none" strike="noStrike" cap="none">
           <a:solidFill>
             <a:srgbClr val="000000"/>
           </a:solidFill>
@@ -8432,7 +8568,7 @@
           <a:sym typeface="Arial"/>
         </a:defRPr>
       </a:lvl5pPr>
-      <a:lvl6pPr lvl="5" marR="0" rtl="0" algn="l">
+      <a:lvl6pPr marR="0" lvl="5" algn="l" rtl="0">
         <a:lnSpc>
           <a:spcPct val="100000"/>
         </a:lnSpc>
@@ -8446,7 +8582,7 @@
           <a:srgbClr val="000000"/>
         </a:buClr>
         <a:buFont typeface="Arial"/>
-        <a:defRPr b="0" i="0" sz="1400" u="none" cap="none" strike="noStrike">
+        <a:defRPr sz="1400" b="0" i="0" u="none" strike="noStrike" cap="none">
           <a:solidFill>
             <a:srgbClr val="000000"/>
           </a:solidFill>
@@ -8456,7 +8592,7 @@
           <a:sym typeface="Arial"/>
         </a:defRPr>
       </a:lvl6pPr>
-      <a:lvl7pPr lvl="6" marR="0" rtl="0" algn="l">
+      <a:lvl7pPr marR="0" lvl="6" algn="l" rtl="0">
         <a:lnSpc>
           <a:spcPct val="100000"/>
         </a:lnSpc>
@@ -8470,7 +8606,7 @@
           <a:srgbClr val="000000"/>
         </a:buClr>
         <a:buFont typeface="Arial"/>
-        <a:defRPr b="0" i="0" sz="1400" u="none" cap="none" strike="noStrike">
+        <a:defRPr sz="1400" b="0" i="0" u="none" strike="noStrike" cap="none">
           <a:solidFill>
             <a:srgbClr val="000000"/>
           </a:solidFill>
@@ -8480,7 +8616,7 @@
           <a:sym typeface="Arial"/>
         </a:defRPr>
       </a:lvl7pPr>
-      <a:lvl8pPr lvl="7" marR="0" rtl="0" algn="l">
+      <a:lvl8pPr marR="0" lvl="7" algn="l" rtl="0">
         <a:lnSpc>
           <a:spcPct val="100000"/>
         </a:lnSpc>
@@ -8494,7 +8630,7 @@
           <a:srgbClr val="000000"/>
         </a:buClr>
         <a:buFont typeface="Arial"/>
-        <a:defRPr b="0" i="0" sz="1400" u="none" cap="none" strike="noStrike">
+        <a:defRPr sz="1400" b="0" i="0" u="none" strike="noStrike" cap="none">
           <a:solidFill>
             <a:srgbClr val="000000"/>
           </a:solidFill>
@@ -8504,7 +8640,7 @@
           <a:sym typeface="Arial"/>
         </a:defRPr>
       </a:lvl8pPr>
-      <a:lvl9pPr lvl="8" marR="0" rtl="0" algn="l">
+      <a:lvl9pPr marR="0" lvl="8" algn="l" rtl="0">
         <a:lnSpc>
           <a:spcPct val="100000"/>
         </a:lnSpc>
@@ -8518,7 +8654,7 @@
           <a:srgbClr val="000000"/>
         </a:buClr>
         <a:buFont typeface="Arial"/>
-        <a:defRPr b="0" i="0" sz="1400" u="none" cap="none" strike="noStrike">
+        <a:defRPr sz="1400" b="0" i="0" u="none" strike="noStrike" cap="none">
           <a:solidFill>
             <a:srgbClr val="000000"/>
           </a:solidFill>
@@ -8530,7 +8666,7 @@
       </a:lvl9pPr>
     </p:titleStyle>
     <p:bodyStyle>
-      <a:defPPr lvl="0" marR="0" rtl="0" algn="l">
+      <a:defPPr marR="0" lvl="0" algn="l" rtl="0">
         <a:lnSpc>
           <a:spcPct val="100000"/>
         </a:lnSpc>
@@ -8541,7 +8677,7 @@
           <a:spcPts val="0"/>
         </a:spcAft>
       </a:defPPr>
-      <a:lvl1pPr lvl="0" marR="0" rtl="0" algn="l">
+      <a:lvl1pPr marR="0" lvl="0" algn="l" rtl="0">
         <a:lnSpc>
           <a:spcPct val="100000"/>
         </a:lnSpc>
@@ -8555,7 +8691,7 @@
           <a:srgbClr val="000000"/>
         </a:buClr>
         <a:buFont typeface="Arial"/>
-        <a:defRPr b="0" i="0" sz="1400" u="none" cap="none" strike="noStrike">
+        <a:defRPr sz="1400" b="0" i="0" u="none" strike="noStrike" cap="none">
           <a:solidFill>
             <a:srgbClr val="000000"/>
           </a:solidFill>
@@ -8565,7 +8701,7 @@
           <a:sym typeface="Arial"/>
         </a:defRPr>
       </a:lvl1pPr>
-      <a:lvl2pPr lvl="1" marR="0" rtl="0" algn="l">
+      <a:lvl2pPr marR="0" lvl="1" algn="l" rtl="0">
         <a:lnSpc>
           <a:spcPct val="100000"/>
         </a:lnSpc>
@@ -8579,7 +8715,7 @@
           <a:srgbClr val="000000"/>
         </a:buClr>
         <a:buFont typeface="Arial"/>
-        <a:defRPr b="0" i="0" sz="1400" u="none" cap="none" strike="noStrike">
+        <a:defRPr sz="1400" b="0" i="0" u="none" strike="noStrike" cap="none">
           <a:solidFill>
             <a:srgbClr val="000000"/>
           </a:solidFill>
@@ -8589,7 +8725,7 @@
           <a:sym typeface="Arial"/>
         </a:defRPr>
       </a:lvl2pPr>
-      <a:lvl3pPr lvl="2" marR="0" rtl="0" algn="l">
+      <a:lvl3pPr marR="0" lvl="2" algn="l" rtl="0">
         <a:lnSpc>
           <a:spcPct val="100000"/>
         </a:lnSpc>
@@ -8603,7 +8739,7 @@
           <a:srgbClr val="000000"/>
         </a:buClr>
         <a:buFont typeface="Arial"/>
-        <a:defRPr b="0" i="0" sz="1400" u="none" cap="none" strike="noStrike">
+        <a:defRPr sz="1400" b="0" i="0" u="none" strike="noStrike" cap="none">
           <a:solidFill>
             <a:srgbClr val="000000"/>
           </a:solidFill>
@@ -8613,7 +8749,7 @@
           <a:sym typeface="Arial"/>
         </a:defRPr>
       </a:lvl3pPr>
-      <a:lvl4pPr lvl="3" marR="0" rtl="0" algn="l">
+      <a:lvl4pPr marR="0" lvl="3" algn="l" rtl="0">
         <a:lnSpc>
           <a:spcPct val="100000"/>
         </a:lnSpc>
@@ -8627,7 +8763,7 @@
           <a:srgbClr val="000000"/>
         </a:buClr>
         <a:buFont typeface="Arial"/>
-        <a:defRPr b="0" i="0" sz="1400" u="none" cap="none" strike="noStrike">
+        <a:defRPr sz="1400" b="0" i="0" u="none" strike="noStrike" cap="none">
           <a:solidFill>
             <a:srgbClr val="000000"/>
           </a:solidFill>
@@ -8637,7 +8773,7 @@
           <a:sym typeface="Arial"/>
         </a:defRPr>
       </a:lvl4pPr>
-      <a:lvl5pPr lvl="4" marR="0" rtl="0" algn="l">
+      <a:lvl5pPr marR="0" lvl="4" algn="l" rtl="0">
         <a:lnSpc>
           <a:spcPct val="100000"/>
         </a:lnSpc>
@@ -8651,7 +8787,7 @@
           <a:srgbClr val="000000"/>
         </a:buClr>
         <a:buFont typeface="Arial"/>
-        <a:defRPr b="0" i="0" sz="1400" u="none" cap="none" strike="noStrike">
+        <a:defRPr sz="1400" b="0" i="0" u="none" strike="noStrike" cap="none">
           <a:solidFill>
             <a:srgbClr val="000000"/>
           </a:solidFill>
@@ -8661,7 +8797,7 @@
           <a:sym typeface="Arial"/>
         </a:defRPr>
       </a:lvl5pPr>
-      <a:lvl6pPr lvl="5" marR="0" rtl="0" algn="l">
+      <a:lvl6pPr marR="0" lvl="5" algn="l" rtl="0">
         <a:lnSpc>
           <a:spcPct val="100000"/>
         </a:lnSpc>
@@ -8675,7 +8811,7 @@
           <a:srgbClr val="000000"/>
         </a:buClr>
         <a:buFont typeface="Arial"/>
-        <a:defRPr b="0" i="0" sz="1400" u="none" cap="none" strike="noStrike">
+        <a:defRPr sz="1400" b="0" i="0" u="none" strike="noStrike" cap="none">
           <a:solidFill>
             <a:srgbClr val="000000"/>
           </a:solidFill>
@@ -8685,7 +8821,7 @@
           <a:sym typeface="Arial"/>
         </a:defRPr>
       </a:lvl6pPr>
-      <a:lvl7pPr lvl="6" marR="0" rtl="0" algn="l">
+      <a:lvl7pPr marR="0" lvl="6" algn="l" rtl="0">
         <a:lnSpc>
           <a:spcPct val="100000"/>
         </a:lnSpc>
@@ -8699,7 +8835,7 @@
           <a:srgbClr val="000000"/>
         </a:buClr>
         <a:buFont typeface="Arial"/>
-        <a:defRPr b="0" i="0" sz="1400" u="none" cap="none" strike="noStrike">
+        <a:defRPr sz="1400" b="0" i="0" u="none" strike="noStrike" cap="none">
           <a:solidFill>
             <a:srgbClr val="000000"/>
           </a:solidFill>
@@ -8709,7 +8845,7 @@
           <a:sym typeface="Arial"/>
         </a:defRPr>
       </a:lvl7pPr>
-      <a:lvl8pPr lvl="7" marR="0" rtl="0" algn="l">
+      <a:lvl8pPr marR="0" lvl="7" algn="l" rtl="0">
         <a:lnSpc>
           <a:spcPct val="100000"/>
         </a:lnSpc>
@@ -8723,7 +8859,7 @@
           <a:srgbClr val="000000"/>
         </a:buClr>
         <a:buFont typeface="Arial"/>
-        <a:defRPr b="0" i="0" sz="1400" u="none" cap="none" strike="noStrike">
+        <a:defRPr sz="1400" b="0" i="0" u="none" strike="noStrike" cap="none">
           <a:solidFill>
             <a:srgbClr val="000000"/>
           </a:solidFill>
@@ -8733,7 +8869,7 @@
           <a:sym typeface="Arial"/>
         </a:defRPr>
       </a:lvl8pPr>
-      <a:lvl9pPr lvl="8" marR="0" rtl="0" algn="l">
+      <a:lvl9pPr marR="0" lvl="8" algn="l" rtl="0">
         <a:lnSpc>
           <a:spcPct val="100000"/>
         </a:lnSpc>
@@ -8747,7 +8883,7 @@
           <a:srgbClr val="000000"/>
         </a:buClr>
         <a:buFont typeface="Arial"/>
-        <a:defRPr b="0" i="0" sz="1400" u="none" cap="none" strike="noStrike">
+        <a:defRPr sz="1400" b="0" i="0" u="none" strike="noStrike" cap="none">
           <a:solidFill>
             <a:srgbClr val="000000"/>
           </a:solidFill>
@@ -8759,7 +8895,7 @@
       </a:lvl9pPr>
     </p:bodyStyle>
     <p:otherStyle>
-      <a:defPPr lvl="0" marR="0" rtl="0" algn="l">
+      <a:defPPr marR="0" lvl="0" algn="l" rtl="0">
         <a:lnSpc>
           <a:spcPct val="100000"/>
         </a:lnSpc>
@@ -8770,7 +8906,7 @@
           <a:spcPts val="0"/>
         </a:spcAft>
       </a:defPPr>
-      <a:lvl1pPr lvl="0" marR="0" rtl="0" algn="l">
+      <a:lvl1pPr marR="0" lvl="0" algn="l" rtl="0">
         <a:lnSpc>
           <a:spcPct val="100000"/>
         </a:lnSpc>
@@ -8784,7 +8920,7 @@
           <a:srgbClr val="000000"/>
         </a:buClr>
         <a:buFont typeface="Arial"/>
-        <a:defRPr b="0" i="0" sz="1400" u="none" cap="none" strike="noStrike">
+        <a:defRPr sz="1400" b="0" i="0" u="none" strike="noStrike" cap="none">
           <a:solidFill>
             <a:srgbClr val="000000"/>
           </a:solidFill>
@@ -8794,7 +8930,7 @@
           <a:sym typeface="Arial"/>
         </a:defRPr>
       </a:lvl1pPr>
-      <a:lvl2pPr lvl="1" marR="0" rtl="0" algn="l">
+      <a:lvl2pPr marR="0" lvl="1" algn="l" rtl="0">
         <a:lnSpc>
           <a:spcPct val="100000"/>
         </a:lnSpc>
@@ -8808,7 +8944,7 @@
           <a:srgbClr val="000000"/>
         </a:buClr>
         <a:buFont typeface="Arial"/>
-        <a:defRPr b="0" i="0" sz="1400" u="none" cap="none" strike="noStrike">
+        <a:defRPr sz="1400" b="0" i="0" u="none" strike="noStrike" cap="none">
           <a:solidFill>
             <a:srgbClr val="000000"/>
           </a:solidFill>
@@ -8818,7 +8954,7 @@
           <a:sym typeface="Arial"/>
         </a:defRPr>
       </a:lvl2pPr>
-      <a:lvl3pPr lvl="2" marR="0" rtl="0" algn="l">
+      <a:lvl3pPr marR="0" lvl="2" algn="l" rtl="0">
         <a:lnSpc>
           <a:spcPct val="100000"/>
         </a:lnSpc>
@@ -8832,7 +8968,7 @@
           <a:srgbClr val="000000"/>
         </a:buClr>
         <a:buFont typeface="Arial"/>
-        <a:defRPr b="0" i="0" sz="1400" u="none" cap="none" strike="noStrike">
+        <a:defRPr sz="1400" b="0" i="0" u="none" strike="noStrike" cap="none">
           <a:solidFill>
             <a:srgbClr val="000000"/>
           </a:solidFill>
@@ -8842,7 +8978,7 @@
           <a:sym typeface="Arial"/>
         </a:defRPr>
       </a:lvl3pPr>
-      <a:lvl4pPr lvl="3" marR="0" rtl="0" algn="l">
+      <a:lvl4pPr marR="0" lvl="3" algn="l" rtl="0">
         <a:lnSpc>
           <a:spcPct val="100000"/>
         </a:lnSpc>
@@ -8856,7 +8992,7 @@
           <a:srgbClr val="000000"/>
         </a:buClr>
         <a:buFont typeface="Arial"/>
-        <a:defRPr b="0" i="0" sz="1400" u="none" cap="none" strike="noStrike">
+        <a:defRPr sz="1400" b="0" i="0" u="none" strike="noStrike" cap="none">
           <a:solidFill>
             <a:srgbClr val="000000"/>
           </a:solidFill>
@@ -8866,7 +9002,7 @@
           <a:sym typeface="Arial"/>
         </a:defRPr>
       </a:lvl4pPr>
-      <a:lvl5pPr lvl="4" marR="0" rtl="0" algn="l">
+      <a:lvl5pPr marR="0" lvl="4" algn="l" rtl="0">
         <a:lnSpc>
           <a:spcPct val="100000"/>
         </a:lnSpc>
@@ -8880,7 +9016,7 @@
           <a:srgbClr val="000000"/>
         </a:buClr>
         <a:buFont typeface="Arial"/>
-        <a:defRPr b="0" i="0" sz="1400" u="none" cap="none" strike="noStrike">
+        <a:defRPr sz="1400" b="0" i="0" u="none" strike="noStrike" cap="none">
           <a:solidFill>
             <a:srgbClr val="000000"/>
           </a:solidFill>
@@ -8890,7 +9026,7 @@
           <a:sym typeface="Arial"/>
         </a:defRPr>
       </a:lvl5pPr>
-      <a:lvl6pPr lvl="5" marR="0" rtl="0" algn="l">
+      <a:lvl6pPr marR="0" lvl="5" algn="l" rtl="0">
         <a:lnSpc>
           <a:spcPct val="100000"/>
         </a:lnSpc>
@@ -8904,7 +9040,7 @@
           <a:srgbClr val="000000"/>
         </a:buClr>
         <a:buFont typeface="Arial"/>
-        <a:defRPr b="0" i="0" sz="1400" u="none" cap="none" strike="noStrike">
+        <a:defRPr sz="1400" b="0" i="0" u="none" strike="noStrike" cap="none">
           <a:solidFill>
             <a:srgbClr val="000000"/>
           </a:solidFill>
@@ -8914,7 +9050,7 @@
           <a:sym typeface="Arial"/>
         </a:defRPr>
       </a:lvl6pPr>
-      <a:lvl7pPr lvl="6" marR="0" rtl="0" algn="l">
+      <a:lvl7pPr marR="0" lvl="6" algn="l" rtl="0">
         <a:lnSpc>
           <a:spcPct val="100000"/>
         </a:lnSpc>
@@ -8928,7 +9064,7 @@
           <a:srgbClr val="000000"/>
         </a:buClr>
         <a:buFont typeface="Arial"/>
-        <a:defRPr b="0" i="0" sz="1400" u="none" cap="none" strike="noStrike">
+        <a:defRPr sz="1400" b="0" i="0" u="none" strike="noStrike" cap="none">
           <a:solidFill>
             <a:srgbClr val="000000"/>
           </a:solidFill>
@@ -8938,7 +9074,7 @@
           <a:sym typeface="Arial"/>
         </a:defRPr>
       </a:lvl7pPr>
-      <a:lvl8pPr lvl="7" marR="0" rtl="0" algn="l">
+      <a:lvl8pPr marR="0" lvl="7" algn="l" rtl="0">
         <a:lnSpc>
           <a:spcPct val="100000"/>
         </a:lnSpc>
@@ -8952,7 +9088,7 @@
           <a:srgbClr val="000000"/>
         </a:buClr>
         <a:buFont typeface="Arial"/>
-        <a:defRPr b="0" i="0" sz="1400" u="none" cap="none" strike="noStrike">
+        <a:defRPr sz="1400" b="0" i="0" u="none" strike="noStrike" cap="none">
           <a:solidFill>
             <a:srgbClr val="000000"/>
           </a:solidFill>
@@ -8962,7 +9098,7 @@
           <a:sym typeface="Arial"/>
         </a:defRPr>
       </a:lvl8pPr>
-      <a:lvl9pPr lvl="8" marR="0" rtl="0" algn="l">
+      <a:lvl9pPr marR="0" lvl="8" algn="l" rtl="0">
         <a:lnSpc>
           <a:spcPct val="100000"/>
         </a:lnSpc>
@@ -8976,7 +9112,7 @@
           <a:srgbClr val="000000"/>
         </a:buClr>
         <a:buFont typeface="Arial"/>
-        <a:defRPr b="0" i="0" sz="1400" u="none" cap="none" strike="noStrike">
+        <a:defRPr sz="1400" b="0" i="0" u="none" strike="noStrike" cap="none">
           <a:solidFill>
             <a:srgbClr val="000000"/>
           </a:solidFill>
@@ -8992,11 +9128,11 @@
 </file>
 
 <file path=ppt/slides/slide1.xml><?xml version="1.0" encoding="utf-8"?>
-<p:sld xmlns:a="http://schemas.openxmlformats.org/drawingml/2006/main" xmlns:r="http://schemas.openxmlformats.org/officeDocument/2006/relationships" xmlns:mc="http://schemas.openxmlformats.org/markup-compatibility/2006" xmlns:mv="urn:schemas-microsoft-com:mac:vml" xmlns:p="http://schemas.openxmlformats.org/presentationml/2006/main" xmlns:c="http://schemas.openxmlformats.org/drawingml/2006/chart" xmlns:dgm="http://schemas.openxmlformats.org/drawingml/2006/diagram" xmlns:o="urn:schemas-microsoft-com:office:office" xmlns:v="urn:schemas-microsoft-com:vml" xmlns:pvml="urn:schemas-microsoft-com:office:powerpoint" xmlns:com="http://schemas.openxmlformats.org/drawingml/2006/compatibility" xmlns:p14="http://schemas.microsoft.com/office/powerpoint/2010/main" xmlns:p15="http://schemas.microsoft.com/office/powerpoint/2012/main" xmlns:ahyp="http://schemas.microsoft.com/office/drawing/2018/hyperlinkcolor">
+<p:sld xmlns:a="http://schemas.openxmlformats.org/drawingml/2006/main" xmlns:r="http://schemas.openxmlformats.org/officeDocument/2006/relationships" xmlns:p="http://schemas.openxmlformats.org/presentationml/2006/main">
   <p:cSld>
     <p:spTree>
       <p:nvGrpSpPr>
-        <p:cNvPr id="53" name="Shape 53"/>
+        <p:cNvPr id="1" name="Shape 53"/>
         <p:cNvGrpSpPr/>
         <p:nvPr/>
       </p:nvGrpSpPr>
@@ -9028,12 +9164,12 @@
           </a:ln>
         </p:spPr>
         <p:txBody>
-          <a:bodyPr anchorCtr="0" anchor="t" bIns="91425" lIns="91425" spcFirstLastPara="1" rIns="91425" wrap="square" tIns="91425">
+          <a:bodyPr spcFirstLastPara="1" wrap="square" lIns="91425" tIns="91425" rIns="91425" bIns="91425" anchor="t" anchorCtr="0">
             <a:noAutofit/>
           </a:bodyPr>
           <a:lstStyle/>
           <a:p>
-            <a:pPr indent="0" lvl="0" marL="0" marR="0" rtl="0" algn="ctr">
+            <a:pPr marL="0" marR="0" lvl="0" indent="0" algn="ctr" rtl="0">
               <a:lnSpc>
                 <a:spcPct val="100000"/>
               </a:lnSpc>
@@ -9051,7 +9187,7 @@
               <a:buNone/>
             </a:pPr>
             <a:r>
-              <a:rPr b="0" i="0" lang="pt-BR" sz="2000" u="none" cap="none" strike="noStrike">
+              <a:rPr lang="pt-BR" sz="2000" b="0" i="0" u="none" strike="noStrike" cap="none">
                 <a:solidFill>
                   <a:srgbClr val="000000"/>
                 </a:solidFill>
@@ -9082,8 +9218,8 @@
         </p:blipFill>
         <p:spPr>
           <a:xfrm>
-            <a:off x="1318625" y="584791"/>
-            <a:ext cx="6762310" cy="4253908"/>
+            <a:off x="1456659" y="584791"/>
+            <a:ext cx="6624275" cy="4167962"/>
           </a:xfrm>
           <a:prstGeom prst="rect">
             <a:avLst/>
@@ -9103,11 +9239,11 @@
 </file>
 
 <file path=ppt/slides/slide2.xml><?xml version="1.0" encoding="utf-8"?>
-<p:sld xmlns:a="http://schemas.openxmlformats.org/drawingml/2006/main" xmlns:r="http://schemas.openxmlformats.org/officeDocument/2006/relationships" xmlns:mc="http://schemas.openxmlformats.org/markup-compatibility/2006" xmlns:mv="urn:schemas-microsoft-com:mac:vml" xmlns:p="http://schemas.openxmlformats.org/presentationml/2006/main" xmlns:c="http://schemas.openxmlformats.org/drawingml/2006/chart" xmlns:dgm="http://schemas.openxmlformats.org/drawingml/2006/diagram" xmlns:o="urn:schemas-microsoft-com:office:office" xmlns:v="urn:schemas-microsoft-com:vml" xmlns:pvml="urn:schemas-microsoft-com:office:powerpoint" xmlns:com="http://schemas.openxmlformats.org/drawingml/2006/compatibility" xmlns:p14="http://schemas.microsoft.com/office/powerpoint/2010/main" xmlns:p15="http://schemas.microsoft.com/office/powerpoint/2012/main" xmlns:ahyp="http://schemas.microsoft.com/office/drawing/2018/hyperlinkcolor">
+<p:sld xmlns:a="http://schemas.openxmlformats.org/drawingml/2006/main" xmlns:r="http://schemas.openxmlformats.org/officeDocument/2006/relationships" xmlns:p="http://schemas.openxmlformats.org/presentationml/2006/main">
   <p:cSld>
     <p:spTree>
       <p:nvGrpSpPr>
-        <p:cNvPr id="59" name="Shape 59"/>
+        <p:cNvPr id="1" name="Shape 59"/>
         <p:cNvGrpSpPr/>
         <p:nvPr/>
       </p:nvGrpSpPr>
@@ -9139,12 +9275,12 @@
           </a:ln>
         </p:spPr>
         <p:txBody>
-          <a:bodyPr anchorCtr="0" anchor="t" bIns="91425" lIns="91425" spcFirstLastPara="1" rIns="91425" wrap="square" tIns="91425">
+          <a:bodyPr spcFirstLastPara="1" wrap="square" lIns="91425" tIns="91425" rIns="91425" bIns="91425" anchor="t" anchorCtr="0">
             <a:noAutofit/>
           </a:bodyPr>
           <a:lstStyle/>
           <a:p>
-            <a:pPr indent="0" lvl="0" marL="0" marR="0" rtl="0" algn="ctr">
+            <a:pPr marL="0" marR="0" lvl="0" indent="0" algn="ctr" rtl="0">
               <a:lnSpc>
                 <a:spcPct val="100000"/>
               </a:lnSpc>
@@ -9162,7 +9298,7 @@
               <a:buNone/>
             </a:pPr>
             <a:r>
-              <a:rPr b="0" i="0" lang="pt-BR" sz="2000" u="none" cap="none" strike="noStrike">
+              <a:rPr lang="pt-BR" sz="2000" b="0" i="0" u="none" strike="noStrike" cap="none">
                 <a:solidFill>
                   <a:srgbClr val="000000"/>
                 </a:solidFill>
@@ -9173,7 +9309,7 @@
               </a:rPr>
               <a:t>DFD ESSENCIAL de MINISTRAR AULAS</a:t>
             </a:r>
-            <a:endParaRPr b="0" i="0" sz="2000" u="none" cap="none" strike="noStrike">
+            <a:endParaRPr sz="2000" b="0" i="0" u="none" strike="noStrike" cap="none">
               <a:solidFill>
                 <a:srgbClr val="000000"/>
               </a:solidFill>
@@ -9187,29 +9323,31 @@
       </p:sp>
       <p:pic>
         <p:nvPicPr>
-          <p:cNvPr id="61" name="Google Shape;61;p2"/>
-          <p:cNvPicPr preferRelativeResize="0"/>
+          <p:cNvPr id="4" name="Imagem 3">
+            <a:extLst>
+              <a:ext uri="{FF2B5EF4-FFF2-40B4-BE49-F238E27FC236}">
+                <a16:creationId xmlns:a16="http://schemas.microsoft.com/office/drawing/2014/main" id="{B9929403-58A5-4D20-9486-80677C00581A}"/>
+              </a:ext>
+            </a:extLst>
+          </p:cNvPr>
+          <p:cNvPicPr>
+            <a:picLocks noChangeAspect="1"/>
+          </p:cNvPicPr>
           <p:nvPr/>
         </p:nvPicPr>
         <p:blipFill rotWithShape="1">
-          <a:blip r:embed="rId3">
-            <a:alphaModFix/>
-          </a:blip>
-          <a:srcRect b="0" l="0" r="87562" t="0"/>
+          <a:blip r:embed="rId3"/>
+          <a:srcRect r="86744"/>
           <a:stretch/>
         </p:blipFill>
         <p:spPr>
           <a:xfrm>
-            <a:off x="974902" y="724032"/>
-            <a:ext cx="7070301" cy="4407838"/>
+            <a:off x="1679591" y="1014303"/>
+            <a:ext cx="6283842" cy="3675847"/>
           </a:xfrm>
           <a:prstGeom prst="rect">
             <a:avLst/>
           </a:prstGeom>
-          <a:noFill/>
-          <a:ln>
-            <a:noFill/>
-          </a:ln>
         </p:spPr>
       </p:pic>
     </p:spTree>
@@ -9221,11 +9359,11 @@
 </file>
 
 <file path=ppt/slides/slide3.xml><?xml version="1.0" encoding="utf-8"?>
-<p:sld xmlns:a="http://schemas.openxmlformats.org/drawingml/2006/main" xmlns:r="http://schemas.openxmlformats.org/officeDocument/2006/relationships" xmlns:mc="http://schemas.openxmlformats.org/markup-compatibility/2006" xmlns:mv="urn:schemas-microsoft-com:mac:vml" xmlns:p="http://schemas.openxmlformats.org/presentationml/2006/main" xmlns:c="http://schemas.openxmlformats.org/drawingml/2006/chart" xmlns:dgm="http://schemas.openxmlformats.org/drawingml/2006/diagram" xmlns:o="urn:schemas-microsoft-com:office:office" xmlns:v="urn:schemas-microsoft-com:vml" xmlns:pvml="urn:schemas-microsoft-com:office:powerpoint" xmlns:com="http://schemas.openxmlformats.org/drawingml/2006/compatibility" xmlns:p14="http://schemas.microsoft.com/office/powerpoint/2010/main" xmlns:p15="http://schemas.microsoft.com/office/powerpoint/2012/main" xmlns:ahyp="http://schemas.microsoft.com/office/drawing/2018/hyperlinkcolor">
+<p:sld xmlns:a="http://schemas.openxmlformats.org/drawingml/2006/main" xmlns:r="http://schemas.openxmlformats.org/officeDocument/2006/relationships" xmlns:p="http://schemas.openxmlformats.org/presentationml/2006/main">
   <p:cSld>
     <p:spTree>
       <p:nvGrpSpPr>
-        <p:cNvPr id="65" name="Shape 65"/>
+        <p:cNvPr id="1" name="Shape 65"/>
         <p:cNvGrpSpPr/>
         <p:nvPr/>
       </p:nvGrpSpPr>
@@ -9257,12 +9395,12 @@
           </a:ln>
         </p:spPr>
         <p:txBody>
-          <a:bodyPr anchorCtr="0" anchor="t" bIns="91425" lIns="91425" spcFirstLastPara="1" rIns="91425" wrap="square" tIns="91425">
+          <a:bodyPr spcFirstLastPara="1" wrap="square" lIns="91425" tIns="91425" rIns="91425" bIns="91425" anchor="t" anchorCtr="0">
             <a:noAutofit/>
           </a:bodyPr>
           <a:lstStyle/>
           <a:p>
-            <a:pPr indent="0" lvl="0" marL="0" marR="0" rtl="0" algn="ctr">
+            <a:pPr marL="0" marR="0" lvl="0" indent="0" algn="ctr" rtl="0">
               <a:lnSpc>
                 <a:spcPct val="100000"/>
               </a:lnSpc>
@@ -9280,7 +9418,7 @@
               <a:buNone/>
             </a:pPr>
             <a:r>
-              <a:rPr b="0" i="0" lang="pt-BR" sz="2000" u="none" cap="none" strike="noStrike">
+              <a:rPr lang="pt-BR" sz="2000" b="0" i="0" u="none" strike="noStrike" cap="none">
                 <a:solidFill>
                   <a:srgbClr val="000000"/>
                 </a:solidFill>
@@ -9291,7 +9429,7 @@
               </a:rPr>
               <a:t>DFD ESSENCIAL de NEGOCIAR</a:t>
             </a:r>
-            <a:endParaRPr b="0" i="0" sz="2000" u="none" cap="none" strike="noStrike">
+            <a:endParaRPr sz="2000" b="0" i="0" u="none" strike="noStrike" cap="none">
               <a:solidFill>
                 <a:srgbClr val="000000"/>
               </a:solidFill>
@@ -9340,11 +9478,11 @@
 </file>
 
 <file path=ppt/slides/slide4.xml><?xml version="1.0" encoding="utf-8"?>
-<p:sld xmlns:a="http://schemas.openxmlformats.org/drawingml/2006/main" xmlns:r="http://schemas.openxmlformats.org/officeDocument/2006/relationships" xmlns:mc="http://schemas.openxmlformats.org/markup-compatibility/2006" xmlns:mv="urn:schemas-microsoft-com:mac:vml" xmlns:p="http://schemas.openxmlformats.org/presentationml/2006/main" xmlns:c="http://schemas.openxmlformats.org/drawingml/2006/chart" xmlns:dgm="http://schemas.openxmlformats.org/drawingml/2006/diagram" xmlns:o="urn:schemas-microsoft-com:office:office" xmlns:v="urn:schemas-microsoft-com:vml" xmlns:pvml="urn:schemas-microsoft-com:office:powerpoint" xmlns:com="http://schemas.openxmlformats.org/drawingml/2006/compatibility" xmlns:p14="http://schemas.microsoft.com/office/powerpoint/2010/main" xmlns:p15="http://schemas.microsoft.com/office/powerpoint/2012/main" xmlns:ahyp="http://schemas.microsoft.com/office/drawing/2018/hyperlinkcolor">
+<p:sld xmlns:a="http://schemas.openxmlformats.org/drawingml/2006/main" xmlns:r="http://schemas.openxmlformats.org/officeDocument/2006/relationships" xmlns:p="http://schemas.openxmlformats.org/presentationml/2006/main">
   <p:cSld>
     <p:spTree>
       <p:nvGrpSpPr>
-        <p:cNvPr id="71" name="Shape 71"/>
+        <p:cNvPr id="1" name="Shape 71"/>
         <p:cNvGrpSpPr/>
         <p:nvPr/>
       </p:nvGrpSpPr>
@@ -9376,12 +9514,12 @@
           </a:ln>
         </p:spPr>
         <p:txBody>
-          <a:bodyPr anchorCtr="0" anchor="t" bIns="91425" lIns="91425" spcFirstLastPara="1" rIns="91425" wrap="square" tIns="91425">
+          <a:bodyPr spcFirstLastPara="1" wrap="square" lIns="91425" tIns="91425" rIns="91425" bIns="91425" anchor="t" anchorCtr="0">
             <a:noAutofit/>
           </a:bodyPr>
           <a:lstStyle/>
           <a:p>
-            <a:pPr indent="0" lvl="0" marL="0" marR="0" rtl="0" algn="ctr">
+            <a:pPr marL="0" marR="0" lvl="0" indent="0" algn="ctr" rtl="0">
               <a:lnSpc>
                 <a:spcPct val="100000"/>
               </a:lnSpc>
@@ -9399,7 +9537,7 @@
               <a:buNone/>
             </a:pPr>
             <a:r>
-              <a:rPr b="0" i="0" lang="pt-BR" sz="2000" u="none" cap="none" strike="noStrike">
+              <a:rPr lang="pt-BR" sz="2000" b="0" i="0" u="none" strike="noStrike" cap="none">
                 <a:solidFill>
                   <a:srgbClr val="000000"/>
                 </a:solidFill>
@@ -9410,7 +9548,7 @@
               </a:rPr>
               <a:t>DFD ESSENCIAL de TRANSFERÊNCIA</a:t>
             </a:r>
-            <a:endParaRPr b="0" i="0" sz="2000" u="none" cap="none" strike="noStrike">
+            <a:endParaRPr sz="2000" b="0" i="0" u="none" strike="noStrike" cap="none">
               <a:solidFill>
                 <a:srgbClr val="000000"/>
               </a:solidFill>
@@ -9424,7 +9562,7 @@
       </p:sp>
       <p:pic>
         <p:nvPicPr>
-          <p:cNvPr descr="Interface gráfica do usuário, Aplicativo&#10;&#10;Descrição gerada automaticamente" id="73" name="Google Shape;73;p4"/>
+          <p:cNvPr id="73" name="Google Shape;73;p4" descr="Interface gráfica do usuário, Aplicativo&#10;&#10;Descrição gerada automaticamente"/>
           <p:cNvPicPr preferRelativeResize="0"/>
           <p:nvPr/>
         </p:nvPicPr>
@@ -9432,7 +9570,7 @@
           <a:blip r:embed="rId3">
             <a:alphaModFix/>
           </a:blip>
-          <a:srcRect b="0" l="0" r="0" t="0"/>
+          <a:srcRect/>
           <a:stretch/>
         </p:blipFill>
         <p:spPr>
@@ -9458,11 +9596,11 @@
 </file>
 
 <file path=ppt/slides/slide5.xml><?xml version="1.0" encoding="utf-8"?>
-<p:sld xmlns:a="http://schemas.openxmlformats.org/drawingml/2006/main" xmlns:r="http://schemas.openxmlformats.org/officeDocument/2006/relationships" xmlns:mc="http://schemas.openxmlformats.org/markup-compatibility/2006" xmlns:mv="urn:schemas-microsoft-com:mac:vml" xmlns:p="http://schemas.openxmlformats.org/presentationml/2006/main" xmlns:c="http://schemas.openxmlformats.org/drawingml/2006/chart" xmlns:dgm="http://schemas.openxmlformats.org/drawingml/2006/diagram" xmlns:o="urn:schemas-microsoft-com:office:office" xmlns:v="urn:schemas-microsoft-com:vml" xmlns:pvml="urn:schemas-microsoft-com:office:powerpoint" xmlns:com="http://schemas.openxmlformats.org/drawingml/2006/compatibility" xmlns:p14="http://schemas.microsoft.com/office/powerpoint/2010/main" xmlns:p15="http://schemas.microsoft.com/office/powerpoint/2012/main" xmlns:ahyp="http://schemas.microsoft.com/office/drawing/2018/hyperlinkcolor">
+<p:sld xmlns:a="http://schemas.openxmlformats.org/drawingml/2006/main" xmlns:r="http://schemas.openxmlformats.org/officeDocument/2006/relationships" xmlns:p="http://schemas.openxmlformats.org/presentationml/2006/main">
   <p:cSld>
     <p:spTree>
       <p:nvGrpSpPr>
-        <p:cNvPr id="77" name="Shape 77"/>
+        <p:cNvPr id="1" name="Shape 77"/>
         <p:cNvGrpSpPr/>
         <p:nvPr/>
       </p:nvGrpSpPr>
@@ -9494,12 +9632,12 @@
           </a:ln>
         </p:spPr>
         <p:txBody>
-          <a:bodyPr anchorCtr="0" anchor="t" bIns="91425" lIns="91425" spcFirstLastPara="1" rIns="91425" wrap="square" tIns="91425">
+          <a:bodyPr spcFirstLastPara="1" wrap="square" lIns="91425" tIns="91425" rIns="91425" bIns="91425" anchor="t" anchorCtr="0">
             <a:noAutofit/>
           </a:bodyPr>
           <a:lstStyle/>
           <a:p>
-            <a:pPr indent="0" lvl="0" marL="0" marR="0" rtl="0" algn="ctr">
+            <a:pPr marL="0" marR="0" lvl="0" indent="0" algn="ctr" rtl="0">
               <a:lnSpc>
                 <a:spcPct val="100000"/>
               </a:lnSpc>
@@ -9517,7 +9655,7 @@
               <a:buNone/>
             </a:pPr>
             <a:r>
-              <a:rPr b="0" i="0" lang="pt-BR" sz="2000" u="none" cap="none" strike="noStrike">
+              <a:rPr lang="pt-BR" sz="2000" b="0" i="0" u="none" strike="noStrike" cap="none">
                 <a:solidFill>
                   <a:srgbClr val="000000"/>
                 </a:solidFill>
@@ -9528,7 +9666,7 @@
               </a:rPr>
               <a:t>DFD ESSENCIAL de TRANCAMENTO</a:t>
             </a:r>
-            <a:endParaRPr b="0" i="0" sz="2000" u="none" cap="none" strike="noStrike">
+            <a:endParaRPr sz="2000" b="0" i="0" u="none" strike="noStrike" cap="none">
               <a:solidFill>
                 <a:srgbClr val="000000"/>
               </a:solidFill>
@@ -9542,7 +9680,7 @@
       </p:sp>
       <p:pic>
         <p:nvPicPr>
-          <p:cNvPr descr="Interface gráfica do usuário&#10;&#10;Descrição gerada automaticamente" id="79" name="Google Shape;79;p5"/>
+          <p:cNvPr id="79" name="Google Shape;79;p5" descr="Interface gráfica do usuário&#10;&#10;Descrição gerada automaticamente"/>
           <p:cNvPicPr preferRelativeResize="0"/>
           <p:nvPr/>
         </p:nvPicPr>
@@ -9550,7 +9688,7 @@
           <a:blip r:embed="rId3">
             <a:alphaModFix/>
           </a:blip>
-          <a:srcRect b="0" l="0" r="0" t="0"/>
+          <a:srcRect/>
           <a:stretch/>
         </p:blipFill>
         <p:spPr>
@@ -9576,7 +9714,7 @@
 </file>
 
 <file path=ppt/theme/theme1.xml><?xml version="1.0" encoding="utf-8"?>
-<a:theme xmlns:a="http://schemas.openxmlformats.org/drawingml/2006/main" xmlns:r="http://schemas.openxmlformats.org/officeDocument/2006/relationships" name="Simple Light">
+<a:theme xmlns:a="http://schemas.openxmlformats.org/drawingml/2006/main" name="Simple Light">
   <a:themeElements>
     <a:clrScheme name="Simple Light">
       <a:dk1>
@@ -9851,11 +9989,13 @@
       </a:bgFillStyleLst>
     </a:fmtScheme>
   </a:themeElements>
+  <a:objectDefaults/>
+  <a:extraClrSchemeLst/>
 </a:theme>
 </file>
 
 <file path=ppt/theme/theme2.xml><?xml version="1.0" encoding="utf-8"?>
-<a:theme xmlns:a="http://schemas.openxmlformats.org/drawingml/2006/main" xmlns:r="http://schemas.openxmlformats.org/officeDocument/2006/relationships">
+<a:theme xmlns:a="http://schemas.openxmlformats.org/drawingml/2006/main">
   <a:themeElements>
     <a:clrScheme name="Default">
       <a:dk1>
@@ -10130,5 +10270,7 @@
       </a:bgFillStyleLst>
     </a:fmtScheme>
   </a:themeElements>
+  <a:objectDefaults/>
+  <a:extraClrSchemeLst/>
 </a:theme>
 </file>